--- a/答辩/毕业答辩报告v2-饶开源.pptx
+++ b/答辩/毕业答辩报告v2-饶开源.pptx
@@ -187,7 +187,7 @@
 <file path=ppt/charts/chart1.xml><?xml version="1.0" encoding="utf-8"?>
 <c:chartSpace xmlns:c="http://schemas.openxmlformats.org/drawingml/2006/chart" xmlns:a="http://schemas.openxmlformats.org/drawingml/2006/main" xmlns:r="http://schemas.openxmlformats.org/officeDocument/2006/relationships">
   <c:date1904 val="0"/>
-  <c:lang val="zh-CN"/>
+  <c:lang val="en-US"/>
   <c:roundedCorners val="0"/>
   <mc:AlternateContent xmlns:mc="http://schemas.openxmlformats.org/markup-compatibility/2006">
     <mc:Choice xmlns:c14="http://schemas.microsoft.com/office/drawing/2007/8/2/chart" Requires="c14">
@@ -296,7 +296,7 @@
                     <a:cs typeface="+mn-cs"/>
                   </a:defRPr>
                 </a:pPr>
-                <a:endParaRPr lang="zh-CN"/>
+                <a:endParaRPr lang="en-US"/>
               </a:p>
             </c:txPr>
             <c:showLegendKey val="0"/>
@@ -372,7 +372,7 @@
                   <c:v>2.58</c:v>
                 </c:pt>
                 <c:pt idx="4">
-                  <c:v>4.6500000000000004</c:v>
+                  <c:v>4.649999999999999</c:v>
                 </c:pt>
                 <c:pt idx="5">
                   <c:v>3.28</c:v>
@@ -433,7 +433,7 @@
                     <a:cs typeface="+mn-cs"/>
                   </a:defRPr>
                 </a:pPr>
-                <a:endParaRPr lang="zh-CN"/>
+                <a:endParaRPr lang="en-US"/>
               </a:p>
             </c:txPr>
             <c:showLegendKey val="0"/>
@@ -506,7 +506,7 @@
                   <c:v>7.43</c:v>
                 </c:pt>
                 <c:pt idx="3">
-                  <c:v>2.1800000000000002</c:v>
+                  <c:v>2.18</c:v>
                 </c:pt>
                 <c:pt idx="4">
                   <c:v>3.49</c:v>
@@ -528,12 +528,12 @@
         </c:dLbls>
         <c:gapWidth val="150"/>
         <c:shape val="box"/>
-        <c:axId val="-198341952"/>
-        <c:axId val="-198334880"/>
-        <c:axId val="-195403376"/>
+        <c:axId val="2115180000"/>
+        <c:axId val="2113289472"/>
+        <c:axId val="1732561952"/>
       </c:bar3DChart>
       <c:catAx>
-        <c:axId val="-198341952"/>
+        <c:axId val="2115180000"/>
         <c:scaling>
           <c:orientation val="minMax"/>
         </c:scaling>
@@ -567,10 +567,10 @@
                 <a:cs typeface="+mn-cs"/>
               </a:defRPr>
             </a:pPr>
-            <a:endParaRPr lang="zh-CN"/>
+            <a:endParaRPr lang="en-US"/>
           </a:p>
         </c:txPr>
-        <c:crossAx val="-198334880"/>
+        <c:crossAx val="2113289472"/>
         <c:crosses val="autoZero"/>
         <c:auto val="1"/>
         <c:lblAlgn val="ctr"/>
@@ -578,7 +578,7 @@
         <c:noMultiLvlLbl val="0"/>
       </c:catAx>
       <c:valAx>
-        <c:axId val="-198334880"/>
+        <c:axId val="2113289472"/>
         <c:scaling>
           <c:orientation val="minMax"/>
         </c:scaling>
@@ -626,15 +626,15 @@
                 <a:cs typeface="+mn-cs"/>
               </a:defRPr>
             </a:pPr>
-            <a:endParaRPr lang="zh-CN"/>
+            <a:endParaRPr lang="en-US"/>
           </a:p>
         </c:txPr>
-        <c:crossAx val="-198341952"/>
+        <c:crossAx val="2115180000"/>
         <c:crosses val="autoZero"/>
         <c:crossBetween val="between"/>
       </c:valAx>
       <c:serAx>
-        <c:axId val="-195403376"/>
+        <c:axId val="1732561952"/>
         <c:scaling>
           <c:orientation val="minMax"/>
         </c:scaling>
@@ -667,10 +667,10 @@
                 <a:cs typeface="+mn-cs"/>
               </a:defRPr>
             </a:pPr>
-            <a:endParaRPr lang="zh-CN"/>
+            <a:endParaRPr lang="en-US"/>
           </a:p>
         </c:txPr>
-        <c:crossAx val="-198334880"/>
+        <c:crossAx val="2113289472"/>
         <c:crosses val="autoZero"/>
       </c:serAx>
       <c:spPr>
@@ -687,10 +687,10 @@
         <c:manualLayout>
           <c:xMode val="edge"/>
           <c:yMode val="edge"/>
-          <c:x val="0.38828740157480313"/>
-          <c:y val="0.82355019685039366"/>
-          <c:w val="0.21925836614173227"/>
-          <c:h val="6.3949803149606299E-2"/>
+          <c:x val="0.388287401574803"/>
+          <c:y val="0.823550196850394"/>
+          <c:w val="0.219258366141732"/>
+          <c:h val="0.0639498031496063"/>
         </c:manualLayout>
       </c:layout>
       <c:overlay val="0"/>
@@ -718,7 +718,7 @@
               <a:cs typeface="+mn-cs"/>
             </a:defRPr>
           </a:pPr>
-          <a:endParaRPr lang="zh-CN"/>
+          <a:endParaRPr lang="en-US"/>
         </a:p>
       </c:txPr>
     </c:legend>
@@ -740,7 +740,7 @@
       <a:pPr>
         <a:defRPr/>
       </a:pPr>
-      <a:endParaRPr lang="zh-CN"/>
+      <a:endParaRPr lang="en-US"/>
     </a:p>
   </c:txPr>
   <c:externalData r:id="rId3">
@@ -752,7 +752,7 @@
 <file path=ppt/charts/chart2.xml><?xml version="1.0" encoding="utf-8"?>
 <c:chartSpace xmlns:c="http://schemas.openxmlformats.org/drawingml/2006/chart" xmlns:a="http://schemas.openxmlformats.org/drawingml/2006/main" xmlns:r="http://schemas.openxmlformats.org/officeDocument/2006/relationships">
   <c:date1904 val="0"/>
-  <c:lang val="zh-CN"/>
+  <c:lang val="en-US"/>
   <c:roundedCorners val="0"/>
   <mc:AlternateContent xmlns:mc="http://schemas.openxmlformats.org/markup-compatibility/2006">
     <mc:Choice xmlns:c14="http://schemas.microsoft.com/office/drawing/2007/8/2/chart" Requires="c14">
@@ -861,7 +861,7 @@
                     <a:cs typeface="+mn-cs"/>
                   </a:defRPr>
                 </a:pPr>
-                <a:endParaRPr lang="zh-CN"/>
+                <a:endParaRPr lang="en-US"/>
               </a:p>
             </c:txPr>
             <c:showLegendKey val="0"/>
@@ -949,10 +949,10 @@
                   <c:v>9.09</c:v>
                 </c:pt>
                 <c:pt idx="6">
-                  <c:v>7.86</c:v>
+                  <c:v>7.859999999999999</c:v>
                 </c:pt>
                 <c:pt idx="7">
-                  <c:v>7.32</c:v>
+                  <c:v>7.319999999999999</c:v>
                 </c:pt>
               </c:numCache>
             </c:numRef>
@@ -988,8 +988,8 @@
               <c:idx val="1"/>
               <c:layout>
                 <c:manualLayout>
-                  <c:x val="1.1713125271644207E-2"/>
-                  <c:y val="-1.3834848403559259E-2"/>
+                  <c:x val="0.0117131252716442"/>
+                  <c:y val="-0.0138348484035593"/>
                 </c:manualLayout>
               </c:layout>
               <c:showLegendKey val="0"/>
@@ -1030,7 +1030,7 @@
                     <a:cs typeface="+mn-cs"/>
                   </a:defRPr>
                 </a:pPr>
-                <a:endParaRPr lang="zh-CN"/>
+                <a:endParaRPr lang="en-US"/>
               </a:p>
             </c:txPr>
             <c:showLegendKey val="0"/>
@@ -1118,7 +1118,7 @@
                   <c:v>6.95</c:v>
                 </c:pt>
                 <c:pt idx="6">
-                  <c:v>18.899999999999999</c:v>
+                  <c:v>18.9</c:v>
                 </c:pt>
                 <c:pt idx="7">
                   <c:v>5.13</c:v>
@@ -1137,12 +1137,12 @@
         </c:dLbls>
         <c:gapWidth val="150"/>
         <c:shape val="box"/>
-        <c:axId val="-198343584"/>
-        <c:axId val="-198337056"/>
-        <c:axId val="-195397136"/>
+        <c:axId val="2115020256"/>
+        <c:axId val="2112536736"/>
+        <c:axId val="2112744256"/>
       </c:bar3DChart>
       <c:catAx>
-        <c:axId val="-198343584"/>
+        <c:axId val="2115020256"/>
         <c:scaling>
           <c:orientation val="minMax"/>
         </c:scaling>
@@ -1176,10 +1176,10 @@
                 <a:cs typeface="+mn-cs"/>
               </a:defRPr>
             </a:pPr>
-            <a:endParaRPr lang="zh-CN"/>
+            <a:endParaRPr lang="en-US"/>
           </a:p>
         </c:txPr>
-        <c:crossAx val="-198337056"/>
+        <c:crossAx val="2112536736"/>
         <c:crosses val="autoZero"/>
         <c:auto val="1"/>
         <c:lblAlgn val="ctr"/>
@@ -1187,7 +1187,7 @@
         <c:noMultiLvlLbl val="0"/>
       </c:catAx>
       <c:valAx>
-        <c:axId val="-198337056"/>
+        <c:axId val="2112536736"/>
         <c:scaling>
           <c:orientation val="minMax"/>
         </c:scaling>
@@ -1235,15 +1235,15 @@
                 <a:cs typeface="+mn-cs"/>
               </a:defRPr>
             </a:pPr>
-            <a:endParaRPr lang="zh-CN"/>
+            <a:endParaRPr lang="en-US"/>
           </a:p>
         </c:txPr>
-        <c:crossAx val="-198343584"/>
+        <c:crossAx val="2115020256"/>
         <c:crosses val="autoZero"/>
         <c:crossBetween val="between"/>
       </c:valAx>
       <c:serAx>
-        <c:axId val="-195397136"/>
+        <c:axId val="2112744256"/>
         <c:scaling>
           <c:orientation val="minMax"/>
         </c:scaling>
@@ -1276,10 +1276,10 @@
                 <a:cs typeface="+mn-cs"/>
               </a:defRPr>
             </a:pPr>
-            <a:endParaRPr lang="zh-CN"/>
+            <a:endParaRPr lang="en-US"/>
           </a:p>
         </c:txPr>
-        <c:crossAx val="-198337056"/>
+        <c:crossAx val="2112536736"/>
         <c:crosses val="autoZero"/>
       </c:serAx>
       <c:spPr>
@@ -1308,7 +1308,7 @@
       <a:pPr>
         <a:defRPr/>
       </a:pPr>
-      <a:endParaRPr lang="zh-CN"/>
+      <a:endParaRPr lang="en-US"/>
     </a:p>
   </c:txPr>
   <c:externalData r:id="rId3">
@@ -1320,7 +1320,7 @@
 <file path=ppt/charts/chart3.xml><?xml version="1.0" encoding="utf-8"?>
 <c:chartSpace xmlns:c="http://schemas.openxmlformats.org/drawingml/2006/chart" xmlns:a="http://schemas.openxmlformats.org/drawingml/2006/main" xmlns:r="http://schemas.openxmlformats.org/officeDocument/2006/relationships">
   <c:date1904 val="0"/>
-  <c:lang val="zh-CN"/>
+  <c:lang val="en-US"/>
   <c:roundedCorners val="0"/>
   <mc:AlternateContent xmlns:mc="http://schemas.openxmlformats.org/markup-compatibility/2006">
     <mc:Choice xmlns:c14="http://schemas.microsoft.com/office/drawing/2007/8/2/chart" Requires="c14">
@@ -1429,7 +1429,7 @@
                     <a:cs typeface="+mn-cs"/>
                   </a:defRPr>
                 </a:pPr>
-                <a:endParaRPr lang="zh-CN"/>
+                <a:endParaRPr lang="en-US"/>
               </a:p>
             </c:txPr>
             <c:showLegendKey val="0"/>
@@ -1490,7 +1490,7 @@
                   <c:v>1.64</c:v>
                 </c:pt>
                 <c:pt idx="1">
-                  <c:v>1.1399999999999999</c:v>
+                  <c:v>1.14</c:v>
                 </c:pt>
                 <c:pt idx="2">
                   <c:v>1.32</c:v>
@@ -1554,7 +1554,7 @@
                     <a:cs typeface="+mn-cs"/>
                   </a:defRPr>
                 </a:pPr>
-                <a:endParaRPr lang="zh-CN"/>
+                <a:endParaRPr lang="en-US"/>
               </a:p>
             </c:txPr>
             <c:showLegendKey val="0"/>
@@ -1618,7 +1618,7 @@
                   <c:v>1.08</c:v>
                 </c:pt>
                 <c:pt idx="2">
-                  <c:v>1.1499999999999999</c:v>
+                  <c:v>1.15</c:v>
                 </c:pt>
                 <c:pt idx="3">
                   <c:v>1.04</c:v>
@@ -1679,7 +1679,7 @@
                     <a:cs typeface="+mn-cs"/>
                   </a:defRPr>
                 </a:pPr>
-                <a:endParaRPr lang="zh-CN"/>
+                <a:endParaRPr lang="en-US"/>
               </a:p>
             </c:txPr>
             <c:showLegendKey val="0"/>
@@ -1804,7 +1804,7 @@
                     <a:cs typeface="+mn-cs"/>
                   </a:defRPr>
                 </a:pPr>
-                <a:endParaRPr lang="zh-CN"/>
+                <a:endParaRPr lang="en-US"/>
               </a:p>
             </c:txPr>
             <c:showLegendKey val="0"/>
@@ -1871,7 +1871,7 @@
                   <c:v>1.45</c:v>
                 </c:pt>
                 <c:pt idx="3">
-                  <c:v>1.1200000000000001</c:v>
+                  <c:v>1.12</c:v>
                 </c:pt>
               </c:numCache>
             </c:numRef>
@@ -1887,12 +1887,12 @@
         </c:dLbls>
         <c:gapWidth val="150"/>
         <c:shape val="box"/>
-        <c:axId val="-198333792"/>
-        <c:axId val="-198340320"/>
-        <c:axId val="-195401504"/>
+        <c:axId val="2115596432"/>
+        <c:axId val="2123868528"/>
+        <c:axId val="2113834752"/>
       </c:bar3DChart>
       <c:catAx>
-        <c:axId val="-198333792"/>
+        <c:axId val="2115596432"/>
         <c:scaling>
           <c:orientation val="minMax"/>
         </c:scaling>
@@ -1926,10 +1926,10 @@
                 <a:cs typeface="+mn-cs"/>
               </a:defRPr>
             </a:pPr>
-            <a:endParaRPr lang="zh-CN"/>
+            <a:endParaRPr lang="en-US"/>
           </a:p>
         </c:txPr>
-        <c:crossAx val="-198340320"/>
+        <c:crossAx val="2123868528"/>
         <c:crosses val="autoZero"/>
         <c:auto val="1"/>
         <c:lblAlgn val="ctr"/>
@@ -1937,7 +1937,7 @@
         <c:noMultiLvlLbl val="0"/>
       </c:catAx>
       <c:valAx>
-        <c:axId val="-198340320"/>
+        <c:axId val="2123868528"/>
         <c:scaling>
           <c:orientation val="minMax"/>
         </c:scaling>
@@ -1985,15 +1985,15 @@
                 <a:cs typeface="+mn-cs"/>
               </a:defRPr>
             </a:pPr>
-            <a:endParaRPr lang="zh-CN"/>
+            <a:endParaRPr lang="en-US"/>
           </a:p>
         </c:txPr>
-        <c:crossAx val="-198333792"/>
+        <c:crossAx val="2115596432"/>
         <c:crosses val="autoZero"/>
         <c:crossBetween val="between"/>
       </c:valAx>
       <c:serAx>
-        <c:axId val="-195401504"/>
+        <c:axId val="2113834752"/>
         <c:scaling>
           <c:orientation val="minMax"/>
         </c:scaling>
@@ -2026,10 +2026,10 @@
                 <a:cs typeface="+mn-cs"/>
               </a:defRPr>
             </a:pPr>
-            <a:endParaRPr lang="zh-CN"/>
+            <a:endParaRPr lang="en-US"/>
           </a:p>
         </c:txPr>
-        <c:crossAx val="-198340320"/>
+        <c:crossAx val="2123868528"/>
         <c:crosses val="autoZero"/>
       </c:serAx>
       <c:spPr>
@@ -2058,7 +2058,7 @@
       <a:pPr>
         <a:defRPr/>
       </a:pPr>
-      <a:endParaRPr lang="zh-CN"/>
+      <a:endParaRPr lang="en-US"/>
     </a:p>
   </c:txPr>
   <c:externalData r:id="rId3">
@@ -2070,7 +2070,7 @@
 <file path=ppt/charts/chart4.xml><?xml version="1.0" encoding="utf-8"?>
 <c:chartSpace xmlns:c="http://schemas.openxmlformats.org/drawingml/2006/chart" xmlns:a="http://schemas.openxmlformats.org/drawingml/2006/main" xmlns:r="http://schemas.openxmlformats.org/officeDocument/2006/relationships">
   <c:date1904 val="0"/>
-  <c:lang val="zh-CN"/>
+  <c:lang val="en-US"/>
   <c:roundedCorners val="0"/>
   <mc:AlternateContent xmlns:mc="http://schemas.openxmlformats.org/markup-compatibility/2006">
     <mc:Choice xmlns:c14="http://schemas.microsoft.com/office/drawing/2007/8/2/chart" Requires="c14">
@@ -2179,7 +2179,7 @@
                     <a:cs typeface="+mn-cs"/>
                   </a:defRPr>
                 </a:pPr>
-                <a:endParaRPr lang="zh-CN"/>
+                <a:endParaRPr lang="en-US"/>
               </a:p>
             </c:txPr>
             <c:showLegendKey val="0"/>
@@ -2237,7 +2237,7 @@
                 <c:formatCode>General</c:formatCode>
                 <c:ptCount val="4"/>
                 <c:pt idx="0">
-                  <c:v>2.0299999999999998</c:v>
+                  <c:v>2.03</c:v>
                 </c:pt>
                 <c:pt idx="1">
                   <c:v>1.23</c:v>
@@ -2246,7 +2246,7 @@
                   <c:v>1.51</c:v>
                 </c:pt>
                 <c:pt idx="3">
-                  <c:v>1.1399999999999999</c:v>
+                  <c:v>1.14</c:v>
                 </c:pt>
               </c:numCache>
             </c:numRef>
@@ -2304,7 +2304,7 @@
                     <a:cs typeface="+mn-cs"/>
                   </a:defRPr>
                 </a:pPr>
-                <a:endParaRPr lang="zh-CN"/>
+                <a:endParaRPr lang="en-US"/>
               </a:p>
             </c:txPr>
             <c:showLegendKey val="0"/>
@@ -2365,7 +2365,7 @@
                   <c:v>1.58</c:v>
                 </c:pt>
                 <c:pt idx="1">
-                  <c:v>1.1000000000000001</c:v>
+                  <c:v>1.1</c:v>
                 </c:pt>
                 <c:pt idx="2">
                   <c:v>1.4</c:v>
@@ -2429,7 +2429,7 @@
                     <a:cs typeface="+mn-cs"/>
                   </a:defRPr>
                 </a:pPr>
-                <a:endParaRPr lang="zh-CN"/>
+                <a:endParaRPr lang="en-US"/>
               </a:p>
             </c:txPr>
             <c:showLegendKey val="0"/>
@@ -2554,7 +2554,7 @@
                     <a:cs typeface="+mn-cs"/>
                   </a:defRPr>
                 </a:pPr>
-                <a:endParaRPr lang="zh-CN"/>
+                <a:endParaRPr lang="en-US"/>
               </a:p>
             </c:txPr>
             <c:showLegendKey val="0"/>
@@ -2612,7 +2612,7 @@
                 <c:formatCode>General</c:formatCode>
                 <c:ptCount val="4"/>
                 <c:pt idx="0">
-                  <c:v>2.5299999999999998</c:v>
+                  <c:v>2.53</c:v>
                 </c:pt>
                 <c:pt idx="1">
                   <c:v>1.29</c:v>
@@ -2621,7 +2621,7 @@
                   <c:v>1.91</c:v>
                 </c:pt>
                 <c:pt idx="3">
-                  <c:v>1.1499999999999999</c:v>
+                  <c:v>1.15</c:v>
                 </c:pt>
               </c:numCache>
             </c:numRef>
@@ -2637,12 +2637,12 @@
         </c:dLbls>
         <c:gapWidth val="150"/>
         <c:shape val="box"/>
-        <c:axId val="-198335968"/>
-        <c:axId val="-198333248"/>
-        <c:axId val="-195394016"/>
+        <c:axId val="-1958189392"/>
+        <c:axId val="-1957835840"/>
+        <c:axId val="-1957943936"/>
       </c:bar3DChart>
       <c:catAx>
-        <c:axId val="-198335968"/>
+        <c:axId val="-1958189392"/>
         <c:scaling>
           <c:orientation val="minMax"/>
         </c:scaling>
@@ -2676,10 +2676,10 @@
                 <a:cs typeface="+mn-cs"/>
               </a:defRPr>
             </a:pPr>
-            <a:endParaRPr lang="zh-CN"/>
+            <a:endParaRPr lang="en-US"/>
           </a:p>
         </c:txPr>
-        <c:crossAx val="-198333248"/>
+        <c:crossAx val="-1957835840"/>
         <c:crosses val="autoZero"/>
         <c:auto val="1"/>
         <c:lblAlgn val="ctr"/>
@@ -2687,7 +2687,7 @@
         <c:noMultiLvlLbl val="0"/>
       </c:catAx>
       <c:valAx>
-        <c:axId val="-198333248"/>
+        <c:axId val="-1957835840"/>
         <c:scaling>
           <c:orientation val="minMax"/>
         </c:scaling>
@@ -2735,15 +2735,15 @@
                 <a:cs typeface="+mn-cs"/>
               </a:defRPr>
             </a:pPr>
-            <a:endParaRPr lang="zh-CN"/>
+            <a:endParaRPr lang="en-US"/>
           </a:p>
         </c:txPr>
-        <c:crossAx val="-198335968"/>
+        <c:crossAx val="-1958189392"/>
         <c:crosses val="autoZero"/>
         <c:crossBetween val="between"/>
       </c:valAx>
       <c:serAx>
-        <c:axId val="-195394016"/>
+        <c:axId val="-1957943936"/>
         <c:scaling>
           <c:orientation val="minMax"/>
         </c:scaling>
@@ -2776,10 +2776,10 @@
                 <a:cs typeface="+mn-cs"/>
               </a:defRPr>
             </a:pPr>
-            <a:endParaRPr lang="zh-CN"/>
+            <a:endParaRPr lang="en-US"/>
           </a:p>
         </c:txPr>
-        <c:crossAx val="-198333248"/>
+        <c:crossAx val="-1957835840"/>
         <c:crosses val="autoZero"/>
       </c:serAx>
       <c:spPr>
@@ -2808,7 +2808,7 @@
       <a:pPr>
         <a:defRPr/>
       </a:pPr>
-      <a:endParaRPr lang="zh-CN"/>
+      <a:endParaRPr lang="en-US"/>
     </a:p>
   </c:txPr>
   <c:externalData r:id="rId3">
@@ -5047,7 +5047,7 @@
               <a:pPr>
                 <a:defRPr/>
               </a:pPr>
-              <a:t>2018/1/10</a:t>
+              <a:t>18/1/10</a:t>
             </a:fld>
             <a:endParaRPr lang="zh-CN" altLang="en-US"/>
           </a:p>
@@ -19312,11 +19312,7 @@
           <a:p>
             <a:r>
               <a:rPr lang="zh-CN" altLang="en-US" sz="3600" b="1" dirty="0" smtClean="0"/>
-              <a:t>系统设计与</a:t>
-            </a:r>
-            <a:r>
-              <a:rPr lang="zh-CN" altLang="en-US" sz="3600" b="1" dirty="0" smtClean="0"/>
-              <a:t>优化</a:t>
+              <a:t>系统设计与优化</a:t>
             </a:r>
             <a:r>
               <a:rPr lang="zh-CN" altLang="en-US" sz="3600" dirty="0"/>
@@ -19410,7 +19406,7 @@
           <a:graphicData uri="http://schemas.openxmlformats.org/presentationml/2006/ole">
             <mc:AlternateContent xmlns:mc="http://schemas.openxmlformats.org/markup-compatibility/2006">
               <mc:Choice xmlns:v="urn:schemas-microsoft-com:vml" Requires="v">
-                <p:oleObj spid="_x0000_s93191" name="Visio" r:id="rId5" imgW="3000258" imgH="5191270" progId="Visio.Drawing.15">
+                <p:oleObj spid="_x0000_s93194" name="Visio" r:id="rId5" imgW="3000258" imgH="5191270" progId="Visio.Drawing.15">
                   <p:embed/>
                 </p:oleObj>
               </mc:Choice>
@@ -19485,9 +19481,6 @@
             </a:pPr>
             <a:r>
               <a:rPr lang="zh-CN" altLang="zh-CN" sz="2000" kern="100" dirty="0">
-                <a:solidFill>
-                  <a:srgbClr val="C00000"/>
-                </a:solidFill>
                 <a:latin typeface="+mn-ea"/>
                 <a:ea typeface="+mn-ea"/>
               </a:rPr>
@@ -19495,9 +19488,6 @@
             </a:r>
             <a:r>
               <a:rPr lang="zh-CN" altLang="zh-CN" sz="2000" kern="100" dirty="0" smtClean="0">
-                <a:solidFill>
-                  <a:srgbClr val="C00000"/>
-                </a:solidFill>
                 <a:latin typeface="+mn-ea"/>
                 <a:ea typeface="+mn-ea"/>
               </a:rPr>
@@ -19581,9 +19571,6 @@
             </a:pPr>
             <a:r>
               <a:rPr lang="zh-CN" altLang="zh-CN" sz="2000" kern="100" dirty="0" smtClean="0">
-                <a:solidFill>
-                  <a:srgbClr val="C00000"/>
-                </a:solidFill>
                 <a:latin typeface="+mn-ea"/>
                 <a:ea typeface="+mn-ea"/>
               </a:rPr>
@@ -19591,9 +19578,6 @@
             </a:r>
             <a:r>
               <a:rPr lang="zh-CN" altLang="zh-CN" sz="2000" kern="100" dirty="0">
-                <a:solidFill>
-                  <a:srgbClr val="C00000"/>
-                </a:solidFill>
                 <a:latin typeface="+mn-ea"/>
                 <a:ea typeface="+mn-ea"/>
               </a:rPr>
@@ -19601,18 +19585,12 @@
             </a:r>
             <a:r>
               <a:rPr lang="zh-CN" altLang="zh-CN" sz="2000" kern="100" dirty="0" smtClean="0">
-                <a:solidFill>
-                  <a:srgbClr val="C00000"/>
-                </a:solidFill>
                 <a:latin typeface="+mn-ea"/>
                 <a:ea typeface="+mn-ea"/>
               </a:rPr>
               <a:t>平台</a:t>
             </a:r>
             <a:endParaRPr lang="en-US" altLang="zh-CN" sz="2000" kern="100" dirty="0" smtClean="0">
-              <a:solidFill>
-                <a:srgbClr val="C00000"/>
-              </a:solidFill>
               <a:latin typeface="+mn-ea"/>
               <a:ea typeface="+mn-ea"/>
             </a:endParaRPr>
@@ -19627,9 +19605,6 @@
             </a:pPr>
             <a:r>
               <a:rPr lang="zh-CN" altLang="zh-CN" sz="2000" kern="100" dirty="0" smtClean="0">
-                <a:solidFill>
-                  <a:srgbClr val="C00000"/>
-                </a:solidFill>
                 <a:latin typeface="+mn-ea"/>
                 <a:ea typeface="+mn-ea"/>
               </a:rPr>
@@ -19637,9 +19612,6 @@
             </a:r>
             <a:r>
               <a:rPr lang="zh-CN" altLang="zh-CN" sz="2000" kern="100" dirty="0">
-                <a:solidFill>
-                  <a:srgbClr val="C00000"/>
-                </a:solidFill>
                 <a:latin typeface="+mn-ea"/>
                 <a:ea typeface="+mn-ea"/>
               </a:rPr>
@@ -19647,18 +19619,12 @@
             </a:r>
             <a:r>
               <a:rPr lang="zh-CN" altLang="zh-CN" sz="2000" kern="100" dirty="0" smtClean="0">
-                <a:solidFill>
-                  <a:srgbClr val="C00000"/>
-                </a:solidFill>
                 <a:latin typeface="+mn-ea"/>
                 <a:ea typeface="+mn-ea"/>
               </a:rPr>
               <a:t>平台</a:t>
             </a:r>
             <a:endParaRPr lang="en-US" altLang="zh-CN" sz="2000" kern="100" dirty="0" smtClean="0">
-              <a:solidFill>
-                <a:srgbClr val="C00000"/>
-              </a:solidFill>
               <a:latin typeface="+mn-ea"/>
               <a:ea typeface="+mn-ea"/>
             </a:endParaRPr>
@@ -19673,9 +19639,6 @@
             </a:pPr>
             <a:r>
               <a:rPr lang="zh-CN" altLang="zh-CN" sz="2000" kern="100" dirty="0" smtClean="0">
-                <a:solidFill>
-                  <a:srgbClr val="C00000"/>
-                </a:solidFill>
                 <a:latin typeface="+mn-ea"/>
                 <a:ea typeface="+mn-ea"/>
               </a:rPr>
@@ -19683,9 +19646,6 @@
             </a:r>
             <a:r>
               <a:rPr lang="zh-CN" altLang="zh-CN" sz="2000" kern="100" dirty="0">
-                <a:solidFill>
-                  <a:srgbClr val="C00000"/>
-                </a:solidFill>
                 <a:latin typeface="+mn-ea"/>
                 <a:ea typeface="+mn-ea"/>
               </a:rPr>
@@ -19693,9 +19653,6 @@
             </a:r>
             <a:r>
               <a:rPr lang="zh-CN" altLang="zh-CN" sz="2000" kern="100" dirty="0" smtClean="0">
-                <a:solidFill>
-                  <a:srgbClr val="C00000"/>
-                </a:solidFill>
                 <a:latin typeface="+mn-ea"/>
                 <a:ea typeface="+mn-ea"/>
               </a:rPr>
@@ -19759,9 +19716,6 @@
             </a:pPr>
             <a:r>
               <a:rPr lang="zh-CN" altLang="zh-CN" sz="2000" kern="100" dirty="0" smtClean="0">
-                <a:solidFill>
-                  <a:srgbClr val="C00000"/>
-                </a:solidFill>
                 <a:latin typeface="+mn-ea"/>
                 <a:ea typeface="+mn-ea"/>
                 <a:cs typeface="Times New Roman" panose="02020603050405020304" pitchFamily="18" charset="0"/>
@@ -19770,9 +19724,6 @@
             </a:r>
             <a:r>
               <a:rPr lang="zh-CN" altLang="zh-CN" sz="2000" kern="100" dirty="0">
-                <a:solidFill>
-                  <a:srgbClr val="C00000"/>
-                </a:solidFill>
                 <a:latin typeface="+mn-ea"/>
                 <a:ea typeface="+mn-ea"/>
                 <a:cs typeface="Times New Roman" panose="02020603050405020304" pitchFamily="18" charset="0"/>
@@ -20050,21 +20001,7 @@
                 <a:latin typeface="楷体" panose="02010609060101010101" pitchFamily="49" charset="-122"/>
                 <a:ea typeface="楷体" panose="02010609060101010101" pitchFamily="49" charset="-122"/>
               </a:rPr>
-              <a:t>系统软件</a:t>
-            </a:r>
-            <a:r>
-              <a:rPr kumimoji="1" lang="zh-CN" altLang="en-US" sz="2000" dirty="0" smtClean="0">
-                <a:latin typeface="楷体" panose="02010609060101010101" pitchFamily="49" charset="-122"/>
-                <a:ea typeface="楷体" panose="02010609060101010101" pitchFamily="49" charset="-122"/>
-              </a:rPr>
-              <a:t>模块设计</a:t>
-            </a:r>
-            <a:r>
-              <a:rPr kumimoji="1" lang="zh-CN" altLang="en-US" sz="2000" dirty="0" smtClean="0">
-                <a:latin typeface="楷体" panose="02010609060101010101" pitchFamily="49" charset="-122"/>
-                <a:ea typeface="楷体" panose="02010609060101010101" pitchFamily="49" charset="-122"/>
-              </a:rPr>
-              <a:t>逻辑图</a:t>
+              <a:t>系统软件模块设计逻辑图</a:t>
             </a:r>
             <a:endParaRPr lang="zh-CN" altLang="en-US" sz="2000" dirty="0">
               <a:latin typeface="楷体" panose="02010609060101010101" pitchFamily="49" charset="-122"/>
@@ -20099,21 +20036,7 @@
                 <a:latin typeface="楷体" panose="02010609060101010101" pitchFamily="49" charset="-122"/>
                 <a:ea typeface="楷体" panose="02010609060101010101" pitchFamily="49" charset="-122"/>
               </a:rPr>
-              <a:t>系统软件</a:t>
-            </a:r>
-            <a:r>
-              <a:rPr kumimoji="1" lang="zh-CN" altLang="en-US" sz="2000" dirty="0" smtClean="0">
-                <a:latin typeface="楷体" panose="02010609060101010101" pitchFamily="49" charset="-122"/>
-                <a:ea typeface="楷体" panose="02010609060101010101" pitchFamily="49" charset="-122"/>
-              </a:rPr>
-              <a:t>模块交互界面</a:t>
-            </a:r>
-            <a:r>
-              <a:rPr kumimoji="1" lang="zh-CN" altLang="en-US" sz="2000" dirty="0" smtClean="0">
-                <a:latin typeface="楷体" panose="02010609060101010101" pitchFamily="49" charset="-122"/>
-                <a:ea typeface="楷体" panose="02010609060101010101" pitchFamily="49" charset="-122"/>
-              </a:rPr>
-              <a:t>图</a:t>
+              <a:t>系统软件模块交互界面图</a:t>
             </a:r>
             <a:endParaRPr lang="zh-CN" altLang="en-US" sz="2000" dirty="0">
               <a:latin typeface="楷体" panose="02010609060101010101" pitchFamily="49" charset="-122"/>
@@ -22047,7 +21970,6 @@
               <a:rPr lang="zh-CN" altLang="en-US" sz="2400" dirty="0" smtClean="0"/>
               <a:t>层析技术进行重建</a:t>
             </a:r>
-            <a:endParaRPr lang="zh-CN" altLang="en-US" sz="2400" dirty="0" smtClean="0"/>
           </a:p>
         </p:txBody>
       </p:sp>
@@ -22378,11 +22300,7 @@
             <a:pPr eaLnBrk="1" hangingPunct="1"/>
             <a:r>
               <a:rPr lang="en-US" altLang="zh-CN" sz="3600" b="1" dirty="0" err="1" smtClean="0"/>
-              <a:t>STGS</a:t>
-            </a:r>
-            <a:r>
-              <a:rPr lang="en-US" altLang="zh-CN" sz="3600" b="1" dirty="0" err="1" smtClean="0"/>
-              <a:t>技术</a:t>
+              <a:t>STGS技术</a:t>
             </a:r>
             <a:r>
               <a:rPr lang="zh-CN" altLang="en-US" sz="3600" b="1" dirty="0" smtClean="0"/>
@@ -22394,11 +22312,7 @@
             </a:r>
             <a:r>
               <a:rPr lang="zh-CN" altLang="en-US" sz="3600" b="1" dirty="0" smtClean="0"/>
-              <a:t>单</a:t>
-            </a:r>
-            <a:r>
-              <a:rPr lang="zh-CN" altLang="en-US" sz="3600" b="1" dirty="0" smtClean="0"/>
-              <a:t>点源模拟</a:t>
+              <a:t>单点源模拟</a:t>
             </a:r>
             <a:r>
               <a:rPr lang="zh-CN" altLang="zh-CN" sz="3600" dirty="0" smtClean="0"/>
@@ -23608,11 +23522,7 @@
             </a:r>
             <a:r>
               <a:rPr lang="zh-CN" altLang="en-US" sz="3600" b="1" dirty="0" smtClean="0"/>
-              <a:t>单</a:t>
-            </a:r>
-            <a:r>
-              <a:rPr lang="zh-CN" altLang="en-US" sz="3600" b="1" dirty="0" smtClean="0"/>
-              <a:t>点源实验</a:t>
+              <a:t>单点源实验</a:t>
             </a:r>
             <a:r>
               <a:rPr lang="zh-CN" altLang="zh-CN" sz="3600" dirty="0" smtClean="0"/>
@@ -23664,17 +23574,7 @@
                 <a:latin typeface="楷体" panose="02010609060101010101" pitchFamily="49" charset="-122"/>
                 <a:ea typeface="楷体" panose="02010609060101010101" pitchFamily="49" charset="-122"/>
               </a:rPr>
-              <a:t>废物桶单点源</a:t>
-            </a:r>
-            <a:r>
-              <a:rPr lang="zh-CN" altLang="en-US" sz="2400" dirty="0" smtClean="0">
-                <a:solidFill>
-                  <a:schemeClr val="tx1"/>
-                </a:solidFill>
-                <a:latin typeface="楷体" panose="02010609060101010101" pitchFamily="49" charset="-122"/>
-                <a:ea typeface="楷体" panose="02010609060101010101" pitchFamily="49" charset="-122"/>
-              </a:rPr>
-              <a:t>均匀介质实验验证</a:t>
+              <a:t>废物桶单点源均匀介质实验验证</a:t>
             </a:r>
             <a:endParaRPr lang="en-US" altLang="zh-CN" sz="2400" dirty="0" smtClean="0">
               <a:solidFill>
@@ -24166,11 +24066,7 @@
           <a:p>
             <a:r>
               <a:rPr lang="en-US" altLang="zh-CN" b="1" dirty="0" err="1" smtClean="0"/>
-              <a:t>STGS</a:t>
-            </a:r>
-            <a:r>
-              <a:rPr lang="en-US" altLang="zh-CN" b="1" dirty="0" err="1" smtClean="0"/>
-              <a:t>技术</a:t>
+              <a:t>STGS技术</a:t>
             </a:r>
             <a:r>
               <a:rPr lang="zh-CN" altLang="en-US" b="1" dirty="0" smtClean="0"/>
@@ -24735,14 +24631,7 @@
                 <a:ea typeface="楷体" panose="02010609060101010101" pitchFamily="49" charset="-122"/>
                 <a:cs typeface="Times New Roman" panose="02020603050405020304" pitchFamily="18" charset="0"/>
               </a:rPr>
-              <a:t>2</a:t>
-            </a:r>
-            <a:r>
-              <a:rPr lang="en-US" altLang="zh-CN" sz="2400" kern="100" dirty="0" smtClean="0">
-                <a:ea typeface="楷体" panose="02010609060101010101" pitchFamily="49" charset="-122"/>
-                <a:cs typeface="Times New Roman" panose="02020603050405020304" pitchFamily="18" charset="0"/>
-              </a:rPr>
-              <a:t>g/cm</a:t>
+              <a:t>2g/cm</a:t>
             </a:r>
             <a:r>
               <a:rPr lang="en-US" altLang="zh-CN" sz="2400" kern="100" baseline="30000" dirty="0" smtClean="0">
@@ -25602,11 +25491,7 @@
             <a:pPr eaLnBrk="1" hangingPunct="1"/>
             <a:r>
               <a:rPr lang="en-US" altLang="zh-CN" sz="2800" b="1" dirty="0" err="1" smtClean="0"/>
-              <a:t>STGS</a:t>
-            </a:r>
-            <a:r>
-              <a:rPr lang="en-US" altLang="zh-CN" sz="2800" b="1" dirty="0" err="1" smtClean="0"/>
-              <a:t>技术</a:t>
+              <a:t>STGS技术</a:t>
             </a:r>
             <a:r>
               <a:rPr lang="zh-CN" altLang="en-US" sz="2800" b="1" dirty="0" smtClean="0"/>
@@ -27211,11 +27096,7 @@
             </a:r>
             <a:r>
               <a:rPr lang="zh-CN" altLang="en-US" sz="2000" dirty="0" smtClean="0"/>
-              <a:t>，改进</a:t>
-            </a:r>
-            <a:r>
-              <a:rPr lang="zh-CN" altLang="en-US" sz="2000" dirty="0" smtClean="0"/>
-              <a:t>了计数率之比推导等效半径的公式</a:t>
+              <a:t>，改进了计数率之比推导等效半径的公式</a:t>
             </a:r>
             <a:endParaRPr lang="en-US" altLang="zh-CN" sz="2000" dirty="0" smtClean="0"/>
           </a:p>
@@ -27223,11 +27104,7 @@
             <a:pPr lvl="1"/>
             <a:r>
               <a:rPr lang="zh-CN" altLang="zh-CN" sz="2000" dirty="0" smtClean="0"/>
-              <a:t>将桶</a:t>
-            </a:r>
-            <a:r>
-              <a:rPr lang="zh-CN" altLang="zh-CN" sz="2000" dirty="0" smtClean="0"/>
-              <a:t>内核素投影</a:t>
+              <a:t>将桶内核素投影</a:t>
             </a:r>
             <a:r>
               <a:rPr lang="zh-CN" altLang="en-US" sz="2000" dirty="0" smtClean="0"/>
@@ -27239,23 +27116,11 @@
                   <a:srgbClr val="C00000"/>
                 </a:solidFill>
               </a:rPr>
-              <a:t>等效</a:t>
-            </a:r>
-            <a:r>
-              <a:rPr lang="zh-CN" altLang="zh-CN" sz="2000" dirty="0" smtClean="0">
-                <a:solidFill>
-                  <a:srgbClr val="C00000"/>
-                </a:solidFill>
-              </a:rPr>
-              <a:t>层</a:t>
+              <a:t>等效层</a:t>
             </a:r>
             <a:r>
               <a:rPr lang="zh-CN" altLang="zh-CN" sz="2000" dirty="0" smtClean="0"/>
-              <a:t>内，以</a:t>
-            </a:r>
-            <a:r>
-              <a:rPr lang="zh-CN" altLang="zh-CN" sz="2000" dirty="0" smtClean="0"/>
-              <a:t>避免重建</a:t>
+              <a:t>内，以避免重建</a:t>
             </a:r>
             <a:r>
               <a:rPr lang="zh-CN" altLang="en-US" sz="2000" dirty="0" smtClean="0"/>
@@ -27354,7 +27219,7 @@
             <a:graphicData uri="http://schemas.openxmlformats.org/presentationml/2006/ole">
               <mc:AlternateContent xmlns:mc="http://schemas.openxmlformats.org/markup-compatibility/2006">
                 <mc:Choice xmlns:v="urn:schemas-microsoft-com:vml" Requires="v">
-                  <p:oleObj spid="_x0000_s92358" r:id="rId5" imgW="1079500" imgH="228600" progId="Equation.DSMT4">
+                  <p:oleObj spid="_x0000_s92367" r:id="rId5" imgW="1079500" imgH="228600" progId="Equation.DSMT4">
                     <p:embed/>
                   </p:oleObj>
                 </mc:Choice>
@@ -27443,7 +27308,7 @@
             <a:graphicData uri="http://schemas.openxmlformats.org/presentationml/2006/ole">
               <mc:AlternateContent xmlns:mc="http://schemas.openxmlformats.org/markup-compatibility/2006">
                 <mc:Choice xmlns:v="urn:schemas-microsoft-com:vml" Requires="v">
-                  <p:oleObj spid="_x0000_s92359" r:id="rId7" imgW="748975" imgH="444307" progId="Equation.DSMT4">
+                  <p:oleObj spid="_x0000_s92368" r:id="rId7" imgW="748975" imgH="444307" progId="Equation.DSMT4">
                     <p:embed/>
                   </p:oleObj>
                 </mc:Choice>
@@ -27574,7 +27439,7 @@
             <a:graphicData uri="http://schemas.openxmlformats.org/presentationml/2006/ole">
               <mc:AlternateContent xmlns:mc="http://schemas.openxmlformats.org/markup-compatibility/2006">
                 <mc:Choice xmlns:v="urn:schemas-microsoft-com:vml" Requires="v">
-                  <p:oleObj spid="_x0000_s92360" r:id="rId9" imgW="837836" imgH="444307" progId="Equation.DSMT4">
+                  <p:oleObj spid="_x0000_s92369" r:id="rId9" imgW="837836" imgH="444307" progId="Equation.DSMT4">
                     <p:embed/>
                   </p:oleObj>
                 </mc:Choice>
@@ -27663,7 +27528,7 @@
             <a:graphicData uri="http://schemas.openxmlformats.org/presentationml/2006/ole">
               <mc:AlternateContent xmlns:mc="http://schemas.openxmlformats.org/markup-compatibility/2006">
                 <mc:Choice xmlns:v="urn:schemas-microsoft-com:vml" Requires="v">
-                  <p:oleObj spid="_x0000_s92361" r:id="rId11" imgW="1079500" imgH="228600" progId="Equation.DSMT4">
+                  <p:oleObj spid="_x0000_s92370" r:id="rId11" imgW="1079500" imgH="228600" progId="Equation.DSMT4">
                     <p:embed/>
                   </p:oleObj>
                 </mc:Choice>
@@ -27775,7 +27640,7 @@
         </p:nvSpPr>
         <p:spPr bwMode="auto">
           <a:xfrm>
-            <a:off x="457200" y="274638"/>
+            <a:off x="1078089" y="220171"/>
             <a:ext cx="8462963" cy="757237"/>
           </a:xfrm>
           <a:noFill/>
@@ -27794,12 +27659,8 @@
           <a:lstStyle/>
           <a:p>
             <a:r>
-              <a:rPr lang="zh-CN" altLang="en-US" b="1" dirty="0" smtClean="0"/>
-              <a:t>改进型技术</a:t>
-            </a:r>
-            <a:r>
               <a:rPr lang="en-US" altLang="zh-CN" b="1" dirty="0" smtClean="0"/>
-              <a:t>-ISGS</a:t>
+              <a:t>ISGS</a:t>
             </a:r>
             <a:r>
               <a:rPr lang="zh-CN" altLang="en-US" b="1" dirty="0" smtClean="0"/>
@@ -28421,7 +28282,7 @@
         </p:nvSpPr>
         <p:spPr>
           <a:xfrm>
-            <a:off x="457200" y="274638"/>
+            <a:off x="1345842" y="150460"/>
             <a:ext cx="7798158" cy="756845"/>
           </a:xfrm>
         </p:spPr>
@@ -28430,12 +28291,8 @@
           <a:lstStyle/>
           <a:p>
             <a:r>
-              <a:rPr lang="zh-CN" altLang="en-US" b="1" dirty="0"/>
-              <a:t>改进型技术</a:t>
-            </a:r>
-            <a:r>
-              <a:rPr lang="en-US" altLang="zh-CN" b="1" dirty="0"/>
-              <a:t>-ISGS</a:t>
+              <a:rPr lang="en-US" altLang="zh-CN" b="1" dirty="0" smtClean="0"/>
+              <a:t>ISGS</a:t>
             </a:r>
             <a:r>
               <a:rPr lang="zh-CN" altLang="en-US" b="1" dirty="0"/>
@@ -28510,15 +28367,7 @@
                 <a:ea typeface="楷体"/>
                 <a:cs typeface="Arial" charset="0"/>
               </a:rPr>
-              <a:t>个</a:t>
-            </a:r>
-            <a:r>
-              <a:rPr lang="zh-CN" altLang="en-US" sz="2000" dirty="0" smtClean="0">
-                <a:latin typeface="楷体"/>
-                <a:ea typeface="楷体"/>
-                <a:cs typeface="Arial" charset="0"/>
-              </a:rPr>
-              <a:t>点源最大</a:t>
+              <a:t>个点源最大</a:t>
             </a:r>
             <a:r>
               <a:rPr lang="zh-CN" altLang="en-US" sz="2000" dirty="0">
@@ -28823,11 +28672,7 @@
           <a:p>
             <a:r>
               <a:rPr lang="zh-CN" altLang="zh-CN" sz="2400" dirty="0" smtClean="0"/>
-              <a:t>半</a:t>
-            </a:r>
-            <a:r>
-              <a:rPr lang="zh-CN" altLang="zh-CN" sz="2400" dirty="0" smtClean="0"/>
-              <a:t>层析伽马扫描技术（</a:t>
+              <a:t>半层析伽马扫描技术（</a:t>
             </a:r>
             <a:r>
               <a:rPr lang="en-US" altLang="zh-CN" sz="2400" dirty="0" smtClean="0"/>
@@ -28835,11 +28680,7 @@
             </a:r>
             <a:r>
               <a:rPr lang="zh-CN" altLang="zh-CN" sz="2400" dirty="0" smtClean="0"/>
-              <a:t>）的</a:t>
-            </a:r>
-            <a:r>
-              <a:rPr lang="zh-CN" altLang="zh-CN" sz="2400" dirty="0" smtClean="0"/>
-              <a:t>研究</a:t>
+              <a:t>）的研究</a:t>
             </a:r>
             <a:endParaRPr lang="en-US" altLang="zh-CN" sz="1400" dirty="0" smtClean="0"/>
           </a:p>
@@ -28974,13 +28815,8 @@
             </a:r>
             <a:r>
               <a:rPr lang="zh-CN" altLang="zh-CN" sz="2400" dirty="0" smtClean="0"/>
-              <a:t>方法的</a:t>
-            </a:r>
-            <a:r>
-              <a:rPr lang="zh-CN" altLang="zh-CN" sz="2400" dirty="0" smtClean="0"/>
-              <a:t>研究</a:t>
-            </a:r>
-            <a:endParaRPr lang="zh-CN" altLang="zh-CN" sz="2400" dirty="0" smtClean="0"/>
+              <a:t>方法的研究</a:t>
+            </a:r>
           </a:p>
           <a:p>
             <a:pPr lvl="1"/>
@@ -31982,7 +31818,6 @@
               <a:rPr lang="zh-CN" altLang="en-US" dirty="0" smtClean="0"/>
               <a:t>将废物桶每层再划分为若干网格。</a:t>
             </a:r>
-            <a:endParaRPr lang="zh-CN" altLang="en-US" dirty="0" smtClean="0"/>
           </a:p>
         </p:txBody>
       </p:sp>
@@ -36926,11 +36761,7 @@
             </a:r>
             <a:r>
               <a:rPr lang="zh-CN" altLang="zh-CN" b="1" dirty="0" smtClean="0"/>
-              <a:t>外研究</a:t>
-            </a:r>
-            <a:r>
-              <a:rPr lang="zh-CN" altLang="zh-CN" b="1" dirty="0" smtClean="0"/>
-              <a:t>现状</a:t>
+              <a:t>外研究现状</a:t>
             </a:r>
             <a:endParaRPr lang="zh-CN" altLang="en-US" dirty="0" smtClean="0"/>
           </a:p>
@@ -37213,15 +37044,7 @@
                   <a:schemeClr val="tx1"/>
                 </a:solidFill>
               </a:rPr>
-              <a:t>步进扫描</a:t>
-            </a:r>
-            <a:r>
-              <a:rPr lang="zh-CN" altLang="en-US" sz="2400" dirty="0" smtClean="0">
-                <a:solidFill>
-                  <a:schemeClr val="tx1"/>
-                </a:solidFill>
-              </a:rPr>
-              <a:t>法</a:t>
+              <a:t>步进扫描法</a:t>
             </a:r>
             <a:endParaRPr lang="en-US" altLang="zh-CN" sz="2400" dirty="0" smtClean="0">
               <a:solidFill>
@@ -37591,15 +37414,7 @@
                   <a:schemeClr val="tx1"/>
                 </a:solidFill>
               </a:rPr>
-              <a:t>自适应动</a:t>
-            </a:r>
-            <a:r>
-              <a:rPr lang="zh-CN" altLang="zh-CN" sz="2400" dirty="0" smtClean="0">
-                <a:solidFill>
-                  <a:schemeClr val="tx1"/>
-                </a:solidFill>
-              </a:rPr>
-              <a:t>网格</a:t>
+              <a:t>自适应动网格</a:t>
             </a:r>
             <a:r>
               <a:rPr lang="en-US" altLang="zh-CN" sz="2400" dirty="0" smtClean="0">
@@ -38051,28 +37866,44 @@
               <a:buChar char="•"/>
             </a:pPr>
             <a:r>
-              <a:rPr lang="en-US" altLang="zh-CN" dirty="0"/>
+              <a:rPr lang="en-US" altLang="zh-CN" sz="2400" dirty="0">
+                <a:solidFill>
+                  <a:schemeClr val="tx1"/>
+                </a:solidFill>
+              </a:rPr>
               <a:t>SGS</a:t>
             </a:r>
             <a:r>
-              <a:rPr lang="zh-CN" altLang="en-US" dirty="0"/>
+              <a:rPr lang="zh-CN" altLang="en-US" sz="2400" dirty="0">
+                <a:solidFill>
+                  <a:schemeClr val="tx1"/>
+                </a:solidFill>
+              </a:rPr>
               <a:t>和</a:t>
             </a:r>
             <a:r>
-              <a:rPr lang="en-US" altLang="zh-CN" dirty="0" err="1"/>
+              <a:rPr lang="en-US" altLang="zh-CN" sz="2400" dirty="0" err="1">
+                <a:solidFill>
+                  <a:schemeClr val="tx1"/>
+                </a:solidFill>
+              </a:rPr>
               <a:t>TGS方法</a:t>
             </a:r>
             <a:r>
-              <a:rPr lang="zh-CN" altLang="en-US" dirty="0"/>
-              <a:t>在快速准确的测量低中放废物桶上都存在一定的局限性，尤其是针对</a:t>
-            </a:r>
-            <a:r>
-              <a:rPr lang="en-US" altLang="zh-CN" dirty="0"/>
-              <a:t>400L</a:t>
-            </a:r>
-            <a:r>
-              <a:rPr lang="zh-CN" altLang="en-US" dirty="0"/>
-              <a:t>、密度大及放射性核素不均匀分布的情况；</a:t>
+              <a:rPr lang="zh-CN" altLang="en-US" sz="2400" dirty="0">
+                <a:solidFill>
+                  <a:schemeClr val="tx1"/>
+                </a:solidFill>
+              </a:rPr>
+              <a:t>在快速准确的测量低中放废物桶上都存在一定的</a:t>
+            </a:r>
+            <a:r>
+              <a:rPr lang="zh-CN" altLang="en-US" sz="2400" dirty="0" smtClean="0">
+                <a:solidFill>
+                  <a:schemeClr val="tx1"/>
+                </a:solidFill>
+              </a:rPr>
+              <a:t>局限性</a:t>
             </a:r>
           </a:p>
           <a:p>
@@ -38081,9 +37912,117 @@
               <a:buChar char="•"/>
             </a:pPr>
             <a:r>
-              <a:rPr lang="zh-CN" altLang="en-US" dirty="0"/>
-              <a:t>前述的改进型测量技术都基于一定的假设，难以满足各种类型废物桶准确测量的需要；</a:t>
-            </a:r>
+              <a:rPr lang="zh-CN" altLang="en-US" sz="2400" dirty="0" smtClean="0"/>
+              <a:t>极端情况</a:t>
+            </a:r>
+          </a:p>
+          <a:p>
+            <a:pPr marL="922337" lvl="1" indent="-457200">
+              <a:buFont typeface="Arial" panose="020B0604020202020204" pitchFamily="34" charset="0"/>
+              <a:buChar char="•"/>
+            </a:pPr>
+            <a:r>
+              <a:rPr lang="en-US" altLang="zh-CN" sz="2000" dirty="0" smtClean="0"/>
+              <a:t>400L</a:t>
+            </a:r>
+            <a:r>
+              <a:rPr lang="zh-CN" altLang="en-US" sz="2000" dirty="0" smtClean="0"/>
+              <a:t>大尺寸废物桶</a:t>
+            </a:r>
+          </a:p>
+          <a:p>
+            <a:pPr marL="922337" lvl="1" indent="-457200">
+              <a:buFont typeface="Arial" panose="020B0604020202020204" pitchFamily="34" charset="0"/>
+              <a:buChar char="•"/>
+            </a:pPr>
+            <a:r>
+              <a:rPr lang="zh-CN" altLang="en-US" sz="2000" dirty="0" smtClean="0"/>
+              <a:t>密度大</a:t>
+            </a:r>
+          </a:p>
+          <a:p>
+            <a:pPr marL="922337" lvl="1" indent="-457200">
+              <a:buFont typeface="Arial" panose="020B0604020202020204" pitchFamily="34" charset="0"/>
+              <a:buChar char="•"/>
+            </a:pPr>
+            <a:r>
+              <a:rPr lang="zh-CN" altLang="en-US" sz="2000" dirty="0" smtClean="0"/>
+              <a:t>放射性</a:t>
+            </a:r>
+            <a:r>
+              <a:rPr lang="zh-CN" altLang="en-US" sz="2000" dirty="0"/>
+              <a:t>核素不均匀</a:t>
+            </a:r>
+            <a:r>
+              <a:rPr lang="zh-CN" altLang="en-US" sz="2000" dirty="0" smtClean="0"/>
+              <a:t>分布</a:t>
+            </a:r>
+          </a:p>
+          <a:p>
+            <a:pPr marL="922337" lvl="1" indent="-457200">
+              <a:buFont typeface="Arial" panose="020B0604020202020204" pitchFamily="34" charset="0"/>
+              <a:buChar char="•"/>
+            </a:pPr>
+            <a:endParaRPr lang="zh-CN" altLang="en-US" sz="2000" dirty="0"/>
+          </a:p>
+          <a:p>
+            <a:pPr marL="457200" indent="-457200">
+              <a:buFont typeface="Arial" panose="020B0604020202020204" pitchFamily="34" charset="0"/>
+              <a:buChar char="•"/>
+            </a:pPr>
+            <a:r>
+              <a:rPr lang="zh-CN" altLang="en-US" sz="2400" dirty="0">
+                <a:solidFill>
+                  <a:schemeClr val="tx1"/>
+                </a:solidFill>
+              </a:rPr>
+              <a:t>前述的改进型测量技术都基于一定</a:t>
+            </a:r>
+            <a:r>
+              <a:rPr lang="zh-CN" altLang="en-US" sz="2400" dirty="0" smtClean="0">
+                <a:solidFill>
+                  <a:schemeClr val="tx1"/>
+                </a:solidFill>
+              </a:rPr>
+              <a:t>的</a:t>
+            </a:r>
+            <a:r>
+              <a:rPr lang="zh-CN" altLang="en-US" sz="2400" dirty="0" smtClean="0">
+                <a:solidFill>
+                  <a:schemeClr val="tx1"/>
+                </a:solidFill>
+              </a:rPr>
+              <a:t>前提</a:t>
+            </a:r>
+            <a:r>
+              <a:rPr lang="zh-CN" altLang="en-US" sz="2400" dirty="0" smtClean="0">
+                <a:solidFill>
+                  <a:schemeClr val="tx1"/>
+                </a:solidFill>
+              </a:rPr>
+              <a:t>假设</a:t>
+            </a:r>
+            <a:r>
+              <a:rPr lang="zh-CN" altLang="en-US" sz="2400" dirty="0">
+                <a:solidFill>
+                  <a:schemeClr val="tx1"/>
+                </a:solidFill>
+              </a:rPr>
+              <a:t>，难以满足各种类型废物桶准确测量的</a:t>
+            </a:r>
+            <a:r>
+              <a:rPr lang="zh-CN" altLang="en-US" sz="2400" dirty="0" smtClean="0">
+                <a:solidFill>
+                  <a:schemeClr val="tx1"/>
+                </a:solidFill>
+              </a:rPr>
+              <a:t>需要</a:t>
+            </a:r>
+            <a:endParaRPr lang="zh-CN" altLang="en-US" sz="2400" dirty="0">
+              <a:solidFill>
+                <a:schemeClr val="tx1"/>
+              </a:solidFill>
+            </a:endParaRPr>
           </a:p>
         </p:txBody>
       </p:sp>

--- a/答辩/毕业答辩报告v2-饶开源.pptx
+++ b/答辩/毕业答辩报告v2-饶开源.pptx
@@ -7,7 +7,7 @@
     <p:sldMasterId id="2147483698" r:id="rId3"/>
   </p:sldMasterIdLst>
   <p:notesMasterIdLst>
-    <p:notesMasterId r:id="rId31"/>
+    <p:notesMasterId r:id="rId33"/>
   </p:notesMasterIdLst>
   <p:sldIdLst>
     <p:sldId id="260" r:id="rId4"/>
@@ -33,10 +33,12 @@
     <p:sldId id="299" r:id="rId24"/>
     <p:sldId id="300" r:id="rId25"/>
     <p:sldId id="301" r:id="rId26"/>
-    <p:sldId id="311" r:id="rId27"/>
-    <p:sldId id="307" r:id="rId28"/>
-    <p:sldId id="302" r:id="rId29"/>
-    <p:sldId id="261" r:id="rId30"/>
+    <p:sldId id="321" r:id="rId27"/>
+    <p:sldId id="311" r:id="rId28"/>
+    <p:sldId id="322" r:id="rId29"/>
+    <p:sldId id="307" r:id="rId30"/>
+    <p:sldId id="302" r:id="rId31"/>
+    <p:sldId id="261" r:id="rId32"/>
   </p:sldIdLst>
   <p:sldSz cx="9144000" cy="6858000" type="screen4x3"/>
   <p:notesSz cx="6858000" cy="9144000"/>
@@ -199,50 +201,11 @@
   </mc:AlternateContent>
   <c:chart>
     <c:autoTitleDeleted val="1"/>
-    <c:view3D>
-      <c:rotX val="15"/>
-      <c:rotY val="20"/>
-      <c:depthPercent val="100"/>
-      <c:rAngAx val="1"/>
-    </c:view3D>
-    <c:floor>
-      <c:thickness val="0"/>
-      <c:spPr>
-        <a:noFill/>
-        <a:ln>
-          <a:noFill/>
-        </a:ln>
-        <a:effectLst/>
-        <a:sp3d/>
-      </c:spPr>
-    </c:floor>
-    <c:sideWall>
-      <c:thickness val="0"/>
-      <c:spPr>
-        <a:noFill/>
-        <a:ln>
-          <a:noFill/>
-        </a:ln>
-        <a:effectLst/>
-        <a:sp3d/>
-      </c:spPr>
-    </c:sideWall>
-    <c:backWall>
-      <c:thickness val="0"/>
-      <c:spPr>
-        <a:noFill/>
-        <a:ln>
-          <a:noFill/>
-        </a:ln>
-        <a:effectLst/>
-        <a:sp3d/>
-      </c:spPr>
-    </c:backWall>
     <c:plotArea>
       <c:layout/>
-      <c:bar3DChart>
+      <c:barChart>
         <c:barDir val="col"/>
-        <c:grouping val="standard"/>
+        <c:grouping val="clustered"/>
         <c:varyColors val="0"/>
         <c:ser>
           <c:idx val="0"/>
@@ -253,7 +216,7 @@
               <c:strCache>
                 <c:ptCount val="1"/>
                 <c:pt idx="0">
-                  <c:v>Cs-137</c:v>
+                  <c:v>SGS</c:v>
                 </c:pt>
               </c:strCache>
             </c:strRef>
@@ -266,7 +229,6 @@
               <a:noFill/>
             </a:ln>
             <a:effectLst/>
-            <a:sp3d/>
           </c:spPr>
           <c:invertIfNegative val="0"/>
           <c:dLbls>
@@ -333,22 +295,22 @@
               <c:strCache>
                 <c:ptCount val="6"/>
                 <c:pt idx="0">
-                  <c:v>SGS 0.3</c:v>
+                  <c:v>Cs-137 0.3</c:v>
                 </c:pt>
                 <c:pt idx="1">
-                  <c:v>STGS4ER 0.3</c:v>
+                  <c:v>Co-60 0.3</c:v>
                 </c:pt>
                 <c:pt idx="2">
-                  <c:v>SGS 0.7</c:v>
+                  <c:v>Cs-137 0.7</c:v>
                 </c:pt>
                 <c:pt idx="3">
-                  <c:v>STGS4ER 0.7</c:v>
+                  <c:v>Co-60 0.7</c:v>
                 </c:pt>
                 <c:pt idx="4">
-                  <c:v>SGS 1.2</c:v>
+                  <c:v>Cs-137 1.2</c:v>
                 </c:pt>
                 <c:pt idx="5">
-                  <c:v>STGS4ER 1.2</c:v>
+                  <c:v>Co-60 1.2</c:v>
                 </c:pt>
               </c:strCache>
             </c:strRef>
@@ -363,19 +325,19 @@
                   <c:v>10.53</c:v>
                 </c:pt>
                 <c:pt idx="1">
-                  <c:v>2.1</c:v>
+                  <c:v>10.37</c:v>
                 </c:pt>
                 <c:pt idx="2">
                   <c:v>5.84</c:v>
                 </c:pt>
                 <c:pt idx="3">
-                  <c:v>2.58</c:v>
+                  <c:v>7.43</c:v>
                 </c:pt>
                 <c:pt idx="4">
-                  <c:v>4.649999999999999</c:v>
+                  <c:v>4.65</c:v>
                 </c:pt>
                 <c:pt idx="5">
-                  <c:v>3.28</c:v>
+                  <c:v>3.49</c:v>
                 </c:pt>
               </c:numCache>
             </c:numRef>
@@ -390,7 +352,7 @@
               <c:strCache>
                 <c:ptCount val="1"/>
                 <c:pt idx="0">
-                  <c:v>Co-60</c:v>
+                  <c:v>STGS4ER</c:v>
                 </c:pt>
               </c:strCache>
             </c:strRef>
@@ -403,7 +365,6 @@
               <a:noFill/>
             </a:ln>
             <a:effectLst/>
-            <a:sp3d/>
           </c:spPr>
           <c:invertIfNegative val="0"/>
           <c:dLbls>
@@ -470,22 +431,22 @@
               <c:strCache>
                 <c:ptCount val="6"/>
                 <c:pt idx="0">
-                  <c:v>SGS 0.3</c:v>
+                  <c:v>Cs-137 0.3</c:v>
                 </c:pt>
                 <c:pt idx="1">
-                  <c:v>STGS4ER 0.3</c:v>
+                  <c:v>Co-60 0.3</c:v>
                 </c:pt>
                 <c:pt idx="2">
-                  <c:v>SGS 0.7</c:v>
+                  <c:v>Cs-137 0.7</c:v>
                 </c:pt>
                 <c:pt idx="3">
-                  <c:v>STGS4ER 0.7</c:v>
+                  <c:v>Co-60 0.7</c:v>
                 </c:pt>
                 <c:pt idx="4">
-                  <c:v>SGS 1.2</c:v>
+                  <c:v>Cs-137 1.2</c:v>
                 </c:pt>
                 <c:pt idx="5">
-                  <c:v>STGS4ER 1.2</c:v>
+                  <c:v>Co-60 1.2</c:v>
                 </c:pt>
               </c:strCache>
             </c:strRef>
@@ -497,19 +458,19 @@
                 <c:formatCode>General</c:formatCode>
                 <c:ptCount val="6"/>
                 <c:pt idx="0">
-                  <c:v>10.37</c:v>
+                  <c:v>2.1</c:v>
                 </c:pt>
                 <c:pt idx="1">
                   <c:v>1.84</c:v>
                 </c:pt>
                 <c:pt idx="2">
-                  <c:v>7.43</c:v>
+                  <c:v>2.58</c:v>
                 </c:pt>
                 <c:pt idx="3">
                   <c:v>2.18</c:v>
                 </c:pt>
                 <c:pt idx="4">
-                  <c:v>3.49</c:v>
+                  <c:v>3.28</c:v>
                 </c:pt>
                 <c:pt idx="5">
                   <c:v>2.64</c:v>
@@ -527,13 +488,11 @@
           <c:showBubbleSize val="0"/>
         </c:dLbls>
         <c:gapWidth val="150"/>
-        <c:shape val="box"/>
-        <c:axId val="2115180000"/>
-        <c:axId val="2113289472"/>
-        <c:axId val="1732561952"/>
-      </c:bar3DChart>
+        <c:axId val="2124115408"/>
+        <c:axId val="2117457552"/>
+      </c:barChart>
       <c:catAx>
-        <c:axId val="2115180000"/>
+        <c:axId val="2124115408"/>
         <c:scaling>
           <c:orientation val="minMax"/>
         </c:scaling>
@@ -570,7 +529,7 @@
             <a:endParaRPr lang="en-US"/>
           </a:p>
         </c:txPr>
-        <c:crossAx val="2113289472"/>
+        <c:crossAx val="2117457552"/>
         <c:crosses val="autoZero"/>
         <c:auto val="1"/>
         <c:lblAlgn val="ctr"/>
@@ -578,7 +537,7 @@
         <c:noMultiLvlLbl val="0"/>
       </c:catAx>
       <c:valAx>
-        <c:axId val="2113289472"/>
+        <c:axId val="2117457552"/>
         <c:scaling>
           <c:orientation val="minMax"/>
         </c:scaling>
@@ -629,50 +588,10 @@
             <a:endParaRPr lang="en-US"/>
           </a:p>
         </c:txPr>
-        <c:crossAx val="2115180000"/>
+        <c:crossAx val="2124115408"/>
         <c:crosses val="autoZero"/>
         <c:crossBetween val="between"/>
       </c:valAx>
-      <c:serAx>
-        <c:axId val="1732561952"/>
-        <c:scaling>
-          <c:orientation val="minMax"/>
-        </c:scaling>
-        <c:delete val="0"/>
-        <c:axPos val="b"/>
-        <c:majorTickMark val="out"/>
-        <c:minorTickMark val="none"/>
-        <c:tickLblPos val="nextTo"/>
-        <c:spPr>
-          <a:noFill/>
-          <a:ln>
-            <a:noFill/>
-          </a:ln>
-          <a:effectLst/>
-        </c:spPr>
-        <c:txPr>
-          <a:bodyPr rot="-60000000" spcFirstLastPara="1" vertOverflow="ellipsis" vert="horz" wrap="square" anchor="ctr" anchorCtr="1"/>
-          <a:lstStyle/>
-          <a:p>
-            <a:pPr>
-              <a:defRPr sz="1197" b="0" i="0" u="none" strike="noStrike" kern="1200" baseline="0">
-                <a:solidFill>
-                  <a:schemeClr val="tx1">
-                    <a:lumMod val="65000"/>
-                    <a:lumOff val="35000"/>
-                  </a:schemeClr>
-                </a:solidFill>
-                <a:latin typeface="+mn-lt"/>
-                <a:ea typeface="+mn-ea"/>
-                <a:cs typeface="+mn-cs"/>
-              </a:defRPr>
-            </a:pPr>
-            <a:endParaRPr lang="en-US"/>
-          </a:p>
-        </c:txPr>
-        <c:crossAx val="2113289472"/>
-        <c:crosses val="autoZero"/>
-      </c:serAx>
       <c:spPr>
         <a:noFill/>
         <a:ln>
@@ -688,9 +607,9 @@
           <c:xMode val="edge"/>
           <c:yMode val="edge"/>
           <c:x val="0.388287401574803"/>
-          <c:y val="0.823550196850394"/>
-          <c:w val="0.219258366141732"/>
-          <c:h val="0.0639498031496063"/>
+          <c:y val="0.907925196850394"/>
+          <c:w val="0.26305282152231"/>
+          <c:h val="0.0663636811023622"/>
         </c:manualLayout>
       </c:layout>
       <c:overlay val="0"/>
@@ -764,50 +683,11 @@
   </mc:AlternateContent>
   <c:chart>
     <c:autoTitleDeleted val="1"/>
-    <c:view3D>
-      <c:rotX val="15"/>
-      <c:rotY val="20"/>
-      <c:depthPercent val="100"/>
-      <c:rAngAx val="1"/>
-    </c:view3D>
-    <c:floor>
-      <c:thickness val="0"/>
-      <c:spPr>
-        <a:noFill/>
-        <a:ln>
-          <a:noFill/>
-        </a:ln>
-        <a:effectLst/>
-        <a:sp3d/>
-      </c:spPr>
-    </c:floor>
-    <c:sideWall>
-      <c:thickness val="0"/>
-      <c:spPr>
-        <a:noFill/>
-        <a:ln>
-          <a:noFill/>
-        </a:ln>
-        <a:effectLst/>
-        <a:sp3d/>
-      </c:spPr>
-    </c:sideWall>
-    <c:backWall>
-      <c:thickness val="0"/>
-      <c:spPr>
-        <a:noFill/>
-        <a:ln>
-          <a:noFill/>
-        </a:ln>
-        <a:effectLst/>
-        <a:sp3d/>
-      </c:spPr>
-    </c:backWall>
     <c:plotArea>
       <c:layout/>
-      <c:bar3DChart>
+      <c:barChart>
         <c:barDir val="col"/>
-        <c:grouping val="standard"/>
+        <c:grouping val="clustered"/>
         <c:varyColors val="0"/>
         <c:ser>
           <c:idx val="0"/>
@@ -818,7 +698,7 @@
               <c:strCache>
                 <c:ptCount val="1"/>
                 <c:pt idx="0">
-                  <c:v>Cs-137</c:v>
+                  <c:v>SGS</c:v>
                 </c:pt>
               </c:strCache>
             </c:strRef>
@@ -831,7 +711,6 @@
               <a:noFill/>
             </a:ln>
             <a:effectLst/>
-            <a:sp3d/>
           </c:spPr>
           <c:invertIfNegative val="0"/>
           <c:dLbls>
@@ -898,28 +777,28 @@
               <c:strCache>
                 <c:ptCount val="8"/>
                 <c:pt idx="0">
-                  <c:v>SGS  形式1</c:v>
+                  <c:v>形式1 Cs-137</c:v>
                 </c:pt>
                 <c:pt idx="1">
-                  <c:v>STGS4ER  形式1</c:v>
+                  <c:v>形式1 Co-60</c:v>
                 </c:pt>
                 <c:pt idx="2">
-                  <c:v>SGS  形式2</c:v>
+                  <c:v>形式2 Cs-137</c:v>
                 </c:pt>
                 <c:pt idx="3">
-                  <c:v>STGS4ER 形式2</c:v>
+                  <c:v>形式2 Co-60</c:v>
                 </c:pt>
                 <c:pt idx="4">
-                  <c:v>SGS 形式3</c:v>
+                  <c:v>形式3 Cs-137</c:v>
                 </c:pt>
                 <c:pt idx="5">
-                  <c:v>STGS4ER 形式3</c:v>
+                  <c:v>形式3 Co-60</c:v>
                 </c:pt>
                 <c:pt idx="6">
-                  <c:v>SGS 形式4</c:v>
+                  <c:v>形式4 Cs-137</c:v>
                 </c:pt>
                 <c:pt idx="7">
-                  <c:v>STGS4ER 形式4</c:v>
+                  <c:v>形式4 Co-60</c:v>
                 </c:pt>
               </c:strCache>
             </c:strRef>
@@ -934,25 +813,25 @@
                   <c:v>15.39</c:v>
                 </c:pt>
                 <c:pt idx="1">
-                  <c:v>14.16</c:v>
+                  <c:v>15.15</c:v>
                 </c:pt>
                 <c:pt idx="2">
                   <c:v>12.4</c:v>
                 </c:pt>
                 <c:pt idx="3">
-                  <c:v>4.24</c:v>
+                  <c:v>20.23</c:v>
                 </c:pt>
                 <c:pt idx="4">
                   <c:v>11.65</c:v>
                 </c:pt>
                 <c:pt idx="5">
-                  <c:v>9.09</c:v>
+                  <c:v>16.91</c:v>
                 </c:pt>
                 <c:pt idx="6">
-                  <c:v>7.859999999999999</c:v>
+                  <c:v>7.86</c:v>
                 </c:pt>
                 <c:pt idx="7">
-                  <c:v>7.319999999999999</c:v>
+                  <c:v>18.9</c:v>
                 </c:pt>
               </c:numCache>
             </c:numRef>
@@ -967,7 +846,7 @@
               <c:strCache>
                 <c:ptCount val="1"/>
                 <c:pt idx="0">
-                  <c:v>Co-60</c:v>
+                  <c:v>STGS4ER</c:v>
                 </c:pt>
               </c:strCache>
             </c:strRef>
@@ -980,7 +859,6 @@
               <a:noFill/>
             </a:ln>
             <a:effectLst/>
-            <a:sp3d/>
           </c:spPr>
           <c:invertIfNegative val="0"/>
           <c:dLbls>
@@ -1067,28 +945,28 @@
               <c:strCache>
                 <c:ptCount val="8"/>
                 <c:pt idx="0">
-                  <c:v>SGS  形式1</c:v>
+                  <c:v>形式1 Cs-137</c:v>
                 </c:pt>
                 <c:pt idx="1">
-                  <c:v>STGS4ER  形式1</c:v>
+                  <c:v>形式1 Co-60</c:v>
                 </c:pt>
                 <c:pt idx="2">
-                  <c:v>SGS  形式2</c:v>
+                  <c:v>形式2 Cs-137</c:v>
                 </c:pt>
                 <c:pt idx="3">
-                  <c:v>STGS4ER 形式2</c:v>
+                  <c:v>形式2 Co-60</c:v>
                 </c:pt>
                 <c:pt idx="4">
-                  <c:v>SGS 形式3</c:v>
+                  <c:v>形式3 Cs-137</c:v>
                 </c:pt>
                 <c:pt idx="5">
-                  <c:v>STGS4ER 形式3</c:v>
+                  <c:v>形式3 Co-60</c:v>
                 </c:pt>
                 <c:pt idx="6">
-                  <c:v>SGS 形式4</c:v>
+                  <c:v>形式4 Cs-137</c:v>
                 </c:pt>
                 <c:pt idx="7">
-                  <c:v>STGS4ER 形式4</c:v>
+                  <c:v>形式4 Co-60</c:v>
                 </c:pt>
               </c:strCache>
             </c:strRef>
@@ -1100,25 +978,25 @@
                 <c:formatCode>General</c:formatCode>
                 <c:ptCount val="8"/>
                 <c:pt idx="0">
-                  <c:v>15.15</c:v>
+                  <c:v>14.16</c:v>
                 </c:pt>
                 <c:pt idx="1">
                   <c:v>10.16</c:v>
                 </c:pt>
                 <c:pt idx="2">
-                  <c:v>20.23</c:v>
+                  <c:v>4.24</c:v>
                 </c:pt>
                 <c:pt idx="3">
                   <c:v>3.15</c:v>
                 </c:pt>
                 <c:pt idx="4">
-                  <c:v>16.91</c:v>
+                  <c:v>9.09</c:v>
                 </c:pt>
                 <c:pt idx="5">
                   <c:v>6.95</c:v>
                 </c:pt>
                 <c:pt idx="6">
-                  <c:v>18.9</c:v>
+                  <c:v>7.32</c:v>
                 </c:pt>
                 <c:pt idx="7">
                   <c:v>5.13</c:v>
@@ -1136,13 +1014,11 @@
           <c:showBubbleSize val="0"/>
         </c:dLbls>
         <c:gapWidth val="150"/>
-        <c:shape val="box"/>
-        <c:axId val="2115020256"/>
-        <c:axId val="2112536736"/>
-        <c:axId val="2112744256"/>
-      </c:bar3DChart>
+        <c:axId val="2116869072"/>
+        <c:axId val="2116113744"/>
+      </c:barChart>
       <c:catAx>
-        <c:axId val="2115020256"/>
+        <c:axId val="2116869072"/>
         <c:scaling>
           <c:orientation val="minMax"/>
         </c:scaling>
@@ -1179,7 +1055,7 @@
             <a:endParaRPr lang="en-US"/>
           </a:p>
         </c:txPr>
-        <c:crossAx val="2112536736"/>
+        <c:crossAx val="2116113744"/>
         <c:crosses val="autoZero"/>
         <c:auto val="1"/>
         <c:lblAlgn val="ctr"/>
@@ -1187,7 +1063,7 @@
         <c:noMultiLvlLbl val="0"/>
       </c:catAx>
       <c:valAx>
-        <c:axId val="2112536736"/>
+        <c:axId val="2116113744"/>
         <c:scaling>
           <c:orientation val="minMax"/>
         </c:scaling>
@@ -1238,50 +1114,10 @@
             <a:endParaRPr lang="en-US"/>
           </a:p>
         </c:txPr>
-        <c:crossAx val="2115020256"/>
+        <c:crossAx val="2116869072"/>
         <c:crosses val="autoZero"/>
         <c:crossBetween val="between"/>
       </c:valAx>
-      <c:serAx>
-        <c:axId val="2112744256"/>
-        <c:scaling>
-          <c:orientation val="minMax"/>
-        </c:scaling>
-        <c:delete val="0"/>
-        <c:axPos val="b"/>
-        <c:majorTickMark val="out"/>
-        <c:minorTickMark val="none"/>
-        <c:tickLblPos val="nextTo"/>
-        <c:spPr>
-          <a:noFill/>
-          <a:ln>
-            <a:noFill/>
-          </a:ln>
-          <a:effectLst/>
-        </c:spPr>
-        <c:txPr>
-          <a:bodyPr rot="-60000000" spcFirstLastPara="1" vertOverflow="ellipsis" vert="horz" wrap="square" anchor="ctr" anchorCtr="1"/>
-          <a:lstStyle/>
-          <a:p>
-            <a:pPr>
-              <a:defRPr sz="1197" b="0" i="0" u="none" strike="noStrike" kern="1200" baseline="0">
-                <a:solidFill>
-                  <a:schemeClr val="tx1">
-                    <a:lumMod val="65000"/>
-                    <a:lumOff val="35000"/>
-                  </a:schemeClr>
-                </a:solidFill>
-                <a:latin typeface="+mn-lt"/>
-                <a:ea typeface="+mn-ea"/>
-                <a:cs typeface="+mn-cs"/>
-              </a:defRPr>
-            </a:pPr>
-            <a:endParaRPr lang="en-US"/>
-          </a:p>
-        </c:txPr>
-        <c:crossAx val="2112536736"/>
-        <c:crosses val="autoZero"/>
-      </c:serAx>
       <c:spPr>
         <a:noFill/>
         <a:ln>
@@ -1290,6 +1126,38 @@
         <a:effectLst/>
       </c:spPr>
     </c:plotArea>
+    <c:legend>
+      <c:legendPos val="b"/>
+      <c:layout/>
+      <c:overlay val="0"/>
+      <c:spPr>
+        <a:noFill/>
+        <a:ln>
+          <a:noFill/>
+        </a:ln>
+        <a:effectLst/>
+      </c:spPr>
+      <c:txPr>
+        <a:bodyPr rot="0" spcFirstLastPara="1" vertOverflow="ellipsis" vert="horz" wrap="square" anchor="ctr" anchorCtr="1"/>
+        <a:lstStyle/>
+        <a:p>
+          <a:pPr>
+            <a:defRPr sz="1197" b="0" i="0" u="none" strike="noStrike" kern="1200" baseline="0">
+              <a:solidFill>
+                <a:schemeClr val="tx1">
+                  <a:lumMod val="65000"/>
+                  <a:lumOff val="35000"/>
+                </a:schemeClr>
+              </a:solidFill>
+              <a:latin typeface="+mn-lt"/>
+              <a:ea typeface="+mn-ea"/>
+              <a:cs typeface="+mn-cs"/>
+            </a:defRPr>
+          </a:pPr>
+          <a:endParaRPr lang="en-US"/>
+        </a:p>
+      </c:txPr>
+    </c:legend>
     <c:plotVisOnly val="1"/>
     <c:dispBlanksAs val="gap"/>
     <c:showDLblsOverMax val="0"/>
@@ -1318,6 +1186,482 @@
 </file>
 
 <file path=ppt/charts/chart3.xml><?xml version="1.0" encoding="utf-8"?>
+<c:chartSpace xmlns:c="http://schemas.openxmlformats.org/drawingml/2006/chart" xmlns:a="http://schemas.openxmlformats.org/drawingml/2006/main" xmlns:r="http://schemas.openxmlformats.org/officeDocument/2006/relationships">
+  <c:date1904 val="0"/>
+  <c:lang val="en-US"/>
+  <c:roundedCorners val="0"/>
+  <mc:AlternateContent xmlns:mc="http://schemas.openxmlformats.org/markup-compatibility/2006">
+    <mc:Choice xmlns:c14="http://schemas.microsoft.com/office/drawing/2007/8/2/chart" Requires="c14">
+      <c14:style val="102"/>
+    </mc:Choice>
+    <mc:Fallback>
+      <c:style val="2"/>
+    </mc:Fallback>
+  </mc:AlternateContent>
+  <c:chart>
+    <c:autoTitleDeleted val="1"/>
+    <c:plotArea>
+      <c:layout/>
+      <c:barChart>
+        <c:barDir val="col"/>
+        <c:grouping val="clustered"/>
+        <c:varyColors val="0"/>
+        <c:ser>
+          <c:idx val="2"/>
+          <c:order val="0"/>
+          <c:tx>
+            <c:strRef>
+              <c:f>Sheet1!$F$1</c:f>
+              <c:strCache>
+                <c:ptCount val="1"/>
+                <c:pt idx="0">
+                  <c:v>SGS</c:v>
+                </c:pt>
+              </c:strCache>
+            </c:strRef>
+          </c:tx>
+          <c:spPr>
+            <a:solidFill>
+              <a:schemeClr val="accent2"/>
+            </a:solidFill>
+            <a:ln>
+              <a:noFill/>
+            </a:ln>
+            <a:effectLst/>
+          </c:spPr>
+          <c:invertIfNegative val="0"/>
+          <c:dLbls>
+            <c:spPr>
+              <a:noFill/>
+              <a:ln>
+                <a:noFill/>
+              </a:ln>
+              <a:effectLst/>
+            </c:spPr>
+            <c:txPr>
+              <a:bodyPr rot="0" spcFirstLastPara="1" vertOverflow="ellipsis" vert="horz" wrap="square" lIns="38100" tIns="19050" rIns="38100" bIns="19050" anchor="ctr" anchorCtr="1">
+                <a:spAutoFit/>
+              </a:bodyPr>
+              <a:lstStyle/>
+              <a:p>
+                <a:pPr>
+                  <a:defRPr sz="1197" b="0" i="0" u="none" strike="noStrike" kern="1200" baseline="0">
+                    <a:solidFill>
+                      <a:schemeClr val="tx1">
+                        <a:lumMod val="75000"/>
+                        <a:lumOff val="25000"/>
+                      </a:schemeClr>
+                    </a:solidFill>
+                    <a:latin typeface="+mn-lt"/>
+                    <a:ea typeface="+mn-ea"/>
+                    <a:cs typeface="+mn-cs"/>
+                  </a:defRPr>
+                </a:pPr>
+                <a:endParaRPr lang="en-US"/>
+              </a:p>
+            </c:txPr>
+            <c:dLblPos val="outEnd"/>
+            <c:showLegendKey val="0"/>
+            <c:showVal val="1"/>
+            <c:showCatName val="0"/>
+            <c:showSerName val="0"/>
+            <c:showPercent val="0"/>
+            <c:showBubbleSize val="0"/>
+            <c:showLeaderLines val="0"/>
+            <c:extLst>
+              <c:ext xmlns:c15="http://schemas.microsoft.com/office/drawing/2012/chart" uri="{CE6537A1-D6FC-4f65-9D91-7224C49458BB}">
+                <c15:layout/>
+                <c15:showLeaderLines val="1"/>
+                <c15:leaderLines>
+                  <c:spPr>
+                    <a:ln w="9525" cap="flat" cmpd="sng" algn="ctr">
+                      <a:solidFill>
+                        <a:schemeClr val="tx1">
+                          <a:lumMod val="35000"/>
+                          <a:lumOff val="65000"/>
+                        </a:schemeClr>
+                      </a:solidFill>
+                      <a:round/>
+                    </a:ln>
+                    <a:effectLst/>
+                  </c:spPr>
+                </c15:leaderLines>
+              </c:ext>
+            </c:extLst>
+          </c:dLbls>
+          <c:cat>
+            <c:strRef>
+              <c:f>Sheet1!$A$2:$A$7</c:f>
+              <c:strCache>
+                <c:ptCount val="6"/>
+                <c:pt idx="0">
+                  <c:v>Cs-137 0cm</c:v>
+                </c:pt>
+                <c:pt idx="1">
+                  <c:v>Cs-137 8cm</c:v>
+                </c:pt>
+                <c:pt idx="2">
+                  <c:v>Cs-137 24cm</c:v>
+                </c:pt>
+                <c:pt idx="3">
+                  <c:v>Co-60 0cm</c:v>
+                </c:pt>
+                <c:pt idx="4">
+                  <c:v>Co-60 8cm</c:v>
+                </c:pt>
+                <c:pt idx="5">
+                  <c:v>Co-60 24cm</c:v>
+                </c:pt>
+              </c:strCache>
+            </c:strRef>
+          </c:cat>
+          <c:val>
+            <c:numRef>
+              <c:f>Sheet1!$F$2:$F$7</c:f>
+              <c:numCache>
+                <c:formatCode>0.00</c:formatCode>
+                <c:ptCount val="6"/>
+                <c:pt idx="0">
+                  <c:v>0.587301587301587</c:v>
+                </c:pt>
+                <c:pt idx="1">
+                  <c:v>0.449275362318841</c:v>
+                </c:pt>
+                <c:pt idx="2">
+                  <c:v>0.14</c:v>
+                </c:pt>
+                <c:pt idx="3">
+                  <c:v>0.176470588235294</c:v>
+                </c:pt>
+                <c:pt idx="4">
+                  <c:v>0.136363636363636</c:v>
+                </c:pt>
+                <c:pt idx="5">
+                  <c:v>0.03</c:v>
+                </c:pt>
+              </c:numCache>
+            </c:numRef>
+          </c:val>
+        </c:ser>
+        <c:ser>
+          <c:idx val="0"/>
+          <c:order val="1"/>
+          <c:tx>
+            <c:strRef>
+              <c:f>Sheet1!$G$1</c:f>
+              <c:strCache>
+                <c:ptCount val="1"/>
+                <c:pt idx="0">
+                  <c:v>IM</c:v>
+                </c:pt>
+              </c:strCache>
+            </c:strRef>
+          </c:tx>
+          <c:spPr>
+            <a:solidFill>
+              <a:schemeClr val="accent1"/>
+            </a:solidFill>
+            <a:ln>
+              <a:noFill/>
+            </a:ln>
+            <a:effectLst/>
+          </c:spPr>
+          <c:invertIfNegative val="0"/>
+          <c:dLbls>
+            <c:spPr>
+              <a:noFill/>
+              <a:ln>
+                <a:noFill/>
+              </a:ln>
+              <a:effectLst/>
+            </c:spPr>
+            <c:txPr>
+              <a:bodyPr rot="0" spcFirstLastPara="1" vertOverflow="ellipsis" vert="horz" wrap="square" lIns="38100" tIns="19050" rIns="38100" bIns="19050" anchor="ctr" anchorCtr="1">
+                <a:spAutoFit/>
+              </a:bodyPr>
+              <a:lstStyle/>
+              <a:p>
+                <a:pPr>
+                  <a:defRPr sz="1197" b="0" i="0" u="none" strike="noStrike" kern="1200" baseline="0">
+                    <a:solidFill>
+                      <a:schemeClr val="tx1">
+                        <a:lumMod val="75000"/>
+                        <a:lumOff val="25000"/>
+                      </a:schemeClr>
+                    </a:solidFill>
+                    <a:latin typeface="+mn-lt"/>
+                    <a:ea typeface="+mn-ea"/>
+                    <a:cs typeface="+mn-cs"/>
+                  </a:defRPr>
+                </a:pPr>
+                <a:endParaRPr lang="en-US"/>
+              </a:p>
+            </c:txPr>
+            <c:dLblPos val="outEnd"/>
+            <c:showLegendKey val="0"/>
+            <c:showVal val="1"/>
+            <c:showCatName val="0"/>
+            <c:showSerName val="0"/>
+            <c:showPercent val="0"/>
+            <c:showBubbleSize val="0"/>
+            <c:showLeaderLines val="0"/>
+            <c:extLst>
+              <c:ext xmlns:c15="http://schemas.microsoft.com/office/drawing/2012/chart" uri="{CE6537A1-D6FC-4f65-9D91-7224C49458BB}">
+                <c15:layout/>
+                <c15:showLeaderLines val="1"/>
+                <c15:leaderLines>
+                  <c:spPr>
+                    <a:ln w="9525" cap="flat" cmpd="sng" algn="ctr">
+                      <a:solidFill>
+                        <a:schemeClr val="tx1">
+                          <a:lumMod val="35000"/>
+                          <a:lumOff val="65000"/>
+                        </a:schemeClr>
+                      </a:solidFill>
+                      <a:round/>
+                    </a:ln>
+                    <a:effectLst/>
+                  </c:spPr>
+                </c15:leaderLines>
+              </c:ext>
+            </c:extLst>
+          </c:dLbls>
+          <c:cat>
+            <c:strRef>
+              <c:f>Sheet1!$A$2:$A$7</c:f>
+              <c:strCache>
+                <c:ptCount val="6"/>
+                <c:pt idx="0">
+                  <c:v>Cs-137 0cm</c:v>
+                </c:pt>
+                <c:pt idx="1">
+                  <c:v>Cs-137 8cm</c:v>
+                </c:pt>
+                <c:pt idx="2">
+                  <c:v>Cs-137 24cm</c:v>
+                </c:pt>
+                <c:pt idx="3">
+                  <c:v>Co-60 0cm</c:v>
+                </c:pt>
+                <c:pt idx="4">
+                  <c:v>Co-60 8cm</c:v>
+                </c:pt>
+                <c:pt idx="5">
+                  <c:v>Co-60 24cm</c:v>
+                </c:pt>
+              </c:strCache>
+            </c:strRef>
+          </c:cat>
+          <c:val>
+            <c:numRef>
+              <c:f>Sheet1!$G$2:$G$7</c:f>
+              <c:numCache>
+                <c:formatCode>0.00</c:formatCode>
+                <c:ptCount val="6"/>
+                <c:pt idx="0">
+                  <c:v>0.0638297872340425</c:v>
+                </c:pt>
+                <c:pt idx="1">
+                  <c:v>0.0526315789473684</c:v>
+                </c:pt>
+                <c:pt idx="2">
+                  <c:v>0.0309278350515465</c:v>
+                </c:pt>
+                <c:pt idx="3">
+                  <c:v>0.0989010989010987</c:v>
+                </c:pt>
+                <c:pt idx="4">
+                  <c:v>0.0869565217391304</c:v>
+                </c:pt>
+                <c:pt idx="5">
+                  <c:v>0.0638297872340425</c:v>
+                </c:pt>
+              </c:numCache>
+            </c:numRef>
+          </c:val>
+        </c:ser>
+        <c:dLbls>
+          <c:dLblPos val="outEnd"/>
+          <c:showLegendKey val="0"/>
+          <c:showVal val="1"/>
+          <c:showCatName val="0"/>
+          <c:showSerName val="0"/>
+          <c:showPercent val="0"/>
+          <c:showBubbleSize val="0"/>
+        </c:dLbls>
+        <c:gapWidth val="150"/>
+        <c:axId val="-1154969760"/>
+        <c:axId val="-1154966832"/>
+      </c:barChart>
+      <c:catAx>
+        <c:axId val="-1154969760"/>
+        <c:scaling>
+          <c:orientation val="minMax"/>
+        </c:scaling>
+        <c:delete val="0"/>
+        <c:axPos val="b"/>
+        <c:numFmt formatCode="General" sourceLinked="1"/>
+        <c:majorTickMark val="none"/>
+        <c:minorTickMark val="none"/>
+        <c:tickLblPos val="nextTo"/>
+        <c:spPr>
+          <a:noFill/>
+          <a:ln>
+            <a:noFill/>
+          </a:ln>
+          <a:effectLst/>
+        </c:spPr>
+        <c:txPr>
+          <a:bodyPr rot="-60000000" spcFirstLastPara="1" vertOverflow="ellipsis" vert="horz" wrap="square" anchor="ctr" anchorCtr="1"/>
+          <a:lstStyle/>
+          <a:p>
+            <a:pPr>
+              <a:defRPr sz="1197" b="0" i="0" u="none" strike="noStrike" kern="1200" baseline="0">
+                <a:solidFill>
+                  <a:schemeClr val="tx1">
+                    <a:lumMod val="65000"/>
+                    <a:lumOff val="35000"/>
+                  </a:schemeClr>
+                </a:solidFill>
+                <a:latin typeface="+mn-lt"/>
+                <a:ea typeface="+mn-ea"/>
+                <a:cs typeface="+mn-cs"/>
+              </a:defRPr>
+            </a:pPr>
+            <a:endParaRPr lang="en-US"/>
+          </a:p>
+        </c:txPr>
+        <c:crossAx val="-1154966832"/>
+        <c:crosses val="autoZero"/>
+        <c:auto val="1"/>
+        <c:lblAlgn val="ctr"/>
+        <c:lblOffset val="100"/>
+        <c:noMultiLvlLbl val="0"/>
+      </c:catAx>
+      <c:valAx>
+        <c:axId val="-1154966832"/>
+        <c:scaling>
+          <c:orientation val="minMax"/>
+        </c:scaling>
+        <c:delete val="0"/>
+        <c:axPos val="l"/>
+        <c:majorGridlines>
+          <c:spPr>
+            <a:ln w="9525" cap="flat" cmpd="sng" algn="ctr">
+              <a:solidFill>
+                <a:schemeClr val="tx1">
+                  <a:lumMod val="15000"/>
+                  <a:lumOff val="85000"/>
+                </a:schemeClr>
+              </a:solidFill>
+              <a:round/>
+            </a:ln>
+            <a:effectLst/>
+          </c:spPr>
+        </c:majorGridlines>
+        <c:numFmt formatCode="0.00" sourceLinked="1"/>
+        <c:majorTickMark val="none"/>
+        <c:minorTickMark val="none"/>
+        <c:tickLblPos val="nextTo"/>
+        <c:spPr>
+          <a:noFill/>
+          <a:ln>
+            <a:noFill/>
+          </a:ln>
+          <a:effectLst/>
+        </c:spPr>
+        <c:txPr>
+          <a:bodyPr rot="-60000000" spcFirstLastPara="1" vertOverflow="ellipsis" vert="horz" wrap="square" anchor="ctr" anchorCtr="1"/>
+          <a:lstStyle/>
+          <a:p>
+            <a:pPr>
+              <a:defRPr sz="1197" b="0" i="0" u="none" strike="noStrike" kern="1200" baseline="0">
+                <a:solidFill>
+                  <a:schemeClr val="tx1">
+                    <a:lumMod val="65000"/>
+                    <a:lumOff val="35000"/>
+                  </a:schemeClr>
+                </a:solidFill>
+                <a:latin typeface="+mn-lt"/>
+                <a:ea typeface="+mn-ea"/>
+                <a:cs typeface="+mn-cs"/>
+              </a:defRPr>
+            </a:pPr>
+            <a:endParaRPr lang="en-US"/>
+          </a:p>
+        </c:txPr>
+        <c:crossAx val="-1154969760"/>
+        <c:crosses val="autoZero"/>
+        <c:crossBetween val="between"/>
+      </c:valAx>
+      <c:spPr>
+        <a:noFill/>
+        <a:ln>
+          <a:noFill/>
+        </a:ln>
+        <a:effectLst/>
+      </c:spPr>
+    </c:plotArea>
+    <c:legend>
+      <c:legendPos val="b"/>
+      <c:layout/>
+      <c:overlay val="0"/>
+      <c:spPr>
+        <a:noFill/>
+        <a:ln>
+          <a:noFill/>
+        </a:ln>
+        <a:effectLst/>
+      </c:spPr>
+      <c:txPr>
+        <a:bodyPr rot="0" spcFirstLastPara="1" vertOverflow="ellipsis" vert="horz" wrap="square" anchor="ctr" anchorCtr="1"/>
+        <a:lstStyle/>
+        <a:p>
+          <a:pPr>
+            <a:defRPr sz="1197" b="0" i="0" u="none" strike="noStrike" kern="1200" baseline="0">
+              <a:solidFill>
+                <a:schemeClr val="tx1">
+                  <a:lumMod val="65000"/>
+                  <a:lumOff val="35000"/>
+                </a:schemeClr>
+              </a:solidFill>
+              <a:latin typeface="+mn-lt"/>
+              <a:ea typeface="+mn-ea"/>
+              <a:cs typeface="+mn-cs"/>
+            </a:defRPr>
+          </a:pPr>
+          <a:endParaRPr lang="en-US"/>
+        </a:p>
+      </c:txPr>
+    </c:legend>
+    <c:plotVisOnly val="1"/>
+    <c:dispBlanksAs val="gap"/>
+    <c:showDLblsOverMax val="0"/>
+  </c:chart>
+  <c:spPr>
+    <a:noFill/>
+    <a:ln>
+      <a:noFill/>
+    </a:ln>
+    <a:effectLst/>
+  </c:spPr>
+  <c:txPr>
+    <a:bodyPr/>
+    <a:lstStyle/>
+    <a:p>
+      <a:pPr>
+        <a:defRPr/>
+      </a:pPr>
+      <a:endParaRPr lang="en-US"/>
+    </a:p>
+  </c:txPr>
+  <c:externalData r:id="rId3">
+    <c:autoUpdate val="0"/>
+  </c:externalData>
+</c:chartSpace>
+</file>
+
+<file path=ppt/charts/chart4.xml><?xml version="1.0" encoding="utf-8"?>
 <c:chartSpace xmlns:c="http://schemas.openxmlformats.org/drawingml/2006/chart" xmlns:a="http://schemas.openxmlformats.org/drawingml/2006/main" xmlns:r="http://schemas.openxmlformats.org/officeDocument/2006/relationships">
   <c:date1904 val="0"/>
   <c:lang val="en-US"/>
@@ -1382,7 +1726,7 @@
           <c:order val="0"/>
           <c:tx>
             <c:strRef>
-              <c:f>Sheet1!$B$1</c:f>
+              <c:f>Sheet1!$F$1</c:f>
               <c:strCache>
                 <c:ptCount val="1"/>
                 <c:pt idx="0">
@@ -1482,21 +1826,21 @@
           </c:cat>
           <c:val>
             <c:numRef>
-              <c:f>Sheet1!$B$2:$B$5</c:f>
+              <c:f>Sheet1!$F$2:$F$5</c:f>
               <c:numCache>
                 <c:formatCode>General</c:formatCode>
                 <c:ptCount val="4"/>
                 <c:pt idx="0">
-                  <c:v>1.64</c:v>
+                  <c:v>0.64</c:v>
                 </c:pt>
                 <c:pt idx="1">
-                  <c:v>1.14</c:v>
+                  <c:v>0.14</c:v>
                 </c:pt>
                 <c:pt idx="2">
-                  <c:v>1.32</c:v>
+                  <c:v>0.32</c:v>
                 </c:pt>
                 <c:pt idx="3">
-                  <c:v>1.08</c:v>
+                  <c:v>0.0800000000000001</c:v>
                 </c:pt>
               </c:numCache>
             </c:numRef>
@@ -1507,7 +1851,7 @@
           <c:order val="1"/>
           <c:tx>
             <c:strRef>
-              <c:f>Sheet1!$C$1</c:f>
+              <c:f>Sheet1!$G$1</c:f>
               <c:strCache>
                 <c:ptCount val="1"/>
                 <c:pt idx="0">
@@ -1607,21 +1951,21 @@
           </c:cat>
           <c:val>
             <c:numRef>
-              <c:f>Sheet1!$C$2:$C$5</c:f>
+              <c:f>Sheet1!$G$2:$G$5</c:f>
               <c:numCache>
                 <c:formatCode>General</c:formatCode>
                 <c:ptCount val="4"/>
                 <c:pt idx="0">
-                  <c:v>1.3</c:v>
+                  <c:v>0.3</c:v>
                 </c:pt>
                 <c:pt idx="1">
-                  <c:v>1.08</c:v>
+                  <c:v>0.0800000000000001</c:v>
                 </c:pt>
                 <c:pt idx="2">
-                  <c:v>1.15</c:v>
+                  <c:v>0.15</c:v>
                 </c:pt>
                 <c:pt idx="3">
-                  <c:v>1.04</c:v>
+                  <c:v>0.04</c:v>
                 </c:pt>
               </c:numCache>
             </c:numRef>
@@ -1632,7 +1976,7 @@
           <c:order val="2"/>
           <c:tx>
             <c:strRef>
-              <c:f>Sheet1!$D$1</c:f>
+              <c:f>Sheet1!$H$1</c:f>
               <c:strCache>
                 <c:ptCount val="1"/>
                 <c:pt idx="0">
@@ -1732,21 +2076,21 @@
           </c:cat>
           <c:val>
             <c:numRef>
-              <c:f>Sheet1!$D$2:$D$5</c:f>
+              <c:f>Sheet1!$H$2:$H$5</c:f>
               <c:numCache>
                 <c:formatCode>General</c:formatCode>
                 <c:ptCount val="4"/>
                 <c:pt idx="0">
-                  <c:v>2.48</c:v>
+                  <c:v>1.48</c:v>
                 </c:pt>
                 <c:pt idx="1">
-                  <c:v>1.28</c:v>
+                  <c:v>0.28</c:v>
                 </c:pt>
                 <c:pt idx="2">
-                  <c:v>1.89</c:v>
+                  <c:v>0.89</c:v>
                 </c:pt>
                 <c:pt idx="3">
-                  <c:v>1.19</c:v>
+                  <c:v>0.19</c:v>
                 </c:pt>
               </c:numCache>
             </c:numRef>
@@ -1757,7 +2101,7 @@
           <c:order val="3"/>
           <c:tx>
             <c:strRef>
-              <c:f>Sheet1!$E$1</c:f>
+              <c:f>Sheet1!$I$1</c:f>
               <c:strCache>
                 <c:ptCount val="1"/>
                 <c:pt idx="0">
@@ -1857,21 +2201,21 @@
           </c:cat>
           <c:val>
             <c:numRef>
-              <c:f>Sheet1!$E$2:$E$5</c:f>
+              <c:f>Sheet1!$I$2:$I$5</c:f>
               <c:numCache>
                 <c:formatCode>General</c:formatCode>
                 <c:ptCount val="4"/>
                 <c:pt idx="0">
-                  <c:v>1.87</c:v>
+                  <c:v>0.87</c:v>
                 </c:pt>
                 <c:pt idx="1">
-                  <c:v>1.21</c:v>
+                  <c:v>0.21</c:v>
                 </c:pt>
                 <c:pt idx="2">
-                  <c:v>1.45</c:v>
+                  <c:v>0.45</c:v>
                 </c:pt>
                 <c:pt idx="3">
-                  <c:v>1.12</c:v>
+                  <c:v>0.12</c:v>
                 </c:pt>
               </c:numCache>
             </c:numRef>
@@ -1887,12 +2231,12 @@
         </c:dLbls>
         <c:gapWidth val="150"/>
         <c:shape val="box"/>
-        <c:axId val="2115596432"/>
-        <c:axId val="2123868528"/>
-        <c:axId val="2113834752"/>
+        <c:axId val="2125823920"/>
+        <c:axId val="2114844768"/>
+        <c:axId val="-1959533616"/>
       </c:bar3DChart>
       <c:catAx>
-        <c:axId val="2115596432"/>
+        <c:axId val="2125823920"/>
         <c:scaling>
           <c:orientation val="minMax"/>
         </c:scaling>
@@ -1929,7 +2273,7 @@
             <a:endParaRPr lang="en-US"/>
           </a:p>
         </c:txPr>
-        <c:crossAx val="2123868528"/>
+        <c:crossAx val="2114844768"/>
         <c:crosses val="autoZero"/>
         <c:auto val="1"/>
         <c:lblAlgn val="ctr"/>
@@ -1937,7 +2281,7 @@
         <c:noMultiLvlLbl val="0"/>
       </c:catAx>
       <c:valAx>
-        <c:axId val="2123868528"/>
+        <c:axId val="2114844768"/>
         <c:scaling>
           <c:orientation val="minMax"/>
         </c:scaling>
@@ -1988,12 +2332,12 @@
             <a:endParaRPr lang="en-US"/>
           </a:p>
         </c:txPr>
-        <c:crossAx val="2115596432"/>
+        <c:crossAx val="2125823920"/>
         <c:crosses val="autoZero"/>
         <c:crossBetween val="between"/>
       </c:valAx>
       <c:serAx>
-        <c:axId val="2113834752"/>
+        <c:axId val="-1959533616"/>
         <c:scaling>
           <c:orientation val="minMax"/>
         </c:scaling>
@@ -2029,7 +2373,7 @@
             <a:endParaRPr lang="en-US"/>
           </a:p>
         </c:txPr>
-        <c:crossAx val="2123868528"/>
+        <c:crossAx val="2114844768"/>
         <c:crosses val="autoZero"/>
       </c:serAx>
       <c:spPr>
@@ -2067,7 +2411,7 @@
 </c:chartSpace>
 </file>
 
-<file path=ppt/charts/chart4.xml><?xml version="1.0" encoding="utf-8"?>
+<file path=ppt/charts/chart5.xml><?xml version="1.0" encoding="utf-8"?>
 <c:chartSpace xmlns:c="http://schemas.openxmlformats.org/drawingml/2006/chart" xmlns:a="http://schemas.openxmlformats.org/drawingml/2006/main" xmlns:r="http://schemas.openxmlformats.org/officeDocument/2006/relationships">
   <c:date1904 val="0"/>
   <c:lang val="en-US"/>
@@ -2132,7 +2476,7 @@
           <c:order val="0"/>
           <c:tx>
             <c:strRef>
-              <c:f>Sheet1!$B$1</c:f>
+              <c:f>Sheet1!$F$1</c:f>
               <c:strCache>
                 <c:ptCount val="1"/>
                 <c:pt idx="0">
@@ -2232,21 +2576,21 @@
           </c:cat>
           <c:val>
             <c:numRef>
-              <c:f>Sheet1!$B$2:$B$5</c:f>
+              <c:f>Sheet1!$F$2:$F$5</c:f>
               <c:numCache>
                 <c:formatCode>General</c:formatCode>
                 <c:ptCount val="4"/>
                 <c:pt idx="0">
-                  <c:v>2.03</c:v>
+                  <c:v>1.03</c:v>
                 </c:pt>
                 <c:pt idx="1">
-                  <c:v>1.23</c:v>
+                  <c:v>0.23</c:v>
                 </c:pt>
                 <c:pt idx="2">
-                  <c:v>1.51</c:v>
+                  <c:v>0.51</c:v>
                 </c:pt>
                 <c:pt idx="3">
-                  <c:v>1.14</c:v>
+                  <c:v>0.14</c:v>
                 </c:pt>
               </c:numCache>
             </c:numRef>
@@ -2257,7 +2601,7 @@
           <c:order val="1"/>
           <c:tx>
             <c:strRef>
-              <c:f>Sheet1!$C$1</c:f>
+              <c:f>Sheet1!$G$1</c:f>
               <c:strCache>
                 <c:ptCount val="1"/>
                 <c:pt idx="0">
@@ -2357,21 +2701,21 @@
           </c:cat>
           <c:val>
             <c:numRef>
-              <c:f>Sheet1!$C$2:$C$5</c:f>
+              <c:f>Sheet1!$G$2:$G$5</c:f>
               <c:numCache>
                 <c:formatCode>General</c:formatCode>
                 <c:ptCount val="4"/>
                 <c:pt idx="0">
-                  <c:v>1.58</c:v>
+                  <c:v>0.58</c:v>
                 </c:pt>
                 <c:pt idx="1">
-                  <c:v>1.1</c:v>
+                  <c:v>0.1</c:v>
                 </c:pt>
                 <c:pt idx="2">
-                  <c:v>1.4</c:v>
+                  <c:v>0.4</c:v>
                 </c:pt>
                 <c:pt idx="3">
-                  <c:v>1.05</c:v>
+                  <c:v>0.05</c:v>
                 </c:pt>
               </c:numCache>
             </c:numRef>
@@ -2382,7 +2726,7 @@
           <c:order val="2"/>
           <c:tx>
             <c:strRef>
-              <c:f>Sheet1!$D$1</c:f>
+              <c:f>Sheet1!$H$1</c:f>
               <c:strCache>
                 <c:ptCount val="1"/>
                 <c:pt idx="0">
@@ -2482,21 +2826,21 @@
           </c:cat>
           <c:val>
             <c:numRef>
-              <c:f>Sheet1!$D$2:$D$5</c:f>
+              <c:f>Sheet1!$H$2:$H$5</c:f>
               <c:numCache>
                 <c:formatCode>General</c:formatCode>
                 <c:ptCount val="4"/>
                 <c:pt idx="0">
-                  <c:v>4.13</c:v>
+                  <c:v>3.13</c:v>
                 </c:pt>
                 <c:pt idx="1">
-                  <c:v>1.46</c:v>
+                  <c:v>0.46</c:v>
                 </c:pt>
                 <c:pt idx="2">
-                  <c:v>2.56</c:v>
+                  <c:v>1.56</c:v>
                 </c:pt>
                 <c:pt idx="3">
-                  <c:v>1.3</c:v>
+                  <c:v>0.3</c:v>
                 </c:pt>
               </c:numCache>
             </c:numRef>
@@ -2507,7 +2851,7 @@
           <c:order val="3"/>
           <c:tx>
             <c:strRef>
-              <c:f>Sheet1!$E$1</c:f>
+              <c:f>Sheet1!$I$1</c:f>
               <c:strCache>
                 <c:ptCount val="1"/>
                 <c:pt idx="0">
@@ -2607,21 +2951,21 @@
           </c:cat>
           <c:val>
             <c:numRef>
-              <c:f>Sheet1!$E$2:$E$5</c:f>
+              <c:f>Sheet1!$I$2:$I$5</c:f>
               <c:numCache>
                 <c:formatCode>General</c:formatCode>
                 <c:ptCount val="4"/>
                 <c:pt idx="0">
-                  <c:v>2.53</c:v>
+                  <c:v>1.53</c:v>
                 </c:pt>
                 <c:pt idx="1">
-                  <c:v>1.29</c:v>
+                  <c:v>0.29</c:v>
                 </c:pt>
                 <c:pt idx="2">
-                  <c:v>1.91</c:v>
+                  <c:v>0.91</c:v>
                 </c:pt>
                 <c:pt idx="3">
-                  <c:v>1.15</c:v>
+                  <c:v>0.15</c:v>
                 </c:pt>
               </c:numCache>
             </c:numRef>
@@ -2637,12 +2981,12 @@
         </c:dLbls>
         <c:gapWidth val="150"/>
         <c:shape val="box"/>
-        <c:axId val="-1958189392"/>
-        <c:axId val="-1957835840"/>
-        <c:axId val="-1957943936"/>
+        <c:axId val="2117022608"/>
+        <c:axId val="2116093936"/>
+        <c:axId val="2116277664"/>
       </c:bar3DChart>
       <c:catAx>
-        <c:axId val="-1958189392"/>
+        <c:axId val="2117022608"/>
         <c:scaling>
           <c:orientation val="minMax"/>
         </c:scaling>
@@ -2679,7 +3023,7 @@
             <a:endParaRPr lang="en-US"/>
           </a:p>
         </c:txPr>
-        <c:crossAx val="-1957835840"/>
+        <c:crossAx val="2116093936"/>
         <c:crosses val="autoZero"/>
         <c:auto val="1"/>
         <c:lblAlgn val="ctr"/>
@@ -2687,7 +3031,7 @@
         <c:noMultiLvlLbl val="0"/>
       </c:catAx>
       <c:valAx>
-        <c:axId val="-1957835840"/>
+        <c:axId val="2116093936"/>
         <c:scaling>
           <c:orientation val="minMax"/>
         </c:scaling>
@@ -2738,12 +3082,12 @@
             <a:endParaRPr lang="en-US"/>
           </a:p>
         </c:txPr>
-        <c:crossAx val="-1958189392"/>
+        <c:crossAx val="2117022608"/>
         <c:crosses val="autoZero"/>
         <c:crossBetween val="between"/>
       </c:valAx>
       <c:serAx>
-        <c:axId val="-1957943936"/>
+        <c:axId val="2116277664"/>
         <c:scaling>
           <c:orientation val="minMax"/>
         </c:scaling>
@@ -2779,7 +3123,7 @@
             <a:endParaRPr lang="en-US"/>
           </a:p>
         </c:txPr>
-        <c:crossAx val="-1957835840"/>
+        <c:crossAx val="2116093936"/>
         <c:crosses val="autoZero"/>
       </c:serAx>
       <c:spPr>
@@ -2938,6 +3282,46 @@
 </file>
 
 <file path=ppt/charts/colors4.xml><?xml version="1.0" encoding="utf-8"?>
+<cs:colorStyle xmlns:cs="http://schemas.microsoft.com/office/drawing/2012/chartStyle" xmlns:a="http://schemas.openxmlformats.org/drawingml/2006/main" meth="cycle" id="10">
+  <a:schemeClr val="accent1"/>
+  <a:schemeClr val="accent2"/>
+  <a:schemeClr val="accent3"/>
+  <a:schemeClr val="accent4"/>
+  <a:schemeClr val="accent5"/>
+  <a:schemeClr val="accent6"/>
+  <cs:variation/>
+  <cs:variation>
+    <a:lumMod val="60000"/>
+  </cs:variation>
+  <cs:variation>
+    <a:lumMod val="80000"/>
+    <a:lumOff val="20000"/>
+  </cs:variation>
+  <cs:variation>
+    <a:lumMod val="80000"/>
+  </cs:variation>
+  <cs:variation>
+    <a:lumMod val="60000"/>
+    <a:lumOff val="40000"/>
+  </cs:variation>
+  <cs:variation>
+    <a:lumMod val="50000"/>
+  </cs:variation>
+  <cs:variation>
+    <a:lumMod val="70000"/>
+    <a:lumOff val="30000"/>
+  </cs:variation>
+  <cs:variation>
+    <a:lumMod val="70000"/>
+  </cs:variation>
+  <cs:variation>
+    <a:lumMod val="50000"/>
+    <a:lumOff val="50000"/>
+  </cs:variation>
+</cs:colorStyle>
+</file>
+
+<file path=ppt/charts/colors5.xml><?xml version="1.0" encoding="utf-8"?>
 <cs:colorStyle xmlns:cs="http://schemas.microsoft.com/office/drawing/2012/chartStyle" xmlns:a="http://schemas.openxmlformats.org/drawingml/2006/main" meth="cycle" id="10">
   <a:schemeClr val="accent1"/>
   <a:schemeClr val="accent2"/>
@@ -4953,6 +5337,500 @@
 </cs:chartStyle>
 </file>
 
+<file path=ppt/charts/style5.xml><?xml version="1.0" encoding="utf-8"?>
+<cs:chartStyle xmlns:cs="http://schemas.microsoft.com/office/drawing/2012/chartStyle" xmlns:a="http://schemas.openxmlformats.org/drawingml/2006/main" id="286">
+  <cs:axisTitle>
+    <cs:lnRef idx="0"/>
+    <cs:fillRef idx="0"/>
+    <cs:effectRef idx="0"/>
+    <cs:fontRef idx="minor">
+      <a:schemeClr val="tx1">
+        <a:lumMod val="65000"/>
+        <a:lumOff val="35000"/>
+      </a:schemeClr>
+    </cs:fontRef>
+    <cs:defRPr sz="1330" kern="1200"/>
+  </cs:axisTitle>
+  <cs:categoryAxis>
+    <cs:lnRef idx="0"/>
+    <cs:fillRef idx="0"/>
+    <cs:effectRef idx="0"/>
+    <cs:fontRef idx="minor">
+      <a:schemeClr val="tx1">
+        <a:lumMod val="65000"/>
+        <a:lumOff val="35000"/>
+      </a:schemeClr>
+    </cs:fontRef>
+    <cs:defRPr sz="1197" kern="1200"/>
+  </cs:categoryAxis>
+  <cs:chartArea mods="allowNoFillOverride allowNoLineOverride">
+    <cs:lnRef idx="0"/>
+    <cs:fillRef idx="0"/>
+    <cs:effectRef idx="0"/>
+    <cs:fontRef idx="minor">
+      <a:schemeClr val="tx1"/>
+    </cs:fontRef>
+    <cs:spPr>
+      <a:solidFill>
+        <a:schemeClr val="bg1"/>
+      </a:solidFill>
+      <a:ln w="9525" cap="flat" cmpd="sng" algn="ctr">
+        <a:solidFill>
+          <a:schemeClr val="tx1">
+            <a:lumMod val="15000"/>
+            <a:lumOff val="85000"/>
+          </a:schemeClr>
+        </a:solidFill>
+        <a:round/>
+      </a:ln>
+    </cs:spPr>
+    <cs:defRPr sz="1330" kern="1200"/>
+  </cs:chartArea>
+  <cs:dataLabel>
+    <cs:lnRef idx="0"/>
+    <cs:fillRef idx="0"/>
+    <cs:effectRef idx="0"/>
+    <cs:fontRef idx="minor">
+      <a:schemeClr val="tx1">
+        <a:lumMod val="75000"/>
+        <a:lumOff val="25000"/>
+      </a:schemeClr>
+    </cs:fontRef>
+    <cs:defRPr sz="1197" kern="1200"/>
+  </cs:dataLabel>
+  <cs:dataLabelCallout>
+    <cs:lnRef idx="0"/>
+    <cs:fillRef idx="0"/>
+    <cs:effectRef idx="0"/>
+    <cs:fontRef idx="minor">
+      <a:schemeClr val="dk1">
+        <a:lumMod val="65000"/>
+        <a:lumOff val="35000"/>
+      </a:schemeClr>
+    </cs:fontRef>
+    <cs:spPr>
+      <a:solidFill>
+        <a:schemeClr val="lt1"/>
+      </a:solidFill>
+      <a:ln>
+        <a:solidFill>
+          <a:schemeClr val="dk1">
+            <a:lumMod val="25000"/>
+            <a:lumOff val="75000"/>
+          </a:schemeClr>
+        </a:solidFill>
+      </a:ln>
+    </cs:spPr>
+    <cs:defRPr sz="1197" kern="1200"/>
+    <cs:bodyPr rot="0" spcFirstLastPara="1" vertOverflow="clip" horzOverflow="clip" vert="horz" wrap="square" lIns="36576" tIns="18288" rIns="36576" bIns="18288" anchor="ctr" anchorCtr="1">
+      <a:spAutoFit/>
+    </cs:bodyPr>
+  </cs:dataLabelCallout>
+  <cs:dataPoint>
+    <cs:lnRef idx="0"/>
+    <cs:fillRef idx="1">
+      <cs:styleClr val="auto"/>
+    </cs:fillRef>
+    <cs:effectRef idx="0"/>
+    <cs:fontRef idx="minor">
+      <a:schemeClr val="tx1"/>
+    </cs:fontRef>
+  </cs:dataPoint>
+  <cs:dataPoint3D>
+    <cs:lnRef idx="0"/>
+    <cs:fillRef idx="1">
+      <cs:styleClr val="auto"/>
+    </cs:fillRef>
+    <cs:effectRef idx="0"/>
+    <cs:fontRef idx="minor">
+      <a:schemeClr val="tx1"/>
+    </cs:fontRef>
+  </cs:dataPoint3D>
+  <cs:dataPointLine>
+    <cs:lnRef idx="0">
+      <cs:styleClr val="auto"/>
+    </cs:lnRef>
+    <cs:fillRef idx="1"/>
+    <cs:effectRef idx="0"/>
+    <cs:fontRef idx="minor">
+      <a:schemeClr val="tx1"/>
+    </cs:fontRef>
+    <cs:spPr>
+      <a:ln w="28575" cap="rnd">
+        <a:solidFill>
+          <a:schemeClr val="phClr"/>
+        </a:solidFill>
+        <a:round/>
+      </a:ln>
+    </cs:spPr>
+  </cs:dataPointLine>
+  <cs:dataPointMarker>
+    <cs:lnRef idx="0">
+      <cs:styleClr val="auto"/>
+    </cs:lnRef>
+    <cs:fillRef idx="1">
+      <cs:styleClr val="auto"/>
+    </cs:fillRef>
+    <cs:effectRef idx="0"/>
+    <cs:fontRef idx="minor">
+      <a:schemeClr val="tx1"/>
+    </cs:fontRef>
+    <cs:spPr>
+      <a:ln w="9525">
+        <a:solidFill>
+          <a:schemeClr val="phClr"/>
+        </a:solidFill>
+      </a:ln>
+    </cs:spPr>
+  </cs:dataPointMarker>
+  <cs:dataPointMarkerLayout symbol="circle" size="5"/>
+  <cs:dataPointWireframe>
+    <cs:lnRef idx="0">
+      <cs:styleClr val="auto"/>
+    </cs:lnRef>
+    <cs:fillRef idx="1"/>
+    <cs:effectRef idx="0"/>
+    <cs:fontRef idx="minor">
+      <a:schemeClr val="tx1"/>
+    </cs:fontRef>
+    <cs:spPr>
+      <a:ln w="9525" cap="rnd">
+        <a:solidFill>
+          <a:schemeClr val="phClr"/>
+        </a:solidFill>
+        <a:round/>
+      </a:ln>
+    </cs:spPr>
+  </cs:dataPointWireframe>
+  <cs:dataTable>
+    <cs:lnRef idx="0"/>
+    <cs:fillRef idx="0"/>
+    <cs:effectRef idx="0"/>
+    <cs:fontRef idx="minor">
+      <a:schemeClr val="tx1">
+        <a:lumMod val="65000"/>
+        <a:lumOff val="35000"/>
+      </a:schemeClr>
+    </cs:fontRef>
+    <cs:spPr>
+      <a:noFill/>
+      <a:ln w="9525" cap="flat" cmpd="sng" algn="ctr">
+        <a:solidFill>
+          <a:schemeClr val="tx1">
+            <a:lumMod val="15000"/>
+            <a:lumOff val="85000"/>
+          </a:schemeClr>
+        </a:solidFill>
+        <a:round/>
+      </a:ln>
+    </cs:spPr>
+    <cs:defRPr sz="1197" kern="1200"/>
+  </cs:dataTable>
+  <cs:downBar>
+    <cs:lnRef idx="0"/>
+    <cs:fillRef idx="0"/>
+    <cs:effectRef idx="0"/>
+    <cs:fontRef idx="minor">
+      <a:schemeClr val="tx1"/>
+    </cs:fontRef>
+    <cs:spPr>
+      <a:solidFill>
+        <a:schemeClr val="dk1">
+          <a:lumMod val="75000"/>
+          <a:lumOff val="25000"/>
+        </a:schemeClr>
+      </a:solidFill>
+      <a:ln w="9525" cap="flat" cmpd="sng" algn="ctr">
+        <a:solidFill>
+          <a:schemeClr val="tx1">
+            <a:lumMod val="65000"/>
+            <a:lumOff val="35000"/>
+          </a:schemeClr>
+        </a:solidFill>
+        <a:round/>
+      </a:ln>
+    </cs:spPr>
+  </cs:downBar>
+  <cs:dropLine>
+    <cs:lnRef idx="0"/>
+    <cs:fillRef idx="0"/>
+    <cs:effectRef idx="0"/>
+    <cs:fontRef idx="minor">
+      <a:schemeClr val="tx1"/>
+    </cs:fontRef>
+    <cs:spPr>
+      <a:ln w="9525" cap="flat" cmpd="sng" algn="ctr">
+        <a:solidFill>
+          <a:schemeClr val="tx1">
+            <a:lumMod val="35000"/>
+            <a:lumOff val="65000"/>
+          </a:schemeClr>
+        </a:solidFill>
+        <a:round/>
+      </a:ln>
+    </cs:spPr>
+  </cs:dropLine>
+  <cs:errorBar>
+    <cs:lnRef idx="0"/>
+    <cs:fillRef idx="0"/>
+    <cs:effectRef idx="0"/>
+    <cs:fontRef idx="minor">
+      <a:schemeClr val="tx1"/>
+    </cs:fontRef>
+    <cs:spPr>
+      <a:ln w="9525" cap="flat" cmpd="sng" algn="ctr">
+        <a:solidFill>
+          <a:schemeClr val="tx1">
+            <a:lumMod val="65000"/>
+            <a:lumOff val="35000"/>
+          </a:schemeClr>
+        </a:solidFill>
+        <a:round/>
+      </a:ln>
+    </cs:spPr>
+  </cs:errorBar>
+  <cs:floor>
+    <cs:lnRef idx="0"/>
+    <cs:fillRef idx="0"/>
+    <cs:effectRef idx="0"/>
+    <cs:fontRef idx="minor">
+      <a:schemeClr val="tx1"/>
+    </cs:fontRef>
+    <cs:spPr>
+      <a:noFill/>
+      <a:ln>
+        <a:noFill/>
+      </a:ln>
+    </cs:spPr>
+  </cs:floor>
+  <cs:gridlineMajor>
+    <cs:lnRef idx="0"/>
+    <cs:fillRef idx="0"/>
+    <cs:effectRef idx="0"/>
+    <cs:fontRef idx="minor">
+      <a:schemeClr val="tx1"/>
+    </cs:fontRef>
+    <cs:spPr>
+      <a:ln w="9525" cap="flat" cmpd="sng" algn="ctr">
+        <a:solidFill>
+          <a:schemeClr val="tx1">
+            <a:lumMod val="15000"/>
+            <a:lumOff val="85000"/>
+          </a:schemeClr>
+        </a:solidFill>
+        <a:round/>
+      </a:ln>
+    </cs:spPr>
+  </cs:gridlineMajor>
+  <cs:gridlineMinor>
+    <cs:lnRef idx="0"/>
+    <cs:fillRef idx="0"/>
+    <cs:effectRef idx="0"/>
+    <cs:fontRef idx="minor">
+      <a:schemeClr val="tx1"/>
+    </cs:fontRef>
+    <cs:spPr>
+      <a:ln w="9525" cap="flat" cmpd="sng" algn="ctr">
+        <a:solidFill>
+          <a:schemeClr val="tx1">
+            <a:lumMod val="5000"/>
+            <a:lumOff val="95000"/>
+          </a:schemeClr>
+        </a:solidFill>
+        <a:round/>
+      </a:ln>
+    </cs:spPr>
+  </cs:gridlineMinor>
+  <cs:hiLoLine>
+    <cs:lnRef idx="0"/>
+    <cs:fillRef idx="0"/>
+    <cs:effectRef idx="0"/>
+    <cs:fontRef idx="minor">
+      <a:schemeClr val="tx1"/>
+    </cs:fontRef>
+    <cs:spPr>
+      <a:ln w="9525" cap="flat" cmpd="sng" algn="ctr">
+        <a:solidFill>
+          <a:schemeClr val="tx1">
+            <a:lumMod val="50000"/>
+            <a:lumOff val="50000"/>
+          </a:schemeClr>
+        </a:solidFill>
+        <a:round/>
+      </a:ln>
+    </cs:spPr>
+  </cs:hiLoLine>
+  <cs:leaderLine>
+    <cs:lnRef idx="0"/>
+    <cs:fillRef idx="0"/>
+    <cs:effectRef idx="0"/>
+    <cs:fontRef idx="minor">
+      <a:schemeClr val="tx1"/>
+    </cs:fontRef>
+    <cs:spPr>
+      <a:ln w="9525" cap="flat" cmpd="sng" algn="ctr">
+        <a:solidFill>
+          <a:schemeClr val="tx1">
+            <a:lumMod val="35000"/>
+            <a:lumOff val="65000"/>
+          </a:schemeClr>
+        </a:solidFill>
+        <a:round/>
+      </a:ln>
+    </cs:spPr>
+  </cs:leaderLine>
+  <cs:legend>
+    <cs:lnRef idx="0"/>
+    <cs:fillRef idx="0"/>
+    <cs:effectRef idx="0"/>
+    <cs:fontRef idx="minor">
+      <a:schemeClr val="tx1">
+        <a:lumMod val="65000"/>
+        <a:lumOff val="35000"/>
+      </a:schemeClr>
+    </cs:fontRef>
+    <cs:defRPr sz="1197" kern="1200"/>
+  </cs:legend>
+  <cs:plotArea mods="allowNoFillOverride allowNoLineOverride">
+    <cs:lnRef idx="0"/>
+    <cs:fillRef idx="0"/>
+    <cs:effectRef idx="0"/>
+    <cs:fontRef idx="minor">
+      <a:schemeClr val="tx1"/>
+    </cs:fontRef>
+  </cs:plotArea>
+  <cs:plotArea3D mods="allowNoFillOverride allowNoLineOverride">
+    <cs:lnRef idx="0"/>
+    <cs:fillRef idx="0"/>
+    <cs:effectRef idx="0"/>
+    <cs:fontRef idx="minor">
+      <a:schemeClr val="tx1"/>
+    </cs:fontRef>
+  </cs:plotArea3D>
+  <cs:seriesAxis>
+    <cs:lnRef idx="0"/>
+    <cs:fillRef idx="0"/>
+    <cs:effectRef idx="0"/>
+    <cs:fontRef idx="minor">
+      <a:schemeClr val="tx1">
+        <a:lumMod val="65000"/>
+        <a:lumOff val="35000"/>
+      </a:schemeClr>
+    </cs:fontRef>
+    <cs:defRPr sz="1197" kern="1200"/>
+  </cs:seriesAxis>
+  <cs:seriesLine>
+    <cs:lnRef idx="0"/>
+    <cs:fillRef idx="0"/>
+    <cs:effectRef idx="0"/>
+    <cs:fontRef idx="minor">
+      <a:schemeClr val="tx1"/>
+    </cs:fontRef>
+    <cs:spPr>
+      <a:ln w="9525" cap="flat" cmpd="sng" algn="ctr">
+        <a:solidFill>
+          <a:schemeClr val="tx1">
+            <a:lumMod val="35000"/>
+            <a:lumOff val="65000"/>
+          </a:schemeClr>
+        </a:solidFill>
+        <a:round/>
+      </a:ln>
+    </cs:spPr>
+  </cs:seriesLine>
+  <cs:title>
+    <cs:lnRef idx="0"/>
+    <cs:fillRef idx="0"/>
+    <cs:effectRef idx="0"/>
+    <cs:fontRef idx="minor">
+      <a:schemeClr val="tx1">
+        <a:lumMod val="65000"/>
+        <a:lumOff val="35000"/>
+      </a:schemeClr>
+    </cs:fontRef>
+    <cs:defRPr sz="1862" b="0" kern="1200" spc="0" baseline="0"/>
+  </cs:title>
+  <cs:trendline>
+    <cs:lnRef idx="0">
+      <cs:styleClr val="auto"/>
+    </cs:lnRef>
+    <cs:fillRef idx="0"/>
+    <cs:effectRef idx="0"/>
+    <cs:fontRef idx="minor">
+      <a:schemeClr val="tx1"/>
+    </cs:fontRef>
+    <cs:spPr>
+      <a:ln w="19050" cap="rnd">
+        <a:solidFill>
+          <a:schemeClr val="phClr"/>
+        </a:solidFill>
+        <a:prstDash val="sysDot"/>
+      </a:ln>
+    </cs:spPr>
+  </cs:trendline>
+  <cs:trendlineLabel>
+    <cs:lnRef idx="0"/>
+    <cs:fillRef idx="0"/>
+    <cs:effectRef idx="0"/>
+    <cs:fontRef idx="minor">
+      <a:schemeClr val="tx1">
+        <a:lumMod val="65000"/>
+        <a:lumOff val="35000"/>
+      </a:schemeClr>
+    </cs:fontRef>
+    <cs:defRPr sz="1197" kern="1200"/>
+  </cs:trendlineLabel>
+  <cs:upBar>
+    <cs:lnRef idx="0"/>
+    <cs:fillRef idx="0"/>
+    <cs:effectRef idx="0"/>
+    <cs:fontRef idx="minor">
+      <a:schemeClr val="tx1"/>
+    </cs:fontRef>
+    <cs:spPr>
+      <a:solidFill>
+        <a:schemeClr val="lt1"/>
+      </a:solidFill>
+      <a:ln w="9525" cap="flat" cmpd="sng" algn="ctr">
+        <a:solidFill>
+          <a:schemeClr val="tx1">
+            <a:lumMod val="65000"/>
+            <a:lumOff val="35000"/>
+          </a:schemeClr>
+        </a:solidFill>
+        <a:round/>
+      </a:ln>
+    </cs:spPr>
+  </cs:upBar>
+  <cs:valueAxis>
+    <cs:lnRef idx="0"/>
+    <cs:fillRef idx="0"/>
+    <cs:effectRef idx="0"/>
+    <cs:fontRef idx="minor">
+      <a:schemeClr val="tx1">
+        <a:lumMod val="65000"/>
+        <a:lumOff val="35000"/>
+      </a:schemeClr>
+    </cs:fontRef>
+    <cs:defRPr sz="1197" kern="1200"/>
+  </cs:valueAxis>
+  <cs:wall>
+    <cs:lnRef idx="0"/>
+    <cs:fillRef idx="0"/>
+    <cs:effectRef idx="0"/>
+    <cs:fontRef idx="minor">
+      <a:schemeClr val="tx1"/>
+    </cs:fontRef>
+    <cs:spPr>
+      <a:noFill/>
+      <a:ln>
+        <a:noFill/>
+      </a:ln>
+    </cs:spPr>
+  </cs:wall>
+</cs:chartStyle>
+</file>
+
 <file path=ppt/notesMasters/notesMaster1.xml><?xml version="1.0" encoding="utf-8"?>
 <p:notesMaster xmlns:a="http://schemas.openxmlformats.org/drawingml/2006/main" xmlns:r="http://schemas.openxmlformats.org/officeDocument/2006/relationships" xmlns:p="http://schemas.openxmlformats.org/presentationml/2006/main">
   <p:cSld>
@@ -5631,7 +6509,11 @@
           </a:bodyPr>
           <a:lstStyle/>
           <a:p>
-            <a:endParaRPr lang="zh-CN" altLang="en-US" smtClean="0"/>
+            <a:r>
+              <a:rPr lang="zh-CN" altLang="en-US" dirty="0" smtClean="0"/>
+              <a:t>层内存在一个或数个放射性点源，旋转后等效为数个环源，将其视为一个等效环源</a:t>
+            </a:r>
+            <a:endParaRPr lang="zh-CN" altLang="en-US" dirty="0" smtClean="0"/>
           </a:p>
         </p:txBody>
       </p:sp>
@@ -6031,7 +6913,531 @@
     </p:spTree>
     <p:extLst>
       <p:ext uri="{BB962C8B-B14F-4D97-AF65-F5344CB8AC3E}">
+        <p14:creationId xmlns:p14="http://schemas.microsoft.com/office/powerpoint/2010/main" val="784595484"/>
+      </p:ext>
+    </p:extLst>
+  </p:cSld>
+  <p:clrMapOvr>
+    <a:masterClrMapping/>
+  </p:clrMapOvr>
+</p:notes>
+</file>
+
+<file path=ppt/notesSlides/notesSlide15.xml><?xml version="1.0" encoding="utf-8"?>
+<p:notes xmlns:a="http://schemas.openxmlformats.org/drawingml/2006/main" xmlns:r="http://schemas.openxmlformats.org/officeDocument/2006/relationships" xmlns:p="http://schemas.openxmlformats.org/presentationml/2006/main">
+  <p:cSld>
+    <p:spTree>
+      <p:nvGrpSpPr>
+        <p:cNvPr id="1" name=""/>
+        <p:cNvGrpSpPr/>
+        <p:nvPr/>
+      </p:nvGrpSpPr>
+      <p:grpSpPr>
+        <a:xfrm>
+          <a:off x="0" y="0"/>
+          <a:ext cx="0" cy="0"/>
+          <a:chOff x="0" y="0"/>
+          <a:chExt cx="0" cy="0"/>
+        </a:xfrm>
+      </p:grpSpPr>
+      <p:sp>
+        <p:nvSpPr>
+          <p:cNvPr id="2" name="幻灯片图像占位符 1"/>
+          <p:cNvSpPr>
+            <a:spLocks noGrp="1" noRot="1" noChangeAspect="1"/>
+          </p:cNvSpPr>
+          <p:nvPr>
+            <p:ph type="sldImg"/>
+          </p:nvPr>
+        </p:nvSpPr>
+        <p:spPr/>
+      </p:sp>
+      <p:sp>
+        <p:nvSpPr>
+          <p:cNvPr id="3" name="备注占位符 2"/>
+          <p:cNvSpPr>
+            <a:spLocks noGrp="1"/>
+          </p:cNvSpPr>
+          <p:nvPr>
+            <p:ph type="body" idx="1"/>
+          </p:nvPr>
+        </p:nvSpPr>
+        <p:spPr/>
+        <p:txBody>
+          <a:bodyPr/>
+          <a:lstStyle/>
+          <a:p>
+            <a:r>
+              <a:rPr lang="zh-CN" altLang="en-US" dirty="0" smtClean="0"/>
+              <a:t>多点源测量精度也有一定程度的提高</a:t>
+            </a:r>
+            <a:endParaRPr lang="zh-CN" altLang="en-US" dirty="0"/>
+          </a:p>
+        </p:txBody>
+      </p:sp>
+      <p:sp>
+        <p:nvSpPr>
+          <p:cNvPr id="4" name="灯片编号占位符 3"/>
+          <p:cNvSpPr>
+            <a:spLocks noGrp="1"/>
+          </p:cNvSpPr>
+          <p:nvPr>
+            <p:ph type="sldNum" sz="quarter" idx="10"/>
+          </p:nvPr>
+        </p:nvSpPr>
+        <p:spPr/>
+        <p:txBody>
+          <a:bodyPr/>
+          <a:lstStyle/>
+          <a:p>
+            <a:pPr>
+              <a:defRPr/>
+            </a:pPr>
+            <a:fld id="{BF6C4AA2-D5B3-4212-867F-E265BBCBB5FC}" type="slidenum">
+              <a:rPr lang="zh-CN" altLang="en-US" smtClean="0"/>
+              <a:pPr>
+                <a:defRPr/>
+              </a:pPr>
+              <a:t>25</a:t>
+            </a:fld>
+            <a:endParaRPr lang="zh-CN" altLang="en-US"/>
+          </a:p>
+        </p:txBody>
+      </p:sp>
+    </p:spTree>
+    <p:extLst>
+      <p:ext uri="{BB962C8B-B14F-4D97-AF65-F5344CB8AC3E}">
         <p14:creationId xmlns:p14="http://schemas.microsoft.com/office/powerpoint/2010/main" val="3735339557"/>
+      </p:ext>
+    </p:extLst>
+  </p:cSld>
+  <p:clrMapOvr>
+    <a:masterClrMapping/>
+  </p:clrMapOvr>
+</p:notes>
+</file>
+
+<file path=ppt/notesSlides/notesSlide16.xml><?xml version="1.0" encoding="utf-8"?>
+<p:notes xmlns:a="http://schemas.openxmlformats.org/drawingml/2006/main" xmlns:r="http://schemas.openxmlformats.org/officeDocument/2006/relationships" xmlns:p="http://schemas.openxmlformats.org/presentationml/2006/main">
+  <p:cSld>
+    <p:spTree>
+      <p:nvGrpSpPr>
+        <p:cNvPr id="1" name=""/>
+        <p:cNvGrpSpPr/>
+        <p:nvPr/>
+      </p:nvGrpSpPr>
+      <p:grpSpPr>
+        <a:xfrm>
+          <a:off x="0" y="0"/>
+          <a:ext cx="0" cy="0"/>
+          <a:chOff x="0" y="0"/>
+          <a:chExt cx="0" cy="0"/>
+        </a:xfrm>
+      </p:grpSpPr>
+      <p:sp>
+        <p:nvSpPr>
+          <p:cNvPr id="58370" name="幻灯片图像占位符 1"/>
+          <p:cNvSpPr>
+            <a:spLocks noGrp="1" noRot="1" noChangeAspect="1" noTextEdit="1"/>
+          </p:cNvSpPr>
+          <p:nvPr>
+            <p:ph type="sldImg"/>
+          </p:nvPr>
+        </p:nvSpPr>
+        <p:spPr/>
+      </p:sp>
+      <p:sp>
+        <p:nvSpPr>
+          <p:cNvPr id="58371" name="备注占位符 2"/>
+          <p:cNvSpPr>
+            <a:spLocks noGrp="1"/>
+          </p:cNvSpPr>
+          <p:nvPr>
+            <p:ph type="body" idx="1"/>
+          </p:nvPr>
+        </p:nvSpPr>
+        <p:spPr bwMode="auto">
+          <a:xfrm>
+            <a:off x="685800" y="4400550"/>
+            <a:ext cx="5486400" cy="3600450"/>
+          </a:xfrm>
+          <a:prstGeom prst="rect">
+            <a:avLst/>
+          </a:prstGeom>
+          <a:noFill/>
+          <a:ln/>
+          <a:extLst>
+            <a:ext uri="{909E8E84-426E-40DD-AFC4-6F175D3DCCD1}">
+              <a14:hiddenFill xmlns:a14="http://schemas.microsoft.com/office/drawing/2010/main">
+                <a:solidFill>
+                  <a:srgbClr val="FFFFFF"/>
+                </a:solidFill>
+              </a14:hiddenFill>
+            </a:ext>
+            <a:ext uri="{91240B29-F687-4F45-9708-019B960494DF}">
+              <a14:hiddenLine xmlns:a14="http://schemas.microsoft.com/office/drawing/2010/main" w="9525">
+                <a:solidFill>
+                  <a:srgbClr val="000000"/>
+                </a:solidFill>
+                <a:miter lim="800000"/>
+                <a:headEnd/>
+                <a:tailEnd/>
+              </a14:hiddenLine>
+            </a:ext>
+            <a:ext uri="{FAA26D3D-D897-4be2-8F04-BA451C77F1D7}">
+              <ma14:placeholderFlag xmlns:ma14="http://schemas.microsoft.com/office/mac/drawingml/2011/main" val="1"/>
+            </a:ext>
+          </a:extLst>
+        </p:spPr>
+        <p:txBody>
+          <a:bodyPr/>
+          <a:lstStyle/>
+          <a:p>
+            <a:endParaRPr lang="zh-CN" altLang="en-US">
+              <a:latin typeface="Arial" charset="0"/>
+            </a:endParaRPr>
+          </a:p>
+        </p:txBody>
+      </p:sp>
+      <p:sp>
+        <p:nvSpPr>
+          <p:cNvPr id="58372" name="灯片编号占位符 3"/>
+          <p:cNvSpPr>
+            <a:spLocks noGrp="1"/>
+          </p:cNvSpPr>
+          <p:nvPr>
+            <p:ph type="sldNum" sz="quarter" idx="5"/>
+          </p:nvPr>
+        </p:nvSpPr>
+        <p:spPr bwMode="auto">
+          <a:noFill/>
+          <a:extLst>
+            <a:ext uri="{909E8E84-426E-40DD-AFC4-6F175D3DCCD1}">
+              <a14:hiddenFill xmlns:a14="http://schemas.microsoft.com/office/drawing/2010/main">
+                <a:solidFill>
+                  <a:srgbClr val="FFFFFF"/>
+                </a:solidFill>
+              </a14:hiddenFill>
+            </a:ext>
+            <a:ext uri="{91240B29-F687-4F45-9708-019B960494DF}">
+              <a14:hiddenLine xmlns:a14="http://schemas.microsoft.com/office/drawing/2010/main" w="9525">
+                <a:solidFill>
+                  <a:srgbClr val="000000"/>
+                </a:solidFill>
+                <a:miter lim="800000"/>
+                <a:headEnd/>
+                <a:tailEnd/>
+              </a14:hiddenLine>
+            </a:ext>
+          </a:extLst>
+        </p:spPr>
+        <p:txBody>
+          <a:bodyPr vert="horz" wrap="square" lIns="91440" tIns="45720" rIns="91440" bIns="45720" numCol="1" anchorCtr="0" compatLnSpc="1">
+            <a:prstTxWarp prst="textNoShape">
+              <a:avLst/>
+            </a:prstTxWarp>
+          </a:bodyPr>
+          <a:lstStyle>
+            <a:lvl1pPr>
+              <a:buFont typeface="Arial" charset="0"/>
+              <a:defRPr>
+                <a:solidFill>
+                  <a:schemeClr val="tx1"/>
+                </a:solidFill>
+                <a:latin typeface="Arial" charset="0"/>
+                <a:ea typeface="宋体" charset="0"/>
+              </a:defRPr>
+            </a:lvl1pPr>
+            <a:lvl2pPr marL="742950" indent="-285750">
+              <a:buFont typeface="Arial" charset="0"/>
+              <a:defRPr>
+                <a:solidFill>
+                  <a:schemeClr val="tx1"/>
+                </a:solidFill>
+                <a:latin typeface="Arial" charset="0"/>
+                <a:ea typeface="宋体" charset="0"/>
+              </a:defRPr>
+            </a:lvl2pPr>
+            <a:lvl3pPr marL="1143000" indent="-228600">
+              <a:buFont typeface="Arial" charset="0"/>
+              <a:defRPr>
+                <a:solidFill>
+                  <a:schemeClr val="tx1"/>
+                </a:solidFill>
+                <a:latin typeface="Arial" charset="0"/>
+                <a:ea typeface="宋体" charset="0"/>
+              </a:defRPr>
+            </a:lvl3pPr>
+            <a:lvl4pPr marL="1600200" indent="-228600">
+              <a:buFont typeface="Arial" charset="0"/>
+              <a:defRPr>
+                <a:solidFill>
+                  <a:schemeClr val="tx1"/>
+                </a:solidFill>
+                <a:latin typeface="Arial" charset="0"/>
+                <a:ea typeface="宋体" charset="0"/>
+              </a:defRPr>
+            </a:lvl4pPr>
+            <a:lvl5pPr marL="2057400" indent="-228600">
+              <a:buFont typeface="Arial" charset="0"/>
+              <a:defRPr>
+                <a:solidFill>
+                  <a:schemeClr val="tx1"/>
+                </a:solidFill>
+                <a:latin typeface="Arial" charset="0"/>
+                <a:ea typeface="宋体" charset="0"/>
+              </a:defRPr>
+            </a:lvl5pPr>
+            <a:lvl6pPr marL="2514600" indent="-228600" eaLnBrk="0" fontAlgn="base" hangingPunct="0">
+              <a:spcBef>
+                <a:spcPct val="0"/>
+              </a:spcBef>
+              <a:spcAft>
+                <a:spcPct val="0"/>
+              </a:spcAft>
+              <a:buFont typeface="Arial" charset="0"/>
+              <a:defRPr>
+                <a:solidFill>
+                  <a:schemeClr val="tx1"/>
+                </a:solidFill>
+                <a:latin typeface="Arial" charset="0"/>
+                <a:ea typeface="宋体" charset="0"/>
+              </a:defRPr>
+            </a:lvl6pPr>
+            <a:lvl7pPr marL="2971800" indent="-228600" eaLnBrk="0" fontAlgn="base" hangingPunct="0">
+              <a:spcBef>
+                <a:spcPct val="0"/>
+              </a:spcBef>
+              <a:spcAft>
+                <a:spcPct val="0"/>
+              </a:spcAft>
+              <a:buFont typeface="Arial" charset="0"/>
+              <a:defRPr>
+                <a:solidFill>
+                  <a:schemeClr val="tx1"/>
+                </a:solidFill>
+                <a:latin typeface="Arial" charset="0"/>
+                <a:ea typeface="宋体" charset="0"/>
+              </a:defRPr>
+            </a:lvl7pPr>
+            <a:lvl8pPr marL="3429000" indent="-228600" eaLnBrk="0" fontAlgn="base" hangingPunct="0">
+              <a:spcBef>
+                <a:spcPct val="0"/>
+              </a:spcBef>
+              <a:spcAft>
+                <a:spcPct val="0"/>
+              </a:spcAft>
+              <a:buFont typeface="Arial" charset="0"/>
+              <a:defRPr>
+                <a:solidFill>
+                  <a:schemeClr val="tx1"/>
+                </a:solidFill>
+                <a:latin typeface="Arial" charset="0"/>
+                <a:ea typeface="宋体" charset="0"/>
+              </a:defRPr>
+            </a:lvl8pPr>
+            <a:lvl9pPr marL="3886200" indent="-228600" eaLnBrk="0" fontAlgn="base" hangingPunct="0">
+              <a:spcBef>
+                <a:spcPct val="0"/>
+              </a:spcBef>
+              <a:spcAft>
+                <a:spcPct val="0"/>
+              </a:spcAft>
+              <a:buFont typeface="Arial" charset="0"/>
+              <a:defRPr>
+                <a:solidFill>
+                  <a:schemeClr val="tx1"/>
+                </a:solidFill>
+                <a:latin typeface="Arial" charset="0"/>
+                <a:ea typeface="宋体" charset="0"/>
+              </a:defRPr>
+            </a:lvl9pPr>
+          </a:lstStyle>
+          <a:p>
+            <a:pPr>
+              <a:buFontTx/>
+              <a:buNone/>
+            </a:pPr>
+            <a:fld id="{8CC8AD95-EC2A-604D-A1C6-862D05EEBC8D}" type="slidenum">
+              <a:rPr altLang="en-US"/>
+              <a:pPr>
+                <a:buFontTx/>
+                <a:buNone/>
+              </a:pPr>
+              <a:t>26</a:t>
+            </a:fld>
+            <a:endParaRPr altLang="en-US"/>
+          </a:p>
+        </p:txBody>
+      </p:sp>
+    </p:spTree>
+    <p:extLst>
+      <p:ext uri="{BB962C8B-B14F-4D97-AF65-F5344CB8AC3E}">
+        <p14:creationId xmlns:p14="http://schemas.microsoft.com/office/powerpoint/2010/main" val="1120853107"/>
+      </p:ext>
+    </p:extLst>
+  </p:cSld>
+  <p:clrMapOvr>
+    <a:masterClrMapping/>
+  </p:clrMapOvr>
+</p:notes>
+</file>
+
+<file path=ppt/notesSlides/notesSlide17.xml><?xml version="1.0" encoding="utf-8"?>
+<p:notes xmlns:a="http://schemas.openxmlformats.org/drawingml/2006/main" xmlns:r="http://schemas.openxmlformats.org/officeDocument/2006/relationships" xmlns:p="http://schemas.openxmlformats.org/presentationml/2006/main">
+  <p:cSld>
+    <p:spTree>
+      <p:nvGrpSpPr>
+        <p:cNvPr id="1" name=""/>
+        <p:cNvGrpSpPr/>
+        <p:nvPr/>
+      </p:nvGrpSpPr>
+      <p:grpSpPr>
+        <a:xfrm>
+          <a:off x="0" y="0"/>
+          <a:ext cx="0" cy="0"/>
+          <a:chOff x="0" y="0"/>
+          <a:chExt cx="0" cy="0"/>
+        </a:xfrm>
+      </p:grpSpPr>
+      <p:sp>
+        <p:nvSpPr>
+          <p:cNvPr id="2" name="Slide Image Placeholder 1"/>
+          <p:cNvSpPr>
+            <a:spLocks noGrp="1" noRot="1" noChangeAspect="1"/>
+          </p:cNvSpPr>
+          <p:nvPr>
+            <p:ph type="sldImg"/>
+          </p:nvPr>
+        </p:nvSpPr>
+        <p:spPr/>
+      </p:sp>
+      <p:sp>
+        <p:nvSpPr>
+          <p:cNvPr id="3" name="Notes Placeholder 2"/>
+          <p:cNvSpPr>
+            <a:spLocks noGrp="1"/>
+          </p:cNvSpPr>
+          <p:nvPr>
+            <p:ph type="body" idx="1"/>
+          </p:nvPr>
+        </p:nvSpPr>
+        <p:spPr/>
+        <p:txBody>
+          <a:bodyPr/>
+          <a:lstStyle/>
+          <a:p>
+            <a:r>
+              <a:rPr lang="zh-CN" altLang="en-US" dirty="0" smtClean="0"/>
+              <a:t>系统参数变化：</a:t>
+            </a:r>
+            <a:r>
+              <a:rPr lang="zh-CN" altLang="zh-CN" dirty="0" smtClean="0"/>
+              <a:t>准直器尺寸</a:t>
+            </a:r>
+            <a:r>
+              <a:rPr lang="zh-CN" altLang="en-US" dirty="0" smtClean="0"/>
+              <a:t>、</a:t>
+            </a:r>
+            <a:r>
+              <a:rPr lang="zh-CN" altLang="zh-CN" dirty="0" smtClean="0"/>
+              <a:t>分层高度、探测器</a:t>
+            </a:r>
+            <a:r>
+              <a:rPr lang="zh-CN" altLang="en-US" dirty="0" smtClean="0"/>
+              <a:t>位置、</a:t>
+            </a:r>
+            <a:r>
+              <a:rPr lang="zh-CN" altLang="zh-CN" dirty="0" smtClean="0"/>
+              <a:t>探测器偏心步长</a:t>
+            </a:r>
+            <a:endParaRPr lang="en-US" altLang="zh-CN" dirty="0" smtClean="0"/>
+          </a:p>
+          <a:p>
+            <a:r>
+              <a:rPr lang="zh-CN" altLang="zh-CN" dirty="0" smtClean="0"/>
+              <a:t>不同噪声水平下最佳统计迭代算法的选择</a:t>
+            </a:r>
+            <a:endParaRPr lang="en-US" altLang="zh-CN" dirty="0" smtClean="0"/>
+          </a:p>
+          <a:p>
+            <a:r>
+              <a:rPr lang="zh-CN" altLang="zh-CN" dirty="0" smtClean="0"/>
+              <a:t>将废物桶中不同层的全部核素都投影在一个等效层内的策略推广</a:t>
+            </a:r>
+          </a:p>
+          <a:p>
+            <a:r>
+              <a:rPr lang="zh-CN" altLang="zh-CN" dirty="0" smtClean="0"/>
+              <a:t>全面充分的实验工作</a:t>
+            </a:r>
+            <a:r>
+              <a:rPr lang="zh-CN" altLang="en-US" dirty="0" smtClean="0"/>
+              <a:t>，</a:t>
+            </a:r>
+            <a:r>
+              <a:rPr lang="zh-CN" altLang="zh-CN" dirty="0" smtClean="0"/>
+              <a:t>不同种类的中低放废物进行测量</a:t>
+            </a:r>
+            <a:r>
+              <a:rPr lang="zh-CN" altLang="en-US" dirty="0" smtClean="0"/>
+              <a:t>，以及对</a:t>
+            </a:r>
+            <a:r>
+              <a:rPr lang="zh-CN" altLang="zh-CN" dirty="0" smtClean="0"/>
+              <a:t>测量不确定度和可探测限进行分析</a:t>
+            </a:r>
+            <a:endParaRPr lang="en-US" altLang="zh-CN" dirty="0" smtClean="0"/>
+          </a:p>
+          <a:p>
+            <a:r>
+              <a:rPr lang="en-US" altLang="zh-CN" dirty="0" smtClean="0"/>
+              <a:t>400L</a:t>
+            </a:r>
+            <a:r>
+              <a:rPr lang="zh-CN" altLang="zh-CN" dirty="0" smtClean="0"/>
+              <a:t>高密度废物桶的最佳测量技术标准</a:t>
+            </a:r>
+            <a:endParaRPr lang="zh-CN" altLang="en-US" dirty="0" smtClean="0"/>
+          </a:p>
+          <a:p>
+            <a:endParaRPr lang="en-US" dirty="0"/>
+          </a:p>
+        </p:txBody>
+      </p:sp>
+      <p:sp>
+        <p:nvSpPr>
+          <p:cNvPr id="4" name="Slide Number Placeholder 3"/>
+          <p:cNvSpPr>
+            <a:spLocks noGrp="1"/>
+          </p:cNvSpPr>
+          <p:nvPr>
+            <p:ph type="sldNum" sz="quarter" idx="10"/>
+          </p:nvPr>
+        </p:nvSpPr>
+        <p:spPr/>
+        <p:txBody>
+          <a:bodyPr/>
+          <a:lstStyle/>
+          <a:p>
+            <a:pPr>
+              <a:defRPr/>
+            </a:pPr>
+            <a:fld id="{BF6C4AA2-D5B3-4212-867F-E265BBCBB5FC}" type="slidenum">
+              <a:rPr lang="zh-CN" altLang="en-US" smtClean="0"/>
+              <a:pPr>
+                <a:defRPr/>
+              </a:pPr>
+              <a:t>28</a:t>
+            </a:fld>
+            <a:endParaRPr lang="zh-CN" altLang="en-US"/>
+          </a:p>
+        </p:txBody>
+      </p:sp>
+    </p:spTree>
+    <p:extLst>
+      <p:ext uri="{BB962C8B-B14F-4D97-AF65-F5344CB8AC3E}">
+        <p14:creationId xmlns:p14="http://schemas.microsoft.com/office/powerpoint/2010/main" val="247062705"/>
       </p:ext>
     </p:extLst>
   </p:cSld>
@@ -19071,7 +20477,55 @@
                   <a:srgbClr val="C00000"/>
                 </a:solidFill>
               </a:rPr>
-              <a:t>低放废物</a:t>
+              <a:t>低</a:t>
+            </a:r>
+            <a:r>
+              <a:rPr lang="zh-CN" altLang="en-US" sz="2800" dirty="0" smtClean="0">
+                <a:solidFill>
+                  <a:srgbClr val="C00000"/>
+                </a:solidFill>
+              </a:rPr>
+              <a:t>中</a:t>
+            </a:r>
+            <a:r>
+              <a:rPr lang="zh-CN" altLang="zh-CN" sz="2800" dirty="0" smtClean="0">
+                <a:solidFill>
+                  <a:srgbClr val="C00000"/>
+                </a:solidFill>
+              </a:rPr>
+              <a:t>放</a:t>
+            </a:r>
+            <a:r>
+              <a:rPr lang="zh-CN" altLang="zh-CN" sz="2800" dirty="0" smtClean="0">
+                <a:solidFill>
+                  <a:srgbClr val="C00000"/>
+                </a:solidFill>
+              </a:rPr>
+              <a:t>废物</a:t>
+            </a:r>
+            <a:r>
+              <a:rPr lang="zh-CN" altLang="zh-CN" sz="2800" dirty="0" smtClean="0">
+                <a:solidFill>
+                  <a:srgbClr val="C00000"/>
+                </a:solidFill>
+              </a:rPr>
+              <a:t>桶</a:t>
+            </a:r>
+            <a:r>
+              <a:rPr lang="zh-CN" altLang="en-US" sz="2800" dirty="0" smtClean="0">
+                <a:solidFill>
+                  <a:srgbClr val="C00000"/>
+                </a:solidFill>
+              </a:rPr>
+              <a:t>伽马</a:t>
+            </a:r>
+            <a:r>
+              <a:rPr lang="zh-CN" altLang="zh-CN" sz="2800" dirty="0" smtClean="0">
+                <a:solidFill>
+                  <a:srgbClr val="C00000"/>
+                </a:solidFill>
+              </a:rPr>
+              <a:t>扫描</a:t>
             </a:r>
             <a:r>
               <a:rPr lang="zh-CN" altLang="zh-CN" sz="2800" dirty="0">
@@ -19079,7 +20533,7 @@
                   <a:srgbClr val="C00000"/>
                 </a:solidFill>
               </a:rPr>
-              <a:t>桶层析扫描系统</a:t>
+              <a:t>系统</a:t>
             </a:r>
             <a:r>
               <a:rPr lang="zh-CN" altLang="zh-CN" sz="2800" dirty="0" smtClean="0">
@@ -19406,7 +20860,7 @@
           <a:graphicData uri="http://schemas.openxmlformats.org/presentationml/2006/ole">
             <mc:AlternateContent xmlns:mc="http://schemas.openxmlformats.org/markup-compatibility/2006">
               <mc:Choice xmlns:v="urn:schemas-microsoft-com:vml" Requires="v">
-                <p:oleObj spid="_x0000_s93194" name="Visio" r:id="rId5" imgW="3000258" imgH="5191270" progId="Visio.Drawing.15">
+                <p:oleObj spid="_x0000_s93206" name="Visio" r:id="rId5" imgW="3000258" imgH="5191270" progId="Visio.Drawing.15">
                   <p:embed/>
                 </p:oleObj>
               </mc:Choice>
@@ -19669,14 +21123,34 @@
               <a:t>，</a:t>
             </a:r>
             <a:r>
-              <a:rPr lang="zh-CN" altLang="zh-CN" sz="2000" kern="100" dirty="0">
+              <a:rPr lang="zh-CN" altLang="en-US" sz="2000" kern="100" dirty="0" smtClean="0">
                 <a:solidFill>
                   <a:srgbClr val="002060"/>
                 </a:solidFill>
                 <a:latin typeface="+mn-ea"/>
                 <a:ea typeface="+mn-ea"/>
               </a:rPr>
-              <a:t>总高度控制在</a:t>
+              <a:t>整体紧凑化，</a:t>
+            </a:r>
+            <a:r>
+              <a:rPr lang="zh-CN" altLang="zh-CN" sz="2000" kern="100" dirty="0" smtClean="0">
+                <a:solidFill>
+                  <a:srgbClr val="002060"/>
+                </a:solidFill>
+                <a:latin typeface="+mn-ea"/>
+                <a:ea typeface="+mn-ea"/>
+              </a:rPr>
+              <a:t>总</a:t>
+            </a:r>
+            <a:r>
+              <a:rPr lang="zh-CN" altLang="zh-CN" sz="2000" kern="100" dirty="0">
+                <a:solidFill>
+                  <a:srgbClr val="002060"/>
+                </a:solidFill>
+                <a:latin typeface="+mn-ea"/>
+                <a:ea typeface="+mn-ea"/>
+              </a:rPr>
+              <a:t>高度控制在</a:t>
             </a:r>
             <a:r>
               <a:rPr lang="en-US" altLang="zh-CN" sz="2000" kern="100" dirty="0">
@@ -19860,10 +21334,18 @@
               <a:buChar char="•"/>
             </a:pPr>
             <a:r>
-              <a:rPr lang="zh-CN" altLang="en-US" sz="2400" dirty="0" smtClean="0"/>
+              <a:rPr lang="zh-CN" altLang="en-US" sz="2400" dirty="0" smtClean="0">
+                <a:solidFill>
+                  <a:schemeClr val="tx1"/>
+                </a:solidFill>
+              </a:rPr>
               <a:t>系统所有模块的设计与开发都严格遵循了简单易用，紧凑、隔离、可扩展的创新原则，是改进型方法的基础</a:t>
             </a:r>
-            <a:endParaRPr lang="zh-CN" altLang="en-US" sz="2400" dirty="0"/>
+            <a:endParaRPr lang="zh-CN" altLang="en-US" sz="2400" dirty="0">
+              <a:solidFill>
+                <a:schemeClr val="tx1"/>
+              </a:solidFill>
+            </a:endParaRPr>
           </a:p>
         </p:txBody>
       </p:sp>
@@ -20413,10 +21895,18 @@
               <a:buChar char="•"/>
             </a:pPr>
             <a:r>
-              <a:rPr lang="zh-CN" altLang="en-US" sz="2400" dirty="0" smtClean="0"/>
+              <a:rPr lang="zh-CN" altLang="en-US" sz="2400" dirty="0" smtClean="0">
+                <a:solidFill>
+                  <a:srgbClr val="004098"/>
+                </a:solidFill>
+              </a:rPr>
               <a:t>废物桶匀速旋转时，点源可视为环源</a:t>
             </a:r>
-            <a:endParaRPr lang="en-US" altLang="zh-CN" sz="2400" dirty="0" smtClean="0"/>
+            <a:endParaRPr lang="en-US" altLang="zh-CN" sz="2400" dirty="0" smtClean="0">
+              <a:solidFill>
+                <a:srgbClr val="004098"/>
+              </a:solidFill>
+            </a:endParaRPr>
           </a:p>
           <a:p>
             <a:pPr eaLnBrk="1" hangingPunct="1">
@@ -20427,10 +21917,18 @@
               <a:buChar char="•"/>
             </a:pPr>
             <a:r>
-              <a:rPr lang="zh-CN" altLang="en-US" sz="2400" dirty="0" smtClean="0"/>
+              <a:rPr lang="zh-CN" altLang="en-US" sz="2400" dirty="0" smtClean="0">
+                <a:solidFill>
+                  <a:srgbClr val="004098"/>
+                </a:solidFill>
+              </a:rPr>
               <a:t>在每层中，放射性核素的二维分布可视为径向的一维分布</a:t>
             </a:r>
-            <a:endParaRPr lang="en-US" altLang="zh-CN" sz="2400" dirty="0" smtClean="0"/>
+            <a:endParaRPr lang="en-US" altLang="zh-CN" sz="2400" dirty="0" smtClean="0">
+              <a:solidFill>
+                <a:srgbClr val="004098"/>
+              </a:solidFill>
+            </a:endParaRPr>
           </a:p>
           <a:p>
             <a:pPr eaLnBrk="1" hangingPunct="1">
@@ -20481,10 +21979,18 @@
               <a:buChar char="•"/>
             </a:pPr>
             <a:r>
-              <a:rPr lang="zh-CN" altLang="en-US" sz="2400" dirty="0" smtClean="0"/>
+              <a:rPr lang="zh-CN" altLang="en-US" sz="2400" dirty="0" smtClean="0">
+                <a:solidFill>
+                  <a:srgbClr val="004195"/>
+                </a:solidFill>
+              </a:rPr>
               <a:t>每层测量时，避免了旋转步进测量</a:t>
             </a:r>
-            <a:endParaRPr lang="en-US" altLang="zh-CN" sz="2400" dirty="0"/>
+            <a:endParaRPr lang="en-US" altLang="zh-CN" sz="2400" dirty="0">
+              <a:solidFill>
+                <a:srgbClr val="004195"/>
+              </a:solidFill>
+            </a:endParaRPr>
           </a:p>
         </p:txBody>
       </p:sp>
@@ -21469,7 +22975,31 @@
                   <a:srgbClr val="003300"/>
                 </a:solidFill>
               </a:rPr>
-              <a:t>发射测量公式如下</a:t>
+              <a:t>发射</a:t>
+            </a:r>
+            <a:r>
+              <a:rPr lang="zh-CN" altLang="en-US" sz="2400" dirty="0" smtClean="0">
+                <a:solidFill>
+                  <a:srgbClr val="003300"/>
+                </a:solidFill>
+              </a:rPr>
+              <a:t>重建</a:t>
+            </a:r>
+            <a:r>
+              <a:rPr lang="zh-CN" altLang="en-US" sz="2400" dirty="0" smtClean="0">
+                <a:solidFill>
+                  <a:srgbClr val="003300"/>
+                </a:solidFill>
+              </a:rPr>
+              <a:t>公式</a:t>
+            </a:r>
+            <a:r>
+              <a:rPr lang="zh-CN" altLang="en-US" sz="2400" dirty="0" smtClean="0">
+                <a:solidFill>
+                  <a:srgbClr val="003300"/>
+                </a:solidFill>
+              </a:rPr>
+              <a:t>如下</a:t>
             </a:r>
             <a:r>
               <a:rPr lang="en-US" altLang="zh-CN" sz="2400" dirty="0" smtClean="0">
@@ -21941,7 +23471,29 @@
             </a:pPr>
             <a:r>
               <a:rPr lang="zh-CN" altLang="en-US" sz="2400" dirty="0" smtClean="0"/>
-              <a:t>在</a:t>
+              <a:t>每</a:t>
+            </a:r>
+            <a:r>
+              <a:rPr lang="zh-CN" altLang="en-US" sz="2400" dirty="0" smtClean="0"/>
+              <a:t>层径向划分为数个</a:t>
+            </a:r>
+            <a:r>
+              <a:rPr lang="zh-CN" altLang="en-US" sz="2400" dirty="0" smtClean="0"/>
+              <a:t>环状</a:t>
+            </a:r>
+            <a:r>
+              <a:rPr lang="zh-CN" altLang="en-US" sz="2400" dirty="0" smtClean="0"/>
+              <a:t>网格</a:t>
+            </a:r>
+          </a:p>
+          <a:p>
+            <a:pPr marL="457200" indent="-457200">
+              <a:buFont typeface="Arial" panose="020B0604020202020204" pitchFamily="34" charset="0"/>
+              <a:buChar char="•"/>
+            </a:pPr>
+            <a:r>
+              <a:rPr lang="zh-CN" altLang="en-US" sz="2400" dirty="0" smtClean="0"/>
+              <a:t>与</a:t>
             </a:r>
             <a:r>
               <a:rPr lang="en-US" altLang="zh-CN" sz="2400" dirty="0" smtClean="0"/>
@@ -21949,9 +23501,8 @@
             </a:r>
             <a:r>
               <a:rPr lang="zh-CN" altLang="en-US" sz="2400" dirty="0" smtClean="0"/>
-              <a:t>基础上每层径向划分为数个环状体素</a:t>
-            </a:r>
-            <a:endParaRPr lang="en-US" altLang="zh-CN" sz="2400" dirty="0" smtClean="0"/>
+              <a:t>一致旋转测量</a:t>
+            </a:r>
           </a:p>
           <a:p>
             <a:pPr marL="457200" indent="-457200">
@@ -22219,7 +23770,31 @@
                   <a:srgbClr val="003300"/>
                 </a:solidFill>
               </a:rPr>
-              <a:t>发射测量公式如下</a:t>
+              <a:t>发射</a:t>
+            </a:r>
+            <a:r>
+              <a:rPr lang="zh-CN" altLang="en-US" sz="2400" dirty="0" smtClean="0">
+                <a:solidFill>
+                  <a:srgbClr val="003300"/>
+                </a:solidFill>
+              </a:rPr>
+              <a:t>重建</a:t>
+            </a:r>
+            <a:r>
+              <a:rPr lang="zh-CN" altLang="en-US" sz="2400" dirty="0" smtClean="0">
+                <a:solidFill>
+                  <a:srgbClr val="003300"/>
+                </a:solidFill>
+              </a:rPr>
+              <a:t>公式</a:t>
+            </a:r>
+            <a:r>
+              <a:rPr lang="zh-CN" altLang="en-US" sz="2400" dirty="0" smtClean="0">
+                <a:solidFill>
+                  <a:srgbClr val="003300"/>
+                </a:solidFill>
+              </a:rPr>
+              <a:t>如下</a:t>
             </a:r>
             <a:r>
               <a:rPr lang="en-US" altLang="zh-CN" sz="2400" dirty="0" smtClean="0">
@@ -22279,8 +23854,8 @@
         </p:nvSpPr>
         <p:spPr bwMode="auto">
           <a:xfrm>
-            <a:off x="1338943" y="141848"/>
-            <a:ext cx="7805057" cy="757237"/>
+            <a:off x="2109019" y="141848"/>
+            <a:ext cx="7034981" cy="757237"/>
           </a:xfrm>
           <a:noFill/>
           <a:ln>
@@ -23237,6 +24812,10 @@
               </a:rPr>
               <a:t>三分之一</a:t>
             </a:r>
+            <a:r>
+              <a:rPr lang="zh-CN" altLang="en-US" sz="2400" dirty="0" smtClean="0"/>
+              <a:t>。</a:t>
+            </a:r>
             <a:endParaRPr lang="en-US" altLang="zh-CN" sz="2400" dirty="0"/>
           </a:p>
         </p:txBody>
@@ -23489,8 +25068,8 @@
         </p:nvSpPr>
         <p:spPr bwMode="auto">
           <a:xfrm>
-            <a:off x="1077686" y="161192"/>
-            <a:ext cx="8229600" cy="757237"/>
+            <a:off x="2064774" y="95483"/>
+            <a:ext cx="7079226" cy="757237"/>
           </a:xfrm>
           <a:noFill/>
           <a:ln>
@@ -23996,7 +25575,11 @@
             </a:r>
             <a:r>
               <a:rPr lang="zh-CN" altLang="en-US" sz="2400" dirty="0" smtClean="0"/>
-              <a:t>，与模拟数据相吻合</a:t>
+              <a:t>，与模拟数据相</a:t>
+            </a:r>
+            <a:r>
+              <a:rPr lang="zh-CN" altLang="en-US" sz="2400" dirty="0" smtClean="0"/>
+              <a:t>吻合。</a:t>
             </a:r>
             <a:endParaRPr lang="en-US" altLang="zh-CN" sz="2400" dirty="0"/>
           </a:p>
@@ -24094,7 +25677,7 @@
         </p:nvSpPr>
         <p:spPr bwMode="auto">
           <a:xfrm>
-            <a:off x="1574554" y="1260217"/>
+            <a:off x="1574554" y="1029385"/>
             <a:ext cx="5878532" cy="461665"/>
           </a:xfrm>
           <a:prstGeom prst="rect">
@@ -24153,7 +25736,7 @@
           <p:nvPr>
             <p:extLst>
               <p:ext uri="{D42A27DB-BD31-4B8C-83A1-F6EECF244321}">
-                <p14:modId xmlns:p14="http://schemas.microsoft.com/office/powerpoint/2010/main" val="1659002289"/>
+                <p14:modId xmlns:p14="http://schemas.microsoft.com/office/powerpoint/2010/main" val="959081640"/>
               </p:ext>
             </p:extLst>
           </p:nvPr>
@@ -24176,7 +25759,7 @@
         </p:nvSpPr>
         <p:spPr>
           <a:xfrm>
-            <a:off x="1115938" y="5324217"/>
+            <a:off x="1012699" y="5555050"/>
             <a:ext cx="8262258" cy="461665"/>
           </a:xfrm>
           <a:prstGeom prst="rect">
@@ -24376,8 +25959,8 @@
         </p:nvGrpSpPr>
         <p:grpSpPr>
           <a:xfrm>
-            <a:off x="619134" y="1567914"/>
-            <a:ext cx="5516563" cy="1212850"/>
+            <a:off x="457200" y="1567717"/>
+            <a:ext cx="5899355" cy="1212850"/>
             <a:chOff x="457200" y="1031875"/>
             <a:chExt cx="5516563" cy="1212850"/>
           </a:xfrm>
@@ -24658,14 +26241,14 @@
           <p:nvPr>
             <p:extLst>
               <p:ext uri="{D42A27DB-BD31-4B8C-83A1-F6EECF244321}">
-                <p14:modId xmlns:p14="http://schemas.microsoft.com/office/powerpoint/2010/main" val="1965509645"/>
+                <p14:modId xmlns:p14="http://schemas.microsoft.com/office/powerpoint/2010/main" val="1251527440"/>
               </p:ext>
             </p:extLst>
           </p:nvPr>
         </p:nvGraphicFramePr>
         <p:xfrm>
-          <a:off x="162754" y="3148658"/>
-          <a:ext cx="8674030" cy="2709891"/>
+          <a:off x="162754" y="3331946"/>
+          <a:ext cx="8674030" cy="2395038"/>
         </p:xfrm>
         <a:graphic>
           <a:graphicData uri="http://schemas.openxmlformats.org/drawingml/2006/chart">
@@ -24681,7 +26264,7 @@
         </p:nvSpPr>
         <p:spPr>
           <a:xfrm>
-            <a:off x="368640" y="5742922"/>
+            <a:off x="368640" y="5791811"/>
             <a:ext cx="8262258" cy="461665"/>
           </a:xfrm>
           <a:prstGeom prst="rect">
@@ -26431,8 +28014,16 @@
               <a:t>二分之一</a:t>
             </a:r>
             <a:r>
+              <a:rPr lang="zh-CN" altLang="en-US" sz="2400" dirty="0" smtClean="0"/>
+              <a:t>或</a:t>
+            </a:r>
+            <a:r>
               <a:rPr lang="zh-CN" altLang="zh-CN" sz="2400" dirty="0" smtClean="0"/>
-              <a:t>甚至更低</a:t>
+              <a:t>更</a:t>
+            </a:r>
+            <a:r>
+              <a:rPr lang="zh-CN" altLang="zh-CN" sz="2400" dirty="0" smtClean="0"/>
+              <a:t>低</a:t>
             </a:r>
             <a:r>
               <a:rPr lang="zh-CN" altLang="en-US" sz="2400" dirty="0" smtClean="0"/>
@@ -26456,18 +28047,138 @@
               <a:buFont typeface="Arial" panose="020B0604020202020204" pitchFamily="34" charset="0"/>
               <a:buChar char="•"/>
             </a:pPr>
-            <a:r>
-              <a:rPr lang="zh-CN" altLang="en-US" sz="2400" dirty="0" smtClean="0"/>
-              <a:t>但是时间耗费比较长，为了解决这个问题，提出了双探测</a:t>
-            </a:r>
-            <a:r>
-              <a:rPr lang="en-US" altLang="zh-CN" sz="2400" dirty="0" smtClean="0"/>
+            <a:endParaRPr lang="zh-CN" altLang="en-US" sz="2000" dirty="0" smtClean="0"/>
+          </a:p>
+          <a:p>
+            <a:pPr>
+              <a:buFont typeface="Arial" panose="020B0604020202020204" pitchFamily="34" charset="0"/>
+              <a:buChar char="•"/>
+            </a:pPr>
+            <a:r>
+              <a:rPr lang="zh-CN" altLang="en-US" sz="2400" dirty="0" smtClean="0">
+                <a:solidFill>
+                  <a:schemeClr val="tx1"/>
+                </a:solidFill>
+              </a:rPr>
+              <a:t>针对</a:t>
+            </a:r>
+            <a:r>
+              <a:rPr lang="zh-CN" altLang="en-US" sz="2400" dirty="0" smtClean="0">
+                <a:solidFill>
+                  <a:schemeClr val="tx1"/>
+                </a:solidFill>
+              </a:rPr>
+              <a:t>时间</a:t>
+            </a:r>
+            <a:r>
+              <a:rPr lang="zh-CN" altLang="en-US" sz="2400" dirty="0" smtClean="0">
+                <a:solidFill>
+                  <a:schemeClr val="tx1"/>
+                </a:solidFill>
+              </a:rPr>
+              <a:t>耗费比较</a:t>
+            </a:r>
+            <a:r>
+              <a:rPr lang="zh-CN" altLang="en-US" sz="2400" dirty="0" smtClean="0">
+                <a:solidFill>
+                  <a:schemeClr val="tx1"/>
+                </a:solidFill>
+              </a:rPr>
+              <a:t>长</a:t>
+            </a:r>
+            <a:r>
+              <a:rPr lang="zh-CN" altLang="en-US" sz="2400" dirty="0" smtClean="0">
+                <a:solidFill>
+                  <a:schemeClr val="tx1"/>
+                </a:solidFill>
+              </a:rPr>
+              <a:t>的</a:t>
+            </a:r>
+            <a:r>
+              <a:rPr lang="zh-CN" altLang="en-US" sz="2400" dirty="0" smtClean="0">
+                <a:solidFill>
+                  <a:schemeClr val="tx1"/>
+                </a:solidFill>
+              </a:rPr>
+              <a:t>问题，</a:t>
+            </a:r>
+            <a:r>
+              <a:rPr lang="zh-CN" altLang="en-US" sz="2400" dirty="0" smtClean="0">
+                <a:solidFill>
+                  <a:schemeClr val="tx1"/>
+                </a:solidFill>
+              </a:rPr>
+              <a:t>进一步</a:t>
+            </a:r>
+            <a:r>
+              <a:rPr lang="zh-CN" altLang="en-US" sz="2400" dirty="0" smtClean="0">
+                <a:solidFill>
+                  <a:schemeClr val="tx1"/>
+                </a:solidFill>
+              </a:rPr>
+              <a:t>提</a:t>
+            </a:r>
+            <a:r>
+              <a:rPr lang="zh-CN" altLang="en-US" sz="2400" dirty="0" smtClean="0">
+                <a:solidFill>
+                  <a:schemeClr val="tx1"/>
+                </a:solidFill>
+              </a:rPr>
+              <a:t>出了双</a:t>
+            </a:r>
+            <a:r>
+              <a:rPr lang="zh-CN" altLang="en-US" sz="2400" dirty="0" smtClean="0">
+                <a:solidFill>
+                  <a:schemeClr val="tx1"/>
+                </a:solidFill>
+              </a:rPr>
+              <a:t>探测</a:t>
+            </a:r>
+            <a:r>
+              <a:rPr lang="zh-CN" altLang="en-US" sz="2400" dirty="0" smtClean="0">
+                <a:solidFill>
+                  <a:schemeClr val="tx1"/>
+                </a:solidFill>
+              </a:rPr>
+              <a:t>器改进型</a:t>
+            </a:r>
+            <a:r>
+              <a:rPr lang="en-US" altLang="zh-CN" sz="2400" dirty="0" smtClean="0">
+                <a:solidFill>
+                  <a:schemeClr val="tx1"/>
+                </a:solidFill>
+              </a:rPr>
               <a:t>SGS</a:t>
             </a:r>
             <a:r>
-              <a:rPr lang="zh-CN" altLang="en-US" sz="2400" dirty="0" smtClean="0"/>
-              <a:t>技术</a:t>
-            </a:r>
+              <a:rPr lang="zh-CN" altLang="en-US" sz="2400" dirty="0" smtClean="0">
+                <a:solidFill>
+                  <a:schemeClr val="tx1"/>
+                </a:solidFill>
+              </a:rPr>
+              <a:t>技术（</a:t>
+            </a:r>
+            <a:r>
+              <a:rPr lang="en-US" altLang="zh-CN" sz="2400" dirty="0" smtClean="0">
+                <a:solidFill>
+                  <a:schemeClr val="tx1"/>
+                </a:solidFill>
+              </a:rPr>
+              <a:t>ISGS</a:t>
+            </a:r>
+            <a:r>
+              <a:rPr lang="zh-CN" altLang="en-US" sz="2400" dirty="0" smtClean="0">
+                <a:solidFill>
+                  <a:schemeClr val="tx1"/>
+                </a:solidFill>
+              </a:rPr>
+              <a:t>）</a:t>
+            </a:r>
+            <a:endParaRPr lang="zh-CN" altLang="en-US" sz="2400" dirty="0" smtClean="0">
+              <a:solidFill>
+                <a:schemeClr val="tx1"/>
+              </a:solidFill>
+            </a:endParaRPr>
           </a:p>
         </p:txBody>
       </p:sp>
@@ -26479,10 +28190,10 @@
         </p:nvGrpSpPr>
         <p:grpSpPr>
           <a:xfrm>
-            <a:off x="1672824" y="4025384"/>
-            <a:ext cx="4991326" cy="1957877"/>
+            <a:off x="1685180" y="4427999"/>
+            <a:ext cx="5011681" cy="1957877"/>
             <a:chOff x="103188" y="4422320"/>
-            <a:chExt cx="5920922" cy="2359645"/>
+            <a:chExt cx="5945067" cy="2359645"/>
           </a:xfrm>
         </p:grpSpPr>
         <p:sp>
@@ -26621,8 +28332,8 @@
           </p:nvSpPr>
           <p:spPr bwMode="auto">
             <a:xfrm>
-              <a:off x="4454711" y="6313259"/>
-              <a:ext cx="1354667" cy="445121"/>
+              <a:off x="4104487" y="6336844"/>
+              <a:ext cx="1943768" cy="445121"/>
             </a:xfrm>
             <a:prstGeom prst="rect">
               <a:avLst/>
@@ -26663,7 +28374,13 @@
                 </a:spcBef>
               </a:pPr>
               <a:r>
-                <a:rPr lang="zh-CN" altLang="en-US" dirty="0">
+                <a:rPr lang="zh-CN" altLang="en-US" smtClean="0">
+                  <a:sym typeface="Arial" panose="020B0604020202020204" pitchFamily="34" charset="0"/>
+                </a:rPr>
+                <a:t>一个</a:t>
+              </a:r>
+              <a:r>
+                <a:rPr lang="zh-CN" altLang="en-US" smtClean="0">
                   <a:sym typeface="Arial" panose="020B0604020202020204" pitchFamily="34" charset="0"/>
                 </a:rPr>
                 <a:t>等效</a:t>
@@ -27191,10 +28908,10 @@
         </p:nvGrpSpPr>
         <p:grpSpPr>
           <a:xfrm>
-            <a:off x="163465" y="4308024"/>
-            <a:ext cx="4302173" cy="1927225"/>
+            <a:off x="163465" y="3968057"/>
+            <a:ext cx="3793163" cy="1989330"/>
             <a:chOff x="3995738" y="1890713"/>
-            <a:chExt cx="4897437" cy="1927225"/>
+            <a:chExt cx="4317999" cy="1989330"/>
           </a:xfrm>
         </p:grpSpPr>
         <p:graphicFrame>
@@ -27219,7 +28936,7 @@
             <a:graphicData uri="http://schemas.openxmlformats.org/presentationml/2006/ole">
               <mc:AlternateContent xmlns:mc="http://schemas.openxmlformats.org/markup-compatibility/2006">
                 <mc:Choice xmlns:v="urn:schemas-microsoft-com:vml" Requires="v">
-                  <p:oleObj spid="_x0000_s92367" r:id="rId5" imgW="1079500" imgH="228600" progId="Equation.DSMT4">
+                  <p:oleObj spid="_x0000_s92412" r:id="rId5" imgW="1079500" imgH="228600" progId="Equation.DSMT4">
                     <p:embed/>
                   </p:oleObj>
                 </mc:Choice>
@@ -27295,20 +29012,20 @@
             <p:nvPr>
               <p:extLst>
                 <p:ext uri="{D42A27DB-BD31-4B8C-83A1-F6EECF244321}">
-                  <p14:modId xmlns:p14="http://schemas.microsoft.com/office/powerpoint/2010/main" val="100963990"/>
+                  <p14:modId xmlns:p14="http://schemas.microsoft.com/office/powerpoint/2010/main" val="312736606"/>
                 </p:ext>
               </p:extLst>
             </p:nvPr>
           </p:nvGraphicFramePr>
           <p:xfrm>
-            <a:off x="7381875" y="1916113"/>
-            <a:ext cx="1511300" cy="893762"/>
+            <a:off x="6802438" y="1937545"/>
+            <a:ext cx="1511299" cy="893762"/>
           </p:xfrm>
           <a:graphic>
             <a:graphicData uri="http://schemas.openxmlformats.org/presentationml/2006/ole">
               <mc:AlternateContent xmlns:mc="http://schemas.openxmlformats.org/markup-compatibility/2006">
                 <mc:Choice xmlns:v="urn:schemas-microsoft-com:vml" Requires="v">
-                  <p:oleObj spid="_x0000_s92368" r:id="rId7" imgW="748975" imgH="444307" progId="Equation.DSMT4">
+                  <p:oleObj spid="_x0000_s92413" r:id="rId7" imgW="748975" imgH="444307" progId="Equation.DSMT4">
                     <p:embed/>
                   </p:oleObj>
                 </mc:Choice>
@@ -27338,8 +29055,8 @@
                       </p:blipFill>
                       <p:spPr bwMode="auto">
                         <a:xfrm>
-                          <a:off x="7381875" y="1916113"/>
-                          <a:ext cx="1511300" cy="893762"/>
+                          <a:off x="6802438" y="1937545"/>
+                          <a:ext cx="1511299" cy="893762"/>
                         </a:xfrm>
                         <a:prstGeom prst="rect">
                           <a:avLst/>
@@ -27385,8 +29102,8 @@
           </p:nvSpPr>
           <p:spPr bwMode="auto">
             <a:xfrm>
-              <a:off x="6445250" y="2205038"/>
-              <a:ext cx="576263" cy="360362"/>
+              <a:off x="6154738" y="2204245"/>
+              <a:ext cx="576264" cy="360362"/>
             </a:xfrm>
             <a:prstGeom prst="rightArrow">
               <a:avLst>
@@ -27426,20 +29143,20 @@
             <p:nvPr>
               <p:extLst>
                 <p:ext uri="{D42A27DB-BD31-4B8C-83A1-F6EECF244321}">
-                  <p14:modId xmlns:p14="http://schemas.microsoft.com/office/powerpoint/2010/main" val="708693421"/>
+                  <p14:modId xmlns:p14="http://schemas.microsoft.com/office/powerpoint/2010/main" val="374254918"/>
                 </p:ext>
               </p:extLst>
             </p:nvPr>
           </p:nvGraphicFramePr>
           <p:xfrm>
-            <a:off x="5965825" y="2924175"/>
-            <a:ext cx="1689100" cy="893763"/>
+            <a:off x="4181821" y="2986280"/>
+            <a:ext cx="1689099" cy="893763"/>
           </p:xfrm>
           <a:graphic>
             <a:graphicData uri="http://schemas.openxmlformats.org/presentationml/2006/ole">
               <mc:AlternateContent xmlns:mc="http://schemas.openxmlformats.org/markup-compatibility/2006">
                 <mc:Choice xmlns:v="urn:schemas-microsoft-com:vml" Requires="v">
-                  <p:oleObj spid="_x0000_s92369" r:id="rId9" imgW="837836" imgH="444307" progId="Equation.DSMT4">
+                  <p:oleObj spid="_x0000_s92414" r:id="rId9" imgW="837836" imgH="444307" progId="Equation.DSMT4">
                     <p:embed/>
                   </p:oleObj>
                 </mc:Choice>
@@ -27469,8 +29186,8 @@
                       </p:blipFill>
                       <p:spPr bwMode="auto">
                         <a:xfrm>
-                          <a:off x="5965825" y="2924175"/>
-                          <a:ext cx="1689100" cy="893763"/>
+                          <a:off x="4181821" y="2986280"/>
+                          <a:ext cx="1689099" cy="893763"/>
                         </a:xfrm>
                         <a:prstGeom prst="rect">
                           <a:avLst/>
@@ -27528,7 +29245,7 @@
             <a:graphicData uri="http://schemas.openxmlformats.org/presentationml/2006/ole">
               <mc:AlternateContent xmlns:mc="http://schemas.openxmlformats.org/markup-compatibility/2006">
                 <mc:Choice xmlns:v="urn:schemas-microsoft-com:vml" Requires="v">
-                  <p:oleObj spid="_x0000_s92370" r:id="rId11" imgW="1079500" imgH="228600" progId="Equation.DSMT4">
+                  <p:oleObj spid="_x0000_s92415" r:id="rId11" imgW="1079500" imgH="228600" progId="Equation.DSMT4">
                     <p:embed/>
                   </p:oleObj>
                 </mc:Choice>
@@ -27596,6 +29313,114 @@
           </a:graphic>
         </p:graphicFrame>
       </p:grpSp>
+      <p:pic>
+        <p:nvPicPr>
+          <p:cNvPr id="11" name="图片 43"/>
+          <p:cNvPicPr>
+            <a:picLocks noChangeAspect="1" noChangeArrowheads="1"/>
+          </p:cNvPicPr>
+          <p:nvPr/>
+        </p:nvPicPr>
+        <p:blipFill>
+          <a:blip r:embed="rId13">
+            <a:extLst>
+              <a:ext uri="{28A0092B-C50C-407E-A947-70E740481C1C}">
+                <a14:useLocalDpi xmlns:a14="http://schemas.microsoft.com/office/drawing/2010/main" val="0"/>
+              </a:ext>
+            </a:extLst>
+          </a:blip>
+          <a:srcRect/>
+          <a:stretch>
+            <a:fillRect/>
+          </a:stretch>
+        </p:blipFill>
+        <p:spPr bwMode="auto">
+          <a:xfrm>
+            <a:off x="2371360" y="5128800"/>
+            <a:ext cx="1978921" cy="793846"/>
+          </a:xfrm>
+          <a:prstGeom prst="rect">
+            <a:avLst/>
+          </a:prstGeom>
+          <a:noFill/>
+          <a:ln>
+            <a:noFill/>
+          </a:ln>
+          <a:extLst>
+            <a:ext uri="{909E8E84-426E-40DD-AFC4-6F175D3DCCD1}">
+              <a14:hiddenFill xmlns:a14="http://schemas.microsoft.com/office/drawing/2010/main">
+                <a:solidFill>
+                  <a:srgbClr val="FFFFFF"/>
+                </a:solidFill>
+              </a14:hiddenFill>
+            </a:ext>
+            <a:ext uri="{91240B29-F687-4F45-9708-019B960494DF}">
+              <a14:hiddenLine xmlns:a14="http://schemas.microsoft.com/office/drawing/2010/main" w="9525">
+                <a:solidFill>
+                  <a:srgbClr val="000000"/>
+                </a:solidFill>
+                <a:miter lim="800000"/>
+                <a:headEnd/>
+                <a:tailEnd/>
+              </a14:hiddenLine>
+            </a:ext>
+          </a:extLst>
+        </p:spPr>
+      </p:pic>
+      <p:pic>
+        <p:nvPicPr>
+          <p:cNvPr id="12" name="图片 44"/>
+          <p:cNvPicPr>
+            <a:picLocks noChangeAspect="1" noChangeArrowheads="1"/>
+          </p:cNvPicPr>
+          <p:nvPr/>
+        </p:nvPicPr>
+        <p:blipFill>
+          <a:blip r:embed="rId14">
+            <a:extLst>
+              <a:ext uri="{28A0092B-C50C-407E-A947-70E740481C1C}">
+                <a14:useLocalDpi xmlns:a14="http://schemas.microsoft.com/office/drawing/2010/main" val="0"/>
+              </a:ext>
+            </a:extLst>
+          </a:blip>
+          <a:srcRect/>
+          <a:stretch>
+            <a:fillRect/>
+          </a:stretch>
+        </p:blipFill>
+        <p:spPr bwMode="auto">
+          <a:xfrm>
+            <a:off x="2489224" y="6006096"/>
+            <a:ext cx="1547238" cy="789407"/>
+          </a:xfrm>
+          <a:prstGeom prst="rect">
+            <a:avLst/>
+          </a:prstGeom>
+          <a:noFill/>
+          <a:ln>
+            <a:noFill/>
+          </a:ln>
+          <a:extLst>
+            <a:ext uri="{909E8E84-426E-40DD-AFC4-6F175D3DCCD1}">
+              <a14:hiddenFill xmlns:a14="http://schemas.microsoft.com/office/drawing/2010/main">
+                <a:solidFill>
+                  <a:srgbClr val="FFFFFF"/>
+                </a:solidFill>
+              </a14:hiddenFill>
+            </a:ext>
+            <a:ext uri="{91240B29-F687-4F45-9708-019B960494DF}">
+              <a14:hiddenLine xmlns:a14="http://schemas.microsoft.com/office/drawing/2010/main" w="9525">
+                <a:solidFill>
+                  <a:srgbClr val="000000"/>
+                </a:solidFill>
+                <a:miter lim="800000"/>
+                <a:headEnd/>
+                <a:tailEnd/>
+              </a14:hiddenLine>
+            </a:ext>
+          </a:extLst>
+        </p:spPr>
+      </p:pic>
     </p:spTree>
   </p:cSld>
   <p:clrMapOvr>
@@ -27673,6 +29498,10 @@
             <a:r>
               <a:rPr lang="zh-CN" altLang="en-US" b="1" dirty="0" smtClean="0"/>
               <a:t>单点源</a:t>
+            </a:r>
+            <a:r>
+              <a:rPr lang="zh-CN" altLang="en-US" b="1" dirty="0" smtClean="0"/>
+              <a:t>模拟</a:t>
             </a:r>
             <a:endParaRPr lang="zh-CN" altLang="en-US" dirty="0" smtClean="0"/>
           </a:p>
@@ -28000,8 +29829,8 @@
         </p:nvSpPr>
         <p:spPr bwMode="auto">
           <a:xfrm>
-            <a:off x="349250" y="5449247"/>
-            <a:ext cx="8570913" cy="831850"/>
+            <a:off x="457200" y="5449247"/>
+            <a:ext cx="8462963" cy="831850"/>
           </a:xfrm>
           <a:prstGeom prst="rect">
             <a:avLst/>
@@ -28015,15 +29844,18 @@
           </a:ln>
         </p:spPr>
         <p:txBody>
-          <a:bodyPr anchor="ctr">
+          <a:bodyPr wrap="square" anchor="ctr">
             <a:spAutoFit/>
           </a:bodyPr>
           <a:lstStyle/>
           <a:p>
-            <a:pPr defTabSz="914400" eaLnBrk="0" hangingPunct="0"/>
-            <a:r>
-              <a:rPr lang="zh-CN" altLang="en-US" sz="2400" dirty="0"/>
-              <a:t>结论：与</a:t>
+            <a:pPr marL="342900" indent="-342900" defTabSz="914400" eaLnBrk="0" hangingPunct="0">
+              <a:buFont typeface="Arial" charset="0"/>
+              <a:buChar char="•"/>
+            </a:pPr>
+            <a:r>
+              <a:rPr lang="zh-CN" altLang="en-US" sz="2400" dirty="0" smtClean="0"/>
+              <a:t>与</a:t>
             </a:r>
             <a:r>
               <a:rPr lang="en-US" altLang="zh-CN" sz="2400" dirty="0"/>
@@ -28248,6 +30080,293 @@
           <a:chExt cx="0" cy="0"/>
         </a:xfrm>
       </p:grpSpPr>
+      <p:sp>
+        <p:nvSpPr>
+          <p:cNvPr id="2" name="标题 1"/>
+          <p:cNvSpPr>
+            <a:spLocks noGrp="1"/>
+          </p:cNvSpPr>
+          <p:nvPr>
+            <p:ph type="title"/>
+          </p:nvPr>
+        </p:nvSpPr>
+        <p:spPr>
+          <a:xfrm>
+            <a:off x="1345842" y="150460"/>
+            <a:ext cx="7798158" cy="756845"/>
+          </a:xfrm>
+        </p:spPr>
+        <p:txBody>
+          <a:bodyPr/>
+          <a:lstStyle/>
+          <a:p>
+            <a:r>
+              <a:rPr lang="en-US" altLang="zh-CN" b="1" dirty="0" smtClean="0"/>
+              <a:t>ISGS</a:t>
+            </a:r>
+            <a:r>
+              <a:rPr lang="zh-CN" altLang="en-US" b="1" dirty="0"/>
+              <a:t>技术</a:t>
+            </a:r>
+            <a:r>
+              <a:rPr lang="zh-CN" altLang="en-US" b="1" dirty="0" smtClean="0"/>
+              <a:t>验证</a:t>
+            </a:r>
+            <a:r>
+              <a:rPr lang="en-US" altLang="zh-CN" b="1" dirty="0" smtClean="0"/>
+              <a:t>-</a:t>
+            </a:r>
+            <a:r>
+              <a:rPr lang="zh-CN" altLang="en-US" b="1" dirty="0" smtClean="0"/>
+              <a:t>单</a:t>
+            </a:r>
+            <a:r>
+              <a:rPr lang="zh-CN" altLang="en-US" b="1" dirty="0" smtClean="0"/>
+              <a:t>点源</a:t>
+            </a:r>
+            <a:r>
+              <a:rPr lang="zh-CN" altLang="en-US" b="1" dirty="0" smtClean="0"/>
+              <a:t>实验</a:t>
+            </a:r>
+            <a:endParaRPr lang="zh-CN" altLang="en-US" dirty="0"/>
+          </a:p>
+        </p:txBody>
+      </p:sp>
+      <p:sp>
+        <p:nvSpPr>
+          <p:cNvPr id="4" name="Rectangle 5"/>
+          <p:cNvSpPr>
+            <a:spLocks noChangeArrowheads="1"/>
+          </p:cNvSpPr>
+          <p:nvPr/>
+        </p:nvSpPr>
+        <p:spPr bwMode="auto">
+          <a:xfrm>
+            <a:off x="516193" y="1112115"/>
+            <a:ext cx="7872621" cy="461665"/>
+          </a:xfrm>
+          <a:prstGeom prst="rect">
+            <a:avLst/>
+          </a:prstGeom>
+          <a:noFill/>
+          <a:ln w="9525">
+            <a:noFill/>
+            <a:miter lim="800000"/>
+            <a:headEnd/>
+            <a:tailEnd/>
+          </a:ln>
+        </p:spPr>
+        <p:txBody>
+          <a:bodyPr wrap="square" anchor="ctr">
+            <a:spAutoFit/>
+          </a:bodyPr>
+          <a:lstStyle/>
+          <a:p>
+            <a:pPr defTabSz="914400" eaLnBrk="0" hangingPunct="0"/>
+            <a:r>
+              <a:rPr lang="zh-CN" altLang="en-US" sz="2400" dirty="0" smtClean="0">
+                <a:latin typeface="楷体"/>
+                <a:ea typeface="楷体"/>
+                <a:cs typeface="Arial" charset="0"/>
+              </a:rPr>
+              <a:t>废物</a:t>
+            </a:r>
+            <a:r>
+              <a:rPr lang="zh-CN" altLang="en-US" sz="2400" dirty="0" smtClean="0">
+                <a:latin typeface="楷体"/>
+                <a:ea typeface="楷体"/>
+                <a:cs typeface="Arial" charset="0"/>
+              </a:rPr>
+              <a:t>桶中</a:t>
+            </a:r>
+            <a:r>
+              <a:rPr lang="zh-CN" altLang="en-US" sz="2400" dirty="0" smtClean="0">
+                <a:latin typeface="楷体"/>
+                <a:ea typeface="楷体"/>
+                <a:cs typeface="Arial" charset="0"/>
+              </a:rPr>
+              <a:t>单</a:t>
+            </a:r>
+            <a:r>
+              <a:rPr lang="zh-CN" altLang="en-US" sz="2400" dirty="0" smtClean="0">
+                <a:latin typeface="楷体"/>
+                <a:ea typeface="楷体"/>
+                <a:cs typeface="Arial" charset="0"/>
+              </a:rPr>
+              <a:t>点源</a:t>
+            </a:r>
+            <a:r>
+              <a:rPr lang="zh-CN" altLang="en-US" sz="2400" dirty="0" smtClean="0">
+                <a:latin typeface="楷体"/>
+                <a:ea typeface="楷体"/>
+                <a:cs typeface="Arial" charset="0"/>
+              </a:rPr>
+              <a:t>活度实验测量</a:t>
+            </a:r>
+            <a:r>
+              <a:rPr lang="zh-CN" altLang="en-US" sz="2400" dirty="0" smtClean="0">
+                <a:latin typeface="楷体"/>
+                <a:ea typeface="楷体"/>
+                <a:cs typeface="Arial" charset="0"/>
+              </a:rPr>
+              <a:t>误差</a:t>
+            </a:r>
+            <a:r>
+              <a:rPr lang="zh-CN" altLang="en-US" sz="2400" dirty="0" smtClean="0">
+                <a:latin typeface="楷体"/>
+                <a:ea typeface="楷体"/>
+                <a:cs typeface="Arial" charset="0"/>
+              </a:rPr>
+              <a:t>对比</a:t>
+            </a:r>
+            <a:endParaRPr lang="zh-CN" altLang="en-US" sz="2400" dirty="0">
+              <a:cs typeface="Arial" charset="0"/>
+            </a:endParaRPr>
+          </a:p>
+        </p:txBody>
+      </p:sp>
+      <p:graphicFrame>
+        <p:nvGraphicFramePr>
+          <p:cNvPr id="19" name="图表 18"/>
+          <p:cNvGraphicFramePr/>
+          <p:nvPr>
+            <p:extLst>
+              <p:ext uri="{D42A27DB-BD31-4B8C-83A1-F6EECF244321}">
+                <p14:modId xmlns:p14="http://schemas.microsoft.com/office/powerpoint/2010/main" val="1205588474"/>
+              </p:ext>
+            </p:extLst>
+          </p:nvPr>
+        </p:nvGraphicFramePr>
+        <p:xfrm>
+          <a:off x="516194" y="1778591"/>
+          <a:ext cx="7872621" cy="3689412"/>
+        </p:xfrm>
+        <a:graphic>
+          <a:graphicData uri="http://schemas.openxmlformats.org/drawingml/2006/chart">
+            <c:chart xmlns:c="http://schemas.openxmlformats.org/drawingml/2006/chart" xmlns:r="http://schemas.openxmlformats.org/officeDocument/2006/relationships" r:id="rId3"/>
+          </a:graphicData>
+        </a:graphic>
+      </p:graphicFrame>
+      <p:sp>
+        <p:nvSpPr>
+          <p:cNvPr id="22" name="Rectangle 5"/>
+          <p:cNvSpPr>
+            <a:spLocks noChangeArrowheads="1"/>
+          </p:cNvSpPr>
+          <p:nvPr/>
+        </p:nvSpPr>
+        <p:spPr bwMode="auto">
+          <a:xfrm>
+            <a:off x="516194" y="5468003"/>
+            <a:ext cx="7872621" cy="830997"/>
+          </a:xfrm>
+          <a:prstGeom prst="rect">
+            <a:avLst/>
+          </a:prstGeom>
+          <a:noFill/>
+          <a:ln w="9525">
+            <a:noFill/>
+            <a:miter lim="800000"/>
+            <a:headEnd/>
+            <a:tailEnd/>
+          </a:ln>
+        </p:spPr>
+        <p:txBody>
+          <a:bodyPr wrap="square" anchor="ctr">
+            <a:spAutoFit/>
+          </a:bodyPr>
+          <a:lstStyle/>
+          <a:p>
+            <a:pPr marL="342900" indent="-342900" defTabSz="914400" eaLnBrk="0" hangingPunct="0">
+              <a:buFont typeface="Arial" charset="0"/>
+              <a:buChar char="•"/>
+            </a:pPr>
+            <a:r>
+              <a:rPr lang="zh-CN" altLang="en-US" sz="2400" dirty="0" smtClean="0"/>
+              <a:t>与</a:t>
+            </a:r>
+            <a:r>
+              <a:rPr lang="en-US" altLang="zh-CN" sz="2400" dirty="0"/>
+              <a:t>SGS</a:t>
+            </a:r>
+            <a:r>
+              <a:rPr lang="zh-CN" altLang="en-US" sz="2400" dirty="0"/>
+              <a:t>相比</a:t>
+            </a:r>
+            <a:r>
+              <a:rPr lang="zh-CN" altLang="en-US" sz="2400" dirty="0" smtClean="0"/>
+              <a:t>，</a:t>
+            </a:r>
+            <a:r>
+              <a:rPr lang="en-US" altLang="zh-CN" sz="2400" dirty="0" smtClean="0"/>
+              <a:t>ISGS</a:t>
+            </a:r>
+            <a:r>
+              <a:rPr lang="zh-CN" altLang="en-US" sz="2400" dirty="0" smtClean="0"/>
+              <a:t>技术</a:t>
+            </a:r>
+            <a:r>
+              <a:rPr lang="zh-CN" altLang="en-US" sz="2400" dirty="0" smtClean="0"/>
+              <a:t>的</a:t>
+            </a:r>
+            <a:r>
+              <a:rPr lang="zh-CN" altLang="en-US" sz="2400" dirty="0" smtClean="0"/>
+              <a:t>实验测量</a:t>
+            </a:r>
+            <a:r>
+              <a:rPr lang="zh-CN" altLang="zh-CN" sz="2400" dirty="0" smtClean="0"/>
+              <a:t>误差</a:t>
+            </a:r>
+            <a:r>
+              <a:rPr lang="zh-CN" altLang="en-US" sz="2400" dirty="0" smtClean="0"/>
+              <a:t>有</a:t>
+            </a:r>
+            <a:r>
+              <a:rPr lang="zh-CN" altLang="en-US" sz="2400" dirty="0" smtClean="0"/>
+              <a:t>不同程度的</a:t>
+            </a:r>
+            <a:r>
+              <a:rPr lang="zh-CN" altLang="en-US" sz="2400" dirty="0" smtClean="0"/>
+              <a:t>降低，</a:t>
+            </a:r>
+            <a:r>
+              <a:rPr lang="zh-CN" altLang="en-US" sz="2400" dirty="0" smtClean="0"/>
+              <a:t>与模拟结果相吻合</a:t>
+            </a:r>
+            <a:endParaRPr lang="zh-CN" altLang="en-US" sz="2400" dirty="0"/>
+          </a:p>
+        </p:txBody>
+      </p:sp>
+    </p:spTree>
+    <p:extLst>
+      <p:ext uri="{BB962C8B-B14F-4D97-AF65-F5344CB8AC3E}">
+        <p14:creationId xmlns:p14="http://schemas.microsoft.com/office/powerpoint/2010/main" val="1315599228"/>
+      </p:ext>
+    </p:extLst>
+  </p:cSld>
+  <p:clrMapOvr>
+    <a:masterClrMapping/>
+  </p:clrMapOvr>
+</p:sld>
+</file>
+
+<file path=ppt/slides/slide25.xml><?xml version="1.0" encoding="utf-8"?>
+<p:sld xmlns:a="http://schemas.openxmlformats.org/drawingml/2006/main" xmlns:r="http://schemas.openxmlformats.org/officeDocument/2006/relationships" xmlns:p="http://schemas.openxmlformats.org/presentationml/2006/main">
+  <p:cSld>
+    <p:spTree>
+      <p:nvGrpSpPr>
+        <p:cNvPr id="1" name=""/>
+        <p:cNvGrpSpPr/>
+        <p:nvPr/>
+      </p:nvGrpSpPr>
+      <p:grpSpPr>
+        <a:xfrm>
+          <a:off x="0" y="0"/>
+          <a:ext cx="0" cy="0"/>
+          <a:chOff x="0" y="0"/>
+          <a:chExt cx="0" cy="0"/>
+        </a:xfrm>
+      </p:grpSpPr>
       <p:graphicFrame>
         <p:nvGraphicFramePr>
           <p:cNvPr id="21" name="图表 20"/>
@@ -28255,14 +30374,14 @@
           <p:nvPr>
             <p:extLst>
               <p:ext uri="{D42A27DB-BD31-4B8C-83A1-F6EECF244321}">
-                <p14:modId xmlns:p14="http://schemas.microsoft.com/office/powerpoint/2010/main" val="469222477"/>
+                <p14:modId xmlns:p14="http://schemas.microsoft.com/office/powerpoint/2010/main" val="903583568"/>
               </p:ext>
             </p:extLst>
           </p:nvPr>
         </p:nvGraphicFramePr>
         <p:xfrm>
-          <a:off x="4359729" y="1442602"/>
-          <a:ext cx="4784271" cy="4292719"/>
+          <a:off x="4359729" y="1567779"/>
+          <a:ext cx="4784271" cy="4102792"/>
         </p:xfrm>
         <a:graphic>
           <a:graphicData uri="http://schemas.openxmlformats.org/drawingml/2006/chart">
@@ -28467,14 +30586,14 @@
           <p:nvPr>
             <p:extLst>
               <p:ext uri="{D42A27DB-BD31-4B8C-83A1-F6EECF244321}">
-                <p14:modId xmlns:p14="http://schemas.microsoft.com/office/powerpoint/2010/main" val="3153192149"/>
+                <p14:modId xmlns:p14="http://schemas.microsoft.com/office/powerpoint/2010/main" val="195163391"/>
               </p:ext>
             </p:extLst>
           </p:nvPr>
         </p:nvGraphicFramePr>
         <p:xfrm>
-          <a:off x="-1" y="1431594"/>
-          <a:ext cx="4620211" cy="4292720"/>
+          <a:off x="-1" y="1556770"/>
+          <a:ext cx="4620211" cy="4113800"/>
         </p:xfrm>
         <a:graphic>
           <a:graphicData uri="http://schemas.openxmlformats.org/drawingml/2006/chart">
@@ -28512,10 +30631,13 @@
           </a:bodyPr>
           <a:lstStyle/>
           <a:p>
-            <a:pPr defTabSz="914400" eaLnBrk="0" hangingPunct="0"/>
-            <a:r>
-              <a:rPr lang="zh-CN" altLang="en-US" sz="2400" dirty="0"/>
-              <a:t>结论：与</a:t>
+            <a:pPr marL="342900" indent="-342900" defTabSz="914400" eaLnBrk="0" hangingPunct="0">
+              <a:buFont typeface="Arial" charset="0"/>
+              <a:buChar char="•"/>
+            </a:pPr>
+            <a:r>
+              <a:rPr lang="zh-CN" altLang="en-US" sz="2400" dirty="0" smtClean="0"/>
+              <a:t>与</a:t>
             </a:r>
             <a:r>
               <a:rPr lang="en-US" altLang="zh-CN" sz="2400" dirty="0"/>
@@ -28574,7 +30696,1398 @@
 </p:sld>
 </file>
 
-<file path=ppt/slides/slide25.xml><?xml version="1.0" encoding="utf-8"?>
+<file path=ppt/slides/slide26.xml><?xml version="1.0" encoding="utf-8"?>
+<p:sld xmlns:a="http://schemas.openxmlformats.org/drawingml/2006/main" xmlns:r="http://schemas.openxmlformats.org/officeDocument/2006/relationships" xmlns:p="http://schemas.openxmlformats.org/presentationml/2006/main">
+  <p:cSld>
+    <p:spTree>
+      <p:nvGrpSpPr>
+        <p:cNvPr id="1" name=""/>
+        <p:cNvGrpSpPr/>
+        <p:nvPr/>
+      </p:nvGrpSpPr>
+      <p:grpSpPr>
+        <a:xfrm>
+          <a:off x="0" y="0"/>
+          <a:ext cx="0" cy="0"/>
+          <a:chOff x="0" y="0"/>
+          <a:chExt cx="0" cy="0"/>
+        </a:xfrm>
+      </p:grpSpPr>
+      <p:pic>
+        <p:nvPicPr>
+          <p:cNvPr id="57346" name="Picture 4"/>
+          <p:cNvPicPr>
+            <a:picLocks noChangeAspect="1" noChangeArrowheads="1"/>
+          </p:cNvPicPr>
+          <p:nvPr/>
+        </p:nvPicPr>
+        <p:blipFill>
+          <a:blip r:embed="rId3">
+            <a:extLst>
+              <a:ext uri="{28A0092B-C50C-407E-A947-70E740481C1C}">
+                <a14:useLocalDpi xmlns:a14="http://schemas.microsoft.com/office/drawing/2010/main" val="0"/>
+              </a:ext>
+            </a:extLst>
+          </a:blip>
+          <a:srcRect/>
+          <a:stretch>
+            <a:fillRect/>
+          </a:stretch>
+        </p:blipFill>
+        <p:spPr bwMode="auto">
+          <a:xfrm>
+            <a:off x="2338388" y="979488"/>
+            <a:ext cx="6351587" cy="3570287"/>
+          </a:xfrm>
+          <a:prstGeom prst="rect">
+            <a:avLst/>
+          </a:prstGeom>
+          <a:noFill/>
+          <a:ln>
+            <a:noFill/>
+          </a:ln>
+          <a:extLst>
+            <a:ext uri="{909E8E84-426E-40DD-AFC4-6F175D3DCCD1}">
+              <a14:hiddenFill xmlns:a14="http://schemas.microsoft.com/office/drawing/2010/main">
+                <a:solidFill>
+                  <a:srgbClr val="FFFFFF"/>
+                </a:solidFill>
+              </a14:hiddenFill>
+            </a:ext>
+            <a:ext uri="{91240B29-F687-4F45-9708-019B960494DF}">
+              <a14:hiddenLine xmlns:a14="http://schemas.microsoft.com/office/drawing/2010/main" w="9525">
+                <a:solidFill>
+                  <a:srgbClr val="000000"/>
+                </a:solidFill>
+                <a:miter lim="800000"/>
+                <a:headEnd/>
+                <a:tailEnd/>
+              </a14:hiddenLine>
+            </a:ext>
+          </a:extLst>
+        </p:spPr>
+      </p:pic>
+      <p:pic>
+        <p:nvPicPr>
+          <p:cNvPr id="57347" name="图片 67587"/>
+          <p:cNvPicPr>
+            <a:picLocks noChangeAspect="1" noChangeArrowheads="1"/>
+          </p:cNvPicPr>
+          <p:nvPr/>
+        </p:nvPicPr>
+        <p:blipFill>
+          <a:blip r:embed="rId4">
+            <a:extLst>
+              <a:ext uri="{28A0092B-C50C-407E-A947-70E740481C1C}">
+                <a14:useLocalDpi xmlns:a14="http://schemas.microsoft.com/office/drawing/2010/main" val="0"/>
+              </a:ext>
+            </a:extLst>
+          </a:blip>
+          <a:srcRect/>
+          <a:stretch>
+            <a:fillRect/>
+          </a:stretch>
+        </p:blipFill>
+        <p:spPr bwMode="auto">
+          <a:xfrm>
+            <a:off x="3419475" y="4797425"/>
+            <a:ext cx="2665413" cy="1646238"/>
+          </a:xfrm>
+          <a:prstGeom prst="rect">
+            <a:avLst/>
+          </a:prstGeom>
+          <a:noFill/>
+          <a:ln>
+            <a:noFill/>
+          </a:ln>
+          <a:extLst>
+            <a:ext uri="{909E8E84-426E-40DD-AFC4-6F175D3DCCD1}">
+              <a14:hiddenFill xmlns:a14="http://schemas.microsoft.com/office/drawing/2010/main">
+                <a:solidFill>
+                  <a:srgbClr val="FFFFFF"/>
+                </a:solidFill>
+              </a14:hiddenFill>
+            </a:ext>
+            <a:ext uri="{91240B29-F687-4F45-9708-019B960494DF}">
+              <a14:hiddenLine xmlns:a14="http://schemas.microsoft.com/office/drawing/2010/main" w="9525">
+                <a:solidFill>
+                  <a:srgbClr val="000000"/>
+                </a:solidFill>
+                <a:miter lim="800000"/>
+                <a:headEnd/>
+                <a:tailEnd/>
+              </a14:hiddenLine>
+            </a:ext>
+          </a:extLst>
+        </p:spPr>
+      </p:pic>
+      <p:pic>
+        <p:nvPicPr>
+          <p:cNvPr id="57348" name="图片 79879"/>
+          <p:cNvPicPr>
+            <a:picLocks noChangeAspect="1" noChangeArrowheads="1"/>
+          </p:cNvPicPr>
+          <p:nvPr/>
+        </p:nvPicPr>
+        <p:blipFill>
+          <a:blip r:embed="rId5">
+            <a:extLst>
+              <a:ext uri="{28A0092B-C50C-407E-A947-70E740481C1C}">
+                <a14:useLocalDpi xmlns:a14="http://schemas.microsoft.com/office/drawing/2010/main" val="0"/>
+              </a:ext>
+            </a:extLst>
+          </a:blip>
+          <a:srcRect/>
+          <a:stretch>
+            <a:fillRect/>
+          </a:stretch>
+        </p:blipFill>
+        <p:spPr bwMode="auto">
+          <a:xfrm>
+            <a:off x="393700" y="2924175"/>
+            <a:ext cx="1525588" cy="1549400"/>
+          </a:xfrm>
+          <a:prstGeom prst="rect">
+            <a:avLst/>
+          </a:prstGeom>
+          <a:noFill/>
+          <a:ln>
+            <a:noFill/>
+          </a:ln>
+          <a:extLst>
+            <a:ext uri="{909E8E84-426E-40DD-AFC4-6F175D3DCCD1}">
+              <a14:hiddenFill xmlns:a14="http://schemas.microsoft.com/office/drawing/2010/main">
+                <a:solidFill>
+                  <a:srgbClr val="FFFFFF"/>
+                </a:solidFill>
+              </a14:hiddenFill>
+            </a:ext>
+            <a:ext uri="{91240B29-F687-4F45-9708-019B960494DF}">
+              <a14:hiddenLine xmlns:a14="http://schemas.microsoft.com/office/drawing/2010/main" w="9525">
+                <a:solidFill>
+                  <a:srgbClr val="000000"/>
+                </a:solidFill>
+                <a:miter lim="800000"/>
+                <a:headEnd/>
+                <a:tailEnd/>
+              </a14:hiddenLine>
+            </a:ext>
+          </a:extLst>
+        </p:spPr>
+      </p:pic>
+      <p:pic>
+        <p:nvPicPr>
+          <p:cNvPr id="57349" name="Picture 7"/>
+          <p:cNvPicPr>
+            <a:picLocks noChangeAspect="1" noChangeArrowheads="1"/>
+          </p:cNvPicPr>
+          <p:nvPr/>
+        </p:nvPicPr>
+        <p:blipFill>
+          <a:blip r:embed="rId6">
+            <a:extLst>
+              <a:ext uri="{28A0092B-C50C-407E-A947-70E740481C1C}">
+                <a14:useLocalDpi xmlns:a14="http://schemas.microsoft.com/office/drawing/2010/main" val="0"/>
+              </a:ext>
+            </a:extLst>
+          </a:blip>
+          <a:srcRect/>
+          <a:stretch>
+            <a:fillRect/>
+          </a:stretch>
+        </p:blipFill>
+        <p:spPr bwMode="auto">
+          <a:xfrm>
+            <a:off x="7092950" y="4870450"/>
+            <a:ext cx="1628775" cy="1533525"/>
+          </a:xfrm>
+          <a:prstGeom prst="rect">
+            <a:avLst/>
+          </a:prstGeom>
+          <a:noFill/>
+          <a:ln>
+            <a:noFill/>
+          </a:ln>
+          <a:effectLst/>
+          <a:extLst>
+            <a:ext uri="{909E8E84-426E-40DD-AFC4-6F175D3DCCD1}">
+              <a14:hiddenFill xmlns:a14="http://schemas.microsoft.com/office/drawing/2010/main">
+                <a:solidFill>
+                  <a:schemeClr val="accent1"/>
+                </a:solidFill>
+              </a14:hiddenFill>
+            </a:ext>
+            <a:ext uri="{91240B29-F687-4F45-9708-019B960494DF}">
+              <a14:hiddenLine xmlns:a14="http://schemas.microsoft.com/office/drawing/2010/main" w="9525">
+                <a:solidFill>
+                  <a:schemeClr val="tx1"/>
+                </a:solidFill>
+                <a:miter lim="800000"/>
+                <a:headEnd/>
+                <a:tailEnd/>
+              </a14:hiddenLine>
+            </a:ext>
+            <a:ext uri="{AF507438-7753-43E0-B8FC-AC1667EBCBE1}">
+              <a14:hiddenEffects xmlns:a14="http://schemas.microsoft.com/office/drawing/2010/main">
+                <a:effectLst>
+                  <a:outerShdw blurRad="63500" dist="38099" dir="2700000" algn="ctr" rotWithShape="0">
+                    <a:schemeClr val="bg2">
+                      <a:alpha val="74998"/>
+                    </a:schemeClr>
+                  </a:outerShdw>
+                </a:effectLst>
+              </a14:hiddenEffects>
+            </a:ext>
+          </a:extLst>
+        </p:spPr>
+      </p:pic>
+      <p:pic>
+        <p:nvPicPr>
+          <p:cNvPr id="57350" name="Picture 8"/>
+          <p:cNvPicPr>
+            <a:picLocks noChangeAspect="1" noChangeArrowheads="1"/>
+          </p:cNvPicPr>
+          <p:nvPr/>
+        </p:nvPicPr>
+        <p:blipFill>
+          <a:blip r:embed="rId7">
+            <a:extLst>
+              <a:ext uri="{28A0092B-C50C-407E-A947-70E740481C1C}">
+                <a14:useLocalDpi xmlns:a14="http://schemas.microsoft.com/office/drawing/2010/main" val="0"/>
+              </a:ext>
+            </a:extLst>
+          </a:blip>
+          <a:srcRect/>
+          <a:stretch>
+            <a:fillRect/>
+          </a:stretch>
+        </p:blipFill>
+        <p:spPr bwMode="auto">
+          <a:xfrm>
+            <a:off x="322263" y="1123950"/>
+            <a:ext cx="1657350" cy="1524000"/>
+          </a:xfrm>
+          <a:prstGeom prst="rect">
+            <a:avLst/>
+          </a:prstGeom>
+          <a:noFill/>
+          <a:ln>
+            <a:noFill/>
+          </a:ln>
+          <a:extLst>
+            <a:ext uri="{909E8E84-426E-40DD-AFC4-6F175D3DCCD1}">
+              <a14:hiddenFill xmlns:a14="http://schemas.microsoft.com/office/drawing/2010/main">
+                <a:solidFill>
+                  <a:srgbClr val="FFFFFF"/>
+                </a:solidFill>
+              </a14:hiddenFill>
+            </a:ext>
+            <a:ext uri="{91240B29-F687-4F45-9708-019B960494DF}">
+              <a14:hiddenLine xmlns:a14="http://schemas.microsoft.com/office/drawing/2010/main" w="9525">
+                <a:solidFill>
+                  <a:srgbClr val="000000"/>
+                </a:solidFill>
+                <a:miter lim="800000"/>
+                <a:headEnd/>
+                <a:tailEnd/>
+              </a14:hiddenLine>
+            </a:ext>
+          </a:extLst>
+        </p:spPr>
+      </p:pic>
+      <p:sp>
+        <p:nvSpPr>
+          <p:cNvPr id="57351" name="文本框 55"/>
+          <p:cNvSpPr txBox="1">
+            <a:spLocks noChangeArrowheads="1"/>
+          </p:cNvSpPr>
+          <p:nvPr/>
+        </p:nvSpPr>
+        <p:spPr bwMode="auto">
+          <a:xfrm>
+            <a:off x="0" y="2636838"/>
+            <a:ext cx="3033713" cy="368300"/>
+          </a:xfrm>
+          <a:prstGeom prst="rect">
+            <a:avLst/>
+          </a:prstGeom>
+          <a:noFill/>
+          <a:ln>
+            <a:noFill/>
+          </a:ln>
+          <a:extLst>
+            <a:ext uri="{909E8E84-426E-40DD-AFC4-6F175D3DCCD1}">
+              <a14:hiddenFill xmlns:a14="http://schemas.microsoft.com/office/drawing/2010/main">
+                <a:solidFill>
+                  <a:srgbClr val="FFFFFF"/>
+                </a:solidFill>
+              </a14:hiddenFill>
+            </a:ext>
+            <a:ext uri="{91240B29-F687-4F45-9708-019B960494DF}">
+              <a14:hiddenLine xmlns:a14="http://schemas.microsoft.com/office/drawing/2010/main" w="9525">
+                <a:solidFill>
+                  <a:srgbClr val="000000"/>
+                </a:solidFill>
+                <a:miter lim="800000"/>
+                <a:headEnd/>
+                <a:tailEnd/>
+              </a14:hiddenLine>
+            </a:ext>
+          </a:extLst>
+        </p:spPr>
+        <p:txBody>
+          <a:bodyPr>
+            <a:spAutoFit/>
+          </a:bodyPr>
+          <a:lstStyle>
+            <a:lvl1pPr>
+              <a:buFont typeface="Arial" charset="0"/>
+              <a:defRPr>
+                <a:solidFill>
+                  <a:schemeClr val="tx1"/>
+                </a:solidFill>
+                <a:latin typeface="Arial" charset="0"/>
+                <a:ea typeface="宋体" charset="0"/>
+              </a:defRPr>
+            </a:lvl1pPr>
+            <a:lvl2pPr marL="742950" indent="-285750">
+              <a:buFont typeface="Arial" charset="0"/>
+              <a:defRPr>
+                <a:solidFill>
+                  <a:schemeClr val="tx1"/>
+                </a:solidFill>
+                <a:latin typeface="Arial" charset="0"/>
+                <a:ea typeface="宋体" charset="0"/>
+              </a:defRPr>
+            </a:lvl2pPr>
+            <a:lvl3pPr marL="1143000" indent="-228600">
+              <a:buFont typeface="Arial" charset="0"/>
+              <a:defRPr>
+                <a:solidFill>
+                  <a:schemeClr val="tx1"/>
+                </a:solidFill>
+                <a:latin typeface="Arial" charset="0"/>
+                <a:ea typeface="宋体" charset="0"/>
+              </a:defRPr>
+            </a:lvl3pPr>
+            <a:lvl4pPr marL="1600200" indent="-228600">
+              <a:buFont typeface="Arial" charset="0"/>
+              <a:defRPr>
+                <a:solidFill>
+                  <a:schemeClr val="tx1"/>
+                </a:solidFill>
+                <a:latin typeface="Arial" charset="0"/>
+                <a:ea typeface="宋体" charset="0"/>
+              </a:defRPr>
+            </a:lvl4pPr>
+            <a:lvl5pPr marL="2057400" indent="-228600">
+              <a:buFont typeface="Arial" charset="0"/>
+              <a:defRPr>
+                <a:solidFill>
+                  <a:schemeClr val="tx1"/>
+                </a:solidFill>
+                <a:latin typeface="Arial" charset="0"/>
+                <a:ea typeface="宋体" charset="0"/>
+              </a:defRPr>
+            </a:lvl5pPr>
+            <a:lvl6pPr marL="2514600" indent="-228600" eaLnBrk="0" fontAlgn="base" hangingPunct="0">
+              <a:spcBef>
+                <a:spcPct val="0"/>
+              </a:spcBef>
+              <a:spcAft>
+                <a:spcPct val="0"/>
+              </a:spcAft>
+              <a:buFont typeface="Arial" charset="0"/>
+              <a:defRPr>
+                <a:solidFill>
+                  <a:schemeClr val="tx1"/>
+                </a:solidFill>
+                <a:latin typeface="Arial" charset="0"/>
+                <a:ea typeface="宋体" charset="0"/>
+              </a:defRPr>
+            </a:lvl6pPr>
+            <a:lvl7pPr marL="2971800" indent="-228600" eaLnBrk="0" fontAlgn="base" hangingPunct="0">
+              <a:spcBef>
+                <a:spcPct val="0"/>
+              </a:spcBef>
+              <a:spcAft>
+                <a:spcPct val="0"/>
+              </a:spcAft>
+              <a:buFont typeface="Arial" charset="0"/>
+              <a:defRPr>
+                <a:solidFill>
+                  <a:schemeClr val="tx1"/>
+                </a:solidFill>
+                <a:latin typeface="Arial" charset="0"/>
+                <a:ea typeface="宋体" charset="0"/>
+              </a:defRPr>
+            </a:lvl7pPr>
+            <a:lvl8pPr marL="3429000" indent="-228600" eaLnBrk="0" fontAlgn="base" hangingPunct="0">
+              <a:spcBef>
+                <a:spcPct val="0"/>
+              </a:spcBef>
+              <a:spcAft>
+                <a:spcPct val="0"/>
+              </a:spcAft>
+              <a:buFont typeface="Arial" charset="0"/>
+              <a:defRPr>
+                <a:solidFill>
+                  <a:schemeClr val="tx1"/>
+                </a:solidFill>
+                <a:latin typeface="Arial" charset="0"/>
+                <a:ea typeface="宋体" charset="0"/>
+              </a:defRPr>
+            </a:lvl8pPr>
+            <a:lvl9pPr marL="3886200" indent="-228600" eaLnBrk="0" fontAlgn="base" hangingPunct="0">
+              <a:spcBef>
+                <a:spcPct val="0"/>
+              </a:spcBef>
+              <a:spcAft>
+                <a:spcPct val="0"/>
+              </a:spcAft>
+              <a:buFont typeface="Arial" charset="0"/>
+              <a:defRPr>
+                <a:solidFill>
+                  <a:schemeClr val="tx1"/>
+                </a:solidFill>
+                <a:latin typeface="Arial" charset="0"/>
+                <a:ea typeface="宋体" charset="0"/>
+              </a:defRPr>
+            </a:lvl9pPr>
+          </a:lstStyle>
+          <a:p>
+            <a:pPr eaLnBrk="1" hangingPunct="1"/>
+            <a:r>
+              <a:rPr lang="en-US" altLang="zh-CN" b="1"/>
+              <a:t>TGS</a:t>
+            </a:r>
+          </a:p>
+        </p:txBody>
+      </p:sp>
+      <p:sp>
+        <p:nvSpPr>
+          <p:cNvPr id="57352" name="文本框 55"/>
+          <p:cNvSpPr txBox="1">
+            <a:spLocks noChangeArrowheads="1"/>
+          </p:cNvSpPr>
+          <p:nvPr/>
+        </p:nvSpPr>
+        <p:spPr bwMode="auto">
+          <a:xfrm>
+            <a:off x="0" y="908050"/>
+            <a:ext cx="3033713" cy="368300"/>
+          </a:xfrm>
+          <a:prstGeom prst="rect">
+            <a:avLst/>
+          </a:prstGeom>
+          <a:noFill/>
+          <a:ln>
+            <a:noFill/>
+          </a:ln>
+          <a:extLst>
+            <a:ext uri="{909E8E84-426E-40DD-AFC4-6F175D3DCCD1}">
+              <a14:hiddenFill xmlns:a14="http://schemas.microsoft.com/office/drawing/2010/main">
+                <a:solidFill>
+                  <a:srgbClr val="FFFFFF"/>
+                </a:solidFill>
+              </a14:hiddenFill>
+            </a:ext>
+            <a:ext uri="{91240B29-F687-4F45-9708-019B960494DF}">
+              <a14:hiddenLine xmlns:a14="http://schemas.microsoft.com/office/drawing/2010/main" w="9525">
+                <a:solidFill>
+                  <a:srgbClr val="000000"/>
+                </a:solidFill>
+                <a:miter lim="800000"/>
+                <a:headEnd/>
+                <a:tailEnd/>
+              </a14:hiddenLine>
+            </a:ext>
+          </a:extLst>
+        </p:spPr>
+        <p:txBody>
+          <a:bodyPr>
+            <a:spAutoFit/>
+          </a:bodyPr>
+          <a:lstStyle>
+            <a:lvl1pPr>
+              <a:buFont typeface="Arial" charset="0"/>
+              <a:defRPr>
+                <a:solidFill>
+                  <a:schemeClr val="tx1"/>
+                </a:solidFill>
+                <a:latin typeface="Arial" charset="0"/>
+                <a:ea typeface="宋体" charset="0"/>
+              </a:defRPr>
+            </a:lvl1pPr>
+            <a:lvl2pPr marL="742950" indent="-285750">
+              <a:buFont typeface="Arial" charset="0"/>
+              <a:defRPr>
+                <a:solidFill>
+                  <a:schemeClr val="tx1"/>
+                </a:solidFill>
+                <a:latin typeface="Arial" charset="0"/>
+                <a:ea typeface="宋体" charset="0"/>
+              </a:defRPr>
+            </a:lvl2pPr>
+            <a:lvl3pPr marL="1143000" indent="-228600">
+              <a:buFont typeface="Arial" charset="0"/>
+              <a:defRPr>
+                <a:solidFill>
+                  <a:schemeClr val="tx1"/>
+                </a:solidFill>
+                <a:latin typeface="Arial" charset="0"/>
+                <a:ea typeface="宋体" charset="0"/>
+              </a:defRPr>
+            </a:lvl3pPr>
+            <a:lvl4pPr marL="1600200" indent="-228600">
+              <a:buFont typeface="Arial" charset="0"/>
+              <a:defRPr>
+                <a:solidFill>
+                  <a:schemeClr val="tx1"/>
+                </a:solidFill>
+                <a:latin typeface="Arial" charset="0"/>
+                <a:ea typeface="宋体" charset="0"/>
+              </a:defRPr>
+            </a:lvl4pPr>
+            <a:lvl5pPr marL="2057400" indent="-228600">
+              <a:buFont typeface="Arial" charset="0"/>
+              <a:defRPr>
+                <a:solidFill>
+                  <a:schemeClr val="tx1"/>
+                </a:solidFill>
+                <a:latin typeface="Arial" charset="0"/>
+                <a:ea typeface="宋体" charset="0"/>
+              </a:defRPr>
+            </a:lvl5pPr>
+            <a:lvl6pPr marL="2514600" indent="-228600" eaLnBrk="0" fontAlgn="base" hangingPunct="0">
+              <a:spcBef>
+                <a:spcPct val="0"/>
+              </a:spcBef>
+              <a:spcAft>
+                <a:spcPct val="0"/>
+              </a:spcAft>
+              <a:buFont typeface="Arial" charset="0"/>
+              <a:defRPr>
+                <a:solidFill>
+                  <a:schemeClr val="tx1"/>
+                </a:solidFill>
+                <a:latin typeface="Arial" charset="0"/>
+                <a:ea typeface="宋体" charset="0"/>
+              </a:defRPr>
+            </a:lvl6pPr>
+            <a:lvl7pPr marL="2971800" indent="-228600" eaLnBrk="0" fontAlgn="base" hangingPunct="0">
+              <a:spcBef>
+                <a:spcPct val="0"/>
+              </a:spcBef>
+              <a:spcAft>
+                <a:spcPct val="0"/>
+              </a:spcAft>
+              <a:buFont typeface="Arial" charset="0"/>
+              <a:defRPr>
+                <a:solidFill>
+                  <a:schemeClr val="tx1"/>
+                </a:solidFill>
+                <a:latin typeface="Arial" charset="0"/>
+                <a:ea typeface="宋体" charset="0"/>
+              </a:defRPr>
+            </a:lvl7pPr>
+            <a:lvl8pPr marL="3429000" indent="-228600" eaLnBrk="0" fontAlgn="base" hangingPunct="0">
+              <a:spcBef>
+                <a:spcPct val="0"/>
+              </a:spcBef>
+              <a:spcAft>
+                <a:spcPct val="0"/>
+              </a:spcAft>
+              <a:buFont typeface="Arial" charset="0"/>
+              <a:defRPr>
+                <a:solidFill>
+                  <a:schemeClr val="tx1"/>
+                </a:solidFill>
+                <a:latin typeface="Arial" charset="0"/>
+                <a:ea typeface="宋体" charset="0"/>
+              </a:defRPr>
+            </a:lvl8pPr>
+            <a:lvl9pPr marL="3886200" indent="-228600" eaLnBrk="0" fontAlgn="base" hangingPunct="0">
+              <a:spcBef>
+                <a:spcPct val="0"/>
+              </a:spcBef>
+              <a:spcAft>
+                <a:spcPct val="0"/>
+              </a:spcAft>
+              <a:buFont typeface="Arial" charset="0"/>
+              <a:defRPr>
+                <a:solidFill>
+                  <a:schemeClr val="tx1"/>
+                </a:solidFill>
+                <a:latin typeface="Arial" charset="0"/>
+                <a:ea typeface="宋体" charset="0"/>
+              </a:defRPr>
+            </a:lvl9pPr>
+          </a:lstStyle>
+          <a:p>
+            <a:pPr eaLnBrk="1" hangingPunct="1"/>
+            <a:r>
+              <a:rPr lang="en-US" altLang="zh-CN" b="1"/>
+              <a:t>SGS</a:t>
+            </a:r>
+          </a:p>
+        </p:txBody>
+      </p:sp>
+      <p:pic>
+        <p:nvPicPr>
+          <p:cNvPr id="57353" name="图片 75779"/>
+          <p:cNvPicPr>
+            <a:picLocks noChangeAspect="1" noChangeArrowheads="1"/>
+          </p:cNvPicPr>
+          <p:nvPr/>
+        </p:nvPicPr>
+        <p:blipFill>
+          <a:blip r:embed="rId8">
+            <a:extLst>
+              <a:ext uri="{28A0092B-C50C-407E-A947-70E740481C1C}">
+                <a14:useLocalDpi xmlns:a14="http://schemas.microsoft.com/office/drawing/2010/main" val="0"/>
+              </a:ext>
+            </a:extLst>
+          </a:blip>
+          <a:srcRect/>
+          <a:stretch>
+            <a:fillRect/>
+          </a:stretch>
+        </p:blipFill>
+        <p:spPr bwMode="auto">
+          <a:xfrm>
+            <a:off x="393700" y="4870450"/>
+            <a:ext cx="1624013" cy="1668463"/>
+          </a:xfrm>
+          <a:prstGeom prst="rect">
+            <a:avLst/>
+          </a:prstGeom>
+          <a:noFill/>
+          <a:ln>
+            <a:noFill/>
+          </a:ln>
+          <a:extLst>
+            <a:ext uri="{909E8E84-426E-40DD-AFC4-6F175D3DCCD1}">
+              <a14:hiddenFill xmlns:a14="http://schemas.microsoft.com/office/drawing/2010/main">
+                <a:solidFill>
+                  <a:srgbClr val="FFFFFF"/>
+                </a:solidFill>
+              </a14:hiddenFill>
+            </a:ext>
+            <a:ext uri="{91240B29-F687-4F45-9708-019B960494DF}">
+              <a14:hiddenLine xmlns:a14="http://schemas.microsoft.com/office/drawing/2010/main" w="9525">
+                <a:solidFill>
+                  <a:srgbClr val="000000"/>
+                </a:solidFill>
+                <a:miter lim="800000"/>
+                <a:headEnd/>
+                <a:tailEnd/>
+              </a14:hiddenLine>
+            </a:ext>
+          </a:extLst>
+        </p:spPr>
+      </p:pic>
+      <p:sp>
+        <p:nvSpPr>
+          <p:cNvPr id="57354" name="文本框 55"/>
+          <p:cNvSpPr txBox="1">
+            <a:spLocks noChangeArrowheads="1"/>
+          </p:cNvSpPr>
+          <p:nvPr/>
+        </p:nvSpPr>
+        <p:spPr bwMode="auto">
+          <a:xfrm>
+            <a:off x="2698750" y="4941888"/>
+            <a:ext cx="3033713" cy="366712"/>
+          </a:xfrm>
+          <a:prstGeom prst="rect">
+            <a:avLst/>
+          </a:prstGeom>
+          <a:noFill/>
+          <a:ln>
+            <a:noFill/>
+          </a:ln>
+          <a:extLst>
+            <a:ext uri="{909E8E84-426E-40DD-AFC4-6F175D3DCCD1}">
+              <a14:hiddenFill xmlns:a14="http://schemas.microsoft.com/office/drawing/2010/main">
+                <a:solidFill>
+                  <a:srgbClr val="FFFFFF"/>
+                </a:solidFill>
+              </a14:hiddenFill>
+            </a:ext>
+            <a:ext uri="{91240B29-F687-4F45-9708-019B960494DF}">
+              <a14:hiddenLine xmlns:a14="http://schemas.microsoft.com/office/drawing/2010/main" w="9525">
+                <a:solidFill>
+                  <a:srgbClr val="000000"/>
+                </a:solidFill>
+                <a:miter lim="800000"/>
+                <a:headEnd/>
+                <a:tailEnd/>
+              </a14:hiddenLine>
+            </a:ext>
+          </a:extLst>
+        </p:spPr>
+        <p:txBody>
+          <a:bodyPr>
+            <a:spAutoFit/>
+          </a:bodyPr>
+          <a:lstStyle>
+            <a:lvl1pPr>
+              <a:buFont typeface="Arial" charset="0"/>
+              <a:defRPr>
+                <a:solidFill>
+                  <a:schemeClr val="tx1"/>
+                </a:solidFill>
+                <a:latin typeface="Arial" charset="0"/>
+                <a:ea typeface="宋体" charset="0"/>
+              </a:defRPr>
+            </a:lvl1pPr>
+            <a:lvl2pPr marL="742950" indent="-285750">
+              <a:buFont typeface="Arial" charset="0"/>
+              <a:defRPr>
+                <a:solidFill>
+                  <a:schemeClr val="tx1"/>
+                </a:solidFill>
+                <a:latin typeface="Arial" charset="0"/>
+                <a:ea typeface="宋体" charset="0"/>
+              </a:defRPr>
+            </a:lvl2pPr>
+            <a:lvl3pPr marL="1143000" indent="-228600">
+              <a:buFont typeface="Arial" charset="0"/>
+              <a:defRPr>
+                <a:solidFill>
+                  <a:schemeClr val="tx1"/>
+                </a:solidFill>
+                <a:latin typeface="Arial" charset="0"/>
+                <a:ea typeface="宋体" charset="0"/>
+              </a:defRPr>
+            </a:lvl3pPr>
+            <a:lvl4pPr marL="1600200" indent="-228600">
+              <a:buFont typeface="Arial" charset="0"/>
+              <a:defRPr>
+                <a:solidFill>
+                  <a:schemeClr val="tx1"/>
+                </a:solidFill>
+                <a:latin typeface="Arial" charset="0"/>
+                <a:ea typeface="宋体" charset="0"/>
+              </a:defRPr>
+            </a:lvl4pPr>
+            <a:lvl5pPr marL="2057400" indent="-228600">
+              <a:buFont typeface="Arial" charset="0"/>
+              <a:defRPr>
+                <a:solidFill>
+                  <a:schemeClr val="tx1"/>
+                </a:solidFill>
+                <a:latin typeface="Arial" charset="0"/>
+                <a:ea typeface="宋体" charset="0"/>
+              </a:defRPr>
+            </a:lvl5pPr>
+            <a:lvl6pPr marL="2514600" indent="-228600" eaLnBrk="0" fontAlgn="base" hangingPunct="0">
+              <a:spcBef>
+                <a:spcPct val="0"/>
+              </a:spcBef>
+              <a:spcAft>
+                <a:spcPct val="0"/>
+              </a:spcAft>
+              <a:buFont typeface="Arial" charset="0"/>
+              <a:defRPr>
+                <a:solidFill>
+                  <a:schemeClr val="tx1"/>
+                </a:solidFill>
+                <a:latin typeface="Arial" charset="0"/>
+                <a:ea typeface="宋体" charset="0"/>
+              </a:defRPr>
+            </a:lvl6pPr>
+            <a:lvl7pPr marL="2971800" indent="-228600" eaLnBrk="0" fontAlgn="base" hangingPunct="0">
+              <a:spcBef>
+                <a:spcPct val="0"/>
+              </a:spcBef>
+              <a:spcAft>
+                <a:spcPct val="0"/>
+              </a:spcAft>
+              <a:buFont typeface="Arial" charset="0"/>
+              <a:defRPr>
+                <a:solidFill>
+                  <a:schemeClr val="tx1"/>
+                </a:solidFill>
+                <a:latin typeface="Arial" charset="0"/>
+                <a:ea typeface="宋体" charset="0"/>
+              </a:defRPr>
+            </a:lvl7pPr>
+            <a:lvl8pPr marL="3429000" indent="-228600" eaLnBrk="0" fontAlgn="base" hangingPunct="0">
+              <a:spcBef>
+                <a:spcPct val="0"/>
+              </a:spcBef>
+              <a:spcAft>
+                <a:spcPct val="0"/>
+              </a:spcAft>
+              <a:buFont typeface="Arial" charset="0"/>
+              <a:defRPr>
+                <a:solidFill>
+                  <a:schemeClr val="tx1"/>
+                </a:solidFill>
+                <a:latin typeface="Arial" charset="0"/>
+                <a:ea typeface="宋体" charset="0"/>
+              </a:defRPr>
+            </a:lvl8pPr>
+            <a:lvl9pPr marL="3886200" indent="-228600" eaLnBrk="0" fontAlgn="base" hangingPunct="0">
+              <a:spcBef>
+                <a:spcPct val="0"/>
+              </a:spcBef>
+              <a:spcAft>
+                <a:spcPct val="0"/>
+              </a:spcAft>
+              <a:buFont typeface="Arial" charset="0"/>
+              <a:defRPr>
+                <a:solidFill>
+                  <a:schemeClr val="tx1"/>
+                </a:solidFill>
+                <a:latin typeface="Arial" charset="0"/>
+                <a:ea typeface="宋体" charset="0"/>
+              </a:defRPr>
+            </a:lvl9pPr>
+          </a:lstStyle>
+          <a:p>
+            <a:pPr eaLnBrk="1" hangingPunct="1"/>
+            <a:r>
+              <a:rPr lang="en-US" altLang="zh-CN" b="1"/>
+              <a:t>ISGS</a:t>
+            </a:r>
+          </a:p>
+        </p:txBody>
+      </p:sp>
+      <p:sp>
+        <p:nvSpPr>
+          <p:cNvPr id="57355" name="文本框 55"/>
+          <p:cNvSpPr txBox="1">
+            <a:spLocks noChangeArrowheads="1"/>
+          </p:cNvSpPr>
+          <p:nvPr/>
+        </p:nvSpPr>
+        <p:spPr bwMode="auto">
+          <a:xfrm>
+            <a:off x="0" y="4581525"/>
+            <a:ext cx="3033713" cy="368300"/>
+          </a:xfrm>
+          <a:prstGeom prst="rect">
+            <a:avLst/>
+          </a:prstGeom>
+          <a:noFill/>
+          <a:ln>
+            <a:noFill/>
+          </a:ln>
+          <a:extLst>
+            <a:ext uri="{909E8E84-426E-40DD-AFC4-6F175D3DCCD1}">
+              <a14:hiddenFill xmlns:a14="http://schemas.microsoft.com/office/drawing/2010/main">
+                <a:solidFill>
+                  <a:srgbClr val="FFFFFF"/>
+                </a:solidFill>
+              </a14:hiddenFill>
+            </a:ext>
+            <a:ext uri="{91240B29-F687-4F45-9708-019B960494DF}">
+              <a14:hiddenLine xmlns:a14="http://schemas.microsoft.com/office/drawing/2010/main" w="9525">
+                <a:solidFill>
+                  <a:srgbClr val="000000"/>
+                </a:solidFill>
+                <a:miter lim="800000"/>
+                <a:headEnd/>
+                <a:tailEnd/>
+              </a14:hiddenLine>
+            </a:ext>
+          </a:extLst>
+        </p:spPr>
+        <p:txBody>
+          <a:bodyPr>
+            <a:spAutoFit/>
+          </a:bodyPr>
+          <a:lstStyle>
+            <a:lvl1pPr>
+              <a:buFont typeface="Arial" charset="0"/>
+              <a:defRPr>
+                <a:solidFill>
+                  <a:schemeClr val="tx1"/>
+                </a:solidFill>
+                <a:latin typeface="Arial" charset="0"/>
+                <a:ea typeface="宋体" charset="0"/>
+              </a:defRPr>
+            </a:lvl1pPr>
+            <a:lvl2pPr marL="742950" indent="-285750">
+              <a:buFont typeface="Arial" charset="0"/>
+              <a:defRPr>
+                <a:solidFill>
+                  <a:schemeClr val="tx1"/>
+                </a:solidFill>
+                <a:latin typeface="Arial" charset="0"/>
+                <a:ea typeface="宋体" charset="0"/>
+              </a:defRPr>
+            </a:lvl2pPr>
+            <a:lvl3pPr marL="1143000" indent="-228600">
+              <a:buFont typeface="Arial" charset="0"/>
+              <a:defRPr>
+                <a:solidFill>
+                  <a:schemeClr val="tx1"/>
+                </a:solidFill>
+                <a:latin typeface="Arial" charset="0"/>
+                <a:ea typeface="宋体" charset="0"/>
+              </a:defRPr>
+            </a:lvl3pPr>
+            <a:lvl4pPr marL="1600200" indent="-228600">
+              <a:buFont typeface="Arial" charset="0"/>
+              <a:defRPr>
+                <a:solidFill>
+                  <a:schemeClr val="tx1"/>
+                </a:solidFill>
+                <a:latin typeface="Arial" charset="0"/>
+                <a:ea typeface="宋体" charset="0"/>
+              </a:defRPr>
+            </a:lvl4pPr>
+            <a:lvl5pPr marL="2057400" indent="-228600">
+              <a:buFont typeface="Arial" charset="0"/>
+              <a:defRPr>
+                <a:solidFill>
+                  <a:schemeClr val="tx1"/>
+                </a:solidFill>
+                <a:latin typeface="Arial" charset="0"/>
+                <a:ea typeface="宋体" charset="0"/>
+              </a:defRPr>
+            </a:lvl5pPr>
+            <a:lvl6pPr marL="2514600" indent="-228600" eaLnBrk="0" fontAlgn="base" hangingPunct="0">
+              <a:spcBef>
+                <a:spcPct val="0"/>
+              </a:spcBef>
+              <a:spcAft>
+                <a:spcPct val="0"/>
+              </a:spcAft>
+              <a:buFont typeface="Arial" charset="0"/>
+              <a:defRPr>
+                <a:solidFill>
+                  <a:schemeClr val="tx1"/>
+                </a:solidFill>
+                <a:latin typeface="Arial" charset="0"/>
+                <a:ea typeface="宋体" charset="0"/>
+              </a:defRPr>
+            </a:lvl6pPr>
+            <a:lvl7pPr marL="2971800" indent="-228600" eaLnBrk="0" fontAlgn="base" hangingPunct="0">
+              <a:spcBef>
+                <a:spcPct val="0"/>
+              </a:spcBef>
+              <a:spcAft>
+                <a:spcPct val="0"/>
+              </a:spcAft>
+              <a:buFont typeface="Arial" charset="0"/>
+              <a:defRPr>
+                <a:solidFill>
+                  <a:schemeClr val="tx1"/>
+                </a:solidFill>
+                <a:latin typeface="Arial" charset="0"/>
+                <a:ea typeface="宋体" charset="0"/>
+              </a:defRPr>
+            </a:lvl7pPr>
+            <a:lvl8pPr marL="3429000" indent="-228600" eaLnBrk="0" fontAlgn="base" hangingPunct="0">
+              <a:spcBef>
+                <a:spcPct val="0"/>
+              </a:spcBef>
+              <a:spcAft>
+                <a:spcPct val="0"/>
+              </a:spcAft>
+              <a:buFont typeface="Arial" charset="0"/>
+              <a:defRPr>
+                <a:solidFill>
+                  <a:schemeClr val="tx1"/>
+                </a:solidFill>
+                <a:latin typeface="Arial" charset="0"/>
+                <a:ea typeface="宋体" charset="0"/>
+              </a:defRPr>
+            </a:lvl8pPr>
+            <a:lvl9pPr marL="3886200" indent="-228600" eaLnBrk="0" fontAlgn="base" hangingPunct="0">
+              <a:spcBef>
+                <a:spcPct val="0"/>
+              </a:spcBef>
+              <a:spcAft>
+                <a:spcPct val="0"/>
+              </a:spcAft>
+              <a:buFont typeface="Arial" charset="0"/>
+              <a:defRPr>
+                <a:solidFill>
+                  <a:schemeClr val="tx1"/>
+                </a:solidFill>
+                <a:latin typeface="Arial" charset="0"/>
+                <a:ea typeface="宋体" charset="0"/>
+              </a:defRPr>
+            </a:lvl9pPr>
+          </a:lstStyle>
+          <a:p>
+            <a:pPr eaLnBrk="1" hangingPunct="1"/>
+            <a:r>
+              <a:rPr lang="en-US" altLang="zh-CN" b="1"/>
+              <a:t>Dynamic Grids</a:t>
+            </a:r>
+          </a:p>
+        </p:txBody>
+      </p:sp>
+      <p:sp>
+        <p:nvSpPr>
+          <p:cNvPr id="57356" name="文本框 55"/>
+          <p:cNvSpPr txBox="1">
+            <a:spLocks noChangeArrowheads="1"/>
+          </p:cNvSpPr>
+          <p:nvPr/>
+        </p:nvSpPr>
+        <p:spPr bwMode="auto">
+          <a:xfrm>
+            <a:off x="6372225" y="4941888"/>
+            <a:ext cx="3033713" cy="366712"/>
+          </a:xfrm>
+          <a:prstGeom prst="rect">
+            <a:avLst/>
+          </a:prstGeom>
+          <a:noFill/>
+          <a:ln>
+            <a:noFill/>
+          </a:ln>
+          <a:extLst>
+            <a:ext uri="{909E8E84-426E-40DD-AFC4-6F175D3DCCD1}">
+              <a14:hiddenFill xmlns:a14="http://schemas.microsoft.com/office/drawing/2010/main">
+                <a:solidFill>
+                  <a:srgbClr val="FFFFFF"/>
+                </a:solidFill>
+              </a14:hiddenFill>
+            </a:ext>
+            <a:ext uri="{91240B29-F687-4F45-9708-019B960494DF}">
+              <a14:hiddenLine xmlns:a14="http://schemas.microsoft.com/office/drawing/2010/main" w="9525">
+                <a:solidFill>
+                  <a:srgbClr val="000000"/>
+                </a:solidFill>
+                <a:miter lim="800000"/>
+                <a:headEnd/>
+                <a:tailEnd/>
+              </a14:hiddenLine>
+            </a:ext>
+          </a:extLst>
+        </p:spPr>
+        <p:txBody>
+          <a:bodyPr>
+            <a:spAutoFit/>
+          </a:bodyPr>
+          <a:lstStyle>
+            <a:lvl1pPr>
+              <a:buFont typeface="Arial" charset="0"/>
+              <a:defRPr>
+                <a:solidFill>
+                  <a:schemeClr val="tx1"/>
+                </a:solidFill>
+                <a:latin typeface="Arial" charset="0"/>
+                <a:ea typeface="宋体" charset="0"/>
+              </a:defRPr>
+            </a:lvl1pPr>
+            <a:lvl2pPr marL="742950" indent="-285750">
+              <a:buFont typeface="Arial" charset="0"/>
+              <a:defRPr>
+                <a:solidFill>
+                  <a:schemeClr val="tx1"/>
+                </a:solidFill>
+                <a:latin typeface="Arial" charset="0"/>
+                <a:ea typeface="宋体" charset="0"/>
+              </a:defRPr>
+            </a:lvl2pPr>
+            <a:lvl3pPr marL="1143000" indent="-228600">
+              <a:buFont typeface="Arial" charset="0"/>
+              <a:defRPr>
+                <a:solidFill>
+                  <a:schemeClr val="tx1"/>
+                </a:solidFill>
+                <a:latin typeface="Arial" charset="0"/>
+                <a:ea typeface="宋体" charset="0"/>
+              </a:defRPr>
+            </a:lvl3pPr>
+            <a:lvl4pPr marL="1600200" indent="-228600">
+              <a:buFont typeface="Arial" charset="0"/>
+              <a:defRPr>
+                <a:solidFill>
+                  <a:schemeClr val="tx1"/>
+                </a:solidFill>
+                <a:latin typeface="Arial" charset="0"/>
+                <a:ea typeface="宋体" charset="0"/>
+              </a:defRPr>
+            </a:lvl4pPr>
+            <a:lvl5pPr marL="2057400" indent="-228600">
+              <a:buFont typeface="Arial" charset="0"/>
+              <a:defRPr>
+                <a:solidFill>
+                  <a:schemeClr val="tx1"/>
+                </a:solidFill>
+                <a:latin typeface="Arial" charset="0"/>
+                <a:ea typeface="宋体" charset="0"/>
+              </a:defRPr>
+            </a:lvl5pPr>
+            <a:lvl6pPr marL="2514600" indent="-228600" eaLnBrk="0" fontAlgn="base" hangingPunct="0">
+              <a:spcBef>
+                <a:spcPct val="0"/>
+              </a:spcBef>
+              <a:spcAft>
+                <a:spcPct val="0"/>
+              </a:spcAft>
+              <a:buFont typeface="Arial" charset="0"/>
+              <a:defRPr>
+                <a:solidFill>
+                  <a:schemeClr val="tx1"/>
+                </a:solidFill>
+                <a:latin typeface="Arial" charset="0"/>
+                <a:ea typeface="宋体" charset="0"/>
+              </a:defRPr>
+            </a:lvl6pPr>
+            <a:lvl7pPr marL="2971800" indent="-228600" eaLnBrk="0" fontAlgn="base" hangingPunct="0">
+              <a:spcBef>
+                <a:spcPct val="0"/>
+              </a:spcBef>
+              <a:spcAft>
+                <a:spcPct val="0"/>
+              </a:spcAft>
+              <a:buFont typeface="Arial" charset="0"/>
+              <a:defRPr>
+                <a:solidFill>
+                  <a:schemeClr val="tx1"/>
+                </a:solidFill>
+                <a:latin typeface="Arial" charset="0"/>
+                <a:ea typeface="宋体" charset="0"/>
+              </a:defRPr>
+            </a:lvl7pPr>
+            <a:lvl8pPr marL="3429000" indent="-228600" eaLnBrk="0" fontAlgn="base" hangingPunct="0">
+              <a:spcBef>
+                <a:spcPct val="0"/>
+              </a:spcBef>
+              <a:spcAft>
+                <a:spcPct val="0"/>
+              </a:spcAft>
+              <a:buFont typeface="Arial" charset="0"/>
+              <a:defRPr>
+                <a:solidFill>
+                  <a:schemeClr val="tx1"/>
+                </a:solidFill>
+                <a:latin typeface="Arial" charset="0"/>
+                <a:ea typeface="宋体" charset="0"/>
+              </a:defRPr>
+            </a:lvl8pPr>
+            <a:lvl9pPr marL="3886200" indent="-228600" eaLnBrk="0" fontAlgn="base" hangingPunct="0">
+              <a:spcBef>
+                <a:spcPct val="0"/>
+              </a:spcBef>
+              <a:spcAft>
+                <a:spcPct val="0"/>
+              </a:spcAft>
+              <a:buFont typeface="Arial" charset="0"/>
+              <a:defRPr>
+                <a:solidFill>
+                  <a:schemeClr val="tx1"/>
+                </a:solidFill>
+                <a:latin typeface="Arial" charset="0"/>
+                <a:ea typeface="宋体" charset="0"/>
+              </a:defRPr>
+            </a:lvl9pPr>
+          </a:lstStyle>
+          <a:p>
+            <a:pPr eaLnBrk="1" hangingPunct="1"/>
+            <a:r>
+              <a:rPr lang="en-US" altLang="zh-CN" b="1"/>
+              <a:t>STGS</a:t>
+            </a:r>
+          </a:p>
+        </p:txBody>
+      </p:sp>
+      <p:sp>
+        <p:nvSpPr>
+          <p:cNvPr id="57357" name="矩形 80899"/>
+          <p:cNvSpPr>
+            <a:spLocks noChangeArrowheads="1"/>
+          </p:cNvSpPr>
+          <p:nvPr/>
+        </p:nvSpPr>
+        <p:spPr bwMode="auto">
+          <a:xfrm>
+            <a:off x="2122488" y="187325"/>
+            <a:ext cx="7021512" cy="654050"/>
+          </a:xfrm>
+          <a:prstGeom prst="rect">
+            <a:avLst/>
+          </a:prstGeom>
+          <a:noFill/>
+          <a:ln>
+            <a:noFill/>
+          </a:ln>
+          <a:extLst>
+            <a:ext uri="{909E8E84-426E-40DD-AFC4-6F175D3DCCD1}">
+              <a14:hiddenFill xmlns:a14="http://schemas.microsoft.com/office/drawing/2010/main">
+                <a:solidFill>
+                  <a:srgbClr val="FFFFFF"/>
+                </a:solidFill>
+              </a14:hiddenFill>
+            </a:ext>
+            <a:ext uri="{91240B29-F687-4F45-9708-019B960494DF}">
+              <a14:hiddenLine xmlns:a14="http://schemas.microsoft.com/office/drawing/2010/main" w="9525">
+                <a:solidFill>
+                  <a:srgbClr val="000000"/>
+                </a:solidFill>
+                <a:miter lim="800000"/>
+                <a:headEnd/>
+                <a:tailEnd/>
+              </a14:hiddenLine>
+            </a:ext>
+          </a:extLst>
+        </p:spPr>
+        <p:txBody>
+          <a:bodyPr tIns="54000" anchorCtr="1"/>
+          <a:lstStyle>
+            <a:lvl1pPr>
+              <a:buFont typeface="Arial" charset="0"/>
+              <a:defRPr>
+                <a:solidFill>
+                  <a:schemeClr val="tx1"/>
+                </a:solidFill>
+                <a:latin typeface="Arial" charset="0"/>
+                <a:ea typeface="宋体" charset="0"/>
+              </a:defRPr>
+            </a:lvl1pPr>
+            <a:lvl2pPr marL="742950" indent="-285750">
+              <a:buFont typeface="Arial" charset="0"/>
+              <a:defRPr>
+                <a:solidFill>
+                  <a:schemeClr val="tx1"/>
+                </a:solidFill>
+                <a:latin typeface="Arial" charset="0"/>
+                <a:ea typeface="宋体" charset="0"/>
+              </a:defRPr>
+            </a:lvl2pPr>
+            <a:lvl3pPr marL="1143000" indent="-228600">
+              <a:buFont typeface="Arial" charset="0"/>
+              <a:defRPr>
+                <a:solidFill>
+                  <a:schemeClr val="tx1"/>
+                </a:solidFill>
+                <a:latin typeface="Arial" charset="0"/>
+                <a:ea typeface="宋体" charset="0"/>
+              </a:defRPr>
+            </a:lvl3pPr>
+            <a:lvl4pPr marL="1600200" indent="-228600">
+              <a:buFont typeface="Arial" charset="0"/>
+              <a:defRPr>
+                <a:solidFill>
+                  <a:schemeClr val="tx1"/>
+                </a:solidFill>
+                <a:latin typeface="Arial" charset="0"/>
+                <a:ea typeface="宋体" charset="0"/>
+              </a:defRPr>
+            </a:lvl4pPr>
+            <a:lvl5pPr marL="2057400" indent="-228600">
+              <a:buFont typeface="Arial" charset="0"/>
+              <a:defRPr>
+                <a:solidFill>
+                  <a:schemeClr val="tx1"/>
+                </a:solidFill>
+                <a:latin typeface="Arial" charset="0"/>
+                <a:ea typeface="宋体" charset="0"/>
+              </a:defRPr>
+            </a:lvl5pPr>
+            <a:lvl6pPr marL="2514600" indent="-228600" eaLnBrk="0" fontAlgn="base" hangingPunct="0">
+              <a:spcBef>
+                <a:spcPct val="0"/>
+              </a:spcBef>
+              <a:spcAft>
+                <a:spcPct val="0"/>
+              </a:spcAft>
+              <a:buFont typeface="Arial" charset="0"/>
+              <a:defRPr>
+                <a:solidFill>
+                  <a:schemeClr val="tx1"/>
+                </a:solidFill>
+                <a:latin typeface="Arial" charset="0"/>
+                <a:ea typeface="宋体" charset="0"/>
+              </a:defRPr>
+            </a:lvl6pPr>
+            <a:lvl7pPr marL="2971800" indent="-228600" eaLnBrk="0" fontAlgn="base" hangingPunct="0">
+              <a:spcBef>
+                <a:spcPct val="0"/>
+              </a:spcBef>
+              <a:spcAft>
+                <a:spcPct val="0"/>
+              </a:spcAft>
+              <a:buFont typeface="Arial" charset="0"/>
+              <a:defRPr>
+                <a:solidFill>
+                  <a:schemeClr val="tx1"/>
+                </a:solidFill>
+                <a:latin typeface="Arial" charset="0"/>
+                <a:ea typeface="宋体" charset="0"/>
+              </a:defRPr>
+            </a:lvl7pPr>
+            <a:lvl8pPr marL="3429000" indent="-228600" eaLnBrk="0" fontAlgn="base" hangingPunct="0">
+              <a:spcBef>
+                <a:spcPct val="0"/>
+              </a:spcBef>
+              <a:spcAft>
+                <a:spcPct val="0"/>
+              </a:spcAft>
+              <a:buFont typeface="Arial" charset="0"/>
+              <a:defRPr>
+                <a:solidFill>
+                  <a:schemeClr val="tx1"/>
+                </a:solidFill>
+                <a:latin typeface="Arial" charset="0"/>
+                <a:ea typeface="宋体" charset="0"/>
+              </a:defRPr>
+            </a:lvl8pPr>
+            <a:lvl9pPr marL="3886200" indent="-228600" eaLnBrk="0" fontAlgn="base" hangingPunct="0">
+              <a:spcBef>
+                <a:spcPct val="0"/>
+              </a:spcBef>
+              <a:spcAft>
+                <a:spcPct val="0"/>
+              </a:spcAft>
+              <a:buFont typeface="Arial" charset="0"/>
+              <a:defRPr>
+                <a:solidFill>
+                  <a:schemeClr val="tx1"/>
+                </a:solidFill>
+                <a:latin typeface="Arial" charset="0"/>
+                <a:ea typeface="宋体" charset="0"/>
+              </a:defRPr>
+            </a:lvl9pPr>
+          </a:lstStyle>
+          <a:p>
+            <a:pPr algn="ctr"/>
+            <a:r>
+              <a:rPr lang="zh-CN" altLang="en-US" sz="2800" b="1" dirty="0" smtClean="0">
+                <a:solidFill>
+                  <a:srgbClr val="133984"/>
+                </a:solidFill>
+                <a:ea typeface="华文新魏" charset="0"/>
+                <a:sym typeface="Arial" charset="0"/>
+              </a:rPr>
+              <a:t>多种探测技术精度效率对比</a:t>
+            </a:r>
+            <a:endParaRPr lang="zh-CN" altLang="en-US" sz="2800" b="1" dirty="0">
+              <a:solidFill>
+                <a:srgbClr val="133984"/>
+              </a:solidFill>
+              <a:ea typeface="华文新魏" charset="0"/>
+              <a:sym typeface="Arial" charset="0"/>
+            </a:endParaRPr>
+          </a:p>
+        </p:txBody>
+      </p:sp>
+    </p:spTree>
+    <p:extLst>
+      <p:ext uri="{BB962C8B-B14F-4D97-AF65-F5344CB8AC3E}">
+        <p14:creationId xmlns:p14="http://schemas.microsoft.com/office/powerpoint/2010/main" val="1223239234"/>
+      </p:ext>
+    </p:extLst>
+  </p:cSld>
+  <p:clrMapOvr>
+    <a:masterClrMapping/>
+  </p:clrMapOvr>
+</p:sld>
+</file>
+
+<file path=ppt/slides/slide27.xml><?xml version="1.0" encoding="utf-8"?>
 <p:sld xmlns:a="http://schemas.openxmlformats.org/drawingml/2006/main" xmlns:r="http://schemas.openxmlformats.org/officeDocument/2006/relationships" xmlns:p="http://schemas.openxmlformats.org/presentationml/2006/main">
   <p:cSld>
     <p:spTree>
@@ -28619,8 +32132,9 @@
           <a:p>
             <a:r>
               <a:rPr lang="zh-CN" altLang="en-US" b="1" dirty="0" smtClean="0"/>
-              <a:t>研究结论</a:t>
-            </a:r>
+              <a:t>主要工作与创新点</a:t>
+            </a:r>
+            <a:endParaRPr lang="zh-CN" altLang="en-US" b="1" dirty="0" smtClean="0"/>
           </a:p>
         </p:txBody>
       </p:sp>
@@ -28636,8 +32150,8 @@
         </p:nvSpPr>
         <p:spPr>
           <a:xfrm>
-            <a:off x="457200" y="1333500"/>
-            <a:ext cx="8229600" cy="4899660"/>
+            <a:off x="457200" y="1333499"/>
+            <a:ext cx="8229600" cy="5141043"/>
           </a:xfrm>
         </p:spPr>
         <p:txBody>
@@ -28645,250 +32159,413 @@
           <a:lstStyle/>
           <a:p>
             <a:r>
-              <a:rPr lang="zh-CN" altLang="zh-CN" sz="2400" dirty="0"/>
+              <a:rPr lang="zh-CN" altLang="zh-CN" sz="2400" dirty="0">
+                <a:solidFill>
+                  <a:schemeClr val="tx1"/>
+                </a:solidFill>
+              </a:rPr>
               <a:t>低中放废物探测系统的设计与优化</a:t>
             </a:r>
           </a:p>
           <a:p>
-            <a:pPr lvl="1"/>
-            <a:r>
-              <a:rPr lang="zh-CN" altLang="zh-CN" sz="1400" dirty="0"/>
-              <a:t>优化系统的主要逻辑结构与功能，整合了系统框架的模块组成。归纳了机械与控制模块的主要组成部分以及设计准则，突出了本系统模块化、紧凑化、可扩展性等一系列创新设计。</a:t>
-            </a:r>
-            <a:endParaRPr lang="en-US" altLang="zh-CN" sz="1400" dirty="0"/>
-          </a:p>
-          <a:p>
-            <a:pPr lvl="1"/>
-            <a:r>
-              <a:rPr lang="zh-CN" altLang="zh-CN" sz="1400" dirty="0"/>
-              <a:t>详尽的分析了数据处理与交互模块的流程设计，创造性的构建了本系统软件探测计数的方式、数据的处理、效率刻度、活度重建的执行、与用户使用的交互逻辑的整体框架</a:t>
-            </a:r>
-            <a:r>
-              <a:rPr lang="zh-CN" altLang="zh-CN" sz="1400" dirty="0" smtClean="0"/>
+            <a:pPr>
+              <a:buFont typeface="Arial" charset="0"/>
+              <a:buChar char="•"/>
+            </a:pPr>
+            <a:r>
+              <a:rPr lang="zh-CN" altLang="en-US" sz="1800" dirty="0" smtClean="0"/>
+              <a:t>本系统的设计应遵循了</a:t>
+            </a:r>
+            <a:r>
+              <a:rPr lang="zh-CN" altLang="zh-CN" sz="1800" dirty="0" smtClean="0"/>
+              <a:t>系统</a:t>
+            </a:r>
+            <a:r>
+              <a:rPr lang="zh-CN" altLang="zh-CN" sz="1800" dirty="0"/>
+              <a:t>模块化、紧凑化、可</a:t>
+            </a:r>
+            <a:r>
+              <a:rPr lang="zh-CN" altLang="zh-CN" sz="1800" dirty="0" smtClean="0"/>
+              <a:t>扩展性</a:t>
+            </a:r>
+            <a:r>
+              <a:rPr lang="zh-CN" altLang="en-US" sz="1800" dirty="0" smtClean="0"/>
+              <a:t>等原则</a:t>
+            </a:r>
+            <a:r>
+              <a:rPr lang="zh-CN" altLang="zh-CN" sz="1800" dirty="0" smtClean="0"/>
               <a:t>。</a:t>
             </a:r>
-            <a:endParaRPr lang="en-US" altLang="zh-CN" sz="2400" dirty="0" smtClean="0"/>
-          </a:p>
-          <a:p>
-            <a:r>
-              <a:rPr lang="zh-CN" altLang="zh-CN" sz="2400" dirty="0" smtClean="0"/>
-              <a:t>半层析伽马扫描技术（</a:t>
-            </a:r>
-            <a:r>
-              <a:rPr lang="en-US" altLang="zh-CN" sz="2400" dirty="0" smtClean="0"/>
+            <a:endParaRPr lang="en-US" altLang="zh-CN" sz="1800" dirty="0"/>
+          </a:p>
+          <a:p>
+            <a:r>
+              <a:rPr lang="zh-CN" altLang="en-US" sz="2400" dirty="0" smtClean="0">
+                <a:solidFill>
+                  <a:schemeClr val="tx1"/>
+                </a:solidFill>
+              </a:rPr>
+              <a:t>对</a:t>
+            </a:r>
+            <a:r>
+              <a:rPr lang="zh-CN" altLang="zh-CN" sz="2400" dirty="0" smtClean="0">
+                <a:solidFill>
+                  <a:schemeClr val="tx1"/>
+                </a:solidFill>
+              </a:rPr>
+              <a:t>半</a:t>
+            </a:r>
+            <a:r>
+              <a:rPr lang="zh-CN" altLang="zh-CN" sz="2400" dirty="0" smtClean="0">
+                <a:solidFill>
+                  <a:schemeClr val="tx1"/>
+                </a:solidFill>
+              </a:rPr>
+              <a:t>层析伽马扫描技术（</a:t>
+            </a:r>
+            <a:r>
+              <a:rPr lang="en-US" altLang="zh-CN" sz="2400" dirty="0" smtClean="0">
+                <a:solidFill>
+                  <a:schemeClr val="tx1"/>
+                </a:solidFill>
+              </a:rPr>
               <a:t>STGS</a:t>
             </a:r>
             <a:r>
-              <a:rPr lang="zh-CN" altLang="zh-CN" sz="2400" dirty="0" smtClean="0"/>
-              <a:t>）的研究</a:t>
-            </a:r>
-            <a:endParaRPr lang="en-US" altLang="zh-CN" sz="1400" dirty="0" smtClean="0"/>
-          </a:p>
-          <a:p>
-            <a:pPr lvl="1"/>
-            <a:r>
-              <a:rPr lang="zh-CN" altLang="en-US" sz="1400" dirty="0" smtClean="0"/>
-              <a:t>在</a:t>
-            </a:r>
-            <a:r>
-              <a:rPr lang="en-US" altLang="zh-CN" sz="1400" dirty="0" smtClean="0"/>
+              <a:rPr lang="zh-CN" altLang="zh-CN" sz="2400" dirty="0" smtClean="0">
+                <a:solidFill>
+                  <a:schemeClr val="tx1"/>
+                </a:solidFill>
+              </a:rPr>
+              <a:t>）</a:t>
+            </a:r>
+            <a:r>
+              <a:rPr lang="zh-CN" altLang="en-US" sz="2400" dirty="0" smtClean="0">
+                <a:solidFill>
+                  <a:schemeClr val="tx1"/>
+                </a:solidFill>
+              </a:rPr>
+              <a:t>进行深入</a:t>
+            </a:r>
+            <a:r>
+              <a:rPr lang="zh-CN" altLang="zh-CN" sz="2400" dirty="0" smtClean="0">
+                <a:solidFill>
+                  <a:schemeClr val="tx1"/>
+                </a:solidFill>
+              </a:rPr>
+              <a:t>研究</a:t>
+            </a:r>
+            <a:endParaRPr lang="en-US" altLang="zh-CN" sz="1400" dirty="0" smtClean="0">
+              <a:solidFill>
+                <a:schemeClr val="tx1"/>
+              </a:solidFill>
+            </a:endParaRPr>
+          </a:p>
+          <a:p>
+            <a:pPr>
+              <a:buFont typeface="Arial" charset="0"/>
+              <a:buChar char="•"/>
+            </a:pPr>
+            <a:r>
+              <a:rPr lang="zh-CN" altLang="zh-CN" sz="1800" dirty="0" smtClean="0"/>
+              <a:t>对于</a:t>
+            </a:r>
+            <a:r>
+              <a:rPr lang="en-US" altLang="zh-CN" sz="1800" dirty="0" smtClean="0"/>
               <a:t>200L</a:t>
             </a:r>
             <a:r>
-              <a:rPr lang="zh-CN" altLang="zh-CN" sz="1400" dirty="0" smtClean="0"/>
-              <a:t>低密度废物桶在</a:t>
-            </a:r>
-            <a:r>
-              <a:rPr lang="en-US" altLang="zh-CN" sz="1400" dirty="0" smtClean="0"/>
+              <a:rPr lang="zh-CN" altLang="zh-CN" sz="1800" dirty="0" smtClean="0"/>
+              <a:t>低</a:t>
+            </a:r>
+            <a:r>
+              <a:rPr lang="zh-CN" altLang="zh-CN" sz="1800" dirty="0" smtClean="0"/>
+              <a:t>密度桶</a:t>
+            </a:r>
+            <a:r>
+              <a:rPr lang="zh-CN" altLang="zh-CN" sz="1800" dirty="0"/>
+              <a:t>最大误差为</a:t>
+            </a:r>
+            <a:r>
+              <a:rPr lang="en-US" altLang="zh-CN" sz="1800" dirty="0" smtClean="0"/>
+              <a:t>SGS</a:t>
+            </a:r>
+            <a:r>
+              <a:rPr lang="zh-CN" altLang="zh-CN" sz="1800" dirty="0" smtClean="0"/>
+              <a:t>方法的三分之一或更低，</a:t>
+            </a:r>
+            <a:r>
+              <a:rPr lang="zh-CN" altLang="en-US" sz="1800" dirty="0" smtClean="0"/>
+              <a:t>时间为</a:t>
+            </a:r>
+            <a:r>
+              <a:rPr lang="en-US" altLang="zh-CN" sz="1800" dirty="0" smtClean="0"/>
+              <a:t>2-4</a:t>
+            </a:r>
+            <a:r>
+              <a:rPr lang="zh-CN" altLang="en-US" sz="1800" dirty="0" smtClean="0"/>
+              <a:t>倍</a:t>
+            </a:r>
+            <a:r>
+              <a:rPr lang="zh-CN" altLang="en-US" sz="1800" dirty="0" smtClean="0"/>
+              <a:t>。</a:t>
+            </a:r>
+            <a:r>
+              <a:rPr lang="zh-CN" altLang="en-US" sz="1800" dirty="0" smtClean="0"/>
+              <a:t>最优网格划分方式为</a:t>
+            </a:r>
+            <a:r>
+              <a:rPr lang="en-US" altLang="zh-CN" sz="1800" dirty="0" smtClean="0"/>
+              <a:t>2ER</a:t>
+            </a:r>
+            <a:r>
+              <a:rPr lang="zh-CN" altLang="en-US" sz="1800" dirty="0" smtClean="0"/>
+              <a:t>或</a:t>
+            </a:r>
+            <a:r>
+              <a:rPr lang="en-US" altLang="zh-CN" sz="1800" dirty="0" smtClean="0"/>
+              <a:t>4ER</a:t>
+            </a:r>
+            <a:r>
+              <a:rPr lang="zh-CN" altLang="en-US" sz="1800" dirty="0" smtClean="0"/>
+              <a:t>。</a:t>
+            </a:r>
+            <a:endParaRPr lang="en-US" altLang="zh-CN" sz="1800" dirty="0" smtClean="0"/>
+          </a:p>
+          <a:p>
+            <a:pPr>
+              <a:buFont typeface="Arial" charset="0"/>
+              <a:buChar char="•"/>
+            </a:pPr>
+            <a:r>
+              <a:rPr lang="zh-CN" altLang="zh-CN" sz="1800" dirty="0" smtClean="0"/>
+              <a:t>对于</a:t>
+            </a:r>
+            <a:r>
+              <a:rPr lang="en-US" altLang="zh-CN" sz="1800" dirty="0" smtClean="0"/>
               <a:t>400L</a:t>
             </a:r>
             <a:r>
-              <a:rPr lang="zh-CN" altLang="zh-CN" sz="1400" dirty="0" smtClean="0"/>
-              <a:t>高密度废物桶上的测量效果得到了蒙卡模拟和实验验证。</a:t>
-            </a:r>
-            <a:endParaRPr lang="en-US" altLang="zh-CN" sz="1400" dirty="0" smtClean="0"/>
-          </a:p>
-          <a:p>
-            <a:pPr lvl="1"/>
-            <a:r>
-              <a:rPr lang="zh-CN" altLang="zh-CN" sz="1400" dirty="0" smtClean="0"/>
-              <a:t>工况</a:t>
-            </a:r>
-            <a:r>
-              <a:rPr lang="zh-CN" altLang="en-US" sz="1400" dirty="0" smtClean="0"/>
-              <a:t>涵盖</a:t>
-            </a:r>
-            <a:r>
-              <a:rPr lang="zh-CN" altLang="zh-CN" sz="1400" dirty="0" smtClean="0"/>
-              <a:t>均匀密度下单点源极端分布的情况、均匀介质多点源随机分布的情况、非均匀介质下多点源情况。</a:t>
-            </a:r>
-            <a:endParaRPr lang="en-US" altLang="zh-CN" sz="1400" dirty="0" smtClean="0"/>
-          </a:p>
-          <a:p>
-            <a:pPr lvl="1"/>
-            <a:r>
-              <a:rPr lang="zh-CN" altLang="zh-CN" sz="1400" dirty="0" smtClean="0"/>
-              <a:t>对于</a:t>
-            </a:r>
-            <a:r>
-              <a:rPr lang="en-US" altLang="zh-CN" sz="1400" dirty="0" smtClean="0"/>
-              <a:t>200L</a:t>
-            </a:r>
-            <a:r>
-              <a:rPr lang="zh-CN" altLang="zh-CN" sz="1400" dirty="0" smtClean="0"/>
-              <a:t>低密度废物</a:t>
-            </a:r>
-            <a:r>
-              <a:rPr lang="zh-CN" altLang="zh-CN" sz="1400" dirty="0"/>
-              <a:t>桶最大误差为</a:t>
-            </a:r>
-            <a:r>
-              <a:rPr lang="en-US" altLang="zh-CN" sz="1400" dirty="0" smtClean="0"/>
+              <a:rPr lang="zh-CN" altLang="zh-CN" sz="1800" dirty="0" smtClean="0"/>
+              <a:t>高</a:t>
+            </a:r>
+            <a:r>
+              <a:rPr lang="zh-CN" altLang="zh-CN" sz="1800" dirty="0" smtClean="0"/>
+              <a:t>密度桶</a:t>
+            </a:r>
+            <a:r>
+              <a:rPr lang="zh-CN" altLang="zh-CN" sz="1800" dirty="0"/>
+              <a:t>最大误差为</a:t>
+            </a:r>
+            <a:r>
+              <a:rPr lang="en-US" altLang="zh-CN" sz="1800" dirty="0" smtClean="0"/>
               <a:t>SGS</a:t>
             </a:r>
             <a:r>
-              <a:rPr lang="zh-CN" altLang="zh-CN" sz="1400" dirty="0" smtClean="0"/>
-              <a:t>方法的三分之一或更低，</a:t>
-            </a:r>
-            <a:r>
-              <a:rPr lang="zh-CN" altLang="en-US" sz="1400" dirty="0" smtClean="0"/>
+              <a:rPr lang="zh-CN" altLang="zh-CN" sz="1800" dirty="0" smtClean="0"/>
+              <a:t>方法的二分之一或更低</a:t>
+            </a:r>
+            <a:r>
+              <a:rPr lang="zh-CN" altLang="en-US" sz="1800" dirty="0" smtClean="0"/>
+              <a:t>，时间为</a:t>
+            </a:r>
+            <a:r>
+              <a:rPr lang="en-US" altLang="zh-CN" sz="1800" dirty="0" smtClean="0"/>
+              <a:t>4-8</a:t>
+            </a:r>
+            <a:r>
+              <a:rPr lang="zh-CN" altLang="en-US" sz="1800" dirty="0" smtClean="0"/>
+              <a:t>倍</a:t>
+            </a:r>
+            <a:r>
+              <a:rPr lang="zh-CN" altLang="en-US" sz="1800" dirty="0" smtClean="0"/>
+              <a:t>。</a:t>
+            </a:r>
+          </a:p>
+          <a:p>
+            <a:pPr>
+              <a:buFont typeface="Arial" charset="0"/>
+              <a:buChar char="•"/>
+            </a:pPr>
+            <a:r>
+              <a:rPr lang="zh-CN" altLang="en-US" sz="1800" dirty="0" smtClean="0"/>
+              <a:t>最优网格划分方式为</a:t>
+            </a:r>
+            <a:r>
+              <a:rPr lang="en-US" altLang="zh-CN" sz="1800" dirty="0" smtClean="0"/>
+              <a:t>4ER</a:t>
+            </a:r>
+            <a:r>
+              <a:rPr lang="zh-CN" altLang="en-US" sz="1800" dirty="0" smtClean="0"/>
+              <a:t>或</a:t>
+            </a:r>
+            <a:r>
+              <a:rPr lang="en-US" altLang="zh-CN" sz="1800" dirty="0" smtClean="0"/>
+              <a:t>8ER</a:t>
+            </a:r>
+            <a:r>
+              <a:rPr lang="zh-CN" altLang="en-US" sz="1800" dirty="0" smtClean="0"/>
+              <a:t>。</a:t>
+            </a:r>
+            <a:endParaRPr lang="zh-CN" altLang="en-US" sz="1800" dirty="0" smtClean="0"/>
+          </a:p>
+          <a:p>
+            <a:pPr>
+              <a:buFont typeface="Arial" charset="0"/>
+              <a:buChar char="•"/>
+            </a:pPr>
+            <a:r>
+              <a:rPr lang="zh-CN" altLang="en-US" sz="1800" dirty="0" smtClean="0"/>
+              <a:t>是一种介于</a:t>
+            </a:r>
+            <a:r>
+              <a:rPr lang="en-US" altLang="zh-CN" sz="1800" dirty="0" smtClean="0"/>
+              <a:t>SGS</a:t>
+            </a:r>
+            <a:r>
+              <a:rPr lang="zh-CN" altLang="en-US" sz="1800" dirty="0" smtClean="0"/>
+              <a:t>和</a:t>
+            </a:r>
+            <a:r>
+              <a:rPr lang="en-US" altLang="zh-CN" sz="1800" dirty="0" smtClean="0"/>
+              <a:t>TGS</a:t>
+            </a:r>
+            <a:r>
+              <a:rPr lang="zh-CN" altLang="en-US" sz="1800" dirty="0" smtClean="0"/>
+              <a:t>技术之间的，精度和效率平衡性良好的改进型方法。</a:t>
+            </a:r>
+            <a:endParaRPr lang="zh-CN" altLang="zh-CN" sz="1800" dirty="0" smtClean="0"/>
+          </a:p>
+          <a:p>
+            <a:r>
+              <a:rPr lang="zh-CN" altLang="en-US" sz="2400" dirty="0" smtClean="0">
+                <a:solidFill>
+                  <a:schemeClr val="tx1"/>
+                </a:solidFill>
+              </a:rPr>
+              <a:t>改进了</a:t>
+            </a:r>
+            <a:r>
+              <a:rPr lang="zh-CN" altLang="zh-CN" sz="2400" dirty="0" smtClean="0">
+                <a:solidFill>
+                  <a:schemeClr val="tx1"/>
+                </a:solidFill>
+              </a:rPr>
+              <a:t>双探测器</a:t>
+            </a:r>
+            <a:r>
+              <a:rPr lang="en-US" altLang="zh-CN" sz="2400" dirty="0" smtClean="0">
+                <a:solidFill>
+                  <a:schemeClr val="tx1"/>
+                </a:solidFill>
+              </a:rPr>
+              <a:t>I</a:t>
+            </a:r>
+            <a:r>
+              <a:rPr lang="en-US" altLang="zh-CN" sz="2400" dirty="0" smtClean="0">
+                <a:solidFill>
+                  <a:schemeClr val="tx1"/>
+                </a:solidFill>
+              </a:rPr>
+              <a:t>SGS</a:t>
+            </a:r>
+            <a:r>
+              <a:rPr lang="zh-CN" altLang="en-US" sz="2400" dirty="0" smtClean="0">
+                <a:solidFill>
+                  <a:schemeClr val="tx1"/>
+                </a:solidFill>
+              </a:rPr>
+              <a:t>技术</a:t>
+            </a:r>
+          </a:p>
+          <a:p>
+            <a:pPr>
+              <a:buFont typeface="Arial" charset="0"/>
+              <a:buChar char="•"/>
+            </a:pPr>
+            <a:r>
+              <a:rPr lang="zh-CN" altLang="en-US" sz="1800" dirty="0" smtClean="0"/>
+              <a:t>采用等效半径误差修正、等效层投影的改进策略，可显著提高测量精度，尤其是</a:t>
+            </a:r>
+            <a:r>
+              <a:rPr lang="zh-CN" altLang="en-US" sz="1800" dirty="0" smtClean="0"/>
+              <a:t>对</a:t>
+            </a:r>
+            <a:r>
+              <a:rPr lang="en-US" altLang="zh-CN" sz="1800" dirty="0"/>
+              <a:t>400L</a:t>
+            </a:r>
+            <a:r>
+              <a:rPr lang="zh-CN" altLang="en-US" sz="1800" dirty="0"/>
+              <a:t>高密度桶</a:t>
+            </a:r>
+            <a:r>
+              <a:rPr lang="zh-CN" altLang="en-US" sz="1800" dirty="0" smtClean="0"/>
+              <a:t>。</a:t>
+            </a:r>
+            <a:endParaRPr lang="zh-CN" altLang="en-US" sz="1800" dirty="0" smtClean="0"/>
+          </a:p>
+          <a:p>
+            <a:pPr>
+              <a:buFont typeface="Arial" charset="0"/>
+              <a:buChar char="•"/>
+            </a:pPr>
+            <a:r>
+              <a:rPr lang="zh-CN" altLang="zh-CN" sz="1800" dirty="0" smtClean="0"/>
+              <a:t>与</a:t>
+            </a:r>
+            <a:r>
+              <a:rPr lang="en-US" altLang="zh-CN" sz="1800" dirty="0" smtClean="0"/>
+              <a:t>SGS</a:t>
+            </a:r>
+            <a:r>
+              <a:rPr lang="zh-CN" altLang="zh-CN" sz="1800" dirty="0" smtClean="0"/>
+              <a:t>方法相比，改进型方法的最大误差降低为几分之一，而平均误差降低了接近</a:t>
+            </a:r>
+            <a:r>
+              <a:rPr lang="zh-CN" altLang="zh-CN" sz="1800" dirty="0" smtClean="0"/>
+              <a:t>一半</a:t>
+            </a:r>
+            <a:r>
+              <a:rPr lang="zh-CN" altLang="en-US" sz="1800" dirty="0" smtClean="0"/>
+              <a:t>，</a:t>
+            </a:r>
+            <a:r>
+              <a:rPr lang="zh-CN" altLang="en-US" sz="1800" dirty="0" smtClean="0"/>
               <a:t>时间为</a:t>
             </a:r>
             <a:r>
-              <a:rPr lang="en-US" altLang="zh-CN" sz="1400" dirty="0" smtClean="0"/>
-              <a:t>2-4</a:t>
-            </a:r>
-            <a:r>
-              <a:rPr lang="zh-CN" altLang="en-US" sz="1400" dirty="0" smtClean="0"/>
-              <a:t>倍。</a:t>
-            </a:r>
-            <a:endParaRPr lang="en-US" altLang="zh-CN" sz="1400" dirty="0" smtClean="0"/>
-          </a:p>
-          <a:p>
-            <a:pPr lvl="1"/>
-            <a:r>
-              <a:rPr lang="zh-CN" altLang="zh-CN" sz="1400" dirty="0" smtClean="0"/>
-              <a:t>对于</a:t>
-            </a:r>
-            <a:r>
-              <a:rPr lang="en-US" altLang="zh-CN" sz="1400" dirty="0" smtClean="0"/>
-              <a:t>400L</a:t>
-            </a:r>
-            <a:r>
-              <a:rPr lang="zh-CN" altLang="zh-CN" sz="1400" dirty="0" smtClean="0"/>
-              <a:t>高密度废物</a:t>
-            </a:r>
-            <a:r>
-              <a:rPr lang="zh-CN" altLang="zh-CN" sz="1400" dirty="0"/>
-              <a:t>桶最大误差为</a:t>
-            </a:r>
-            <a:r>
-              <a:rPr lang="en-US" altLang="zh-CN" sz="1400" dirty="0" smtClean="0"/>
-              <a:t>SGS</a:t>
-            </a:r>
-            <a:r>
-              <a:rPr lang="zh-CN" altLang="zh-CN" sz="1400" dirty="0" smtClean="0"/>
-              <a:t>方法的二分之一或更低</a:t>
-            </a:r>
-            <a:r>
-              <a:rPr lang="zh-CN" altLang="en-US" sz="1400" dirty="0" smtClean="0"/>
-              <a:t>，时间为</a:t>
-            </a:r>
-            <a:r>
-              <a:rPr lang="en-US" altLang="zh-CN" sz="1400" dirty="0" smtClean="0"/>
-              <a:t>4-8</a:t>
-            </a:r>
-            <a:r>
-              <a:rPr lang="zh-CN" altLang="en-US" sz="1400" dirty="0" smtClean="0"/>
-              <a:t>倍。</a:t>
-            </a:r>
-            <a:endParaRPr lang="zh-CN" altLang="zh-CN" sz="1400" dirty="0" smtClean="0"/>
-          </a:p>
-          <a:p>
-            <a:r>
-              <a:rPr lang="zh-CN" altLang="zh-CN" sz="2400" dirty="0" smtClean="0"/>
-              <a:t>双探测器改进型</a:t>
-            </a:r>
-            <a:r>
-              <a:rPr lang="en-US" altLang="zh-CN" sz="2400" dirty="0" smtClean="0"/>
-              <a:t>SGS</a:t>
-            </a:r>
-            <a:r>
-              <a:rPr lang="zh-CN" altLang="zh-CN" sz="2400" dirty="0" smtClean="0"/>
-              <a:t>方法的研究</a:t>
-            </a:r>
-          </a:p>
-          <a:p>
-            <a:pPr lvl="1"/>
-            <a:r>
-              <a:rPr lang="zh-CN" altLang="zh-CN" sz="1400" dirty="0" smtClean="0"/>
-              <a:t>修正了双探测器等效半径之间的偏差</a:t>
-            </a:r>
-            <a:r>
-              <a:rPr lang="zh-CN" altLang="en-US" sz="1400" dirty="0" smtClean="0"/>
+              <a:rPr lang="en-US" altLang="zh-CN" sz="1800" dirty="0" smtClean="0"/>
+              <a:t>2</a:t>
+            </a:r>
+            <a:r>
+              <a:rPr lang="zh-CN" altLang="en-US" sz="1800" dirty="0" smtClean="0"/>
+              <a:t>倍</a:t>
+            </a:r>
+            <a:r>
+              <a:rPr lang="zh-CN" altLang="zh-CN" sz="1800" dirty="0" smtClean="0"/>
               <a:t>。</a:t>
             </a:r>
-            <a:endParaRPr lang="en-US" altLang="zh-CN" sz="1400" dirty="0" smtClean="0"/>
-          </a:p>
-          <a:p>
-            <a:pPr lvl="1"/>
-            <a:r>
-              <a:rPr lang="zh-CN" altLang="zh-CN" sz="1400" dirty="0" smtClean="0"/>
-              <a:t>将桶内的所有放射性核素投影于一等效层内</a:t>
-            </a:r>
-            <a:r>
-              <a:rPr lang="zh-CN" altLang="en-US" sz="1400" dirty="0" smtClean="0"/>
-              <a:t>。</a:t>
-            </a:r>
-            <a:r>
-              <a:rPr lang="zh-CN" altLang="zh-CN" sz="1400" dirty="0" smtClean="0"/>
-              <a:t>以避免重建</a:t>
-            </a:r>
-            <a:r>
-              <a:rPr lang="zh-CN" altLang="en-US" sz="1400" dirty="0" smtClean="0"/>
-              <a:t>迭代</a:t>
-            </a:r>
-            <a:r>
-              <a:rPr lang="zh-CN" altLang="zh-CN" sz="1400" dirty="0" smtClean="0"/>
-              <a:t>。</a:t>
-            </a:r>
-            <a:endParaRPr lang="en-US" altLang="zh-CN" sz="1400" dirty="0" smtClean="0"/>
-          </a:p>
-          <a:p>
-            <a:pPr lvl="1"/>
-            <a:r>
-              <a:rPr lang="zh-CN" altLang="zh-CN" sz="1400" dirty="0" smtClean="0"/>
-              <a:t>改进型方法在</a:t>
-            </a:r>
-            <a:r>
-              <a:rPr lang="en-US" altLang="zh-CN" sz="1400" dirty="0" smtClean="0"/>
-              <a:t>400L</a:t>
-            </a:r>
-            <a:r>
-              <a:rPr lang="zh-CN" altLang="zh-CN" sz="1400" dirty="0" smtClean="0"/>
-              <a:t>高密度废物桶的探测效果得到验证</a:t>
-            </a:r>
-            <a:r>
-              <a:rPr lang="zh-CN" altLang="en-US" sz="1400" dirty="0"/>
-              <a:t>。</a:t>
-            </a:r>
-            <a:endParaRPr lang="en-US" altLang="zh-CN" sz="1400" dirty="0" smtClean="0"/>
-          </a:p>
-          <a:p>
-            <a:pPr lvl="1"/>
-            <a:r>
-              <a:rPr lang="zh-CN" altLang="zh-CN" sz="1400" dirty="0" smtClean="0"/>
-              <a:t>与</a:t>
-            </a:r>
-            <a:r>
-              <a:rPr lang="en-US" altLang="zh-CN" sz="1400" dirty="0" smtClean="0"/>
-              <a:t>SGS</a:t>
-            </a:r>
-            <a:r>
-              <a:rPr lang="zh-CN" altLang="zh-CN" sz="1400" dirty="0" smtClean="0"/>
-              <a:t>方法相比，改进型方法的最大误差降低为几分之一，而平均误差降低了接近一半。</a:t>
-            </a:r>
-            <a:endParaRPr lang="en-US" altLang="zh-CN" sz="1400" dirty="0" smtClean="0"/>
+            <a:endParaRPr lang="zh-CN" altLang="en-US" sz="1800" dirty="0" smtClean="0"/>
+          </a:p>
+          <a:p>
+            <a:pPr>
+              <a:buFont typeface="Arial" charset="0"/>
+              <a:buChar char="•"/>
+            </a:pPr>
+            <a:r>
+              <a:rPr lang="zh-CN" altLang="en-US" sz="1800" dirty="0" smtClean="0"/>
+              <a:t>比</a:t>
+            </a:r>
+            <a:r>
+              <a:rPr lang="en-US" altLang="zh-CN" sz="1800" dirty="0" smtClean="0"/>
+              <a:t>STGS</a:t>
+            </a:r>
+            <a:r>
+              <a:rPr lang="zh-CN" altLang="en-US" sz="1800" dirty="0" smtClean="0"/>
+              <a:t>测量时间更短而精度接近。</a:t>
+            </a:r>
+            <a:endParaRPr lang="en-US" altLang="zh-CN" sz="1800" dirty="0" smtClean="0"/>
           </a:p>
           <a:p>
             <a:pPr marL="457200" lvl="1" indent="0">
@@ -28913,7 +32590,7 @@
 </p:sld>
 </file>
 
-<file path=ppt/slides/slide26.xml><?xml version="1.0" encoding="utf-8"?>
+<file path=ppt/slides/slide28.xml><?xml version="1.0" encoding="utf-8"?>
 <p:sld xmlns:a="http://schemas.openxmlformats.org/drawingml/2006/main" xmlns:r="http://schemas.openxmlformats.org/officeDocument/2006/relationships" xmlns:p="http://schemas.openxmlformats.org/presentationml/2006/main">
   <p:cSld>
     <p:spTree>
@@ -28973,74 +32650,112 @@
             <p:ph idx="1"/>
           </p:nvPr>
         </p:nvSpPr>
-        <p:spPr/>
+        <p:spPr>
+          <a:xfrm>
+            <a:off x="431800" y="1622989"/>
+            <a:ext cx="8229600" cy="3715927"/>
+          </a:xfrm>
+        </p:spPr>
         <p:txBody>
           <a:bodyPr/>
           <a:lstStyle/>
           <a:p>
+            <a:pPr marL="457200" indent="-457200">
+              <a:buFont typeface="Wingdings" charset="2"/>
+              <a:buChar char="v"/>
+            </a:pPr>
             <a:r>
               <a:rPr lang="zh-CN" altLang="en-US" dirty="0" smtClean="0"/>
-              <a:t>系统参数：</a:t>
-            </a:r>
+              <a:t>系统</a:t>
+            </a:r>
+            <a:r>
+              <a:rPr lang="zh-CN" altLang="en-US" dirty="0" smtClean="0"/>
+              <a:t>各项</a:t>
+            </a:r>
+            <a:r>
+              <a:rPr lang="zh-CN" altLang="en-US" dirty="0" smtClean="0"/>
+              <a:t>参数</a:t>
+            </a:r>
+            <a:r>
+              <a:rPr lang="zh-CN" altLang="en-US" dirty="0" smtClean="0"/>
+              <a:t>的优化</a:t>
+            </a:r>
+          </a:p>
+          <a:p>
+            <a:pPr marL="457200" indent="-457200">
+              <a:buFont typeface="Wingdings" charset="2"/>
+              <a:buChar char="v"/>
+            </a:pPr>
             <a:r>
               <a:rPr lang="zh-CN" altLang="zh-CN" dirty="0" smtClean="0"/>
-              <a:t>准直器尺寸</a:t>
+              <a:t>迭代</a:t>
+            </a:r>
+            <a:r>
+              <a:rPr lang="zh-CN" altLang="zh-CN" dirty="0" smtClean="0"/>
+              <a:t>算法</a:t>
+            </a:r>
+            <a:r>
+              <a:rPr lang="zh-CN" altLang="zh-CN" dirty="0" smtClean="0"/>
+              <a:t>的</a:t>
             </a:r>
             <a:r>
               <a:rPr lang="zh-CN" altLang="en-US" dirty="0" smtClean="0"/>
-              <a:t>、</a:t>
+              <a:t>优化</a:t>
+            </a:r>
+          </a:p>
+          <a:p>
+            <a:pPr marL="457200" indent="-457200">
+              <a:buFont typeface="Wingdings" charset="2"/>
+              <a:buChar char="v"/>
+            </a:pPr>
+            <a:r>
+              <a:rPr lang="zh-CN" altLang="en-US" dirty="0" smtClean="0"/>
+              <a:t>优化</a:t>
             </a:r>
             <a:r>
               <a:rPr lang="zh-CN" altLang="zh-CN" dirty="0" smtClean="0"/>
-              <a:t>分层高度、探测器</a:t>
+              <a:t>策略</a:t>
             </a:r>
             <a:r>
               <a:rPr lang="zh-CN" altLang="en-US" dirty="0" smtClean="0"/>
-              <a:t>位置、</a:t>
+              <a:t>的</a:t>
             </a:r>
             <a:r>
               <a:rPr lang="zh-CN" altLang="zh-CN" dirty="0" smtClean="0"/>
-              <a:t>探测器偏心步长</a:t>
-            </a:r>
-            <a:endParaRPr lang="en-US" altLang="zh-CN" dirty="0" smtClean="0"/>
-          </a:p>
-          <a:p>
+              <a:t>推广</a:t>
+            </a:r>
+            <a:endParaRPr lang="zh-CN" altLang="zh-CN" dirty="0" smtClean="0"/>
+          </a:p>
+          <a:p>
+            <a:pPr marL="457200" indent="-457200">
+              <a:buFont typeface="Wingdings" charset="2"/>
+              <a:buChar char="v"/>
+            </a:pPr>
             <a:r>
               <a:rPr lang="zh-CN" altLang="zh-CN" dirty="0" smtClean="0"/>
-              <a:t>不同噪声水平下最佳统计迭代算法的选择</a:t>
-            </a:r>
-            <a:endParaRPr lang="en-US" altLang="zh-CN" dirty="0" smtClean="0"/>
-          </a:p>
-          <a:p>
+              <a:t>全面充分的实验</a:t>
+            </a:r>
             <a:r>
               <a:rPr lang="zh-CN" altLang="zh-CN" dirty="0" smtClean="0"/>
-              <a:t>将废物桶中不同层的全部核素都投影在一个等效层内的策略推广</a:t>
-            </a:r>
-          </a:p>
-          <a:p>
-            <a:r>
-              <a:rPr lang="zh-CN" altLang="zh-CN" dirty="0" smtClean="0"/>
-              <a:t>全面充分的实验工作</a:t>
-            </a:r>
-            <a:r>
-              <a:rPr lang="zh-CN" altLang="en-US" dirty="0" smtClean="0"/>
-              <a:t>，</a:t>
-            </a:r>
-            <a:r>
-              <a:rPr lang="zh-CN" altLang="zh-CN" dirty="0" smtClean="0"/>
-              <a:t>不同种类的中低放废物进行测量</a:t>
-            </a:r>
-            <a:r>
-              <a:rPr lang="zh-CN" altLang="en-US" dirty="0" smtClean="0"/>
-              <a:t>，以及对</a:t>
-            </a:r>
-            <a:r>
-              <a:rPr lang="zh-CN" altLang="zh-CN" dirty="0" smtClean="0"/>
-              <a:t>测量不确定度和可探测限进行分析</a:t>
-            </a:r>
-            <a:endParaRPr lang="en-US" altLang="zh-CN" dirty="0" smtClean="0"/>
-          </a:p>
-          <a:p>
+              <a:t>工作</a:t>
+            </a:r>
+            <a:endParaRPr lang="zh-CN" altLang="en-US" dirty="0" smtClean="0"/>
+          </a:p>
+          <a:p>
+            <a:pPr marL="457200" indent="-457200">
+              <a:buFont typeface="Wingdings" charset="2"/>
+              <a:buChar char="v"/>
+            </a:pPr>
+            <a:r>
+              <a:rPr lang="zh-CN" altLang="en-US" dirty="0"/>
+              <a:t>测量不确定度和可探测限</a:t>
+            </a:r>
+          </a:p>
+          <a:p>
+            <a:pPr marL="457200" indent="-457200">
+              <a:buFont typeface="Wingdings" charset="2"/>
+              <a:buChar char="v"/>
+            </a:pPr>
             <a:r>
               <a:rPr lang="en-US" altLang="zh-CN" dirty="0" smtClean="0"/>
               <a:t>400L</a:t>
@@ -29061,7 +32776,7 @@
 </p:sld>
 </file>
 
-<file path=ppt/slides/slide27.xml><?xml version="1.0" encoding="utf-8"?>
+<file path=ppt/slides/slide29.xml><?xml version="1.0" encoding="utf-8"?>
 <p:sld xmlns:a="http://schemas.openxmlformats.org/drawingml/2006/main" xmlns:r="http://schemas.openxmlformats.org/officeDocument/2006/relationships" xmlns:p="http://schemas.openxmlformats.org/presentationml/2006/main">
   <p:cSld>
     <p:spTree>
@@ -31399,10 +35114,14 @@
           </a:bodyPr>
           <a:lstStyle/>
           <a:p>
-            <a:r>
-              <a:rPr lang="en-US" altLang="zh-CN" dirty="0">
-                <a:solidFill>
-                  <a:schemeClr val="accent6"/>
+            <a:pPr>
+              <a:buFont typeface="Arial" charset="0"/>
+              <a:buChar char="•"/>
+            </a:pPr>
+            <a:r>
+              <a:rPr lang="en-US" altLang="zh-CN" sz="2400" dirty="0">
+                <a:solidFill>
+                  <a:srgbClr val="004098"/>
                 </a:solidFill>
                 <a:latin typeface="Times New Roman" panose="02020603050405020304" pitchFamily="18" charset="0"/>
                 <a:ea typeface="宋体" panose="02010600030101010101" pitchFamily="2" charset="-122"/>
@@ -31410,9 +35129,9 @@
               <a:t>SGS</a:t>
             </a:r>
             <a:r>
-              <a:rPr lang="zh-CN" altLang="en-US" dirty="0">
-                <a:solidFill>
-                  <a:schemeClr val="accent6"/>
+              <a:rPr lang="zh-CN" altLang="en-US" sz="2400" dirty="0">
+                <a:solidFill>
+                  <a:srgbClr val="004098"/>
                 </a:solidFill>
                 <a:latin typeface="Times New Roman" panose="02020603050405020304" pitchFamily="18" charset="0"/>
                 <a:ea typeface="宋体" panose="02010600030101010101" pitchFamily="2" charset="-122"/>
@@ -31802,20 +35521,24 @@
         </p:nvSpPr>
         <p:spPr>
           <a:xfrm>
-            <a:off x="4500563" y="1392237"/>
-            <a:ext cx="4394200" cy="3529013"/>
+            <a:off x="4500563" y="1585912"/>
+            <a:ext cx="4551964" cy="3581401"/>
           </a:xfrm>
         </p:spPr>
         <p:txBody>
           <a:bodyPr/>
           <a:lstStyle/>
           <a:p>
-            <a:r>
-              <a:rPr lang="en-US" altLang="zh-CN" dirty="0" smtClean="0"/>
+            <a:pPr>
+              <a:buFont typeface="Arial" charset="0"/>
+              <a:buChar char="•"/>
+            </a:pPr>
+            <a:r>
+              <a:rPr lang="en-US" altLang="zh-CN" sz="2400" dirty="0" smtClean="0"/>
               <a:t>TGS</a:t>
             </a:r>
             <a:r>
-              <a:rPr lang="zh-CN" altLang="en-US" dirty="0" smtClean="0"/>
+              <a:rPr lang="zh-CN" altLang="en-US" sz="2400" dirty="0" smtClean="0"/>
               <a:t>将废物桶每层再划分为若干网格。</a:t>
             </a:r>
           </a:p>
@@ -31844,7 +35567,7 @@
         </p:blipFill>
         <p:spPr bwMode="auto">
           <a:xfrm>
-            <a:off x="0" y="1339850"/>
+            <a:off x="0" y="1581944"/>
             <a:ext cx="4500563" cy="2867025"/>
           </a:xfrm>
           <a:prstGeom prst="rect">
@@ -31885,7 +35608,7 @@
         </p:nvSpPr>
         <p:spPr bwMode="auto">
           <a:xfrm>
-            <a:off x="177800" y="5159375"/>
+            <a:off x="302418" y="5167313"/>
             <a:ext cx="8966200" cy="936625"/>
           </a:xfrm>
           <a:prstGeom prst="rect">
@@ -32034,7 +35757,7 @@
             </a:lvl9pPr>
           </a:lstStyle>
           <a:p>
-            <a:pPr>
+            <a:pPr marL="342900" indent="-342900">
               <a:lnSpc>
                 <a:spcPct val="110000"/>
               </a:lnSpc>
@@ -32042,6 +35765,8 @@
                 <a:spcPct val="20000"/>
               </a:spcBef>
               <a:buSzPct val="120000"/>
+              <a:buFont typeface="Arial" charset="0"/>
+              <a:buChar char="•"/>
             </a:pPr>
             <a:r>
               <a:rPr lang="en-US" altLang="zh-CN" sz="2400" dirty="0" smtClean="0">
@@ -32072,7 +35797,7 @@
             </a:endParaRPr>
           </a:p>
           <a:p>
-            <a:pPr>
+            <a:pPr marL="342900" indent="-342900">
               <a:lnSpc>
                 <a:spcPct val="110000"/>
               </a:lnSpc>
@@ -32080,6 +35805,8 @@
                 <a:spcPct val="20000"/>
               </a:spcBef>
               <a:buSzPct val="120000"/>
+              <a:buFont typeface="Arial" charset="0"/>
+              <a:buChar char="•"/>
             </a:pPr>
             <a:r>
               <a:rPr lang="en-US" altLang="zh-CN" sz="2400" dirty="0" smtClean="0">
@@ -32089,7 +35816,7 @@
                 <a:ea typeface="黑体" panose="02010609060101010101" pitchFamily="49" charset="-122"/>
                 <a:sym typeface="Arial" panose="020B0604020202020204" pitchFamily="34" charset="0"/>
               </a:rPr>
-              <a:t>Pet-CT</a:t>
+              <a:t>CT</a:t>
             </a:r>
             <a:r>
               <a:rPr lang="zh-CN" altLang="en-US" sz="2400" dirty="0" smtClean="0">
@@ -36340,8 +40067,8 @@
         </p:nvSpPr>
         <p:spPr bwMode="auto">
           <a:xfrm>
-            <a:off x="1600200" y="4730939"/>
-            <a:ext cx="6070893" cy="1569660"/>
+            <a:off x="1600200" y="4638606"/>
+            <a:ext cx="6070893" cy="1754326"/>
           </a:xfrm>
           <a:prstGeom prst="rect">
             <a:avLst/>
@@ -36491,6 +40218,27 @@
               <a:buChar char="•"/>
             </a:pPr>
             <a:r>
+              <a:rPr kumimoji="1" lang="zh-CN" altLang="en-US" sz="2400" dirty="0"/>
+              <a:t>兼具快速、准确的技术具有</a:t>
+            </a:r>
+            <a:r>
+              <a:rPr kumimoji="1" lang="zh-CN" altLang="en-US" sz="2400" dirty="0">
+                <a:solidFill>
+                  <a:srgbClr val="C00000"/>
+                </a:solidFill>
+              </a:rPr>
+              <a:t>理论研究价值</a:t>
+            </a:r>
+          </a:p>
+          <a:p>
+            <a:pPr marL="342900" indent="-342900">
+              <a:lnSpc>
+                <a:spcPct val="150000"/>
+              </a:lnSpc>
+              <a:buFont typeface="Arial" panose="020B0604020202020204" pitchFamily="34" charset="0"/>
+              <a:buChar char="•"/>
+            </a:pPr>
+            <a:r>
               <a:rPr lang="zh-CN" altLang="en-US" sz="2400" dirty="0" smtClean="0">
                 <a:latin typeface="Times New Roman" panose="02020603050405020304" pitchFamily="18" charset="0"/>
                 <a:ea typeface="宋体" panose="02010600030101010101" pitchFamily="2" charset="-122"/>
@@ -36517,24 +40265,6 @@
                 <a:ea typeface="宋体" panose="02010600030101010101" pitchFamily="2" charset="-122"/>
               </a:rPr>
               <a:t>技术</a:t>
-            </a:r>
-          </a:p>
-          <a:p>
-            <a:pPr marL="342900" indent="-342900">
-              <a:buFont typeface="Arial" panose="020B0604020202020204" pitchFamily="34" charset="0"/>
-              <a:buChar char="•"/>
-            </a:pPr>
-            <a:r>
-              <a:rPr kumimoji="1" lang="zh-CN" altLang="en-US" sz="2400" dirty="0"/>
-              <a:t>兼具快速、准确的技术具有</a:t>
-            </a:r>
-            <a:r>
-              <a:rPr kumimoji="1" lang="zh-CN" altLang="en-US" sz="2400" dirty="0">
-                <a:solidFill>
-                  <a:srgbClr val="C00000"/>
-                </a:solidFill>
-              </a:rPr>
-              <a:t>理论研究价值</a:t>
             </a:r>
           </a:p>
           <a:p>
@@ -37060,14 +40790,14 @@
             <a:r>
               <a:rPr lang="zh-CN" altLang="en-US" sz="2000" dirty="0" smtClean="0">
                 <a:solidFill>
-                  <a:schemeClr val="tx1"/>
+                  <a:srgbClr val="004195"/>
                 </a:solidFill>
               </a:rPr>
               <a:t>假设核素主要以热点形式存在</a:t>
             </a:r>
             <a:endParaRPr lang="en-US" altLang="zh-CN" sz="2000" dirty="0" smtClean="0">
               <a:solidFill>
-                <a:schemeClr val="tx1"/>
+                <a:srgbClr val="004195"/>
               </a:solidFill>
             </a:endParaRPr>
           </a:p>
@@ -37079,7 +40809,7 @@
             <a:r>
               <a:rPr lang="zh-CN" altLang="en-US" sz="2000" dirty="0" smtClean="0">
                 <a:solidFill>
-                  <a:schemeClr val="tx1"/>
+                  <a:srgbClr val="004195"/>
                 </a:solidFill>
               </a:rPr>
               <a:t>每层周向</a:t>
@@ -37087,7 +40817,7 @@
             <a:r>
               <a:rPr lang="en-US" altLang="zh-CN" sz="2000" dirty="0">
                 <a:solidFill>
-                  <a:schemeClr val="tx1"/>
+                  <a:srgbClr val="004195"/>
                 </a:solidFill>
               </a:rPr>
               <a:t>30</a:t>
@@ -37095,7 +40825,7 @@
             <a:r>
               <a:rPr lang="en-US" altLang="zh-CN" sz="2000" dirty="0" smtClean="0">
                 <a:solidFill>
-                  <a:schemeClr val="tx1"/>
+                  <a:srgbClr val="004195"/>
                 </a:solidFill>
               </a:rPr>
               <a:t>°</a:t>
@@ -37103,14 +40833,14 @@
             <a:r>
               <a:rPr lang="zh-CN" altLang="en-US" sz="2000" dirty="0" smtClean="0">
                 <a:solidFill>
-                  <a:schemeClr val="tx1"/>
+                  <a:srgbClr val="004195"/>
                 </a:solidFill>
               </a:rPr>
               <a:t>为步长，进行步进扫描，确定热点位置</a:t>
             </a:r>
             <a:endParaRPr lang="en-US" altLang="zh-CN" sz="2000" dirty="0" smtClean="0">
               <a:solidFill>
-                <a:schemeClr val="tx1"/>
+                <a:srgbClr val="004195"/>
               </a:solidFill>
             </a:endParaRPr>
           </a:p>
@@ -37122,14 +40852,14 @@
             <a:r>
               <a:rPr lang="zh-CN" altLang="en-US" sz="2000" dirty="0" smtClean="0">
                 <a:solidFill>
-                  <a:schemeClr val="tx1"/>
+                  <a:srgbClr val="004195"/>
                 </a:solidFill>
               </a:rPr>
               <a:t>对有限热点情况有效</a:t>
             </a:r>
             <a:endParaRPr lang="en-US" altLang="zh-CN" sz="2000" dirty="0" smtClean="0">
               <a:solidFill>
-                <a:schemeClr val="tx1"/>
+                <a:srgbClr val="004195"/>
               </a:solidFill>
             </a:endParaRPr>
           </a:p>
@@ -37447,14 +41177,14 @@
             <a:r>
               <a:rPr lang="zh-CN" altLang="en-US" sz="2000" dirty="0" smtClean="0">
                 <a:solidFill>
-                  <a:schemeClr val="tx1"/>
+                  <a:srgbClr val="004195"/>
                 </a:solidFill>
               </a:rPr>
               <a:t>假设核素主要以热点形式存在</a:t>
             </a:r>
             <a:endParaRPr lang="en-US" altLang="zh-CN" sz="2000" dirty="0" smtClean="0">
               <a:solidFill>
-                <a:schemeClr val="tx1"/>
+                <a:srgbClr val="004195"/>
               </a:solidFill>
             </a:endParaRPr>
           </a:p>
@@ -37467,7 +41197,7 @@
             <a:r>
               <a:rPr lang="zh-CN" altLang="en-US" sz="2000" dirty="0" smtClean="0">
                 <a:solidFill>
-                  <a:schemeClr val="tx1"/>
+                  <a:srgbClr val="004195"/>
                 </a:solidFill>
               </a:rPr>
               <a:t>细分目标</a:t>
@@ -37475,14 +41205,14 @@
             <a:r>
               <a:rPr lang="zh-CN" altLang="zh-CN" sz="2000" dirty="0" smtClean="0">
                 <a:solidFill>
-                  <a:schemeClr val="tx1"/>
+                  <a:srgbClr val="004195"/>
                 </a:solidFill>
               </a:rPr>
               <a:t>网格，精确的定位热点</a:t>
             </a:r>
             <a:endParaRPr lang="en-US" altLang="zh-CN" sz="2000" dirty="0" smtClean="0">
               <a:solidFill>
-                <a:schemeClr val="tx1"/>
+                <a:srgbClr val="004195"/>
               </a:solidFill>
             </a:endParaRPr>
           </a:p>
@@ -37495,14 +41225,14 @@
             <a:r>
               <a:rPr lang="zh-CN" altLang="en-US" sz="2000" dirty="0" smtClean="0">
                 <a:solidFill>
-                  <a:schemeClr val="tx1"/>
+                  <a:srgbClr val="004195"/>
                 </a:solidFill>
               </a:rPr>
               <a:t>精度不变，测量时间减半</a:t>
             </a:r>
             <a:endParaRPr lang="en-US" altLang="zh-CN" sz="2000" dirty="0" smtClean="0">
               <a:solidFill>
-                <a:schemeClr val="tx1"/>
+                <a:srgbClr val="004195"/>
               </a:solidFill>
             </a:endParaRPr>
           </a:p>
@@ -37593,7 +41323,7 @@
         <p:spPr bwMode="auto">
           <a:xfrm>
             <a:off x="685800" y="1371600"/>
-            <a:ext cx="8229600" cy="4525963"/>
+            <a:ext cx="7975600" cy="4525963"/>
           </a:xfrm>
           <a:prstGeom prst="rect">
             <a:avLst/>
@@ -37911,8 +41641,23 @@
               <a:buFont typeface="Arial" panose="020B0604020202020204" pitchFamily="34" charset="0"/>
               <a:buChar char="•"/>
             </a:pPr>
-            <a:r>
-              <a:rPr lang="zh-CN" altLang="en-US" sz="2400" dirty="0" smtClean="0"/>
+            <a:endParaRPr lang="zh-CN" altLang="en-US" sz="2000" dirty="0" smtClean="0">
+              <a:solidFill>
+                <a:schemeClr val="tx1"/>
+              </a:solidFill>
+            </a:endParaRPr>
+          </a:p>
+          <a:p>
+            <a:pPr marL="457200" indent="-457200">
+              <a:buFont typeface="Arial" panose="020B0604020202020204" pitchFamily="34" charset="0"/>
+              <a:buChar char="•"/>
+            </a:pPr>
+            <a:r>
+              <a:rPr lang="zh-CN" altLang="en-US" sz="2400" dirty="0" smtClean="0">
+                <a:solidFill>
+                  <a:schemeClr val="tx1"/>
+                </a:solidFill>
+              </a:rPr>
               <a:t>极端情况</a:t>
             </a:r>
           </a:p>
@@ -37984,23 +41729,7 @@
                   <a:schemeClr val="tx1"/>
                 </a:solidFill>
               </a:rPr>
-              <a:t>的</a:t>
-            </a:r>
-            <a:r>
-              <a:rPr lang="zh-CN" altLang="en-US" sz="2400" dirty="0" smtClean="0">
-                <a:solidFill>
-                  <a:schemeClr val="tx1"/>
-                </a:solidFill>
-              </a:rPr>
-              <a:t>前提</a:t>
-            </a:r>
-            <a:r>
-              <a:rPr lang="zh-CN" altLang="en-US" sz="2400" dirty="0" smtClean="0">
-                <a:solidFill>
-                  <a:schemeClr val="tx1"/>
-                </a:solidFill>
-              </a:rPr>
-              <a:t>假设</a:t>
+              <a:t>的前提假设</a:t>
             </a:r>
             <a:r>
               <a:rPr lang="zh-CN" altLang="en-US" sz="2400" dirty="0">

--- a/答辩/毕业答辩报告v2-饶开源.pptx
+++ b/答辩/毕业答辩报告v2-饶开源.pptx
@@ -334,7 +334,7 @@
                   <c:v>7.43</c:v>
                 </c:pt>
                 <c:pt idx="4">
-                  <c:v>4.65</c:v>
+                  <c:v>4.649999999999999</c:v>
                 </c:pt>
                 <c:pt idx="5">
                   <c:v>3.49</c:v>
@@ -488,11 +488,11 @@
           <c:showBubbleSize val="0"/>
         </c:dLbls>
         <c:gapWidth val="150"/>
-        <c:axId val="2124115408"/>
-        <c:axId val="2117457552"/>
+        <c:axId val="-2142846480"/>
+        <c:axId val="-2143019920"/>
       </c:barChart>
       <c:catAx>
-        <c:axId val="2124115408"/>
+        <c:axId val="-2142846480"/>
         <c:scaling>
           <c:orientation val="minMax"/>
         </c:scaling>
@@ -529,7 +529,7 @@
             <a:endParaRPr lang="en-US"/>
           </a:p>
         </c:txPr>
-        <c:crossAx val="2117457552"/>
+        <c:crossAx val="-2143019920"/>
         <c:crosses val="autoZero"/>
         <c:auto val="1"/>
         <c:lblAlgn val="ctr"/>
@@ -537,7 +537,7 @@
         <c:noMultiLvlLbl val="0"/>
       </c:catAx>
       <c:valAx>
-        <c:axId val="2117457552"/>
+        <c:axId val="-2143019920"/>
         <c:scaling>
           <c:orientation val="minMax"/>
         </c:scaling>
@@ -588,7 +588,7 @@
             <a:endParaRPr lang="en-US"/>
           </a:p>
         </c:txPr>
-        <c:crossAx val="2124115408"/>
+        <c:crossAx val="-2142846480"/>
         <c:crosses val="autoZero"/>
         <c:crossBetween val="between"/>
       </c:valAx>
@@ -828,7 +828,7 @@
                   <c:v>16.91</c:v>
                 </c:pt>
                 <c:pt idx="6">
-                  <c:v>7.86</c:v>
+                  <c:v>7.859999999999999</c:v>
                 </c:pt>
                 <c:pt idx="7">
                   <c:v>18.9</c:v>
@@ -996,7 +996,7 @@
                   <c:v>6.95</c:v>
                 </c:pt>
                 <c:pt idx="6">
-                  <c:v>7.32</c:v>
+                  <c:v>7.319999999999999</c:v>
                 </c:pt>
                 <c:pt idx="7">
                   <c:v>5.13</c:v>
@@ -1014,11 +1014,11 @@
           <c:showBubbleSize val="0"/>
         </c:dLbls>
         <c:gapWidth val="150"/>
-        <c:axId val="2116869072"/>
-        <c:axId val="2116113744"/>
+        <c:axId val="2134303376"/>
+        <c:axId val="2134151744"/>
       </c:barChart>
       <c:catAx>
-        <c:axId val="2116869072"/>
+        <c:axId val="2134303376"/>
         <c:scaling>
           <c:orientation val="minMax"/>
         </c:scaling>
@@ -1055,7 +1055,7 @@
             <a:endParaRPr lang="en-US"/>
           </a:p>
         </c:txPr>
-        <c:crossAx val="2116113744"/>
+        <c:crossAx val="2134151744"/>
         <c:crosses val="autoZero"/>
         <c:auto val="1"/>
         <c:lblAlgn val="ctr"/>
@@ -1063,7 +1063,7 @@
         <c:noMultiLvlLbl val="0"/>
       </c:catAx>
       <c:valAx>
-        <c:axId val="2116113744"/>
+        <c:axId val="2134151744"/>
         <c:scaling>
           <c:orientation val="minMax"/>
         </c:scaling>
@@ -1114,7 +1114,7 @@
             <a:endParaRPr lang="en-US"/>
           </a:p>
         </c:txPr>
-        <c:crossAx val="2116869072"/>
+        <c:crossAx val="2134303376"/>
         <c:crosses val="autoZero"/>
         <c:crossBetween val="between"/>
       </c:valAx>
@@ -1490,11 +1490,11 @@
           <c:showBubbleSize val="0"/>
         </c:dLbls>
         <c:gapWidth val="150"/>
-        <c:axId val="-1154969760"/>
-        <c:axId val="-1154966832"/>
+        <c:axId val="2136754576"/>
+        <c:axId val="-2143580816"/>
       </c:barChart>
       <c:catAx>
-        <c:axId val="-1154969760"/>
+        <c:axId val="2136754576"/>
         <c:scaling>
           <c:orientation val="minMax"/>
         </c:scaling>
@@ -1531,7 +1531,7 @@
             <a:endParaRPr lang="en-US"/>
           </a:p>
         </c:txPr>
-        <c:crossAx val="-1154966832"/>
+        <c:crossAx val="-2143580816"/>
         <c:crosses val="autoZero"/>
         <c:auto val="1"/>
         <c:lblAlgn val="ctr"/>
@@ -1539,7 +1539,7 @@
         <c:noMultiLvlLbl val="0"/>
       </c:catAx>
       <c:valAx>
-        <c:axId val="-1154966832"/>
+        <c:axId val="-2143580816"/>
         <c:scaling>
           <c:orientation val="minMax"/>
         </c:scaling>
@@ -1590,7 +1590,7 @@
             <a:endParaRPr lang="en-US"/>
           </a:p>
         </c:txPr>
-        <c:crossAx val="-1154969760"/>
+        <c:crossAx val="2136754576"/>
         <c:crosses val="autoZero"/>
         <c:crossBetween val="between"/>
       </c:valAx>
@@ -2231,12 +2231,12 @@
         </c:dLbls>
         <c:gapWidth val="150"/>
         <c:shape val="box"/>
-        <c:axId val="2125823920"/>
-        <c:axId val="2114844768"/>
-        <c:axId val="-1959533616"/>
+        <c:axId val="2136860704"/>
+        <c:axId val="-2143957456"/>
+        <c:axId val="-2143958224"/>
       </c:bar3DChart>
       <c:catAx>
-        <c:axId val="2125823920"/>
+        <c:axId val="2136860704"/>
         <c:scaling>
           <c:orientation val="minMax"/>
         </c:scaling>
@@ -2273,7 +2273,7 @@
             <a:endParaRPr lang="en-US"/>
           </a:p>
         </c:txPr>
-        <c:crossAx val="2114844768"/>
+        <c:crossAx val="-2143957456"/>
         <c:crosses val="autoZero"/>
         <c:auto val="1"/>
         <c:lblAlgn val="ctr"/>
@@ -2281,7 +2281,7 @@
         <c:noMultiLvlLbl val="0"/>
       </c:catAx>
       <c:valAx>
-        <c:axId val="2114844768"/>
+        <c:axId val="-2143957456"/>
         <c:scaling>
           <c:orientation val="minMax"/>
         </c:scaling>
@@ -2332,12 +2332,12 @@
             <a:endParaRPr lang="en-US"/>
           </a:p>
         </c:txPr>
-        <c:crossAx val="2125823920"/>
+        <c:crossAx val="2136860704"/>
         <c:crosses val="autoZero"/>
         <c:crossBetween val="between"/>
       </c:valAx>
       <c:serAx>
-        <c:axId val="-1959533616"/>
+        <c:axId val="-2143958224"/>
         <c:scaling>
           <c:orientation val="minMax"/>
         </c:scaling>
@@ -2373,7 +2373,7 @@
             <a:endParaRPr lang="en-US"/>
           </a:p>
         </c:txPr>
-        <c:crossAx val="2114844768"/>
+        <c:crossAx val="-2143957456"/>
         <c:crosses val="autoZero"/>
       </c:serAx>
       <c:spPr>
@@ -2981,12 +2981,12 @@
         </c:dLbls>
         <c:gapWidth val="150"/>
         <c:shape val="box"/>
-        <c:axId val="2117022608"/>
-        <c:axId val="2116093936"/>
-        <c:axId val="2116277664"/>
+        <c:axId val="2062186864"/>
+        <c:axId val="2054165472"/>
+        <c:axId val="2062079520"/>
       </c:bar3DChart>
       <c:catAx>
-        <c:axId val="2117022608"/>
+        <c:axId val="2062186864"/>
         <c:scaling>
           <c:orientation val="minMax"/>
         </c:scaling>
@@ -3023,7 +3023,7 @@
             <a:endParaRPr lang="en-US"/>
           </a:p>
         </c:txPr>
-        <c:crossAx val="2116093936"/>
+        <c:crossAx val="2054165472"/>
         <c:crosses val="autoZero"/>
         <c:auto val="1"/>
         <c:lblAlgn val="ctr"/>
@@ -3031,7 +3031,7 @@
         <c:noMultiLvlLbl val="0"/>
       </c:catAx>
       <c:valAx>
-        <c:axId val="2116093936"/>
+        <c:axId val="2054165472"/>
         <c:scaling>
           <c:orientation val="minMax"/>
         </c:scaling>
@@ -3082,12 +3082,12 @@
             <a:endParaRPr lang="en-US"/>
           </a:p>
         </c:txPr>
-        <c:crossAx val="2117022608"/>
+        <c:crossAx val="2062186864"/>
         <c:crosses val="autoZero"/>
         <c:crossBetween val="between"/>
       </c:valAx>
       <c:serAx>
-        <c:axId val="2116277664"/>
+        <c:axId val="2062079520"/>
         <c:scaling>
           <c:orientation val="minMax"/>
         </c:scaling>
@@ -3123,7 +3123,7 @@
             <a:endParaRPr lang="en-US"/>
           </a:p>
         </c:txPr>
-        <c:crossAx val="2116093936"/>
+        <c:crossAx val="2054165472"/>
         <c:crosses val="autoZero"/>
       </c:serAx>
       <c:spPr>
@@ -6513,7 +6513,6 @@
               <a:rPr lang="zh-CN" altLang="en-US" dirty="0" smtClean="0"/>
               <a:t>层内存在一个或数个放射性点源，旋转后等效为数个环源，将其视为一个等效环源</a:t>
             </a:r>
-            <a:endParaRPr lang="zh-CN" altLang="en-US" dirty="0" smtClean="0"/>
           </a:p>
         </p:txBody>
       </p:sp>
@@ -20493,23 +20492,7 @@
                   <a:srgbClr val="C00000"/>
                 </a:solidFill>
               </a:rPr>
-              <a:t>放</a:t>
-            </a:r>
-            <a:r>
-              <a:rPr lang="zh-CN" altLang="zh-CN" sz="2800" dirty="0" smtClean="0">
-                <a:solidFill>
-                  <a:srgbClr val="C00000"/>
-                </a:solidFill>
-              </a:rPr>
-              <a:t>废物</a:t>
-            </a:r>
-            <a:r>
-              <a:rPr lang="zh-CN" altLang="zh-CN" sz="2800" dirty="0" smtClean="0">
-                <a:solidFill>
-                  <a:srgbClr val="C00000"/>
-                </a:solidFill>
-              </a:rPr>
-              <a:t>桶</a:t>
+              <a:t>放废物桶</a:t>
             </a:r>
             <a:r>
               <a:rPr lang="zh-CN" altLang="en-US" sz="2800" dirty="0" smtClean="0">
@@ -20670,6 +20653,13 @@
   <p:clrMapOvr>
     <a:masterClrMapping/>
   </p:clrMapOvr>
+  <p:timing>
+    <p:tnLst>
+      <p:par>
+        <p:cTn id="1" dur="indefinite" restart="never" nodeType="tmRoot"/>
+      </p:par>
+    </p:tnLst>
+  </p:timing>
 </p:sld>
 </file>
 
@@ -20860,7 +20850,7 @@
           <a:graphicData uri="http://schemas.openxmlformats.org/presentationml/2006/ole">
             <mc:AlternateContent xmlns:mc="http://schemas.openxmlformats.org/markup-compatibility/2006">
               <mc:Choice xmlns:v="urn:schemas-microsoft-com:vml" Requires="v">
-                <p:oleObj spid="_x0000_s93206" name="Visio" r:id="rId5" imgW="3000258" imgH="5191270" progId="Visio.Drawing.15">
+                <p:oleObj spid="_x0000_s93209" name="Visio" r:id="rId5" imgW="3000258" imgH="5191270" progId="Visio.Drawing.15">
                   <p:embed/>
                 </p:oleObj>
               </mc:Choice>
@@ -21257,6 +21247,13 @@
   <p:clrMapOvr>
     <a:masterClrMapping/>
   </p:clrMapOvr>
+  <p:timing>
+    <p:tnLst>
+      <p:par>
+        <p:cTn id="1" dur="indefinite" restart="never" nodeType="tmRoot"/>
+      </p:par>
+    </p:tnLst>
+  </p:timing>
 </p:sld>
 </file>
 
@@ -21537,6 +21534,13 @@
   <p:clrMapOvr>
     <a:masterClrMapping/>
   </p:clrMapOvr>
+  <p:timing>
+    <p:tnLst>
+      <p:par>
+        <p:cTn id="1" dur="indefinite" restart="never" nodeType="tmRoot"/>
+      </p:par>
+    </p:tnLst>
+  </p:timing>
 </p:sld>
 </file>
 
@@ -22655,6 +22659,13 @@
   <p:clrMapOvr>
     <a:masterClrMapping/>
   </p:clrMapOvr>
+  <p:timing>
+    <p:tnLst>
+      <p:par>
+        <p:cTn id="1" dur="indefinite" restart="never" nodeType="tmRoot"/>
+      </p:par>
+    </p:tnLst>
+  </p:timing>
 </p:sld>
 </file>
 
@@ -22975,31 +22986,7 @@
                   <a:srgbClr val="003300"/>
                 </a:solidFill>
               </a:rPr>
-              <a:t>发射</a:t>
-            </a:r>
-            <a:r>
-              <a:rPr lang="zh-CN" altLang="en-US" sz="2400" dirty="0" smtClean="0">
-                <a:solidFill>
-                  <a:srgbClr val="003300"/>
-                </a:solidFill>
-              </a:rPr>
-              <a:t>重建</a:t>
-            </a:r>
-            <a:r>
-              <a:rPr lang="zh-CN" altLang="en-US" sz="2400" dirty="0" smtClean="0">
-                <a:solidFill>
-                  <a:srgbClr val="003300"/>
-                </a:solidFill>
-              </a:rPr>
-              <a:t>公式</a:t>
-            </a:r>
-            <a:r>
-              <a:rPr lang="zh-CN" altLang="en-US" sz="2400" dirty="0" smtClean="0">
-                <a:solidFill>
-                  <a:srgbClr val="003300"/>
-                </a:solidFill>
-              </a:rPr>
-              <a:t>如下</a:t>
+              <a:t>发射重建公式如下</a:t>
             </a:r>
             <a:r>
               <a:rPr lang="en-US" altLang="zh-CN" sz="2400" dirty="0" smtClean="0">
@@ -23471,19 +23458,7 @@
             </a:pPr>
             <a:r>
               <a:rPr lang="zh-CN" altLang="en-US" sz="2400" dirty="0" smtClean="0"/>
-              <a:t>每</a:t>
-            </a:r>
-            <a:r>
-              <a:rPr lang="zh-CN" altLang="en-US" sz="2400" dirty="0" smtClean="0"/>
-              <a:t>层径向划分为数个</a:t>
-            </a:r>
-            <a:r>
-              <a:rPr lang="zh-CN" altLang="en-US" sz="2400" dirty="0" smtClean="0"/>
-              <a:t>环状</a:t>
-            </a:r>
-            <a:r>
-              <a:rPr lang="zh-CN" altLang="en-US" sz="2400" dirty="0" smtClean="0"/>
-              <a:t>网格</a:t>
+              <a:t>每层径向划分为数个环状网格</a:t>
             </a:r>
           </a:p>
           <a:p>
@@ -23770,31 +23745,7 @@
                   <a:srgbClr val="003300"/>
                 </a:solidFill>
               </a:rPr>
-              <a:t>发射</a:t>
-            </a:r>
-            <a:r>
-              <a:rPr lang="zh-CN" altLang="en-US" sz="2400" dirty="0" smtClean="0">
-                <a:solidFill>
-                  <a:srgbClr val="003300"/>
-                </a:solidFill>
-              </a:rPr>
-              <a:t>重建</a:t>
-            </a:r>
-            <a:r>
-              <a:rPr lang="zh-CN" altLang="en-US" sz="2400" dirty="0" smtClean="0">
-                <a:solidFill>
-                  <a:srgbClr val="003300"/>
-                </a:solidFill>
-              </a:rPr>
-              <a:t>公式</a:t>
-            </a:r>
-            <a:r>
-              <a:rPr lang="zh-CN" altLang="en-US" sz="2400" dirty="0" smtClean="0">
-                <a:solidFill>
-                  <a:srgbClr val="003300"/>
-                </a:solidFill>
-              </a:rPr>
-              <a:t>如下</a:t>
+              <a:t>发射重建公式如下</a:t>
             </a:r>
             <a:r>
               <a:rPr lang="en-US" altLang="zh-CN" sz="2400" dirty="0" smtClean="0">
@@ -23822,6 +23773,13 @@
   <p:clrMapOvr>
     <a:masterClrMapping/>
   </p:clrMapOvr>
+  <p:timing>
+    <p:tnLst>
+      <p:par>
+        <p:cTn id="1" dur="indefinite" restart="never" nodeType="tmRoot"/>
+      </p:par>
+    </p:tnLst>
+  </p:timing>
 </p:sld>
 </file>
 
@@ -24752,7 +24710,7 @@
         <p:spPr>
           <a:xfrm>
             <a:off x="457199" y="5455201"/>
-            <a:ext cx="8262258" cy="830997"/>
+            <a:ext cx="8262258" cy="461665"/>
           </a:xfrm>
           <a:prstGeom prst="rect">
             <a:avLst/>
@@ -24790,19 +24748,11 @@
             </a:r>
             <a:r>
               <a:rPr lang="zh-CN" altLang="en-US" sz="2400" dirty="0"/>
-              <a:t>误差是</a:t>
-            </a:r>
-            <a:r>
-              <a:rPr lang="zh-CN" altLang="en-US" sz="2400" dirty="0">
-                <a:solidFill>
-                  <a:srgbClr val="C00000"/>
-                </a:solidFill>
-              </a:rPr>
-              <a:t>四分之一</a:t>
-            </a:r>
-            <a:r>
-              <a:rPr lang="zh-CN" altLang="en-US" sz="2400" dirty="0"/>
-              <a:t>到</a:t>
+              <a:t>误差</a:t>
+            </a:r>
+            <a:r>
+              <a:rPr lang="zh-CN" altLang="en-US" sz="2400" dirty="0" smtClean="0"/>
+              <a:t>是</a:t>
             </a:r>
             <a:r>
               <a:rPr lang="zh-CN" altLang="en-US" sz="2400" dirty="0" smtClean="0">
@@ -24811,6 +24761,10 @@
                 </a:solidFill>
               </a:rPr>
               <a:t>三分之一</a:t>
+            </a:r>
+            <a:r>
+              <a:rPr lang="zh-CN" altLang="en-US" sz="2400" dirty="0" smtClean="0"/>
+              <a:t>或更低</a:t>
             </a:r>
             <a:r>
               <a:rPr lang="zh-CN" altLang="en-US" sz="2400" dirty="0" smtClean="0"/>
@@ -25513,7 +25467,7 @@
         <p:spPr>
           <a:xfrm>
             <a:off x="424542" y="5484677"/>
-            <a:ext cx="8262258" cy="830997"/>
+            <a:ext cx="8262258" cy="461665"/>
           </a:xfrm>
           <a:prstGeom prst="rect">
             <a:avLst/>
@@ -25530,18 +25484,6 @@
               <a:buChar char="•"/>
             </a:pPr>
             <a:r>
-              <a:rPr lang="zh-CN" altLang="en-US" sz="2400" dirty="0"/>
-              <a:t>相比于</a:t>
-            </a:r>
-            <a:r>
-              <a:rPr lang="en-US" altLang="zh-CN" sz="2400" dirty="0"/>
-              <a:t>SGS</a:t>
-            </a:r>
-            <a:r>
-              <a:rPr lang="zh-CN" altLang="en-US" sz="2400" dirty="0"/>
-              <a:t>方法，</a:t>
-            </a:r>
-            <a:r>
               <a:rPr lang="en-US" altLang="zh-CN" sz="2400" dirty="0" smtClean="0"/>
               <a:t>STGS</a:t>
             </a:r>
@@ -25551,35 +25493,15 @@
             </a:r>
             <a:r>
               <a:rPr lang="zh-CN" altLang="en-US" sz="2400" dirty="0"/>
-              <a:t>误差是</a:t>
-            </a:r>
-            <a:r>
-              <a:rPr lang="zh-CN" altLang="en-US" sz="2400" dirty="0">
-                <a:solidFill>
-                  <a:srgbClr val="C00000"/>
-                </a:solidFill>
-              </a:rPr>
-              <a:t>四分之一</a:t>
-            </a:r>
-            <a:r>
-              <a:rPr lang="zh-CN" altLang="en-US" sz="2400" dirty="0"/>
-              <a:t>到</a:t>
-            </a:r>
-            <a:r>
-              <a:rPr lang="zh-CN" altLang="en-US" sz="2400" dirty="0" smtClean="0">
-                <a:solidFill>
-                  <a:srgbClr val="C00000"/>
-                </a:solidFill>
-              </a:rPr>
-              <a:t>三分之一</a:t>
+              <a:t>误</a:t>
             </a:r>
             <a:r>
               <a:rPr lang="zh-CN" altLang="en-US" sz="2400" dirty="0" smtClean="0"/>
-              <a:t>，与模拟数据相</a:t>
+              <a:t>差与</a:t>
             </a:r>
             <a:r>
               <a:rPr lang="zh-CN" altLang="en-US" sz="2400" dirty="0" smtClean="0"/>
-              <a:t>吻合。</a:t>
+              <a:t>模拟数据相吻合。</a:t>
             </a:r>
             <a:endParaRPr lang="en-US" altLang="zh-CN" sz="2400" dirty="0"/>
           </a:p>
@@ -26321,7 +26243,7 @@
 </file>
 
 <file path=ppt/slides/slide19.xml><?xml version="1.0" encoding="utf-8"?>
-<p:sld xmlns:a="http://schemas.openxmlformats.org/drawingml/2006/main" xmlns:r="http://schemas.openxmlformats.org/officeDocument/2006/relationships" xmlns:p="http://schemas.openxmlformats.org/presentationml/2006/main">
+<p:sld xmlns:a="http://schemas.openxmlformats.org/drawingml/2006/main" xmlns:r="http://schemas.openxmlformats.org/officeDocument/2006/relationships" xmlns:p="http://schemas.openxmlformats.org/presentationml/2006/main" show="0">
   <p:cSld>
     <p:spTree>
       <p:nvGrpSpPr>
@@ -26725,6 +26647,14 @@
   <p:clrMapOvr>
     <a:masterClrMapping/>
   </p:clrMapOvr>
+  <mc:AlternateContent xmlns:mc="http://schemas.openxmlformats.org/markup-compatibility/2006">
+    <mc:Choice xmlns:p14="http://schemas.microsoft.com/office/powerpoint/2010/main" Requires="p14">
+      <p:transition spd="slow" p14:dur="2000"/>
+    </mc:Choice>
+    <mc:Fallback>
+      <p:transition spd="slow"/>
+    </mc:Fallback>
+  </mc:AlternateContent>
   <p:timing>
     <p:tnLst>
       <p:par>
@@ -27769,7 +27699,7 @@
               <a:t>是</a:t>
             </a:r>
             <a:r>
-              <a:rPr lang="zh-CN" altLang="zh-CN" sz="2400" dirty="0">
+              <a:rPr lang="zh-CN" altLang="zh-CN" sz="2400" dirty="0" smtClean="0">
                 <a:solidFill>
                   <a:srgbClr val="C00000"/>
                 </a:solidFill>
@@ -27777,8 +27707,12 @@
               <a:t>二分之一</a:t>
             </a:r>
             <a:r>
-              <a:rPr lang="zh-CN" altLang="zh-CN" sz="2400" dirty="0"/>
-              <a:t>甚至更</a:t>
+              <a:rPr lang="zh-CN" altLang="en-US" sz="2400" dirty="0" smtClean="0"/>
+              <a:t>或</a:t>
+            </a:r>
+            <a:r>
+              <a:rPr lang="zh-CN" altLang="zh-CN" sz="2400" dirty="0" smtClean="0"/>
+              <a:t>更</a:t>
             </a:r>
             <a:r>
               <a:rPr lang="zh-CN" altLang="zh-CN" sz="2400" dirty="0" smtClean="0"/>
@@ -28019,11 +27953,7 @@
             </a:r>
             <a:r>
               <a:rPr lang="zh-CN" altLang="zh-CN" sz="2400" dirty="0" smtClean="0"/>
-              <a:t>更</a:t>
-            </a:r>
-            <a:r>
-              <a:rPr lang="zh-CN" altLang="zh-CN" sz="2400" dirty="0" smtClean="0"/>
-              <a:t>低</a:t>
+              <a:t>更低</a:t>
             </a:r>
             <a:r>
               <a:rPr lang="zh-CN" altLang="en-US" sz="2400" dirty="0" smtClean="0"/>
@@ -28060,87 +27990,7 @@
                   <a:schemeClr val="tx1"/>
                 </a:solidFill>
               </a:rPr>
-              <a:t>针对</a:t>
-            </a:r>
-            <a:r>
-              <a:rPr lang="zh-CN" altLang="en-US" sz="2400" dirty="0" smtClean="0">
-                <a:solidFill>
-                  <a:schemeClr val="tx1"/>
-                </a:solidFill>
-              </a:rPr>
-              <a:t>时间</a:t>
-            </a:r>
-            <a:r>
-              <a:rPr lang="zh-CN" altLang="en-US" sz="2400" dirty="0" smtClean="0">
-                <a:solidFill>
-                  <a:schemeClr val="tx1"/>
-                </a:solidFill>
-              </a:rPr>
-              <a:t>耗费比较</a:t>
-            </a:r>
-            <a:r>
-              <a:rPr lang="zh-CN" altLang="en-US" sz="2400" dirty="0" smtClean="0">
-                <a:solidFill>
-                  <a:schemeClr val="tx1"/>
-                </a:solidFill>
-              </a:rPr>
-              <a:t>长</a:t>
-            </a:r>
-            <a:r>
-              <a:rPr lang="zh-CN" altLang="en-US" sz="2400" dirty="0" smtClean="0">
-                <a:solidFill>
-                  <a:schemeClr val="tx1"/>
-                </a:solidFill>
-              </a:rPr>
-              <a:t>的</a:t>
-            </a:r>
-            <a:r>
-              <a:rPr lang="zh-CN" altLang="en-US" sz="2400" dirty="0" smtClean="0">
-                <a:solidFill>
-                  <a:schemeClr val="tx1"/>
-                </a:solidFill>
-              </a:rPr>
-              <a:t>问题，</a:t>
-            </a:r>
-            <a:r>
-              <a:rPr lang="zh-CN" altLang="en-US" sz="2400" dirty="0" smtClean="0">
-                <a:solidFill>
-                  <a:schemeClr val="tx1"/>
-                </a:solidFill>
-              </a:rPr>
-              <a:t>进一步</a:t>
-            </a:r>
-            <a:r>
-              <a:rPr lang="zh-CN" altLang="en-US" sz="2400" dirty="0" smtClean="0">
-                <a:solidFill>
-                  <a:schemeClr val="tx1"/>
-                </a:solidFill>
-              </a:rPr>
-              <a:t>提</a:t>
-            </a:r>
-            <a:r>
-              <a:rPr lang="zh-CN" altLang="en-US" sz="2400" dirty="0" smtClean="0">
-                <a:solidFill>
-                  <a:schemeClr val="tx1"/>
-                </a:solidFill>
-              </a:rPr>
-              <a:t>出了双</a:t>
-            </a:r>
-            <a:r>
-              <a:rPr lang="zh-CN" altLang="en-US" sz="2400" dirty="0" smtClean="0">
-                <a:solidFill>
-                  <a:schemeClr val="tx1"/>
-                </a:solidFill>
-              </a:rPr>
-              <a:t>探测</a:t>
-            </a:r>
-            <a:r>
-              <a:rPr lang="zh-CN" altLang="en-US" sz="2400" dirty="0" smtClean="0">
-                <a:solidFill>
-                  <a:schemeClr val="tx1"/>
-                </a:solidFill>
-              </a:rPr>
-              <a:t>器改进型</a:t>
+              <a:t>针对时间耗费比较长的问题，进一步提出了双探测器改进型</a:t>
             </a:r>
             <a:r>
               <a:rPr lang="en-US" altLang="zh-CN" sz="2400" dirty="0" smtClean="0">
@@ -28174,11 +28024,6 @@
               </a:rPr>
               <a:t>）</a:t>
             </a:r>
-            <a:endParaRPr lang="zh-CN" altLang="en-US" sz="2400" dirty="0" smtClean="0">
-              <a:solidFill>
-                <a:schemeClr val="tx1"/>
-              </a:solidFill>
-            </a:endParaRPr>
           </a:p>
         </p:txBody>
       </p:sp>
@@ -28377,13 +28222,7 @@
                 <a:rPr lang="zh-CN" altLang="en-US" smtClean="0">
                   <a:sym typeface="Arial" panose="020B0604020202020204" pitchFamily="34" charset="0"/>
                 </a:rPr>
-                <a:t>一个</a:t>
-              </a:r>
-              <a:r>
-                <a:rPr lang="zh-CN" altLang="en-US" smtClean="0">
-                  <a:sym typeface="Arial" panose="020B0604020202020204" pitchFamily="34" charset="0"/>
-                </a:rPr>
-                <a:t>等效</a:t>
+                <a:t>一个等效</a:t>
               </a:r>
               <a:r>
                 <a:rPr lang="zh-CN" altLang="en-US" dirty="0" smtClean="0">
@@ -28936,7 +28775,7 @@
             <a:graphicData uri="http://schemas.openxmlformats.org/presentationml/2006/ole">
               <mc:AlternateContent xmlns:mc="http://schemas.openxmlformats.org/markup-compatibility/2006">
                 <mc:Choice xmlns:v="urn:schemas-microsoft-com:vml" Requires="v">
-                  <p:oleObj spid="_x0000_s92412" r:id="rId5" imgW="1079500" imgH="228600" progId="Equation.DSMT4">
+                  <p:oleObj spid="_x0000_s92421" r:id="rId5" imgW="1079500" imgH="228600" progId="Equation.DSMT4">
                     <p:embed/>
                   </p:oleObj>
                 </mc:Choice>
@@ -29025,7 +28864,7 @@
             <a:graphicData uri="http://schemas.openxmlformats.org/presentationml/2006/ole">
               <mc:AlternateContent xmlns:mc="http://schemas.openxmlformats.org/markup-compatibility/2006">
                 <mc:Choice xmlns:v="urn:schemas-microsoft-com:vml" Requires="v">
-                  <p:oleObj spid="_x0000_s92413" r:id="rId7" imgW="748975" imgH="444307" progId="Equation.DSMT4">
+                  <p:oleObj spid="_x0000_s92422" r:id="rId7" imgW="748975" imgH="444307" progId="Equation.DSMT4">
                     <p:embed/>
                   </p:oleObj>
                 </mc:Choice>
@@ -29156,7 +28995,7 @@
             <a:graphicData uri="http://schemas.openxmlformats.org/presentationml/2006/ole">
               <mc:AlternateContent xmlns:mc="http://schemas.openxmlformats.org/markup-compatibility/2006">
                 <mc:Choice xmlns:v="urn:schemas-microsoft-com:vml" Requires="v">
-                  <p:oleObj spid="_x0000_s92414" r:id="rId9" imgW="837836" imgH="444307" progId="Equation.DSMT4">
+                  <p:oleObj spid="_x0000_s92423" r:id="rId9" imgW="837836" imgH="444307" progId="Equation.DSMT4">
                     <p:embed/>
                   </p:oleObj>
                 </mc:Choice>
@@ -29245,7 +29084,7 @@
             <a:graphicData uri="http://schemas.openxmlformats.org/presentationml/2006/ole">
               <mc:AlternateContent xmlns:mc="http://schemas.openxmlformats.org/markup-compatibility/2006">
                 <mc:Choice xmlns:v="urn:schemas-microsoft-com:vml" Requires="v">
-                  <p:oleObj spid="_x0000_s92415" r:id="rId11" imgW="1079500" imgH="228600" progId="Equation.DSMT4">
+                  <p:oleObj spid="_x0000_s92424" r:id="rId11" imgW="1079500" imgH="228600" progId="Equation.DSMT4">
                     <p:embed/>
                   </p:oleObj>
                 </mc:Choice>
@@ -29497,11 +29336,7 @@
             </a:r>
             <a:r>
               <a:rPr lang="zh-CN" altLang="en-US" b="1" dirty="0" smtClean="0"/>
-              <a:t>单点源</a:t>
-            </a:r>
-            <a:r>
-              <a:rPr lang="zh-CN" altLang="en-US" b="1" dirty="0" smtClean="0"/>
-              <a:t>模拟</a:t>
+              <a:t>单点源模拟</a:t>
             </a:r>
             <a:endParaRPr lang="zh-CN" altLang="en-US" dirty="0" smtClean="0"/>
           </a:p>
@@ -30060,6 +29895,13 @@
   <p:clrMapOvr>
     <a:masterClrMapping/>
   </p:clrMapOvr>
+  <p:timing>
+    <p:tnLst>
+      <p:par>
+        <p:cTn id="1" dur="indefinite" restart="never" nodeType="tmRoot"/>
+      </p:par>
+    </p:tnLst>
+  </p:timing>
 </p:sld>
 </file>
 
@@ -30118,15 +29960,7 @@
             </a:r>
             <a:r>
               <a:rPr lang="zh-CN" altLang="en-US" b="1" dirty="0" smtClean="0"/>
-              <a:t>单</a:t>
-            </a:r>
-            <a:r>
-              <a:rPr lang="zh-CN" altLang="en-US" b="1" dirty="0" smtClean="0"/>
-              <a:t>点源</a:t>
-            </a:r>
-            <a:r>
-              <a:rPr lang="zh-CN" altLang="en-US" b="1" dirty="0" smtClean="0"/>
-              <a:t>实验</a:t>
+              <a:t>单点源实验</a:t>
             </a:r>
             <a:endParaRPr lang="zh-CN" altLang="en-US" dirty="0"/>
           </a:p>
@@ -30169,55 +30003,7 @@
                 <a:ea typeface="楷体"/>
                 <a:cs typeface="Arial" charset="0"/>
               </a:rPr>
-              <a:t>废物</a:t>
-            </a:r>
-            <a:r>
-              <a:rPr lang="zh-CN" altLang="en-US" sz="2400" dirty="0" smtClean="0">
-                <a:latin typeface="楷体"/>
-                <a:ea typeface="楷体"/>
-                <a:cs typeface="Arial" charset="0"/>
-              </a:rPr>
-              <a:t>桶中</a:t>
-            </a:r>
-            <a:r>
-              <a:rPr lang="zh-CN" altLang="en-US" sz="2400" dirty="0" smtClean="0">
-                <a:latin typeface="楷体"/>
-                <a:ea typeface="楷体"/>
-                <a:cs typeface="Arial" charset="0"/>
-              </a:rPr>
-              <a:t>单</a:t>
-            </a:r>
-            <a:r>
-              <a:rPr lang="zh-CN" altLang="en-US" sz="2400" dirty="0" smtClean="0">
-                <a:latin typeface="楷体"/>
-                <a:ea typeface="楷体"/>
-                <a:cs typeface="Arial" charset="0"/>
-              </a:rPr>
-              <a:t>点源</a:t>
-            </a:r>
-            <a:r>
-              <a:rPr lang="zh-CN" altLang="en-US" sz="2400" dirty="0" smtClean="0">
-                <a:latin typeface="楷体"/>
-                <a:ea typeface="楷体"/>
-                <a:cs typeface="Arial" charset="0"/>
-              </a:rPr>
-              <a:t>活度实验测量</a:t>
-            </a:r>
-            <a:r>
-              <a:rPr lang="zh-CN" altLang="en-US" sz="2400" dirty="0" smtClean="0">
-                <a:latin typeface="楷体"/>
-                <a:ea typeface="楷体"/>
-                <a:cs typeface="Arial" charset="0"/>
-              </a:rPr>
-              <a:t>误差</a:t>
-            </a:r>
-            <a:r>
-              <a:rPr lang="zh-CN" altLang="en-US" sz="2400" dirty="0" smtClean="0">
-                <a:latin typeface="楷体"/>
-                <a:ea typeface="楷体"/>
-                <a:cs typeface="Arial" charset="0"/>
-              </a:rPr>
-              <a:t>对比</a:t>
+              <a:t>废物桶中单点源活度实验测量误差对比</a:t>
             </a:r>
             <a:endParaRPr lang="zh-CN" altLang="en-US" sz="2400" dirty="0">
               <a:cs typeface="Arial" charset="0"/>
@@ -30303,15 +30089,7 @@
             </a:r>
             <a:r>
               <a:rPr lang="zh-CN" altLang="en-US" sz="2400" dirty="0" smtClean="0"/>
-              <a:t>技术</a:t>
-            </a:r>
-            <a:r>
-              <a:rPr lang="zh-CN" altLang="en-US" sz="2400" dirty="0" smtClean="0"/>
-              <a:t>的</a:t>
-            </a:r>
-            <a:r>
-              <a:rPr lang="zh-CN" altLang="en-US" sz="2400" dirty="0" smtClean="0"/>
-              <a:t>实验测量</a:t>
+              <a:t>技术的实验测量</a:t>
             </a:r>
             <a:r>
               <a:rPr lang="zh-CN" altLang="zh-CN" sz="2400" dirty="0" smtClean="0"/>
@@ -30319,19 +30097,7 @@
             </a:r>
             <a:r>
               <a:rPr lang="zh-CN" altLang="en-US" sz="2400" dirty="0" smtClean="0"/>
-              <a:t>有</a:t>
-            </a:r>
-            <a:r>
-              <a:rPr lang="zh-CN" altLang="en-US" sz="2400" dirty="0" smtClean="0"/>
-              <a:t>不同程度的</a:t>
-            </a:r>
-            <a:r>
-              <a:rPr lang="zh-CN" altLang="en-US" sz="2400" dirty="0" smtClean="0"/>
-              <a:t>降低，</a:t>
-            </a:r>
-            <a:r>
-              <a:rPr lang="zh-CN" altLang="en-US" sz="2400" dirty="0" smtClean="0"/>
-              <a:t>与模拟结果相吻合</a:t>
+              <a:t>有不同程度的降低，与模拟结果相吻合</a:t>
             </a:r>
             <a:endParaRPr lang="zh-CN" altLang="en-US" sz="2400" dirty="0"/>
           </a:p>
@@ -30347,6 +30113,13 @@
   <p:clrMapOvr>
     <a:masterClrMapping/>
   </p:clrMapOvr>
+  <p:timing>
+    <p:tnLst>
+      <p:par>
+        <p:cTn id="1" dur="indefinite" restart="never" nodeType="tmRoot"/>
+      </p:par>
+    </p:tnLst>
+  </p:timing>
 </p:sld>
 </file>
 
@@ -30693,6 +30466,13 @@
   <p:clrMapOvr>
     <a:masterClrMapping/>
   </p:clrMapOvr>
+  <p:timing>
+    <p:tnLst>
+      <p:par>
+        <p:cTn id="1" dur="indefinite" restart="never" nodeType="tmRoot"/>
+      </p:par>
+    </p:tnLst>
+  </p:timing>
 </p:sld>
 </file>
 
@@ -32084,6 +31864,13 @@
   <p:clrMapOvr>
     <a:masterClrMapping/>
   </p:clrMapOvr>
+  <p:timing>
+    <p:tnLst>
+      <p:par>
+        <p:cTn id="1" dur="indefinite" restart="never" nodeType="tmRoot"/>
+      </p:par>
+    </p:tnLst>
+  </p:timing>
 </p:sld>
 </file>
 
@@ -32134,7 +31921,6 @@
               <a:rPr lang="zh-CN" altLang="en-US" b="1" dirty="0" smtClean="0"/>
               <a:t>主要工作与创新点</a:t>
             </a:r>
-            <a:endParaRPr lang="zh-CN" altLang="en-US" b="1" dirty="0" smtClean="0"/>
           </a:p>
         </p:txBody>
       </p:sp>
@@ -32213,15 +31999,7 @@
                   <a:schemeClr val="tx1"/>
                 </a:solidFill>
               </a:rPr>
-              <a:t>半</a:t>
-            </a:r>
-            <a:r>
-              <a:rPr lang="zh-CN" altLang="zh-CN" sz="2400" dirty="0" smtClean="0">
-                <a:solidFill>
-                  <a:schemeClr val="tx1"/>
-                </a:solidFill>
-              </a:rPr>
-              <a:t>层析伽马扫描技术（</a:t>
+              <a:t>半层析伽马扫描技术（</a:t>
             </a:r>
             <a:r>
               <a:rPr lang="en-US" altLang="zh-CN" sz="2400" dirty="0" smtClean="0">
@@ -32276,11 +32054,7 @@
             </a:r>
             <a:r>
               <a:rPr lang="zh-CN" altLang="zh-CN" sz="1800" dirty="0" smtClean="0"/>
-              <a:t>低</a:t>
-            </a:r>
-            <a:r>
-              <a:rPr lang="zh-CN" altLang="zh-CN" sz="1800" dirty="0" smtClean="0"/>
-              <a:t>密度桶</a:t>
+              <a:t>低密度桶</a:t>
             </a:r>
             <a:r>
               <a:rPr lang="zh-CN" altLang="zh-CN" sz="1800" dirty="0"/>
@@ -32304,15 +32078,7 @@
             </a:r>
             <a:r>
               <a:rPr lang="zh-CN" altLang="en-US" sz="1800" dirty="0" smtClean="0"/>
-              <a:t>倍</a:t>
-            </a:r>
-            <a:r>
-              <a:rPr lang="zh-CN" altLang="en-US" sz="1800" dirty="0" smtClean="0"/>
-              <a:t>。</a:t>
-            </a:r>
-            <a:r>
-              <a:rPr lang="zh-CN" altLang="en-US" sz="1800" dirty="0" smtClean="0"/>
-              <a:t>最优网格划分方式为</a:t>
+              <a:t>倍。最优网格划分方式为</a:t>
             </a:r>
             <a:r>
               <a:rPr lang="en-US" altLang="zh-CN" sz="1800" dirty="0" smtClean="0"/>
@@ -32347,11 +32113,7 @@
             </a:r>
             <a:r>
               <a:rPr lang="zh-CN" altLang="zh-CN" sz="1800" dirty="0" smtClean="0"/>
-              <a:t>高</a:t>
-            </a:r>
-            <a:r>
-              <a:rPr lang="zh-CN" altLang="zh-CN" sz="1800" dirty="0" smtClean="0"/>
-              <a:t>密度桶</a:t>
+              <a:t>高密度桶</a:t>
             </a:r>
             <a:r>
               <a:rPr lang="zh-CN" altLang="zh-CN" sz="1800" dirty="0"/>
@@ -32375,11 +32137,7 @@
             </a:r>
             <a:r>
               <a:rPr lang="zh-CN" altLang="en-US" sz="1800" dirty="0" smtClean="0"/>
-              <a:t>倍</a:t>
-            </a:r>
-            <a:r>
-              <a:rPr lang="zh-CN" altLang="en-US" sz="1800" dirty="0" smtClean="0"/>
-              <a:t>。</a:t>
+              <a:t>倍。</a:t>
             </a:r>
           </a:p>
           <a:p>
@@ -32407,7 +32165,6 @@
               <a:rPr lang="zh-CN" altLang="en-US" sz="1800" dirty="0" smtClean="0"/>
               <a:t>。</a:t>
             </a:r>
-            <a:endParaRPr lang="zh-CN" altLang="en-US" sz="1800" dirty="0" smtClean="0"/>
           </a:p>
           <a:p>
             <a:pPr>
@@ -32459,15 +32216,7 @@
                   <a:schemeClr val="tx1"/>
                 </a:solidFill>
               </a:rPr>
-              <a:t>I</a:t>
-            </a:r>
-            <a:r>
-              <a:rPr lang="en-US" altLang="zh-CN" sz="2400" dirty="0" smtClean="0">
-                <a:solidFill>
-                  <a:schemeClr val="tx1"/>
-                </a:solidFill>
-              </a:rPr>
-              <a:t>SGS</a:t>
+              <a:t>ISGS</a:t>
             </a:r>
             <a:r>
               <a:rPr lang="zh-CN" altLang="en-US" sz="2400" dirty="0" smtClean="0">
@@ -32485,11 +32234,7 @@
             </a:pPr>
             <a:r>
               <a:rPr lang="zh-CN" altLang="en-US" sz="1800" dirty="0" smtClean="0"/>
-              <a:t>采用等效半径误差修正、等效层投影的改进策略，可显著提高测量精度，尤其是</a:t>
-            </a:r>
-            <a:r>
-              <a:rPr lang="zh-CN" altLang="en-US" sz="1800" dirty="0" smtClean="0"/>
-              <a:t>对</a:t>
+              <a:t>采用等效半径误差修正、等效层投影的改进策略，可显著提高测量精度，尤其是对</a:t>
             </a:r>
             <a:r>
               <a:rPr lang="en-US" altLang="zh-CN" sz="1800" dirty="0"/>
@@ -32503,7 +32248,6 @@
               <a:rPr lang="zh-CN" altLang="en-US" sz="1800" dirty="0" smtClean="0"/>
               <a:t>。</a:t>
             </a:r>
-            <a:endParaRPr lang="zh-CN" altLang="en-US" sz="1800" dirty="0" smtClean="0"/>
           </a:p>
           <a:p>
             <a:pPr>
@@ -32520,19 +32264,11 @@
             </a:r>
             <a:r>
               <a:rPr lang="zh-CN" altLang="zh-CN" sz="1800" dirty="0" smtClean="0"/>
-              <a:t>方法相比，改进型方法的最大误差降低为几分之一，而平均误差降低了接近</a:t>
-            </a:r>
-            <a:r>
-              <a:rPr lang="zh-CN" altLang="zh-CN" sz="1800" dirty="0" smtClean="0"/>
-              <a:t>一半</a:t>
+              <a:t>方法相比，改进型方法的最大误差降低为几分之一，而平均误差降低了接近一半</a:t>
             </a:r>
             <a:r>
               <a:rPr lang="zh-CN" altLang="en-US" sz="1800" dirty="0" smtClean="0"/>
-              <a:t>，</a:t>
-            </a:r>
-            <a:r>
-              <a:rPr lang="zh-CN" altLang="en-US" sz="1800" dirty="0" smtClean="0"/>
-              <a:t>时间为</a:t>
+              <a:t>，时间为</a:t>
             </a:r>
             <a:r>
               <a:rPr lang="en-US" altLang="zh-CN" sz="1800" dirty="0" smtClean="0"/>
@@ -32591,7 +32327,7 @@
 </file>
 
 <file path=ppt/slides/slide28.xml><?xml version="1.0" encoding="utf-8"?>
-<p:sld xmlns:a="http://schemas.openxmlformats.org/drawingml/2006/main" xmlns:r="http://schemas.openxmlformats.org/officeDocument/2006/relationships" xmlns:p="http://schemas.openxmlformats.org/presentationml/2006/main">
+<p:sld xmlns:a="http://schemas.openxmlformats.org/drawingml/2006/main" xmlns:r="http://schemas.openxmlformats.org/officeDocument/2006/relationships" xmlns:p="http://schemas.openxmlformats.org/presentationml/2006/main" show="0">
   <p:cSld>
     <p:spTree>
       <p:nvGrpSpPr>
@@ -32666,19 +32402,7 @@
             </a:pPr>
             <a:r>
               <a:rPr lang="zh-CN" altLang="en-US" dirty="0" smtClean="0"/>
-              <a:t>系统</a:t>
-            </a:r>
-            <a:r>
-              <a:rPr lang="zh-CN" altLang="en-US" dirty="0" smtClean="0"/>
-              <a:t>各项</a:t>
-            </a:r>
-            <a:r>
-              <a:rPr lang="zh-CN" altLang="en-US" dirty="0" smtClean="0"/>
-              <a:t>参数</a:t>
-            </a:r>
-            <a:r>
-              <a:rPr lang="zh-CN" altLang="en-US" dirty="0" smtClean="0"/>
-              <a:t>的优化</a:t>
+              <a:t>系统各项参数的优化</a:t>
             </a:r>
           </a:p>
           <a:p>
@@ -32688,15 +32412,7 @@
             </a:pPr>
             <a:r>
               <a:rPr lang="zh-CN" altLang="zh-CN" dirty="0" smtClean="0"/>
-              <a:t>迭代</a:t>
-            </a:r>
-            <a:r>
-              <a:rPr lang="zh-CN" altLang="zh-CN" dirty="0" smtClean="0"/>
-              <a:t>算法</a:t>
-            </a:r>
-            <a:r>
-              <a:rPr lang="zh-CN" altLang="zh-CN" dirty="0" smtClean="0"/>
-              <a:t>的</a:t>
+              <a:t>迭代算法的</a:t>
             </a:r>
             <a:r>
               <a:rPr lang="zh-CN" altLang="en-US" dirty="0" smtClean="0"/>
@@ -32724,7 +32440,6 @@
               <a:rPr lang="zh-CN" altLang="zh-CN" dirty="0" smtClean="0"/>
               <a:t>推广</a:t>
             </a:r>
-            <a:endParaRPr lang="zh-CN" altLang="zh-CN" dirty="0" smtClean="0"/>
           </a:p>
           <a:p>
             <a:pPr marL="457200" indent="-457200">
@@ -32733,11 +32448,7 @@
             </a:pPr>
             <a:r>
               <a:rPr lang="zh-CN" altLang="zh-CN" dirty="0" smtClean="0"/>
-              <a:t>全面充分的实验</a:t>
-            </a:r>
-            <a:r>
-              <a:rPr lang="zh-CN" altLang="zh-CN" dirty="0" smtClean="0"/>
-              <a:t>工作</a:t>
+              <a:t>全面充分的实验工作</a:t>
             </a:r>
             <a:endParaRPr lang="zh-CN" altLang="en-US" dirty="0" smtClean="0"/>
           </a:p>
@@ -32773,6 +32484,21 @@
   <p:clrMapOvr>
     <a:masterClrMapping/>
   </p:clrMapOvr>
+  <mc:AlternateContent xmlns:mc="http://schemas.openxmlformats.org/markup-compatibility/2006">
+    <mc:Choice xmlns:p14="http://schemas.microsoft.com/office/powerpoint/2010/main" Requires="p14">
+      <p:transition spd="slow" p14:dur="2000"/>
+    </mc:Choice>
+    <mc:Fallback>
+      <p:transition spd="slow"/>
+    </mc:Fallback>
+  </mc:AlternateContent>
+  <p:timing>
+    <p:tnLst>
+      <p:par>
+        <p:cTn id="1" dur="indefinite" restart="never" nodeType="tmRoot"/>
+      </p:par>
+    </p:tnLst>
+  </p:timing>
 </p:sld>
 </file>
 
@@ -36116,6 +35842,13 @@
   <p:clrMapOvr>
     <a:masterClrMapping/>
   </p:clrMapOvr>
+  <p:timing>
+    <p:tnLst>
+      <p:par>
+        <p:cTn id="1" dur="indefinite" restart="never" nodeType="tmRoot"/>
+      </p:par>
+    </p:tnLst>
+  </p:timing>
 </p:sld>
 </file>
 

--- a/答辩/毕业答辩报告v2-饶开源.pptx
+++ b/答辩/毕业答辩报告v2-饶开源.pptx
@@ -9,6 +9,9 @@
   <p:notesMasterIdLst>
     <p:notesMasterId r:id="rId33"/>
   </p:notesMasterIdLst>
+  <p:handoutMasterIdLst>
+    <p:handoutMasterId r:id="rId34"/>
+  </p:handoutMasterIdLst>
   <p:sldIdLst>
     <p:sldId id="260" r:id="rId4"/>
     <p:sldId id="257" r:id="rId5"/>
@@ -240,9 +243,7 @@
               <a:effectLst/>
             </c:spPr>
             <c:txPr>
-              <a:bodyPr rot="0" spcFirstLastPara="1" vertOverflow="ellipsis" vert="horz" wrap="square" lIns="38100" tIns="19050" rIns="38100" bIns="19050" anchor="ctr" anchorCtr="1">
-                <a:spAutoFit/>
-              </a:bodyPr>
+              <a:bodyPr rot="0" spcFirstLastPara="1" vertOverflow="ellipsis" vert="horz" wrap="square" anchor="ctr" anchorCtr="1"/>
               <a:lstStyle/>
               <a:p>
                 <a:pPr>
@@ -334,7 +335,7 @@
                   <c:v>7.43</c:v>
                 </c:pt>
                 <c:pt idx="4">
-                  <c:v>4.649999999999999</c:v>
+                  <c:v>4.649999999999998</c:v>
                 </c:pt>
                 <c:pt idx="5">
                   <c:v>3.49</c:v>
@@ -376,9 +377,7 @@
               <a:effectLst/>
             </c:spPr>
             <c:txPr>
-              <a:bodyPr rot="0" spcFirstLastPara="1" vertOverflow="ellipsis" vert="horz" wrap="square" lIns="38100" tIns="19050" rIns="38100" bIns="19050" anchor="ctr" anchorCtr="1">
-                <a:spAutoFit/>
-              </a:bodyPr>
+              <a:bodyPr rot="0" spcFirstLastPara="1" vertOverflow="ellipsis" vert="horz" wrap="square" anchor="ctr" anchorCtr="1"/>
               <a:lstStyle/>
               <a:p>
                 <a:pPr>
@@ -488,11 +487,11 @@
           <c:showBubbleSize val="0"/>
         </c:dLbls>
         <c:gapWidth val="150"/>
-        <c:axId val="-2142846480"/>
-        <c:axId val="-2143019920"/>
+        <c:axId val="-2032983552"/>
+        <c:axId val="2134589536"/>
       </c:barChart>
       <c:catAx>
-        <c:axId val="-2142846480"/>
+        <c:axId val="-2032983552"/>
         <c:scaling>
           <c:orientation val="minMax"/>
         </c:scaling>
@@ -529,7 +528,7 @@
             <a:endParaRPr lang="en-US"/>
           </a:p>
         </c:txPr>
-        <c:crossAx val="-2143019920"/>
+        <c:crossAx val="2134589536"/>
         <c:crosses val="autoZero"/>
         <c:auto val="1"/>
         <c:lblAlgn val="ctr"/>
@@ -537,7 +536,7 @@
         <c:noMultiLvlLbl val="0"/>
       </c:catAx>
       <c:valAx>
-        <c:axId val="-2143019920"/>
+        <c:axId val="2134589536"/>
         <c:scaling>
           <c:orientation val="minMax"/>
         </c:scaling>
@@ -588,7 +587,7 @@
             <a:endParaRPr lang="en-US"/>
           </a:p>
         </c:txPr>
-        <c:crossAx val="-2142846480"/>
+        <c:crossAx val="-2032983552"/>
         <c:crosses val="autoZero"/>
         <c:crossBetween val="between"/>
       </c:valAx>
@@ -657,7 +656,9 @@
     <a:lstStyle/>
     <a:p>
       <a:pPr>
-        <a:defRPr/>
+        <a:defRPr>
+          <a:latin typeface="+mn-lt"/>
+        </a:defRPr>
       </a:pPr>
       <a:endParaRPr lang="en-US"/>
     </a:p>
@@ -828,7 +829,7 @@
                   <c:v>16.91</c:v>
                 </c:pt>
                 <c:pt idx="6">
-                  <c:v>7.859999999999999</c:v>
+                  <c:v>7.859999999999998</c:v>
                 </c:pt>
                 <c:pt idx="7">
                   <c:v>18.9</c:v>
@@ -996,7 +997,7 @@
                   <c:v>6.95</c:v>
                 </c:pt>
                 <c:pt idx="6">
-                  <c:v>7.319999999999999</c:v>
+                  <c:v>7.319999999999998</c:v>
                 </c:pt>
                 <c:pt idx="7">
                   <c:v>5.13</c:v>
@@ -1014,11 +1015,11 @@
           <c:showBubbleSize val="0"/>
         </c:dLbls>
         <c:gapWidth val="150"/>
-        <c:axId val="2134303376"/>
-        <c:axId val="2134151744"/>
+        <c:axId val="-2032086128"/>
+        <c:axId val="-2034338608"/>
       </c:barChart>
       <c:catAx>
-        <c:axId val="2134303376"/>
+        <c:axId val="-2032086128"/>
         <c:scaling>
           <c:orientation val="minMax"/>
         </c:scaling>
@@ -1055,7 +1056,7 @@
             <a:endParaRPr lang="en-US"/>
           </a:p>
         </c:txPr>
-        <c:crossAx val="2134151744"/>
+        <c:crossAx val="-2034338608"/>
         <c:crosses val="autoZero"/>
         <c:auto val="1"/>
         <c:lblAlgn val="ctr"/>
@@ -1063,7 +1064,7 @@
         <c:noMultiLvlLbl val="0"/>
       </c:catAx>
       <c:valAx>
-        <c:axId val="2134151744"/>
+        <c:axId val="-2034338608"/>
         <c:scaling>
           <c:orientation val="minMax"/>
         </c:scaling>
@@ -1114,7 +1115,7 @@
             <a:endParaRPr lang="en-US"/>
           </a:p>
         </c:txPr>
-        <c:crossAx val="2134303376"/>
+        <c:crossAx val="-2032086128"/>
         <c:crosses val="autoZero"/>
         <c:crossBetween val="between"/>
       </c:valAx>
@@ -1490,11 +1491,11 @@
           <c:showBubbleSize val="0"/>
         </c:dLbls>
         <c:gapWidth val="150"/>
-        <c:axId val="2136754576"/>
-        <c:axId val="-2143580816"/>
+        <c:axId val="2143447456"/>
+        <c:axId val="-2140921616"/>
       </c:barChart>
       <c:catAx>
-        <c:axId val="2136754576"/>
+        <c:axId val="2143447456"/>
         <c:scaling>
           <c:orientation val="minMax"/>
         </c:scaling>
@@ -1531,7 +1532,7 @@
             <a:endParaRPr lang="en-US"/>
           </a:p>
         </c:txPr>
-        <c:crossAx val="-2143580816"/>
+        <c:crossAx val="-2140921616"/>
         <c:crosses val="autoZero"/>
         <c:auto val="1"/>
         <c:lblAlgn val="ctr"/>
@@ -1539,7 +1540,7 @@
         <c:noMultiLvlLbl val="0"/>
       </c:catAx>
       <c:valAx>
-        <c:axId val="-2143580816"/>
+        <c:axId val="-2140921616"/>
         <c:scaling>
           <c:orientation val="minMax"/>
         </c:scaling>
@@ -1590,7 +1591,7 @@
             <a:endParaRPr lang="en-US"/>
           </a:p>
         </c:txPr>
-        <c:crossAx val="2136754576"/>
+        <c:crossAx val="2143447456"/>
         <c:crosses val="autoZero"/>
         <c:crossBetween val="between"/>
       </c:valAx>
@@ -2231,12 +2232,12 @@
         </c:dLbls>
         <c:gapWidth val="150"/>
         <c:shape val="box"/>
-        <c:axId val="2136860704"/>
-        <c:axId val="-2143957456"/>
-        <c:axId val="-2143958224"/>
+        <c:axId val="2144343968"/>
+        <c:axId val="2135221152"/>
+        <c:axId val="2054230800"/>
       </c:bar3DChart>
       <c:catAx>
-        <c:axId val="2136860704"/>
+        <c:axId val="2144343968"/>
         <c:scaling>
           <c:orientation val="minMax"/>
         </c:scaling>
@@ -2273,7 +2274,7 @@
             <a:endParaRPr lang="en-US"/>
           </a:p>
         </c:txPr>
-        <c:crossAx val="-2143957456"/>
+        <c:crossAx val="2135221152"/>
         <c:crosses val="autoZero"/>
         <c:auto val="1"/>
         <c:lblAlgn val="ctr"/>
@@ -2281,7 +2282,7 @@
         <c:noMultiLvlLbl val="0"/>
       </c:catAx>
       <c:valAx>
-        <c:axId val="-2143957456"/>
+        <c:axId val="2135221152"/>
         <c:scaling>
           <c:orientation val="minMax"/>
         </c:scaling>
@@ -2332,12 +2333,12 @@
             <a:endParaRPr lang="en-US"/>
           </a:p>
         </c:txPr>
-        <c:crossAx val="2136860704"/>
+        <c:crossAx val="2144343968"/>
         <c:crosses val="autoZero"/>
         <c:crossBetween val="between"/>
       </c:valAx>
       <c:serAx>
-        <c:axId val="-2143958224"/>
+        <c:axId val="2054230800"/>
         <c:scaling>
           <c:orientation val="minMax"/>
         </c:scaling>
@@ -2373,7 +2374,7 @@
             <a:endParaRPr lang="en-US"/>
           </a:p>
         </c:txPr>
-        <c:crossAx val="-2143957456"/>
+        <c:crossAx val="2135221152"/>
         <c:crosses val="autoZero"/>
       </c:serAx>
       <c:spPr>
@@ -2981,12 +2982,12 @@
         </c:dLbls>
         <c:gapWidth val="150"/>
         <c:shape val="box"/>
-        <c:axId val="2062186864"/>
-        <c:axId val="2054165472"/>
-        <c:axId val="2062079520"/>
+        <c:axId val="-2042902960"/>
+        <c:axId val="-2031759792"/>
+        <c:axId val="-2035059664"/>
       </c:bar3DChart>
       <c:catAx>
-        <c:axId val="2062186864"/>
+        <c:axId val="-2042902960"/>
         <c:scaling>
           <c:orientation val="minMax"/>
         </c:scaling>
@@ -3023,7 +3024,7 @@
             <a:endParaRPr lang="en-US"/>
           </a:p>
         </c:txPr>
-        <c:crossAx val="2054165472"/>
+        <c:crossAx val="-2031759792"/>
         <c:crosses val="autoZero"/>
         <c:auto val="1"/>
         <c:lblAlgn val="ctr"/>
@@ -3031,7 +3032,7 @@
         <c:noMultiLvlLbl val="0"/>
       </c:catAx>
       <c:valAx>
-        <c:axId val="2054165472"/>
+        <c:axId val="-2031759792"/>
         <c:scaling>
           <c:orientation val="minMax"/>
         </c:scaling>
@@ -3082,12 +3083,12 @@
             <a:endParaRPr lang="en-US"/>
           </a:p>
         </c:txPr>
-        <c:crossAx val="2062186864"/>
+        <c:crossAx val="-2042902960"/>
         <c:crosses val="autoZero"/>
         <c:crossBetween val="between"/>
       </c:valAx>
       <c:serAx>
-        <c:axId val="2062079520"/>
+        <c:axId val="-2035059664"/>
         <c:scaling>
           <c:orientation val="minMax"/>
         </c:scaling>
@@ -3123,7 +3124,7 @@
             <a:endParaRPr lang="en-US"/>
           </a:p>
         </c:txPr>
-        <c:crossAx val="2054165472"/>
+        <c:crossAx val="-2031759792"/>
         <c:crosses val="autoZero"/>
       </c:serAx>
       <c:spPr>
@@ -5831,6 +5832,172 @@
 </cs:chartStyle>
 </file>
 
+<file path=ppt/handoutMasters/handoutMaster1.xml><?xml version="1.0" encoding="utf-8"?>
+<p:handoutMaster xmlns:a="http://schemas.openxmlformats.org/drawingml/2006/main" xmlns:r="http://schemas.openxmlformats.org/officeDocument/2006/relationships" xmlns:p="http://schemas.openxmlformats.org/presentationml/2006/main">
+  <p:cSld>
+    <p:bg>
+      <p:bgRef idx="1001">
+        <a:schemeClr val="bg1"/>
+      </p:bgRef>
+    </p:bg>
+    <p:spTree>
+      <p:nvGrpSpPr>
+        <p:cNvPr id="1" name=""/>
+        <p:cNvGrpSpPr/>
+        <p:nvPr/>
+      </p:nvGrpSpPr>
+      <p:grpSpPr>
+        <a:xfrm>
+          <a:off x="0" y="0"/>
+          <a:ext cx="0" cy="0"/>
+          <a:chOff x="0" y="0"/>
+          <a:chExt cx="0" cy="0"/>
+        </a:xfrm>
+      </p:grpSpPr>
+      <p:sp>
+        <p:nvSpPr>
+          <p:cNvPr id="2" name="Header Placeholder 1"/>
+          <p:cNvSpPr>
+            <a:spLocks noGrp="1"/>
+          </p:cNvSpPr>
+          <p:nvPr>
+            <p:ph type="hdr" sz="quarter"/>
+          </p:nvPr>
+        </p:nvSpPr>
+        <p:spPr>
+          <a:xfrm>
+            <a:off x="0" y="0"/>
+            <a:ext cx="2971800" cy="458788"/>
+          </a:xfrm>
+          <a:prstGeom prst="rect">
+            <a:avLst/>
+          </a:prstGeom>
+        </p:spPr>
+        <p:txBody>
+          <a:bodyPr vert="horz" lIns="91440" tIns="45720" rIns="91440" bIns="45720" rtlCol="0"/>
+          <a:lstStyle>
+            <a:lvl1pPr algn="l">
+              <a:defRPr sz="1200"/>
+            </a:lvl1pPr>
+          </a:lstStyle>
+          <a:p>
+            <a:endParaRPr lang="en-US"/>
+          </a:p>
+        </p:txBody>
+      </p:sp>
+      <p:sp>
+        <p:nvSpPr>
+          <p:cNvPr id="3" name="Date Placeholder 2"/>
+          <p:cNvSpPr>
+            <a:spLocks noGrp="1"/>
+          </p:cNvSpPr>
+          <p:nvPr>
+            <p:ph type="dt" sz="quarter" idx="1"/>
+          </p:nvPr>
+        </p:nvSpPr>
+        <p:spPr>
+          <a:xfrm>
+            <a:off x="3884613" y="0"/>
+            <a:ext cx="2971800" cy="458788"/>
+          </a:xfrm>
+          <a:prstGeom prst="rect">
+            <a:avLst/>
+          </a:prstGeom>
+        </p:spPr>
+        <p:txBody>
+          <a:bodyPr vert="horz" lIns="91440" tIns="45720" rIns="91440" bIns="45720" rtlCol="0"/>
+          <a:lstStyle>
+            <a:lvl1pPr algn="r">
+              <a:defRPr sz="1200"/>
+            </a:lvl1pPr>
+          </a:lstStyle>
+          <a:p>
+            <a:fld id="{9A00CECE-AC3B-E14E-8AC6-4A1B8AE0ACC8}" type="datetimeFigureOut">
+              <a:rPr lang="en-US" smtClean="0"/>
+              <a:t>1/10/18</a:t>
+            </a:fld>
+            <a:endParaRPr lang="en-US"/>
+          </a:p>
+        </p:txBody>
+      </p:sp>
+      <p:sp>
+        <p:nvSpPr>
+          <p:cNvPr id="4" name="Footer Placeholder 3"/>
+          <p:cNvSpPr>
+            <a:spLocks noGrp="1"/>
+          </p:cNvSpPr>
+          <p:nvPr>
+            <p:ph type="ftr" sz="quarter" idx="2"/>
+          </p:nvPr>
+        </p:nvSpPr>
+        <p:spPr>
+          <a:xfrm>
+            <a:off x="0" y="8685213"/>
+            <a:ext cx="2971800" cy="458787"/>
+          </a:xfrm>
+          <a:prstGeom prst="rect">
+            <a:avLst/>
+          </a:prstGeom>
+        </p:spPr>
+        <p:txBody>
+          <a:bodyPr vert="horz" lIns="91440" tIns="45720" rIns="91440" bIns="45720" rtlCol="0" anchor="b"/>
+          <a:lstStyle>
+            <a:lvl1pPr algn="l">
+              <a:defRPr sz="1200"/>
+            </a:lvl1pPr>
+          </a:lstStyle>
+          <a:p>
+            <a:endParaRPr lang="en-US"/>
+          </a:p>
+        </p:txBody>
+      </p:sp>
+      <p:sp>
+        <p:nvSpPr>
+          <p:cNvPr id="5" name="Slide Number Placeholder 4"/>
+          <p:cNvSpPr>
+            <a:spLocks noGrp="1"/>
+          </p:cNvSpPr>
+          <p:nvPr>
+            <p:ph type="sldNum" sz="quarter" idx="3"/>
+          </p:nvPr>
+        </p:nvSpPr>
+        <p:spPr>
+          <a:xfrm>
+            <a:off x="3884613" y="8685213"/>
+            <a:ext cx="2971800" cy="458787"/>
+          </a:xfrm>
+          <a:prstGeom prst="rect">
+            <a:avLst/>
+          </a:prstGeom>
+        </p:spPr>
+        <p:txBody>
+          <a:bodyPr vert="horz" lIns="91440" tIns="45720" rIns="91440" bIns="45720" rtlCol="0" anchor="b"/>
+          <a:lstStyle>
+            <a:lvl1pPr algn="r">
+              <a:defRPr sz="1200"/>
+            </a:lvl1pPr>
+          </a:lstStyle>
+          <a:p>
+            <a:fld id="{3A6B4580-3886-6E44-B0A2-ADFFEC4E0EF0}" type="slidenum">
+              <a:rPr lang="en-US" smtClean="0"/>
+              <a:t>‹#›</a:t>
+            </a:fld>
+            <a:endParaRPr lang="en-US"/>
+          </a:p>
+        </p:txBody>
+      </p:sp>
+    </p:spTree>
+    <p:extLst>
+      <p:ext uri="{BB962C8B-B14F-4D97-AF65-F5344CB8AC3E}">
+        <p14:creationId xmlns:p14="http://schemas.microsoft.com/office/powerpoint/2010/main" val="492044114"/>
+      </p:ext>
+    </p:extLst>
+  </p:cSld>
+  <p:clrMap bg1="lt1" tx1="dk1" bg2="lt2" tx2="dk2" accent1="accent1" accent2="accent2" accent3="accent3" accent4="accent4" accent5="accent5" accent6="accent6" hlink="hlink" folHlink="folHlink"/>
+  <p:hf hdr="0" ftr="0" dt="0"/>
+</p:handoutMaster>
+</file>
+
 <file path=ppt/notesMasters/notesMaster1.xml><?xml version="1.0" encoding="utf-8"?>
 <p:notesMaster xmlns:a="http://schemas.openxmlformats.org/drawingml/2006/main" xmlns:r="http://schemas.openxmlformats.org/officeDocument/2006/relationships" xmlns:p="http://schemas.openxmlformats.org/presentationml/2006/main">
   <p:cSld>
@@ -6108,6 +6275,7 @@
     </p:extLst>
   </p:cSld>
   <p:clrMap bg1="lt1" tx1="dk1" bg2="lt2" tx2="dk2" accent1="accent1" accent2="accent2" accent3="accent3" accent4="accent4" accent5="accent5" accent6="accent6" hlink="hlink" folHlink="folHlink"/>
+  <p:hf hdr="0" ftr="0" dt="0"/>
   <p:notesStyle>
     <a:lvl1pPr algn="l" rtl="0" eaLnBrk="0" fontAlgn="base" hangingPunct="0">
       <a:spcBef>
@@ -6324,6 +6492,35 @@
           </a:p>
         </p:txBody>
       </p:sp>
+      <p:sp>
+        <p:nvSpPr>
+          <p:cNvPr id="3" name="Slide Number Placeholder 2"/>
+          <p:cNvSpPr>
+            <a:spLocks noGrp="1"/>
+          </p:cNvSpPr>
+          <p:nvPr>
+            <p:ph type="sldNum" sz="quarter" idx="10"/>
+          </p:nvPr>
+        </p:nvSpPr>
+        <p:spPr/>
+        <p:txBody>
+          <a:bodyPr/>
+          <a:lstStyle/>
+          <a:p>
+            <a:pPr>
+              <a:defRPr/>
+            </a:pPr>
+            <a:fld id="{BF6C4AA2-D5B3-4212-867F-E265BBCBB5FC}" type="slidenum">
+              <a:rPr lang="zh-CN" altLang="en-US" smtClean="0"/>
+              <a:pPr>
+                <a:defRPr/>
+              </a:pPr>
+              <a:t>4</a:t>
+            </a:fld>
+            <a:endParaRPr lang="zh-CN" altLang="en-US"/>
+          </a:p>
+        </p:txBody>
+      </p:sp>
     </p:spTree>
     <p:extLst>
       <p:ext uri="{BB962C8B-B14F-4D97-AF65-F5344CB8AC3E}">
@@ -6403,36 +6600,30 @@
       </p:sp>
       <p:sp>
         <p:nvSpPr>
-          <p:cNvPr id="68611" name="灯片编号占位符 3"/>
+          <p:cNvPr id="2" name="Slide Number Placeholder 1"/>
           <p:cNvSpPr>
             <a:spLocks noGrp="1"/>
           </p:cNvSpPr>
           <p:nvPr>
-            <p:ph type="sldNum" sz="quarter" idx="5"/>
+            <p:ph type="sldNum" sz="quarter" idx="10"/>
           </p:nvPr>
         </p:nvSpPr>
-        <p:spPr bwMode="auto">
-          <a:noFill/>
-          <a:ln>
-            <a:miter lim="800000"/>
-            <a:headEnd/>
-            <a:tailEnd/>
-          </a:ln>
-        </p:spPr>
+        <p:spPr/>
         <p:txBody>
-          <a:bodyPr wrap="square" numCol="1" anchorCtr="0" compatLnSpc="1">
-            <a:prstTxWarp prst="textNoShape">
-              <a:avLst/>
-            </a:prstTxWarp>
-          </a:bodyPr>
+          <a:bodyPr/>
           <a:lstStyle/>
           <a:p>
-            <a:fld id="{0626F50C-E5F1-433D-B8D5-F6AD8EE9FA1A}" type="slidenum">
+            <a:pPr>
+              <a:defRPr/>
+            </a:pPr>
+            <a:fld id="{BF6C4AA2-D5B3-4212-867F-E265BBCBB5FC}" type="slidenum">
               <a:rPr lang="zh-CN" altLang="en-US" smtClean="0"/>
-              <a:pPr/>
+              <a:pPr>
+                <a:defRPr/>
+              </a:pPr>
               <a:t>20</a:t>
             </a:fld>
-            <a:endParaRPr lang="en-US" altLang="zh-CN" smtClean="0"/>
+            <a:endParaRPr lang="zh-CN" altLang="en-US"/>
           </a:p>
         </p:txBody>
       </p:sp>
@@ -6518,36 +6709,30 @@
       </p:sp>
       <p:sp>
         <p:nvSpPr>
-          <p:cNvPr id="70659" name="灯片编号占位符 3"/>
+          <p:cNvPr id="2" name="Slide Number Placeholder 1"/>
           <p:cNvSpPr>
             <a:spLocks noGrp="1"/>
           </p:cNvSpPr>
           <p:nvPr>
-            <p:ph type="sldNum" sz="quarter" idx="5"/>
+            <p:ph type="sldNum" sz="quarter" idx="10"/>
           </p:nvPr>
         </p:nvSpPr>
-        <p:spPr bwMode="auto">
-          <a:noFill/>
-          <a:ln>
-            <a:miter lim="800000"/>
-            <a:headEnd/>
-            <a:tailEnd/>
-          </a:ln>
-        </p:spPr>
+        <p:spPr/>
         <p:txBody>
-          <a:bodyPr wrap="square" numCol="1" anchorCtr="0" compatLnSpc="1">
-            <a:prstTxWarp prst="textNoShape">
-              <a:avLst/>
-            </a:prstTxWarp>
-          </a:bodyPr>
+          <a:bodyPr/>
           <a:lstStyle/>
           <a:p>
-            <a:fld id="{58417DEC-EAC5-4B27-AF19-566D466F9E3B}" type="slidenum">
+            <a:pPr>
+              <a:defRPr/>
+            </a:pPr>
+            <a:fld id="{BF6C4AA2-D5B3-4212-867F-E265BBCBB5FC}" type="slidenum">
               <a:rPr lang="zh-CN" altLang="en-US" smtClean="0"/>
-              <a:pPr/>
+              <a:pPr>
+                <a:defRPr/>
+              </a:pPr>
               <a:t>21</a:t>
             </a:fld>
-            <a:endParaRPr lang="en-US" altLang="zh-CN" smtClean="0"/>
+            <a:endParaRPr lang="zh-CN" altLang="en-US"/>
           </a:p>
         </p:txBody>
       </p:sp>
@@ -6670,36 +6855,30 @@
       </p:sp>
       <p:sp>
         <p:nvSpPr>
-          <p:cNvPr id="72707" name="灯片编号占位符 3"/>
+          <p:cNvPr id="2" name="Slide Number Placeholder 1"/>
           <p:cNvSpPr>
             <a:spLocks noGrp="1"/>
           </p:cNvSpPr>
           <p:nvPr>
-            <p:ph type="sldNum" sz="quarter" idx="5"/>
+            <p:ph type="sldNum" sz="quarter" idx="10"/>
           </p:nvPr>
         </p:nvSpPr>
-        <p:spPr bwMode="auto">
-          <a:noFill/>
-          <a:ln>
-            <a:miter lim="800000"/>
-            <a:headEnd/>
-            <a:tailEnd/>
-          </a:ln>
-        </p:spPr>
+        <p:spPr/>
         <p:txBody>
-          <a:bodyPr wrap="square" numCol="1" anchorCtr="0" compatLnSpc="1">
-            <a:prstTxWarp prst="textNoShape">
-              <a:avLst/>
-            </a:prstTxWarp>
-          </a:bodyPr>
+          <a:bodyPr/>
           <a:lstStyle/>
           <a:p>
-            <a:fld id="{1A27B083-2181-4FBE-95B4-7C72A52BF31F}" type="slidenum">
+            <a:pPr>
+              <a:defRPr/>
+            </a:pPr>
+            <a:fld id="{BF6C4AA2-D5B3-4212-867F-E265BBCBB5FC}" type="slidenum">
               <a:rPr lang="zh-CN" altLang="en-US" smtClean="0"/>
-              <a:pPr/>
+              <a:pPr>
+                <a:defRPr/>
+              </a:pPr>
               <a:t>22</a:t>
             </a:fld>
-            <a:endParaRPr lang="en-US" altLang="zh-CN" smtClean="0"/>
+            <a:endParaRPr lang="zh-CN" altLang="en-US"/>
           </a:p>
         </p:txBody>
       </p:sp>
@@ -6782,36 +6961,30 @@
       </p:sp>
       <p:sp>
         <p:nvSpPr>
-          <p:cNvPr id="74755" name="灯片编号占位符 3"/>
+          <p:cNvPr id="2" name="Slide Number Placeholder 1"/>
           <p:cNvSpPr>
             <a:spLocks noGrp="1"/>
           </p:cNvSpPr>
           <p:nvPr>
-            <p:ph type="sldNum" sz="quarter" idx="5"/>
+            <p:ph type="sldNum" sz="quarter" idx="10"/>
           </p:nvPr>
         </p:nvSpPr>
-        <p:spPr bwMode="auto">
-          <a:noFill/>
-          <a:ln>
-            <a:miter lim="800000"/>
-            <a:headEnd/>
-            <a:tailEnd/>
-          </a:ln>
-        </p:spPr>
+        <p:spPr/>
         <p:txBody>
-          <a:bodyPr wrap="square" numCol="1" anchorCtr="0" compatLnSpc="1">
-            <a:prstTxWarp prst="textNoShape">
-              <a:avLst/>
-            </a:prstTxWarp>
-          </a:bodyPr>
+          <a:bodyPr/>
           <a:lstStyle/>
           <a:p>
-            <a:fld id="{543DD422-F2A0-4EDE-97A9-60637073B476}" type="slidenum">
+            <a:pPr>
+              <a:defRPr/>
+            </a:pPr>
+            <a:fld id="{BF6C4AA2-D5B3-4212-867F-E265BBCBB5FC}" type="slidenum">
               <a:rPr lang="zh-CN" altLang="en-US" smtClean="0"/>
-              <a:pPr/>
+              <a:pPr>
+                <a:defRPr/>
+              </a:pPr>
               <a:t>23</a:t>
             </a:fld>
-            <a:endParaRPr lang="en-US" altLang="zh-CN" smtClean="0"/>
+            <a:endParaRPr lang="zh-CN" altLang="en-US"/>
           </a:p>
         </p:txBody>
       </p:sp>
@@ -6882,7 +7055,7 @@
       </p:sp>
       <p:sp>
         <p:nvSpPr>
-          <p:cNvPr id="4" name="灯片编号占位符 3"/>
+          <p:cNvPr id="5" name="Slide Number Placeholder 4"/>
           <p:cNvSpPr>
             <a:spLocks noGrp="1"/>
           </p:cNvSpPr>
@@ -6976,7 +7149,7 @@
       </p:sp>
       <p:sp>
         <p:nvSpPr>
-          <p:cNvPr id="4" name="灯片编号占位符 3"/>
+          <p:cNvPr id="5" name="Slide Number Placeholder 4"/>
           <p:cNvSpPr>
             <a:spLocks noGrp="1"/>
           </p:cNvSpPr>
@@ -7100,172 +7273,30 @@
       </p:sp>
       <p:sp>
         <p:nvSpPr>
-          <p:cNvPr id="58372" name="灯片编号占位符 3"/>
+          <p:cNvPr id="2" name="Slide Number Placeholder 1"/>
           <p:cNvSpPr>
             <a:spLocks noGrp="1"/>
           </p:cNvSpPr>
           <p:nvPr>
-            <p:ph type="sldNum" sz="quarter" idx="5"/>
+            <p:ph type="sldNum" sz="quarter" idx="10"/>
           </p:nvPr>
         </p:nvSpPr>
-        <p:spPr bwMode="auto">
-          <a:noFill/>
-          <a:extLst>
-            <a:ext uri="{909E8E84-426E-40DD-AFC4-6F175D3DCCD1}">
-              <a14:hiddenFill xmlns:a14="http://schemas.microsoft.com/office/drawing/2010/main">
-                <a:solidFill>
-                  <a:srgbClr val="FFFFFF"/>
-                </a:solidFill>
-              </a14:hiddenFill>
-            </a:ext>
-            <a:ext uri="{91240B29-F687-4F45-9708-019B960494DF}">
-              <a14:hiddenLine xmlns:a14="http://schemas.microsoft.com/office/drawing/2010/main" w="9525">
-                <a:solidFill>
-                  <a:srgbClr val="000000"/>
-                </a:solidFill>
-                <a:miter lim="800000"/>
-                <a:headEnd/>
-                <a:tailEnd/>
-              </a14:hiddenLine>
-            </a:ext>
-          </a:extLst>
-        </p:spPr>
+        <p:spPr/>
         <p:txBody>
-          <a:bodyPr vert="horz" wrap="square" lIns="91440" tIns="45720" rIns="91440" bIns="45720" numCol="1" anchorCtr="0" compatLnSpc="1">
-            <a:prstTxWarp prst="textNoShape">
-              <a:avLst/>
-            </a:prstTxWarp>
-          </a:bodyPr>
-          <a:lstStyle>
-            <a:lvl1pPr>
-              <a:buFont typeface="Arial" charset="0"/>
-              <a:defRPr>
-                <a:solidFill>
-                  <a:schemeClr val="tx1"/>
-                </a:solidFill>
-                <a:latin typeface="Arial" charset="0"/>
-                <a:ea typeface="宋体" charset="0"/>
-              </a:defRPr>
-            </a:lvl1pPr>
-            <a:lvl2pPr marL="742950" indent="-285750">
-              <a:buFont typeface="Arial" charset="0"/>
-              <a:defRPr>
-                <a:solidFill>
-                  <a:schemeClr val="tx1"/>
-                </a:solidFill>
-                <a:latin typeface="Arial" charset="0"/>
-                <a:ea typeface="宋体" charset="0"/>
-              </a:defRPr>
-            </a:lvl2pPr>
-            <a:lvl3pPr marL="1143000" indent="-228600">
-              <a:buFont typeface="Arial" charset="0"/>
-              <a:defRPr>
-                <a:solidFill>
-                  <a:schemeClr val="tx1"/>
-                </a:solidFill>
-                <a:latin typeface="Arial" charset="0"/>
-                <a:ea typeface="宋体" charset="0"/>
-              </a:defRPr>
-            </a:lvl3pPr>
-            <a:lvl4pPr marL="1600200" indent="-228600">
-              <a:buFont typeface="Arial" charset="0"/>
-              <a:defRPr>
-                <a:solidFill>
-                  <a:schemeClr val="tx1"/>
-                </a:solidFill>
-                <a:latin typeface="Arial" charset="0"/>
-                <a:ea typeface="宋体" charset="0"/>
-              </a:defRPr>
-            </a:lvl4pPr>
-            <a:lvl5pPr marL="2057400" indent="-228600">
-              <a:buFont typeface="Arial" charset="0"/>
-              <a:defRPr>
-                <a:solidFill>
-                  <a:schemeClr val="tx1"/>
-                </a:solidFill>
-                <a:latin typeface="Arial" charset="0"/>
-                <a:ea typeface="宋体" charset="0"/>
-              </a:defRPr>
-            </a:lvl5pPr>
-            <a:lvl6pPr marL="2514600" indent="-228600" eaLnBrk="0" fontAlgn="base" hangingPunct="0">
-              <a:spcBef>
-                <a:spcPct val="0"/>
-              </a:spcBef>
-              <a:spcAft>
-                <a:spcPct val="0"/>
-              </a:spcAft>
-              <a:buFont typeface="Arial" charset="0"/>
-              <a:defRPr>
-                <a:solidFill>
-                  <a:schemeClr val="tx1"/>
-                </a:solidFill>
-                <a:latin typeface="Arial" charset="0"/>
-                <a:ea typeface="宋体" charset="0"/>
-              </a:defRPr>
-            </a:lvl6pPr>
-            <a:lvl7pPr marL="2971800" indent="-228600" eaLnBrk="0" fontAlgn="base" hangingPunct="0">
-              <a:spcBef>
-                <a:spcPct val="0"/>
-              </a:spcBef>
-              <a:spcAft>
-                <a:spcPct val="0"/>
-              </a:spcAft>
-              <a:buFont typeface="Arial" charset="0"/>
-              <a:defRPr>
-                <a:solidFill>
-                  <a:schemeClr val="tx1"/>
-                </a:solidFill>
-                <a:latin typeface="Arial" charset="0"/>
-                <a:ea typeface="宋体" charset="0"/>
-              </a:defRPr>
-            </a:lvl7pPr>
-            <a:lvl8pPr marL="3429000" indent="-228600" eaLnBrk="0" fontAlgn="base" hangingPunct="0">
-              <a:spcBef>
-                <a:spcPct val="0"/>
-              </a:spcBef>
-              <a:spcAft>
-                <a:spcPct val="0"/>
-              </a:spcAft>
-              <a:buFont typeface="Arial" charset="0"/>
-              <a:defRPr>
-                <a:solidFill>
-                  <a:schemeClr val="tx1"/>
-                </a:solidFill>
-                <a:latin typeface="Arial" charset="0"/>
-                <a:ea typeface="宋体" charset="0"/>
-              </a:defRPr>
-            </a:lvl8pPr>
-            <a:lvl9pPr marL="3886200" indent="-228600" eaLnBrk="0" fontAlgn="base" hangingPunct="0">
-              <a:spcBef>
-                <a:spcPct val="0"/>
-              </a:spcBef>
-              <a:spcAft>
-                <a:spcPct val="0"/>
-              </a:spcAft>
-              <a:buFont typeface="Arial" charset="0"/>
-              <a:defRPr>
-                <a:solidFill>
-                  <a:schemeClr val="tx1"/>
-                </a:solidFill>
-                <a:latin typeface="Arial" charset="0"/>
-                <a:ea typeface="宋体" charset="0"/>
-              </a:defRPr>
-            </a:lvl9pPr>
-          </a:lstStyle>
+          <a:bodyPr/>
+          <a:lstStyle/>
           <a:p>
             <a:pPr>
-              <a:buFontTx/>
-              <a:buNone/>
+              <a:defRPr/>
             </a:pPr>
-            <a:fld id="{8CC8AD95-EC2A-604D-A1C6-862D05EEBC8D}" type="slidenum">
-              <a:rPr altLang="en-US"/>
+            <a:fld id="{BF6C4AA2-D5B3-4212-867F-E265BBCBB5FC}" type="slidenum">
+              <a:rPr lang="zh-CN" altLang="en-US" smtClean="0"/>
               <a:pPr>
-                <a:buFontTx/>
-                <a:buNone/>
+                <a:defRPr/>
               </a:pPr>
               <a:t>26</a:t>
             </a:fld>
-            <a:endParaRPr altLang="en-US"/>
+            <a:endParaRPr lang="zh-CN" altLang="en-US"/>
           </a:p>
         </p:txBody>
       </p:sp>
@@ -7326,87 +7357,177 @@
           <a:bodyPr/>
           <a:lstStyle/>
           <a:p>
-            <a:r>
-              <a:rPr lang="zh-CN" altLang="en-US" dirty="0" smtClean="0"/>
-              <a:t>系统参数变化：</a:t>
-            </a:r>
-            <a:r>
-              <a:rPr lang="zh-CN" altLang="zh-CN" dirty="0" smtClean="0"/>
-              <a:t>准直器尺寸</a:t>
-            </a:r>
-            <a:r>
-              <a:rPr lang="zh-CN" altLang="en-US" dirty="0" smtClean="0"/>
-              <a:t>、</a:t>
-            </a:r>
-            <a:r>
-              <a:rPr lang="zh-CN" altLang="zh-CN" dirty="0" smtClean="0"/>
-              <a:t>分层高度、探测器</a:t>
-            </a:r>
-            <a:r>
-              <a:rPr lang="zh-CN" altLang="en-US" dirty="0" smtClean="0"/>
-              <a:t>位置、</a:t>
-            </a:r>
-            <a:r>
-              <a:rPr lang="zh-CN" altLang="zh-CN" dirty="0" smtClean="0"/>
-              <a:t>探测器偏心步长</a:t>
-            </a:r>
-            <a:endParaRPr lang="en-US" altLang="zh-CN" dirty="0" smtClean="0"/>
-          </a:p>
-          <a:p>
-            <a:r>
-              <a:rPr lang="zh-CN" altLang="zh-CN" dirty="0" smtClean="0"/>
-              <a:t>不同噪声水平下最佳统计迭代算法的选择</a:t>
-            </a:r>
-            <a:endParaRPr lang="en-US" altLang="zh-CN" dirty="0" smtClean="0"/>
-          </a:p>
-          <a:p>
-            <a:r>
-              <a:rPr lang="zh-CN" altLang="zh-CN" dirty="0" smtClean="0"/>
-              <a:t>将废物桶中不同层的全部核素都投影在一个等效层内的策略推广</a:t>
-            </a:r>
-          </a:p>
-          <a:p>
-            <a:r>
-              <a:rPr lang="zh-CN" altLang="zh-CN" dirty="0" smtClean="0"/>
-              <a:t>全面充分的实验工作</a:t>
-            </a:r>
-            <a:r>
-              <a:rPr lang="zh-CN" altLang="en-US" dirty="0" smtClean="0"/>
-              <a:t>，</a:t>
-            </a:r>
-            <a:r>
-              <a:rPr lang="zh-CN" altLang="zh-CN" dirty="0" smtClean="0"/>
-              <a:t>不同种类的中低放废物进行测量</a:t>
-            </a:r>
-            <a:r>
-              <a:rPr lang="zh-CN" altLang="en-US" dirty="0" smtClean="0"/>
-              <a:t>，以及对</a:t>
-            </a:r>
-            <a:r>
-              <a:rPr lang="zh-CN" altLang="zh-CN" dirty="0" smtClean="0"/>
-              <a:t>测量不确定度和可探测限进行分析</a:t>
-            </a:r>
-            <a:endParaRPr lang="en-US" altLang="zh-CN" dirty="0" smtClean="0"/>
-          </a:p>
-          <a:p>
-            <a:r>
-              <a:rPr lang="en-US" altLang="zh-CN" dirty="0" smtClean="0"/>
-              <a:t>400L</a:t>
-            </a:r>
-            <a:r>
-              <a:rPr lang="zh-CN" altLang="zh-CN" dirty="0" smtClean="0"/>
-              <a:t>高密度废物桶的最佳测量技术标准</a:t>
-            </a:r>
-            <a:endParaRPr lang="zh-CN" altLang="en-US" dirty="0" smtClean="0"/>
-          </a:p>
-          <a:p>
-            <a:endParaRPr lang="en-US" dirty="0"/>
+            <a:endParaRPr lang="en-US"/>
           </a:p>
         </p:txBody>
       </p:sp>
       <p:sp>
         <p:nvSpPr>
-          <p:cNvPr id="4" name="Slide Number Placeholder 3"/>
+          <p:cNvPr id="5" name="Slide Number Placeholder 4"/>
+          <p:cNvSpPr>
+            <a:spLocks noGrp="1"/>
+          </p:cNvSpPr>
+          <p:nvPr>
+            <p:ph type="sldNum" sz="quarter" idx="10"/>
+          </p:nvPr>
+        </p:nvSpPr>
+        <p:spPr/>
+        <p:txBody>
+          <a:bodyPr/>
+          <a:lstStyle/>
+          <a:p>
+            <a:pPr>
+              <a:defRPr/>
+            </a:pPr>
+            <a:fld id="{BF6C4AA2-D5B3-4212-867F-E265BBCBB5FC}" type="slidenum">
+              <a:rPr lang="zh-CN" altLang="en-US" smtClean="0"/>
+              <a:pPr>
+                <a:defRPr/>
+              </a:pPr>
+              <a:t>27</a:t>
+            </a:fld>
+            <a:endParaRPr lang="zh-CN" altLang="en-US"/>
+          </a:p>
+        </p:txBody>
+      </p:sp>
+    </p:spTree>
+    <p:extLst>
+      <p:ext uri="{BB962C8B-B14F-4D97-AF65-F5344CB8AC3E}">
+        <p14:creationId xmlns:p14="http://schemas.microsoft.com/office/powerpoint/2010/main" val="911443468"/>
+      </p:ext>
+    </p:extLst>
+  </p:cSld>
+  <p:clrMapOvr>
+    <a:masterClrMapping/>
+  </p:clrMapOvr>
+</p:notes>
+</file>
+
+<file path=ppt/notesSlides/notesSlide18.xml><?xml version="1.0" encoding="utf-8"?>
+<p:notes xmlns:a="http://schemas.openxmlformats.org/drawingml/2006/main" xmlns:r="http://schemas.openxmlformats.org/officeDocument/2006/relationships" xmlns:p="http://schemas.openxmlformats.org/presentationml/2006/main">
+  <p:cSld>
+    <p:spTree>
+      <p:nvGrpSpPr>
+        <p:cNvPr id="1" name=""/>
+        <p:cNvGrpSpPr/>
+        <p:nvPr/>
+      </p:nvGrpSpPr>
+      <p:grpSpPr>
+        <a:xfrm>
+          <a:off x="0" y="0"/>
+          <a:ext cx="0" cy="0"/>
+          <a:chOff x="0" y="0"/>
+          <a:chExt cx="0" cy="0"/>
+        </a:xfrm>
+      </p:grpSpPr>
+      <p:sp>
+        <p:nvSpPr>
+          <p:cNvPr id="2" name="Slide Image Placeholder 1"/>
+          <p:cNvSpPr>
+            <a:spLocks noGrp="1" noRot="1" noChangeAspect="1"/>
+          </p:cNvSpPr>
+          <p:nvPr>
+            <p:ph type="sldImg"/>
+          </p:nvPr>
+        </p:nvSpPr>
+        <p:spPr/>
+      </p:sp>
+      <p:sp>
+        <p:nvSpPr>
+          <p:cNvPr id="3" name="Notes Placeholder 2"/>
+          <p:cNvSpPr>
+            <a:spLocks noGrp="1"/>
+          </p:cNvSpPr>
+          <p:nvPr>
+            <p:ph type="body" idx="1"/>
+          </p:nvPr>
+        </p:nvSpPr>
+        <p:spPr/>
+        <p:txBody>
+          <a:bodyPr/>
+          <a:lstStyle/>
+          <a:p>
+            <a:r>
+              <a:rPr lang="zh-CN" altLang="en-US" dirty="0" smtClean="0"/>
+              <a:t>系统参数变化：</a:t>
+            </a:r>
+            <a:r>
+              <a:rPr lang="zh-CN" altLang="zh-CN" dirty="0" smtClean="0"/>
+              <a:t>准直器尺寸</a:t>
+            </a:r>
+            <a:r>
+              <a:rPr lang="zh-CN" altLang="en-US" dirty="0" smtClean="0"/>
+              <a:t>、</a:t>
+            </a:r>
+            <a:r>
+              <a:rPr lang="zh-CN" altLang="zh-CN" dirty="0" smtClean="0"/>
+              <a:t>分层高度、探测器</a:t>
+            </a:r>
+            <a:r>
+              <a:rPr lang="zh-CN" altLang="en-US" dirty="0" smtClean="0"/>
+              <a:t>位置、</a:t>
+            </a:r>
+            <a:r>
+              <a:rPr lang="zh-CN" altLang="zh-CN" dirty="0" smtClean="0"/>
+              <a:t>探测器偏心步长</a:t>
+            </a:r>
+            <a:endParaRPr lang="en-US" altLang="zh-CN" dirty="0" smtClean="0"/>
+          </a:p>
+          <a:p>
+            <a:r>
+              <a:rPr lang="zh-CN" altLang="zh-CN" dirty="0" smtClean="0"/>
+              <a:t>不同噪声水平下最佳统计迭代算法的选择</a:t>
+            </a:r>
+            <a:endParaRPr lang="en-US" altLang="zh-CN" dirty="0" smtClean="0"/>
+          </a:p>
+          <a:p>
+            <a:r>
+              <a:rPr lang="zh-CN" altLang="zh-CN" dirty="0" smtClean="0"/>
+              <a:t>将废物桶中不同层的全部核素都投影在一个等效层内的策略推广</a:t>
+            </a:r>
+          </a:p>
+          <a:p>
+            <a:r>
+              <a:rPr lang="zh-CN" altLang="zh-CN" dirty="0" smtClean="0"/>
+              <a:t>全面充分的实验工作</a:t>
+            </a:r>
+            <a:r>
+              <a:rPr lang="zh-CN" altLang="en-US" dirty="0" smtClean="0"/>
+              <a:t>，</a:t>
+            </a:r>
+            <a:r>
+              <a:rPr lang="zh-CN" altLang="zh-CN" dirty="0" smtClean="0"/>
+              <a:t>不同种类的中低放废物进行测量</a:t>
+            </a:r>
+            <a:r>
+              <a:rPr lang="zh-CN" altLang="en-US" dirty="0" smtClean="0"/>
+              <a:t>，以及对</a:t>
+            </a:r>
+            <a:r>
+              <a:rPr lang="zh-CN" altLang="zh-CN" dirty="0" smtClean="0"/>
+              <a:t>测量不确定度和可探测限进行分析</a:t>
+            </a:r>
+            <a:endParaRPr lang="en-US" altLang="zh-CN" dirty="0" smtClean="0"/>
+          </a:p>
+          <a:p>
+            <a:r>
+              <a:rPr lang="en-US" altLang="zh-CN" dirty="0" smtClean="0"/>
+              <a:t>400L</a:t>
+            </a:r>
+            <a:r>
+              <a:rPr lang="zh-CN" altLang="zh-CN" dirty="0" smtClean="0"/>
+              <a:t>高密度废物桶的最佳测量技术标准</a:t>
+            </a:r>
+            <a:endParaRPr lang="zh-CN" altLang="en-US" dirty="0" smtClean="0"/>
+          </a:p>
+          <a:p>
+            <a:endParaRPr lang="en-US" dirty="0"/>
+          </a:p>
+        </p:txBody>
+      </p:sp>
+      <p:sp>
+        <p:nvSpPr>
+          <p:cNvPr id="5" name="Slide Number Placeholder 4"/>
           <p:cNvSpPr>
             <a:spLocks noGrp="1"/>
           </p:cNvSpPr>
@@ -7539,165 +7660,30 @@
       </p:sp>
       <p:sp>
         <p:nvSpPr>
-          <p:cNvPr id="36868" name="灯片编号占位符 1"/>
+          <p:cNvPr id="2" name="Slide Number Placeholder 1"/>
           <p:cNvSpPr>
-            <a:spLocks noGrp="1" noChangeArrowheads="1"/>
+            <a:spLocks noGrp="1"/>
           </p:cNvSpPr>
           <p:nvPr>
-            <p:ph type="sldNum" sz="quarter" idx="5"/>
+            <p:ph type="sldNum" sz="quarter" idx="10"/>
           </p:nvPr>
         </p:nvSpPr>
-        <p:spPr bwMode="auto">
-          <a:noFill/>
-          <a:extLst>
-            <a:ext uri="{909E8E84-426E-40DD-AFC4-6F175D3DCCD1}">
-              <a14:hiddenFill xmlns:a14="http://schemas.microsoft.com/office/drawing/2010/main">
-                <a:solidFill>
-                  <a:srgbClr val="FFFFFF"/>
-                </a:solidFill>
-              </a14:hiddenFill>
-            </a:ext>
-            <a:ext uri="{91240B29-F687-4F45-9708-019B960494DF}">
-              <a14:hiddenLine xmlns:a14="http://schemas.microsoft.com/office/drawing/2010/main" w="9525">
-                <a:solidFill>
-                  <a:srgbClr val="000000"/>
-                </a:solidFill>
-                <a:miter lim="800000"/>
-                <a:headEnd/>
-                <a:tailEnd/>
-              </a14:hiddenLine>
-            </a:ext>
-          </a:extLst>
-        </p:spPr>
+        <p:spPr/>
         <p:txBody>
-          <a:bodyPr vert="horz" wrap="square" lIns="91440" tIns="45720" rIns="91440" bIns="45720" numCol="1" anchorCtr="0" compatLnSpc="1">
-            <a:prstTxWarp prst="textNoShape">
-              <a:avLst/>
-            </a:prstTxWarp>
-          </a:bodyPr>
-          <a:lstStyle>
-            <a:lvl1pPr>
-              <a:buFont typeface="Arial" panose="020B0604020202020204" pitchFamily="34" charset="0"/>
-              <a:defRPr>
-                <a:solidFill>
-                  <a:schemeClr val="tx1"/>
-                </a:solidFill>
-                <a:latin typeface="Arial" panose="020B0604020202020204" pitchFamily="34" charset="0"/>
-                <a:ea typeface="宋体" panose="02010600030101010101" pitchFamily="2" charset="-122"/>
-              </a:defRPr>
-            </a:lvl1pPr>
-            <a:lvl2pPr marL="742950" indent="-285750">
-              <a:buFont typeface="Arial" panose="020B0604020202020204" pitchFamily="34" charset="0"/>
-              <a:defRPr>
-                <a:solidFill>
-                  <a:schemeClr val="tx1"/>
-                </a:solidFill>
-                <a:latin typeface="Arial" panose="020B0604020202020204" pitchFamily="34" charset="0"/>
-                <a:ea typeface="宋体" panose="02010600030101010101" pitchFamily="2" charset="-122"/>
-              </a:defRPr>
-            </a:lvl2pPr>
-            <a:lvl3pPr marL="1143000" indent="-228600">
-              <a:buFont typeface="Arial" panose="020B0604020202020204" pitchFamily="34" charset="0"/>
-              <a:defRPr>
-                <a:solidFill>
-                  <a:schemeClr val="tx1"/>
-                </a:solidFill>
-                <a:latin typeface="Arial" panose="020B0604020202020204" pitchFamily="34" charset="0"/>
-                <a:ea typeface="宋体" panose="02010600030101010101" pitchFamily="2" charset="-122"/>
-              </a:defRPr>
-            </a:lvl3pPr>
-            <a:lvl4pPr marL="1600200" indent="-228600">
-              <a:buFont typeface="Arial" panose="020B0604020202020204" pitchFamily="34" charset="0"/>
-              <a:defRPr>
-                <a:solidFill>
-                  <a:schemeClr val="tx1"/>
-                </a:solidFill>
-                <a:latin typeface="Arial" panose="020B0604020202020204" pitchFamily="34" charset="0"/>
-                <a:ea typeface="宋体" panose="02010600030101010101" pitchFamily="2" charset="-122"/>
-              </a:defRPr>
-            </a:lvl4pPr>
-            <a:lvl5pPr marL="2057400" indent="-228600">
-              <a:buFont typeface="Arial" panose="020B0604020202020204" pitchFamily="34" charset="0"/>
-              <a:defRPr>
-                <a:solidFill>
-                  <a:schemeClr val="tx1"/>
-                </a:solidFill>
-                <a:latin typeface="Arial" panose="020B0604020202020204" pitchFamily="34" charset="0"/>
-                <a:ea typeface="宋体" panose="02010600030101010101" pitchFamily="2" charset="-122"/>
-              </a:defRPr>
-            </a:lvl5pPr>
-            <a:lvl6pPr marL="2514600" indent="-228600" eaLnBrk="0" fontAlgn="base" hangingPunct="0">
-              <a:spcBef>
-                <a:spcPct val="0"/>
-              </a:spcBef>
-              <a:spcAft>
-                <a:spcPct val="0"/>
-              </a:spcAft>
-              <a:buFont typeface="Arial" panose="020B0604020202020204" pitchFamily="34" charset="0"/>
-              <a:defRPr>
-                <a:solidFill>
-                  <a:schemeClr val="tx1"/>
-                </a:solidFill>
-                <a:latin typeface="Arial" panose="020B0604020202020204" pitchFamily="34" charset="0"/>
-                <a:ea typeface="宋体" panose="02010600030101010101" pitchFamily="2" charset="-122"/>
-              </a:defRPr>
-            </a:lvl6pPr>
-            <a:lvl7pPr marL="2971800" indent="-228600" eaLnBrk="0" fontAlgn="base" hangingPunct="0">
-              <a:spcBef>
-                <a:spcPct val="0"/>
-              </a:spcBef>
-              <a:spcAft>
-                <a:spcPct val="0"/>
-              </a:spcAft>
-              <a:buFont typeface="Arial" panose="020B0604020202020204" pitchFamily="34" charset="0"/>
-              <a:defRPr>
-                <a:solidFill>
-                  <a:schemeClr val="tx1"/>
-                </a:solidFill>
-                <a:latin typeface="Arial" panose="020B0604020202020204" pitchFamily="34" charset="0"/>
-                <a:ea typeface="宋体" panose="02010600030101010101" pitchFamily="2" charset="-122"/>
-              </a:defRPr>
-            </a:lvl7pPr>
-            <a:lvl8pPr marL="3429000" indent="-228600" eaLnBrk="0" fontAlgn="base" hangingPunct="0">
-              <a:spcBef>
-                <a:spcPct val="0"/>
-              </a:spcBef>
-              <a:spcAft>
-                <a:spcPct val="0"/>
-              </a:spcAft>
-              <a:buFont typeface="Arial" panose="020B0604020202020204" pitchFamily="34" charset="0"/>
-              <a:defRPr>
-                <a:solidFill>
-                  <a:schemeClr val="tx1"/>
-                </a:solidFill>
-                <a:latin typeface="Arial" panose="020B0604020202020204" pitchFamily="34" charset="0"/>
-                <a:ea typeface="宋体" panose="02010600030101010101" pitchFamily="2" charset="-122"/>
-              </a:defRPr>
-            </a:lvl8pPr>
-            <a:lvl9pPr marL="3886200" indent="-228600" eaLnBrk="0" fontAlgn="base" hangingPunct="0">
-              <a:spcBef>
-                <a:spcPct val="0"/>
-              </a:spcBef>
-              <a:spcAft>
-                <a:spcPct val="0"/>
-              </a:spcAft>
-              <a:buFont typeface="Arial" panose="020B0604020202020204" pitchFamily="34" charset="0"/>
-              <a:defRPr>
-                <a:solidFill>
-                  <a:schemeClr val="tx1"/>
-                </a:solidFill>
-                <a:latin typeface="Arial" panose="020B0604020202020204" pitchFamily="34" charset="0"/>
-                <a:ea typeface="宋体" panose="02010600030101010101" pitchFamily="2" charset="-122"/>
-              </a:defRPr>
-            </a:lvl9pPr>
-          </a:lstStyle>
-          <a:p>
-            <a:fld id="{01E63C95-0AC3-4CFA-8D1E-495DCC9A9FC0}" type="slidenum">
-              <a:rPr altLang="en-US" smtClean="0"/>
-              <a:pPr/>
+          <a:bodyPr/>
+          <a:lstStyle/>
+          <a:p>
+            <a:pPr>
+              <a:defRPr/>
+            </a:pPr>
+            <a:fld id="{BF6C4AA2-D5B3-4212-867F-E265BBCBB5FC}" type="slidenum">
+              <a:rPr lang="zh-CN" altLang="en-US" smtClean="0"/>
+              <a:pPr>
+                <a:defRPr/>
+              </a:pPr>
               <a:t>6</a:t>
             </a:fld>
-            <a:endParaRPr lang="zh-CN" altLang="en-US" smtClean="0"/>
+            <a:endParaRPr lang="zh-CN" altLang="en-US"/>
           </a:p>
         </p:txBody>
       </p:sp>
@@ -7782,7 +7768,7 @@
       </p:sp>
       <p:sp>
         <p:nvSpPr>
-          <p:cNvPr id="4" name="灯片编号占位符 3"/>
+          <p:cNvPr id="5" name="Slide Number Placeholder 4"/>
           <p:cNvSpPr>
             <a:spLocks noGrp="1"/>
           </p:cNvSpPr>
@@ -7974,7 +7960,7 @@
       </p:sp>
       <p:sp>
         <p:nvSpPr>
-          <p:cNvPr id="4" name="灯片编号占位符 3"/>
+          <p:cNvPr id="5" name="Slide Number Placeholder 4"/>
           <p:cNvSpPr>
             <a:spLocks noGrp="1"/>
           </p:cNvSpPr>
@@ -8075,7 +8061,7 @@
       </p:sp>
       <p:sp>
         <p:nvSpPr>
-          <p:cNvPr id="4" name="灯片编号占位符 3"/>
+          <p:cNvPr id="5" name="Slide Number Placeholder 4"/>
           <p:cNvSpPr>
             <a:spLocks noGrp="1"/>
           </p:cNvSpPr>
@@ -8091,7 +8077,7 @@
             <a:pPr>
               <a:defRPr/>
             </a:pPr>
-            <a:fld id="{BAF360A8-BAF6-47EE-B971-9B2EDCBBADA4}" type="slidenum">
+            <a:fld id="{BF6C4AA2-D5B3-4212-867F-E265BBCBB5FC}" type="slidenum">
               <a:rPr lang="zh-CN" altLang="en-US" smtClean="0"/>
               <a:pPr>
                 <a:defRPr/>
@@ -8165,7 +8151,7 @@
       </p:sp>
       <p:sp>
         <p:nvSpPr>
-          <p:cNvPr id="4" name="灯片编号占位符 3"/>
+          <p:cNvPr id="5" name="Slide Number Placeholder 4"/>
           <p:cNvSpPr>
             <a:spLocks noGrp="1"/>
           </p:cNvSpPr>
@@ -8181,7 +8167,7 @@
             <a:pPr>
               <a:defRPr/>
             </a:pPr>
-            <a:fld id="{BAF360A8-BAF6-47EE-B971-9B2EDCBBADA4}" type="slidenum">
+            <a:fld id="{BF6C4AA2-D5B3-4212-867F-E265BBCBB5FC}" type="slidenum">
               <a:rPr lang="zh-CN" altLang="en-US" smtClean="0"/>
               <a:pPr>
                 <a:defRPr/>
@@ -8259,7 +8245,7 @@
       </p:sp>
       <p:sp>
         <p:nvSpPr>
-          <p:cNvPr id="4" name="灯片编号占位符 3"/>
+          <p:cNvPr id="5" name="Slide Number Placeholder 4"/>
           <p:cNvSpPr>
             <a:spLocks noGrp="1"/>
           </p:cNvSpPr>
@@ -8349,7 +8335,7 @@
       </p:sp>
       <p:sp>
         <p:nvSpPr>
-          <p:cNvPr id="4" name="灯片编号占位符 3"/>
+          <p:cNvPr id="5" name="Slide Number Placeholder 4"/>
           <p:cNvSpPr>
             <a:spLocks noGrp="1"/>
           </p:cNvSpPr>
@@ -8534,6 +8520,35 @@
               <a:t>19</a:t>
             </a:fld>
             <a:endParaRPr lang="en-US" altLang="zh-CN" sz="1200"/>
+          </a:p>
+        </p:txBody>
+      </p:sp>
+      <p:sp>
+        <p:nvSpPr>
+          <p:cNvPr id="3" name="Slide Number Placeholder 2"/>
+          <p:cNvSpPr>
+            <a:spLocks noGrp="1"/>
+          </p:cNvSpPr>
+          <p:nvPr>
+            <p:ph type="sldNum" sz="quarter" idx="10"/>
+          </p:nvPr>
+        </p:nvSpPr>
+        <p:spPr/>
+        <p:txBody>
+          <a:bodyPr/>
+          <a:lstStyle/>
+          <a:p>
+            <a:pPr>
+              <a:defRPr/>
+            </a:pPr>
+            <a:fld id="{BF6C4AA2-D5B3-4212-867F-E265BBCBB5FC}" type="slidenum">
+              <a:rPr lang="zh-CN" altLang="en-US" smtClean="0"/>
+              <a:pPr>
+                <a:defRPr/>
+              </a:pPr>
+              <a:t>19</a:t>
+            </a:fld>
+            <a:endParaRPr lang="zh-CN" altLang="en-US"/>
           </a:p>
         </p:txBody>
       </p:sp>
@@ -20755,7 +20770,7 @@
           <a:lstStyle/>
           <a:p>
             <a:r>
-              <a:rPr lang="zh-CN" altLang="en-US" sz="3600" b="1" dirty="0" smtClean="0"/>
+              <a:rPr lang="zh-CN" altLang="en-US" b="1" dirty="0" smtClean="0"/>
               <a:t>系统设计与优化</a:t>
             </a:r>
             <a:r>
@@ -20850,7 +20865,7 @@
           <a:graphicData uri="http://schemas.openxmlformats.org/presentationml/2006/ole">
             <mc:AlternateContent xmlns:mc="http://schemas.openxmlformats.org/markup-compatibility/2006">
               <mc:Choice xmlns:v="urn:schemas-microsoft-com:vml" Requires="v">
-                <p:oleObj spid="_x0000_s93209" name="Visio" r:id="rId5" imgW="3000258" imgH="5191270" progId="Visio.Drawing.15">
+                <p:oleObj spid="_x0000_s93219" name="Visio" r:id="rId5" imgW="3000258" imgH="5191270" progId="Visio.Drawing.15">
                   <p:embed/>
                 </p:oleObj>
               </mc:Choice>
@@ -21295,14 +21310,14 @@
           <a:lstStyle/>
           <a:p>
             <a:r>
-              <a:rPr lang="zh-CN" altLang="en-US" sz="3600" b="1" dirty="0"/>
+              <a:rPr lang="zh-CN" altLang="en-US" b="1" dirty="0"/>
               <a:t>系统设计与</a:t>
             </a:r>
             <a:r>
-              <a:rPr lang="zh-CN" altLang="en-US" sz="3600" b="1" dirty="0" smtClean="0"/>
+              <a:rPr lang="zh-CN" altLang="en-US" b="1" dirty="0" smtClean="0"/>
               <a:t>优化</a:t>
             </a:r>
-            <a:endParaRPr lang="zh-CN" altLang="en-US" sz="3600" b="1" dirty="0"/>
+            <a:endParaRPr lang="zh-CN" altLang="en-US" b="1" dirty="0"/>
           </a:p>
         </p:txBody>
       </p:sp>
@@ -21903,6 +21918,9 @@
                 <a:solidFill>
                   <a:srgbClr val="004098"/>
                 </a:solidFill>
+                <a:latin typeface="SimHei" charset="0"/>
+                <a:ea typeface="SimHei" charset="0"/>
+                <a:cs typeface="SimHei" charset="0"/>
               </a:rPr>
               <a:t>废物桶匀速旋转时，点源可视为环源</a:t>
             </a:r>
@@ -21910,6 +21928,9 @@
               <a:solidFill>
                 <a:srgbClr val="004098"/>
               </a:solidFill>
+              <a:latin typeface="SimHei" charset="0"/>
+              <a:ea typeface="SimHei" charset="0"/>
+              <a:cs typeface="SimHei" charset="0"/>
             </a:endParaRPr>
           </a:p>
           <a:p>
@@ -21925,6 +21946,9 @@
                 <a:solidFill>
                   <a:srgbClr val="004098"/>
                 </a:solidFill>
+                <a:latin typeface="SimHei" charset="0"/>
+                <a:ea typeface="SimHei" charset="0"/>
+                <a:cs typeface="SimHei" charset="0"/>
               </a:rPr>
               <a:t>在每层中，放射性核素的二维分布可视为径向的一维分布</a:t>
             </a:r>
@@ -21932,6 +21956,9 @@
               <a:solidFill>
                 <a:srgbClr val="004098"/>
               </a:solidFill>
+              <a:latin typeface="SimHei" charset="0"/>
+              <a:ea typeface="SimHei" charset="0"/>
+              <a:cs typeface="SimHei" charset="0"/>
             </a:endParaRPr>
           </a:p>
           <a:p>
@@ -21942,7 +21969,11 @@
               <a:buFont typeface="Arial" panose="020B0604020202020204" pitchFamily="34" charset="0"/>
               <a:buChar char="•"/>
             </a:pPr>
-            <a:endParaRPr lang="en-US" altLang="zh-CN" sz="2400" dirty="0"/>
+            <a:endParaRPr lang="en-US" altLang="zh-CN" sz="2400" dirty="0">
+              <a:latin typeface="SimHei" charset="0"/>
+              <a:ea typeface="SimHei" charset="0"/>
+              <a:cs typeface="SimHei" charset="0"/>
+            </a:endParaRPr>
           </a:p>
           <a:p>
             <a:pPr eaLnBrk="1" hangingPunct="1">
@@ -21952,7 +21983,11 @@
               <a:buFont typeface="Arial" panose="020B0604020202020204" pitchFamily="34" charset="0"/>
               <a:buChar char="•"/>
             </a:pPr>
-            <a:endParaRPr lang="en-US" altLang="zh-CN" sz="2400" dirty="0" smtClean="0"/>
+            <a:endParaRPr lang="en-US" altLang="zh-CN" sz="2400" dirty="0" smtClean="0">
+              <a:latin typeface="SimHei" charset="0"/>
+              <a:ea typeface="SimHei" charset="0"/>
+              <a:cs typeface="SimHei" charset="0"/>
+            </a:endParaRPr>
           </a:p>
           <a:p>
             <a:pPr eaLnBrk="1" hangingPunct="1">
@@ -21962,7 +21997,11 @@
               <a:buFont typeface="Arial" panose="020B0604020202020204" pitchFamily="34" charset="0"/>
               <a:buChar char="•"/>
             </a:pPr>
-            <a:endParaRPr lang="en-US" altLang="zh-CN" sz="2400" dirty="0"/>
+            <a:endParaRPr lang="en-US" altLang="zh-CN" sz="2400" dirty="0">
+              <a:latin typeface="SimHei" charset="0"/>
+              <a:ea typeface="SimHei" charset="0"/>
+              <a:cs typeface="SimHei" charset="0"/>
+            </a:endParaRPr>
           </a:p>
           <a:p>
             <a:pPr eaLnBrk="1" hangingPunct="1">
@@ -21972,7 +22011,11 @@
               <a:buFont typeface="Arial" panose="020B0604020202020204" pitchFamily="34" charset="0"/>
               <a:buChar char="•"/>
             </a:pPr>
-            <a:endParaRPr lang="en-US" altLang="zh-CN" sz="2400" dirty="0" smtClean="0"/>
+            <a:endParaRPr lang="en-US" altLang="zh-CN" sz="2400" dirty="0" smtClean="0">
+              <a:latin typeface="SimHei" charset="0"/>
+              <a:ea typeface="SimHei" charset="0"/>
+              <a:cs typeface="SimHei" charset="0"/>
+            </a:endParaRPr>
           </a:p>
           <a:p>
             <a:pPr>
@@ -21984,16 +22027,16 @@
             </a:pPr>
             <a:r>
               <a:rPr lang="zh-CN" altLang="en-US" sz="2400" dirty="0" smtClean="0">
-                <a:solidFill>
-                  <a:srgbClr val="004195"/>
-                </a:solidFill>
+                <a:latin typeface="SimHei" charset="0"/>
+                <a:ea typeface="SimHei" charset="0"/>
+                <a:cs typeface="SimHei" charset="0"/>
               </a:rPr>
               <a:t>每层测量时，避免了旋转步进测量</a:t>
             </a:r>
             <a:endParaRPr lang="en-US" altLang="zh-CN" sz="2400" dirty="0">
-              <a:solidFill>
-                <a:srgbClr val="004195"/>
-              </a:solidFill>
+              <a:latin typeface="SimHei" charset="0"/>
+              <a:ea typeface="SimHei" charset="0"/>
+              <a:cs typeface="SimHei" charset="0"/>
             </a:endParaRPr>
           </a:p>
         </p:txBody>
@@ -22267,7 +22310,7 @@
           <a:p>
             <a:pPr algn="ctr"/>
             <a:r>
-              <a:rPr lang="en-US" altLang="zh-CN" sz="2800" b="1" dirty="0" smtClean="0">
+              <a:rPr lang="en-US" altLang="zh-CN" sz="3200" b="1" dirty="0" smtClean="0">
                 <a:solidFill>
                   <a:srgbClr val="133984"/>
                 </a:solidFill>
@@ -22277,7 +22320,7 @@
               <a:t>STGS</a:t>
             </a:r>
             <a:r>
-              <a:rPr lang="zh-CN" altLang="en-US" sz="2800" b="1" dirty="0" smtClean="0">
+              <a:rPr lang="zh-CN" altLang="en-US" sz="3200" b="1" dirty="0" smtClean="0">
                 <a:solidFill>
                   <a:srgbClr val="133984"/>
                 </a:solidFill>
@@ -22286,7 +22329,7 @@
               </a:rPr>
               <a:t>技术原理</a:t>
             </a:r>
-            <a:endParaRPr lang="zh-CN" altLang="en-US" sz="2800" b="1" dirty="0">
+            <a:endParaRPr lang="zh-CN" altLang="en-US" sz="3200" b="1" dirty="0">
               <a:solidFill>
                 <a:srgbClr val="133984"/>
               </a:solidFill>
@@ -22688,70 +22731,6 @@
       </p:grpSpPr>
       <p:pic>
         <p:nvPicPr>
-          <p:cNvPr id="55299" name="Picture 3"/>
-          <p:cNvPicPr>
-            <a:picLocks noChangeAspect="1" noChangeArrowheads="1"/>
-          </p:cNvPicPr>
-          <p:nvPr/>
-        </p:nvPicPr>
-        <p:blipFill>
-          <a:blip r:embed="rId2">
-            <a:extLst>
-              <a:ext uri="{28A0092B-C50C-407E-A947-70E740481C1C}">
-                <a14:useLocalDpi xmlns:a14="http://schemas.microsoft.com/office/drawing/2010/main" val="0"/>
-              </a:ext>
-            </a:extLst>
-          </a:blip>
-          <a:srcRect/>
-          <a:stretch>
-            <a:fillRect/>
-          </a:stretch>
-        </p:blipFill>
-        <p:spPr bwMode="auto">
-          <a:xfrm>
-            <a:off x="3419475" y="5493771"/>
-            <a:ext cx="4970463" cy="909638"/>
-          </a:xfrm>
-          <a:prstGeom prst="rect">
-            <a:avLst/>
-          </a:prstGeom>
-          <a:noFill/>
-          <a:ln>
-            <a:noFill/>
-          </a:ln>
-          <a:effectLst/>
-          <a:extLst>
-            <a:ext uri="{909E8E84-426E-40DD-AFC4-6F175D3DCCD1}">
-              <a14:hiddenFill xmlns:a14="http://schemas.microsoft.com/office/drawing/2010/main">
-                <a:solidFill>
-                  <a:schemeClr val="accent1"/>
-                </a:solidFill>
-              </a14:hiddenFill>
-            </a:ext>
-            <a:ext uri="{91240B29-F687-4F45-9708-019B960494DF}">
-              <a14:hiddenLine xmlns:a14="http://schemas.microsoft.com/office/drawing/2010/main" w="9525">
-                <a:solidFill>
-                  <a:schemeClr val="tx1"/>
-                </a:solidFill>
-                <a:miter lim="800000"/>
-                <a:headEnd/>
-                <a:tailEnd/>
-              </a14:hiddenLine>
-            </a:ext>
-            <a:ext uri="{AF507438-7753-43E0-B8FC-AC1667EBCBE1}">
-              <a14:hiddenEffects xmlns:a14="http://schemas.microsoft.com/office/drawing/2010/main">
-                <a:effectLst>
-                  <a:outerShdw dist="35921" dir="2700000" algn="ctr" rotWithShape="0">
-                    <a:schemeClr val="bg2"/>
-                  </a:outerShdw>
-                </a:effectLst>
-              </a14:hiddenEffects>
-            </a:ext>
-          </a:extLst>
-        </p:spPr>
-      </p:pic>
-      <p:pic>
-        <p:nvPicPr>
           <p:cNvPr id="55300" name="Picture 4"/>
           <p:cNvPicPr>
             <a:picLocks noChangeAspect="1" noChangeArrowheads="1"/>
@@ -23165,7 +23144,7 @@
           <a:p>
             <a:pPr algn="ctr"/>
             <a:r>
-              <a:rPr lang="en-US" altLang="zh-CN" sz="2800" b="1" dirty="0" smtClean="0">
+              <a:rPr lang="en-US" altLang="zh-CN" sz="3200" b="1" dirty="0" smtClean="0">
                 <a:solidFill>
                   <a:srgbClr val="133984"/>
                 </a:solidFill>
@@ -23175,7 +23154,7 @@
               <a:t>STGS</a:t>
             </a:r>
             <a:r>
-              <a:rPr lang="zh-CN" altLang="en-US" sz="2800" b="1" dirty="0" smtClean="0">
+              <a:rPr lang="zh-CN" altLang="en-US" sz="3200" b="1" dirty="0" smtClean="0">
                 <a:solidFill>
                   <a:srgbClr val="133984"/>
                 </a:solidFill>
@@ -23184,7 +23163,7 @@
               </a:rPr>
               <a:t>技术原理</a:t>
             </a:r>
-            <a:endParaRPr lang="zh-CN" altLang="en-US" sz="2800" b="1" dirty="0">
+            <a:endParaRPr lang="zh-CN" altLang="en-US" sz="3200" b="1" dirty="0">
               <a:solidFill>
                 <a:srgbClr val="133984"/>
               </a:solidFill>
@@ -23438,18 +23417,34 @@
           </a:lstStyle>
           <a:p>
             <a:r>
-              <a:rPr lang="zh-CN" altLang="en-US" sz="2400" dirty="0" smtClean="0"/>
+              <a:rPr lang="zh-CN" altLang="en-US" sz="2400" dirty="0" smtClean="0">
+                <a:solidFill>
+                  <a:schemeClr val="tx1"/>
+                </a:solidFill>
+              </a:rPr>
               <a:t>半层析扫描方法（</a:t>
             </a:r>
             <a:r>
-              <a:rPr lang="en-US" altLang="zh-CN" sz="2400" dirty="0" smtClean="0"/>
+              <a:rPr lang="en-US" altLang="zh-CN" sz="2400" dirty="0" smtClean="0">
+                <a:solidFill>
+                  <a:schemeClr val="tx1"/>
+                </a:solidFill>
+              </a:rPr>
               <a:t>Semi-tomographic gamma scanning</a:t>
             </a:r>
             <a:r>
-              <a:rPr lang="zh-CN" altLang="en-US" sz="2400" dirty="0" smtClean="0"/>
+              <a:rPr lang="zh-CN" altLang="en-US" sz="2400" dirty="0" smtClean="0">
+                <a:solidFill>
+                  <a:schemeClr val="tx1"/>
+                </a:solidFill>
+              </a:rPr>
               <a:t>）</a:t>
             </a:r>
-            <a:endParaRPr lang="en-US" altLang="zh-CN" sz="2400" dirty="0" smtClean="0"/>
+            <a:endParaRPr lang="en-US" altLang="zh-CN" sz="2400" dirty="0" smtClean="0">
+              <a:solidFill>
+                <a:schemeClr val="tx1"/>
+              </a:solidFill>
+            </a:endParaRPr>
           </a:p>
           <a:p>
             <a:pPr marL="457200" indent="-457200">
@@ -23499,70 +23494,6 @@
           </a:p>
         </p:txBody>
       </p:sp>
-      <p:pic>
-        <p:nvPicPr>
-          <p:cNvPr id="10" name="Picture 2"/>
-          <p:cNvPicPr>
-            <a:picLocks noChangeAspect="1" noChangeArrowheads="1"/>
-          </p:cNvPicPr>
-          <p:nvPr/>
-        </p:nvPicPr>
-        <p:blipFill>
-          <a:blip r:embed="rId4">
-            <a:extLst>
-              <a:ext uri="{28A0092B-C50C-407E-A947-70E740481C1C}">
-                <a14:useLocalDpi xmlns:a14="http://schemas.microsoft.com/office/drawing/2010/main" val="0"/>
-              </a:ext>
-            </a:extLst>
-          </a:blip>
-          <a:srcRect/>
-          <a:stretch>
-            <a:fillRect/>
-          </a:stretch>
-        </p:blipFill>
-        <p:spPr bwMode="auto">
-          <a:xfrm>
-            <a:off x="3419476" y="3864886"/>
-            <a:ext cx="4970462" cy="1003300"/>
-          </a:xfrm>
-          <a:prstGeom prst="rect">
-            <a:avLst/>
-          </a:prstGeom>
-          <a:noFill/>
-          <a:ln>
-            <a:noFill/>
-          </a:ln>
-          <a:effectLst/>
-          <a:extLst>
-            <a:ext uri="{909E8E84-426E-40DD-AFC4-6F175D3DCCD1}">
-              <a14:hiddenFill xmlns:a14="http://schemas.microsoft.com/office/drawing/2010/main">
-                <a:solidFill>
-                  <a:schemeClr val="accent1"/>
-                </a:solidFill>
-              </a14:hiddenFill>
-            </a:ext>
-            <a:ext uri="{91240B29-F687-4F45-9708-019B960494DF}">
-              <a14:hiddenLine xmlns:a14="http://schemas.microsoft.com/office/drawing/2010/main" w="9525">
-                <a:solidFill>
-                  <a:schemeClr val="tx1"/>
-                </a:solidFill>
-                <a:miter lim="800000"/>
-                <a:headEnd/>
-                <a:tailEnd/>
-              </a14:hiddenLine>
-            </a:ext>
-            <a:ext uri="{AF507438-7753-43E0-B8FC-AC1667EBCBE1}">
-              <a14:hiddenEffects xmlns:a14="http://schemas.microsoft.com/office/drawing/2010/main">
-                <a:effectLst>
-                  <a:outerShdw dist="35921" dir="2700000" algn="ctr" rotWithShape="0">
-                    <a:schemeClr val="bg2"/>
-                  </a:outerShdw>
-                </a:effectLst>
-              </a14:hiddenEffects>
-            </a:ext>
-          </a:extLst>
-        </p:spPr>
-      </p:pic>
       <p:sp>
         <p:nvSpPr>
           <p:cNvPr id="11" name="矩形 24"/>
@@ -23763,6 +23694,335 @@
           </a:p>
         </p:txBody>
       </p:sp>
+      <p:sp>
+        <p:nvSpPr>
+          <p:cNvPr id="2" name="Rectangle 2"/>
+          <p:cNvSpPr>
+            <a:spLocks noChangeArrowheads="1"/>
+          </p:cNvSpPr>
+          <p:nvPr/>
+        </p:nvSpPr>
+        <p:spPr bwMode="auto">
+          <a:xfrm>
+            <a:off x="956089" y="5726961"/>
+            <a:ext cx="11199584" cy="45719"/>
+          </a:xfrm>
+          <a:prstGeom prst="rect">
+            <a:avLst/>
+          </a:prstGeom>
+          <a:noFill/>
+          <a:ln>
+            <a:noFill/>
+          </a:ln>
+          <a:effectLst/>
+          <a:extLst>
+            <a:ext uri="{909E8E84-426E-40DD-AFC4-6F175D3DCCD1}">
+              <a14:hiddenFill xmlns:a14="http://schemas.microsoft.com/office/drawing/2010/main">
+                <a:solidFill>
+                  <a:schemeClr val="accent1"/>
+                </a:solidFill>
+              </a14:hiddenFill>
+            </a:ext>
+            <a:ext uri="{91240B29-F687-4F45-9708-019B960494DF}">
+              <a14:hiddenLine xmlns:a14="http://schemas.microsoft.com/office/drawing/2010/main" w="9525">
+                <a:solidFill>
+                  <a:schemeClr val="tx1"/>
+                </a:solidFill>
+                <a:miter lim="800000"/>
+                <a:headEnd/>
+                <a:tailEnd/>
+              </a14:hiddenLine>
+            </a:ext>
+            <a:ext uri="{AF507438-7753-43E0-B8FC-AC1667EBCBE1}">
+              <a14:hiddenEffects xmlns:a14="http://schemas.microsoft.com/office/drawing/2010/main">
+                <a:effectLst>
+                  <a:outerShdw blurRad="63500" dist="38099" dir="2700000" algn="ctr" rotWithShape="0">
+                    <a:schemeClr val="bg2">
+                      <a:alpha val="74998"/>
+                    </a:schemeClr>
+                  </a:outerShdw>
+                </a:effectLst>
+              </a14:hiddenEffects>
+            </a:ext>
+          </a:extLst>
+        </p:spPr>
+        <p:txBody>
+          <a:bodyPr vert="horz" wrap="square" lIns="91440" tIns="45720" rIns="91440" bIns="45720" numCol="1" anchor="ctr" anchorCtr="0" compatLnSpc="1">
+            <a:prstTxWarp prst="textNoShape">
+              <a:avLst/>
+            </a:prstTxWarp>
+            <a:spAutoFit/>
+          </a:bodyPr>
+          <a:lstStyle/>
+          <a:p>
+            <a:endParaRPr lang="en-US"/>
+          </a:p>
+        </p:txBody>
+      </p:sp>
+      <p:graphicFrame>
+        <p:nvGraphicFramePr>
+          <p:cNvPr id="3" name="Object 2"/>
+          <p:cNvGraphicFramePr>
+            <a:graphicFrameLocks noChangeAspect="1"/>
+          </p:cNvGraphicFramePr>
+          <p:nvPr>
+            <p:extLst>
+              <p:ext uri="{D42A27DB-BD31-4B8C-83A1-F6EECF244321}">
+                <p14:modId xmlns:p14="http://schemas.microsoft.com/office/powerpoint/2010/main" val="13965243"/>
+              </p:ext>
+            </p:extLst>
+          </p:nvPr>
+        </p:nvGraphicFramePr>
+        <p:xfrm>
+          <a:off x="3352800" y="5531694"/>
+          <a:ext cx="4970462" cy="858728"/>
+        </p:xfrm>
+        <a:graphic>
+          <a:graphicData uri="http://schemas.openxmlformats.org/presentationml/2006/ole">
+            <mc:AlternateContent xmlns:mc="http://schemas.openxmlformats.org/markup-compatibility/2006">
+              <mc:Choice xmlns:v="urn:schemas-microsoft-com:vml" Requires="v">
+                <p:oleObj spid="_x0000_s1041" r:id="rId4" imgW="2628900" imgH="482600" progId="Equation.DSMT4">
+                  <p:embed/>
+                </p:oleObj>
+              </mc:Choice>
+              <mc:Fallback>
+                <p:oleObj r:id="rId4" imgW="2628900" imgH="482600" progId="Equation.DSMT4">
+                  <p:embed/>
+                  <p:pic>
+                    <p:nvPicPr>
+                      <p:cNvPr id="0" name="Object 1"/>
+                      <p:cNvPicPr>
+                        <a:picLocks noChangeAspect="1" noChangeArrowheads="1"/>
+                      </p:cNvPicPr>
+                      <p:nvPr/>
+                    </p:nvPicPr>
+                    <p:blipFill>
+                      <a:blip r:embed="rId5">
+                        <a:extLst>
+                          <a:ext uri="{28A0092B-C50C-407E-A947-70E740481C1C}">
+                            <a14:useLocalDpi xmlns:a14="http://schemas.microsoft.com/office/drawing/2010/main" val="0"/>
+                          </a:ext>
+                        </a:extLst>
+                      </a:blip>
+                      <a:srcRect/>
+                      <a:stretch>
+                        <a:fillRect/>
+                      </a:stretch>
+                    </p:blipFill>
+                    <p:spPr bwMode="auto">
+                      <a:xfrm>
+                        <a:off x="3352800" y="5531694"/>
+                        <a:ext cx="4970462" cy="858728"/>
+                      </a:xfrm>
+                      <a:prstGeom prst="rect">
+                        <a:avLst/>
+                      </a:prstGeom>
+                      <a:noFill/>
+                    </p:spPr>
+                  </p:pic>
+                </p:oleObj>
+              </mc:Fallback>
+            </mc:AlternateContent>
+          </a:graphicData>
+        </a:graphic>
+      </p:graphicFrame>
+      <p:sp>
+        <p:nvSpPr>
+          <p:cNvPr id="4" name="Rectangle 4"/>
+          <p:cNvSpPr>
+            <a:spLocks noChangeArrowheads="1"/>
+          </p:cNvSpPr>
+          <p:nvPr/>
+        </p:nvSpPr>
+        <p:spPr bwMode="auto">
+          <a:xfrm>
+            <a:off x="0" y="0"/>
+            <a:ext cx="9144000" cy="0"/>
+          </a:xfrm>
+          <a:prstGeom prst="rect">
+            <a:avLst/>
+          </a:prstGeom>
+          <a:noFill/>
+          <a:ln>
+            <a:noFill/>
+          </a:ln>
+          <a:effectLst/>
+          <a:extLst>
+            <a:ext uri="{909E8E84-426E-40DD-AFC4-6F175D3DCCD1}">
+              <a14:hiddenFill xmlns:a14="http://schemas.microsoft.com/office/drawing/2010/main">
+                <a:solidFill>
+                  <a:schemeClr val="accent1"/>
+                </a:solidFill>
+              </a14:hiddenFill>
+            </a:ext>
+            <a:ext uri="{91240B29-F687-4F45-9708-019B960494DF}">
+              <a14:hiddenLine xmlns:a14="http://schemas.microsoft.com/office/drawing/2010/main" w="9525">
+                <a:solidFill>
+                  <a:schemeClr val="tx1"/>
+                </a:solidFill>
+                <a:miter lim="800000"/>
+                <a:headEnd/>
+                <a:tailEnd/>
+              </a14:hiddenLine>
+            </a:ext>
+            <a:ext uri="{AF507438-7753-43E0-B8FC-AC1667EBCBE1}">
+              <a14:hiddenEffects xmlns:a14="http://schemas.microsoft.com/office/drawing/2010/main">
+                <a:effectLst>
+                  <a:outerShdw blurRad="63500" dist="38099" dir="2700000" algn="ctr" rotWithShape="0">
+                    <a:schemeClr val="bg2">
+                      <a:alpha val="74998"/>
+                    </a:schemeClr>
+                  </a:outerShdw>
+                </a:effectLst>
+              </a14:hiddenEffects>
+            </a:ext>
+          </a:extLst>
+        </p:spPr>
+        <p:txBody>
+          <a:bodyPr vert="horz" wrap="none" lIns="91440" tIns="45720" rIns="91440" bIns="45720" numCol="1" anchor="ctr" anchorCtr="0" compatLnSpc="1">
+            <a:prstTxWarp prst="textNoShape">
+              <a:avLst/>
+            </a:prstTxWarp>
+            <a:spAutoFit/>
+          </a:bodyPr>
+          <a:lstStyle/>
+          <a:p>
+            <a:endParaRPr lang="en-US"/>
+          </a:p>
+        </p:txBody>
+      </p:sp>
+      <p:sp>
+        <p:nvSpPr>
+          <p:cNvPr id="8" name="Rectangle 8"/>
+          <p:cNvSpPr>
+            <a:spLocks noChangeArrowheads="1"/>
+          </p:cNvSpPr>
+          <p:nvPr/>
+        </p:nvSpPr>
+        <p:spPr bwMode="auto">
+          <a:xfrm>
+            <a:off x="3419477" y="4018396"/>
+            <a:ext cx="15018946" cy="45719"/>
+          </a:xfrm>
+          <a:prstGeom prst="rect">
+            <a:avLst/>
+          </a:prstGeom>
+          <a:noFill/>
+          <a:ln>
+            <a:noFill/>
+          </a:ln>
+          <a:effectLst/>
+          <a:extLst>
+            <a:ext uri="{909E8E84-426E-40DD-AFC4-6F175D3DCCD1}">
+              <a14:hiddenFill xmlns:a14="http://schemas.microsoft.com/office/drawing/2010/main">
+                <a:solidFill>
+                  <a:schemeClr val="accent1"/>
+                </a:solidFill>
+              </a14:hiddenFill>
+            </a:ext>
+            <a:ext uri="{91240B29-F687-4F45-9708-019B960494DF}">
+              <a14:hiddenLine xmlns:a14="http://schemas.microsoft.com/office/drawing/2010/main" w="9525">
+                <a:solidFill>
+                  <a:schemeClr val="tx1"/>
+                </a:solidFill>
+                <a:miter lim="800000"/>
+                <a:headEnd/>
+                <a:tailEnd/>
+              </a14:hiddenLine>
+            </a:ext>
+            <a:ext uri="{AF507438-7753-43E0-B8FC-AC1667EBCBE1}">
+              <a14:hiddenEffects xmlns:a14="http://schemas.microsoft.com/office/drawing/2010/main">
+                <a:effectLst>
+                  <a:outerShdw blurRad="63500" dist="38099" dir="2700000" algn="ctr" rotWithShape="0">
+                    <a:schemeClr val="bg2">
+                      <a:alpha val="74998"/>
+                    </a:schemeClr>
+                  </a:outerShdw>
+                </a:effectLst>
+              </a14:hiddenEffects>
+            </a:ext>
+          </a:extLst>
+        </p:spPr>
+        <p:txBody>
+          <a:bodyPr vert="horz" wrap="square" lIns="91440" tIns="45720" rIns="91440" bIns="45720" numCol="1" anchor="ctr" anchorCtr="0" compatLnSpc="1">
+            <a:prstTxWarp prst="textNoShape">
+              <a:avLst/>
+            </a:prstTxWarp>
+            <a:spAutoFit/>
+          </a:bodyPr>
+          <a:lstStyle/>
+          <a:p>
+            <a:endParaRPr lang="en-US"/>
+          </a:p>
+        </p:txBody>
+      </p:sp>
+      <p:graphicFrame>
+        <p:nvGraphicFramePr>
+          <p:cNvPr id="12" name="Object 11"/>
+          <p:cNvGraphicFramePr>
+            <a:graphicFrameLocks noChangeAspect="1"/>
+          </p:cNvGraphicFramePr>
+          <p:nvPr>
+            <p:extLst>
+              <p:ext uri="{D42A27DB-BD31-4B8C-83A1-F6EECF244321}">
+                <p14:modId xmlns:p14="http://schemas.microsoft.com/office/powerpoint/2010/main" val="1287230608"/>
+              </p:ext>
+            </p:extLst>
+          </p:nvPr>
+        </p:nvGraphicFramePr>
+        <p:xfrm>
+          <a:off x="3419476" y="3905079"/>
+          <a:ext cx="4970462" cy="943672"/>
+        </p:xfrm>
+        <a:graphic>
+          <a:graphicData uri="http://schemas.openxmlformats.org/presentationml/2006/ole">
+            <mc:AlternateContent xmlns:mc="http://schemas.openxmlformats.org/markup-compatibility/2006">
+              <mc:Choice xmlns:v="urn:schemas-microsoft-com:vml" Requires="v">
+                <p:oleObj spid="_x0000_s1042" r:id="rId6" imgW="2627759" imgH="482391" progId="Equation.KSEE3">
+                  <p:embed/>
+                </p:oleObj>
+              </mc:Choice>
+              <mc:Fallback>
+                <p:oleObj r:id="rId6" imgW="2627759" imgH="482391" progId="Equation.KSEE3">
+                  <p:embed/>
+                  <p:pic>
+                    <p:nvPicPr>
+                      <p:cNvPr id="0" name="对象 7"/>
+                      <p:cNvPicPr>
+                        <a:picLocks noChangeAspect="1" noChangeArrowheads="1"/>
+                      </p:cNvPicPr>
+                      <p:nvPr/>
+                    </p:nvPicPr>
+                    <p:blipFill>
+                      <a:blip r:embed="rId7">
+                        <a:extLst>
+                          <a:ext uri="{28A0092B-C50C-407E-A947-70E740481C1C}">
+                            <a14:useLocalDpi xmlns:a14="http://schemas.microsoft.com/office/drawing/2010/main" val="0"/>
+                          </a:ext>
+                        </a:extLst>
+                      </a:blip>
+                      <a:srcRect/>
+                      <a:stretch>
+                        <a:fillRect/>
+                      </a:stretch>
+                    </p:blipFill>
+                    <p:spPr bwMode="auto">
+                      <a:xfrm>
+                        <a:off x="3419476" y="3905079"/>
+                        <a:ext cx="4970462" cy="943672"/>
+                      </a:xfrm>
+                      <a:prstGeom prst="rect">
+                        <a:avLst/>
+                      </a:prstGeom>
+                      <a:noFill/>
+                    </p:spPr>
+                  </p:pic>
+                </p:oleObj>
+              </mc:Fallback>
+            </mc:AlternateContent>
+          </a:graphicData>
+        </a:graphic>
+      </p:graphicFrame>
     </p:spTree>
     <p:extLst>
       <p:ext uri="{BB962C8B-B14F-4D97-AF65-F5344CB8AC3E}">
@@ -23832,19 +24092,19 @@
           <a:p>
             <a:pPr eaLnBrk="1" hangingPunct="1"/>
             <a:r>
-              <a:rPr lang="en-US" altLang="zh-CN" sz="3600" b="1" dirty="0" err="1" smtClean="0"/>
+              <a:rPr lang="en-US" altLang="zh-CN" b="1" dirty="0" err="1" smtClean="0"/>
               <a:t>STGS技术</a:t>
             </a:r>
             <a:r>
-              <a:rPr lang="zh-CN" altLang="en-US" sz="3600" b="1" dirty="0" smtClean="0"/>
+              <a:rPr lang="zh-CN" altLang="en-US" b="1" dirty="0" smtClean="0"/>
               <a:t>验证</a:t>
             </a:r>
             <a:r>
-              <a:rPr lang="en-US" altLang="zh-CN" sz="3600" b="1" dirty="0" smtClean="0"/>
+              <a:rPr lang="en-US" altLang="zh-CN" b="1" dirty="0" smtClean="0"/>
               <a:t>-</a:t>
             </a:r>
             <a:r>
-              <a:rPr lang="zh-CN" altLang="en-US" sz="3600" b="1" dirty="0" smtClean="0"/>
+              <a:rPr lang="zh-CN" altLang="en-US" b="1" dirty="0" smtClean="0"/>
               <a:t>单点源模拟</a:t>
             </a:r>
             <a:r>
@@ -24727,31 +24987,59 @@
               <a:buChar char="•"/>
             </a:pPr>
             <a:r>
-              <a:rPr lang="zh-CN" altLang="en-US" sz="2400" dirty="0"/>
+              <a:rPr lang="zh-CN" altLang="en-US" sz="2400" dirty="0">
+                <a:latin typeface="SimHei" charset="0"/>
+                <a:ea typeface="SimHei" charset="0"/>
+                <a:cs typeface="SimHei" charset="0"/>
+              </a:rPr>
               <a:t>相比于</a:t>
             </a:r>
             <a:r>
-              <a:rPr lang="en-US" altLang="zh-CN" sz="2400" dirty="0"/>
+              <a:rPr lang="en-US" altLang="zh-CN" sz="2400" dirty="0">
+                <a:latin typeface="SimHei" charset="0"/>
+                <a:ea typeface="SimHei" charset="0"/>
+                <a:cs typeface="SimHei" charset="0"/>
+              </a:rPr>
               <a:t>SGS</a:t>
             </a:r>
             <a:r>
-              <a:rPr lang="zh-CN" altLang="en-US" sz="2400" dirty="0"/>
+              <a:rPr lang="zh-CN" altLang="en-US" sz="2400" dirty="0">
+                <a:latin typeface="SimHei" charset="0"/>
+                <a:ea typeface="SimHei" charset="0"/>
+                <a:cs typeface="SimHei" charset="0"/>
+              </a:rPr>
               <a:t>方法，</a:t>
             </a:r>
             <a:r>
-              <a:rPr lang="en-US" altLang="zh-CN" sz="2400" dirty="0" smtClean="0"/>
+              <a:rPr lang="en-US" altLang="zh-CN" sz="2400" dirty="0" smtClean="0">
+                <a:latin typeface="SimHei" charset="0"/>
+                <a:ea typeface="SimHei" charset="0"/>
+                <a:cs typeface="SimHei" charset="0"/>
+              </a:rPr>
               <a:t>STGS</a:t>
             </a:r>
             <a:r>
-              <a:rPr lang="zh-CN" altLang="en-US" sz="2400" dirty="0" smtClean="0"/>
+              <a:rPr lang="zh-CN" altLang="en-US" sz="2400" dirty="0" smtClean="0">
+                <a:latin typeface="SimHei" charset="0"/>
+                <a:ea typeface="SimHei" charset="0"/>
+                <a:cs typeface="SimHei" charset="0"/>
+              </a:rPr>
               <a:t>方法的重建</a:t>
             </a:r>
             <a:r>
-              <a:rPr lang="zh-CN" altLang="en-US" sz="2400" dirty="0"/>
+              <a:rPr lang="zh-CN" altLang="en-US" sz="2400" dirty="0">
+                <a:latin typeface="SimHei" charset="0"/>
+                <a:ea typeface="SimHei" charset="0"/>
+                <a:cs typeface="SimHei" charset="0"/>
+              </a:rPr>
               <a:t>误差</a:t>
             </a:r>
             <a:r>
-              <a:rPr lang="zh-CN" altLang="en-US" sz="2400" dirty="0" smtClean="0"/>
+              <a:rPr lang="zh-CN" altLang="en-US" sz="2400" dirty="0" smtClean="0">
+                <a:latin typeface="SimHei" charset="0"/>
+                <a:ea typeface="SimHei" charset="0"/>
+                <a:cs typeface="SimHei" charset="0"/>
+              </a:rPr>
               <a:t>是</a:t>
             </a:r>
             <a:r>
@@ -24759,18 +25047,33 @@
                 <a:solidFill>
                   <a:srgbClr val="C00000"/>
                 </a:solidFill>
+                <a:latin typeface="SimHei" charset="0"/>
+                <a:ea typeface="SimHei" charset="0"/>
+                <a:cs typeface="SimHei" charset="0"/>
               </a:rPr>
               <a:t>三分之一</a:t>
             </a:r>
             <a:r>
-              <a:rPr lang="zh-CN" altLang="en-US" sz="2400" dirty="0" smtClean="0"/>
-              <a:t>或更低</a:t>
-            </a:r>
-            <a:r>
-              <a:rPr lang="zh-CN" altLang="en-US" sz="2400" dirty="0" smtClean="0"/>
-              <a:t>。</a:t>
-            </a:r>
-            <a:endParaRPr lang="en-US" altLang="zh-CN" sz="2400" dirty="0"/>
+              <a:rPr lang="zh-CN" altLang="en-US" sz="2400" dirty="0" smtClean="0">
+                <a:latin typeface="SimHei" charset="0"/>
+                <a:ea typeface="SimHei" charset="0"/>
+                <a:cs typeface="SimHei" charset="0"/>
+              </a:rPr>
+              <a:t>或更</a:t>
+            </a:r>
+            <a:r>
+              <a:rPr lang="zh-CN" altLang="en-US" sz="2400" dirty="0" smtClean="0">
+                <a:latin typeface="SimHei" charset="0"/>
+                <a:ea typeface="SimHei" charset="0"/>
+                <a:cs typeface="SimHei" charset="0"/>
+              </a:rPr>
+              <a:t>低</a:t>
+            </a:r>
+            <a:endParaRPr lang="en-US" altLang="zh-CN" sz="2400" dirty="0">
+              <a:latin typeface="SimHei" charset="0"/>
+              <a:ea typeface="SimHei" charset="0"/>
+              <a:cs typeface="SimHei" charset="0"/>
+            </a:endParaRPr>
           </a:p>
         </p:txBody>
       </p:sp>
@@ -25042,19 +25345,19 @@
           <a:p>
             <a:pPr eaLnBrk="1" hangingPunct="1"/>
             <a:r>
-              <a:rPr lang="en-US" altLang="zh-CN" sz="3600" b="1" dirty="0" err="1" smtClean="0"/>
+              <a:rPr lang="en-US" altLang="zh-CN" b="1" dirty="0" err="1" smtClean="0"/>
               <a:t>STGS技术</a:t>
             </a:r>
             <a:r>
-              <a:rPr lang="zh-CN" altLang="en-US" sz="3600" b="1" dirty="0" smtClean="0"/>
+              <a:rPr lang="zh-CN" altLang="en-US" b="1" dirty="0" smtClean="0"/>
               <a:t>验证</a:t>
             </a:r>
             <a:r>
-              <a:rPr lang="en-US" altLang="zh-CN" sz="3600" b="1" dirty="0" smtClean="0"/>
+              <a:rPr lang="en-US" altLang="zh-CN" b="1" dirty="0" smtClean="0"/>
               <a:t>-</a:t>
             </a:r>
             <a:r>
-              <a:rPr lang="zh-CN" altLang="en-US" sz="3600" b="1" dirty="0" smtClean="0"/>
+              <a:rPr lang="zh-CN" altLang="en-US" b="1" dirty="0" smtClean="0"/>
               <a:t>单点源实验</a:t>
             </a:r>
             <a:r>
@@ -25484,26 +25787,50 @@
               <a:buChar char="•"/>
             </a:pPr>
             <a:r>
-              <a:rPr lang="en-US" altLang="zh-CN" sz="2400" dirty="0" smtClean="0"/>
+              <a:rPr lang="en-US" altLang="zh-CN" sz="2400" dirty="0" smtClean="0">
+                <a:latin typeface="SimHei" charset="0"/>
+                <a:ea typeface="SimHei" charset="0"/>
+                <a:cs typeface="SimHei" charset="0"/>
+              </a:rPr>
               <a:t>STGS</a:t>
             </a:r>
             <a:r>
-              <a:rPr lang="zh-CN" altLang="en-US" sz="2400" dirty="0" smtClean="0"/>
+              <a:rPr lang="zh-CN" altLang="en-US" sz="2400" dirty="0" smtClean="0">
+                <a:latin typeface="SimHei" charset="0"/>
+                <a:ea typeface="SimHei" charset="0"/>
+                <a:cs typeface="SimHei" charset="0"/>
+              </a:rPr>
               <a:t>方法的重建</a:t>
             </a:r>
             <a:r>
-              <a:rPr lang="zh-CN" altLang="en-US" sz="2400" dirty="0"/>
+              <a:rPr lang="zh-CN" altLang="en-US" sz="2400" dirty="0">
+                <a:latin typeface="SimHei" charset="0"/>
+                <a:ea typeface="SimHei" charset="0"/>
+                <a:cs typeface="SimHei" charset="0"/>
+              </a:rPr>
               <a:t>误</a:t>
             </a:r>
             <a:r>
-              <a:rPr lang="zh-CN" altLang="en-US" sz="2400" dirty="0" smtClean="0"/>
-              <a:t>差与</a:t>
-            </a:r>
-            <a:r>
-              <a:rPr lang="zh-CN" altLang="en-US" sz="2400" dirty="0" smtClean="0"/>
-              <a:t>模拟数据相吻合。</a:t>
-            </a:r>
-            <a:endParaRPr lang="en-US" altLang="zh-CN" sz="2400" dirty="0"/>
+              <a:rPr lang="zh-CN" altLang="en-US" sz="2400" dirty="0" smtClean="0">
+                <a:latin typeface="SimHei" charset="0"/>
+                <a:ea typeface="SimHei" charset="0"/>
+                <a:cs typeface="SimHei" charset="0"/>
+              </a:rPr>
+              <a:t>差与模拟数据相吻</a:t>
+            </a:r>
+            <a:r>
+              <a:rPr lang="zh-CN" altLang="en-US" sz="2400" dirty="0" smtClean="0">
+                <a:latin typeface="SimHei" charset="0"/>
+                <a:ea typeface="SimHei" charset="0"/>
+                <a:cs typeface="SimHei" charset="0"/>
+              </a:rPr>
+              <a:t>合</a:t>
+            </a:r>
+            <a:endParaRPr lang="en-US" altLang="zh-CN" sz="2400" dirty="0">
+              <a:latin typeface="SimHei" charset="0"/>
+              <a:ea typeface="SimHei" charset="0"/>
+              <a:cs typeface="SimHei" charset="0"/>
+            </a:endParaRPr>
           </a:p>
         </p:txBody>
       </p:sp>
@@ -25658,7 +25985,7 @@
           <p:nvPr>
             <p:extLst>
               <p:ext uri="{D42A27DB-BD31-4B8C-83A1-F6EECF244321}">
-                <p14:modId xmlns:p14="http://schemas.microsoft.com/office/powerpoint/2010/main" val="959081640"/>
+                <p14:modId xmlns:p14="http://schemas.microsoft.com/office/powerpoint/2010/main" val="1178527612"/>
               </p:ext>
             </p:extLst>
           </p:nvPr>
@@ -25699,26 +26026,50 @@
               <a:buChar char="•"/>
             </a:pPr>
             <a:r>
-              <a:rPr lang="zh-CN" altLang="en-US" sz="2400" dirty="0"/>
+              <a:rPr lang="zh-CN" altLang="en-US" sz="2400" dirty="0">
+                <a:latin typeface="SimHei" charset="0"/>
+                <a:ea typeface="SimHei" charset="0"/>
+                <a:cs typeface="SimHei" charset="0"/>
+              </a:rPr>
               <a:t>相比于</a:t>
             </a:r>
             <a:r>
-              <a:rPr lang="en-US" altLang="zh-CN" sz="2400" dirty="0"/>
+              <a:rPr lang="en-US" altLang="zh-CN" sz="2400" dirty="0">
+                <a:latin typeface="SimHei" charset="0"/>
+                <a:ea typeface="SimHei" charset="0"/>
+                <a:cs typeface="SimHei" charset="0"/>
+              </a:rPr>
               <a:t>SGS</a:t>
             </a:r>
             <a:r>
-              <a:rPr lang="zh-CN" altLang="en-US" sz="2400" dirty="0"/>
+              <a:rPr lang="zh-CN" altLang="en-US" sz="2400" dirty="0">
+                <a:latin typeface="SimHei" charset="0"/>
+                <a:ea typeface="SimHei" charset="0"/>
+                <a:cs typeface="SimHei" charset="0"/>
+              </a:rPr>
               <a:t>方法，</a:t>
             </a:r>
             <a:r>
-              <a:rPr lang="en-US" altLang="zh-CN" sz="2400" dirty="0" smtClean="0"/>
+              <a:rPr lang="en-US" altLang="zh-CN" sz="2400" dirty="0" smtClean="0">
+                <a:latin typeface="SimHei" charset="0"/>
+                <a:ea typeface="SimHei" charset="0"/>
+                <a:cs typeface="SimHei" charset="0"/>
+              </a:rPr>
               <a:t>STGS</a:t>
             </a:r>
             <a:r>
-              <a:rPr lang="zh-CN" altLang="en-US" sz="2400" dirty="0" smtClean="0"/>
+              <a:rPr lang="zh-CN" altLang="en-US" sz="2400" dirty="0" smtClean="0">
+                <a:latin typeface="SimHei" charset="0"/>
+                <a:ea typeface="SimHei" charset="0"/>
+                <a:cs typeface="SimHei" charset="0"/>
+              </a:rPr>
               <a:t>方法的重建误差显著降低</a:t>
             </a:r>
-            <a:endParaRPr lang="en-US" altLang="zh-CN" sz="2400" dirty="0"/>
+            <a:endParaRPr lang="en-US" altLang="zh-CN" sz="2400" dirty="0">
+              <a:latin typeface="SimHei" charset="0"/>
+              <a:ea typeface="SimHei" charset="0"/>
+              <a:cs typeface="SimHei" charset="0"/>
+            </a:endParaRPr>
           </a:p>
         </p:txBody>
       </p:sp>
@@ -25766,8 +26117,8 @@
         </p:nvSpPr>
         <p:spPr bwMode="auto">
           <a:xfrm>
-            <a:off x="457200" y="274638"/>
-            <a:ext cx="8445500" cy="757237"/>
+            <a:off x="2191870" y="274638"/>
+            <a:ext cx="6710829" cy="757237"/>
           </a:xfrm>
           <a:noFill/>
           <a:ln>
@@ -25785,16 +26136,12 @@
           <a:lstStyle/>
           <a:p>
             <a:r>
-              <a:rPr lang="zh-CN" altLang="en-US" b="1" dirty="0" smtClean="0"/>
-              <a:t>改进型技术</a:t>
-            </a:r>
-            <a:r>
-              <a:rPr lang="en-US" altLang="zh-CN" b="1" dirty="0" smtClean="0"/>
-              <a:t>-</a:t>
-            </a:r>
-            <a:r>
               <a:rPr lang="en-US" altLang="zh-CN" b="1" dirty="0" err="1" smtClean="0"/>
-              <a:t>STGS技术</a:t>
+              <a:t>STGS</a:t>
+            </a:r>
+            <a:r>
+              <a:rPr lang="en-US" altLang="zh-CN" b="1" dirty="0" err="1" smtClean="0"/>
+              <a:t>技术</a:t>
             </a:r>
             <a:r>
               <a:rPr lang="zh-CN" altLang="en-US" b="1" dirty="0" smtClean="0"/>
@@ -26204,26 +26551,50 @@
               <a:buChar char="•"/>
             </a:pPr>
             <a:r>
-              <a:rPr lang="zh-CN" altLang="en-US" sz="2400" dirty="0"/>
+              <a:rPr lang="zh-CN" altLang="en-US" sz="2400" dirty="0">
+                <a:latin typeface="SimHei" charset="0"/>
+                <a:ea typeface="SimHei" charset="0"/>
+                <a:cs typeface="SimHei" charset="0"/>
+              </a:rPr>
               <a:t>相比于</a:t>
             </a:r>
             <a:r>
-              <a:rPr lang="en-US" altLang="zh-CN" sz="2400" dirty="0"/>
+              <a:rPr lang="en-US" altLang="zh-CN" sz="2400" dirty="0">
+                <a:latin typeface="SimHei" charset="0"/>
+                <a:ea typeface="SimHei" charset="0"/>
+                <a:cs typeface="SimHei" charset="0"/>
+              </a:rPr>
               <a:t>SGS</a:t>
             </a:r>
             <a:r>
-              <a:rPr lang="zh-CN" altLang="en-US" sz="2400" dirty="0"/>
+              <a:rPr lang="zh-CN" altLang="en-US" sz="2400" dirty="0">
+                <a:latin typeface="SimHei" charset="0"/>
+                <a:ea typeface="SimHei" charset="0"/>
+                <a:cs typeface="SimHei" charset="0"/>
+              </a:rPr>
               <a:t>方法，</a:t>
             </a:r>
             <a:r>
-              <a:rPr lang="en-US" altLang="zh-CN" sz="2400" dirty="0" smtClean="0"/>
+              <a:rPr lang="en-US" altLang="zh-CN" sz="2400" dirty="0" smtClean="0">
+                <a:latin typeface="SimHei" charset="0"/>
+                <a:ea typeface="SimHei" charset="0"/>
+                <a:cs typeface="SimHei" charset="0"/>
+              </a:rPr>
               <a:t>STGS</a:t>
             </a:r>
             <a:r>
-              <a:rPr lang="zh-CN" altLang="en-US" sz="2400" dirty="0" smtClean="0"/>
+              <a:rPr lang="zh-CN" altLang="en-US" sz="2400" dirty="0" smtClean="0">
+                <a:latin typeface="SimHei" charset="0"/>
+                <a:ea typeface="SimHei" charset="0"/>
+                <a:cs typeface="SimHei" charset="0"/>
+              </a:rPr>
               <a:t>方法重建误差有不同程度的降低</a:t>
             </a:r>
-            <a:endParaRPr lang="en-US" altLang="zh-CN" sz="2400" dirty="0"/>
+            <a:endParaRPr lang="en-US" altLang="zh-CN" sz="2400" dirty="0">
+              <a:latin typeface="SimHei" charset="0"/>
+              <a:ea typeface="SimHei" charset="0"/>
+              <a:cs typeface="SimHei" charset="0"/>
+            </a:endParaRPr>
           </a:p>
         </p:txBody>
       </p:sp>
@@ -26736,41 +27107,45 @@
               <a:buChar char="l"/>
             </a:pPr>
             <a:r>
-              <a:rPr kumimoji="1" lang="zh-CN" altLang="en-US" sz="3200" b="1" dirty="0" smtClean="0">
+              <a:rPr kumimoji="1" lang="zh-CN" altLang="en-US" dirty="0" smtClean="0">
                 <a:solidFill>
                   <a:schemeClr val="tx1"/>
                 </a:solidFill>
-                <a:latin typeface="宋体" panose="02010600030101010101" pitchFamily="2" charset="-122"/>
-                <a:ea typeface="宋体" panose="02010600030101010101" pitchFamily="2" charset="-122"/>
+                <a:latin typeface="SimHei" charset="0"/>
+                <a:ea typeface="SimHei" charset="0"/>
+                <a:cs typeface="SimHei" charset="0"/>
               </a:rPr>
               <a:t>研究背景</a:t>
             </a:r>
             <a:r>
-              <a:rPr kumimoji="1" lang="zh-CN" altLang="en-US" sz="3200" b="1" dirty="0">
+              <a:rPr kumimoji="1" lang="zh-CN" altLang="en-US" dirty="0">
                 <a:solidFill>
                   <a:schemeClr val="tx1"/>
                 </a:solidFill>
-                <a:latin typeface="宋体" panose="02010600030101010101" pitchFamily="2" charset="-122"/>
-                <a:ea typeface="宋体" panose="02010600030101010101" pitchFamily="2" charset="-122"/>
+                <a:latin typeface="SimHei" charset="0"/>
+                <a:ea typeface="SimHei" charset="0"/>
+                <a:cs typeface="SimHei" charset="0"/>
               </a:rPr>
               <a:t>与</a:t>
             </a:r>
             <a:r>
-              <a:rPr kumimoji="1" lang="zh-CN" altLang="en-US" sz="3200" b="1" dirty="0" smtClean="0">
+              <a:rPr kumimoji="1" lang="zh-CN" altLang="en-US" dirty="0" smtClean="0">
                 <a:solidFill>
                   <a:schemeClr val="tx1"/>
                 </a:solidFill>
-                <a:latin typeface="宋体" panose="02010600030101010101" pitchFamily="2" charset="-122"/>
-                <a:ea typeface="宋体" panose="02010600030101010101" pitchFamily="2" charset="-122"/>
+                <a:latin typeface="SimHei" charset="0"/>
+                <a:ea typeface="SimHei" charset="0"/>
+                <a:cs typeface="SimHei" charset="0"/>
               </a:rPr>
               <a:t>国内外研究的历史与现状</a:t>
             </a:r>
-            <a:endParaRPr kumimoji="1" lang="en-US" altLang="zh-CN" sz="3200" b="1" dirty="0" smtClean="0">
+            <a:endParaRPr kumimoji="1" lang="en-US" altLang="zh-CN" dirty="0" smtClean="0">
               <a:solidFill>
                 <a:schemeClr val="tx1"/>
               </a:solidFill>
-              <a:latin typeface="宋体" panose="02010600030101010101" pitchFamily="2" charset="-122"/>
-              <a:ea typeface="宋体" panose="02010600030101010101" pitchFamily="2" charset="-122"/>
+              <a:latin typeface="SimHei" charset="0"/>
+              <a:ea typeface="SimHei" charset="0"/>
+              <a:cs typeface="SimHei" charset="0"/>
             </a:endParaRPr>
           </a:p>
           <a:p>
@@ -26779,21 +27154,23 @@
               <a:buChar char="l"/>
             </a:pPr>
             <a:r>
-              <a:rPr kumimoji="1" lang="zh-CN" altLang="en-US" sz="3200" b="1" dirty="0" smtClean="0">
+              <a:rPr kumimoji="1" lang="zh-CN" altLang="en-US" dirty="0" smtClean="0">
                 <a:solidFill>
                   <a:schemeClr val="tx1"/>
                 </a:solidFill>
-                <a:latin typeface="宋体" panose="02010600030101010101" pitchFamily="2" charset="-122"/>
-                <a:ea typeface="宋体" panose="02010600030101010101" pitchFamily="2" charset="-122"/>
+                <a:latin typeface="SimHei" charset="0"/>
+                <a:ea typeface="SimHei" charset="0"/>
+                <a:cs typeface="SimHei" charset="0"/>
               </a:rPr>
               <a:t>研究目标、内容</a:t>
             </a:r>
-            <a:endParaRPr kumimoji="1" lang="en-US" altLang="zh-CN" sz="3200" b="1" dirty="0" smtClean="0">
+            <a:endParaRPr kumimoji="1" lang="en-US" altLang="zh-CN" dirty="0" smtClean="0">
               <a:solidFill>
                 <a:schemeClr val="tx1"/>
               </a:solidFill>
-              <a:latin typeface="宋体" panose="02010600030101010101" pitchFamily="2" charset="-122"/>
-              <a:ea typeface="宋体" panose="02010600030101010101" pitchFamily="2" charset="-122"/>
+              <a:latin typeface="SimHei" charset="0"/>
+              <a:ea typeface="SimHei" charset="0"/>
+              <a:cs typeface="SimHei" charset="0"/>
             </a:endParaRPr>
           </a:p>
           <a:p>
@@ -26802,31 +27179,34 @@
               <a:buChar char="p"/>
             </a:pPr>
             <a:r>
-              <a:rPr kumimoji="1" lang="zh-CN" altLang="en-US" sz="2800" b="1" dirty="0">
+              <a:rPr kumimoji="1" lang="zh-CN" altLang="en-US" sz="2800" dirty="0">
                 <a:solidFill>
                   <a:schemeClr val="tx1"/>
                 </a:solidFill>
-                <a:latin typeface="宋体" panose="02010600030101010101" pitchFamily="2" charset="-122"/>
-                <a:ea typeface="宋体" panose="02010600030101010101" pitchFamily="2" charset="-122"/>
+                <a:latin typeface="SimHei" charset="0"/>
+                <a:ea typeface="SimHei" charset="0"/>
+                <a:cs typeface="SimHei" charset="0"/>
               </a:rPr>
               <a:t>系统设计与</a:t>
             </a:r>
             <a:r>
-              <a:rPr kumimoji="1" lang="zh-CN" altLang="en-US" sz="2800" b="1" dirty="0" smtClean="0">
+              <a:rPr kumimoji="1" lang="zh-CN" altLang="en-US" sz="2800" dirty="0" smtClean="0">
                 <a:solidFill>
                   <a:schemeClr val="tx1"/>
                 </a:solidFill>
-                <a:latin typeface="宋体" panose="02010600030101010101" pitchFamily="2" charset="-122"/>
-                <a:ea typeface="宋体" panose="02010600030101010101" pitchFamily="2" charset="-122"/>
+                <a:latin typeface="SimHei" charset="0"/>
+                <a:ea typeface="SimHei" charset="0"/>
+                <a:cs typeface="SimHei" charset="0"/>
               </a:rPr>
               <a:t>优化</a:t>
             </a:r>
-            <a:endParaRPr kumimoji="1" lang="en-US" altLang="zh-CN" sz="2800" b="1" dirty="0" smtClean="0">
+            <a:endParaRPr kumimoji="1" lang="en-US" altLang="zh-CN" sz="2800" dirty="0" smtClean="0">
               <a:solidFill>
                 <a:schemeClr val="tx1"/>
               </a:solidFill>
-              <a:latin typeface="宋体" panose="02010600030101010101" pitchFamily="2" charset="-122"/>
-              <a:ea typeface="宋体" panose="02010600030101010101" pitchFamily="2" charset="-122"/>
+              <a:latin typeface="SimHei" charset="0"/>
+              <a:ea typeface="SimHei" charset="0"/>
+              <a:cs typeface="SimHei" charset="0"/>
             </a:endParaRPr>
           </a:p>
           <a:p>
@@ -26835,31 +27215,34 @@
               <a:buChar char="p"/>
             </a:pPr>
             <a:r>
-              <a:rPr kumimoji="1" lang="en-US" altLang="zh-CN" sz="2800" b="1" dirty="0" smtClean="0">
+              <a:rPr kumimoji="1" lang="en-US" altLang="zh-CN" sz="2800" dirty="0" smtClean="0">
                 <a:solidFill>
                   <a:schemeClr val="tx1"/>
                 </a:solidFill>
-                <a:latin typeface="宋体" panose="02010600030101010101" pitchFamily="2" charset="-122"/>
-                <a:ea typeface="宋体" panose="02010600030101010101" pitchFamily="2" charset="-122"/>
+                <a:latin typeface="SimHei" charset="0"/>
+                <a:ea typeface="SimHei" charset="0"/>
+                <a:cs typeface="SimHei" charset="0"/>
               </a:rPr>
               <a:t>STGS</a:t>
             </a:r>
             <a:r>
-              <a:rPr kumimoji="1" lang="zh-CN" altLang="en-US" sz="2800" b="1" dirty="0" smtClean="0">
+              <a:rPr kumimoji="1" lang="zh-CN" altLang="en-US" sz="2800" dirty="0" smtClean="0">
                 <a:solidFill>
                   <a:schemeClr val="tx1"/>
                 </a:solidFill>
-                <a:latin typeface="宋体" panose="02010600030101010101" pitchFamily="2" charset="-122"/>
-                <a:ea typeface="宋体" panose="02010600030101010101" pitchFamily="2" charset="-122"/>
+                <a:latin typeface="SimHei" charset="0"/>
+                <a:ea typeface="SimHei" charset="0"/>
+                <a:cs typeface="SimHei" charset="0"/>
               </a:rPr>
               <a:t>技术研究与验证</a:t>
             </a:r>
-            <a:endParaRPr kumimoji="1" lang="en-US" altLang="zh-CN" sz="2800" b="1" dirty="0" smtClean="0">
+            <a:endParaRPr kumimoji="1" lang="en-US" altLang="zh-CN" sz="2800" dirty="0" smtClean="0">
               <a:solidFill>
                 <a:schemeClr val="tx1"/>
               </a:solidFill>
-              <a:latin typeface="宋体" panose="02010600030101010101" pitchFamily="2" charset="-122"/>
-              <a:ea typeface="宋体" panose="02010600030101010101" pitchFamily="2" charset="-122"/>
+              <a:latin typeface="SimHei" charset="0"/>
+              <a:ea typeface="SimHei" charset="0"/>
+              <a:cs typeface="SimHei" charset="0"/>
             </a:endParaRPr>
           </a:p>
           <a:p>
@@ -26868,41 +27251,45 @@
               <a:buChar char="p"/>
             </a:pPr>
             <a:r>
-              <a:rPr kumimoji="1" lang="zh-CN" altLang="en-US" sz="2800" b="1" dirty="0" smtClean="0">
+              <a:rPr kumimoji="1" lang="zh-CN" altLang="en-US" sz="2800" dirty="0" smtClean="0">
                 <a:solidFill>
                   <a:schemeClr val="tx1"/>
                 </a:solidFill>
-                <a:latin typeface="宋体" panose="02010600030101010101" pitchFamily="2" charset="-122"/>
-                <a:ea typeface="宋体" panose="02010600030101010101" pitchFamily="2" charset="-122"/>
+                <a:latin typeface="SimHei" charset="0"/>
+                <a:ea typeface="SimHei" charset="0"/>
+                <a:cs typeface="SimHei" charset="0"/>
               </a:rPr>
               <a:t>改进型双探测器</a:t>
             </a:r>
             <a:r>
-              <a:rPr kumimoji="1" lang="en-US" altLang="zh-CN" sz="2800" b="1" dirty="0" smtClean="0">
+              <a:rPr kumimoji="1" lang="en-US" altLang="zh-CN" sz="2800" dirty="0" smtClean="0">
                 <a:solidFill>
                   <a:schemeClr val="tx1"/>
                 </a:solidFill>
-                <a:latin typeface="宋体" panose="02010600030101010101" pitchFamily="2" charset="-122"/>
-                <a:ea typeface="宋体" panose="02010600030101010101" pitchFamily="2" charset="-122"/>
+                <a:latin typeface="SimHei" charset="0"/>
+                <a:ea typeface="SimHei" charset="0"/>
+                <a:cs typeface="SimHei" charset="0"/>
               </a:rPr>
               <a:t>SGS</a:t>
             </a:r>
             <a:r>
-              <a:rPr kumimoji="1" lang="zh-CN" altLang="en-US" sz="2800" b="1" dirty="0" smtClean="0">
+              <a:rPr kumimoji="1" lang="zh-CN" altLang="en-US" sz="2800" dirty="0" smtClean="0">
                 <a:solidFill>
                   <a:schemeClr val="tx1"/>
                 </a:solidFill>
-                <a:latin typeface="宋体" panose="02010600030101010101" pitchFamily="2" charset="-122"/>
-                <a:ea typeface="宋体" panose="02010600030101010101" pitchFamily="2" charset="-122"/>
+                <a:latin typeface="SimHei" charset="0"/>
+                <a:ea typeface="SimHei" charset="0"/>
+                <a:cs typeface="SimHei" charset="0"/>
               </a:rPr>
               <a:t>方法研究与验证</a:t>
             </a:r>
-            <a:endParaRPr kumimoji="1" lang="en-US" altLang="zh-CN" sz="2800" b="1" dirty="0" smtClean="0">
+            <a:endParaRPr kumimoji="1" lang="en-US" altLang="zh-CN" sz="2800" dirty="0" smtClean="0">
               <a:solidFill>
                 <a:schemeClr val="tx1"/>
               </a:solidFill>
-              <a:latin typeface="宋体" panose="02010600030101010101" pitchFamily="2" charset="-122"/>
-              <a:ea typeface="宋体" panose="02010600030101010101" pitchFamily="2" charset="-122"/>
+              <a:latin typeface="SimHei" charset="0"/>
+              <a:ea typeface="SimHei" charset="0"/>
+              <a:cs typeface="SimHei" charset="0"/>
             </a:endParaRPr>
           </a:p>
           <a:p>
@@ -26917,22 +27304,24 @@
               <a:buChar char="l"/>
             </a:pPr>
             <a:r>
-              <a:rPr lang="zh-CN" altLang="en-US" sz="3200" b="1" dirty="0" smtClean="0">
+              <a:rPr lang="zh-CN" altLang="en-US" dirty="0" smtClean="0">
                 <a:solidFill>
                   <a:schemeClr val="tx1"/>
                 </a:solidFill>
-                <a:latin typeface="宋体" panose="02010600030101010101" pitchFamily="2" charset="-122"/>
-                <a:ea typeface="宋体" panose="02010600030101010101" pitchFamily="2" charset="-122"/>
+                <a:latin typeface="SimHei" charset="0"/>
+                <a:ea typeface="SimHei" charset="0"/>
+                <a:cs typeface="SimHei" charset="0"/>
               </a:rPr>
               <a:t>研究</a:t>
             </a:r>
             <a:r>
-              <a:rPr lang="zh-CN" altLang="en-US" sz="3200" b="1" dirty="0">
+              <a:rPr lang="zh-CN" altLang="en-US" dirty="0">
                 <a:solidFill>
                   <a:schemeClr val="tx1"/>
                 </a:solidFill>
-                <a:latin typeface="宋体" panose="02010600030101010101" pitchFamily="2" charset="-122"/>
-                <a:ea typeface="宋体" panose="02010600030101010101" pitchFamily="2" charset="-122"/>
+                <a:latin typeface="SimHei" charset="0"/>
+                <a:ea typeface="SimHei" charset="0"/>
+                <a:cs typeface="SimHei" charset="0"/>
               </a:rPr>
               <a:t>总结及创新点</a:t>
             </a:r>
@@ -27003,19 +27392,19 @@
           <a:p>
             <a:pPr eaLnBrk="1" hangingPunct="1"/>
             <a:r>
-              <a:rPr lang="en-US" altLang="zh-CN" sz="2800" b="1" dirty="0" err="1" smtClean="0"/>
+              <a:rPr lang="en-US" altLang="zh-CN" b="1" dirty="0" err="1" smtClean="0"/>
               <a:t>STGS技术</a:t>
             </a:r>
             <a:r>
-              <a:rPr lang="zh-CN" altLang="en-US" sz="2800" b="1" dirty="0" smtClean="0"/>
+              <a:rPr lang="zh-CN" altLang="en-US" b="1" dirty="0" smtClean="0"/>
               <a:t>验证</a:t>
             </a:r>
             <a:r>
-              <a:rPr lang="en-US" altLang="zh-CN" sz="2800" b="1" dirty="0" smtClean="0"/>
+              <a:rPr lang="en-US" altLang="zh-CN" b="1" dirty="0" smtClean="0"/>
               <a:t>-400L</a:t>
             </a:r>
             <a:r>
-              <a:rPr lang="zh-CN" altLang="en-US" sz="2800" b="1" dirty="0" smtClean="0"/>
+              <a:rPr lang="zh-CN" altLang="en-US" b="1" dirty="0" smtClean="0"/>
               <a:t>单点源</a:t>
             </a:r>
             <a:r>
@@ -27659,43 +28048,83 @@
               <a:buChar char="•"/>
             </a:pPr>
             <a:r>
-              <a:rPr lang="zh-CN" altLang="en-US" sz="2400" dirty="0"/>
+              <a:rPr lang="zh-CN" altLang="en-US" sz="2400" dirty="0">
+                <a:latin typeface="SimHei" charset="0"/>
+                <a:ea typeface="SimHei" charset="0"/>
+                <a:cs typeface="SimHei" charset="0"/>
+              </a:rPr>
               <a:t>相比于</a:t>
             </a:r>
             <a:r>
-              <a:rPr lang="en-US" altLang="zh-CN" sz="2400" dirty="0"/>
+              <a:rPr lang="en-US" altLang="zh-CN" sz="2400" dirty="0">
+                <a:latin typeface="SimHei" charset="0"/>
+                <a:ea typeface="SimHei" charset="0"/>
+                <a:cs typeface="SimHei" charset="0"/>
+              </a:rPr>
               <a:t>SGS</a:t>
             </a:r>
             <a:r>
-              <a:rPr lang="zh-CN" altLang="en-US" sz="2400" dirty="0"/>
+              <a:rPr lang="zh-CN" altLang="en-US" sz="2400" dirty="0">
+                <a:latin typeface="SimHei" charset="0"/>
+                <a:ea typeface="SimHei" charset="0"/>
+                <a:cs typeface="SimHei" charset="0"/>
+              </a:rPr>
               <a:t>方法，</a:t>
             </a:r>
             <a:r>
-              <a:rPr lang="en-US" altLang="zh-CN" sz="2400" dirty="0"/>
+              <a:rPr lang="en-US" altLang="zh-CN" sz="2400" dirty="0">
+                <a:latin typeface="SimHei" charset="0"/>
+                <a:ea typeface="SimHei" charset="0"/>
+                <a:cs typeface="SimHei" charset="0"/>
+              </a:rPr>
               <a:t>STGS</a:t>
             </a:r>
             <a:r>
-              <a:rPr lang="zh-CN" altLang="en-US" sz="2400" dirty="0"/>
+              <a:rPr lang="zh-CN" altLang="en-US" sz="2400" dirty="0">
+                <a:latin typeface="SimHei" charset="0"/>
+                <a:ea typeface="SimHei" charset="0"/>
+                <a:cs typeface="SimHei" charset="0"/>
+              </a:rPr>
               <a:t>对于</a:t>
             </a:r>
             <a:r>
-              <a:rPr lang="en-US" altLang="zh-CN" sz="2400" dirty="0"/>
+              <a:rPr lang="en-US" altLang="zh-CN" sz="2400" dirty="0">
+                <a:latin typeface="SimHei" charset="0"/>
+                <a:ea typeface="SimHei" charset="0"/>
+                <a:cs typeface="SimHei" charset="0"/>
+              </a:rPr>
               <a:t>400L</a:t>
             </a:r>
             <a:r>
-              <a:rPr lang="zh-CN" altLang="en-US" sz="2400" dirty="0"/>
+              <a:rPr lang="zh-CN" altLang="en-US" sz="2400" dirty="0">
+                <a:latin typeface="SimHei" charset="0"/>
+                <a:ea typeface="SimHei" charset="0"/>
+                <a:cs typeface="SimHei" charset="0"/>
+              </a:rPr>
               <a:t>高密度废物桶</a:t>
             </a:r>
             <a:r>
-              <a:rPr lang="zh-CN" altLang="zh-CN" sz="2400" dirty="0"/>
+              <a:rPr lang="zh-CN" altLang="zh-CN" sz="2400" dirty="0">
+                <a:latin typeface="SimHei" charset="0"/>
+                <a:ea typeface="SimHei" charset="0"/>
+                <a:cs typeface="SimHei" charset="0"/>
+              </a:rPr>
               <a:t>的</a:t>
             </a:r>
             <a:r>
-              <a:rPr lang="zh-CN" altLang="en-US" sz="2400" dirty="0"/>
+              <a:rPr lang="zh-CN" altLang="en-US" sz="2400" dirty="0">
+                <a:latin typeface="SimHei" charset="0"/>
+                <a:ea typeface="SimHei" charset="0"/>
+                <a:cs typeface="SimHei" charset="0"/>
+              </a:rPr>
               <a:t>重建误差</a:t>
             </a:r>
             <a:r>
-              <a:rPr lang="zh-CN" altLang="zh-CN" sz="2400" dirty="0"/>
+              <a:rPr lang="zh-CN" altLang="zh-CN" sz="2400" dirty="0">
+                <a:latin typeface="SimHei" charset="0"/>
+                <a:ea typeface="SimHei" charset="0"/>
+                <a:cs typeface="SimHei" charset="0"/>
+              </a:rPr>
               <a:t>是</a:t>
             </a:r>
             <a:r>
@@ -27703,22 +28132,33 @@
                 <a:solidFill>
                   <a:srgbClr val="C00000"/>
                 </a:solidFill>
+                <a:latin typeface="SimHei" charset="0"/>
+                <a:ea typeface="SimHei" charset="0"/>
+                <a:cs typeface="SimHei" charset="0"/>
               </a:rPr>
               <a:t>二分之一</a:t>
             </a:r>
             <a:r>
-              <a:rPr lang="zh-CN" altLang="en-US" sz="2400" dirty="0" smtClean="0"/>
+              <a:rPr lang="zh-CN" altLang="en-US" sz="2400" dirty="0" smtClean="0">
+                <a:latin typeface="SimHei" charset="0"/>
+                <a:ea typeface="SimHei" charset="0"/>
+                <a:cs typeface="SimHei" charset="0"/>
+              </a:rPr>
               <a:t>或</a:t>
             </a:r>
             <a:r>
-              <a:rPr lang="zh-CN" altLang="zh-CN" sz="2400" dirty="0" smtClean="0"/>
-              <a:t>更</a:t>
-            </a:r>
-            <a:r>
-              <a:rPr lang="zh-CN" altLang="zh-CN" sz="2400" dirty="0" smtClean="0"/>
-              <a:t>低</a:t>
-            </a:r>
-            <a:endParaRPr lang="zh-CN" altLang="en-US" sz="2400" dirty="0"/>
+              <a:rPr lang="zh-CN" altLang="zh-CN" sz="2400" dirty="0" smtClean="0">
+                <a:latin typeface="SimHei" charset="0"/>
+                <a:ea typeface="SimHei" charset="0"/>
+                <a:cs typeface="SimHei" charset="0"/>
+              </a:rPr>
+              <a:t>更低</a:t>
+            </a:r>
+            <a:endParaRPr lang="zh-CN" altLang="en-US" sz="2400" dirty="0">
+              <a:latin typeface="SimHei" charset="0"/>
+              <a:ea typeface="SimHei" charset="0"/>
+              <a:cs typeface="SimHei" charset="0"/>
+            </a:endParaRPr>
           </a:p>
         </p:txBody>
       </p:sp>
@@ -27786,11 +28226,11 @@
           <a:p>
             <a:pPr eaLnBrk="1" hangingPunct="1"/>
             <a:r>
-              <a:rPr lang="en-US" altLang="zh-CN" sz="3600" b="1" dirty="0" err="1" smtClean="0"/>
+              <a:rPr lang="en-US" altLang="zh-CN" b="1" dirty="0" err="1" smtClean="0"/>
               <a:t>STGS技术</a:t>
             </a:r>
             <a:r>
-              <a:rPr lang="zh-CN" altLang="en-US" sz="3600" b="1" dirty="0" smtClean="0"/>
+              <a:rPr lang="zh-CN" altLang="en-US" b="1" dirty="0" smtClean="0"/>
               <a:t>验证结论与缺陷</a:t>
             </a:r>
             <a:r>
@@ -28529,8 +28969,8 @@
         </p:nvSpPr>
         <p:spPr bwMode="auto">
           <a:xfrm>
-            <a:off x="914400" y="228601"/>
-            <a:ext cx="8229600" cy="757237"/>
+            <a:off x="2060046" y="228601"/>
+            <a:ext cx="7083953" cy="757237"/>
           </a:xfrm>
           <a:noFill/>
           <a:ln>
@@ -28549,11 +28989,11 @@
           <a:p>
             <a:pPr eaLnBrk="1" hangingPunct="1"/>
             <a:r>
-              <a:rPr lang="en-US" altLang="zh-CN" sz="3600" b="1" dirty="0" smtClean="0"/>
+              <a:rPr lang="en-US" altLang="zh-CN" b="1" dirty="0" smtClean="0"/>
               <a:t>ISGS</a:t>
             </a:r>
             <a:r>
-              <a:rPr lang="zh-CN" altLang="en-US" sz="3600" b="1" dirty="0" smtClean="0"/>
+              <a:rPr lang="zh-CN" altLang="en-US" b="1" dirty="0" smtClean="0"/>
               <a:t>技术原理</a:t>
             </a:r>
             <a:r>
@@ -28588,18 +29028,34 @@
           <a:lstStyle/>
           <a:p>
             <a:r>
-              <a:rPr lang="zh-CN" altLang="en-US" sz="2400" dirty="0" smtClean="0"/>
+              <a:rPr lang="zh-CN" altLang="en-US" sz="2400" dirty="0" smtClean="0">
+                <a:solidFill>
+                  <a:schemeClr val="tx1"/>
+                </a:solidFill>
+              </a:rPr>
               <a:t>双探测器改进型</a:t>
             </a:r>
             <a:r>
-              <a:rPr lang="en-US" altLang="zh-CN" sz="2400" dirty="0" smtClean="0"/>
+              <a:rPr lang="en-US" altLang="zh-CN" sz="2400" dirty="0" smtClean="0">
+                <a:solidFill>
+                  <a:schemeClr val="tx1"/>
+                </a:solidFill>
+              </a:rPr>
               <a:t>SGS</a:t>
             </a:r>
             <a:r>
-              <a:rPr lang="zh-CN" altLang="en-US" sz="2400" dirty="0" smtClean="0"/>
+              <a:rPr lang="zh-CN" altLang="en-US" sz="2400" dirty="0" smtClean="0">
+                <a:solidFill>
+                  <a:schemeClr val="tx1"/>
+                </a:solidFill>
+              </a:rPr>
               <a:t>技术</a:t>
             </a:r>
-            <a:endParaRPr lang="en-US" altLang="zh-CN" sz="2400" dirty="0" smtClean="0"/>
+            <a:endParaRPr lang="en-US" altLang="zh-CN" sz="2400" dirty="0" smtClean="0">
+              <a:solidFill>
+                <a:schemeClr val="tx1"/>
+              </a:solidFill>
+            </a:endParaRPr>
           </a:p>
           <a:p>
             <a:pPr lvl="1"/>
@@ -28631,10 +29087,18 @@
           </a:p>
           <a:p>
             <a:r>
-              <a:rPr lang="zh-CN" altLang="en-US" sz="2400" dirty="0"/>
+              <a:rPr lang="zh-CN" altLang="en-US" sz="2400" dirty="0">
+                <a:solidFill>
+                  <a:schemeClr val="tx1"/>
+                </a:solidFill>
+              </a:rPr>
               <a:t>创新点</a:t>
             </a:r>
-            <a:endParaRPr lang="en-US" altLang="zh-CN" sz="2400" dirty="0" smtClean="0"/>
+            <a:endParaRPr lang="en-US" altLang="zh-CN" sz="2400" dirty="0" smtClean="0">
+              <a:solidFill>
+                <a:schemeClr val="tx1"/>
+              </a:solidFill>
+            </a:endParaRPr>
           </a:p>
           <a:p>
             <a:pPr lvl="1"/>
@@ -28775,7 +29239,7 @@
             <a:graphicData uri="http://schemas.openxmlformats.org/presentationml/2006/ole">
               <mc:AlternateContent xmlns:mc="http://schemas.openxmlformats.org/markup-compatibility/2006">
                 <mc:Choice xmlns:v="urn:schemas-microsoft-com:vml" Requires="v">
-                  <p:oleObj spid="_x0000_s92421" r:id="rId5" imgW="1079500" imgH="228600" progId="Equation.DSMT4">
+                  <p:oleObj spid="_x0000_s92455" r:id="rId5" imgW="1079500" imgH="228600" progId="Equation.DSMT4">
                     <p:embed/>
                   </p:oleObj>
                 </mc:Choice>
@@ -28864,7 +29328,7 @@
             <a:graphicData uri="http://schemas.openxmlformats.org/presentationml/2006/ole">
               <mc:AlternateContent xmlns:mc="http://schemas.openxmlformats.org/markup-compatibility/2006">
                 <mc:Choice xmlns:v="urn:schemas-microsoft-com:vml" Requires="v">
-                  <p:oleObj spid="_x0000_s92422" r:id="rId7" imgW="748975" imgH="444307" progId="Equation.DSMT4">
+                  <p:oleObj spid="_x0000_s92456" r:id="rId7" imgW="748975" imgH="444307" progId="Equation.DSMT4">
                     <p:embed/>
                   </p:oleObj>
                 </mc:Choice>
@@ -28995,7 +29459,7 @@
             <a:graphicData uri="http://schemas.openxmlformats.org/presentationml/2006/ole">
               <mc:AlternateContent xmlns:mc="http://schemas.openxmlformats.org/markup-compatibility/2006">
                 <mc:Choice xmlns:v="urn:schemas-microsoft-com:vml" Requires="v">
-                  <p:oleObj spid="_x0000_s92423" r:id="rId9" imgW="837836" imgH="444307" progId="Equation.DSMT4">
+                  <p:oleObj spid="_x0000_s92457" r:id="rId9" imgW="837836" imgH="444307" progId="Equation.DSMT4">
                     <p:embed/>
                   </p:oleObj>
                 </mc:Choice>
@@ -29084,7 +29548,7 @@
             <a:graphicData uri="http://schemas.openxmlformats.org/presentationml/2006/ole">
               <mc:AlternateContent xmlns:mc="http://schemas.openxmlformats.org/markup-compatibility/2006">
                 <mc:Choice xmlns:v="urn:schemas-microsoft-com:vml" Requires="v">
-                  <p:oleObj spid="_x0000_s92424" r:id="rId11" imgW="1079500" imgH="228600" progId="Equation.DSMT4">
+                  <p:oleObj spid="_x0000_s92458" r:id="rId11" imgW="1079500" imgH="228600" progId="Equation.DSMT4">
                     <p:embed/>
                   </p:oleObj>
                 </mc:Choice>
@@ -29175,7 +29639,7 @@
         </p:blipFill>
         <p:spPr bwMode="auto">
           <a:xfrm>
-            <a:off x="2371360" y="5128800"/>
+            <a:off x="2175661" y="5063624"/>
             <a:ext cx="1978921" cy="793846"/>
           </a:xfrm>
           <a:prstGeom prst="rect">
@@ -29229,7 +29693,7 @@
         </p:blipFill>
         <p:spPr bwMode="auto">
           <a:xfrm>
-            <a:off x="2489224" y="6006096"/>
+            <a:off x="2364563" y="5956577"/>
             <a:ext cx="1547238" cy="789407"/>
           </a:xfrm>
           <a:prstGeom prst="rect">
@@ -29689,35 +30153,67 @@
               <a:buChar char="•"/>
             </a:pPr>
             <a:r>
-              <a:rPr lang="zh-CN" altLang="en-US" sz="2400" dirty="0" smtClean="0"/>
+              <a:rPr lang="zh-CN" altLang="en-US" sz="2400" dirty="0" smtClean="0">
+                <a:latin typeface="SimHei" charset="0"/>
+                <a:ea typeface="SimHei" charset="0"/>
+                <a:cs typeface="SimHei" charset="0"/>
+              </a:rPr>
               <a:t>与</a:t>
             </a:r>
             <a:r>
-              <a:rPr lang="en-US" altLang="zh-CN" sz="2400" dirty="0"/>
+              <a:rPr lang="en-US" altLang="zh-CN" sz="2400" dirty="0">
+                <a:latin typeface="SimHei" charset="0"/>
+                <a:ea typeface="SimHei" charset="0"/>
+                <a:cs typeface="SimHei" charset="0"/>
+              </a:rPr>
               <a:t>SGS</a:t>
             </a:r>
             <a:r>
-              <a:rPr lang="zh-CN" altLang="en-US" sz="2400" dirty="0"/>
+              <a:rPr lang="zh-CN" altLang="en-US" sz="2400" dirty="0">
+                <a:latin typeface="SimHei" charset="0"/>
+                <a:ea typeface="SimHei" charset="0"/>
+                <a:cs typeface="SimHei" charset="0"/>
+              </a:rPr>
               <a:t>相比</a:t>
             </a:r>
             <a:r>
-              <a:rPr lang="zh-CN" altLang="en-US" sz="2400" dirty="0" smtClean="0"/>
+              <a:rPr lang="zh-CN" altLang="en-US" sz="2400" dirty="0" smtClean="0">
+                <a:latin typeface="SimHei" charset="0"/>
+                <a:ea typeface="SimHei" charset="0"/>
+                <a:cs typeface="SimHei" charset="0"/>
+              </a:rPr>
               <a:t>，</a:t>
             </a:r>
             <a:r>
-              <a:rPr lang="en-US" altLang="zh-CN" sz="2400" dirty="0" smtClean="0"/>
+              <a:rPr lang="en-US" altLang="zh-CN" sz="2400" dirty="0" smtClean="0">
+                <a:latin typeface="SimHei" charset="0"/>
+                <a:ea typeface="SimHei" charset="0"/>
+                <a:cs typeface="SimHei" charset="0"/>
+              </a:rPr>
               <a:t>ISGS</a:t>
             </a:r>
             <a:r>
-              <a:rPr lang="zh-CN" altLang="en-US" sz="2400" dirty="0" smtClean="0"/>
+              <a:rPr lang="zh-CN" altLang="en-US" sz="2400" dirty="0" smtClean="0">
+                <a:latin typeface="SimHei" charset="0"/>
+                <a:ea typeface="SimHei" charset="0"/>
+                <a:cs typeface="SimHei" charset="0"/>
+              </a:rPr>
               <a:t>技术</a:t>
             </a:r>
             <a:r>
-              <a:rPr lang="zh-CN" altLang="zh-CN" sz="2400" dirty="0" smtClean="0"/>
+              <a:rPr lang="zh-CN" altLang="zh-CN" sz="2400" dirty="0" smtClean="0">
+                <a:latin typeface="SimHei" charset="0"/>
+                <a:ea typeface="SimHei" charset="0"/>
+                <a:cs typeface="SimHei" charset="0"/>
+              </a:rPr>
               <a:t>最大误差</a:t>
             </a:r>
             <a:r>
-              <a:rPr lang="zh-CN" altLang="zh-CN" sz="2400" dirty="0"/>
+              <a:rPr lang="zh-CN" altLang="zh-CN" sz="2400" dirty="0">
+                <a:latin typeface="SimHei" charset="0"/>
+                <a:ea typeface="SimHei" charset="0"/>
+                <a:cs typeface="SimHei" charset="0"/>
+              </a:rPr>
               <a:t>降低为</a:t>
             </a:r>
             <a:r>
@@ -29725,11 +30221,18 @@
                 <a:solidFill>
                   <a:srgbClr val="C00000"/>
                 </a:solidFill>
+                <a:latin typeface="SimHei" charset="0"/>
+                <a:ea typeface="SimHei" charset="0"/>
+                <a:cs typeface="SimHei" charset="0"/>
               </a:rPr>
               <a:t>几分之一</a:t>
             </a:r>
             <a:r>
-              <a:rPr lang="zh-CN" altLang="zh-CN" sz="2400" dirty="0"/>
+              <a:rPr lang="zh-CN" altLang="zh-CN" sz="2400" dirty="0">
+                <a:latin typeface="SimHei" charset="0"/>
+                <a:ea typeface="SimHei" charset="0"/>
+                <a:cs typeface="SimHei" charset="0"/>
+              </a:rPr>
               <a:t>，而平均误差降低了接近</a:t>
             </a:r>
             <a:r>
@@ -29737,10 +30240,17 @@
                 <a:solidFill>
                   <a:srgbClr val="C00000"/>
                 </a:solidFill>
+                <a:latin typeface="SimHei" charset="0"/>
+                <a:ea typeface="SimHei" charset="0"/>
+                <a:cs typeface="SimHei" charset="0"/>
               </a:rPr>
               <a:t>一半</a:t>
             </a:r>
-            <a:endParaRPr lang="zh-CN" altLang="en-US" sz="2400" dirty="0"/>
+            <a:endParaRPr lang="zh-CN" altLang="en-US" sz="2400" dirty="0">
+              <a:latin typeface="SimHei" charset="0"/>
+              <a:ea typeface="SimHei" charset="0"/>
+              <a:cs typeface="SimHei" charset="0"/>
+            </a:endParaRPr>
           </a:p>
         </p:txBody>
       </p:sp>
@@ -30068,38 +30578,74 @@
               <a:buChar char="•"/>
             </a:pPr>
             <a:r>
-              <a:rPr lang="zh-CN" altLang="en-US" sz="2400" dirty="0" smtClean="0"/>
+              <a:rPr lang="zh-CN" altLang="en-US" sz="2400" dirty="0" smtClean="0">
+                <a:latin typeface="SimHei" charset="0"/>
+                <a:ea typeface="SimHei" charset="0"/>
+                <a:cs typeface="SimHei" charset="0"/>
+              </a:rPr>
               <a:t>与</a:t>
             </a:r>
             <a:r>
-              <a:rPr lang="en-US" altLang="zh-CN" sz="2400" dirty="0"/>
+              <a:rPr lang="en-US" altLang="zh-CN" sz="2400" dirty="0">
+                <a:latin typeface="SimHei" charset="0"/>
+                <a:ea typeface="SimHei" charset="0"/>
+                <a:cs typeface="SimHei" charset="0"/>
+              </a:rPr>
               <a:t>SGS</a:t>
             </a:r>
             <a:r>
-              <a:rPr lang="zh-CN" altLang="en-US" sz="2400" dirty="0"/>
+              <a:rPr lang="zh-CN" altLang="en-US" sz="2400" dirty="0">
+                <a:latin typeface="SimHei" charset="0"/>
+                <a:ea typeface="SimHei" charset="0"/>
+                <a:cs typeface="SimHei" charset="0"/>
+              </a:rPr>
               <a:t>相比</a:t>
             </a:r>
             <a:r>
-              <a:rPr lang="zh-CN" altLang="en-US" sz="2400" dirty="0" smtClean="0"/>
+              <a:rPr lang="zh-CN" altLang="en-US" sz="2400" dirty="0" smtClean="0">
+                <a:latin typeface="SimHei" charset="0"/>
+                <a:ea typeface="SimHei" charset="0"/>
+                <a:cs typeface="SimHei" charset="0"/>
+              </a:rPr>
               <a:t>，</a:t>
             </a:r>
             <a:r>
-              <a:rPr lang="en-US" altLang="zh-CN" sz="2400" dirty="0" smtClean="0"/>
+              <a:rPr lang="en-US" altLang="zh-CN" sz="2400" dirty="0" smtClean="0">
+                <a:latin typeface="SimHei" charset="0"/>
+                <a:ea typeface="SimHei" charset="0"/>
+                <a:cs typeface="SimHei" charset="0"/>
+              </a:rPr>
               <a:t>ISGS</a:t>
             </a:r>
             <a:r>
-              <a:rPr lang="zh-CN" altLang="en-US" sz="2400" dirty="0" smtClean="0"/>
+              <a:rPr lang="zh-CN" altLang="en-US" sz="2400" dirty="0" smtClean="0">
+                <a:latin typeface="SimHei" charset="0"/>
+                <a:ea typeface="SimHei" charset="0"/>
+                <a:cs typeface="SimHei" charset="0"/>
+              </a:rPr>
               <a:t>技术的实验测量</a:t>
             </a:r>
             <a:r>
-              <a:rPr lang="zh-CN" altLang="zh-CN" sz="2400" dirty="0" smtClean="0"/>
+              <a:rPr lang="zh-CN" altLang="zh-CN" sz="2400" dirty="0" smtClean="0">
+                <a:latin typeface="SimHei" charset="0"/>
+                <a:ea typeface="SimHei" charset="0"/>
+                <a:cs typeface="SimHei" charset="0"/>
+              </a:rPr>
               <a:t>误差</a:t>
             </a:r>
             <a:r>
-              <a:rPr lang="zh-CN" altLang="en-US" sz="2400" dirty="0" smtClean="0"/>
+              <a:rPr lang="zh-CN" altLang="en-US" sz="2400" dirty="0" smtClean="0">
+                <a:latin typeface="SimHei" charset="0"/>
+                <a:ea typeface="SimHei" charset="0"/>
+                <a:cs typeface="SimHei" charset="0"/>
+              </a:rPr>
               <a:t>有不同程度的降低，与模拟结果相吻合</a:t>
             </a:r>
-            <a:endParaRPr lang="zh-CN" altLang="en-US" sz="2400" dirty="0"/>
+            <a:endParaRPr lang="zh-CN" altLang="en-US" sz="2400" dirty="0">
+              <a:latin typeface="SimHei" charset="0"/>
+              <a:ea typeface="SimHei" charset="0"/>
+              <a:cs typeface="SimHei" charset="0"/>
+            </a:endParaRPr>
           </a:p>
         </p:txBody>
       </p:sp>
@@ -30409,50 +30955,98 @@
               <a:buChar char="•"/>
             </a:pPr>
             <a:r>
-              <a:rPr lang="zh-CN" altLang="en-US" sz="2400" dirty="0" smtClean="0"/>
+              <a:rPr lang="zh-CN" altLang="en-US" sz="2400" dirty="0" smtClean="0">
+                <a:latin typeface="SimHei" charset="0"/>
+                <a:ea typeface="SimHei" charset="0"/>
+                <a:cs typeface="SimHei" charset="0"/>
+              </a:rPr>
               <a:t>与</a:t>
             </a:r>
             <a:r>
-              <a:rPr lang="en-US" altLang="zh-CN" sz="2400" dirty="0"/>
+              <a:rPr lang="en-US" altLang="zh-CN" sz="2400" dirty="0">
+                <a:latin typeface="SimHei" charset="0"/>
+                <a:ea typeface="SimHei" charset="0"/>
+                <a:cs typeface="SimHei" charset="0"/>
+              </a:rPr>
               <a:t>SGS</a:t>
             </a:r>
             <a:r>
-              <a:rPr lang="zh-CN" altLang="en-US" sz="2400" dirty="0"/>
+              <a:rPr lang="zh-CN" altLang="en-US" sz="2400" dirty="0">
+                <a:latin typeface="SimHei" charset="0"/>
+                <a:ea typeface="SimHei" charset="0"/>
+                <a:cs typeface="SimHei" charset="0"/>
+              </a:rPr>
               <a:t>相比</a:t>
             </a:r>
             <a:r>
-              <a:rPr lang="zh-CN" altLang="en-US" sz="2400" dirty="0" smtClean="0"/>
+              <a:rPr lang="zh-CN" altLang="en-US" sz="2400" dirty="0" smtClean="0">
+                <a:latin typeface="SimHei" charset="0"/>
+                <a:ea typeface="SimHei" charset="0"/>
+                <a:cs typeface="SimHei" charset="0"/>
+              </a:rPr>
               <a:t>，</a:t>
             </a:r>
             <a:r>
-              <a:rPr lang="en-US" altLang="zh-CN" sz="2400" dirty="0" smtClean="0"/>
+              <a:rPr lang="en-US" altLang="zh-CN" sz="2400" dirty="0" smtClean="0">
+                <a:latin typeface="SimHei" charset="0"/>
+                <a:ea typeface="SimHei" charset="0"/>
+                <a:cs typeface="SimHei" charset="0"/>
+              </a:rPr>
               <a:t>ISGS</a:t>
             </a:r>
             <a:r>
-              <a:rPr lang="zh-CN" altLang="en-US" sz="2400" dirty="0" smtClean="0"/>
+              <a:rPr lang="zh-CN" altLang="en-US" sz="2400" dirty="0" smtClean="0">
+                <a:latin typeface="SimHei" charset="0"/>
+                <a:ea typeface="SimHei" charset="0"/>
+                <a:cs typeface="SimHei" charset="0"/>
+              </a:rPr>
               <a:t>技术的</a:t>
             </a:r>
             <a:r>
-              <a:rPr lang="zh-CN" altLang="zh-CN" sz="2400" dirty="0" smtClean="0"/>
+              <a:rPr lang="zh-CN" altLang="zh-CN" sz="2400" dirty="0" smtClean="0">
+                <a:latin typeface="SimHei" charset="0"/>
+                <a:ea typeface="SimHei" charset="0"/>
+                <a:cs typeface="SimHei" charset="0"/>
+              </a:rPr>
               <a:t>最大误差</a:t>
             </a:r>
             <a:r>
-              <a:rPr lang="zh-CN" altLang="en-US" sz="2400" dirty="0" smtClean="0"/>
+              <a:rPr lang="zh-CN" altLang="en-US" sz="2400" dirty="0" smtClean="0">
+                <a:latin typeface="SimHei" charset="0"/>
+                <a:ea typeface="SimHei" charset="0"/>
+                <a:cs typeface="SimHei" charset="0"/>
+              </a:rPr>
               <a:t>和</a:t>
             </a:r>
             <a:r>
-              <a:rPr lang="zh-CN" altLang="zh-CN" sz="2400" dirty="0" smtClean="0"/>
+              <a:rPr lang="zh-CN" altLang="zh-CN" sz="2400" dirty="0" smtClean="0">
+                <a:latin typeface="SimHei" charset="0"/>
+                <a:ea typeface="SimHei" charset="0"/>
+                <a:cs typeface="SimHei" charset="0"/>
+              </a:rPr>
               <a:t>平均误差</a:t>
             </a:r>
             <a:r>
-              <a:rPr lang="zh-CN" altLang="en-US" sz="2400" dirty="0"/>
+              <a:rPr lang="zh-CN" altLang="en-US" sz="2400" dirty="0">
+                <a:latin typeface="SimHei" charset="0"/>
+                <a:ea typeface="SimHei" charset="0"/>
+                <a:cs typeface="SimHei" charset="0"/>
+              </a:rPr>
               <a:t>都</a:t>
             </a:r>
             <a:r>
-              <a:rPr lang="zh-CN" altLang="en-US" sz="2400" dirty="0" smtClean="0"/>
+              <a:rPr lang="zh-CN" altLang="en-US" sz="2400" dirty="0" smtClean="0">
+                <a:latin typeface="SimHei" charset="0"/>
+                <a:ea typeface="SimHei" charset="0"/>
+                <a:cs typeface="SimHei" charset="0"/>
+              </a:rPr>
               <a:t>有不同程度的降低</a:t>
             </a:r>
-            <a:endParaRPr lang="zh-CN" altLang="en-US" sz="2400" dirty="0"/>
+            <a:endParaRPr lang="zh-CN" altLang="en-US" sz="2400" dirty="0">
+              <a:latin typeface="SimHei" charset="0"/>
+              <a:ea typeface="SimHei" charset="0"/>
+              <a:cs typeface="SimHei" charset="0"/>
+            </a:endParaRPr>
           </a:p>
         </p:txBody>
       </p:sp>
@@ -30938,7 +31532,7 @@
           <a:p>
             <a:pPr eaLnBrk="1" hangingPunct="1"/>
             <a:r>
-              <a:rPr lang="en-US" altLang="zh-CN" b="1"/>
+              <a:rPr lang="en-US" altLang="zh-CN" b="1" dirty="0"/>
               <a:t>TGS</a:t>
             </a:r>
           </a:p>
@@ -31107,7 +31701,7 @@
           <a:p>
             <a:pPr eaLnBrk="1" hangingPunct="1"/>
             <a:r>
-              <a:rPr lang="en-US" altLang="zh-CN" b="1"/>
+              <a:rPr lang="en-US" altLang="zh-CN" b="1" dirty="0"/>
               <a:t>SGS</a:t>
             </a:r>
           </a:p>
@@ -31835,7 +32429,7 @@
           <a:p>
             <a:pPr algn="ctr"/>
             <a:r>
-              <a:rPr lang="zh-CN" altLang="en-US" sz="2800" b="1" dirty="0" smtClean="0">
+              <a:rPr lang="zh-CN" altLang="en-US" sz="3200" b="1" dirty="0" smtClean="0">
                 <a:solidFill>
                   <a:srgbClr val="133984"/>
                 </a:solidFill>
@@ -31844,7 +32438,7 @@
               </a:rPr>
               <a:t>多种探测技术精度效率对比</a:t>
             </a:r>
-            <a:endParaRPr lang="zh-CN" altLang="en-US" sz="2800" b="1" dirty="0">
+            <a:endParaRPr lang="zh-CN" altLang="en-US" sz="3200" b="1" dirty="0">
               <a:solidFill>
                 <a:srgbClr val="133984"/>
               </a:solidFill>
@@ -32593,53 +33187,6 @@
           <a:chExt cx="0" cy="0"/>
         </a:xfrm>
       </p:grpSpPr>
-      <p:sp>
-        <p:nvSpPr>
-          <p:cNvPr id="7" name="灯片编号占位符 1"/>
-          <p:cNvSpPr>
-            <a:spLocks noGrp="1"/>
-          </p:cNvSpPr>
-          <p:nvPr>
-            <p:ph type="sldNum" sz="quarter" idx="4294967295"/>
-          </p:nvPr>
-        </p:nvSpPr>
-        <p:spPr>
-          <a:xfrm>
-            <a:off x="7010400" y="6565900"/>
-            <a:ext cx="2133600" cy="292100"/>
-          </a:xfrm>
-          <a:prstGeom prst="rect">
-            <a:avLst/>
-          </a:prstGeom>
-        </p:spPr>
-        <p:txBody>
-          <a:bodyPr/>
-          <a:lstStyle/>
-          <a:p>
-            <a:r>
-              <a:rPr lang="zh-CN" altLang="en-US"/>
-              <a:t>- </a:t>
-            </a:r>
-            <a:r>
-              <a:rPr lang="en-US" altLang="zh-CN"/>
-              <a:t> </a:t>
-            </a:r>
-            <a:fld id="{D929D585-B702-4970-B2C9-99AE65B6564F}" type="slidenum">
-              <a:rPr lang="zh-CN" altLang="en-US"/>
-              <a:pPr/>
-              <a:t>3</a:t>
-            </a:fld>
-            <a:r>
-              <a:rPr lang="en-US" altLang="zh-CN"/>
-              <a:t>  / 65 </a:t>
-            </a:r>
-            <a:r>
-              <a:rPr lang="zh-CN" altLang="en-US"/>
-              <a:t>-</a:t>
-            </a:r>
-          </a:p>
-        </p:txBody>
-      </p:sp>
       <p:pic>
         <p:nvPicPr>
           <p:cNvPr id="8" name="图片 1"/>
@@ -33572,7 +34119,7 @@
         </p:nvSpPr>
         <p:spPr bwMode="auto">
           <a:xfrm>
-            <a:off x="2213133" y="168476"/>
+            <a:off x="2497015" y="125075"/>
             <a:ext cx="6316663" cy="757237"/>
           </a:xfrm>
           <a:prstGeom prst="rect">
@@ -33629,8 +34176,9 @@
                 <a:solidFill>
                   <a:schemeClr val="tx1"/>
                 </a:solidFill>
-                <a:latin typeface="Times New Roman" panose="02020603050405020304" pitchFamily="18" charset="0"/>
-                <a:ea typeface="宋体" panose="02010600030101010101" pitchFamily="2" charset="-122"/>
+                <a:latin typeface="SimHei" charset="0"/>
+                <a:ea typeface="SimHei" charset="0"/>
+                <a:cs typeface="SimHei" charset="0"/>
               </a:rPr>
               <a:t>低中放废物</a:t>
             </a:r>
@@ -33639,8 +34187,9 @@
                 <a:solidFill>
                   <a:schemeClr val="tx1"/>
                 </a:solidFill>
-                <a:latin typeface="Times New Roman" panose="02020603050405020304" pitchFamily="18" charset="0"/>
-                <a:ea typeface="宋体" panose="02010600030101010101" pitchFamily="2" charset="-122"/>
+                <a:latin typeface="SimHei" charset="0"/>
+                <a:ea typeface="SimHei" charset="0"/>
+                <a:cs typeface="SimHei" charset="0"/>
               </a:rPr>
               <a:t>桶特点：非均匀、大体积</a:t>
             </a:r>
@@ -33715,11 +34264,18 @@
                 </a:spcBef>
               </a:pPr>
               <a:r>
+                <a:rPr lang="zh-CN" altLang="en-US" dirty="0" smtClean="0">
+                  <a:latin typeface="Times New Roman" panose="02020603050405020304" pitchFamily="18" charset="0"/>
+                  <a:ea typeface="宋体" panose="02010600030101010101" pitchFamily="2" charset="-122"/>
+                </a:rPr>
+                <a:t>低中放</a:t>
+              </a:r>
+              <a:r>
                 <a:rPr lang="zh-CN" altLang="en-US" dirty="0">
                   <a:latin typeface="Times New Roman" panose="02020603050405020304" pitchFamily="18" charset="0"/>
                   <a:ea typeface="宋体" panose="02010600030101010101" pitchFamily="2" charset="-122"/>
                 </a:rPr>
-                <a:t>中低放废物</a:t>
+                <a:t>废物</a:t>
               </a:r>
             </a:p>
             <a:p>
@@ -34741,53 +35297,6 @@
       </p:grpSpPr>
       <p:sp>
         <p:nvSpPr>
-          <p:cNvPr id="6" name="灯片编号占位符 3"/>
-          <p:cNvSpPr>
-            <a:spLocks noGrp="1"/>
-          </p:cNvSpPr>
-          <p:nvPr>
-            <p:ph type="sldNum" sz="quarter" idx="4294967295"/>
-          </p:nvPr>
-        </p:nvSpPr>
-        <p:spPr>
-          <a:xfrm>
-            <a:off x="7010400" y="6565900"/>
-            <a:ext cx="2133600" cy="292100"/>
-          </a:xfrm>
-          <a:prstGeom prst="rect">
-            <a:avLst/>
-          </a:prstGeom>
-        </p:spPr>
-        <p:txBody>
-          <a:bodyPr/>
-          <a:lstStyle/>
-          <a:p>
-            <a:r>
-              <a:rPr lang="zh-CN" altLang="en-US"/>
-              <a:t>- </a:t>
-            </a:r>
-            <a:r>
-              <a:rPr lang="en-US" altLang="zh-CN"/>
-              <a:t> </a:t>
-            </a:r>
-            <a:fld id="{62D0606F-834B-47A1-B949-3D577ED97FA3}" type="slidenum">
-              <a:rPr lang="zh-CN" altLang="en-US"/>
-              <a:pPr/>
-              <a:t>5</a:t>
-            </a:fld>
-            <a:r>
-              <a:rPr lang="en-US" altLang="zh-CN"/>
-              <a:t>  / 65 </a:t>
-            </a:r>
-            <a:r>
-              <a:rPr lang="zh-CN" altLang="en-US"/>
-              <a:t>-</a:t>
-            </a:r>
-          </a:p>
-        </p:txBody>
-      </p:sp>
-      <p:sp>
-        <p:nvSpPr>
           <p:cNvPr id="53251" name="Rectangle 3"/>
           <p:cNvSpPr>
             <a:spLocks noGrp="1" noChangeArrowheads="1"/>
@@ -34849,8 +35358,9 @@
                 <a:solidFill>
                   <a:srgbClr val="004098"/>
                 </a:solidFill>
-                <a:latin typeface="Times New Roman" panose="02020603050405020304" pitchFamily="18" charset="0"/>
-                <a:ea typeface="宋体" panose="02010600030101010101" pitchFamily="2" charset="-122"/>
+                <a:latin typeface="SimHei" charset="0"/>
+                <a:ea typeface="SimHei" charset="0"/>
+                <a:cs typeface="SimHei" charset="0"/>
               </a:rPr>
               <a:t>SGS</a:t>
             </a:r>
@@ -34859,8 +35369,9 @@
                 <a:solidFill>
                   <a:srgbClr val="004098"/>
                 </a:solidFill>
-                <a:latin typeface="Times New Roman" panose="02020603050405020304" pitchFamily="18" charset="0"/>
-                <a:ea typeface="宋体" panose="02010600030101010101" pitchFamily="2" charset="-122"/>
+                <a:latin typeface="SimHei" charset="0"/>
+                <a:ea typeface="SimHei" charset="0"/>
+                <a:cs typeface="SimHei" charset="0"/>
               </a:rPr>
               <a:t>技术假设每层物质与放射性核素都均匀分布</a:t>
             </a:r>
@@ -34929,13 +35440,13 @@
               </a:spcBef>
             </a:pPr>
             <a:r>
-              <a:rPr lang="en-US" altLang="zh-CN" sz="2400" b="0">
+              <a:rPr lang="en-US" altLang="zh-CN" sz="2400" b="0" dirty="0">
                 <a:ea typeface="宋体" panose="02010600030101010101" pitchFamily="2" charset="-122"/>
               </a:rPr>
               <a:t>SGS</a:t>
             </a:r>
             <a:r>
-              <a:rPr lang="zh-CN" altLang="en-US" sz="2400" b="0">
+              <a:rPr lang="zh-CN" altLang="en-US" sz="2400" b="0" dirty="0">
                 <a:ea typeface="宋体" panose="02010600030101010101" pitchFamily="2" charset="-122"/>
               </a:rPr>
               <a:t>扫描示意图</a:t>
@@ -35869,60 +36380,19 @@
           <a:chExt cx="0" cy="0"/>
         </a:xfrm>
       </p:grpSpPr>
-      <p:sp>
-        <p:nvSpPr>
-          <p:cNvPr id="35" name="灯片编号占位符 3"/>
-          <p:cNvSpPr>
-            <a:spLocks noGrp="1"/>
-          </p:cNvSpPr>
-          <p:nvPr>
-            <p:ph type="sldNum" sz="quarter" idx="4294967295"/>
-          </p:nvPr>
-        </p:nvSpPr>
-        <p:spPr>
-          <a:xfrm>
-            <a:off x="7010400" y="6565900"/>
-            <a:ext cx="2133600" cy="292100"/>
-          </a:xfrm>
-          <a:prstGeom prst="rect">
-            <a:avLst/>
-          </a:prstGeom>
-        </p:spPr>
-        <p:txBody>
-          <a:bodyPr/>
-          <a:lstStyle/>
-          <a:p>
-            <a:r>
-              <a:rPr lang="zh-CN" altLang="en-US"/>
-              <a:t>- </a:t>
-            </a:r>
-            <a:r>
-              <a:rPr lang="en-US" altLang="zh-CN"/>
-              <a:t> </a:t>
-            </a:r>
-            <a:fld id="{15525650-9F4B-4401-A59E-50ECF3490519}" type="slidenum">
-              <a:rPr lang="zh-CN" altLang="en-US"/>
-              <a:pPr/>
-              <a:t>7</a:t>
-            </a:fld>
-            <a:r>
-              <a:rPr lang="en-US" altLang="zh-CN"/>
-              <a:t>  / 65 </a:t>
-            </a:r>
-            <a:r>
-              <a:rPr lang="zh-CN" altLang="en-US"/>
-              <a:t>-</a:t>
-            </a:r>
-          </a:p>
-        </p:txBody>
-      </p:sp>
       <p:graphicFrame>
         <p:nvGraphicFramePr>
           <p:cNvPr id="57610" name="Group 266"/>
           <p:cNvGraphicFramePr>
             <a:graphicFrameLocks noGrp="1"/>
           </p:cNvGraphicFramePr>
-          <p:nvPr/>
+          <p:nvPr>
+            <p:extLst>
+              <p:ext uri="{D42A27DB-BD31-4B8C-83A1-F6EECF244321}">
+                <p14:modId xmlns:p14="http://schemas.microsoft.com/office/powerpoint/2010/main" val="1491439776"/>
+              </p:ext>
+            </p:extLst>
+          </p:nvPr>
         </p:nvGraphicFramePr>
         <p:xfrm>
           <a:off x="1219200" y="1835150"/>
@@ -35931,7 +36401,7 @@
         <a:graphic>
           <a:graphicData uri="http://schemas.openxmlformats.org/drawingml/2006/table">
             <a:tbl>
-              <a:tblPr/>
+              <a:tblPr firstRow="1"/>
               <a:tblGrid>
                 <a:gridCol w="1981200"/>
                 <a:gridCol w="2133600"/>
@@ -36288,7 +36758,7 @@
                         <a:tabLst/>
                       </a:pPr>
                       <a:r>
-                        <a:rPr kumimoji="0" lang="en-US" altLang="zh-CN" sz="2400" b="1" i="0" u="none" strike="noStrike" cap="none" normalizeH="0" baseline="0" smtClean="0">
+                        <a:rPr kumimoji="0" lang="en-US" altLang="zh-CN" sz="2400" b="1" i="0" u="none" strike="noStrike" cap="none" normalizeH="0" baseline="0" dirty="0" smtClean="0">
                           <a:ln>
                             <a:noFill/>
                           </a:ln>
@@ -36348,7 +36818,7 @@
                       <a:noFill/>
                     </a:lnBlToTr>
                     <a:solidFill>
-                      <a:srgbClr val="99CCFF"/>
+                      <a:schemeClr val="accent1"/>
                     </a:solidFill>
                   </a:tcPr>
                 </a:tc>
@@ -36497,7 +36967,7 @@
                         <a:tabLst/>
                       </a:pPr>
                       <a:r>
-                        <a:rPr kumimoji="0" lang="en-US" altLang="zh-CN" sz="2400" b="1" i="0" u="none" strike="noStrike" cap="none" normalizeH="0" baseline="0" smtClean="0">
+                        <a:rPr kumimoji="0" lang="en-US" altLang="zh-CN" sz="2400" b="1" i="0" u="none" strike="noStrike" cap="none" normalizeH="0" baseline="0" dirty="0" smtClean="0">
                           <a:ln>
                             <a:noFill/>
                           </a:ln>
@@ -36557,7 +37027,10 @@
                       <a:noFill/>
                     </a:lnBlToTr>
                     <a:solidFill>
-                      <a:srgbClr val="99FF99"/>
+                      <a:schemeClr val="accent2">
+                        <a:lumMod val="20000"/>
+                        <a:lumOff val="80000"/>
+                      </a:schemeClr>
                     </a:solidFill>
                   </a:tcPr>
                 </a:tc>
@@ -36915,7 +37388,7 @@
                         <a:tabLst/>
                       </a:pPr>
                       <a:r>
-                        <a:rPr kumimoji="0" lang="zh-CN" altLang="en-US" sz="2400" b="1" i="0" u="none" strike="noStrike" cap="none" normalizeH="0" baseline="0" smtClean="0">
+                        <a:rPr kumimoji="0" lang="zh-CN" altLang="en-US" sz="2400" b="1" i="0" u="none" strike="noStrike" cap="none" normalizeH="0" baseline="0" dirty="0" smtClean="0">
                           <a:ln>
                             <a:noFill/>
                           </a:ln>
@@ -36975,7 +37448,7 @@
                       <a:noFill/>
                     </a:lnBlToTr>
                     <a:solidFill>
-                      <a:srgbClr val="99CCFF"/>
+                      <a:schemeClr val="accent1"/>
                     </a:solidFill>
                   </a:tcPr>
                 </a:tc>
@@ -37124,7 +37597,7 @@
                         <a:tabLst/>
                       </a:pPr>
                       <a:r>
-                        <a:rPr kumimoji="0" lang="zh-CN" altLang="en-US" sz="2400" b="1" i="0" u="none" strike="noStrike" cap="none" normalizeH="0" baseline="0" smtClean="0">
+                        <a:rPr kumimoji="0" lang="zh-CN" altLang="en-US" sz="2400" b="1" i="0" u="none" strike="noStrike" cap="none" normalizeH="0" baseline="0" dirty="0" smtClean="0">
                           <a:ln>
                             <a:noFill/>
                           </a:ln>
@@ -37184,7 +37657,10 @@
                       <a:noFill/>
                     </a:lnBlToTr>
                     <a:solidFill>
-                      <a:srgbClr val="99FF99"/>
+                      <a:schemeClr val="accent2">
+                        <a:lumMod val="20000"/>
+                        <a:lumOff val="80000"/>
+                      </a:schemeClr>
                     </a:solidFill>
                   </a:tcPr>
                 </a:tc>
@@ -37542,7 +38018,7 @@
                         <a:tabLst/>
                       </a:pPr>
                       <a:r>
-                        <a:rPr kumimoji="0" lang="zh-CN" altLang="en-US" sz="2400" b="1" i="0" u="none" strike="noStrike" cap="none" normalizeH="0" baseline="0" smtClean="0">
+                        <a:rPr kumimoji="0" lang="zh-CN" altLang="en-US" sz="2400" b="1" i="0" u="none" strike="noStrike" cap="none" normalizeH="0" baseline="0" dirty="0" smtClean="0">
                           <a:ln>
                             <a:noFill/>
                           </a:ln>
@@ -37602,7 +38078,7 @@
                       <a:noFill/>
                     </a:lnBlToTr>
                     <a:solidFill>
-                      <a:srgbClr val="99CCFF"/>
+                      <a:schemeClr val="accent1"/>
                     </a:solidFill>
                   </a:tcPr>
                 </a:tc>
@@ -37751,7 +38227,7 @@
                         <a:tabLst/>
                       </a:pPr>
                       <a:r>
-                        <a:rPr kumimoji="0" lang="zh-CN" altLang="en-US" sz="2400" b="1" i="0" u="none" strike="noStrike" cap="none" normalizeH="0" baseline="0" smtClean="0">
+                        <a:rPr kumimoji="0" lang="zh-CN" altLang="en-US" sz="2400" b="1" i="0" u="none" strike="noStrike" cap="none" normalizeH="0" baseline="0" dirty="0" smtClean="0">
                           <a:ln>
                             <a:noFill/>
                           </a:ln>
@@ -37811,7 +38287,10 @@
                       <a:noFill/>
                     </a:lnBlToTr>
                     <a:solidFill>
-                      <a:srgbClr val="99FF99"/>
+                      <a:schemeClr val="accent2">
+                        <a:lumMod val="20000"/>
+                        <a:lumOff val="80000"/>
+                      </a:schemeClr>
                     </a:solidFill>
                   </a:tcPr>
                 </a:tc>
@@ -37962,7 +38441,7 @@
                         <a:tabLst/>
                       </a:pPr>
                       <a:r>
-                        <a:rPr kumimoji="0" lang="zh-CN" altLang="en-US" sz="2400" b="1" i="0" u="none" strike="noStrike" cap="none" normalizeH="0" baseline="0" smtClean="0">
+                        <a:rPr kumimoji="0" lang="zh-CN" altLang="en-US" sz="2400" b="1" i="0" u="none" strike="noStrike" cap="none" normalizeH="0" baseline="0" dirty="0" smtClean="0">
                           <a:ln>
                             <a:noFill/>
                           </a:ln>
@@ -38169,7 +38648,7 @@
                         <a:tabLst/>
                       </a:pPr>
                       <a:r>
-                        <a:rPr kumimoji="0" lang="zh-CN" altLang="en-US" sz="2400" b="1" i="0" u="none" strike="noStrike" cap="none" normalizeH="0" baseline="0" smtClean="0">
+                        <a:rPr kumimoji="0" lang="zh-CN" altLang="en-US" sz="2400" b="1" i="0" u="none" strike="noStrike" cap="none" normalizeH="0" baseline="0" dirty="0" smtClean="0">
                           <a:ln>
                             <a:noFill/>
                           </a:ln>
@@ -38229,7 +38708,7 @@
                       <a:noFill/>
                     </a:lnBlToTr>
                     <a:solidFill>
-                      <a:srgbClr val="99CCFF"/>
+                      <a:schemeClr val="accent1"/>
                     </a:solidFill>
                   </a:tcPr>
                 </a:tc>
@@ -38378,7 +38857,7 @@
                         <a:tabLst/>
                       </a:pPr>
                       <a:r>
-                        <a:rPr kumimoji="0" lang="zh-CN" altLang="en-US" sz="2400" b="1" i="0" u="none" strike="noStrike" cap="none" normalizeH="0" baseline="0" smtClean="0">
+                        <a:rPr kumimoji="0" lang="zh-CN" altLang="en-US" sz="2400" b="1" i="0" u="none" strike="noStrike" cap="none" normalizeH="0" baseline="0" dirty="0" smtClean="0">
                           <a:ln>
                             <a:noFill/>
                           </a:ln>
@@ -38438,7 +38917,10 @@
                       <a:noFill/>
                     </a:lnBlToTr>
                     <a:solidFill>
-                      <a:srgbClr val="99FF99"/>
+                      <a:schemeClr val="accent2">
+                        <a:lumMod val="20000"/>
+                        <a:lumOff val="80000"/>
+                      </a:schemeClr>
                     </a:solidFill>
                   </a:tcPr>
                 </a:tc>
@@ -38796,7 +39278,7 @@
                         <a:tabLst/>
                       </a:pPr>
                       <a:r>
-                        <a:rPr kumimoji="0" lang="zh-CN" altLang="en-US" sz="2400" b="1" i="0" u="none" strike="noStrike" cap="none" normalizeH="0" baseline="0" smtClean="0">
+                        <a:rPr kumimoji="0" lang="zh-CN" altLang="en-US" sz="2400" b="1" i="0" u="none" strike="noStrike" cap="none" normalizeH="0" baseline="0" dirty="0" smtClean="0">
                           <a:ln>
                             <a:noFill/>
                           </a:ln>
@@ -38856,7 +39338,7 @@
                       <a:noFill/>
                     </a:lnBlToTr>
                     <a:solidFill>
-                      <a:srgbClr val="99CCFF"/>
+                      <a:schemeClr val="accent1"/>
                     </a:solidFill>
                   </a:tcPr>
                 </a:tc>
@@ -39005,7 +39487,7 @@
                         <a:tabLst/>
                       </a:pPr>
                       <a:r>
-                        <a:rPr kumimoji="0" lang="zh-CN" altLang="en-US" sz="2400" b="1" i="0" u="none" strike="noStrike" cap="none" normalizeH="0" baseline="0" smtClean="0">
+                        <a:rPr kumimoji="0" lang="zh-CN" altLang="en-US" sz="2400" b="1" i="0" u="none" strike="noStrike" cap="none" normalizeH="0" baseline="0" dirty="0" smtClean="0">
                           <a:ln>
                             <a:noFill/>
                           </a:ln>
@@ -39065,7 +39547,10 @@
                       <a:noFill/>
                     </a:lnBlToTr>
                     <a:solidFill>
-                      <a:srgbClr val="99FF99"/>
+                      <a:schemeClr val="accent2">
+                        <a:lumMod val="20000"/>
+                        <a:lumOff val="80000"/>
+                      </a:schemeClr>
                     </a:solidFill>
                   </a:tcPr>
                 </a:tc>
@@ -39422,7 +39907,7 @@
                         <a:tabLst/>
                       </a:pPr>
                       <a:r>
-                        <a:rPr kumimoji="0" lang="zh-CN" altLang="en-US" sz="2400" b="1" i="0" u="none" strike="noStrike" cap="none" normalizeH="0" baseline="0" smtClean="0">
+                        <a:rPr kumimoji="0" lang="zh-CN" altLang="en-US" sz="2400" b="1" i="0" u="none" strike="noStrike" cap="none" normalizeH="0" baseline="0" dirty="0" smtClean="0">
                           <a:ln>
                             <a:noFill/>
                           </a:ln>
@@ -39481,7 +39966,7 @@
                       <a:noFill/>
                     </a:lnBlToTr>
                     <a:solidFill>
-                      <a:srgbClr val="99CCFF"/>
+                      <a:schemeClr val="accent1"/>
                     </a:solidFill>
                   </a:tcPr>
                 </a:tc>
@@ -39689,7 +40174,10 @@
                       <a:noFill/>
                     </a:lnBlToTr>
                     <a:solidFill>
-                      <a:srgbClr val="99FF99"/>
+                      <a:schemeClr val="accent2">
+                        <a:lumMod val="20000"/>
+                        <a:lumOff val="80000"/>
+                      </a:schemeClr>
                     </a:solidFill>
                   </a:tcPr>
                 </a:tc>
@@ -39775,8 +40263,9 @@
             </a:r>
             <a:r>
               <a:rPr lang="en-US" altLang="zh-CN" sz="2400" dirty="0">
-                <a:latin typeface="楷体" panose="02010609060101010101" pitchFamily="49" charset="-122"/>
-                <a:ea typeface="楷体" panose="02010609060101010101" pitchFamily="49" charset="-122"/>
+                <a:latin typeface="KaiTi" charset="0"/>
+                <a:ea typeface="KaiTi" charset="0"/>
+                <a:cs typeface="KaiTi" charset="0"/>
               </a:rPr>
               <a:t>TGS</a:t>
             </a:r>
@@ -39801,7 +40290,7 @@
         <p:spPr bwMode="auto">
           <a:xfrm>
             <a:off x="1600200" y="4638606"/>
-            <a:ext cx="6070893" cy="1754326"/>
+            <a:ext cx="6378669" cy="1754326"/>
           </a:xfrm>
           <a:prstGeom prst="rect">
             <a:avLst/>
@@ -39951,14 +40440,37 @@
               <a:buChar char="•"/>
             </a:pPr>
             <a:r>
-              <a:rPr kumimoji="1" lang="zh-CN" altLang="en-US" sz="2400" dirty="0"/>
-              <a:t>兼具快速、准确的技术具有</a:t>
+              <a:rPr kumimoji="1" lang="zh-CN" altLang="en-US" sz="2400" dirty="0" smtClean="0">
+                <a:latin typeface="SimHei" charset="0"/>
+                <a:ea typeface="SimHei" charset="0"/>
+                <a:cs typeface="SimHei" charset="0"/>
+              </a:rPr>
+              <a:t>有效精度效率平衡</a:t>
+            </a:r>
+            <a:r>
+              <a:rPr kumimoji="1" lang="zh-CN" altLang="en-US" sz="2400" dirty="0" smtClean="0">
+                <a:latin typeface="SimHei" charset="0"/>
+                <a:ea typeface="SimHei" charset="0"/>
+                <a:cs typeface="SimHei" charset="0"/>
+              </a:rPr>
+              <a:t>的</a:t>
             </a:r>
             <a:r>
               <a:rPr kumimoji="1" lang="zh-CN" altLang="en-US" sz="2400" dirty="0">
+                <a:latin typeface="SimHei" charset="0"/>
+                <a:ea typeface="SimHei" charset="0"/>
+                <a:cs typeface="SimHei" charset="0"/>
+              </a:rPr>
+              <a:t>技术具有</a:t>
+            </a:r>
+            <a:r>
+              <a:rPr kumimoji="1" lang="zh-CN" altLang="en-US" sz="2400" dirty="0">
                 <a:solidFill>
                   <a:srgbClr val="C00000"/>
                 </a:solidFill>
+                <a:latin typeface="SimHei" charset="0"/>
+                <a:ea typeface="SimHei" charset="0"/>
+                <a:cs typeface="SimHei" charset="0"/>
               </a:rPr>
               <a:t>理论研究价值</a:t>
             </a:r>
@@ -39973,29 +40485,33 @@
             </a:pPr>
             <a:r>
               <a:rPr lang="zh-CN" altLang="en-US" sz="2400" dirty="0" smtClean="0">
-                <a:latin typeface="Times New Roman" panose="02020603050405020304" pitchFamily="18" charset="0"/>
-                <a:ea typeface="宋体" panose="02010600030101010101" pitchFamily="2" charset="-122"/>
+                <a:latin typeface="SimHei" charset="0"/>
+                <a:ea typeface="SimHei" charset="0"/>
+                <a:cs typeface="SimHei" charset="0"/>
               </a:rPr>
               <a:t>近年来</a:t>
             </a:r>
             <a:r>
               <a:rPr lang="zh-CN" altLang="en-US" sz="2400" dirty="0">
-                <a:latin typeface="Times New Roman" panose="02020603050405020304" pitchFamily="18" charset="0"/>
-                <a:ea typeface="宋体" panose="02010600030101010101" pitchFamily="2" charset="-122"/>
+                <a:latin typeface="SimHei" charset="0"/>
+                <a:ea typeface="SimHei" charset="0"/>
+                <a:cs typeface="SimHei" charset="0"/>
               </a:rPr>
               <a:t>，有学者开始研究改进型</a:t>
             </a:r>
             <a:r>
               <a:rPr lang="en-US" altLang="zh-CN" sz="2400" dirty="0">
-                <a:latin typeface="Times New Roman" panose="02020603050405020304" pitchFamily="18" charset="0"/>
-                <a:ea typeface="宋体" panose="02010600030101010101" pitchFamily="2" charset="-122"/>
+                <a:latin typeface="SimHei" charset="0"/>
+                <a:ea typeface="SimHei" charset="0"/>
+                <a:cs typeface="SimHei" charset="0"/>
               </a:rPr>
               <a:t>SGS</a:t>
             </a:r>
             <a:r>
               <a:rPr lang="zh-CN" altLang="en-US" sz="2400" dirty="0">
-                <a:latin typeface="Times New Roman" panose="02020603050405020304" pitchFamily="18" charset="0"/>
-                <a:ea typeface="宋体" panose="02010600030101010101" pitchFamily="2" charset="-122"/>
+                <a:latin typeface="SimHei" charset="0"/>
+                <a:ea typeface="SimHei" charset="0"/>
+                <a:cs typeface="SimHei" charset="0"/>
               </a:rPr>
               <a:t>技术</a:t>
             </a:r>
@@ -40525,6 +41041,9 @@
                 <a:solidFill>
                   <a:srgbClr val="004195"/>
                 </a:solidFill>
+                <a:latin typeface="SimHei" charset="0"/>
+                <a:ea typeface="SimHei" charset="0"/>
+                <a:cs typeface="SimHei" charset="0"/>
               </a:rPr>
               <a:t>假设核素主要以热点形式存在</a:t>
             </a:r>
@@ -40532,6 +41051,9 @@
               <a:solidFill>
                 <a:srgbClr val="004195"/>
               </a:solidFill>
+              <a:latin typeface="SimHei" charset="0"/>
+              <a:ea typeface="SimHei" charset="0"/>
+              <a:cs typeface="SimHei" charset="0"/>
             </a:endParaRPr>
           </a:p>
           <a:p>
@@ -40544,6 +41066,9 @@
                 <a:solidFill>
                   <a:srgbClr val="004195"/>
                 </a:solidFill>
+                <a:latin typeface="SimHei" charset="0"/>
+                <a:ea typeface="SimHei" charset="0"/>
+                <a:cs typeface="SimHei" charset="0"/>
               </a:rPr>
               <a:t>每层周向</a:t>
             </a:r>
@@ -40552,6 +41077,9 @@
                 <a:solidFill>
                   <a:srgbClr val="004195"/>
                 </a:solidFill>
+                <a:latin typeface="SimHei" charset="0"/>
+                <a:ea typeface="SimHei" charset="0"/>
+                <a:cs typeface="SimHei" charset="0"/>
               </a:rPr>
               <a:t>30</a:t>
             </a:r>
@@ -40560,6 +41088,9 @@
                 <a:solidFill>
                   <a:srgbClr val="004195"/>
                 </a:solidFill>
+                <a:latin typeface="SimHei" charset="0"/>
+                <a:ea typeface="SimHei" charset="0"/>
+                <a:cs typeface="SimHei" charset="0"/>
               </a:rPr>
               <a:t>°</a:t>
             </a:r>
@@ -40568,6 +41099,9 @@
                 <a:solidFill>
                   <a:srgbClr val="004195"/>
                 </a:solidFill>
+                <a:latin typeface="SimHei" charset="0"/>
+                <a:ea typeface="SimHei" charset="0"/>
+                <a:cs typeface="SimHei" charset="0"/>
               </a:rPr>
               <a:t>为步长，进行步进扫描，确定热点位置</a:t>
             </a:r>
@@ -40575,6 +41109,9 @@
               <a:solidFill>
                 <a:srgbClr val="004195"/>
               </a:solidFill>
+              <a:latin typeface="SimHei" charset="0"/>
+              <a:ea typeface="SimHei" charset="0"/>
+              <a:cs typeface="SimHei" charset="0"/>
             </a:endParaRPr>
           </a:p>
           <a:p>
@@ -40587,6 +41124,9 @@
                 <a:solidFill>
                   <a:srgbClr val="004195"/>
                 </a:solidFill>
+                <a:latin typeface="SimHei" charset="0"/>
+                <a:ea typeface="SimHei" charset="0"/>
+                <a:cs typeface="SimHei" charset="0"/>
               </a:rPr>
               <a:t>对有限热点情况有效</a:t>
             </a:r>
@@ -40594,6 +41134,9 @@
               <a:solidFill>
                 <a:srgbClr val="004195"/>
               </a:solidFill>
+              <a:latin typeface="SimHei" charset="0"/>
+              <a:ea typeface="SimHei" charset="0"/>
+              <a:cs typeface="SimHei" charset="0"/>
             </a:endParaRPr>
           </a:p>
         </p:txBody>
@@ -40912,6 +41455,9 @@
                 <a:solidFill>
                   <a:srgbClr val="004195"/>
                 </a:solidFill>
+                <a:latin typeface="SimHei" charset="0"/>
+                <a:ea typeface="SimHei" charset="0"/>
+                <a:cs typeface="SimHei" charset="0"/>
               </a:rPr>
               <a:t>假设核素主要以热点形式存在</a:t>
             </a:r>
@@ -40919,6 +41465,9 @@
               <a:solidFill>
                 <a:srgbClr val="004195"/>
               </a:solidFill>
+              <a:latin typeface="SimHei" charset="0"/>
+              <a:ea typeface="SimHei" charset="0"/>
+              <a:cs typeface="SimHei" charset="0"/>
             </a:endParaRPr>
           </a:p>
           <a:p>
@@ -40932,6 +41481,9 @@
                 <a:solidFill>
                   <a:srgbClr val="004195"/>
                 </a:solidFill>
+                <a:latin typeface="SimHei" charset="0"/>
+                <a:ea typeface="SimHei" charset="0"/>
+                <a:cs typeface="SimHei" charset="0"/>
               </a:rPr>
               <a:t>细分目标</a:t>
             </a:r>
@@ -40940,6 +41492,9 @@
                 <a:solidFill>
                   <a:srgbClr val="004195"/>
                 </a:solidFill>
+                <a:latin typeface="SimHei" charset="0"/>
+                <a:ea typeface="SimHei" charset="0"/>
+                <a:cs typeface="SimHei" charset="0"/>
               </a:rPr>
               <a:t>网格，精确的定位热点</a:t>
             </a:r>
@@ -40947,6 +41502,9 @@
               <a:solidFill>
                 <a:srgbClr val="004195"/>
               </a:solidFill>
+              <a:latin typeface="SimHei" charset="0"/>
+              <a:ea typeface="SimHei" charset="0"/>
+              <a:cs typeface="SimHei" charset="0"/>
             </a:endParaRPr>
           </a:p>
           <a:p>
@@ -40960,6 +41518,9 @@
                 <a:solidFill>
                   <a:srgbClr val="004195"/>
                 </a:solidFill>
+                <a:latin typeface="SimHei" charset="0"/>
+                <a:ea typeface="SimHei" charset="0"/>
+                <a:cs typeface="SimHei" charset="0"/>
               </a:rPr>
               <a:t>精度不变，测量时间减半</a:t>
             </a:r>
@@ -40967,6 +41528,9 @@
               <a:solidFill>
                 <a:srgbClr val="004195"/>
               </a:solidFill>
+              <a:latin typeface="SimHei" charset="0"/>
+              <a:ea typeface="SimHei" charset="0"/>
+              <a:cs typeface="SimHei" charset="0"/>
             </a:endParaRPr>
           </a:p>
           <a:p>
@@ -42365,4 +42929,265 @@
     </a:ext>
   </a:extLst>
 </a:theme>
+</file>
+
+<file path=ppt/theme/theme5.xml><?xml version="1.0" encoding="utf-8"?>
+<a:theme xmlns:a="http://schemas.openxmlformats.org/drawingml/2006/main" name="Office Theme">
+  <a:themeElements>
+    <a:clrScheme name="Office">
+      <a:dk1>
+        <a:sysClr val="windowText" lastClr="000000"/>
+      </a:dk1>
+      <a:lt1>
+        <a:sysClr val="window" lastClr="FFFFFF"/>
+      </a:lt1>
+      <a:dk2>
+        <a:srgbClr val="44546A"/>
+      </a:dk2>
+      <a:lt2>
+        <a:srgbClr val="E7E6E6"/>
+      </a:lt2>
+      <a:accent1>
+        <a:srgbClr val="5B9BD5"/>
+      </a:accent1>
+      <a:accent2>
+        <a:srgbClr val="ED7D31"/>
+      </a:accent2>
+      <a:accent3>
+        <a:srgbClr val="A5A5A5"/>
+      </a:accent3>
+      <a:accent4>
+        <a:srgbClr val="FFC000"/>
+      </a:accent4>
+      <a:accent5>
+        <a:srgbClr val="4472C4"/>
+      </a:accent5>
+      <a:accent6>
+        <a:srgbClr val="70AD47"/>
+      </a:accent6>
+      <a:hlink>
+        <a:srgbClr val="0563C1"/>
+      </a:hlink>
+      <a:folHlink>
+        <a:srgbClr val="954F72"/>
+      </a:folHlink>
+    </a:clrScheme>
+    <a:fontScheme name="Office">
+      <a:majorFont>
+        <a:latin typeface="Calibri Light" panose="020F0302020204030204"/>
+        <a:ea typeface=""/>
+        <a:cs typeface=""/>
+        <a:font script="Jpan" typeface="ＭＳ Ｐゴシック"/>
+        <a:font script="Hang" typeface="맑은 고딕"/>
+        <a:font script="Hans" typeface="宋体"/>
+        <a:font script="Hant" typeface="新細明體"/>
+        <a:font script="Arab" typeface="Times New Roman"/>
+        <a:font script="Hebr" typeface="Times New Roman"/>
+        <a:font script="Thai" typeface="Angsana New"/>
+        <a:font script="Ethi" typeface="Nyala"/>
+        <a:font script="Beng" typeface="Vrinda"/>
+        <a:font script="Gujr" typeface="Shruti"/>
+        <a:font script="Khmr" typeface="MoolBoran"/>
+        <a:font script="Knda" typeface="Tunga"/>
+        <a:font script="Guru" typeface="Raavi"/>
+        <a:font script="Cans" typeface="Euphemia"/>
+        <a:font script="Cher" typeface="Plantagenet Cherokee"/>
+        <a:font script="Yiii" typeface="Microsoft Yi Baiti"/>
+        <a:font script="Tibt" typeface="Microsoft Himalaya"/>
+        <a:font script="Thaa" typeface="MV Boli"/>
+        <a:font script="Deva" typeface="Mangal"/>
+        <a:font script="Telu" typeface="Gautami"/>
+        <a:font script="Taml" typeface="Latha"/>
+        <a:font script="Syrc" typeface="Estrangelo Edessa"/>
+        <a:font script="Orya" typeface="Kalinga"/>
+        <a:font script="Mlym" typeface="Kartika"/>
+        <a:font script="Laoo" typeface="DokChampa"/>
+        <a:font script="Sinh" typeface="Iskoola Pota"/>
+        <a:font script="Mong" typeface="Mongolian Baiti"/>
+        <a:font script="Viet" typeface="Times New Roman"/>
+        <a:font script="Uigh" typeface="Microsoft Uighur"/>
+        <a:font script="Geor" typeface="Sylfaen"/>
+      </a:majorFont>
+      <a:minorFont>
+        <a:latin typeface="Calibri" panose="020F0502020204030204"/>
+        <a:ea typeface=""/>
+        <a:cs typeface=""/>
+        <a:font script="Jpan" typeface="ＭＳ Ｐゴシック"/>
+        <a:font script="Hang" typeface="맑은 고딕"/>
+        <a:font script="Hans" typeface="宋体"/>
+        <a:font script="Hant" typeface="新細明體"/>
+        <a:font script="Arab" typeface="Arial"/>
+        <a:font script="Hebr" typeface="Arial"/>
+        <a:font script="Thai" typeface="Cordia New"/>
+        <a:font script="Ethi" typeface="Nyala"/>
+        <a:font script="Beng" typeface="Vrinda"/>
+        <a:font script="Gujr" typeface="Shruti"/>
+        <a:font script="Khmr" typeface="DaunPenh"/>
+        <a:font script="Knda" typeface="Tunga"/>
+        <a:font script="Guru" typeface="Raavi"/>
+        <a:font script="Cans" typeface="Euphemia"/>
+        <a:font script="Cher" typeface="Plantagenet Cherokee"/>
+        <a:font script="Yiii" typeface="Microsoft Yi Baiti"/>
+        <a:font script="Tibt" typeface="Microsoft Himalaya"/>
+        <a:font script="Thaa" typeface="MV Boli"/>
+        <a:font script="Deva" typeface="Mangal"/>
+        <a:font script="Telu" typeface="Gautami"/>
+        <a:font script="Taml" typeface="Latha"/>
+        <a:font script="Syrc" typeface="Estrangelo Edessa"/>
+        <a:font script="Orya" typeface="Kalinga"/>
+        <a:font script="Mlym" typeface="Kartika"/>
+        <a:font script="Laoo" typeface="DokChampa"/>
+        <a:font script="Sinh" typeface="Iskoola Pota"/>
+        <a:font script="Mong" typeface="Mongolian Baiti"/>
+        <a:font script="Viet" typeface="Arial"/>
+        <a:font script="Uigh" typeface="Microsoft Uighur"/>
+        <a:font script="Geor" typeface="Sylfaen"/>
+      </a:minorFont>
+    </a:fontScheme>
+    <a:fmtScheme name="Office">
+      <a:fillStyleLst>
+        <a:solidFill>
+          <a:schemeClr val="phClr"/>
+        </a:solidFill>
+        <a:gradFill rotWithShape="1">
+          <a:gsLst>
+            <a:gs pos="0">
+              <a:schemeClr val="phClr">
+                <a:lumMod val="110000"/>
+                <a:satMod val="105000"/>
+                <a:tint val="67000"/>
+              </a:schemeClr>
+            </a:gs>
+            <a:gs pos="50000">
+              <a:schemeClr val="phClr">
+                <a:lumMod val="105000"/>
+                <a:satMod val="103000"/>
+                <a:tint val="73000"/>
+              </a:schemeClr>
+            </a:gs>
+            <a:gs pos="100000">
+              <a:schemeClr val="phClr">
+                <a:lumMod val="105000"/>
+                <a:satMod val="109000"/>
+                <a:tint val="81000"/>
+              </a:schemeClr>
+            </a:gs>
+          </a:gsLst>
+          <a:lin ang="5400000" scaled="0"/>
+        </a:gradFill>
+        <a:gradFill rotWithShape="1">
+          <a:gsLst>
+            <a:gs pos="0">
+              <a:schemeClr val="phClr">
+                <a:satMod val="103000"/>
+                <a:lumMod val="102000"/>
+                <a:tint val="94000"/>
+              </a:schemeClr>
+            </a:gs>
+            <a:gs pos="50000">
+              <a:schemeClr val="phClr">
+                <a:satMod val="110000"/>
+                <a:lumMod val="100000"/>
+                <a:shade val="100000"/>
+              </a:schemeClr>
+            </a:gs>
+            <a:gs pos="100000">
+              <a:schemeClr val="phClr">
+                <a:lumMod val="99000"/>
+                <a:satMod val="120000"/>
+                <a:shade val="78000"/>
+              </a:schemeClr>
+            </a:gs>
+          </a:gsLst>
+          <a:lin ang="5400000" scaled="0"/>
+        </a:gradFill>
+      </a:fillStyleLst>
+      <a:lnStyleLst>
+        <a:ln w="6350" cap="flat" cmpd="sng" algn="ctr">
+          <a:solidFill>
+            <a:schemeClr val="phClr"/>
+          </a:solidFill>
+          <a:prstDash val="solid"/>
+          <a:miter lim="800000"/>
+        </a:ln>
+        <a:ln w="12700" cap="flat" cmpd="sng" algn="ctr">
+          <a:solidFill>
+            <a:schemeClr val="phClr"/>
+          </a:solidFill>
+          <a:prstDash val="solid"/>
+          <a:miter lim="800000"/>
+        </a:ln>
+        <a:ln w="19050" cap="flat" cmpd="sng" algn="ctr">
+          <a:solidFill>
+            <a:schemeClr val="phClr"/>
+          </a:solidFill>
+          <a:prstDash val="solid"/>
+          <a:miter lim="800000"/>
+        </a:ln>
+      </a:lnStyleLst>
+      <a:effectStyleLst>
+        <a:effectStyle>
+          <a:effectLst/>
+        </a:effectStyle>
+        <a:effectStyle>
+          <a:effectLst/>
+        </a:effectStyle>
+        <a:effectStyle>
+          <a:effectLst>
+            <a:outerShdw blurRad="57150" dist="19050" dir="5400000" algn="ctr" rotWithShape="0">
+              <a:srgbClr val="000000">
+                <a:alpha val="63000"/>
+              </a:srgbClr>
+            </a:outerShdw>
+          </a:effectLst>
+        </a:effectStyle>
+      </a:effectStyleLst>
+      <a:bgFillStyleLst>
+        <a:solidFill>
+          <a:schemeClr val="phClr"/>
+        </a:solidFill>
+        <a:solidFill>
+          <a:schemeClr val="phClr">
+            <a:tint val="95000"/>
+            <a:satMod val="170000"/>
+          </a:schemeClr>
+        </a:solidFill>
+        <a:gradFill rotWithShape="1">
+          <a:gsLst>
+            <a:gs pos="0">
+              <a:schemeClr val="phClr">
+                <a:tint val="93000"/>
+                <a:satMod val="150000"/>
+                <a:shade val="98000"/>
+                <a:lumMod val="102000"/>
+              </a:schemeClr>
+            </a:gs>
+            <a:gs pos="50000">
+              <a:schemeClr val="phClr">
+                <a:tint val="98000"/>
+                <a:satMod val="130000"/>
+                <a:shade val="90000"/>
+                <a:lumMod val="103000"/>
+              </a:schemeClr>
+            </a:gs>
+            <a:gs pos="100000">
+              <a:schemeClr val="phClr">
+                <a:shade val="63000"/>
+                <a:satMod val="120000"/>
+              </a:schemeClr>
+            </a:gs>
+          </a:gsLst>
+          <a:lin ang="5400000" scaled="0"/>
+        </a:gradFill>
+      </a:bgFillStyleLst>
+    </a:fmtScheme>
+  </a:themeElements>
+  <a:objectDefaults/>
+  <a:extraClrSchemeLst/>
+  <a:extLst>
+    <a:ext uri="{05A4C25C-085E-4340-85A3-A5531E510DB2}">
+      <thm15:themeFamily xmlns:thm15="http://schemas.microsoft.com/office/thememl/2012/main" name="Office Theme" id="{62F939B6-93AF-4DB8-9C6B-D6C7DFDC589F}" vid="{4A3C46E8-61CC-4603-A589-7422A47A8E4A}"/>
+    </a:ext>
+  </a:extLst>
+</a:theme>
 </file>
--- a/答辩/毕业答辩报告v2-饶开源.pptx
+++ b/答辩/毕业答辩报告v2-饶开源.pptx
@@ -487,11 +487,11 @@
           <c:showBubbleSize val="0"/>
         </c:dLbls>
         <c:gapWidth val="150"/>
-        <c:axId val="-2032983552"/>
-        <c:axId val="2134589536"/>
+        <c:axId val="-2031728608"/>
+        <c:axId val="-2031781280"/>
       </c:barChart>
       <c:catAx>
-        <c:axId val="-2032983552"/>
+        <c:axId val="-2031728608"/>
         <c:scaling>
           <c:orientation val="minMax"/>
         </c:scaling>
@@ -528,7 +528,7 @@
             <a:endParaRPr lang="en-US"/>
           </a:p>
         </c:txPr>
-        <c:crossAx val="2134589536"/>
+        <c:crossAx val="-2031781280"/>
         <c:crosses val="autoZero"/>
         <c:auto val="1"/>
         <c:lblAlgn val="ctr"/>
@@ -536,7 +536,7 @@
         <c:noMultiLvlLbl val="0"/>
       </c:catAx>
       <c:valAx>
-        <c:axId val="2134589536"/>
+        <c:axId val="-2031781280"/>
         <c:scaling>
           <c:orientation val="minMax"/>
         </c:scaling>
@@ -587,7 +587,7 @@
             <a:endParaRPr lang="en-US"/>
           </a:p>
         </c:txPr>
-        <c:crossAx val="-2032983552"/>
+        <c:crossAx val="-2031728608"/>
         <c:crosses val="autoZero"/>
         <c:crossBetween val="between"/>
       </c:valAx>
@@ -1015,11 +1015,11 @@
           <c:showBubbleSize val="0"/>
         </c:dLbls>
         <c:gapWidth val="150"/>
-        <c:axId val="-2032086128"/>
-        <c:axId val="-2034338608"/>
+        <c:axId val="2133972416"/>
+        <c:axId val="-2032175088"/>
       </c:barChart>
       <c:catAx>
-        <c:axId val="-2032086128"/>
+        <c:axId val="2133972416"/>
         <c:scaling>
           <c:orientation val="minMax"/>
         </c:scaling>
@@ -1056,7 +1056,7 @@
             <a:endParaRPr lang="en-US"/>
           </a:p>
         </c:txPr>
-        <c:crossAx val="-2034338608"/>
+        <c:crossAx val="-2032175088"/>
         <c:crosses val="autoZero"/>
         <c:auto val="1"/>
         <c:lblAlgn val="ctr"/>
@@ -1064,7 +1064,7 @@
         <c:noMultiLvlLbl val="0"/>
       </c:catAx>
       <c:valAx>
-        <c:axId val="-2034338608"/>
+        <c:axId val="-2032175088"/>
         <c:scaling>
           <c:orientation val="minMax"/>
         </c:scaling>
@@ -1115,7 +1115,7 @@
             <a:endParaRPr lang="en-US"/>
           </a:p>
         </c:txPr>
-        <c:crossAx val="-2032086128"/>
+        <c:crossAx val="2133972416"/>
         <c:crosses val="autoZero"/>
         <c:crossBetween val="between"/>
       </c:valAx>
@@ -1491,11 +1491,11 @@
           <c:showBubbleSize val="0"/>
         </c:dLbls>
         <c:gapWidth val="150"/>
-        <c:axId val="2143447456"/>
-        <c:axId val="-2140921616"/>
+        <c:axId val="-2031755440"/>
+        <c:axId val="-1904998096"/>
       </c:barChart>
       <c:catAx>
-        <c:axId val="2143447456"/>
+        <c:axId val="-2031755440"/>
         <c:scaling>
           <c:orientation val="minMax"/>
         </c:scaling>
@@ -1532,7 +1532,7 @@
             <a:endParaRPr lang="en-US"/>
           </a:p>
         </c:txPr>
-        <c:crossAx val="-2140921616"/>
+        <c:crossAx val="-1904998096"/>
         <c:crosses val="autoZero"/>
         <c:auto val="1"/>
         <c:lblAlgn val="ctr"/>
@@ -1540,7 +1540,7 @@
         <c:noMultiLvlLbl val="0"/>
       </c:catAx>
       <c:valAx>
-        <c:axId val="-2140921616"/>
+        <c:axId val="-1904998096"/>
         <c:scaling>
           <c:orientation val="minMax"/>
         </c:scaling>
@@ -1591,7 +1591,7 @@
             <a:endParaRPr lang="en-US"/>
           </a:p>
         </c:txPr>
-        <c:crossAx val="2143447456"/>
+        <c:crossAx val="-2031755440"/>
         <c:crosses val="autoZero"/>
         <c:crossBetween val="between"/>
       </c:valAx>
@@ -2232,12 +2232,12 @@
         </c:dLbls>
         <c:gapWidth val="150"/>
         <c:shape val="box"/>
-        <c:axId val="2144343968"/>
-        <c:axId val="2135221152"/>
-        <c:axId val="2054230800"/>
+        <c:axId val="-2140507776"/>
+        <c:axId val="2143265120"/>
+        <c:axId val="-2035651968"/>
       </c:bar3DChart>
       <c:catAx>
-        <c:axId val="2144343968"/>
+        <c:axId val="-2140507776"/>
         <c:scaling>
           <c:orientation val="minMax"/>
         </c:scaling>
@@ -2274,7 +2274,7 @@
             <a:endParaRPr lang="en-US"/>
           </a:p>
         </c:txPr>
-        <c:crossAx val="2135221152"/>
+        <c:crossAx val="2143265120"/>
         <c:crosses val="autoZero"/>
         <c:auto val="1"/>
         <c:lblAlgn val="ctr"/>
@@ -2282,7 +2282,7 @@
         <c:noMultiLvlLbl val="0"/>
       </c:catAx>
       <c:valAx>
-        <c:axId val="2135221152"/>
+        <c:axId val="2143265120"/>
         <c:scaling>
           <c:orientation val="minMax"/>
         </c:scaling>
@@ -2333,12 +2333,12 @@
             <a:endParaRPr lang="en-US"/>
           </a:p>
         </c:txPr>
-        <c:crossAx val="2144343968"/>
+        <c:crossAx val="-2140507776"/>
         <c:crosses val="autoZero"/>
         <c:crossBetween val="between"/>
       </c:valAx>
       <c:serAx>
-        <c:axId val="2054230800"/>
+        <c:axId val="-2035651968"/>
         <c:scaling>
           <c:orientation val="minMax"/>
         </c:scaling>
@@ -2374,7 +2374,7 @@
             <a:endParaRPr lang="en-US"/>
           </a:p>
         </c:txPr>
-        <c:crossAx val="2135221152"/>
+        <c:crossAx val="2143265120"/>
         <c:crosses val="autoZero"/>
       </c:serAx>
       <c:spPr>
@@ -2982,12 +2982,12 @@
         </c:dLbls>
         <c:gapWidth val="150"/>
         <c:shape val="box"/>
-        <c:axId val="-2042902960"/>
-        <c:axId val="-2031759792"/>
-        <c:axId val="-2035059664"/>
+        <c:axId val="-1899502448"/>
+        <c:axId val="-1899499216"/>
+        <c:axId val="-1905208832"/>
       </c:bar3DChart>
       <c:catAx>
-        <c:axId val="-2042902960"/>
+        <c:axId val="-1899502448"/>
         <c:scaling>
           <c:orientation val="minMax"/>
         </c:scaling>
@@ -3024,7 +3024,7 @@
             <a:endParaRPr lang="en-US"/>
           </a:p>
         </c:txPr>
-        <c:crossAx val="-2031759792"/>
+        <c:crossAx val="-1899499216"/>
         <c:crosses val="autoZero"/>
         <c:auto val="1"/>
         <c:lblAlgn val="ctr"/>
@@ -3032,7 +3032,7 @@
         <c:noMultiLvlLbl val="0"/>
       </c:catAx>
       <c:valAx>
-        <c:axId val="-2031759792"/>
+        <c:axId val="-1899499216"/>
         <c:scaling>
           <c:orientation val="minMax"/>
         </c:scaling>
@@ -3083,12 +3083,12 @@
             <a:endParaRPr lang="en-US"/>
           </a:p>
         </c:txPr>
-        <c:crossAx val="-2042902960"/>
+        <c:crossAx val="-1899502448"/>
         <c:crosses val="autoZero"/>
         <c:crossBetween val="between"/>
       </c:valAx>
       <c:serAx>
-        <c:axId val="-2035059664"/>
+        <c:axId val="-1905208832"/>
         <c:scaling>
           <c:orientation val="minMax"/>
         </c:scaling>
@@ -3124,7 +3124,7 @@
             <a:endParaRPr lang="en-US"/>
           </a:p>
         </c:txPr>
-        <c:crossAx val="-2031759792"/>
+        <c:crossAx val="-1899499216"/>
         <c:crosses val="autoZero"/>
       </c:serAx>
       <c:spPr>
@@ -5914,7 +5914,7 @@
           <a:p>
             <a:fld id="{9A00CECE-AC3B-E14E-8AC6-4A1B8AE0ACC8}" type="datetimeFigureOut">
               <a:rPr lang="en-US" smtClean="0"/>
-              <a:t>1/10/18</a:t>
+              <a:t>1/11/18</a:t>
             </a:fld>
             <a:endParaRPr lang="en-US"/>
           </a:p>
@@ -6092,7 +6092,7 @@
               <a:pPr>
                 <a:defRPr/>
               </a:pPr>
-              <a:t>18/1/10</a:t>
+              <a:t>18/1/11</a:t>
             </a:fld>
             <a:endParaRPr lang="zh-CN" altLang="en-US"/>
           </a:p>
@@ -20865,7 +20865,7 @@
           <a:graphicData uri="http://schemas.openxmlformats.org/presentationml/2006/ole">
             <mc:AlternateContent xmlns:mc="http://schemas.openxmlformats.org/markup-compatibility/2006">
               <mc:Choice xmlns:v="urn:schemas-microsoft-com:vml" Requires="v">
-                <p:oleObj spid="_x0000_s93219" name="Visio" r:id="rId5" imgW="3000258" imgH="5191270" progId="Visio.Drawing.15">
+                <p:oleObj spid="_x0000_s93224" name="Visio" r:id="rId5" imgW="3000258" imgH="5191270" progId="Visio.Drawing.15">
                   <p:embed/>
                 </p:oleObj>
               </mc:Choice>
@@ -23781,7 +23781,7 @@
           <a:graphicData uri="http://schemas.openxmlformats.org/presentationml/2006/ole">
             <mc:AlternateContent xmlns:mc="http://schemas.openxmlformats.org/markup-compatibility/2006">
               <mc:Choice xmlns:v="urn:schemas-microsoft-com:vml" Requires="v">
-                <p:oleObj spid="_x0000_s1041" r:id="rId4" imgW="2628900" imgH="482600" progId="Equation.DSMT4">
+                <p:oleObj spid="_x0000_s1050" r:id="rId4" imgW="2628900" imgH="482600" progId="Equation.DSMT4">
                   <p:embed/>
                 </p:oleObj>
               </mc:Choice>
@@ -23978,7 +23978,7 @@
           <a:graphicData uri="http://schemas.openxmlformats.org/presentationml/2006/ole">
             <mc:AlternateContent xmlns:mc="http://schemas.openxmlformats.org/markup-compatibility/2006">
               <mc:Choice xmlns:v="urn:schemas-microsoft-com:vml" Requires="v">
-                <p:oleObj spid="_x0000_s1042" r:id="rId6" imgW="2627759" imgH="482391" progId="Equation.KSEE3">
+                <p:oleObj spid="_x0000_s1051" r:id="rId6" imgW="2627759" imgH="482391" progId="Equation.KSEE3">
                   <p:embed/>
                 </p:oleObj>
               </mc:Choice>
@@ -25059,15 +25059,7 @@
                 <a:ea typeface="SimHei" charset="0"/>
                 <a:cs typeface="SimHei" charset="0"/>
               </a:rPr>
-              <a:t>或更</a:t>
-            </a:r>
-            <a:r>
-              <a:rPr lang="zh-CN" altLang="en-US" sz="2400" dirty="0" smtClean="0">
-                <a:latin typeface="SimHei" charset="0"/>
-                <a:ea typeface="SimHei" charset="0"/>
-                <a:cs typeface="SimHei" charset="0"/>
-              </a:rPr>
-              <a:t>低</a:t>
+              <a:t>或更低</a:t>
             </a:r>
             <a:endParaRPr lang="en-US" altLang="zh-CN" sz="2400" dirty="0">
               <a:latin typeface="SimHei" charset="0"/>
@@ -25325,8 +25317,8 @@
         </p:nvSpPr>
         <p:spPr bwMode="auto">
           <a:xfrm>
-            <a:off x="2064774" y="95483"/>
-            <a:ext cx="7079226" cy="757237"/>
+            <a:off x="2064774" y="174812"/>
+            <a:ext cx="7079226" cy="677908"/>
           </a:xfrm>
           <a:noFill/>
           <a:ln>
@@ -25816,15 +25808,7 @@
                 <a:ea typeface="SimHei" charset="0"/>
                 <a:cs typeface="SimHei" charset="0"/>
               </a:rPr>
-              <a:t>差与模拟数据相吻</a:t>
-            </a:r>
-            <a:r>
-              <a:rPr lang="zh-CN" altLang="en-US" sz="2400" dirty="0" smtClean="0">
-                <a:latin typeface="SimHei" charset="0"/>
-                <a:ea typeface="SimHei" charset="0"/>
-                <a:cs typeface="SimHei" charset="0"/>
-              </a:rPr>
-              <a:t>合</a:t>
+              <a:t>差与模拟数据相吻合</a:t>
             </a:r>
             <a:endParaRPr lang="en-US" altLang="zh-CN" sz="2400" dirty="0">
               <a:latin typeface="SimHei" charset="0"/>
@@ -25878,8 +25862,8 @@
         </p:nvSpPr>
         <p:spPr bwMode="auto">
           <a:xfrm>
-            <a:off x="1350135" y="160338"/>
-            <a:ext cx="7793865" cy="757237"/>
+            <a:off x="2057400" y="174812"/>
+            <a:ext cx="7086600" cy="742763"/>
           </a:xfrm>
           <a:noFill/>
           <a:ln>
@@ -26117,8 +26101,8 @@
         </p:nvSpPr>
         <p:spPr bwMode="auto">
           <a:xfrm>
-            <a:off x="2191870" y="274638"/>
-            <a:ext cx="6710829" cy="757237"/>
+            <a:off x="2364519" y="161365"/>
+            <a:ext cx="6710829" cy="669740"/>
           </a:xfrm>
           <a:noFill/>
           <a:ln>
@@ -26137,11 +26121,7 @@
           <a:p>
             <a:r>
               <a:rPr lang="en-US" altLang="zh-CN" b="1" dirty="0" err="1" smtClean="0"/>
-              <a:t>STGS</a:t>
-            </a:r>
-            <a:r>
-              <a:rPr lang="en-US" altLang="zh-CN" b="1" dirty="0" err="1" smtClean="0"/>
-              <a:t>技术</a:t>
+              <a:t>STGS技术</a:t>
             </a:r>
             <a:r>
               <a:rPr lang="zh-CN" altLang="en-US" b="1" dirty="0" smtClean="0"/>
@@ -26642,8 +26622,8 @@
         </p:nvSpPr>
         <p:spPr bwMode="auto">
           <a:xfrm>
-            <a:off x="1345688" y="193014"/>
-            <a:ext cx="8130209" cy="757237"/>
+            <a:off x="2070847" y="193014"/>
+            <a:ext cx="7073154" cy="757237"/>
           </a:xfrm>
           <a:prstGeom prst="rect">
             <a:avLst/>
@@ -26661,26 +26641,26 @@
           <a:p>
             <a:pPr algn="l" eaLnBrk="1" hangingPunct="1"/>
             <a:r>
-              <a:rPr lang="en-US" altLang="zh-CN" sz="2800" b="1" dirty="0" err="1" smtClean="0"/>
+              <a:rPr lang="en-US" altLang="zh-CN" b="1" dirty="0" err="1" smtClean="0"/>
               <a:t>STGS</a:t>
             </a:r>
             <a:r>
-              <a:rPr lang="en-US" altLang="zh-CN" sz="2800" b="1" dirty="0" err="1"/>
+              <a:rPr lang="en-US" altLang="zh-CN" b="1" dirty="0" err="1"/>
               <a:t>技术</a:t>
             </a:r>
             <a:r>
-              <a:rPr lang="zh-CN" altLang="en-US" sz="2800" b="1" dirty="0" smtClean="0"/>
+              <a:rPr lang="zh-CN" altLang="en-US" b="1" dirty="0" smtClean="0"/>
               <a:t>验证</a:t>
             </a:r>
             <a:r>
-              <a:rPr lang="en-US" altLang="zh-CN" sz="2800" b="1" dirty="0" smtClean="0"/>
+              <a:rPr lang="en-US" altLang="zh-CN" b="1" dirty="0" smtClean="0"/>
               <a:t>-400L</a:t>
             </a:r>
             <a:r>
-              <a:rPr lang="zh-CN" altLang="en-US" sz="2800" b="1" dirty="0" smtClean="0"/>
+              <a:rPr lang="zh-CN" altLang="en-US" b="1" dirty="0" smtClean="0"/>
               <a:t>特点</a:t>
             </a:r>
-            <a:endParaRPr kumimoji="1" lang="zh-CN" altLang="en-US" sz="2800" b="1" dirty="0" smtClean="0"/>
+            <a:endParaRPr kumimoji="1" lang="zh-CN" altLang="en-US" b="1" dirty="0" smtClean="0"/>
           </a:p>
         </p:txBody>
       </p:sp>
@@ -29019,8 +28999,8 @@
         </p:nvSpPr>
         <p:spPr>
           <a:xfrm>
-            <a:off x="4465638" y="1031875"/>
-            <a:ext cx="4221162" cy="5368925"/>
+            <a:off x="4465638" y="1235534"/>
+            <a:ext cx="4221162" cy="5165266"/>
           </a:xfrm>
         </p:spPr>
         <p:txBody>
@@ -29239,7 +29219,7 @@
             <a:graphicData uri="http://schemas.openxmlformats.org/presentationml/2006/ole">
               <mc:AlternateContent xmlns:mc="http://schemas.openxmlformats.org/markup-compatibility/2006">
                 <mc:Choice xmlns:v="urn:schemas-microsoft-com:vml" Requires="v">
-                  <p:oleObj spid="_x0000_s92455" r:id="rId5" imgW="1079500" imgH="228600" progId="Equation.DSMT4">
+                  <p:oleObj spid="_x0000_s92472" r:id="rId5" imgW="1079500" imgH="228600" progId="Equation.DSMT4">
                     <p:embed/>
                   </p:oleObj>
                 </mc:Choice>
@@ -29328,7 +29308,7 @@
             <a:graphicData uri="http://schemas.openxmlformats.org/presentationml/2006/ole">
               <mc:AlternateContent xmlns:mc="http://schemas.openxmlformats.org/markup-compatibility/2006">
                 <mc:Choice xmlns:v="urn:schemas-microsoft-com:vml" Requires="v">
-                  <p:oleObj spid="_x0000_s92456" r:id="rId7" imgW="748975" imgH="444307" progId="Equation.DSMT4">
+                  <p:oleObj spid="_x0000_s92473" r:id="rId7" imgW="748975" imgH="444307" progId="Equation.DSMT4">
                     <p:embed/>
                   </p:oleObj>
                 </mc:Choice>
@@ -29459,7 +29439,7 @@
             <a:graphicData uri="http://schemas.openxmlformats.org/presentationml/2006/ole">
               <mc:AlternateContent xmlns:mc="http://schemas.openxmlformats.org/markup-compatibility/2006">
                 <mc:Choice xmlns:v="urn:schemas-microsoft-com:vml" Requires="v">
-                  <p:oleObj spid="_x0000_s92457" r:id="rId9" imgW="837836" imgH="444307" progId="Equation.DSMT4">
+                  <p:oleObj spid="_x0000_s92474" r:id="rId9" imgW="837836" imgH="444307" progId="Equation.DSMT4">
                     <p:embed/>
                   </p:oleObj>
                 </mc:Choice>
@@ -29548,7 +29528,7 @@
             <a:graphicData uri="http://schemas.openxmlformats.org/presentationml/2006/ole">
               <mc:AlternateContent xmlns:mc="http://schemas.openxmlformats.org/markup-compatibility/2006">
                 <mc:Choice xmlns:v="urn:schemas-microsoft-com:vml" Requires="v">
-                  <p:oleObj spid="_x0000_s92458" r:id="rId11" imgW="1079500" imgH="228600" progId="Equation.DSMT4">
+                  <p:oleObj spid="_x0000_s92475" r:id="rId11" imgW="1079500" imgH="228600" progId="Equation.DSMT4">
                     <p:embed/>
                   </p:oleObj>
                 </mc:Choice>
@@ -34348,7 +34328,7 @@
                 </a:spcBef>
               </a:pPr>
               <a:r>
-                <a:rPr lang="zh-CN" altLang="en-US">
+                <a:rPr lang="zh-CN" altLang="en-US" dirty="0">
                   <a:latin typeface="Times New Roman" panose="02020603050405020304" pitchFamily="18" charset="0"/>
                   <a:ea typeface="宋体" panose="02010600030101010101" pitchFamily="2" charset="-122"/>
                 </a:rPr>
@@ -34409,7 +34389,7 @@
                 </a:spcBef>
               </a:pPr>
               <a:r>
-                <a:rPr lang="zh-CN" altLang="en-US">
+                <a:rPr lang="zh-CN" altLang="en-US" dirty="0">
                   <a:latin typeface="Times New Roman" panose="02020603050405020304" pitchFamily="18" charset="0"/>
                   <a:ea typeface="宋体" panose="02010600030101010101" pitchFamily="2" charset="-122"/>
                 </a:rPr>
@@ -34540,7 +34520,7 @@
                 <a:t>γ</a:t>
               </a:r>
               <a:r>
-                <a:rPr lang="zh-CN" altLang="en-US">
+                <a:rPr lang="zh-CN" altLang="en-US" dirty="0">
                   <a:latin typeface="Times New Roman" panose="02020603050405020304" pitchFamily="18" charset="0"/>
                   <a:ea typeface="宋体" panose="02010600030101010101" pitchFamily="2" charset="-122"/>
                 </a:rPr>
@@ -40290,7 +40270,7 @@
         <p:spPr bwMode="auto">
           <a:xfrm>
             <a:off x="1600200" y="4638606"/>
-            <a:ext cx="6378669" cy="1754326"/>
+            <a:ext cx="6686446" cy="1754326"/>
           </a:xfrm>
           <a:prstGeom prst="rect">
             <a:avLst/>
@@ -40445,7 +40425,7 @@
                 <a:ea typeface="SimHei" charset="0"/>
                 <a:cs typeface="SimHei" charset="0"/>
               </a:rPr>
-              <a:t>有效精度效率平衡</a:t>
+              <a:t>有效</a:t>
             </a:r>
             <a:r>
               <a:rPr kumimoji="1" lang="zh-CN" altLang="en-US" sz="2400" dirty="0" smtClean="0">
@@ -40453,7 +40433,15 @@
                 <a:ea typeface="SimHei" charset="0"/>
                 <a:cs typeface="SimHei" charset="0"/>
               </a:rPr>
-              <a:t>的</a:t>
+              <a:t>平衡</a:t>
+            </a:r>
+            <a:r>
+              <a:rPr kumimoji="1" lang="zh-CN" altLang="en-US" sz="2400" dirty="0" smtClean="0">
+                <a:latin typeface="SimHei" charset="0"/>
+                <a:ea typeface="SimHei" charset="0"/>
+                <a:cs typeface="SimHei" charset="0"/>
+              </a:rPr>
+              <a:t>精度、效率的</a:t>
             </a:r>
             <a:r>
               <a:rPr kumimoji="1" lang="zh-CN" altLang="en-US" sz="2400" dirty="0">
@@ -40541,8 +40529,8 @@
         </p:nvSpPr>
         <p:spPr bwMode="auto">
           <a:xfrm>
-            <a:off x="2446338" y="179388"/>
-            <a:ext cx="6215062" cy="654050"/>
+            <a:off x="2124635" y="207997"/>
+            <a:ext cx="7019365" cy="654050"/>
           </a:xfrm>
           <a:noFill/>
           <a:ln>
@@ -40712,8 +40700,8 @@
         </p:nvSpPr>
         <p:spPr bwMode="auto">
           <a:xfrm>
-            <a:off x="1630680" y="104990"/>
-            <a:ext cx="6905625" cy="757237"/>
+            <a:off x="2238375" y="174812"/>
+            <a:ext cx="6905625" cy="714309"/>
           </a:xfrm>
           <a:noFill/>
           <a:ln>
@@ -41588,7 +41576,12 @@
             <p:ph type="title"/>
           </p:nvPr>
         </p:nvSpPr>
-        <p:spPr/>
+        <p:spPr>
+          <a:xfrm>
+            <a:off x="2111188" y="179388"/>
+            <a:ext cx="7032812" cy="654050"/>
+          </a:xfrm>
+        </p:spPr>
         <p:txBody>
           <a:bodyPr/>
           <a:lstStyle/>

--- a/答辩/毕业答辩报告v2-饶开源.pptx
+++ b/答辩/毕业答辩报告v2-饶开源.pptx
@@ -192,7 +192,7 @@
 <file path=ppt/charts/chart1.xml><?xml version="1.0" encoding="utf-8"?>
 <c:chartSpace xmlns:c="http://schemas.openxmlformats.org/drawingml/2006/chart" xmlns:a="http://schemas.openxmlformats.org/drawingml/2006/main" xmlns:r="http://schemas.openxmlformats.org/officeDocument/2006/relationships">
   <c:date1904 val="0"/>
-  <c:lang val="en-US"/>
+  <c:lang val="zh-CN"/>
   <c:roundedCorners val="0"/>
   <mc:AlternateContent xmlns:mc="http://schemas.openxmlformats.org/markup-compatibility/2006">
     <mc:Choice xmlns:c14="http://schemas.microsoft.com/office/drawing/2007/8/2/chart" Requires="c14">
@@ -259,7 +259,7 @@
                     <a:cs typeface="+mn-cs"/>
                   </a:defRPr>
                 </a:pPr>
-                <a:endParaRPr lang="en-US"/>
+                <a:endParaRPr lang="zh-CN"/>
               </a:p>
             </c:txPr>
             <c:showLegendKey val="0"/>
@@ -271,7 +271,6 @@
             <c:showLeaderLines val="0"/>
             <c:extLst>
               <c:ext xmlns:c15="http://schemas.microsoft.com/office/drawing/2012/chart" uri="{CE6537A1-D6FC-4f65-9D91-7224C49458BB}">
-                <c15:layout/>
                 <c15:showLeaderLines val="1"/>
                 <c15:leaderLines>
                   <c:spPr>
@@ -335,7 +334,7 @@
                   <c:v>7.43</c:v>
                 </c:pt>
                 <c:pt idx="4">
-                  <c:v>4.649999999999998</c:v>
+                  <c:v>4.6499999999999977</c:v>
                 </c:pt>
                 <c:pt idx="5">
                   <c:v>3.49</c:v>
@@ -393,7 +392,7 @@
                     <a:cs typeface="+mn-cs"/>
                   </a:defRPr>
                 </a:pPr>
-                <a:endParaRPr lang="en-US"/>
+                <a:endParaRPr lang="zh-CN"/>
               </a:p>
             </c:txPr>
             <c:showLegendKey val="0"/>
@@ -405,7 +404,6 @@
             <c:showLeaderLines val="0"/>
             <c:extLst>
               <c:ext xmlns:c15="http://schemas.microsoft.com/office/drawing/2012/chart" uri="{CE6537A1-D6FC-4f65-9D91-7224C49458BB}">
-                <c15:layout/>
                 <c15:showLeaderLines val="1"/>
                 <c15:leaderLines>
                   <c:spPr>
@@ -466,7 +464,7 @@
                   <c:v>2.58</c:v>
                 </c:pt>
                 <c:pt idx="3">
-                  <c:v>2.18</c:v>
+                  <c:v>2.1800000000000002</c:v>
                 </c:pt>
                 <c:pt idx="4">
                   <c:v>3.28</c:v>
@@ -487,11 +485,11 @@
           <c:showBubbleSize val="0"/>
         </c:dLbls>
         <c:gapWidth val="150"/>
-        <c:axId val="-2031728608"/>
-        <c:axId val="-2031781280"/>
+        <c:axId val="-2132729200"/>
+        <c:axId val="-2132727568"/>
       </c:barChart>
       <c:catAx>
-        <c:axId val="-2031728608"/>
+        <c:axId val="-2132729200"/>
         <c:scaling>
           <c:orientation val="minMax"/>
         </c:scaling>
@@ -525,10 +523,10 @@
                 <a:cs typeface="+mn-cs"/>
               </a:defRPr>
             </a:pPr>
-            <a:endParaRPr lang="en-US"/>
+            <a:endParaRPr lang="zh-CN"/>
           </a:p>
         </c:txPr>
-        <c:crossAx val="-2031781280"/>
+        <c:crossAx val="-2132727568"/>
         <c:crosses val="autoZero"/>
         <c:auto val="1"/>
         <c:lblAlgn val="ctr"/>
@@ -536,7 +534,7 @@
         <c:noMultiLvlLbl val="0"/>
       </c:catAx>
       <c:valAx>
-        <c:axId val="-2031781280"/>
+        <c:axId val="-2132727568"/>
         <c:scaling>
           <c:orientation val="minMax"/>
         </c:scaling>
@@ -584,10 +582,10 @@
                 <a:cs typeface="+mn-cs"/>
               </a:defRPr>
             </a:pPr>
-            <a:endParaRPr lang="en-US"/>
+            <a:endParaRPr lang="zh-CN"/>
           </a:p>
         </c:txPr>
-        <c:crossAx val="-2031728608"/>
+        <c:crossAx val="-2132729200"/>
         <c:crosses val="autoZero"/>
         <c:crossBetween val="between"/>
       </c:valAx>
@@ -605,10 +603,10 @@
         <c:manualLayout>
           <c:xMode val="edge"/>
           <c:yMode val="edge"/>
-          <c:x val="0.388287401574803"/>
-          <c:y val="0.907925196850394"/>
-          <c:w val="0.26305282152231"/>
-          <c:h val="0.0663636811023622"/>
+          <c:x val="0.38828740157480301"/>
+          <c:y val="0.90792519685039397"/>
+          <c:w val="0.26305282152231002"/>
+          <c:h val="6.6363681102362196E-2"/>
         </c:manualLayout>
       </c:layout>
       <c:overlay val="0"/>
@@ -636,7 +634,7 @@
               <a:cs typeface="+mn-cs"/>
             </a:defRPr>
           </a:pPr>
-          <a:endParaRPr lang="en-US"/>
+          <a:endParaRPr lang="zh-CN"/>
         </a:p>
       </c:txPr>
     </c:legend>
@@ -660,7 +658,7 @@
           <a:latin typeface="+mn-lt"/>
         </a:defRPr>
       </a:pPr>
-      <a:endParaRPr lang="en-US"/>
+      <a:endParaRPr lang="zh-CN"/>
     </a:p>
   </c:txPr>
   <c:externalData r:id="rId3">
@@ -672,7 +670,7 @@
 <file path=ppt/charts/chart2.xml><?xml version="1.0" encoding="utf-8"?>
 <c:chartSpace xmlns:c="http://schemas.openxmlformats.org/drawingml/2006/chart" xmlns:a="http://schemas.openxmlformats.org/drawingml/2006/main" xmlns:r="http://schemas.openxmlformats.org/officeDocument/2006/relationships">
   <c:date1904 val="0"/>
-  <c:lang val="en-US"/>
+  <c:lang val="zh-CN"/>
   <c:roundedCorners val="0"/>
   <mc:AlternateContent xmlns:mc="http://schemas.openxmlformats.org/markup-compatibility/2006">
     <mc:Choice xmlns:c14="http://schemas.microsoft.com/office/drawing/2007/8/2/chart" Requires="c14">
@@ -741,7 +739,7 @@
                     <a:cs typeface="+mn-cs"/>
                   </a:defRPr>
                 </a:pPr>
-                <a:endParaRPr lang="en-US"/>
+                <a:endParaRPr lang="zh-CN"/>
               </a:p>
             </c:txPr>
             <c:showLegendKey val="0"/>
@@ -753,7 +751,6 @@
             <c:showLeaderLines val="0"/>
             <c:extLst>
               <c:ext xmlns:c15="http://schemas.microsoft.com/office/drawing/2012/chart" uri="{CE6537A1-D6FC-4f65-9D91-7224C49458BB}">
-                <c15:layout/>
                 <c15:showLeaderLines val="1"/>
                 <c15:leaderLines>
                   <c:spPr>
@@ -829,10 +826,10 @@
                   <c:v>16.91</c:v>
                 </c:pt>
                 <c:pt idx="6">
-                  <c:v>7.859999999999998</c:v>
+                  <c:v>7.8599999999999977</c:v>
                 </c:pt>
                 <c:pt idx="7">
-                  <c:v>18.9</c:v>
+                  <c:v>18.899999999999999</c:v>
                 </c:pt>
               </c:numCache>
             </c:numRef>
@@ -867,8 +864,8 @@
               <c:idx val="1"/>
               <c:layout>
                 <c:manualLayout>
-                  <c:x val="0.0117131252716442"/>
-                  <c:y val="-0.0138348484035593"/>
+                  <c:x val="1.17131252716442E-2"/>
+                  <c:y val="-1.3834848403559301E-2"/>
                 </c:manualLayout>
               </c:layout>
               <c:showLegendKey val="0"/>
@@ -878,9 +875,7 @@
               <c:showPercent val="0"/>
               <c:showBubbleSize val="0"/>
               <c:extLst>
-                <c:ext xmlns:c15="http://schemas.microsoft.com/office/drawing/2012/chart" uri="{CE6537A1-D6FC-4f65-9D91-7224C49458BB}">
-                  <c15:layout/>
-                </c:ext>
+                <c:ext xmlns:c15="http://schemas.microsoft.com/office/drawing/2012/chart" uri="{CE6537A1-D6FC-4f65-9D91-7224C49458BB}"/>
               </c:extLst>
             </c:dLbl>
             <c:spPr>
@@ -909,7 +904,7 @@
                     <a:cs typeface="+mn-cs"/>
                   </a:defRPr>
                 </a:pPr>
-                <a:endParaRPr lang="en-US"/>
+                <a:endParaRPr lang="zh-CN"/>
               </a:p>
             </c:txPr>
             <c:showLegendKey val="0"/>
@@ -921,7 +916,6 @@
             <c:showLeaderLines val="0"/>
             <c:extLst>
               <c:ext xmlns:c15="http://schemas.microsoft.com/office/drawing/2012/chart" uri="{CE6537A1-D6FC-4f65-9D91-7224C49458BB}">
-                <c15:layout/>
                 <c15:showLeaderLines val="1"/>
                 <c15:leaderLines>
                   <c:spPr>
@@ -997,7 +991,7 @@
                   <c:v>6.95</c:v>
                 </c:pt>
                 <c:pt idx="6">
-                  <c:v>7.319999999999998</c:v>
+                  <c:v>7.3199999999999976</c:v>
                 </c:pt>
                 <c:pt idx="7">
                   <c:v>5.13</c:v>
@@ -1015,11 +1009,11 @@
           <c:showBubbleSize val="0"/>
         </c:dLbls>
         <c:gapWidth val="150"/>
-        <c:axId val="2133972416"/>
-        <c:axId val="-2032175088"/>
+        <c:axId val="-2132721040"/>
+        <c:axId val="-2132720496"/>
       </c:barChart>
       <c:catAx>
-        <c:axId val="2133972416"/>
+        <c:axId val="-2132721040"/>
         <c:scaling>
           <c:orientation val="minMax"/>
         </c:scaling>
@@ -1053,10 +1047,10 @@
                 <a:cs typeface="+mn-cs"/>
               </a:defRPr>
             </a:pPr>
-            <a:endParaRPr lang="en-US"/>
+            <a:endParaRPr lang="zh-CN"/>
           </a:p>
         </c:txPr>
-        <c:crossAx val="-2032175088"/>
+        <c:crossAx val="-2132720496"/>
         <c:crosses val="autoZero"/>
         <c:auto val="1"/>
         <c:lblAlgn val="ctr"/>
@@ -1064,7 +1058,7 @@
         <c:noMultiLvlLbl val="0"/>
       </c:catAx>
       <c:valAx>
-        <c:axId val="-2032175088"/>
+        <c:axId val="-2132720496"/>
         <c:scaling>
           <c:orientation val="minMax"/>
         </c:scaling>
@@ -1112,10 +1106,10 @@
                 <a:cs typeface="+mn-cs"/>
               </a:defRPr>
             </a:pPr>
-            <a:endParaRPr lang="en-US"/>
+            <a:endParaRPr lang="zh-CN"/>
           </a:p>
         </c:txPr>
-        <c:crossAx val="2133972416"/>
+        <c:crossAx val="-2132721040"/>
         <c:crosses val="autoZero"/>
         <c:crossBetween val="between"/>
       </c:valAx>
@@ -1129,7 +1123,6 @@
     </c:plotArea>
     <c:legend>
       <c:legendPos val="b"/>
-      <c:layout/>
       <c:overlay val="0"/>
       <c:spPr>
         <a:noFill/>
@@ -1155,7 +1148,7 @@
               <a:cs typeface="+mn-cs"/>
             </a:defRPr>
           </a:pPr>
-          <a:endParaRPr lang="en-US"/>
+          <a:endParaRPr lang="zh-CN"/>
         </a:p>
       </c:txPr>
     </c:legend>
@@ -1177,7 +1170,7 @@
       <a:pPr>
         <a:defRPr/>
       </a:pPr>
-      <a:endParaRPr lang="en-US"/>
+      <a:endParaRPr lang="zh-CN"/>
     </a:p>
   </c:txPr>
   <c:externalData r:id="rId3">
@@ -1189,7 +1182,7 @@
 <file path=ppt/charts/chart3.xml><?xml version="1.0" encoding="utf-8"?>
 <c:chartSpace xmlns:c="http://schemas.openxmlformats.org/drawingml/2006/chart" xmlns:a="http://schemas.openxmlformats.org/drawingml/2006/main" xmlns:r="http://schemas.openxmlformats.org/officeDocument/2006/relationships">
   <c:date1904 val="0"/>
-  <c:lang val="en-US"/>
+  <c:lang val="zh-CN"/>
   <c:roundedCorners val="0"/>
   <mc:AlternateContent xmlns:mc="http://schemas.openxmlformats.org/markup-compatibility/2006">
     <mc:Choice xmlns:c14="http://schemas.microsoft.com/office/drawing/2007/8/2/chart" Requires="c14">
@@ -1258,7 +1251,7 @@
                     <a:cs typeface="+mn-cs"/>
                   </a:defRPr>
                 </a:pPr>
-                <a:endParaRPr lang="en-US"/>
+                <a:endParaRPr lang="zh-CN"/>
               </a:p>
             </c:txPr>
             <c:dLblPos val="outEnd"/>
@@ -1271,7 +1264,6 @@
             <c:showLeaderLines val="0"/>
             <c:extLst>
               <c:ext xmlns:c15="http://schemas.microsoft.com/office/drawing/2012/chart" uri="{CE6537A1-D6FC-4f65-9D91-7224C49458BB}">
-                <c15:layout/>
                 <c15:showLeaderLines val="1"/>
                 <c15:leaderLines>
                   <c:spPr>
@@ -1323,19 +1315,19 @@
                 <c:formatCode>0.00</c:formatCode>
                 <c:ptCount val="6"/>
                 <c:pt idx="0">
-                  <c:v>0.587301587301587</c:v>
+                  <c:v>0.58730158730158699</c:v>
                 </c:pt>
                 <c:pt idx="1">
-                  <c:v>0.449275362318841</c:v>
+                  <c:v>0.44927536231884102</c:v>
                 </c:pt>
                 <c:pt idx="2">
-                  <c:v>0.14</c:v>
+                  <c:v>0.14000000000000001</c:v>
                 </c:pt>
                 <c:pt idx="3">
-                  <c:v>0.176470588235294</c:v>
+                  <c:v>0.17647058823529399</c:v>
                 </c:pt>
                 <c:pt idx="4">
-                  <c:v>0.136363636363636</c:v>
+                  <c:v>0.13636363636363599</c:v>
                 </c:pt>
                 <c:pt idx="5">
                   <c:v>0.03</c:v>
@@ -1395,7 +1387,7 @@
                     <a:cs typeface="+mn-cs"/>
                   </a:defRPr>
                 </a:pPr>
-                <a:endParaRPr lang="en-US"/>
+                <a:endParaRPr lang="zh-CN"/>
               </a:p>
             </c:txPr>
             <c:dLblPos val="outEnd"/>
@@ -1408,7 +1400,6 @@
             <c:showLeaderLines val="0"/>
             <c:extLst>
               <c:ext xmlns:c15="http://schemas.microsoft.com/office/drawing/2012/chart" uri="{CE6537A1-D6FC-4f65-9D91-7224C49458BB}">
-                <c15:layout/>
                 <c15:showLeaderLines val="1"/>
                 <c15:leaderLines>
                   <c:spPr>
@@ -1460,22 +1451,22 @@
                 <c:formatCode>0.00</c:formatCode>
                 <c:ptCount val="6"/>
                 <c:pt idx="0">
-                  <c:v>0.0638297872340425</c:v>
+                  <c:v>6.3829787234042507E-2</c:v>
                 </c:pt>
                 <c:pt idx="1">
-                  <c:v>0.0526315789473684</c:v>
+                  <c:v>5.2631578947368397E-2</c:v>
                 </c:pt>
                 <c:pt idx="2">
-                  <c:v>0.0309278350515465</c:v>
+                  <c:v>3.09278350515465E-2</c:v>
                 </c:pt>
                 <c:pt idx="3">
-                  <c:v>0.0989010989010987</c:v>
+                  <c:v>9.8901098901098702E-2</c:v>
                 </c:pt>
                 <c:pt idx="4">
-                  <c:v>0.0869565217391304</c:v>
+                  <c:v>8.6956521739130405E-2</c:v>
                 </c:pt>
                 <c:pt idx="5">
-                  <c:v>0.0638297872340425</c:v>
+                  <c:v>6.3829787234042507E-2</c:v>
                 </c:pt>
               </c:numCache>
             </c:numRef>
@@ -1491,11 +1482,11 @@
           <c:showBubbleSize val="0"/>
         </c:dLbls>
         <c:gapWidth val="150"/>
-        <c:axId val="-2031755440"/>
-        <c:axId val="-1904998096"/>
+        <c:axId val="-226199936"/>
+        <c:axId val="-1935122608"/>
       </c:barChart>
       <c:catAx>
-        <c:axId val="-2031755440"/>
+        <c:axId val="-226199936"/>
         <c:scaling>
           <c:orientation val="minMax"/>
         </c:scaling>
@@ -1529,10 +1520,10 @@
                 <a:cs typeface="+mn-cs"/>
               </a:defRPr>
             </a:pPr>
-            <a:endParaRPr lang="en-US"/>
+            <a:endParaRPr lang="zh-CN"/>
           </a:p>
         </c:txPr>
-        <c:crossAx val="-1904998096"/>
+        <c:crossAx val="-1935122608"/>
         <c:crosses val="autoZero"/>
         <c:auto val="1"/>
         <c:lblAlgn val="ctr"/>
@@ -1540,7 +1531,7 @@
         <c:noMultiLvlLbl val="0"/>
       </c:catAx>
       <c:valAx>
-        <c:axId val="-1904998096"/>
+        <c:axId val="-1935122608"/>
         <c:scaling>
           <c:orientation val="minMax"/>
         </c:scaling>
@@ -1588,10 +1579,10 @@
                 <a:cs typeface="+mn-cs"/>
               </a:defRPr>
             </a:pPr>
-            <a:endParaRPr lang="en-US"/>
+            <a:endParaRPr lang="zh-CN"/>
           </a:p>
         </c:txPr>
-        <c:crossAx val="-2031755440"/>
+        <c:crossAx val="-226199936"/>
         <c:crosses val="autoZero"/>
         <c:crossBetween val="between"/>
       </c:valAx>
@@ -1605,7 +1596,6 @@
     </c:plotArea>
     <c:legend>
       <c:legendPos val="b"/>
-      <c:layout/>
       <c:overlay val="0"/>
       <c:spPr>
         <a:noFill/>
@@ -1631,7 +1621,7 @@
               <a:cs typeface="+mn-cs"/>
             </a:defRPr>
           </a:pPr>
-          <a:endParaRPr lang="en-US"/>
+          <a:endParaRPr lang="zh-CN"/>
         </a:p>
       </c:txPr>
     </c:legend>
@@ -1653,7 +1643,7 @@
       <a:pPr>
         <a:defRPr/>
       </a:pPr>
-      <a:endParaRPr lang="en-US"/>
+      <a:endParaRPr lang="zh-CN"/>
     </a:p>
   </c:txPr>
   <c:externalData r:id="rId3">
@@ -1665,7 +1655,7 @@
 <file path=ppt/charts/chart4.xml><?xml version="1.0" encoding="utf-8"?>
 <c:chartSpace xmlns:c="http://schemas.openxmlformats.org/drawingml/2006/chart" xmlns:a="http://schemas.openxmlformats.org/drawingml/2006/main" xmlns:r="http://schemas.openxmlformats.org/officeDocument/2006/relationships">
   <c:date1904 val="0"/>
-  <c:lang val="en-US"/>
+  <c:lang val="zh-CN"/>
   <c:roundedCorners val="0"/>
   <mc:AlternateContent xmlns:mc="http://schemas.openxmlformats.org/markup-compatibility/2006">
     <mc:Choice xmlns:c14="http://schemas.microsoft.com/office/drawing/2007/8/2/chart" Requires="c14">
@@ -1774,7 +1764,7 @@
                     <a:cs typeface="+mn-cs"/>
                   </a:defRPr>
                 </a:pPr>
-                <a:endParaRPr lang="en-US"/>
+                <a:endParaRPr lang="zh-CN"/>
               </a:p>
             </c:txPr>
             <c:showLegendKey val="0"/>
@@ -1786,7 +1776,6 @@
             <c:showLeaderLines val="0"/>
             <c:extLst>
               <c:ext xmlns:c15="http://schemas.microsoft.com/office/drawing/2012/chart" uri="{CE6537A1-D6FC-4f65-9D91-7224C49458BB}">
-                <c15:layout/>
                 <c15:showLeaderLines val="1"/>
                 <c15:leaderLines>
                   <c:spPr>
@@ -1835,13 +1824,13 @@
                   <c:v>0.64</c:v>
                 </c:pt>
                 <c:pt idx="1">
-                  <c:v>0.14</c:v>
+                  <c:v>0.14000000000000001</c:v>
                 </c:pt>
                 <c:pt idx="2">
                   <c:v>0.32</c:v>
                 </c:pt>
                 <c:pt idx="3">
-                  <c:v>0.0800000000000001</c:v>
+                  <c:v>8.0000000000000099E-2</c:v>
                 </c:pt>
               </c:numCache>
             </c:numRef>
@@ -1899,7 +1888,7 @@
                     <a:cs typeface="+mn-cs"/>
                   </a:defRPr>
                 </a:pPr>
-                <a:endParaRPr lang="en-US"/>
+                <a:endParaRPr lang="zh-CN"/>
               </a:p>
             </c:txPr>
             <c:showLegendKey val="0"/>
@@ -1911,7 +1900,6 @@
             <c:showLeaderLines val="0"/>
             <c:extLst>
               <c:ext xmlns:c15="http://schemas.microsoft.com/office/drawing/2012/chart" uri="{CE6537A1-D6FC-4f65-9D91-7224C49458BB}">
-                <c15:layout/>
                 <c15:showLeaderLines val="1"/>
                 <c15:leaderLines>
                   <c:spPr>
@@ -1960,7 +1948,7 @@
                   <c:v>0.3</c:v>
                 </c:pt>
                 <c:pt idx="1">
-                  <c:v>0.0800000000000001</c:v>
+                  <c:v>8.0000000000000099E-2</c:v>
                 </c:pt>
                 <c:pt idx="2">
                   <c:v>0.15</c:v>
@@ -2024,7 +2012,7 @@
                     <a:cs typeface="+mn-cs"/>
                   </a:defRPr>
                 </a:pPr>
-                <a:endParaRPr lang="en-US"/>
+                <a:endParaRPr lang="zh-CN"/>
               </a:p>
             </c:txPr>
             <c:showLegendKey val="0"/>
@@ -2036,7 +2024,6 @@
             <c:showLeaderLines val="0"/>
             <c:extLst>
               <c:ext xmlns:c15="http://schemas.microsoft.com/office/drawing/2012/chart" uri="{CE6537A1-D6FC-4f65-9D91-7224C49458BB}">
-                <c15:layout/>
                 <c15:showLeaderLines val="1"/>
                 <c15:leaderLines>
                   <c:spPr>
@@ -2085,7 +2072,7 @@
                   <c:v>1.48</c:v>
                 </c:pt>
                 <c:pt idx="1">
-                  <c:v>0.28</c:v>
+                  <c:v>0.28000000000000003</c:v>
                 </c:pt>
                 <c:pt idx="2">
                   <c:v>0.89</c:v>
@@ -2149,7 +2136,7 @@
                     <a:cs typeface="+mn-cs"/>
                   </a:defRPr>
                 </a:pPr>
-                <a:endParaRPr lang="en-US"/>
+                <a:endParaRPr lang="zh-CN"/>
               </a:p>
             </c:txPr>
             <c:showLegendKey val="0"/>
@@ -2161,7 +2148,6 @@
             <c:showLeaderLines val="0"/>
             <c:extLst>
               <c:ext xmlns:c15="http://schemas.microsoft.com/office/drawing/2012/chart" uri="{CE6537A1-D6FC-4f65-9D91-7224C49458BB}">
-                <c15:layout/>
                 <c15:showLeaderLines val="1"/>
                 <c15:leaderLines>
                   <c:spPr>
@@ -2232,12 +2218,12 @@
         </c:dLbls>
         <c:gapWidth val="150"/>
         <c:shape val="box"/>
-        <c:axId val="-2140507776"/>
-        <c:axId val="2143265120"/>
-        <c:axId val="-2035651968"/>
+        <c:axId val="-1935132944"/>
+        <c:axId val="-1935129680"/>
+        <c:axId val="-2061802352"/>
       </c:bar3DChart>
       <c:catAx>
-        <c:axId val="-2140507776"/>
+        <c:axId val="-1935132944"/>
         <c:scaling>
           <c:orientation val="minMax"/>
         </c:scaling>
@@ -2271,10 +2257,10 @@
                 <a:cs typeface="+mn-cs"/>
               </a:defRPr>
             </a:pPr>
-            <a:endParaRPr lang="en-US"/>
+            <a:endParaRPr lang="zh-CN"/>
           </a:p>
         </c:txPr>
-        <c:crossAx val="2143265120"/>
+        <c:crossAx val="-1935129680"/>
         <c:crosses val="autoZero"/>
         <c:auto val="1"/>
         <c:lblAlgn val="ctr"/>
@@ -2282,7 +2268,7 @@
         <c:noMultiLvlLbl val="0"/>
       </c:catAx>
       <c:valAx>
-        <c:axId val="2143265120"/>
+        <c:axId val="-1935129680"/>
         <c:scaling>
           <c:orientation val="minMax"/>
         </c:scaling>
@@ -2330,15 +2316,15 @@
                 <a:cs typeface="+mn-cs"/>
               </a:defRPr>
             </a:pPr>
-            <a:endParaRPr lang="en-US"/>
+            <a:endParaRPr lang="zh-CN"/>
           </a:p>
         </c:txPr>
-        <c:crossAx val="-2140507776"/>
+        <c:crossAx val="-1935132944"/>
         <c:crosses val="autoZero"/>
         <c:crossBetween val="between"/>
       </c:valAx>
       <c:serAx>
-        <c:axId val="-2035651968"/>
+        <c:axId val="-2061802352"/>
         <c:scaling>
           <c:orientation val="minMax"/>
         </c:scaling>
@@ -2371,10 +2357,10 @@
                 <a:cs typeface="+mn-cs"/>
               </a:defRPr>
             </a:pPr>
-            <a:endParaRPr lang="en-US"/>
+            <a:endParaRPr lang="zh-CN"/>
           </a:p>
         </c:txPr>
-        <c:crossAx val="2143265120"/>
+        <c:crossAx val="-1935129680"/>
         <c:crosses val="autoZero"/>
       </c:serAx>
       <c:spPr>
@@ -2403,7 +2389,7 @@
       <a:pPr>
         <a:defRPr/>
       </a:pPr>
-      <a:endParaRPr lang="en-US"/>
+      <a:endParaRPr lang="zh-CN"/>
     </a:p>
   </c:txPr>
   <c:externalData r:id="rId3">
@@ -2415,7 +2401,7 @@
 <file path=ppt/charts/chart5.xml><?xml version="1.0" encoding="utf-8"?>
 <c:chartSpace xmlns:c="http://schemas.openxmlformats.org/drawingml/2006/chart" xmlns:a="http://schemas.openxmlformats.org/drawingml/2006/main" xmlns:r="http://schemas.openxmlformats.org/officeDocument/2006/relationships">
   <c:date1904 val="0"/>
-  <c:lang val="en-US"/>
+  <c:lang val="zh-CN"/>
   <c:roundedCorners val="0"/>
   <mc:AlternateContent xmlns:mc="http://schemas.openxmlformats.org/markup-compatibility/2006">
     <mc:Choice xmlns:c14="http://schemas.microsoft.com/office/drawing/2007/8/2/chart" Requires="c14">
@@ -2524,7 +2510,7 @@
                     <a:cs typeface="+mn-cs"/>
                   </a:defRPr>
                 </a:pPr>
-                <a:endParaRPr lang="en-US"/>
+                <a:endParaRPr lang="zh-CN"/>
               </a:p>
             </c:txPr>
             <c:showLegendKey val="0"/>
@@ -2536,7 +2522,6 @@
             <c:showLeaderLines val="0"/>
             <c:extLst>
               <c:ext xmlns:c15="http://schemas.microsoft.com/office/drawing/2012/chart" uri="{CE6537A1-D6FC-4f65-9D91-7224C49458BB}">
-                <c15:layout/>
                 <c15:showLeaderLines val="1"/>
                 <c15:leaderLines>
                   <c:spPr>
@@ -2591,7 +2576,7 @@
                   <c:v>0.51</c:v>
                 </c:pt>
                 <c:pt idx="3">
-                  <c:v>0.14</c:v>
+                  <c:v>0.14000000000000001</c:v>
                 </c:pt>
               </c:numCache>
             </c:numRef>
@@ -2649,7 +2634,7 @@
                     <a:cs typeface="+mn-cs"/>
                   </a:defRPr>
                 </a:pPr>
-                <a:endParaRPr lang="en-US"/>
+                <a:endParaRPr lang="zh-CN"/>
               </a:p>
             </c:txPr>
             <c:showLegendKey val="0"/>
@@ -2661,7 +2646,6 @@
             <c:showLeaderLines val="0"/>
             <c:extLst>
               <c:ext xmlns:c15="http://schemas.microsoft.com/office/drawing/2012/chart" uri="{CE6537A1-D6FC-4f65-9D91-7224C49458BB}">
-                <c15:layout/>
                 <c15:showLeaderLines val="1"/>
                 <c15:leaderLines>
                   <c:spPr>
@@ -2707,7 +2691,7 @@
                 <c:formatCode>General</c:formatCode>
                 <c:ptCount val="4"/>
                 <c:pt idx="0">
-                  <c:v>0.58</c:v>
+                  <c:v>0.57999999999999996</c:v>
                 </c:pt>
                 <c:pt idx="1">
                   <c:v>0.1</c:v>
@@ -2774,7 +2758,7 @@
                     <a:cs typeface="+mn-cs"/>
                   </a:defRPr>
                 </a:pPr>
-                <a:endParaRPr lang="en-US"/>
+                <a:endParaRPr lang="zh-CN"/>
               </a:p>
             </c:txPr>
             <c:showLegendKey val="0"/>
@@ -2786,7 +2770,6 @@
             <c:showLeaderLines val="0"/>
             <c:extLst>
               <c:ext xmlns:c15="http://schemas.microsoft.com/office/drawing/2012/chart" uri="{CE6537A1-D6FC-4f65-9D91-7224C49458BB}">
-                <c15:layout/>
                 <c15:showLeaderLines val="1"/>
                 <c15:leaderLines>
                   <c:spPr>
@@ -2899,7 +2882,7 @@
                     <a:cs typeface="+mn-cs"/>
                   </a:defRPr>
                 </a:pPr>
-                <a:endParaRPr lang="en-US"/>
+                <a:endParaRPr lang="zh-CN"/>
               </a:p>
             </c:txPr>
             <c:showLegendKey val="0"/>
@@ -2911,7 +2894,6 @@
             <c:showLeaderLines val="0"/>
             <c:extLst>
               <c:ext xmlns:c15="http://schemas.microsoft.com/office/drawing/2012/chart" uri="{CE6537A1-D6FC-4f65-9D91-7224C49458BB}">
-                <c15:layout/>
                 <c15:showLeaderLines val="1"/>
                 <c15:leaderLines>
                   <c:spPr>
@@ -2960,7 +2942,7 @@
                   <c:v>1.53</c:v>
                 </c:pt>
                 <c:pt idx="1">
-                  <c:v>0.29</c:v>
+                  <c:v>0.28999999999999998</c:v>
                 </c:pt>
                 <c:pt idx="2">
                   <c:v>0.91</c:v>
@@ -2982,12 +2964,12 @@
         </c:dLbls>
         <c:gapWidth val="150"/>
         <c:shape val="box"/>
-        <c:axId val="-1899502448"/>
-        <c:axId val="-1899499216"/>
-        <c:axId val="-1905208832"/>
+        <c:axId val="-1935127504"/>
+        <c:axId val="-1935121520"/>
+        <c:axId val="-2061801728"/>
       </c:bar3DChart>
       <c:catAx>
-        <c:axId val="-1899502448"/>
+        <c:axId val="-1935127504"/>
         <c:scaling>
           <c:orientation val="minMax"/>
         </c:scaling>
@@ -3021,10 +3003,10 @@
                 <a:cs typeface="+mn-cs"/>
               </a:defRPr>
             </a:pPr>
-            <a:endParaRPr lang="en-US"/>
+            <a:endParaRPr lang="zh-CN"/>
           </a:p>
         </c:txPr>
-        <c:crossAx val="-1899499216"/>
+        <c:crossAx val="-1935121520"/>
         <c:crosses val="autoZero"/>
         <c:auto val="1"/>
         <c:lblAlgn val="ctr"/>
@@ -3032,7 +3014,7 @@
         <c:noMultiLvlLbl val="0"/>
       </c:catAx>
       <c:valAx>
-        <c:axId val="-1899499216"/>
+        <c:axId val="-1935121520"/>
         <c:scaling>
           <c:orientation val="minMax"/>
         </c:scaling>
@@ -3080,15 +3062,15 @@
                 <a:cs typeface="+mn-cs"/>
               </a:defRPr>
             </a:pPr>
-            <a:endParaRPr lang="en-US"/>
+            <a:endParaRPr lang="zh-CN"/>
           </a:p>
         </c:txPr>
-        <c:crossAx val="-1899502448"/>
+        <c:crossAx val="-1935127504"/>
         <c:crosses val="autoZero"/>
         <c:crossBetween val="between"/>
       </c:valAx>
       <c:serAx>
-        <c:axId val="-1905208832"/>
+        <c:axId val="-2061801728"/>
         <c:scaling>
           <c:orientation val="minMax"/>
         </c:scaling>
@@ -3121,10 +3103,10 @@
                 <a:cs typeface="+mn-cs"/>
               </a:defRPr>
             </a:pPr>
-            <a:endParaRPr lang="en-US"/>
+            <a:endParaRPr lang="zh-CN"/>
           </a:p>
         </c:txPr>
-        <c:crossAx val="-1899499216"/>
+        <c:crossAx val="-1935121520"/>
         <c:crosses val="autoZero"/>
       </c:serAx>
       <c:spPr>
@@ -3153,7 +3135,7 @@
       <a:pPr>
         <a:defRPr/>
       </a:pPr>
-      <a:endParaRPr lang="en-US"/>
+      <a:endParaRPr lang="zh-CN"/>
     </a:p>
   </c:txPr>
   <c:externalData r:id="rId3">
@@ -5914,7 +5896,7 @@
           <a:p>
             <a:fld id="{9A00CECE-AC3B-E14E-8AC6-4A1B8AE0ACC8}" type="datetimeFigureOut">
               <a:rPr lang="en-US" smtClean="0"/>
-              <a:t>1/11/18</a:t>
+              <a:t>1/11/2018</a:t>
             </a:fld>
             <a:endParaRPr lang="en-US"/>
           </a:p>
@@ -6092,7 +6074,7 @@
               <a:pPr>
                 <a:defRPr/>
               </a:pPr>
-              <a:t>18/1/11</a:t>
+              <a:t>2018/1/11</a:t>
             </a:fld>
             <a:endParaRPr lang="zh-CN" altLang="en-US"/>
           </a:p>
@@ -7257,7 +7239,7 @@
               </a14:hiddenLine>
             </a:ext>
             <a:ext uri="{FAA26D3D-D897-4be2-8F04-BA451C77F1D7}">
-              <ma14:placeholderFlag xmlns:ma14="http://schemas.microsoft.com/office/mac/drawingml/2011/main" val="1"/>
+              <ma14:placeholderFlag xmlns:ma14="http://schemas.microsoft.com/office/mac/drawingml/2011/main" xmlns="" val="1"/>
             </a:ext>
           </a:extLst>
         </p:spPr>
@@ -20865,12 +20847,12 @@
           <a:graphicData uri="http://schemas.openxmlformats.org/presentationml/2006/ole">
             <mc:AlternateContent xmlns:mc="http://schemas.openxmlformats.org/markup-compatibility/2006">
               <mc:Choice xmlns:v="urn:schemas-microsoft-com:vml" Requires="v">
-                <p:oleObj spid="_x0000_s93224" name="Visio" r:id="rId5" imgW="3000258" imgH="5191270" progId="Visio.Drawing.15">
+                <p:oleObj spid="_x0000_s93225" name="Visio" r:id="rId6" imgW="3000258" imgH="5191270" progId="Visio.Drawing.15">
                   <p:embed/>
                 </p:oleObj>
               </mc:Choice>
               <mc:Fallback>
-                <p:oleObj name="Visio" r:id="rId5" imgW="3000258" imgH="5191270" progId="Visio.Drawing.15">
+                <p:oleObj name="Visio" r:id="rId6" imgW="3000258" imgH="5191270" progId="Visio.Drawing.15">
                   <p:embed/>
                   <p:pic>
                     <p:nvPicPr>
@@ -20881,7 +20863,7 @@
                       <p:nvPr/>
                     </p:nvPicPr>
                     <p:blipFill>
-                      <a:blip r:embed="rId6">
+                      <a:blip r:embed="rId7">
                         <a:extLst>
                           <a:ext uri="{28A0092B-C50C-407E-A947-70E740481C1C}">
                             <a14:useLocalDpi xmlns:a14="http://schemas.microsoft.com/office/drawing/2010/main" val="0"/>
@@ -23781,7 +23763,7 @@
           <a:graphicData uri="http://schemas.openxmlformats.org/presentationml/2006/ole">
             <mc:AlternateContent xmlns:mc="http://schemas.openxmlformats.org/markup-compatibility/2006">
               <mc:Choice xmlns:v="urn:schemas-microsoft-com:vml" Requires="v">
-                <p:oleObj spid="_x0000_s1050" r:id="rId4" imgW="2628900" imgH="482600" progId="Equation.DSMT4">
+                <p:oleObj spid="_x0000_s1052" r:id="rId4" imgW="2628900" imgH="482600" progId="Equation.DSMT4">
                   <p:embed/>
                 </p:oleObj>
               </mc:Choice>
@@ -23978,7 +23960,7 @@
           <a:graphicData uri="http://schemas.openxmlformats.org/presentationml/2006/ole">
             <mc:AlternateContent xmlns:mc="http://schemas.openxmlformats.org/markup-compatibility/2006">
               <mc:Choice xmlns:v="urn:schemas-microsoft-com:vml" Requires="v">
-                <p:oleObj spid="_x0000_s1051" r:id="rId6" imgW="2627759" imgH="482391" progId="Equation.KSEE3">
+                <p:oleObj spid="_x0000_s1053" r:id="rId6" imgW="2627759" imgH="482391" progId="Equation.KSEE3">
                   <p:embed/>
                 </p:oleObj>
               </mc:Choice>
@@ -26998,11 +26980,11 @@
   <p:clrMapOvr>
     <a:masterClrMapping/>
   </p:clrMapOvr>
-  <mc:AlternateContent xmlns:mc="http://schemas.openxmlformats.org/markup-compatibility/2006">
-    <mc:Choice xmlns:p14="http://schemas.microsoft.com/office/powerpoint/2010/main" Requires="p14">
+  <mc:AlternateContent xmlns:mc="http://schemas.openxmlformats.org/markup-compatibility/2006" xmlns:p14="http://schemas.microsoft.com/office/powerpoint/2010/main">
+    <mc:Choice Requires="p14">
       <p:transition spd="slow" p14:dur="2000"/>
     </mc:Choice>
-    <mc:Fallback>
+    <mc:Fallback xmlns="">
       <p:transition spd="slow"/>
     </mc:Fallback>
   </mc:AlternateContent>
@@ -29219,7 +29201,7 @@
             <a:graphicData uri="http://schemas.openxmlformats.org/presentationml/2006/ole">
               <mc:AlternateContent xmlns:mc="http://schemas.openxmlformats.org/markup-compatibility/2006">
                 <mc:Choice xmlns:v="urn:schemas-microsoft-com:vml" Requires="v">
-                  <p:oleObj spid="_x0000_s92472" r:id="rId5" imgW="1079500" imgH="228600" progId="Equation.DSMT4">
+                  <p:oleObj spid="_x0000_s92476" r:id="rId5" imgW="1079500" imgH="228600" progId="Equation.DSMT4">
                     <p:embed/>
                   </p:oleObj>
                 </mc:Choice>
@@ -29308,7 +29290,7 @@
             <a:graphicData uri="http://schemas.openxmlformats.org/presentationml/2006/ole">
               <mc:AlternateContent xmlns:mc="http://schemas.openxmlformats.org/markup-compatibility/2006">
                 <mc:Choice xmlns:v="urn:schemas-microsoft-com:vml" Requires="v">
-                  <p:oleObj spid="_x0000_s92473" r:id="rId7" imgW="748975" imgH="444307" progId="Equation.DSMT4">
+                  <p:oleObj spid="_x0000_s92477" r:id="rId7" imgW="748975" imgH="444307" progId="Equation.DSMT4">
                     <p:embed/>
                   </p:oleObj>
                 </mc:Choice>
@@ -29439,7 +29421,7 @@
             <a:graphicData uri="http://schemas.openxmlformats.org/presentationml/2006/ole">
               <mc:AlternateContent xmlns:mc="http://schemas.openxmlformats.org/markup-compatibility/2006">
                 <mc:Choice xmlns:v="urn:schemas-microsoft-com:vml" Requires="v">
-                  <p:oleObj spid="_x0000_s92474" r:id="rId9" imgW="837836" imgH="444307" progId="Equation.DSMT4">
+                  <p:oleObj spid="_x0000_s92478" r:id="rId9" imgW="837836" imgH="444307" progId="Equation.DSMT4">
                     <p:embed/>
                   </p:oleObj>
                 </mc:Choice>
@@ -29528,7 +29510,7 @@
             <a:graphicData uri="http://schemas.openxmlformats.org/presentationml/2006/ole">
               <mc:AlternateContent xmlns:mc="http://schemas.openxmlformats.org/markup-compatibility/2006">
                 <mc:Choice xmlns:v="urn:schemas-microsoft-com:vml" Requires="v">
-                  <p:oleObj spid="_x0000_s92475" r:id="rId11" imgW="1079500" imgH="228600" progId="Equation.DSMT4">
+                  <p:oleObj spid="_x0000_s92479" r:id="rId11" imgW="1079500" imgH="228600" progId="Equation.DSMT4">
                     <p:embed/>
                   </p:oleObj>
                 </mc:Choice>
@@ -33058,11 +33040,11 @@
   <p:clrMapOvr>
     <a:masterClrMapping/>
   </p:clrMapOvr>
-  <mc:AlternateContent xmlns:mc="http://schemas.openxmlformats.org/markup-compatibility/2006">
-    <mc:Choice xmlns:p14="http://schemas.microsoft.com/office/powerpoint/2010/main" Requires="p14">
+  <mc:AlternateContent xmlns:mc="http://schemas.openxmlformats.org/markup-compatibility/2006" xmlns:p14="http://schemas.microsoft.com/office/powerpoint/2010/main">
+    <mc:Choice Requires="p14">
       <p:transition spd="slow" p14:dur="2000"/>
     </mc:Choice>
-    <mc:Fallback>
+    <mc:Fallback xmlns="">
       <p:transition spd="slow"/>
     </mc:Fallback>
   </mc:AlternateContent>
@@ -40425,23 +40407,7 @@
                 <a:ea typeface="SimHei" charset="0"/>
                 <a:cs typeface="SimHei" charset="0"/>
               </a:rPr>
-              <a:t>有效</a:t>
-            </a:r>
-            <a:r>
-              <a:rPr kumimoji="1" lang="zh-CN" altLang="en-US" sz="2400" dirty="0" smtClean="0">
-                <a:latin typeface="SimHei" charset="0"/>
-                <a:ea typeface="SimHei" charset="0"/>
-                <a:cs typeface="SimHei" charset="0"/>
-              </a:rPr>
-              <a:t>平衡</a:t>
-            </a:r>
-            <a:r>
-              <a:rPr kumimoji="1" lang="zh-CN" altLang="en-US" sz="2400" dirty="0" smtClean="0">
-                <a:latin typeface="SimHei" charset="0"/>
-                <a:ea typeface="SimHei" charset="0"/>
-                <a:cs typeface="SimHei" charset="0"/>
-              </a:rPr>
-              <a:t>精度、效率的</a:t>
+              <a:t>有效平衡精度、效率的</a:t>
             </a:r>
             <a:r>
               <a:rPr kumimoji="1" lang="zh-CN" altLang="en-US" sz="2400" dirty="0">
@@ -41998,6 +41964,13 @@
               <a:buFont typeface="Arial" panose="020B0604020202020204" pitchFamily="34" charset="0"/>
               <a:buChar char="•"/>
             </a:pPr>
+            <a:endParaRPr lang="en-US" altLang="zh-CN" sz="2000" dirty="0" smtClean="0"/>
+          </a:p>
+          <a:p>
+            <a:pPr marL="922337" lvl="1" indent="-457200">
+              <a:buFont typeface="Arial" panose="020B0604020202020204" pitchFamily="34" charset="0"/>
+              <a:buChar char="•"/>
+            </a:pPr>
             <a:endParaRPr lang="zh-CN" altLang="en-US" sz="2000" dirty="0"/>
           </a:p>
           <a:p>
@@ -42045,6 +42018,38 @@
           </a:p>
         </p:txBody>
       </p:sp>
+      <p:pic>
+        <p:nvPicPr>
+          <p:cNvPr id="6" name="图片 1"/>
+          <p:cNvPicPr>
+            <a:picLocks noChangeAspect="1"/>
+          </p:cNvPicPr>
+          <p:nvPr/>
+        </p:nvPicPr>
+        <p:blipFill>
+          <a:blip r:embed="rId3"/>
+          <a:srcRect/>
+          <a:stretch>
+            <a:fillRect/>
+          </a:stretch>
+        </p:blipFill>
+        <p:spPr bwMode="auto">
+          <a:xfrm>
+            <a:off x="4673600" y="2515393"/>
+            <a:ext cx="2306637" cy="2238375"/>
+          </a:xfrm>
+          <a:prstGeom prst="rect">
+            <a:avLst/>
+          </a:prstGeom>
+          <a:noFill/>
+          <a:ln w="9525">
+            <a:noFill/>
+            <a:miter lim="800000"/>
+            <a:headEnd/>
+            <a:tailEnd/>
+          </a:ln>
+        </p:spPr>
+      </p:pic>
     </p:spTree>
   </p:cSld>
   <p:clrMapOvr>

--- a/答辩/毕业答辩报告v2-饶开源.pptx
+++ b/答辩/毕业答辩报告v2-饶开源.pptx
@@ -31,16 +31,16 @@
     <p:sldId id="304" r:id="rId19"/>
     <p:sldId id="305" r:id="rId20"/>
     <p:sldId id="298" r:id="rId21"/>
-    <p:sldId id="310" r:id="rId22"/>
-    <p:sldId id="297" r:id="rId23"/>
-    <p:sldId id="299" r:id="rId24"/>
-    <p:sldId id="300" r:id="rId25"/>
-    <p:sldId id="301" r:id="rId26"/>
-    <p:sldId id="321" r:id="rId27"/>
-    <p:sldId id="311" r:id="rId28"/>
-    <p:sldId id="322" r:id="rId29"/>
-    <p:sldId id="307" r:id="rId30"/>
-    <p:sldId id="302" r:id="rId31"/>
+    <p:sldId id="297" r:id="rId22"/>
+    <p:sldId id="299" r:id="rId23"/>
+    <p:sldId id="300" r:id="rId24"/>
+    <p:sldId id="301" r:id="rId25"/>
+    <p:sldId id="321" r:id="rId26"/>
+    <p:sldId id="311" r:id="rId27"/>
+    <p:sldId id="322" r:id="rId28"/>
+    <p:sldId id="307" r:id="rId29"/>
+    <p:sldId id="302" r:id="rId30"/>
+    <p:sldId id="310" r:id="rId31"/>
     <p:sldId id="261" r:id="rId32"/>
   </p:sldIdLst>
   <p:sldSz cx="9144000" cy="6858000" type="screen4x3"/>
@@ -192,7 +192,7 @@
 <file path=ppt/charts/chart1.xml><?xml version="1.0" encoding="utf-8"?>
 <c:chartSpace xmlns:c="http://schemas.openxmlformats.org/drawingml/2006/chart" xmlns:a="http://schemas.openxmlformats.org/drawingml/2006/main" xmlns:r="http://schemas.openxmlformats.org/officeDocument/2006/relationships">
   <c:date1904 val="0"/>
-  <c:lang val="zh-CN"/>
+  <c:lang val="en-US"/>
   <c:roundedCorners val="0"/>
   <mc:AlternateContent xmlns:mc="http://schemas.openxmlformats.org/markup-compatibility/2006">
     <mc:Choice xmlns:c14="http://schemas.microsoft.com/office/drawing/2007/8/2/chart" Requires="c14">
@@ -259,7 +259,7 @@
                     <a:cs typeface="+mn-cs"/>
                   </a:defRPr>
                 </a:pPr>
-                <a:endParaRPr lang="zh-CN"/>
+                <a:endParaRPr lang="en-US"/>
               </a:p>
             </c:txPr>
             <c:showLegendKey val="0"/>
@@ -271,6 +271,7 @@
             <c:showLeaderLines val="0"/>
             <c:extLst>
               <c:ext xmlns:c15="http://schemas.microsoft.com/office/drawing/2012/chart" uri="{CE6537A1-D6FC-4f65-9D91-7224C49458BB}">
+                <c15:layout/>
                 <c15:showLeaderLines val="1"/>
                 <c15:leaderLines>
                   <c:spPr>
@@ -334,7 +335,7 @@
                   <c:v>7.43</c:v>
                 </c:pt>
                 <c:pt idx="4">
-                  <c:v>4.6499999999999977</c:v>
+                  <c:v>4.649999999999998</c:v>
                 </c:pt>
                 <c:pt idx="5">
                   <c:v>3.49</c:v>
@@ -392,7 +393,7 @@
                     <a:cs typeface="+mn-cs"/>
                   </a:defRPr>
                 </a:pPr>
-                <a:endParaRPr lang="zh-CN"/>
+                <a:endParaRPr lang="en-US"/>
               </a:p>
             </c:txPr>
             <c:showLegendKey val="0"/>
@@ -404,6 +405,7 @@
             <c:showLeaderLines val="0"/>
             <c:extLst>
               <c:ext xmlns:c15="http://schemas.microsoft.com/office/drawing/2012/chart" uri="{CE6537A1-D6FC-4f65-9D91-7224C49458BB}">
+                <c15:layout/>
                 <c15:showLeaderLines val="1"/>
                 <c15:leaderLines>
                   <c:spPr>
@@ -464,7 +466,7 @@
                   <c:v>2.58</c:v>
                 </c:pt>
                 <c:pt idx="3">
-                  <c:v>2.1800000000000002</c:v>
+                  <c:v>2.18</c:v>
                 </c:pt>
                 <c:pt idx="4">
                   <c:v>3.28</c:v>
@@ -485,11 +487,11 @@
           <c:showBubbleSize val="0"/>
         </c:dLbls>
         <c:gapWidth val="150"/>
-        <c:axId val="-2132729200"/>
-        <c:axId val="-2132727568"/>
+        <c:axId val="-2041702240"/>
+        <c:axId val="2144253648"/>
       </c:barChart>
       <c:catAx>
-        <c:axId val="-2132729200"/>
+        <c:axId val="-2041702240"/>
         <c:scaling>
           <c:orientation val="minMax"/>
         </c:scaling>
@@ -523,10 +525,10 @@
                 <a:cs typeface="+mn-cs"/>
               </a:defRPr>
             </a:pPr>
-            <a:endParaRPr lang="zh-CN"/>
+            <a:endParaRPr lang="en-US"/>
           </a:p>
         </c:txPr>
-        <c:crossAx val="-2132727568"/>
+        <c:crossAx val="2144253648"/>
         <c:crosses val="autoZero"/>
         <c:auto val="1"/>
         <c:lblAlgn val="ctr"/>
@@ -534,7 +536,7 @@
         <c:noMultiLvlLbl val="0"/>
       </c:catAx>
       <c:valAx>
-        <c:axId val="-2132727568"/>
+        <c:axId val="2144253648"/>
         <c:scaling>
           <c:orientation val="minMax"/>
         </c:scaling>
@@ -582,10 +584,10 @@
                 <a:cs typeface="+mn-cs"/>
               </a:defRPr>
             </a:pPr>
-            <a:endParaRPr lang="zh-CN"/>
+            <a:endParaRPr lang="en-US"/>
           </a:p>
         </c:txPr>
-        <c:crossAx val="-2132729200"/>
+        <c:crossAx val="-2041702240"/>
         <c:crosses val="autoZero"/>
         <c:crossBetween val="between"/>
       </c:valAx>
@@ -603,10 +605,10 @@
         <c:manualLayout>
           <c:xMode val="edge"/>
           <c:yMode val="edge"/>
-          <c:x val="0.38828740157480301"/>
-          <c:y val="0.90792519685039397"/>
-          <c:w val="0.26305282152231002"/>
-          <c:h val="6.6363681102362196E-2"/>
+          <c:x val="0.388287401574803"/>
+          <c:y val="0.907925196850394"/>
+          <c:w val="0.26305282152231"/>
+          <c:h val="0.0663636811023622"/>
         </c:manualLayout>
       </c:layout>
       <c:overlay val="0"/>
@@ -634,7 +636,7 @@
               <a:cs typeface="+mn-cs"/>
             </a:defRPr>
           </a:pPr>
-          <a:endParaRPr lang="zh-CN"/>
+          <a:endParaRPr lang="en-US"/>
         </a:p>
       </c:txPr>
     </c:legend>
@@ -658,7 +660,7 @@
           <a:latin typeface="+mn-lt"/>
         </a:defRPr>
       </a:pPr>
-      <a:endParaRPr lang="zh-CN"/>
+      <a:endParaRPr lang="en-US"/>
     </a:p>
   </c:txPr>
   <c:externalData r:id="rId3">
@@ -670,7 +672,7 @@
 <file path=ppt/charts/chart2.xml><?xml version="1.0" encoding="utf-8"?>
 <c:chartSpace xmlns:c="http://schemas.openxmlformats.org/drawingml/2006/chart" xmlns:a="http://schemas.openxmlformats.org/drawingml/2006/main" xmlns:r="http://schemas.openxmlformats.org/officeDocument/2006/relationships">
   <c:date1904 val="0"/>
-  <c:lang val="zh-CN"/>
+  <c:lang val="en-US"/>
   <c:roundedCorners val="0"/>
   <mc:AlternateContent xmlns:mc="http://schemas.openxmlformats.org/markup-compatibility/2006">
     <mc:Choice xmlns:c14="http://schemas.microsoft.com/office/drawing/2007/8/2/chart" Requires="c14">
@@ -739,7 +741,7 @@
                     <a:cs typeface="+mn-cs"/>
                   </a:defRPr>
                 </a:pPr>
-                <a:endParaRPr lang="zh-CN"/>
+                <a:endParaRPr lang="en-US"/>
               </a:p>
             </c:txPr>
             <c:showLegendKey val="0"/>
@@ -751,6 +753,7 @@
             <c:showLeaderLines val="0"/>
             <c:extLst>
               <c:ext xmlns:c15="http://schemas.microsoft.com/office/drawing/2012/chart" uri="{CE6537A1-D6FC-4f65-9D91-7224C49458BB}">
+                <c15:layout/>
                 <c15:showLeaderLines val="1"/>
                 <c15:leaderLines>
                   <c:spPr>
@@ -826,10 +829,10 @@
                   <c:v>16.91</c:v>
                 </c:pt>
                 <c:pt idx="6">
-                  <c:v>7.8599999999999977</c:v>
+                  <c:v>7.859999999999998</c:v>
                 </c:pt>
                 <c:pt idx="7">
-                  <c:v>18.899999999999999</c:v>
+                  <c:v>18.9</c:v>
                 </c:pt>
               </c:numCache>
             </c:numRef>
@@ -864,8 +867,8 @@
               <c:idx val="1"/>
               <c:layout>
                 <c:manualLayout>
-                  <c:x val="1.17131252716442E-2"/>
-                  <c:y val="-1.3834848403559301E-2"/>
+                  <c:x val="0.0117131252716442"/>
+                  <c:y val="-0.0138348484035593"/>
                 </c:manualLayout>
               </c:layout>
               <c:showLegendKey val="0"/>
@@ -875,7 +878,9 @@
               <c:showPercent val="0"/>
               <c:showBubbleSize val="0"/>
               <c:extLst>
-                <c:ext xmlns:c15="http://schemas.microsoft.com/office/drawing/2012/chart" uri="{CE6537A1-D6FC-4f65-9D91-7224C49458BB}"/>
+                <c:ext xmlns:c15="http://schemas.microsoft.com/office/drawing/2012/chart" uri="{CE6537A1-D6FC-4f65-9D91-7224C49458BB}">
+                  <c15:layout/>
+                </c:ext>
               </c:extLst>
             </c:dLbl>
             <c:spPr>
@@ -904,7 +909,7 @@
                     <a:cs typeface="+mn-cs"/>
                   </a:defRPr>
                 </a:pPr>
-                <a:endParaRPr lang="zh-CN"/>
+                <a:endParaRPr lang="en-US"/>
               </a:p>
             </c:txPr>
             <c:showLegendKey val="0"/>
@@ -916,6 +921,7 @@
             <c:showLeaderLines val="0"/>
             <c:extLst>
               <c:ext xmlns:c15="http://schemas.microsoft.com/office/drawing/2012/chart" uri="{CE6537A1-D6FC-4f65-9D91-7224C49458BB}">
+                <c15:layout/>
                 <c15:showLeaderLines val="1"/>
                 <c15:leaderLines>
                   <c:spPr>
@@ -991,7 +997,7 @@
                   <c:v>6.95</c:v>
                 </c:pt>
                 <c:pt idx="6">
-                  <c:v>7.3199999999999976</c:v>
+                  <c:v>7.319999999999998</c:v>
                 </c:pt>
                 <c:pt idx="7">
                   <c:v>5.13</c:v>
@@ -1009,11 +1015,11 @@
           <c:showBubbleSize val="0"/>
         </c:dLbls>
         <c:gapWidth val="150"/>
-        <c:axId val="-2132721040"/>
-        <c:axId val="-2132720496"/>
+        <c:axId val="-2031211280"/>
+        <c:axId val="2143265120"/>
       </c:barChart>
       <c:catAx>
-        <c:axId val="-2132721040"/>
+        <c:axId val="-2031211280"/>
         <c:scaling>
           <c:orientation val="minMax"/>
         </c:scaling>
@@ -1047,10 +1053,10 @@
                 <a:cs typeface="+mn-cs"/>
               </a:defRPr>
             </a:pPr>
-            <a:endParaRPr lang="zh-CN"/>
+            <a:endParaRPr lang="en-US"/>
           </a:p>
         </c:txPr>
-        <c:crossAx val="-2132720496"/>
+        <c:crossAx val="2143265120"/>
         <c:crosses val="autoZero"/>
         <c:auto val="1"/>
         <c:lblAlgn val="ctr"/>
@@ -1058,7 +1064,7 @@
         <c:noMultiLvlLbl val="0"/>
       </c:catAx>
       <c:valAx>
-        <c:axId val="-2132720496"/>
+        <c:axId val="2143265120"/>
         <c:scaling>
           <c:orientation val="minMax"/>
         </c:scaling>
@@ -1106,10 +1112,10 @@
                 <a:cs typeface="+mn-cs"/>
               </a:defRPr>
             </a:pPr>
-            <a:endParaRPr lang="zh-CN"/>
+            <a:endParaRPr lang="en-US"/>
           </a:p>
         </c:txPr>
-        <c:crossAx val="-2132721040"/>
+        <c:crossAx val="-2031211280"/>
         <c:crosses val="autoZero"/>
         <c:crossBetween val="between"/>
       </c:valAx>
@@ -1123,6 +1129,7 @@
     </c:plotArea>
     <c:legend>
       <c:legendPos val="b"/>
+      <c:layout/>
       <c:overlay val="0"/>
       <c:spPr>
         <a:noFill/>
@@ -1148,7 +1155,7 @@
               <a:cs typeface="+mn-cs"/>
             </a:defRPr>
           </a:pPr>
-          <a:endParaRPr lang="zh-CN"/>
+          <a:endParaRPr lang="en-US"/>
         </a:p>
       </c:txPr>
     </c:legend>
@@ -1170,7 +1177,7 @@
       <a:pPr>
         <a:defRPr/>
       </a:pPr>
-      <a:endParaRPr lang="zh-CN"/>
+      <a:endParaRPr lang="en-US"/>
     </a:p>
   </c:txPr>
   <c:externalData r:id="rId3">
@@ -1182,7 +1189,7 @@
 <file path=ppt/charts/chart3.xml><?xml version="1.0" encoding="utf-8"?>
 <c:chartSpace xmlns:c="http://schemas.openxmlformats.org/drawingml/2006/chart" xmlns:a="http://schemas.openxmlformats.org/drawingml/2006/main" xmlns:r="http://schemas.openxmlformats.org/officeDocument/2006/relationships">
   <c:date1904 val="0"/>
-  <c:lang val="zh-CN"/>
+  <c:lang val="en-US"/>
   <c:roundedCorners val="0"/>
   <mc:AlternateContent xmlns:mc="http://schemas.openxmlformats.org/markup-compatibility/2006">
     <mc:Choice xmlns:c14="http://schemas.microsoft.com/office/drawing/2007/8/2/chart" Requires="c14">
@@ -1251,7 +1258,7 @@
                     <a:cs typeface="+mn-cs"/>
                   </a:defRPr>
                 </a:pPr>
-                <a:endParaRPr lang="zh-CN"/>
+                <a:endParaRPr lang="en-US"/>
               </a:p>
             </c:txPr>
             <c:dLblPos val="outEnd"/>
@@ -1264,6 +1271,7 @@
             <c:showLeaderLines val="0"/>
             <c:extLst>
               <c:ext xmlns:c15="http://schemas.microsoft.com/office/drawing/2012/chart" uri="{CE6537A1-D6FC-4f65-9D91-7224C49458BB}">
+                <c15:layout/>
                 <c15:showLeaderLines val="1"/>
                 <c15:leaderLines>
                   <c:spPr>
@@ -1315,19 +1323,19 @@
                 <c:formatCode>0.00</c:formatCode>
                 <c:ptCount val="6"/>
                 <c:pt idx="0">
-                  <c:v>0.58730158730158699</c:v>
+                  <c:v>0.587301587301587</c:v>
                 </c:pt>
                 <c:pt idx="1">
-                  <c:v>0.44927536231884102</c:v>
+                  <c:v>0.449275362318841</c:v>
                 </c:pt>
                 <c:pt idx="2">
-                  <c:v>0.14000000000000001</c:v>
+                  <c:v>0.14</c:v>
                 </c:pt>
                 <c:pt idx="3">
-                  <c:v>0.17647058823529399</c:v>
+                  <c:v>0.176470588235294</c:v>
                 </c:pt>
                 <c:pt idx="4">
-                  <c:v>0.13636363636363599</c:v>
+                  <c:v>0.136363636363636</c:v>
                 </c:pt>
                 <c:pt idx="5">
                   <c:v>0.03</c:v>
@@ -1387,7 +1395,7 @@
                     <a:cs typeface="+mn-cs"/>
                   </a:defRPr>
                 </a:pPr>
-                <a:endParaRPr lang="zh-CN"/>
+                <a:endParaRPr lang="en-US"/>
               </a:p>
             </c:txPr>
             <c:dLblPos val="outEnd"/>
@@ -1400,6 +1408,7 @@
             <c:showLeaderLines val="0"/>
             <c:extLst>
               <c:ext xmlns:c15="http://schemas.microsoft.com/office/drawing/2012/chart" uri="{CE6537A1-D6FC-4f65-9D91-7224C49458BB}">
+                <c15:layout/>
                 <c15:showLeaderLines val="1"/>
                 <c15:leaderLines>
                   <c:spPr>
@@ -1451,22 +1460,22 @@
                 <c:formatCode>0.00</c:formatCode>
                 <c:ptCount val="6"/>
                 <c:pt idx="0">
-                  <c:v>6.3829787234042507E-2</c:v>
+                  <c:v>0.0638297872340425</c:v>
                 </c:pt>
                 <c:pt idx="1">
-                  <c:v>5.2631578947368397E-2</c:v>
+                  <c:v>0.0526315789473684</c:v>
                 </c:pt>
                 <c:pt idx="2">
-                  <c:v>3.09278350515465E-2</c:v>
+                  <c:v>0.0309278350515465</c:v>
                 </c:pt>
                 <c:pt idx="3">
-                  <c:v>9.8901098901098702E-2</c:v>
+                  <c:v>0.0989010989010987</c:v>
                 </c:pt>
                 <c:pt idx="4">
-                  <c:v>8.6956521739130405E-2</c:v>
+                  <c:v>0.0869565217391304</c:v>
                 </c:pt>
                 <c:pt idx="5">
-                  <c:v>6.3829787234042507E-2</c:v>
+                  <c:v>0.0638297872340425</c:v>
                 </c:pt>
               </c:numCache>
             </c:numRef>
@@ -1482,11 +1491,11 @@
           <c:showBubbleSize val="0"/>
         </c:dLbls>
         <c:gapWidth val="150"/>
-        <c:axId val="-226199936"/>
-        <c:axId val="-1935122608"/>
+        <c:axId val="-2033250096"/>
+        <c:axId val="-2044257568"/>
       </c:barChart>
       <c:catAx>
-        <c:axId val="-226199936"/>
+        <c:axId val="-2033250096"/>
         <c:scaling>
           <c:orientation val="minMax"/>
         </c:scaling>
@@ -1520,10 +1529,10 @@
                 <a:cs typeface="+mn-cs"/>
               </a:defRPr>
             </a:pPr>
-            <a:endParaRPr lang="zh-CN"/>
+            <a:endParaRPr lang="en-US"/>
           </a:p>
         </c:txPr>
-        <c:crossAx val="-1935122608"/>
+        <c:crossAx val="-2044257568"/>
         <c:crosses val="autoZero"/>
         <c:auto val="1"/>
         <c:lblAlgn val="ctr"/>
@@ -1531,7 +1540,7 @@
         <c:noMultiLvlLbl val="0"/>
       </c:catAx>
       <c:valAx>
-        <c:axId val="-1935122608"/>
+        <c:axId val="-2044257568"/>
         <c:scaling>
           <c:orientation val="minMax"/>
         </c:scaling>
@@ -1579,10 +1588,10 @@
                 <a:cs typeface="+mn-cs"/>
               </a:defRPr>
             </a:pPr>
-            <a:endParaRPr lang="zh-CN"/>
+            <a:endParaRPr lang="en-US"/>
           </a:p>
         </c:txPr>
-        <c:crossAx val="-226199936"/>
+        <c:crossAx val="-2033250096"/>
         <c:crosses val="autoZero"/>
         <c:crossBetween val="between"/>
       </c:valAx>
@@ -1596,6 +1605,7 @@
     </c:plotArea>
     <c:legend>
       <c:legendPos val="b"/>
+      <c:layout/>
       <c:overlay val="0"/>
       <c:spPr>
         <a:noFill/>
@@ -1621,7 +1631,7 @@
               <a:cs typeface="+mn-cs"/>
             </a:defRPr>
           </a:pPr>
-          <a:endParaRPr lang="zh-CN"/>
+          <a:endParaRPr lang="en-US"/>
         </a:p>
       </c:txPr>
     </c:legend>
@@ -1643,7 +1653,7 @@
       <a:pPr>
         <a:defRPr/>
       </a:pPr>
-      <a:endParaRPr lang="zh-CN"/>
+      <a:endParaRPr lang="en-US"/>
     </a:p>
   </c:txPr>
   <c:externalData r:id="rId3">
@@ -1655,7 +1665,7 @@
 <file path=ppt/charts/chart4.xml><?xml version="1.0" encoding="utf-8"?>
 <c:chartSpace xmlns:c="http://schemas.openxmlformats.org/drawingml/2006/chart" xmlns:a="http://schemas.openxmlformats.org/drawingml/2006/main" xmlns:r="http://schemas.openxmlformats.org/officeDocument/2006/relationships">
   <c:date1904 val="0"/>
-  <c:lang val="zh-CN"/>
+  <c:lang val="en-US"/>
   <c:roundedCorners val="0"/>
   <mc:AlternateContent xmlns:mc="http://schemas.openxmlformats.org/markup-compatibility/2006">
     <mc:Choice xmlns:c14="http://schemas.microsoft.com/office/drawing/2007/8/2/chart" Requires="c14">
@@ -1764,7 +1774,7 @@
                     <a:cs typeface="+mn-cs"/>
                   </a:defRPr>
                 </a:pPr>
-                <a:endParaRPr lang="zh-CN"/>
+                <a:endParaRPr lang="en-US"/>
               </a:p>
             </c:txPr>
             <c:showLegendKey val="0"/>
@@ -1776,6 +1786,7 @@
             <c:showLeaderLines val="0"/>
             <c:extLst>
               <c:ext xmlns:c15="http://schemas.microsoft.com/office/drawing/2012/chart" uri="{CE6537A1-D6FC-4f65-9D91-7224C49458BB}">
+                <c15:layout/>
                 <c15:showLeaderLines val="1"/>
                 <c15:leaderLines>
                   <c:spPr>
@@ -1824,13 +1835,13 @@
                   <c:v>0.64</c:v>
                 </c:pt>
                 <c:pt idx="1">
-                  <c:v>0.14000000000000001</c:v>
+                  <c:v>0.14</c:v>
                 </c:pt>
                 <c:pt idx="2">
                   <c:v>0.32</c:v>
                 </c:pt>
                 <c:pt idx="3">
-                  <c:v>8.0000000000000099E-2</c:v>
+                  <c:v>0.0800000000000001</c:v>
                 </c:pt>
               </c:numCache>
             </c:numRef>
@@ -1888,7 +1899,7 @@
                     <a:cs typeface="+mn-cs"/>
                   </a:defRPr>
                 </a:pPr>
-                <a:endParaRPr lang="zh-CN"/>
+                <a:endParaRPr lang="en-US"/>
               </a:p>
             </c:txPr>
             <c:showLegendKey val="0"/>
@@ -1900,6 +1911,7 @@
             <c:showLeaderLines val="0"/>
             <c:extLst>
               <c:ext xmlns:c15="http://schemas.microsoft.com/office/drawing/2012/chart" uri="{CE6537A1-D6FC-4f65-9D91-7224C49458BB}">
+                <c15:layout/>
                 <c15:showLeaderLines val="1"/>
                 <c15:leaderLines>
                   <c:spPr>
@@ -1948,7 +1960,7 @@
                   <c:v>0.3</c:v>
                 </c:pt>
                 <c:pt idx="1">
-                  <c:v>8.0000000000000099E-2</c:v>
+                  <c:v>0.0800000000000001</c:v>
                 </c:pt>
                 <c:pt idx="2">
                   <c:v>0.15</c:v>
@@ -2012,7 +2024,7 @@
                     <a:cs typeface="+mn-cs"/>
                   </a:defRPr>
                 </a:pPr>
-                <a:endParaRPr lang="zh-CN"/>
+                <a:endParaRPr lang="en-US"/>
               </a:p>
             </c:txPr>
             <c:showLegendKey val="0"/>
@@ -2024,6 +2036,7 @@
             <c:showLeaderLines val="0"/>
             <c:extLst>
               <c:ext xmlns:c15="http://schemas.microsoft.com/office/drawing/2012/chart" uri="{CE6537A1-D6FC-4f65-9D91-7224C49458BB}">
+                <c15:layout/>
                 <c15:showLeaderLines val="1"/>
                 <c15:leaderLines>
                   <c:spPr>
@@ -2072,7 +2085,7 @@
                   <c:v>1.48</c:v>
                 </c:pt>
                 <c:pt idx="1">
-                  <c:v>0.28000000000000003</c:v>
+                  <c:v>0.28</c:v>
                 </c:pt>
                 <c:pt idx="2">
                   <c:v>0.89</c:v>
@@ -2136,7 +2149,7 @@
                     <a:cs typeface="+mn-cs"/>
                   </a:defRPr>
                 </a:pPr>
-                <a:endParaRPr lang="zh-CN"/>
+                <a:endParaRPr lang="en-US"/>
               </a:p>
             </c:txPr>
             <c:showLegendKey val="0"/>
@@ -2148,6 +2161,7 @@
             <c:showLeaderLines val="0"/>
             <c:extLst>
               <c:ext xmlns:c15="http://schemas.microsoft.com/office/drawing/2012/chart" uri="{CE6537A1-D6FC-4f65-9D91-7224C49458BB}">
+                <c15:layout/>
                 <c15:showLeaderLines val="1"/>
                 <c15:leaderLines>
                   <c:spPr>
@@ -2218,12 +2232,12 @@
         </c:dLbls>
         <c:gapWidth val="150"/>
         <c:shape val="box"/>
-        <c:axId val="-1935132944"/>
-        <c:axId val="-1935129680"/>
-        <c:axId val="-2061802352"/>
+        <c:axId val="-2031468480"/>
+        <c:axId val="-860997824"/>
+        <c:axId val="2130940736"/>
       </c:bar3DChart>
       <c:catAx>
-        <c:axId val="-1935132944"/>
+        <c:axId val="-2031468480"/>
         <c:scaling>
           <c:orientation val="minMax"/>
         </c:scaling>
@@ -2257,10 +2271,10 @@
                 <a:cs typeface="+mn-cs"/>
               </a:defRPr>
             </a:pPr>
-            <a:endParaRPr lang="zh-CN"/>
+            <a:endParaRPr lang="en-US"/>
           </a:p>
         </c:txPr>
-        <c:crossAx val="-1935129680"/>
+        <c:crossAx val="-860997824"/>
         <c:crosses val="autoZero"/>
         <c:auto val="1"/>
         <c:lblAlgn val="ctr"/>
@@ -2268,7 +2282,7 @@
         <c:noMultiLvlLbl val="0"/>
       </c:catAx>
       <c:valAx>
-        <c:axId val="-1935129680"/>
+        <c:axId val="-860997824"/>
         <c:scaling>
           <c:orientation val="minMax"/>
         </c:scaling>
@@ -2316,15 +2330,15 @@
                 <a:cs typeface="+mn-cs"/>
               </a:defRPr>
             </a:pPr>
-            <a:endParaRPr lang="zh-CN"/>
+            <a:endParaRPr lang="en-US"/>
           </a:p>
         </c:txPr>
-        <c:crossAx val="-1935132944"/>
+        <c:crossAx val="-2031468480"/>
         <c:crosses val="autoZero"/>
         <c:crossBetween val="between"/>
       </c:valAx>
       <c:serAx>
-        <c:axId val="-2061802352"/>
+        <c:axId val="2130940736"/>
         <c:scaling>
           <c:orientation val="minMax"/>
         </c:scaling>
@@ -2357,10 +2371,10 @@
                 <a:cs typeface="+mn-cs"/>
               </a:defRPr>
             </a:pPr>
-            <a:endParaRPr lang="zh-CN"/>
+            <a:endParaRPr lang="en-US"/>
           </a:p>
         </c:txPr>
-        <c:crossAx val="-1935129680"/>
+        <c:crossAx val="-860997824"/>
         <c:crosses val="autoZero"/>
       </c:serAx>
       <c:spPr>
@@ -2389,7 +2403,7 @@
       <a:pPr>
         <a:defRPr/>
       </a:pPr>
-      <a:endParaRPr lang="zh-CN"/>
+      <a:endParaRPr lang="en-US"/>
     </a:p>
   </c:txPr>
   <c:externalData r:id="rId3">
@@ -2401,7 +2415,7 @@
 <file path=ppt/charts/chart5.xml><?xml version="1.0" encoding="utf-8"?>
 <c:chartSpace xmlns:c="http://schemas.openxmlformats.org/drawingml/2006/chart" xmlns:a="http://schemas.openxmlformats.org/drawingml/2006/main" xmlns:r="http://schemas.openxmlformats.org/officeDocument/2006/relationships">
   <c:date1904 val="0"/>
-  <c:lang val="zh-CN"/>
+  <c:lang val="en-US"/>
   <c:roundedCorners val="0"/>
   <mc:AlternateContent xmlns:mc="http://schemas.openxmlformats.org/markup-compatibility/2006">
     <mc:Choice xmlns:c14="http://schemas.microsoft.com/office/drawing/2007/8/2/chart" Requires="c14">
@@ -2510,7 +2524,7 @@
                     <a:cs typeface="+mn-cs"/>
                   </a:defRPr>
                 </a:pPr>
-                <a:endParaRPr lang="zh-CN"/>
+                <a:endParaRPr lang="en-US"/>
               </a:p>
             </c:txPr>
             <c:showLegendKey val="0"/>
@@ -2522,6 +2536,7 @@
             <c:showLeaderLines val="0"/>
             <c:extLst>
               <c:ext xmlns:c15="http://schemas.microsoft.com/office/drawing/2012/chart" uri="{CE6537A1-D6FC-4f65-9D91-7224C49458BB}">
+                <c15:layout/>
                 <c15:showLeaderLines val="1"/>
                 <c15:leaderLines>
                   <c:spPr>
@@ -2576,7 +2591,7 @@
                   <c:v>0.51</c:v>
                 </c:pt>
                 <c:pt idx="3">
-                  <c:v>0.14000000000000001</c:v>
+                  <c:v>0.14</c:v>
                 </c:pt>
               </c:numCache>
             </c:numRef>
@@ -2634,7 +2649,7 @@
                     <a:cs typeface="+mn-cs"/>
                   </a:defRPr>
                 </a:pPr>
-                <a:endParaRPr lang="zh-CN"/>
+                <a:endParaRPr lang="en-US"/>
               </a:p>
             </c:txPr>
             <c:showLegendKey val="0"/>
@@ -2646,6 +2661,7 @@
             <c:showLeaderLines val="0"/>
             <c:extLst>
               <c:ext xmlns:c15="http://schemas.microsoft.com/office/drawing/2012/chart" uri="{CE6537A1-D6FC-4f65-9D91-7224C49458BB}">
+                <c15:layout/>
                 <c15:showLeaderLines val="1"/>
                 <c15:leaderLines>
                   <c:spPr>
@@ -2691,7 +2707,7 @@
                 <c:formatCode>General</c:formatCode>
                 <c:ptCount val="4"/>
                 <c:pt idx="0">
-                  <c:v>0.57999999999999996</c:v>
+                  <c:v>0.58</c:v>
                 </c:pt>
                 <c:pt idx="1">
                   <c:v>0.1</c:v>
@@ -2758,7 +2774,7 @@
                     <a:cs typeface="+mn-cs"/>
                   </a:defRPr>
                 </a:pPr>
-                <a:endParaRPr lang="zh-CN"/>
+                <a:endParaRPr lang="en-US"/>
               </a:p>
             </c:txPr>
             <c:showLegendKey val="0"/>
@@ -2770,6 +2786,7 @@
             <c:showLeaderLines val="0"/>
             <c:extLst>
               <c:ext xmlns:c15="http://schemas.microsoft.com/office/drawing/2012/chart" uri="{CE6537A1-D6FC-4f65-9D91-7224C49458BB}">
+                <c15:layout/>
                 <c15:showLeaderLines val="1"/>
                 <c15:leaderLines>
                   <c:spPr>
@@ -2882,7 +2899,7 @@
                     <a:cs typeface="+mn-cs"/>
                   </a:defRPr>
                 </a:pPr>
-                <a:endParaRPr lang="zh-CN"/>
+                <a:endParaRPr lang="en-US"/>
               </a:p>
             </c:txPr>
             <c:showLegendKey val="0"/>
@@ -2894,6 +2911,7 @@
             <c:showLeaderLines val="0"/>
             <c:extLst>
               <c:ext xmlns:c15="http://schemas.microsoft.com/office/drawing/2012/chart" uri="{CE6537A1-D6FC-4f65-9D91-7224C49458BB}">
+                <c15:layout/>
                 <c15:showLeaderLines val="1"/>
                 <c15:leaderLines>
                   <c:spPr>
@@ -2942,7 +2960,7 @@
                   <c:v>1.53</c:v>
                 </c:pt>
                 <c:pt idx="1">
-                  <c:v>0.28999999999999998</c:v>
+                  <c:v>0.29</c:v>
                 </c:pt>
                 <c:pt idx="2">
                   <c:v>0.91</c:v>
@@ -2964,12 +2982,12 @@
         </c:dLbls>
         <c:gapWidth val="150"/>
         <c:shape val="box"/>
-        <c:axId val="-1935127504"/>
-        <c:axId val="-1935121520"/>
-        <c:axId val="-2061801728"/>
+        <c:axId val="-1904389152"/>
+        <c:axId val="-1904407680"/>
+        <c:axId val="-1905145424"/>
       </c:bar3DChart>
       <c:catAx>
-        <c:axId val="-1935127504"/>
+        <c:axId val="-1904389152"/>
         <c:scaling>
           <c:orientation val="minMax"/>
         </c:scaling>
@@ -3003,10 +3021,10 @@
                 <a:cs typeface="+mn-cs"/>
               </a:defRPr>
             </a:pPr>
-            <a:endParaRPr lang="zh-CN"/>
+            <a:endParaRPr lang="en-US"/>
           </a:p>
         </c:txPr>
-        <c:crossAx val="-1935121520"/>
+        <c:crossAx val="-1904407680"/>
         <c:crosses val="autoZero"/>
         <c:auto val="1"/>
         <c:lblAlgn val="ctr"/>
@@ -3014,7 +3032,7 @@
         <c:noMultiLvlLbl val="0"/>
       </c:catAx>
       <c:valAx>
-        <c:axId val="-1935121520"/>
+        <c:axId val="-1904407680"/>
         <c:scaling>
           <c:orientation val="minMax"/>
         </c:scaling>
@@ -3062,15 +3080,15 @@
                 <a:cs typeface="+mn-cs"/>
               </a:defRPr>
             </a:pPr>
-            <a:endParaRPr lang="zh-CN"/>
+            <a:endParaRPr lang="en-US"/>
           </a:p>
         </c:txPr>
-        <c:crossAx val="-1935127504"/>
+        <c:crossAx val="-1904389152"/>
         <c:crosses val="autoZero"/>
         <c:crossBetween val="between"/>
       </c:valAx>
       <c:serAx>
-        <c:axId val="-2061801728"/>
+        <c:axId val="-1905145424"/>
         <c:scaling>
           <c:orientation val="minMax"/>
         </c:scaling>
@@ -3103,10 +3121,10 @@
                 <a:cs typeface="+mn-cs"/>
               </a:defRPr>
             </a:pPr>
-            <a:endParaRPr lang="zh-CN"/>
+            <a:endParaRPr lang="en-US"/>
           </a:p>
         </c:txPr>
-        <c:crossAx val="-1935121520"/>
+        <c:crossAx val="-1904407680"/>
         <c:crosses val="autoZero"/>
       </c:serAx>
       <c:spPr>
@@ -3135,7 +3153,7 @@
       <a:pPr>
         <a:defRPr/>
       </a:pPr>
-      <a:endParaRPr lang="zh-CN"/>
+      <a:endParaRPr lang="en-US"/>
     </a:p>
   </c:txPr>
   <c:externalData r:id="rId3">
@@ -5896,7 +5914,7 @@
           <a:p>
             <a:fld id="{9A00CECE-AC3B-E14E-8AC6-4A1B8AE0ACC8}" type="datetimeFigureOut">
               <a:rPr lang="en-US" smtClean="0"/>
-              <a:t>1/11/2018</a:t>
+              <a:t>1/11/18</a:t>
             </a:fld>
             <a:endParaRPr lang="en-US"/>
           </a:p>
@@ -5976,7 +5994,7 @@
     </p:extLst>
   </p:cSld>
   <p:clrMap bg1="lt1" tx1="dk1" bg2="lt2" tx2="dk2" accent1="accent1" accent2="accent2" accent3="accent3" accent4="accent4" accent5="accent5" accent6="accent6" hlink="hlink" folHlink="folHlink"/>
-  <p:hf hdr="0" ftr="0" dt="0"/>
+  <p:hf sldNum="0" hdr="0" ftr="0" dt="0"/>
 </p:handoutMaster>
 </file>
 
@@ -6074,7 +6092,7 @@
               <a:pPr>
                 <a:defRPr/>
               </a:pPr>
-              <a:t>2018/1/11</a:t>
+              <a:t>18/1/11</a:t>
             </a:fld>
             <a:endParaRPr lang="zh-CN" altLang="en-US"/>
           </a:p>
@@ -6257,7 +6275,7 @@
     </p:extLst>
   </p:cSld>
   <p:clrMap bg1="lt1" tx1="dk1" bg2="lt2" tx2="dk2" accent1="accent1" accent2="accent2" accent3="accent3" accent4="accent4" accent5="accent5" accent6="accent6" hlink="hlink" folHlink="folHlink"/>
-  <p:hf hdr="0" ftr="0" dt="0"/>
+  <p:hf sldNum="0" hdr="0" ftr="0" dt="0"/>
   <p:notesStyle>
     <a:lvl1pPr algn="l" rtl="0" eaLnBrk="0" fontAlgn="base" hangingPunct="0">
       <a:spcBef>
@@ -6402,29 +6420,19 @@
       </p:grpSpPr>
       <p:sp>
         <p:nvSpPr>
-          <p:cNvPr id="21505" name="Rectangle 2"/>
+          <p:cNvPr id="2" name="Slide Image Placeholder 1"/>
           <p:cNvSpPr>
-            <a:spLocks noGrp="1" noRot="1" noChangeAspect="1" noTextEdit="1"/>
+            <a:spLocks noGrp="1" noRot="1" noChangeAspect="1"/>
           </p:cNvSpPr>
           <p:nvPr>
             <p:ph type="sldImg"/>
           </p:nvPr>
         </p:nvSpPr>
-        <p:spPr bwMode="auto">
-          <a:noFill/>
-          <a:ln>
-            <a:solidFill>
-              <a:srgbClr val="000000"/>
-            </a:solidFill>
-            <a:miter lim="800000"/>
-            <a:headEnd/>
-            <a:tailEnd/>
-          </a:ln>
-        </p:spPr>
+        <p:spPr/>
       </p:sp>
       <p:sp>
         <p:nvSpPr>
-          <p:cNvPr id="21506" name="Rectangle 3"/>
+          <p:cNvPr id="3" name="Notes Placeholder 2"/>
           <p:cNvSpPr>
             <a:spLocks noGrp="1"/>
           </p:cNvSpPr>
@@ -6432,81 +6440,19 @@
             <p:ph type="body" idx="1"/>
           </p:nvPr>
         </p:nvSpPr>
-        <p:spPr bwMode="auto">
-          <a:noFill/>
-        </p:spPr>
-        <p:txBody>
-          <a:bodyPr wrap="square" numCol="1" anchor="t" anchorCtr="0" compatLnSpc="1">
-            <a:prstTxWarp prst="textNoShape">
-              <a:avLst/>
-            </a:prstTxWarp>
-          </a:bodyPr>
-          <a:lstStyle/>
-          <a:p>
-            <a:pPr eaLnBrk="1" hangingPunct="1"/>
-            <a:r>
-              <a:rPr lang="en-US" altLang="zh-CN" smtClean="0"/>
-              <a:t>TGS</a:t>
-            </a:r>
-            <a:r>
-              <a:rPr lang="zh-CN" altLang="en-US" smtClean="0"/>
-              <a:t>误差远远小于</a:t>
-            </a:r>
-            <a:r>
-              <a:rPr lang="en-US" altLang="zh-CN" smtClean="0"/>
-              <a:t>SGS</a:t>
-            </a:r>
-          </a:p>
-          <a:p>
-            <a:pPr eaLnBrk="1" hangingPunct="1"/>
-            <a:r>
-              <a:rPr lang="zh-CN" altLang="en-US" smtClean="0"/>
-              <a:t>这是由于</a:t>
-            </a:r>
-            <a:r>
-              <a:rPr lang="en-US" altLang="zh-CN" smtClean="0"/>
-              <a:t>TGS</a:t>
-            </a:r>
-            <a:r>
-              <a:rPr lang="zh-CN" altLang="en-US" smtClean="0"/>
-              <a:t>采用了三维划分的方法</a:t>
-            </a:r>
-          </a:p>
-        </p:txBody>
-      </p:sp>
-      <p:sp>
-        <p:nvSpPr>
-          <p:cNvPr id="3" name="Slide Number Placeholder 2"/>
-          <p:cNvSpPr>
-            <a:spLocks noGrp="1"/>
-          </p:cNvSpPr>
-          <p:nvPr>
-            <p:ph type="sldNum" sz="quarter" idx="10"/>
-          </p:nvPr>
-        </p:nvSpPr>
         <p:spPr/>
         <p:txBody>
           <a:bodyPr/>
           <a:lstStyle/>
           <a:p>
-            <a:pPr>
-              <a:defRPr/>
-            </a:pPr>
-            <a:fld id="{BF6C4AA2-D5B3-4212-867F-E265BBCBB5FC}" type="slidenum">
-              <a:rPr lang="zh-CN" altLang="en-US" smtClean="0"/>
-              <a:pPr>
-                <a:defRPr/>
-              </a:pPr>
-              <a:t>4</a:t>
-            </a:fld>
-            <a:endParaRPr lang="zh-CN" altLang="en-US"/>
+            <a:endParaRPr lang="en-US"/>
           </a:p>
         </p:txBody>
       </p:sp>
     </p:spTree>
     <p:extLst>
       <p:ext uri="{BB962C8B-B14F-4D97-AF65-F5344CB8AC3E}">
-        <p14:creationId xmlns:p14="http://schemas.microsoft.com/office/powerpoint/2010/main" val="1545757311"/>
+        <p14:creationId xmlns:p14="http://schemas.microsoft.com/office/powerpoint/2010/main" val="339392459"/>
       </p:ext>
     </p:extLst>
   </p:cSld>
@@ -6577,35 +6523,6 @@
           <a:lstStyle/>
           <a:p>
             <a:endParaRPr lang="zh-CN" altLang="en-US" smtClean="0"/>
-          </a:p>
-        </p:txBody>
-      </p:sp>
-      <p:sp>
-        <p:nvSpPr>
-          <p:cNvPr id="2" name="Slide Number Placeholder 1"/>
-          <p:cNvSpPr>
-            <a:spLocks noGrp="1"/>
-          </p:cNvSpPr>
-          <p:nvPr>
-            <p:ph type="sldNum" sz="quarter" idx="10"/>
-          </p:nvPr>
-        </p:nvSpPr>
-        <p:spPr/>
-        <p:txBody>
-          <a:bodyPr/>
-          <a:lstStyle/>
-          <a:p>
-            <a:pPr>
-              <a:defRPr/>
-            </a:pPr>
-            <a:fld id="{BF6C4AA2-D5B3-4212-867F-E265BBCBB5FC}" type="slidenum">
-              <a:rPr lang="zh-CN" altLang="en-US" smtClean="0"/>
-              <a:pPr>
-                <a:defRPr/>
-              </a:pPr>
-              <a:t>20</a:t>
-            </a:fld>
-            <a:endParaRPr lang="zh-CN" altLang="en-US"/>
           </a:p>
         </p:txBody>
       </p:sp>
@@ -6689,35 +6606,6 @@
           </a:p>
         </p:txBody>
       </p:sp>
-      <p:sp>
-        <p:nvSpPr>
-          <p:cNvPr id="2" name="Slide Number Placeholder 1"/>
-          <p:cNvSpPr>
-            <a:spLocks noGrp="1"/>
-          </p:cNvSpPr>
-          <p:nvPr>
-            <p:ph type="sldNum" sz="quarter" idx="10"/>
-          </p:nvPr>
-        </p:nvSpPr>
-        <p:spPr/>
-        <p:txBody>
-          <a:bodyPr/>
-          <a:lstStyle/>
-          <a:p>
-            <a:pPr>
-              <a:defRPr/>
-            </a:pPr>
-            <a:fld id="{BF6C4AA2-D5B3-4212-867F-E265BBCBB5FC}" type="slidenum">
-              <a:rPr lang="zh-CN" altLang="en-US" smtClean="0"/>
-              <a:pPr>
-                <a:defRPr/>
-              </a:pPr>
-              <a:t>21</a:t>
-            </a:fld>
-            <a:endParaRPr lang="zh-CN" altLang="en-US"/>
-          </a:p>
-        </p:txBody>
-      </p:sp>
     </p:spTree>
     <p:extLst>
       <p:ext uri="{BB962C8B-B14F-4D97-AF65-F5344CB8AC3E}">
@@ -6832,35 +6720,6 @@
           </a:p>
           <a:p>
             <a:endParaRPr lang="zh-CN" altLang="en-US" dirty="0" smtClean="0"/>
-          </a:p>
-        </p:txBody>
-      </p:sp>
-      <p:sp>
-        <p:nvSpPr>
-          <p:cNvPr id="2" name="Slide Number Placeholder 1"/>
-          <p:cNvSpPr>
-            <a:spLocks noGrp="1"/>
-          </p:cNvSpPr>
-          <p:nvPr>
-            <p:ph type="sldNum" sz="quarter" idx="10"/>
-          </p:nvPr>
-        </p:nvSpPr>
-        <p:spPr/>
-        <p:txBody>
-          <a:bodyPr/>
-          <a:lstStyle/>
-          <a:p>
-            <a:pPr>
-              <a:defRPr/>
-            </a:pPr>
-            <a:fld id="{BF6C4AA2-D5B3-4212-867F-E265BBCBB5FC}" type="slidenum">
-              <a:rPr lang="zh-CN" altLang="en-US" smtClean="0"/>
-              <a:pPr>
-                <a:defRPr/>
-              </a:pPr>
-              <a:t>22</a:t>
-            </a:fld>
-            <a:endParaRPr lang="zh-CN" altLang="en-US"/>
           </a:p>
         </p:txBody>
       </p:sp>
@@ -6941,35 +6800,6 @@
           </a:p>
         </p:txBody>
       </p:sp>
-      <p:sp>
-        <p:nvSpPr>
-          <p:cNvPr id="2" name="Slide Number Placeholder 1"/>
-          <p:cNvSpPr>
-            <a:spLocks noGrp="1"/>
-          </p:cNvSpPr>
-          <p:nvPr>
-            <p:ph type="sldNum" sz="quarter" idx="10"/>
-          </p:nvPr>
-        </p:nvSpPr>
-        <p:spPr/>
-        <p:txBody>
-          <a:bodyPr/>
-          <a:lstStyle/>
-          <a:p>
-            <a:pPr>
-              <a:defRPr/>
-            </a:pPr>
-            <a:fld id="{BF6C4AA2-D5B3-4212-867F-E265BBCBB5FC}" type="slidenum">
-              <a:rPr lang="zh-CN" altLang="en-US" smtClean="0"/>
-              <a:pPr>
-                <a:defRPr/>
-              </a:pPr>
-              <a:t>23</a:t>
-            </a:fld>
-            <a:endParaRPr lang="zh-CN" altLang="en-US"/>
-          </a:p>
-        </p:txBody>
-      </p:sp>
     </p:spTree>
     <p:extLst>
       <p:ext uri="{BB962C8B-B14F-4D97-AF65-F5344CB8AC3E}">
@@ -7032,35 +6862,6 @@
               <a:t>多点源测量精度也有一定程度的提高</a:t>
             </a:r>
             <a:endParaRPr lang="zh-CN" altLang="en-US" dirty="0"/>
-          </a:p>
-        </p:txBody>
-      </p:sp>
-      <p:sp>
-        <p:nvSpPr>
-          <p:cNvPr id="5" name="Slide Number Placeholder 4"/>
-          <p:cNvSpPr>
-            <a:spLocks noGrp="1"/>
-          </p:cNvSpPr>
-          <p:nvPr>
-            <p:ph type="sldNum" sz="quarter" idx="10"/>
-          </p:nvPr>
-        </p:nvSpPr>
-        <p:spPr/>
-        <p:txBody>
-          <a:bodyPr/>
-          <a:lstStyle/>
-          <a:p>
-            <a:pPr>
-              <a:defRPr/>
-            </a:pPr>
-            <a:fld id="{BF6C4AA2-D5B3-4212-867F-E265BBCBB5FC}" type="slidenum">
-              <a:rPr lang="zh-CN" altLang="en-US" smtClean="0"/>
-              <a:pPr>
-                <a:defRPr/>
-              </a:pPr>
-              <a:t>24</a:t>
-            </a:fld>
-            <a:endParaRPr lang="zh-CN" altLang="en-US"/>
           </a:p>
         </p:txBody>
       </p:sp>
@@ -7126,35 +6927,6 @@
               <a:t>多点源测量精度也有一定程度的提高</a:t>
             </a:r>
             <a:endParaRPr lang="zh-CN" altLang="en-US" dirty="0"/>
-          </a:p>
-        </p:txBody>
-      </p:sp>
-      <p:sp>
-        <p:nvSpPr>
-          <p:cNvPr id="5" name="Slide Number Placeholder 4"/>
-          <p:cNvSpPr>
-            <a:spLocks noGrp="1"/>
-          </p:cNvSpPr>
-          <p:nvPr>
-            <p:ph type="sldNum" sz="quarter" idx="10"/>
-          </p:nvPr>
-        </p:nvSpPr>
-        <p:spPr/>
-        <p:txBody>
-          <a:bodyPr/>
-          <a:lstStyle/>
-          <a:p>
-            <a:pPr>
-              <a:defRPr/>
-            </a:pPr>
-            <a:fld id="{BF6C4AA2-D5B3-4212-867F-E265BBCBB5FC}" type="slidenum">
-              <a:rPr lang="zh-CN" altLang="en-US" smtClean="0"/>
-              <a:pPr>
-                <a:defRPr/>
-              </a:pPr>
-              <a:t>25</a:t>
-            </a:fld>
-            <a:endParaRPr lang="zh-CN" altLang="en-US"/>
           </a:p>
         </p:txBody>
       </p:sp>
@@ -7239,7 +7011,7 @@
               </a14:hiddenLine>
             </a:ext>
             <a:ext uri="{FAA26D3D-D897-4be2-8F04-BA451C77F1D7}">
-              <ma14:placeholderFlag xmlns:ma14="http://schemas.microsoft.com/office/mac/drawingml/2011/main" xmlns="" val="1"/>
+              <ma14:placeholderFlag xmlns:ma14="http://schemas.microsoft.com/office/mac/drawingml/2011/main" val="1"/>
             </a:ext>
           </a:extLst>
         </p:spPr>
@@ -7250,35 +7022,6 @@
             <a:endParaRPr lang="zh-CN" altLang="en-US">
               <a:latin typeface="Arial" charset="0"/>
             </a:endParaRPr>
-          </a:p>
-        </p:txBody>
-      </p:sp>
-      <p:sp>
-        <p:nvSpPr>
-          <p:cNvPr id="2" name="Slide Number Placeholder 1"/>
-          <p:cNvSpPr>
-            <a:spLocks noGrp="1"/>
-          </p:cNvSpPr>
-          <p:nvPr>
-            <p:ph type="sldNum" sz="quarter" idx="10"/>
-          </p:nvPr>
-        </p:nvSpPr>
-        <p:spPr/>
-        <p:txBody>
-          <a:bodyPr/>
-          <a:lstStyle/>
-          <a:p>
-            <a:pPr>
-              <a:defRPr/>
-            </a:pPr>
-            <a:fld id="{BF6C4AA2-D5B3-4212-867F-E265BBCBB5FC}" type="slidenum">
-              <a:rPr lang="zh-CN" altLang="en-US" smtClean="0"/>
-              <a:pPr>
-                <a:defRPr/>
-              </a:pPr>
-              <a:t>26</a:t>
-            </a:fld>
-            <a:endParaRPr lang="zh-CN" altLang="en-US"/>
           </a:p>
         </p:txBody>
       </p:sp>
@@ -7343,35 +7086,6 @@
           </a:p>
         </p:txBody>
       </p:sp>
-      <p:sp>
-        <p:nvSpPr>
-          <p:cNvPr id="5" name="Slide Number Placeholder 4"/>
-          <p:cNvSpPr>
-            <a:spLocks noGrp="1"/>
-          </p:cNvSpPr>
-          <p:nvPr>
-            <p:ph type="sldNum" sz="quarter" idx="10"/>
-          </p:nvPr>
-        </p:nvSpPr>
-        <p:spPr/>
-        <p:txBody>
-          <a:bodyPr/>
-          <a:lstStyle/>
-          <a:p>
-            <a:pPr>
-              <a:defRPr/>
-            </a:pPr>
-            <a:fld id="{BF6C4AA2-D5B3-4212-867F-E265BBCBB5FC}" type="slidenum">
-              <a:rPr lang="zh-CN" altLang="en-US" smtClean="0"/>
-              <a:pPr>
-                <a:defRPr/>
-              </a:pPr>
-              <a:t>27</a:t>
-            </a:fld>
-            <a:endParaRPr lang="zh-CN" altLang="en-US"/>
-          </a:p>
-        </p:txBody>
-      </p:sp>
     </p:spTree>
     <p:extLst>
       <p:ext uri="{BB962C8B-B14F-4D97-AF65-F5344CB8AC3E}">
@@ -7507,35 +7221,6 @@
           </a:p>
         </p:txBody>
       </p:sp>
-      <p:sp>
-        <p:nvSpPr>
-          <p:cNvPr id="5" name="Slide Number Placeholder 4"/>
-          <p:cNvSpPr>
-            <a:spLocks noGrp="1"/>
-          </p:cNvSpPr>
-          <p:nvPr>
-            <p:ph type="sldNum" sz="quarter" idx="10"/>
-          </p:nvPr>
-        </p:nvSpPr>
-        <p:spPr/>
-        <p:txBody>
-          <a:bodyPr/>
-          <a:lstStyle/>
-          <a:p>
-            <a:pPr>
-              <a:defRPr/>
-            </a:pPr>
-            <a:fld id="{BF6C4AA2-D5B3-4212-867F-E265BBCBB5FC}" type="slidenum">
-              <a:rPr lang="zh-CN" altLang="en-US" smtClean="0"/>
-              <a:pPr>
-                <a:defRPr/>
-              </a:pPr>
-              <a:t>28</a:t>
-            </a:fld>
-            <a:endParaRPr lang="zh-CN" altLang="en-US"/>
-          </a:p>
-        </p:txBody>
-      </p:sp>
     </p:spTree>
     <p:extLst>
       <p:ext uri="{BB962C8B-B14F-4D97-AF65-F5344CB8AC3E}">
@@ -7549,815 +7234,7 @@
 </p:notes>
 </file>
 
-<file path=ppt/notesSlides/notesSlide2.xml><?xml version="1.0" encoding="utf-8"?>
-<p:notes xmlns:a="http://schemas.openxmlformats.org/drawingml/2006/main" xmlns:r="http://schemas.openxmlformats.org/officeDocument/2006/relationships" xmlns:p="http://schemas.openxmlformats.org/presentationml/2006/main">
-  <p:cSld>
-    <p:spTree>
-      <p:nvGrpSpPr>
-        <p:cNvPr id="1" name=""/>
-        <p:cNvGrpSpPr/>
-        <p:nvPr/>
-      </p:nvGrpSpPr>
-      <p:grpSpPr>
-        <a:xfrm>
-          <a:off x="0" y="0"/>
-          <a:ext cx="0" cy="0"/>
-          <a:chOff x="0" y="0"/>
-          <a:chExt cx="0" cy="0"/>
-        </a:xfrm>
-      </p:grpSpPr>
-      <p:sp>
-        <p:nvSpPr>
-          <p:cNvPr id="36866" name="幻灯片图像占位符 124929"/>
-          <p:cNvSpPr>
-            <a:spLocks noGrp="1" noRot="1" noChangeAspect="1" noChangeArrowheads="1" noTextEdit="1"/>
-          </p:cNvSpPr>
-          <p:nvPr>
-            <p:ph type="sldImg" idx="4294967295"/>
-          </p:nvPr>
-        </p:nvSpPr>
-        <p:spPr/>
-      </p:sp>
-      <p:sp>
-        <p:nvSpPr>
-          <p:cNvPr id="36867" name="文本占位符 124930"/>
-          <p:cNvSpPr>
-            <a:spLocks noGrp="1" noChangeArrowheads="1"/>
-          </p:cNvSpPr>
-          <p:nvPr>
-            <p:ph type="body" idx="4294967295"/>
-          </p:nvPr>
-        </p:nvSpPr>
-        <p:spPr bwMode="auto">
-          <a:xfrm>
-            <a:off x="685800" y="4343400"/>
-            <a:ext cx="5486400" cy="4114800"/>
-          </a:xfrm>
-          <a:prstGeom prst="rect">
-            <a:avLst/>
-          </a:prstGeom>
-          <a:noFill/>
-          <a:ln/>
-          <a:extLst>
-            <a:ext uri="{909E8E84-426E-40DD-AFC4-6F175D3DCCD1}">
-              <a14:hiddenFill xmlns:a14="http://schemas.microsoft.com/office/drawing/2010/main">
-                <a:solidFill>
-                  <a:srgbClr val="FFFFFF"/>
-                </a:solidFill>
-              </a14:hiddenFill>
-            </a:ext>
-            <a:ext uri="{91240B29-F687-4F45-9708-019B960494DF}">
-              <a14:hiddenLine xmlns:a14="http://schemas.microsoft.com/office/drawing/2010/main" w="9525">
-                <a:solidFill>
-                  <a:srgbClr val="000000"/>
-                </a:solidFill>
-                <a:miter lim="800000"/>
-                <a:headEnd/>
-                <a:tailEnd/>
-              </a14:hiddenLine>
-            </a:ext>
-          </a:extLst>
-        </p:spPr>
-        <p:txBody>
-          <a:bodyPr/>
-          <a:lstStyle/>
-          <a:p>
-            <a:r>
-              <a:rPr lang="en-US" altLang="zh-CN" sz="1200" b="0" i="0" kern="1200" dirty="0" smtClean="0">
-                <a:solidFill>
-                  <a:schemeClr val="tx1"/>
-                </a:solidFill>
-                <a:effectLst/>
-                <a:latin typeface="+mn-lt"/>
-                <a:ea typeface="+mn-ea"/>
-                <a:cs typeface="+mn-cs"/>
-              </a:rPr>
-              <a:t>Positron Emission Tomography-Computed Tomography</a:t>
-            </a:r>
-            <a:endParaRPr lang="zh-CN" altLang="en-US" dirty="0" smtClean="0">
-              <a:ea typeface="宋体" panose="02010600030101010101" pitchFamily="2" charset="-122"/>
-            </a:endParaRPr>
-          </a:p>
-        </p:txBody>
-      </p:sp>
-      <p:sp>
-        <p:nvSpPr>
-          <p:cNvPr id="2" name="Slide Number Placeholder 1"/>
-          <p:cNvSpPr>
-            <a:spLocks noGrp="1"/>
-          </p:cNvSpPr>
-          <p:nvPr>
-            <p:ph type="sldNum" sz="quarter" idx="10"/>
-          </p:nvPr>
-        </p:nvSpPr>
-        <p:spPr/>
-        <p:txBody>
-          <a:bodyPr/>
-          <a:lstStyle/>
-          <a:p>
-            <a:pPr>
-              <a:defRPr/>
-            </a:pPr>
-            <a:fld id="{BF6C4AA2-D5B3-4212-867F-E265BBCBB5FC}" type="slidenum">
-              <a:rPr lang="zh-CN" altLang="en-US" smtClean="0"/>
-              <a:pPr>
-                <a:defRPr/>
-              </a:pPr>
-              <a:t>6</a:t>
-            </a:fld>
-            <a:endParaRPr lang="zh-CN" altLang="en-US"/>
-          </a:p>
-        </p:txBody>
-      </p:sp>
-    </p:spTree>
-    <p:extLst>
-      <p:ext uri="{BB962C8B-B14F-4D97-AF65-F5344CB8AC3E}">
-        <p14:creationId xmlns:p14="http://schemas.microsoft.com/office/powerpoint/2010/main" val="407410760"/>
-      </p:ext>
-    </p:extLst>
-  </p:cSld>
-  <p:clrMapOvr>
-    <a:masterClrMapping/>
-  </p:clrMapOvr>
-</p:notes>
-</file>
-
-<file path=ppt/notesSlides/notesSlide3.xml><?xml version="1.0" encoding="utf-8"?>
-<p:notes xmlns:a="http://schemas.openxmlformats.org/drawingml/2006/main" xmlns:r="http://schemas.openxmlformats.org/officeDocument/2006/relationships" xmlns:p="http://schemas.openxmlformats.org/presentationml/2006/main">
-  <p:cSld>
-    <p:spTree>
-      <p:nvGrpSpPr>
-        <p:cNvPr id="1" name=""/>
-        <p:cNvGrpSpPr/>
-        <p:nvPr/>
-      </p:nvGrpSpPr>
-      <p:grpSpPr>
-        <a:xfrm>
-          <a:off x="0" y="0"/>
-          <a:ext cx="0" cy="0"/>
-          <a:chOff x="0" y="0"/>
-          <a:chExt cx="0" cy="0"/>
-        </a:xfrm>
-      </p:grpSpPr>
-      <p:sp>
-        <p:nvSpPr>
-          <p:cNvPr id="2" name="幻灯片图像占位符 1"/>
-          <p:cNvSpPr>
-            <a:spLocks noGrp="1" noRot="1" noChangeAspect="1"/>
-          </p:cNvSpPr>
-          <p:nvPr>
-            <p:ph type="sldImg"/>
-          </p:nvPr>
-        </p:nvSpPr>
-        <p:spPr/>
-      </p:sp>
-      <p:sp>
-        <p:nvSpPr>
-          <p:cNvPr id="3" name="备注占位符 2"/>
-          <p:cNvSpPr>
-            <a:spLocks noGrp="1"/>
-          </p:cNvSpPr>
-          <p:nvPr>
-            <p:ph type="body" idx="1"/>
-          </p:nvPr>
-        </p:nvSpPr>
-        <p:spPr/>
-        <p:txBody>
-          <a:bodyPr/>
-          <a:lstStyle/>
-          <a:p>
-            <a:r>
-              <a:rPr lang="zh-CN" altLang="en-US" dirty="0" smtClean="0"/>
-              <a:t>改进型优化的技术路线</a:t>
-            </a:r>
-            <a:endParaRPr lang="en-US" altLang="zh-CN" dirty="0" smtClean="0"/>
-          </a:p>
-          <a:p>
-            <a:r>
-              <a:rPr lang="zh-CN" altLang="en-US" dirty="0" smtClean="0"/>
-              <a:t>考虑的因素更为全面</a:t>
-            </a:r>
-            <a:endParaRPr lang="en-US" altLang="zh-CN" dirty="0" smtClean="0"/>
-          </a:p>
-          <a:p>
-            <a:r>
-              <a:rPr lang="zh-CN" altLang="en-US" dirty="0" smtClean="0"/>
-              <a:t>减少网格数</a:t>
-            </a:r>
-            <a:endParaRPr lang="zh-CN" altLang="en-US" dirty="0"/>
-          </a:p>
-        </p:txBody>
-      </p:sp>
-      <p:sp>
-        <p:nvSpPr>
-          <p:cNvPr id="5" name="Slide Number Placeholder 4"/>
-          <p:cNvSpPr>
-            <a:spLocks noGrp="1"/>
-          </p:cNvSpPr>
-          <p:nvPr>
-            <p:ph type="sldNum" sz="quarter" idx="10"/>
-          </p:nvPr>
-        </p:nvSpPr>
-        <p:spPr/>
-        <p:txBody>
-          <a:bodyPr/>
-          <a:lstStyle/>
-          <a:p>
-            <a:pPr>
-              <a:defRPr/>
-            </a:pPr>
-            <a:fld id="{BF6C4AA2-D5B3-4212-867F-E265BBCBB5FC}" type="slidenum">
-              <a:rPr lang="zh-CN" altLang="en-US" smtClean="0"/>
-              <a:pPr>
-                <a:defRPr/>
-              </a:pPr>
-              <a:t>8</a:t>
-            </a:fld>
-            <a:endParaRPr lang="zh-CN" altLang="en-US"/>
-          </a:p>
-        </p:txBody>
-      </p:sp>
-    </p:spTree>
-    <p:extLst>
-      <p:ext uri="{BB962C8B-B14F-4D97-AF65-F5344CB8AC3E}">
-        <p14:creationId xmlns:p14="http://schemas.microsoft.com/office/powerpoint/2010/main" val="2729239384"/>
-      </p:ext>
-    </p:extLst>
-  </p:cSld>
-  <p:clrMapOvr>
-    <a:masterClrMapping/>
-  </p:clrMapOvr>
-</p:notes>
-</file>
-
-<file path=ppt/notesSlides/notesSlide4.xml><?xml version="1.0" encoding="utf-8"?>
-<p:notes xmlns:a="http://schemas.openxmlformats.org/drawingml/2006/main" xmlns:r="http://schemas.openxmlformats.org/officeDocument/2006/relationships" xmlns:p="http://schemas.openxmlformats.org/presentationml/2006/main">
-  <p:cSld>
-    <p:spTree>
-      <p:nvGrpSpPr>
-        <p:cNvPr id="1" name=""/>
-        <p:cNvGrpSpPr/>
-        <p:nvPr/>
-      </p:nvGrpSpPr>
-      <p:grpSpPr>
-        <a:xfrm>
-          <a:off x="0" y="0"/>
-          <a:ext cx="0" cy="0"/>
-          <a:chOff x="0" y="0"/>
-          <a:chExt cx="0" cy="0"/>
-        </a:xfrm>
-      </p:grpSpPr>
-      <p:sp>
-        <p:nvSpPr>
-          <p:cNvPr id="2" name="幻灯片图像占位符 1"/>
-          <p:cNvSpPr>
-            <a:spLocks noGrp="1" noRot="1" noChangeAspect="1"/>
-          </p:cNvSpPr>
-          <p:nvPr>
-            <p:ph type="sldImg"/>
-          </p:nvPr>
-        </p:nvSpPr>
-        <p:spPr/>
-      </p:sp>
-      <p:sp>
-        <p:nvSpPr>
-          <p:cNvPr id="3" name="备注占位符 2"/>
-          <p:cNvSpPr>
-            <a:spLocks noGrp="1"/>
-          </p:cNvSpPr>
-          <p:nvPr>
-            <p:ph type="body" idx="1"/>
-          </p:nvPr>
-        </p:nvSpPr>
-        <p:spPr/>
-        <p:txBody>
-          <a:bodyPr/>
-          <a:lstStyle/>
-          <a:p>
-            <a:pPr eaLnBrk="1" hangingPunct="1"/>
-            <a:r>
-              <a:rPr lang="en-US" altLang="zh-CN" dirty="0" smtClean="0"/>
-              <a:t>SGS</a:t>
-            </a:r>
-            <a:r>
-              <a:rPr lang="zh-CN" altLang="en-US" dirty="0" smtClean="0"/>
-              <a:t>和</a:t>
-            </a:r>
-            <a:r>
-              <a:rPr lang="en-US" altLang="zh-CN" dirty="0" err="1" smtClean="0"/>
-              <a:t>TGS方法</a:t>
-            </a:r>
-            <a:r>
-              <a:rPr lang="zh-CN" altLang="en-US" dirty="0" smtClean="0"/>
-              <a:t>在快速准确的测量低中放废物桶上都存在一定的局限性，尤其是针对</a:t>
-            </a:r>
-            <a:r>
-              <a:rPr lang="en-US" altLang="zh-CN" dirty="0" smtClean="0"/>
-              <a:t>400L</a:t>
-            </a:r>
-            <a:r>
-              <a:rPr lang="zh-CN" altLang="en-US" dirty="0" smtClean="0"/>
-              <a:t>、密度大及放射性核素不均匀分布的情况；</a:t>
-            </a:r>
-          </a:p>
-          <a:p>
-            <a:pPr eaLnBrk="1" hangingPunct="1"/>
-            <a:r>
-              <a:rPr lang="zh-CN" altLang="en-US" dirty="0" smtClean="0"/>
-              <a:t>前述的改进型测量技术都基于一定的假设，难以满足各种类型废物桶准确测量的需要；</a:t>
-            </a:r>
-          </a:p>
-          <a:p>
-            <a:pPr eaLnBrk="1" hangingPunct="1"/>
-            <a:r>
-              <a:rPr lang="zh-CN" altLang="en-US" dirty="0" smtClean="0"/>
-              <a:t>一种在精度保证的情况下、进行快速测量的改进型方法，是低中放废物桶测量所迫切需要的技术。</a:t>
-            </a:r>
-            <a:endParaRPr lang="en-US" altLang="zh-CN" dirty="0" smtClean="0"/>
-          </a:p>
-          <a:p>
-            <a:r>
-              <a:rPr lang="zh-CN" altLang="zh-CN" sz="1400" dirty="0" smtClean="0"/>
-              <a:t>基于现有系统进行了低放废物桶层析扫描系统的改造和再设计，</a:t>
-            </a:r>
-            <a:r>
-              <a:rPr lang="zh-CN" altLang="en-US" sz="1400" dirty="0" smtClean="0"/>
-              <a:t>主要包括</a:t>
-            </a:r>
-            <a:r>
-              <a:rPr lang="zh-CN" altLang="zh-CN" sz="1400" dirty="0" smtClean="0"/>
-              <a:t>机电控制</a:t>
-            </a:r>
-            <a:r>
-              <a:rPr lang="zh-CN" altLang="en-US" sz="1400" dirty="0" smtClean="0"/>
-              <a:t>模块、</a:t>
-            </a:r>
-            <a:r>
-              <a:rPr lang="zh-CN" altLang="zh-CN" sz="1400" dirty="0" smtClean="0"/>
-              <a:t>数据采集和用户交互模块</a:t>
-            </a:r>
-            <a:r>
-              <a:rPr lang="zh-CN" altLang="en-US" sz="1400" dirty="0" smtClean="0"/>
-              <a:t>等</a:t>
-            </a:r>
-            <a:endParaRPr lang="en-US" altLang="zh-CN" sz="1400" dirty="0" smtClean="0"/>
-          </a:p>
-          <a:p>
-            <a:r>
-              <a:rPr lang="zh-CN" altLang="zh-CN" sz="1400" dirty="0" smtClean="0"/>
-              <a:t>提出了一种叫做半层析伽马扫描（STGS）方法的改进型方法</a:t>
-            </a:r>
-            <a:r>
-              <a:rPr lang="zh-CN" altLang="en-US" sz="1400" dirty="0" smtClean="0"/>
-              <a:t>并验证了测量效果</a:t>
-            </a:r>
-            <a:endParaRPr lang="en-US" altLang="zh-CN" sz="1400" dirty="0" smtClean="0"/>
-          </a:p>
-          <a:p>
-            <a:r>
-              <a:rPr lang="zh-CN" altLang="zh-CN" sz="1400" dirty="0" smtClean="0"/>
-              <a:t>提出了一种</a:t>
-            </a:r>
-            <a:r>
-              <a:rPr lang="zh-CN" altLang="en-US" sz="1400" dirty="0" smtClean="0"/>
-              <a:t>双探测器的</a:t>
-            </a:r>
-            <a:r>
-              <a:rPr lang="zh-CN" altLang="zh-CN" sz="1400" dirty="0" smtClean="0"/>
-              <a:t>改进型分层伽马扫描方法</a:t>
-            </a:r>
-            <a:r>
-              <a:rPr lang="zh-CN" altLang="en-US" sz="1400" dirty="0" smtClean="0"/>
-              <a:t>并验证了测量效果</a:t>
-            </a:r>
-          </a:p>
-          <a:p>
-            <a:pPr eaLnBrk="1" hangingPunct="1"/>
-            <a:endParaRPr lang="zh-CN" altLang="en-US" sz="1400" dirty="0" smtClean="0"/>
-          </a:p>
-          <a:p>
-            <a:endParaRPr lang="zh-CN" altLang="en-US" dirty="0"/>
-          </a:p>
-        </p:txBody>
-      </p:sp>
-      <p:sp>
-        <p:nvSpPr>
-          <p:cNvPr id="5" name="Slide Number Placeholder 4"/>
-          <p:cNvSpPr>
-            <a:spLocks noGrp="1"/>
-          </p:cNvSpPr>
-          <p:nvPr>
-            <p:ph type="sldNum" sz="quarter" idx="10"/>
-          </p:nvPr>
-        </p:nvSpPr>
-        <p:spPr/>
-        <p:txBody>
-          <a:bodyPr/>
-          <a:lstStyle/>
-          <a:p>
-            <a:pPr>
-              <a:defRPr/>
-            </a:pPr>
-            <a:fld id="{BF6C4AA2-D5B3-4212-867F-E265BBCBB5FC}" type="slidenum">
-              <a:rPr lang="zh-CN" altLang="en-US" smtClean="0"/>
-              <a:pPr>
-                <a:defRPr/>
-              </a:pPr>
-              <a:t>9</a:t>
-            </a:fld>
-            <a:endParaRPr lang="zh-CN" altLang="en-US"/>
-          </a:p>
-        </p:txBody>
-      </p:sp>
-    </p:spTree>
-    <p:extLst>
-      <p:ext uri="{BB962C8B-B14F-4D97-AF65-F5344CB8AC3E}">
-        <p14:creationId xmlns:p14="http://schemas.microsoft.com/office/powerpoint/2010/main" val="2690863176"/>
-      </p:ext>
-    </p:extLst>
-  </p:cSld>
-  <p:clrMapOvr>
-    <a:masterClrMapping/>
-  </p:clrMapOvr>
-</p:notes>
-</file>
-
-<file path=ppt/notesSlides/notesSlide5.xml><?xml version="1.0" encoding="utf-8"?>
-<p:notes xmlns:a="http://schemas.openxmlformats.org/drawingml/2006/main" xmlns:r="http://schemas.openxmlformats.org/officeDocument/2006/relationships" xmlns:p="http://schemas.openxmlformats.org/presentationml/2006/main">
-  <p:cSld>
-    <p:spTree>
-      <p:nvGrpSpPr>
-        <p:cNvPr id="1" name=""/>
-        <p:cNvGrpSpPr/>
-        <p:nvPr/>
-      </p:nvGrpSpPr>
-      <p:grpSpPr>
-        <a:xfrm>
-          <a:off x="0" y="0"/>
-          <a:ext cx="0" cy="0"/>
-          <a:chOff x="0" y="0"/>
-          <a:chExt cx="0" cy="0"/>
-        </a:xfrm>
-      </p:grpSpPr>
-      <p:sp>
-        <p:nvSpPr>
-          <p:cNvPr id="2" name="幻灯片图像占位符 1"/>
-          <p:cNvSpPr>
-            <a:spLocks noGrp="1" noRot="1" noChangeAspect="1"/>
-          </p:cNvSpPr>
-          <p:nvPr>
-            <p:ph type="sldImg"/>
-          </p:nvPr>
-        </p:nvSpPr>
-        <p:spPr/>
-      </p:sp>
-      <p:sp>
-        <p:nvSpPr>
-          <p:cNvPr id="3" name="备注占位符 2"/>
-          <p:cNvSpPr>
-            <a:spLocks noGrp="1"/>
-          </p:cNvSpPr>
-          <p:nvPr>
-            <p:ph type="body" idx="1"/>
-          </p:nvPr>
-        </p:nvSpPr>
-        <p:spPr/>
-        <p:txBody>
-          <a:bodyPr/>
-          <a:lstStyle/>
-          <a:p>
-            <a:r>
-              <a:rPr lang="zh-CN" altLang="en-US" dirty="0" smtClean="0"/>
-              <a:t>系统的技术指标，以及创新点</a:t>
-            </a:r>
-            <a:endParaRPr lang="en-US" altLang="zh-CN" dirty="0" smtClean="0"/>
-          </a:p>
-          <a:p>
-            <a:r>
-              <a:rPr lang="zh-CN" altLang="en-US" dirty="0" smtClean="0"/>
-              <a:t>包括紧凑化、模块化的再设计</a:t>
-            </a:r>
-            <a:endParaRPr lang="zh-CN" altLang="en-US" dirty="0"/>
-          </a:p>
-        </p:txBody>
-      </p:sp>
-      <p:sp>
-        <p:nvSpPr>
-          <p:cNvPr id="5" name="Slide Number Placeholder 4"/>
-          <p:cNvSpPr>
-            <a:spLocks noGrp="1"/>
-          </p:cNvSpPr>
-          <p:nvPr>
-            <p:ph type="sldNum" sz="quarter" idx="10"/>
-          </p:nvPr>
-        </p:nvSpPr>
-        <p:spPr/>
-        <p:txBody>
-          <a:bodyPr/>
-          <a:lstStyle/>
-          <a:p>
-            <a:pPr>
-              <a:defRPr/>
-            </a:pPr>
-            <a:fld id="{BF6C4AA2-D5B3-4212-867F-E265BBCBB5FC}" type="slidenum">
-              <a:rPr lang="zh-CN" altLang="en-US" smtClean="0"/>
-              <a:pPr>
-                <a:defRPr/>
-              </a:pPr>
-              <a:t>11</a:t>
-            </a:fld>
-            <a:endParaRPr lang="zh-CN" altLang="en-US"/>
-          </a:p>
-        </p:txBody>
-      </p:sp>
-    </p:spTree>
-    <p:extLst>
-      <p:ext uri="{BB962C8B-B14F-4D97-AF65-F5344CB8AC3E}">
-        <p14:creationId xmlns:p14="http://schemas.microsoft.com/office/powerpoint/2010/main" val="170437824"/>
-      </p:ext>
-    </p:extLst>
-  </p:cSld>
-  <p:clrMapOvr>
-    <a:masterClrMapping/>
-  </p:clrMapOvr>
-</p:notes>
-</file>
-
-<file path=ppt/notesSlides/notesSlide6.xml><?xml version="1.0" encoding="utf-8"?>
-<p:notes xmlns:a="http://schemas.openxmlformats.org/drawingml/2006/main" xmlns:r="http://schemas.openxmlformats.org/officeDocument/2006/relationships" xmlns:p="http://schemas.openxmlformats.org/presentationml/2006/main">
-  <p:cSld>
-    <p:spTree>
-      <p:nvGrpSpPr>
-        <p:cNvPr id="1" name=""/>
-        <p:cNvGrpSpPr/>
-        <p:nvPr/>
-      </p:nvGrpSpPr>
-      <p:grpSpPr>
-        <a:xfrm>
-          <a:off x="0" y="0"/>
-          <a:ext cx="0" cy="0"/>
-          <a:chOff x="0" y="0"/>
-          <a:chExt cx="0" cy="0"/>
-        </a:xfrm>
-      </p:grpSpPr>
-      <p:sp>
-        <p:nvSpPr>
-          <p:cNvPr id="2" name="幻灯片图像占位符 1"/>
-          <p:cNvSpPr>
-            <a:spLocks noGrp="1" noRot="1" noChangeAspect="1"/>
-          </p:cNvSpPr>
-          <p:nvPr>
-            <p:ph type="sldImg"/>
-          </p:nvPr>
-        </p:nvSpPr>
-        <p:spPr/>
-      </p:sp>
-      <p:sp>
-        <p:nvSpPr>
-          <p:cNvPr id="3" name="备注占位符 2"/>
-          <p:cNvSpPr>
-            <a:spLocks noGrp="1"/>
-          </p:cNvSpPr>
-          <p:nvPr>
-            <p:ph type="body" idx="1"/>
-          </p:nvPr>
-        </p:nvSpPr>
-        <p:spPr/>
-        <p:txBody>
-          <a:bodyPr/>
-          <a:lstStyle/>
-          <a:p>
-            <a:endParaRPr lang="zh-CN" altLang="en-US" dirty="0"/>
-          </a:p>
-        </p:txBody>
-      </p:sp>
-      <p:sp>
-        <p:nvSpPr>
-          <p:cNvPr id="5" name="Slide Number Placeholder 4"/>
-          <p:cNvSpPr>
-            <a:spLocks noGrp="1"/>
-          </p:cNvSpPr>
-          <p:nvPr>
-            <p:ph type="sldNum" sz="quarter" idx="10"/>
-          </p:nvPr>
-        </p:nvSpPr>
-        <p:spPr/>
-        <p:txBody>
-          <a:bodyPr/>
-          <a:lstStyle/>
-          <a:p>
-            <a:pPr>
-              <a:defRPr/>
-            </a:pPr>
-            <a:fld id="{BF6C4AA2-D5B3-4212-867F-E265BBCBB5FC}" type="slidenum">
-              <a:rPr lang="zh-CN" altLang="en-US" smtClean="0"/>
-              <a:pPr>
-                <a:defRPr/>
-              </a:pPr>
-              <a:t>12</a:t>
-            </a:fld>
-            <a:endParaRPr lang="zh-CN" altLang="en-US"/>
-          </a:p>
-        </p:txBody>
-      </p:sp>
-    </p:spTree>
-    <p:extLst>
-      <p:ext uri="{BB962C8B-B14F-4D97-AF65-F5344CB8AC3E}">
-        <p14:creationId xmlns:p14="http://schemas.microsoft.com/office/powerpoint/2010/main" val="206973836"/>
-      </p:ext>
-    </p:extLst>
-  </p:cSld>
-  <p:clrMapOvr>
-    <a:masterClrMapping/>
-  </p:clrMapOvr>
-</p:notes>
-</file>
-
-<file path=ppt/notesSlides/notesSlide7.xml><?xml version="1.0" encoding="utf-8"?>
-<p:notes xmlns:a="http://schemas.openxmlformats.org/drawingml/2006/main" xmlns:r="http://schemas.openxmlformats.org/officeDocument/2006/relationships" xmlns:p="http://schemas.openxmlformats.org/presentationml/2006/main">
-  <p:cSld>
-    <p:spTree>
-      <p:nvGrpSpPr>
-        <p:cNvPr id="1" name=""/>
-        <p:cNvGrpSpPr/>
-        <p:nvPr/>
-      </p:nvGrpSpPr>
-      <p:grpSpPr>
-        <a:xfrm>
-          <a:off x="0" y="0"/>
-          <a:ext cx="0" cy="0"/>
-          <a:chOff x="0" y="0"/>
-          <a:chExt cx="0" cy="0"/>
-        </a:xfrm>
-      </p:grpSpPr>
-      <p:sp>
-        <p:nvSpPr>
-          <p:cNvPr id="2" name="幻灯片图像占位符 1"/>
-          <p:cNvSpPr>
-            <a:spLocks noGrp="1" noRot="1" noChangeAspect="1"/>
-          </p:cNvSpPr>
-          <p:nvPr>
-            <p:ph type="sldImg"/>
-          </p:nvPr>
-        </p:nvSpPr>
-        <p:spPr/>
-      </p:sp>
-      <p:sp>
-        <p:nvSpPr>
-          <p:cNvPr id="3" name="备注占位符 2"/>
-          <p:cNvSpPr>
-            <a:spLocks noGrp="1"/>
-          </p:cNvSpPr>
-          <p:nvPr>
-            <p:ph type="body" idx="1"/>
-          </p:nvPr>
-        </p:nvSpPr>
-        <p:spPr/>
-        <p:txBody>
-          <a:bodyPr/>
-          <a:lstStyle/>
-          <a:p>
-            <a:r>
-              <a:rPr lang="zh-CN" altLang="en-US" dirty="0" smtClean="0"/>
-              <a:t>证明了我们的仿真方法是可靠的</a:t>
-            </a:r>
-            <a:endParaRPr lang="zh-CN" altLang="en-US" dirty="0"/>
-          </a:p>
-        </p:txBody>
-      </p:sp>
-      <p:sp>
-        <p:nvSpPr>
-          <p:cNvPr id="5" name="Slide Number Placeholder 4"/>
-          <p:cNvSpPr>
-            <a:spLocks noGrp="1"/>
-          </p:cNvSpPr>
-          <p:nvPr>
-            <p:ph type="sldNum" sz="quarter" idx="10"/>
-          </p:nvPr>
-        </p:nvSpPr>
-        <p:spPr/>
-        <p:txBody>
-          <a:bodyPr/>
-          <a:lstStyle/>
-          <a:p>
-            <a:pPr>
-              <a:defRPr/>
-            </a:pPr>
-            <a:fld id="{BF6C4AA2-D5B3-4212-867F-E265BBCBB5FC}" type="slidenum">
-              <a:rPr lang="zh-CN" altLang="en-US" smtClean="0"/>
-              <a:pPr>
-                <a:defRPr/>
-              </a:pPr>
-              <a:t>16</a:t>
-            </a:fld>
-            <a:endParaRPr lang="zh-CN" altLang="en-US"/>
-          </a:p>
-        </p:txBody>
-      </p:sp>
-    </p:spTree>
-    <p:extLst>
-      <p:ext uri="{BB962C8B-B14F-4D97-AF65-F5344CB8AC3E}">
-        <p14:creationId xmlns:p14="http://schemas.microsoft.com/office/powerpoint/2010/main" val="3459028244"/>
-      </p:ext>
-    </p:extLst>
-  </p:cSld>
-  <p:clrMapOvr>
-    <a:masterClrMapping/>
-  </p:clrMapOvr>
-</p:notes>
-</file>
-
-<file path=ppt/notesSlides/notesSlide8.xml><?xml version="1.0" encoding="utf-8"?>
-<p:notes xmlns:a="http://schemas.openxmlformats.org/drawingml/2006/main" xmlns:r="http://schemas.openxmlformats.org/officeDocument/2006/relationships" xmlns:p="http://schemas.openxmlformats.org/presentationml/2006/main">
-  <p:cSld>
-    <p:spTree>
-      <p:nvGrpSpPr>
-        <p:cNvPr id="1" name=""/>
-        <p:cNvGrpSpPr/>
-        <p:nvPr/>
-      </p:nvGrpSpPr>
-      <p:grpSpPr>
-        <a:xfrm>
-          <a:off x="0" y="0"/>
-          <a:ext cx="0" cy="0"/>
-          <a:chOff x="0" y="0"/>
-          <a:chExt cx="0" cy="0"/>
-        </a:xfrm>
-      </p:grpSpPr>
-      <p:sp>
-        <p:nvSpPr>
-          <p:cNvPr id="2" name="幻灯片图像占位符 1"/>
-          <p:cNvSpPr>
-            <a:spLocks noGrp="1" noRot="1" noChangeAspect="1"/>
-          </p:cNvSpPr>
-          <p:nvPr>
-            <p:ph type="sldImg"/>
-          </p:nvPr>
-        </p:nvSpPr>
-        <p:spPr/>
-      </p:sp>
-      <p:sp>
-        <p:nvSpPr>
-          <p:cNvPr id="3" name="备注占位符 2"/>
-          <p:cNvSpPr>
-            <a:spLocks noGrp="1"/>
-          </p:cNvSpPr>
-          <p:nvPr>
-            <p:ph type="body" idx="1"/>
-          </p:nvPr>
-        </p:nvSpPr>
-        <p:spPr/>
-        <p:txBody>
-          <a:bodyPr/>
-          <a:lstStyle/>
-          <a:p>
-            <a:endParaRPr lang="zh-CN" altLang="en-US" dirty="0"/>
-          </a:p>
-        </p:txBody>
-      </p:sp>
-      <p:sp>
-        <p:nvSpPr>
-          <p:cNvPr id="5" name="Slide Number Placeholder 4"/>
-          <p:cNvSpPr>
-            <a:spLocks noGrp="1"/>
-          </p:cNvSpPr>
-          <p:nvPr>
-            <p:ph type="sldNum" sz="quarter" idx="10"/>
-          </p:nvPr>
-        </p:nvSpPr>
-        <p:spPr/>
-        <p:txBody>
-          <a:bodyPr/>
-          <a:lstStyle/>
-          <a:p>
-            <a:pPr>
-              <a:defRPr/>
-            </a:pPr>
-            <a:fld id="{BF6C4AA2-D5B3-4212-867F-E265BBCBB5FC}" type="slidenum">
-              <a:rPr lang="zh-CN" altLang="en-US" smtClean="0"/>
-              <a:pPr>
-                <a:defRPr/>
-              </a:pPr>
-              <a:t>17</a:t>
-            </a:fld>
-            <a:endParaRPr lang="zh-CN" altLang="en-US"/>
-          </a:p>
-        </p:txBody>
-      </p:sp>
-    </p:spTree>
-    <p:extLst>
-      <p:ext uri="{BB962C8B-B14F-4D97-AF65-F5344CB8AC3E}">
-        <p14:creationId xmlns:p14="http://schemas.microsoft.com/office/powerpoint/2010/main" val="1221657220"/>
-      </p:ext>
-    </p:extLst>
-  </p:cSld>
-  <p:clrMapOvr>
-    <a:masterClrMapping/>
-  </p:clrMapOvr>
-</p:notes>
-</file>
-
-<file path=ppt/notesSlides/notesSlide9.xml><?xml version="1.0" encoding="utf-8"?>
+<file path=ppt/notesSlides/notesSlide19.xml><?xml version="1.0" encoding="utf-8"?>
 <p:notes xmlns:a="http://schemas.openxmlformats.org/drawingml/2006/main" xmlns:r="http://schemas.openxmlformats.org/officeDocument/2006/relationships" xmlns:p="http://schemas.openxmlformats.org/presentationml/2006/main">
   <p:cSld>
     <p:spTree>
@@ -8499,20 +7376,270 @@
             <a:fld id="{DA5E911D-252C-4FB2-A0FE-BD5698161935}" type="slidenum">
               <a:rPr lang="zh-CN" altLang="en-US" sz="1200"/>
               <a:pPr algn="r"/>
-              <a:t>19</a:t>
+              <a:t>28</a:t>
             </a:fld>
             <a:endParaRPr lang="en-US" altLang="zh-CN" sz="1200"/>
           </a:p>
         </p:txBody>
+      </p:sp>
+    </p:spTree>
+    <p:extLst>
+      <p:ext uri="{BB962C8B-B14F-4D97-AF65-F5344CB8AC3E}">
+        <p14:creationId xmlns:p14="http://schemas.microsoft.com/office/powerpoint/2010/main" val="1122531291"/>
+      </p:ext>
+    </p:extLst>
+  </p:cSld>
+  <p:clrMapOvr>
+    <a:masterClrMapping/>
+  </p:clrMapOvr>
+</p:notes>
+</file>
+
+<file path=ppt/notesSlides/notesSlide2.xml><?xml version="1.0" encoding="utf-8"?>
+<p:notes xmlns:a="http://schemas.openxmlformats.org/drawingml/2006/main" xmlns:r="http://schemas.openxmlformats.org/officeDocument/2006/relationships" xmlns:p="http://schemas.openxmlformats.org/presentationml/2006/main">
+  <p:cSld>
+    <p:spTree>
+      <p:nvGrpSpPr>
+        <p:cNvPr id="1" name=""/>
+        <p:cNvGrpSpPr/>
+        <p:nvPr/>
+      </p:nvGrpSpPr>
+      <p:grpSpPr>
+        <a:xfrm>
+          <a:off x="0" y="0"/>
+          <a:ext cx="0" cy="0"/>
+          <a:chOff x="0" y="0"/>
+          <a:chExt cx="0" cy="0"/>
+        </a:xfrm>
+      </p:grpSpPr>
+      <p:sp>
+        <p:nvSpPr>
+          <p:cNvPr id="21505" name="Rectangle 2"/>
+          <p:cNvSpPr>
+            <a:spLocks noGrp="1" noRot="1" noChangeAspect="1" noTextEdit="1"/>
+          </p:cNvSpPr>
+          <p:nvPr>
+            <p:ph type="sldImg"/>
+          </p:nvPr>
+        </p:nvSpPr>
+        <p:spPr bwMode="auto">
+          <a:noFill/>
+          <a:ln>
+            <a:solidFill>
+              <a:srgbClr val="000000"/>
+            </a:solidFill>
+            <a:miter lim="800000"/>
+            <a:headEnd/>
+            <a:tailEnd/>
+          </a:ln>
+        </p:spPr>
       </p:sp>
       <p:sp>
         <p:nvSpPr>
-          <p:cNvPr id="3" name="Slide Number Placeholder 2"/>
+          <p:cNvPr id="21506" name="Rectangle 3"/>
           <p:cNvSpPr>
             <a:spLocks noGrp="1"/>
           </p:cNvSpPr>
           <p:nvPr>
-            <p:ph type="sldNum" sz="quarter" idx="10"/>
+            <p:ph type="body" idx="1"/>
+          </p:nvPr>
+        </p:nvSpPr>
+        <p:spPr bwMode="auto">
+          <a:noFill/>
+        </p:spPr>
+        <p:txBody>
+          <a:bodyPr wrap="square" numCol="1" anchor="t" anchorCtr="0" compatLnSpc="1">
+            <a:prstTxWarp prst="textNoShape">
+              <a:avLst/>
+            </a:prstTxWarp>
+          </a:bodyPr>
+          <a:lstStyle/>
+          <a:p>
+            <a:pPr eaLnBrk="1" hangingPunct="1"/>
+            <a:r>
+              <a:rPr lang="en-US" altLang="zh-CN" smtClean="0"/>
+              <a:t>TGS</a:t>
+            </a:r>
+            <a:r>
+              <a:rPr lang="zh-CN" altLang="en-US" smtClean="0"/>
+              <a:t>误差远远小于</a:t>
+            </a:r>
+            <a:r>
+              <a:rPr lang="en-US" altLang="zh-CN" smtClean="0"/>
+              <a:t>SGS</a:t>
+            </a:r>
+          </a:p>
+          <a:p>
+            <a:pPr eaLnBrk="1" hangingPunct="1"/>
+            <a:r>
+              <a:rPr lang="zh-CN" altLang="en-US" smtClean="0"/>
+              <a:t>这是由于</a:t>
+            </a:r>
+            <a:r>
+              <a:rPr lang="en-US" altLang="zh-CN" smtClean="0"/>
+              <a:t>TGS</a:t>
+            </a:r>
+            <a:r>
+              <a:rPr lang="zh-CN" altLang="en-US" smtClean="0"/>
+              <a:t>采用了三维划分的方法</a:t>
+            </a:r>
+          </a:p>
+        </p:txBody>
+      </p:sp>
+    </p:spTree>
+    <p:extLst>
+      <p:ext uri="{BB962C8B-B14F-4D97-AF65-F5344CB8AC3E}">
+        <p14:creationId xmlns:p14="http://schemas.microsoft.com/office/powerpoint/2010/main" val="1545757311"/>
+      </p:ext>
+    </p:extLst>
+  </p:cSld>
+  <p:clrMapOvr>
+    <a:masterClrMapping/>
+  </p:clrMapOvr>
+</p:notes>
+</file>
+
+<file path=ppt/notesSlides/notesSlide3.xml><?xml version="1.0" encoding="utf-8"?>
+<p:notes xmlns:a="http://schemas.openxmlformats.org/drawingml/2006/main" xmlns:r="http://schemas.openxmlformats.org/officeDocument/2006/relationships" xmlns:p="http://schemas.openxmlformats.org/presentationml/2006/main">
+  <p:cSld>
+    <p:spTree>
+      <p:nvGrpSpPr>
+        <p:cNvPr id="1" name=""/>
+        <p:cNvGrpSpPr/>
+        <p:nvPr/>
+      </p:nvGrpSpPr>
+      <p:grpSpPr>
+        <a:xfrm>
+          <a:off x="0" y="0"/>
+          <a:ext cx="0" cy="0"/>
+          <a:chOff x="0" y="0"/>
+          <a:chExt cx="0" cy="0"/>
+        </a:xfrm>
+      </p:grpSpPr>
+      <p:sp>
+        <p:nvSpPr>
+          <p:cNvPr id="36866" name="幻灯片图像占位符 124929"/>
+          <p:cNvSpPr>
+            <a:spLocks noGrp="1" noRot="1" noChangeAspect="1" noChangeArrowheads="1" noTextEdit="1"/>
+          </p:cNvSpPr>
+          <p:nvPr>
+            <p:ph type="sldImg" idx="4294967295"/>
+          </p:nvPr>
+        </p:nvSpPr>
+        <p:spPr/>
+      </p:sp>
+      <p:sp>
+        <p:nvSpPr>
+          <p:cNvPr id="36867" name="文本占位符 124930"/>
+          <p:cNvSpPr>
+            <a:spLocks noGrp="1" noChangeArrowheads="1"/>
+          </p:cNvSpPr>
+          <p:nvPr>
+            <p:ph type="body" idx="4294967295"/>
+          </p:nvPr>
+        </p:nvSpPr>
+        <p:spPr bwMode="auto">
+          <a:xfrm>
+            <a:off x="685800" y="4343400"/>
+            <a:ext cx="5486400" cy="4114800"/>
+          </a:xfrm>
+          <a:prstGeom prst="rect">
+            <a:avLst/>
+          </a:prstGeom>
+          <a:noFill/>
+          <a:ln/>
+          <a:extLst>
+            <a:ext uri="{909E8E84-426E-40DD-AFC4-6F175D3DCCD1}">
+              <a14:hiddenFill xmlns:a14="http://schemas.microsoft.com/office/drawing/2010/main">
+                <a:solidFill>
+                  <a:srgbClr val="FFFFFF"/>
+                </a:solidFill>
+              </a14:hiddenFill>
+            </a:ext>
+            <a:ext uri="{91240B29-F687-4F45-9708-019B960494DF}">
+              <a14:hiddenLine xmlns:a14="http://schemas.microsoft.com/office/drawing/2010/main" w="9525">
+                <a:solidFill>
+                  <a:srgbClr val="000000"/>
+                </a:solidFill>
+                <a:miter lim="800000"/>
+                <a:headEnd/>
+                <a:tailEnd/>
+              </a14:hiddenLine>
+            </a:ext>
+          </a:extLst>
+        </p:spPr>
+        <p:txBody>
+          <a:bodyPr/>
+          <a:lstStyle/>
+          <a:p>
+            <a:r>
+              <a:rPr lang="en-US" altLang="zh-CN" sz="1200" b="0" i="0" kern="1200" dirty="0" smtClean="0">
+                <a:solidFill>
+                  <a:schemeClr val="tx1"/>
+                </a:solidFill>
+                <a:effectLst/>
+                <a:latin typeface="+mn-lt"/>
+                <a:ea typeface="+mn-ea"/>
+                <a:cs typeface="+mn-cs"/>
+              </a:rPr>
+              <a:t>Positron Emission Tomography-Computed Tomography</a:t>
+            </a:r>
+            <a:endParaRPr lang="zh-CN" altLang="en-US" dirty="0" smtClean="0">
+              <a:ea typeface="宋体" panose="02010600030101010101" pitchFamily="2" charset="-122"/>
+            </a:endParaRPr>
+          </a:p>
+        </p:txBody>
+      </p:sp>
+    </p:spTree>
+    <p:extLst>
+      <p:ext uri="{BB962C8B-B14F-4D97-AF65-F5344CB8AC3E}">
+        <p14:creationId xmlns:p14="http://schemas.microsoft.com/office/powerpoint/2010/main" val="407410760"/>
+      </p:ext>
+    </p:extLst>
+  </p:cSld>
+  <p:clrMapOvr>
+    <a:masterClrMapping/>
+  </p:clrMapOvr>
+</p:notes>
+</file>
+
+<file path=ppt/notesSlides/notesSlide4.xml><?xml version="1.0" encoding="utf-8"?>
+<p:notes xmlns:a="http://schemas.openxmlformats.org/drawingml/2006/main" xmlns:r="http://schemas.openxmlformats.org/officeDocument/2006/relationships" xmlns:p="http://schemas.openxmlformats.org/presentationml/2006/main">
+  <p:cSld>
+    <p:spTree>
+      <p:nvGrpSpPr>
+        <p:cNvPr id="1" name=""/>
+        <p:cNvGrpSpPr/>
+        <p:nvPr/>
+      </p:nvGrpSpPr>
+      <p:grpSpPr>
+        <a:xfrm>
+          <a:off x="0" y="0"/>
+          <a:ext cx="0" cy="0"/>
+          <a:chOff x="0" y="0"/>
+          <a:chExt cx="0" cy="0"/>
+        </a:xfrm>
+      </p:grpSpPr>
+      <p:sp>
+        <p:nvSpPr>
+          <p:cNvPr id="2" name="幻灯片图像占位符 1"/>
+          <p:cNvSpPr>
+            <a:spLocks noGrp="1" noRot="1" noChangeAspect="1"/>
+          </p:cNvSpPr>
+          <p:nvPr>
+            <p:ph type="sldImg"/>
+          </p:nvPr>
+        </p:nvSpPr>
+        <p:spPr/>
+      </p:sp>
+      <p:sp>
+        <p:nvSpPr>
+          <p:cNvPr id="3" name="备注占位符 2"/>
+          <p:cNvSpPr>
+            <a:spLocks noGrp="1"/>
+          </p:cNvSpPr>
+          <p:nvPr>
+            <p:ph type="body" idx="1"/>
           </p:nvPr>
         </p:nvSpPr>
         <p:spPr/>
@@ -8520,24 +7647,454 @@
           <a:bodyPr/>
           <a:lstStyle/>
           <a:p>
-            <a:pPr>
-              <a:defRPr/>
-            </a:pPr>
-            <a:fld id="{BF6C4AA2-D5B3-4212-867F-E265BBCBB5FC}" type="slidenum">
-              <a:rPr lang="zh-CN" altLang="en-US" smtClean="0"/>
-              <a:pPr>
-                <a:defRPr/>
-              </a:pPr>
-              <a:t>19</a:t>
-            </a:fld>
-            <a:endParaRPr lang="zh-CN" altLang="en-US"/>
+            <a:r>
+              <a:rPr lang="zh-CN" altLang="en-US" dirty="0" smtClean="0"/>
+              <a:t>改进型优化的技术路线</a:t>
+            </a:r>
+            <a:endParaRPr lang="en-US" altLang="zh-CN" dirty="0" smtClean="0"/>
+          </a:p>
+          <a:p>
+            <a:r>
+              <a:rPr lang="zh-CN" altLang="en-US" dirty="0" smtClean="0"/>
+              <a:t>考虑的因素更为全面</a:t>
+            </a:r>
+            <a:endParaRPr lang="en-US" altLang="zh-CN" dirty="0" smtClean="0"/>
+          </a:p>
+          <a:p>
+            <a:r>
+              <a:rPr lang="zh-CN" altLang="en-US" dirty="0" smtClean="0"/>
+              <a:t>减少网格数</a:t>
+            </a:r>
+            <a:endParaRPr lang="zh-CN" altLang="en-US" dirty="0"/>
           </a:p>
         </p:txBody>
       </p:sp>
     </p:spTree>
     <p:extLst>
       <p:ext uri="{BB962C8B-B14F-4D97-AF65-F5344CB8AC3E}">
-        <p14:creationId xmlns:p14="http://schemas.microsoft.com/office/powerpoint/2010/main" val="1122531291"/>
+        <p14:creationId xmlns:p14="http://schemas.microsoft.com/office/powerpoint/2010/main" val="2729239384"/>
+      </p:ext>
+    </p:extLst>
+  </p:cSld>
+  <p:clrMapOvr>
+    <a:masterClrMapping/>
+  </p:clrMapOvr>
+</p:notes>
+</file>
+
+<file path=ppt/notesSlides/notesSlide5.xml><?xml version="1.0" encoding="utf-8"?>
+<p:notes xmlns:a="http://schemas.openxmlformats.org/drawingml/2006/main" xmlns:r="http://schemas.openxmlformats.org/officeDocument/2006/relationships" xmlns:p="http://schemas.openxmlformats.org/presentationml/2006/main">
+  <p:cSld>
+    <p:spTree>
+      <p:nvGrpSpPr>
+        <p:cNvPr id="1" name=""/>
+        <p:cNvGrpSpPr/>
+        <p:nvPr/>
+      </p:nvGrpSpPr>
+      <p:grpSpPr>
+        <a:xfrm>
+          <a:off x="0" y="0"/>
+          <a:ext cx="0" cy="0"/>
+          <a:chOff x="0" y="0"/>
+          <a:chExt cx="0" cy="0"/>
+        </a:xfrm>
+      </p:grpSpPr>
+      <p:sp>
+        <p:nvSpPr>
+          <p:cNvPr id="2" name="幻灯片图像占位符 1"/>
+          <p:cNvSpPr>
+            <a:spLocks noGrp="1" noRot="1" noChangeAspect="1"/>
+          </p:cNvSpPr>
+          <p:nvPr>
+            <p:ph type="sldImg"/>
+          </p:nvPr>
+        </p:nvSpPr>
+        <p:spPr/>
+      </p:sp>
+      <p:sp>
+        <p:nvSpPr>
+          <p:cNvPr id="3" name="备注占位符 2"/>
+          <p:cNvSpPr>
+            <a:spLocks noGrp="1"/>
+          </p:cNvSpPr>
+          <p:nvPr>
+            <p:ph type="body" idx="1"/>
+          </p:nvPr>
+        </p:nvSpPr>
+        <p:spPr/>
+        <p:txBody>
+          <a:bodyPr/>
+          <a:lstStyle/>
+          <a:p>
+            <a:pPr eaLnBrk="1" hangingPunct="1"/>
+            <a:r>
+              <a:rPr lang="en-US" altLang="zh-CN" dirty="0" smtClean="0"/>
+              <a:t>SGS</a:t>
+            </a:r>
+            <a:r>
+              <a:rPr lang="zh-CN" altLang="en-US" dirty="0" smtClean="0"/>
+              <a:t>和</a:t>
+            </a:r>
+            <a:r>
+              <a:rPr lang="en-US" altLang="zh-CN" dirty="0" err="1" smtClean="0"/>
+              <a:t>TGS方法</a:t>
+            </a:r>
+            <a:r>
+              <a:rPr lang="zh-CN" altLang="en-US" dirty="0" smtClean="0"/>
+              <a:t>在快速准确的测量低中放废物桶上都存在一定的局限性，尤其是针对</a:t>
+            </a:r>
+            <a:r>
+              <a:rPr lang="en-US" altLang="zh-CN" dirty="0" smtClean="0"/>
+              <a:t>400L</a:t>
+            </a:r>
+            <a:r>
+              <a:rPr lang="zh-CN" altLang="en-US" dirty="0" smtClean="0"/>
+              <a:t>、密度大及放射性核素不均匀分布的情况；</a:t>
+            </a:r>
+          </a:p>
+          <a:p>
+            <a:pPr eaLnBrk="1" hangingPunct="1"/>
+            <a:r>
+              <a:rPr lang="zh-CN" altLang="en-US" dirty="0" smtClean="0"/>
+              <a:t>前述的改进型测量技术都基于一定的假设，难以满足各种类型废物桶准确测量的需要；</a:t>
+            </a:r>
+          </a:p>
+          <a:p>
+            <a:pPr eaLnBrk="1" hangingPunct="1"/>
+            <a:r>
+              <a:rPr lang="zh-CN" altLang="en-US" dirty="0" smtClean="0"/>
+              <a:t>一种在精度保证的情况下、进行快速测量的改进型方法，是低中放废物桶测量所迫切需要的技术。</a:t>
+            </a:r>
+            <a:endParaRPr lang="en-US" altLang="zh-CN" dirty="0" smtClean="0"/>
+          </a:p>
+          <a:p>
+            <a:r>
+              <a:rPr lang="zh-CN" altLang="zh-CN" sz="1400" dirty="0" smtClean="0"/>
+              <a:t>基于现有系统进行了低放废物桶层析扫描系统的改造和再设计，</a:t>
+            </a:r>
+            <a:r>
+              <a:rPr lang="zh-CN" altLang="en-US" sz="1400" dirty="0" smtClean="0"/>
+              <a:t>主要包括</a:t>
+            </a:r>
+            <a:r>
+              <a:rPr lang="zh-CN" altLang="zh-CN" sz="1400" dirty="0" smtClean="0"/>
+              <a:t>机电控制</a:t>
+            </a:r>
+            <a:r>
+              <a:rPr lang="zh-CN" altLang="en-US" sz="1400" dirty="0" smtClean="0"/>
+              <a:t>模块、</a:t>
+            </a:r>
+            <a:r>
+              <a:rPr lang="zh-CN" altLang="zh-CN" sz="1400" dirty="0" smtClean="0"/>
+              <a:t>数据采集和用户交互模块</a:t>
+            </a:r>
+            <a:r>
+              <a:rPr lang="zh-CN" altLang="en-US" sz="1400" dirty="0" smtClean="0"/>
+              <a:t>等</a:t>
+            </a:r>
+            <a:endParaRPr lang="en-US" altLang="zh-CN" sz="1400" dirty="0" smtClean="0"/>
+          </a:p>
+          <a:p>
+            <a:r>
+              <a:rPr lang="zh-CN" altLang="zh-CN" sz="1400" dirty="0" smtClean="0"/>
+              <a:t>提出了一种叫做半层析伽马扫描（STGS）方法的改进型方法</a:t>
+            </a:r>
+            <a:r>
+              <a:rPr lang="zh-CN" altLang="en-US" sz="1400" dirty="0" smtClean="0"/>
+              <a:t>并验证了测量效果</a:t>
+            </a:r>
+            <a:endParaRPr lang="en-US" altLang="zh-CN" sz="1400" dirty="0" smtClean="0"/>
+          </a:p>
+          <a:p>
+            <a:r>
+              <a:rPr lang="zh-CN" altLang="zh-CN" sz="1400" dirty="0" smtClean="0"/>
+              <a:t>提出了一种</a:t>
+            </a:r>
+            <a:r>
+              <a:rPr lang="zh-CN" altLang="en-US" sz="1400" dirty="0" smtClean="0"/>
+              <a:t>双探测器的</a:t>
+            </a:r>
+            <a:r>
+              <a:rPr lang="zh-CN" altLang="zh-CN" sz="1400" dirty="0" smtClean="0"/>
+              <a:t>改进型分层伽马扫描方法</a:t>
+            </a:r>
+            <a:r>
+              <a:rPr lang="zh-CN" altLang="en-US" sz="1400" dirty="0" smtClean="0"/>
+              <a:t>并验证了测量效果</a:t>
+            </a:r>
+          </a:p>
+          <a:p>
+            <a:pPr eaLnBrk="1" hangingPunct="1"/>
+            <a:endParaRPr lang="zh-CN" altLang="en-US" sz="1400" dirty="0" smtClean="0"/>
+          </a:p>
+          <a:p>
+            <a:endParaRPr lang="zh-CN" altLang="en-US" dirty="0"/>
+          </a:p>
+        </p:txBody>
+      </p:sp>
+    </p:spTree>
+    <p:extLst>
+      <p:ext uri="{BB962C8B-B14F-4D97-AF65-F5344CB8AC3E}">
+        <p14:creationId xmlns:p14="http://schemas.microsoft.com/office/powerpoint/2010/main" val="2690863176"/>
+      </p:ext>
+    </p:extLst>
+  </p:cSld>
+  <p:clrMapOvr>
+    <a:masterClrMapping/>
+  </p:clrMapOvr>
+</p:notes>
+</file>
+
+<file path=ppt/notesSlides/notesSlide6.xml><?xml version="1.0" encoding="utf-8"?>
+<p:notes xmlns:a="http://schemas.openxmlformats.org/drawingml/2006/main" xmlns:r="http://schemas.openxmlformats.org/officeDocument/2006/relationships" xmlns:p="http://schemas.openxmlformats.org/presentationml/2006/main">
+  <p:cSld>
+    <p:spTree>
+      <p:nvGrpSpPr>
+        <p:cNvPr id="1" name=""/>
+        <p:cNvGrpSpPr/>
+        <p:nvPr/>
+      </p:nvGrpSpPr>
+      <p:grpSpPr>
+        <a:xfrm>
+          <a:off x="0" y="0"/>
+          <a:ext cx="0" cy="0"/>
+          <a:chOff x="0" y="0"/>
+          <a:chExt cx="0" cy="0"/>
+        </a:xfrm>
+      </p:grpSpPr>
+      <p:sp>
+        <p:nvSpPr>
+          <p:cNvPr id="2" name="幻灯片图像占位符 1"/>
+          <p:cNvSpPr>
+            <a:spLocks noGrp="1" noRot="1" noChangeAspect="1"/>
+          </p:cNvSpPr>
+          <p:nvPr>
+            <p:ph type="sldImg"/>
+          </p:nvPr>
+        </p:nvSpPr>
+        <p:spPr/>
+      </p:sp>
+      <p:sp>
+        <p:nvSpPr>
+          <p:cNvPr id="3" name="备注占位符 2"/>
+          <p:cNvSpPr>
+            <a:spLocks noGrp="1"/>
+          </p:cNvSpPr>
+          <p:nvPr>
+            <p:ph type="body" idx="1"/>
+          </p:nvPr>
+        </p:nvSpPr>
+        <p:spPr/>
+        <p:txBody>
+          <a:bodyPr/>
+          <a:lstStyle/>
+          <a:p>
+            <a:r>
+              <a:rPr lang="zh-CN" altLang="en-US" dirty="0" smtClean="0"/>
+              <a:t>系统的技术指标，以及创新点</a:t>
+            </a:r>
+            <a:endParaRPr lang="en-US" altLang="zh-CN" dirty="0" smtClean="0"/>
+          </a:p>
+          <a:p>
+            <a:r>
+              <a:rPr lang="zh-CN" altLang="en-US" dirty="0" smtClean="0"/>
+              <a:t>包括紧凑化、模块化的再设计</a:t>
+            </a:r>
+            <a:endParaRPr lang="zh-CN" altLang="en-US" dirty="0"/>
+          </a:p>
+        </p:txBody>
+      </p:sp>
+    </p:spTree>
+    <p:extLst>
+      <p:ext uri="{BB962C8B-B14F-4D97-AF65-F5344CB8AC3E}">
+        <p14:creationId xmlns:p14="http://schemas.microsoft.com/office/powerpoint/2010/main" val="170437824"/>
+      </p:ext>
+    </p:extLst>
+  </p:cSld>
+  <p:clrMapOvr>
+    <a:masterClrMapping/>
+  </p:clrMapOvr>
+</p:notes>
+</file>
+
+<file path=ppt/notesSlides/notesSlide7.xml><?xml version="1.0" encoding="utf-8"?>
+<p:notes xmlns:a="http://schemas.openxmlformats.org/drawingml/2006/main" xmlns:r="http://schemas.openxmlformats.org/officeDocument/2006/relationships" xmlns:p="http://schemas.openxmlformats.org/presentationml/2006/main">
+  <p:cSld>
+    <p:spTree>
+      <p:nvGrpSpPr>
+        <p:cNvPr id="1" name=""/>
+        <p:cNvGrpSpPr/>
+        <p:nvPr/>
+      </p:nvGrpSpPr>
+      <p:grpSpPr>
+        <a:xfrm>
+          <a:off x="0" y="0"/>
+          <a:ext cx="0" cy="0"/>
+          <a:chOff x="0" y="0"/>
+          <a:chExt cx="0" cy="0"/>
+        </a:xfrm>
+      </p:grpSpPr>
+      <p:sp>
+        <p:nvSpPr>
+          <p:cNvPr id="2" name="幻灯片图像占位符 1"/>
+          <p:cNvSpPr>
+            <a:spLocks noGrp="1" noRot="1" noChangeAspect="1"/>
+          </p:cNvSpPr>
+          <p:nvPr>
+            <p:ph type="sldImg"/>
+          </p:nvPr>
+        </p:nvSpPr>
+        <p:spPr/>
+      </p:sp>
+      <p:sp>
+        <p:nvSpPr>
+          <p:cNvPr id="3" name="备注占位符 2"/>
+          <p:cNvSpPr>
+            <a:spLocks noGrp="1"/>
+          </p:cNvSpPr>
+          <p:nvPr>
+            <p:ph type="body" idx="1"/>
+          </p:nvPr>
+        </p:nvSpPr>
+        <p:spPr/>
+        <p:txBody>
+          <a:bodyPr/>
+          <a:lstStyle/>
+          <a:p>
+            <a:endParaRPr lang="zh-CN" altLang="en-US" dirty="0"/>
+          </a:p>
+        </p:txBody>
+      </p:sp>
+    </p:spTree>
+    <p:extLst>
+      <p:ext uri="{BB962C8B-B14F-4D97-AF65-F5344CB8AC3E}">
+        <p14:creationId xmlns:p14="http://schemas.microsoft.com/office/powerpoint/2010/main" val="206973836"/>
+      </p:ext>
+    </p:extLst>
+  </p:cSld>
+  <p:clrMapOvr>
+    <a:masterClrMapping/>
+  </p:clrMapOvr>
+</p:notes>
+</file>
+
+<file path=ppt/notesSlides/notesSlide8.xml><?xml version="1.0" encoding="utf-8"?>
+<p:notes xmlns:a="http://schemas.openxmlformats.org/drawingml/2006/main" xmlns:r="http://schemas.openxmlformats.org/officeDocument/2006/relationships" xmlns:p="http://schemas.openxmlformats.org/presentationml/2006/main">
+  <p:cSld>
+    <p:spTree>
+      <p:nvGrpSpPr>
+        <p:cNvPr id="1" name=""/>
+        <p:cNvGrpSpPr/>
+        <p:nvPr/>
+      </p:nvGrpSpPr>
+      <p:grpSpPr>
+        <a:xfrm>
+          <a:off x="0" y="0"/>
+          <a:ext cx="0" cy="0"/>
+          <a:chOff x="0" y="0"/>
+          <a:chExt cx="0" cy="0"/>
+        </a:xfrm>
+      </p:grpSpPr>
+      <p:sp>
+        <p:nvSpPr>
+          <p:cNvPr id="2" name="幻灯片图像占位符 1"/>
+          <p:cNvSpPr>
+            <a:spLocks noGrp="1" noRot="1" noChangeAspect="1"/>
+          </p:cNvSpPr>
+          <p:nvPr>
+            <p:ph type="sldImg"/>
+          </p:nvPr>
+        </p:nvSpPr>
+        <p:spPr/>
+      </p:sp>
+      <p:sp>
+        <p:nvSpPr>
+          <p:cNvPr id="3" name="备注占位符 2"/>
+          <p:cNvSpPr>
+            <a:spLocks noGrp="1"/>
+          </p:cNvSpPr>
+          <p:nvPr>
+            <p:ph type="body" idx="1"/>
+          </p:nvPr>
+        </p:nvSpPr>
+        <p:spPr/>
+        <p:txBody>
+          <a:bodyPr/>
+          <a:lstStyle/>
+          <a:p>
+            <a:r>
+              <a:rPr lang="zh-CN" altLang="en-US" dirty="0" smtClean="0"/>
+              <a:t>证明了我们的仿真方法是可靠的</a:t>
+            </a:r>
+            <a:endParaRPr lang="zh-CN" altLang="en-US" dirty="0"/>
+          </a:p>
+        </p:txBody>
+      </p:sp>
+    </p:spTree>
+    <p:extLst>
+      <p:ext uri="{BB962C8B-B14F-4D97-AF65-F5344CB8AC3E}">
+        <p14:creationId xmlns:p14="http://schemas.microsoft.com/office/powerpoint/2010/main" val="3459028244"/>
+      </p:ext>
+    </p:extLst>
+  </p:cSld>
+  <p:clrMapOvr>
+    <a:masterClrMapping/>
+  </p:clrMapOvr>
+</p:notes>
+</file>
+
+<file path=ppt/notesSlides/notesSlide9.xml><?xml version="1.0" encoding="utf-8"?>
+<p:notes xmlns:a="http://schemas.openxmlformats.org/drawingml/2006/main" xmlns:r="http://schemas.openxmlformats.org/officeDocument/2006/relationships" xmlns:p="http://schemas.openxmlformats.org/presentationml/2006/main">
+  <p:cSld>
+    <p:spTree>
+      <p:nvGrpSpPr>
+        <p:cNvPr id="1" name=""/>
+        <p:cNvGrpSpPr/>
+        <p:nvPr/>
+      </p:nvGrpSpPr>
+      <p:grpSpPr>
+        <a:xfrm>
+          <a:off x="0" y="0"/>
+          <a:ext cx="0" cy="0"/>
+          <a:chOff x="0" y="0"/>
+          <a:chExt cx="0" cy="0"/>
+        </a:xfrm>
+      </p:grpSpPr>
+      <p:sp>
+        <p:nvSpPr>
+          <p:cNvPr id="2" name="幻灯片图像占位符 1"/>
+          <p:cNvSpPr>
+            <a:spLocks noGrp="1" noRot="1" noChangeAspect="1"/>
+          </p:cNvSpPr>
+          <p:nvPr>
+            <p:ph type="sldImg"/>
+          </p:nvPr>
+        </p:nvSpPr>
+        <p:spPr/>
+      </p:sp>
+      <p:sp>
+        <p:nvSpPr>
+          <p:cNvPr id="3" name="备注占位符 2"/>
+          <p:cNvSpPr>
+            <a:spLocks noGrp="1"/>
+          </p:cNvSpPr>
+          <p:nvPr>
+            <p:ph type="body" idx="1"/>
+          </p:nvPr>
+        </p:nvSpPr>
+        <p:spPr/>
+        <p:txBody>
+          <a:bodyPr/>
+          <a:lstStyle/>
+          <a:p>
+            <a:endParaRPr lang="zh-CN" altLang="en-US" dirty="0"/>
+          </a:p>
+        </p:txBody>
+      </p:sp>
+    </p:spTree>
+    <p:extLst>
+      <p:ext uri="{BB962C8B-B14F-4D97-AF65-F5344CB8AC3E}">
+        <p14:creationId xmlns:p14="http://schemas.microsoft.com/office/powerpoint/2010/main" val="1221657220"/>
       </p:ext>
     </p:extLst>
   </p:cSld>
@@ -15119,6 +14676,750 @@
 </p:sldLayout>
 </file>
 
+<file path=ppt/slideLayouts/slideLayout45.xml><?xml version="1.0" encoding="utf-8"?>
+<p:sldLayout xmlns:a="http://schemas.openxmlformats.org/drawingml/2006/main" xmlns:r="http://schemas.openxmlformats.org/officeDocument/2006/relationships" xmlns:p="http://schemas.openxmlformats.org/presentationml/2006/main" showMasterSp="0" userDrawn="1">
+  <p:cSld name="4_标题幻灯片">
+    <p:spTree>
+      <p:nvGrpSpPr>
+        <p:cNvPr id="1" name=""/>
+        <p:cNvGrpSpPr/>
+        <p:nvPr/>
+      </p:nvGrpSpPr>
+      <p:grpSpPr>
+        <a:xfrm>
+          <a:off x="0" y="0"/>
+          <a:ext cx="0" cy="0"/>
+          <a:chOff x="0" y="0"/>
+          <a:chExt cx="0" cy="0"/>
+        </a:xfrm>
+      </p:grpSpPr>
+      <p:pic>
+        <p:nvPicPr>
+          <p:cNvPr id="4" name="图片 8" descr="SJTU ppt template-10.jpg"/>
+          <p:cNvPicPr>
+            <a:picLocks noChangeAspect="1"/>
+          </p:cNvPicPr>
+          <p:nvPr userDrawn="1"/>
+        </p:nvPicPr>
+        <p:blipFill>
+          <a:blip r:embed="rId2"/>
+          <a:srcRect/>
+          <a:stretch>
+            <a:fillRect/>
+          </a:stretch>
+        </p:blipFill>
+        <p:spPr bwMode="auto">
+          <a:xfrm>
+            <a:off x="0" y="0"/>
+            <a:ext cx="9175750" cy="6881813"/>
+          </a:xfrm>
+          <a:prstGeom prst="rect">
+            <a:avLst/>
+          </a:prstGeom>
+          <a:noFill/>
+          <a:ln w="9525">
+            <a:noFill/>
+            <a:miter lim="800000"/>
+            <a:headEnd/>
+            <a:tailEnd/>
+          </a:ln>
+        </p:spPr>
+      </p:pic>
+      <p:pic>
+        <p:nvPicPr>
+          <p:cNvPr id="7" name="图片 6" descr="1-11.png"/>
+          <p:cNvPicPr>
+            <a:picLocks noChangeAspect="1"/>
+          </p:cNvPicPr>
+          <p:nvPr userDrawn="1"/>
+        </p:nvPicPr>
+        <p:blipFill>
+          <a:blip r:embed="rId3"/>
+          <a:srcRect/>
+          <a:stretch>
+            <a:fillRect/>
+          </a:stretch>
+        </p:blipFill>
+        <p:spPr bwMode="auto">
+          <a:xfrm>
+            <a:off x="7026275" y="176213"/>
+            <a:ext cx="1997075" cy="525462"/>
+          </a:xfrm>
+          <a:prstGeom prst="rect">
+            <a:avLst/>
+          </a:prstGeom>
+          <a:noFill/>
+          <a:ln w="9525">
+            <a:noFill/>
+            <a:miter lim="800000"/>
+            <a:headEnd/>
+            <a:tailEnd/>
+          </a:ln>
+        </p:spPr>
+      </p:pic>
+      <p:sp>
+        <p:nvSpPr>
+          <p:cNvPr id="5" name="标题 1"/>
+          <p:cNvSpPr>
+            <a:spLocks noGrp="1"/>
+          </p:cNvSpPr>
+          <p:nvPr>
+            <p:ph type="ctrTitle"/>
+          </p:nvPr>
+        </p:nvSpPr>
+        <p:spPr>
+          <a:xfrm>
+            <a:off x="685800" y="1644348"/>
+            <a:ext cx="7828999" cy="1483347"/>
+          </a:xfrm>
+          <a:prstGeom prst="rect">
+            <a:avLst/>
+          </a:prstGeom>
+        </p:spPr>
+        <p:txBody>
+          <a:bodyPr/>
+          <a:lstStyle>
+            <a:lvl1pPr algn="ctr">
+              <a:defRPr/>
+            </a:lvl1pPr>
+          </a:lstStyle>
+          <a:p>
+            <a:r>
+              <a:rPr lang="zh-CN" altLang="en-US" dirty="0" smtClean="0"/>
+              <a:t>单击此处编辑母版标题样式</a:t>
+            </a:r>
+            <a:endParaRPr lang="zh-CN" altLang="en-US" dirty="0"/>
+          </a:p>
+        </p:txBody>
+      </p:sp>
+      <p:sp>
+        <p:nvSpPr>
+          <p:cNvPr id="6" name="副标题 2"/>
+          <p:cNvSpPr>
+            <a:spLocks noGrp="1"/>
+          </p:cNvSpPr>
+          <p:nvPr>
+            <p:ph type="subTitle" idx="1"/>
+          </p:nvPr>
+        </p:nvSpPr>
+        <p:spPr>
+          <a:xfrm>
+            <a:off x="685800" y="3400121"/>
+            <a:ext cx="7828999" cy="1091531"/>
+          </a:xfrm>
+        </p:spPr>
+        <p:txBody>
+          <a:bodyPr/>
+          <a:lstStyle>
+            <a:lvl1pPr marL="0" indent="0" algn="ctr">
+              <a:buNone/>
+              <a:defRPr>
+                <a:solidFill>
+                  <a:schemeClr val="tx1">
+                    <a:tint val="75000"/>
+                  </a:schemeClr>
+                </a:solidFill>
+              </a:defRPr>
+            </a:lvl1pPr>
+            <a:lvl2pPr marL="457200" indent="0" algn="ctr">
+              <a:buNone/>
+              <a:defRPr>
+                <a:solidFill>
+                  <a:schemeClr val="tx1">
+                    <a:tint val="75000"/>
+                  </a:schemeClr>
+                </a:solidFill>
+              </a:defRPr>
+            </a:lvl2pPr>
+            <a:lvl3pPr marL="914400" indent="0" algn="ctr">
+              <a:buNone/>
+              <a:defRPr>
+                <a:solidFill>
+                  <a:schemeClr val="tx1">
+                    <a:tint val="75000"/>
+                  </a:schemeClr>
+                </a:solidFill>
+              </a:defRPr>
+            </a:lvl3pPr>
+            <a:lvl4pPr marL="1371600" indent="0" algn="ctr">
+              <a:buNone/>
+              <a:defRPr>
+                <a:solidFill>
+                  <a:schemeClr val="tx1">
+                    <a:tint val="75000"/>
+                  </a:schemeClr>
+                </a:solidFill>
+              </a:defRPr>
+            </a:lvl4pPr>
+            <a:lvl5pPr marL="1828800" indent="0" algn="ctr">
+              <a:buNone/>
+              <a:defRPr>
+                <a:solidFill>
+                  <a:schemeClr val="tx1">
+                    <a:tint val="75000"/>
+                  </a:schemeClr>
+                </a:solidFill>
+              </a:defRPr>
+            </a:lvl5pPr>
+            <a:lvl6pPr marL="2286000" indent="0" algn="ctr">
+              <a:buNone/>
+              <a:defRPr>
+                <a:solidFill>
+                  <a:schemeClr val="tx1">
+                    <a:tint val="75000"/>
+                  </a:schemeClr>
+                </a:solidFill>
+              </a:defRPr>
+            </a:lvl6pPr>
+            <a:lvl7pPr marL="2743200" indent="0" algn="ctr">
+              <a:buNone/>
+              <a:defRPr>
+                <a:solidFill>
+                  <a:schemeClr val="tx1">
+                    <a:tint val="75000"/>
+                  </a:schemeClr>
+                </a:solidFill>
+              </a:defRPr>
+            </a:lvl7pPr>
+            <a:lvl8pPr marL="3200400" indent="0" algn="ctr">
+              <a:buNone/>
+              <a:defRPr>
+                <a:solidFill>
+                  <a:schemeClr val="tx1">
+                    <a:tint val="75000"/>
+                  </a:schemeClr>
+                </a:solidFill>
+              </a:defRPr>
+            </a:lvl8pPr>
+            <a:lvl9pPr marL="3657600" indent="0" algn="ctr">
+              <a:buNone/>
+              <a:defRPr>
+                <a:solidFill>
+                  <a:schemeClr val="tx1">
+                    <a:tint val="75000"/>
+                  </a:schemeClr>
+                </a:solidFill>
+              </a:defRPr>
+            </a:lvl9pPr>
+          </a:lstStyle>
+          <a:p>
+            <a:r>
+              <a:rPr lang="zh-CN" altLang="en-US" dirty="0" smtClean="0"/>
+              <a:t>单击此处编辑母版副标题样式</a:t>
+            </a:r>
+            <a:endParaRPr lang="zh-CN" altLang="en-US" dirty="0"/>
+          </a:p>
+        </p:txBody>
+      </p:sp>
+    </p:spTree>
+    <p:extLst>
+      <p:ext uri="{BB962C8B-B14F-4D97-AF65-F5344CB8AC3E}">
+        <p14:creationId xmlns:p14="http://schemas.microsoft.com/office/powerpoint/2010/main" val="242115974"/>
+      </p:ext>
+    </p:extLst>
+  </p:cSld>
+  <p:clrMapOvr>
+    <a:masterClrMapping/>
+  </p:clrMapOvr>
+</p:sldLayout>
+</file>
+
+<file path=ppt/slideLayouts/slideLayout46.xml><?xml version="1.0" encoding="utf-8"?>
+<p:sldLayout xmlns:a="http://schemas.openxmlformats.org/drawingml/2006/main" xmlns:r="http://schemas.openxmlformats.org/officeDocument/2006/relationships" xmlns:p="http://schemas.openxmlformats.org/presentationml/2006/main" showMasterSp="0" userDrawn="1">
+  <p:cSld name="5_标题幻灯片">
+    <p:spTree>
+      <p:nvGrpSpPr>
+        <p:cNvPr id="1" name=""/>
+        <p:cNvGrpSpPr/>
+        <p:nvPr/>
+      </p:nvGrpSpPr>
+      <p:grpSpPr>
+        <a:xfrm>
+          <a:off x="0" y="0"/>
+          <a:ext cx="0" cy="0"/>
+          <a:chOff x="0" y="0"/>
+          <a:chExt cx="0" cy="0"/>
+        </a:xfrm>
+      </p:grpSpPr>
+      <p:pic>
+        <p:nvPicPr>
+          <p:cNvPr id="4" name="图片 8" descr="SJTU ppt template-10.jpg"/>
+          <p:cNvPicPr>
+            <a:picLocks noChangeAspect="1"/>
+          </p:cNvPicPr>
+          <p:nvPr userDrawn="1"/>
+        </p:nvPicPr>
+        <p:blipFill>
+          <a:blip r:embed="rId2"/>
+          <a:srcRect/>
+          <a:stretch>
+            <a:fillRect/>
+          </a:stretch>
+        </p:blipFill>
+        <p:spPr bwMode="auto">
+          <a:xfrm>
+            <a:off x="0" y="0"/>
+            <a:ext cx="9175750" cy="6881813"/>
+          </a:xfrm>
+          <a:prstGeom prst="rect">
+            <a:avLst/>
+          </a:prstGeom>
+          <a:noFill/>
+          <a:ln w="9525">
+            <a:noFill/>
+            <a:miter lim="800000"/>
+            <a:headEnd/>
+            <a:tailEnd/>
+          </a:ln>
+        </p:spPr>
+      </p:pic>
+      <p:pic>
+        <p:nvPicPr>
+          <p:cNvPr id="7" name="图片 6" descr="1-11.png"/>
+          <p:cNvPicPr>
+            <a:picLocks noChangeAspect="1"/>
+          </p:cNvPicPr>
+          <p:nvPr userDrawn="1"/>
+        </p:nvPicPr>
+        <p:blipFill>
+          <a:blip r:embed="rId3"/>
+          <a:srcRect/>
+          <a:stretch>
+            <a:fillRect/>
+          </a:stretch>
+        </p:blipFill>
+        <p:spPr bwMode="auto">
+          <a:xfrm>
+            <a:off x="7026275" y="176213"/>
+            <a:ext cx="1997075" cy="525462"/>
+          </a:xfrm>
+          <a:prstGeom prst="rect">
+            <a:avLst/>
+          </a:prstGeom>
+          <a:noFill/>
+          <a:ln w="9525">
+            <a:noFill/>
+            <a:miter lim="800000"/>
+            <a:headEnd/>
+            <a:tailEnd/>
+          </a:ln>
+        </p:spPr>
+      </p:pic>
+      <p:sp>
+        <p:nvSpPr>
+          <p:cNvPr id="5" name="标题 1"/>
+          <p:cNvSpPr>
+            <a:spLocks noGrp="1"/>
+          </p:cNvSpPr>
+          <p:nvPr>
+            <p:ph type="ctrTitle"/>
+          </p:nvPr>
+        </p:nvSpPr>
+        <p:spPr>
+          <a:xfrm>
+            <a:off x="685800" y="1644348"/>
+            <a:ext cx="7828999" cy="1483347"/>
+          </a:xfrm>
+          <a:prstGeom prst="rect">
+            <a:avLst/>
+          </a:prstGeom>
+        </p:spPr>
+        <p:txBody>
+          <a:bodyPr/>
+          <a:lstStyle>
+            <a:lvl1pPr algn="ctr">
+              <a:defRPr/>
+            </a:lvl1pPr>
+          </a:lstStyle>
+          <a:p>
+            <a:r>
+              <a:rPr lang="zh-CN" altLang="en-US" dirty="0" smtClean="0"/>
+              <a:t>单击此处编辑母版标题样式</a:t>
+            </a:r>
+            <a:endParaRPr lang="zh-CN" altLang="en-US" dirty="0"/>
+          </a:p>
+        </p:txBody>
+      </p:sp>
+      <p:sp>
+        <p:nvSpPr>
+          <p:cNvPr id="6" name="副标题 2"/>
+          <p:cNvSpPr>
+            <a:spLocks noGrp="1"/>
+          </p:cNvSpPr>
+          <p:nvPr>
+            <p:ph type="subTitle" idx="1"/>
+          </p:nvPr>
+        </p:nvSpPr>
+        <p:spPr>
+          <a:xfrm>
+            <a:off x="685800" y="3400121"/>
+            <a:ext cx="7828999" cy="1091531"/>
+          </a:xfrm>
+        </p:spPr>
+        <p:txBody>
+          <a:bodyPr/>
+          <a:lstStyle>
+            <a:lvl1pPr marL="0" indent="0" algn="ctr">
+              <a:buNone/>
+              <a:defRPr>
+                <a:solidFill>
+                  <a:schemeClr val="tx1">
+                    <a:tint val="75000"/>
+                  </a:schemeClr>
+                </a:solidFill>
+              </a:defRPr>
+            </a:lvl1pPr>
+            <a:lvl2pPr marL="457200" indent="0" algn="ctr">
+              <a:buNone/>
+              <a:defRPr>
+                <a:solidFill>
+                  <a:schemeClr val="tx1">
+                    <a:tint val="75000"/>
+                  </a:schemeClr>
+                </a:solidFill>
+              </a:defRPr>
+            </a:lvl2pPr>
+            <a:lvl3pPr marL="914400" indent="0" algn="ctr">
+              <a:buNone/>
+              <a:defRPr>
+                <a:solidFill>
+                  <a:schemeClr val="tx1">
+                    <a:tint val="75000"/>
+                  </a:schemeClr>
+                </a:solidFill>
+              </a:defRPr>
+            </a:lvl3pPr>
+            <a:lvl4pPr marL="1371600" indent="0" algn="ctr">
+              <a:buNone/>
+              <a:defRPr>
+                <a:solidFill>
+                  <a:schemeClr val="tx1">
+                    <a:tint val="75000"/>
+                  </a:schemeClr>
+                </a:solidFill>
+              </a:defRPr>
+            </a:lvl4pPr>
+            <a:lvl5pPr marL="1828800" indent="0" algn="ctr">
+              <a:buNone/>
+              <a:defRPr>
+                <a:solidFill>
+                  <a:schemeClr val="tx1">
+                    <a:tint val="75000"/>
+                  </a:schemeClr>
+                </a:solidFill>
+              </a:defRPr>
+            </a:lvl5pPr>
+            <a:lvl6pPr marL="2286000" indent="0" algn="ctr">
+              <a:buNone/>
+              <a:defRPr>
+                <a:solidFill>
+                  <a:schemeClr val="tx1">
+                    <a:tint val="75000"/>
+                  </a:schemeClr>
+                </a:solidFill>
+              </a:defRPr>
+            </a:lvl6pPr>
+            <a:lvl7pPr marL="2743200" indent="0" algn="ctr">
+              <a:buNone/>
+              <a:defRPr>
+                <a:solidFill>
+                  <a:schemeClr val="tx1">
+                    <a:tint val="75000"/>
+                  </a:schemeClr>
+                </a:solidFill>
+              </a:defRPr>
+            </a:lvl7pPr>
+            <a:lvl8pPr marL="3200400" indent="0" algn="ctr">
+              <a:buNone/>
+              <a:defRPr>
+                <a:solidFill>
+                  <a:schemeClr val="tx1">
+                    <a:tint val="75000"/>
+                  </a:schemeClr>
+                </a:solidFill>
+              </a:defRPr>
+            </a:lvl8pPr>
+            <a:lvl9pPr marL="3657600" indent="0" algn="ctr">
+              <a:buNone/>
+              <a:defRPr>
+                <a:solidFill>
+                  <a:schemeClr val="tx1">
+                    <a:tint val="75000"/>
+                  </a:schemeClr>
+                </a:solidFill>
+              </a:defRPr>
+            </a:lvl9pPr>
+          </a:lstStyle>
+          <a:p>
+            <a:r>
+              <a:rPr lang="zh-CN" altLang="en-US" dirty="0" smtClean="0"/>
+              <a:t>单击此处编辑母版副标题样式</a:t>
+            </a:r>
+            <a:endParaRPr lang="zh-CN" altLang="en-US" dirty="0"/>
+          </a:p>
+        </p:txBody>
+      </p:sp>
+    </p:spTree>
+    <p:extLst>
+      <p:ext uri="{BB962C8B-B14F-4D97-AF65-F5344CB8AC3E}">
+        <p14:creationId xmlns:p14="http://schemas.microsoft.com/office/powerpoint/2010/main" val="2037829165"/>
+      </p:ext>
+    </p:extLst>
+  </p:cSld>
+  <p:clrMapOvr>
+    <a:masterClrMapping/>
+  </p:clrMapOvr>
+</p:sldLayout>
+</file>
+
+<file path=ppt/slideLayouts/slideLayout47.xml><?xml version="1.0" encoding="utf-8"?>
+<p:sldLayout xmlns:a="http://schemas.openxmlformats.org/drawingml/2006/main" xmlns:r="http://schemas.openxmlformats.org/officeDocument/2006/relationships" xmlns:p="http://schemas.openxmlformats.org/presentationml/2006/main" showMasterSp="0" userDrawn="1">
+  <p:cSld name="6_标题幻灯片">
+    <p:spTree>
+      <p:nvGrpSpPr>
+        <p:cNvPr id="1" name=""/>
+        <p:cNvGrpSpPr/>
+        <p:nvPr/>
+      </p:nvGrpSpPr>
+      <p:grpSpPr>
+        <a:xfrm>
+          <a:off x="0" y="0"/>
+          <a:ext cx="0" cy="0"/>
+          <a:chOff x="0" y="0"/>
+          <a:chExt cx="0" cy="0"/>
+        </a:xfrm>
+      </p:grpSpPr>
+      <p:pic>
+        <p:nvPicPr>
+          <p:cNvPr id="4" name="图片 8" descr="SJTU ppt template-10.jpg"/>
+          <p:cNvPicPr>
+            <a:picLocks noChangeAspect="1"/>
+          </p:cNvPicPr>
+          <p:nvPr userDrawn="1"/>
+        </p:nvPicPr>
+        <p:blipFill>
+          <a:blip r:embed="rId2"/>
+          <a:srcRect/>
+          <a:stretch>
+            <a:fillRect/>
+          </a:stretch>
+        </p:blipFill>
+        <p:spPr bwMode="auto">
+          <a:xfrm>
+            <a:off x="0" y="0"/>
+            <a:ext cx="9175750" cy="6881813"/>
+          </a:xfrm>
+          <a:prstGeom prst="rect">
+            <a:avLst/>
+          </a:prstGeom>
+          <a:noFill/>
+          <a:ln w="9525">
+            <a:noFill/>
+            <a:miter lim="800000"/>
+            <a:headEnd/>
+            <a:tailEnd/>
+          </a:ln>
+        </p:spPr>
+      </p:pic>
+      <p:pic>
+        <p:nvPicPr>
+          <p:cNvPr id="7" name="图片 6" descr="1-11.png"/>
+          <p:cNvPicPr>
+            <a:picLocks noChangeAspect="1"/>
+          </p:cNvPicPr>
+          <p:nvPr userDrawn="1"/>
+        </p:nvPicPr>
+        <p:blipFill>
+          <a:blip r:embed="rId3"/>
+          <a:srcRect/>
+          <a:stretch>
+            <a:fillRect/>
+          </a:stretch>
+        </p:blipFill>
+        <p:spPr bwMode="auto">
+          <a:xfrm>
+            <a:off x="7026275" y="176213"/>
+            <a:ext cx="1997075" cy="525462"/>
+          </a:xfrm>
+          <a:prstGeom prst="rect">
+            <a:avLst/>
+          </a:prstGeom>
+          <a:noFill/>
+          <a:ln w="9525">
+            <a:noFill/>
+            <a:miter lim="800000"/>
+            <a:headEnd/>
+            <a:tailEnd/>
+          </a:ln>
+        </p:spPr>
+      </p:pic>
+      <p:sp>
+        <p:nvSpPr>
+          <p:cNvPr id="5" name="标题 1"/>
+          <p:cNvSpPr>
+            <a:spLocks noGrp="1"/>
+          </p:cNvSpPr>
+          <p:nvPr>
+            <p:ph type="ctrTitle"/>
+          </p:nvPr>
+        </p:nvSpPr>
+        <p:spPr>
+          <a:xfrm>
+            <a:off x="685800" y="1644348"/>
+            <a:ext cx="7828999" cy="1483347"/>
+          </a:xfrm>
+          <a:prstGeom prst="rect">
+            <a:avLst/>
+          </a:prstGeom>
+        </p:spPr>
+        <p:txBody>
+          <a:bodyPr/>
+          <a:lstStyle>
+            <a:lvl1pPr algn="ctr">
+              <a:defRPr/>
+            </a:lvl1pPr>
+          </a:lstStyle>
+          <a:p>
+            <a:r>
+              <a:rPr lang="zh-CN" altLang="en-US" dirty="0" smtClean="0"/>
+              <a:t>单击此处编辑母版标题样式</a:t>
+            </a:r>
+            <a:endParaRPr lang="zh-CN" altLang="en-US" dirty="0"/>
+          </a:p>
+        </p:txBody>
+      </p:sp>
+      <p:sp>
+        <p:nvSpPr>
+          <p:cNvPr id="6" name="副标题 2"/>
+          <p:cNvSpPr>
+            <a:spLocks noGrp="1"/>
+          </p:cNvSpPr>
+          <p:nvPr>
+            <p:ph type="subTitle" idx="1"/>
+          </p:nvPr>
+        </p:nvSpPr>
+        <p:spPr>
+          <a:xfrm>
+            <a:off x="685800" y="3400121"/>
+            <a:ext cx="7828999" cy="1091531"/>
+          </a:xfrm>
+        </p:spPr>
+        <p:txBody>
+          <a:bodyPr/>
+          <a:lstStyle>
+            <a:lvl1pPr marL="0" indent="0" algn="ctr">
+              <a:buNone/>
+              <a:defRPr>
+                <a:solidFill>
+                  <a:schemeClr val="tx1">
+                    <a:tint val="75000"/>
+                  </a:schemeClr>
+                </a:solidFill>
+              </a:defRPr>
+            </a:lvl1pPr>
+            <a:lvl2pPr marL="457200" indent="0" algn="ctr">
+              <a:buNone/>
+              <a:defRPr>
+                <a:solidFill>
+                  <a:schemeClr val="tx1">
+                    <a:tint val="75000"/>
+                  </a:schemeClr>
+                </a:solidFill>
+              </a:defRPr>
+            </a:lvl2pPr>
+            <a:lvl3pPr marL="914400" indent="0" algn="ctr">
+              <a:buNone/>
+              <a:defRPr>
+                <a:solidFill>
+                  <a:schemeClr val="tx1">
+                    <a:tint val="75000"/>
+                  </a:schemeClr>
+                </a:solidFill>
+              </a:defRPr>
+            </a:lvl3pPr>
+            <a:lvl4pPr marL="1371600" indent="0" algn="ctr">
+              <a:buNone/>
+              <a:defRPr>
+                <a:solidFill>
+                  <a:schemeClr val="tx1">
+                    <a:tint val="75000"/>
+                  </a:schemeClr>
+                </a:solidFill>
+              </a:defRPr>
+            </a:lvl4pPr>
+            <a:lvl5pPr marL="1828800" indent="0" algn="ctr">
+              <a:buNone/>
+              <a:defRPr>
+                <a:solidFill>
+                  <a:schemeClr val="tx1">
+                    <a:tint val="75000"/>
+                  </a:schemeClr>
+                </a:solidFill>
+              </a:defRPr>
+            </a:lvl5pPr>
+            <a:lvl6pPr marL="2286000" indent="0" algn="ctr">
+              <a:buNone/>
+              <a:defRPr>
+                <a:solidFill>
+                  <a:schemeClr val="tx1">
+                    <a:tint val="75000"/>
+                  </a:schemeClr>
+                </a:solidFill>
+              </a:defRPr>
+            </a:lvl6pPr>
+            <a:lvl7pPr marL="2743200" indent="0" algn="ctr">
+              <a:buNone/>
+              <a:defRPr>
+                <a:solidFill>
+                  <a:schemeClr val="tx1">
+                    <a:tint val="75000"/>
+                  </a:schemeClr>
+                </a:solidFill>
+              </a:defRPr>
+            </a:lvl7pPr>
+            <a:lvl8pPr marL="3200400" indent="0" algn="ctr">
+              <a:buNone/>
+              <a:defRPr>
+                <a:solidFill>
+                  <a:schemeClr val="tx1">
+                    <a:tint val="75000"/>
+                  </a:schemeClr>
+                </a:solidFill>
+              </a:defRPr>
+            </a:lvl8pPr>
+            <a:lvl9pPr marL="3657600" indent="0" algn="ctr">
+              <a:buNone/>
+              <a:defRPr>
+                <a:solidFill>
+                  <a:schemeClr val="tx1">
+                    <a:tint val="75000"/>
+                  </a:schemeClr>
+                </a:solidFill>
+              </a:defRPr>
+            </a:lvl9pPr>
+          </a:lstStyle>
+          <a:p>
+            <a:r>
+              <a:rPr lang="zh-CN" altLang="en-US" dirty="0" smtClean="0"/>
+              <a:t>单击此处编辑母版副标题样式</a:t>
+            </a:r>
+            <a:endParaRPr lang="zh-CN" altLang="en-US" dirty="0"/>
+          </a:p>
+        </p:txBody>
+      </p:sp>
+    </p:spTree>
+    <p:extLst>
+      <p:ext uri="{BB962C8B-B14F-4D97-AF65-F5344CB8AC3E}">
+        <p14:creationId xmlns:p14="http://schemas.microsoft.com/office/powerpoint/2010/main" val="1606132612"/>
+      </p:ext>
+    </p:extLst>
+  </p:cSld>
+  <p:clrMapOvr>
+    <a:masterClrMapping/>
+  </p:clrMapOvr>
+</p:sldLayout>
+</file>
+
 <file path=ppt/slideLayouts/slideLayout5.xml><?xml version="1.0" encoding="utf-8"?>
 <p:sldLayout xmlns:a="http://schemas.openxmlformats.org/drawingml/2006/main" xmlns:r="http://schemas.openxmlformats.org/officeDocument/2006/relationships" xmlns:p="http://schemas.openxmlformats.org/presentationml/2006/main" type="twoTxTwoObj" preserve="1">
   <p:cSld name="比较">
@@ -16809,6 +17110,7 @@
     <p:sldLayoutId id="2147483665" r:id="rId17"/>
     <p:sldLayoutId id="2147483666" r:id="rId18"/>
   </p:sldLayoutIdLst>
+  <p:hf sldNum="0" hdr="0" ftr="0" dt="0"/>
   <p:txStyles>
     <p:titleStyle>
       <a:lvl1pPr algn="ctr" rtl="0" eaLnBrk="1" fontAlgn="base" hangingPunct="1">
@@ -18153,6 +18455,7 @@
     <p:sldLayoutId id="2147483696" r:id="rId12"/>
     <p:sldLayoutId id="2147483697" r:id="rId13"/>
   </p:sldLayoutIdLst>
+  <p:hf sldNum="0" hdr="0" ftr="0" dt="0"/>
   <p:txStyles>
     <p:titleStyle>
       <a:lvl1pPr algn="ctr" rtl="0" eaLnBrk="1" fontAlgn="base" hangingPunct="1">
@@ -18744,7 +19047,7 @@
           <p:nvPr/>
         </p:nvPicPr>
         <p:blipFill>
-          <a:blip r:embed="rId15">
+          <a:blip r:embed="rId18">
             <a:extLst>
               <a:ext uri="{28A0092B-C50C-407E-A947-70E740481C1C}">
                 <a14:useLocalDpi xmlns:a14="http://schemas.microsoft.com/office/drawing/2010/main" val="0"/>
@@ -19451,7 +19754,7 @@
           <p:nvPr userDrawn="1"/>
         </p:nvPicPr>
         <p:blipFill>
-          <a:blip r:embed="rId16"/>
+          <a:blip r:embed="rId19"/>
           <a:srcRect/>
           <a:stretch>
             <a:fillRect/>
@@ -19496,7 +19799,11 @@
     <p:sldLayoutId id="2147483709" r:id="rId11"/>
     <p:sldLayoutId id="2147483710" r:id="rId12"/>
     <p:sldLayoutId id="2147483711" r:id="rId13"/>
+    <p:sldLayoutId id="2147483724" r:id="rId14"/>
+    <p:sldLayoutId id="2147483737" r:id="rId15"/>
+    <p:sldLayoutId id="2147483750" r:id="rId16"/>
   </p:sldLayoutIdLst>
+  <p:hf sldNum="0" hdr="0" ftr="0" dt="0"/>
   <p:txStyles>
     <p:titleStyle>
       <a:lvl1pPr algn="ctr" rtl="0" eaLnBrk="1" fontAlgn="base" hangingPunct="1">
@@ -20748,7 +21055,9 @@
           </a:xfrm>
         </p:spPr>
         <p:txBody>
-          <a:bodyPr/>
+          <a:bodyPr>
+            <a:normAutofit fontScale="90000"/>
+          </a:bodyPr>
           <a:lstStyle/>
           <a:p>
             <a:r>
@@ -20847,12 +21156,12 @@
           <a:graphicData uri="http://schemas.openxmlformats.org/presentationml/2006/ole">
             <mc:AlternateContent xmlns:mc="http://schemas.openxmlformats.org/markup-compatibility/2006">
               <mc:Choice xmlns:v="urn:schemas-microsoft-com:vml" Requires="v">
-                <p:oleObj spid="_x0000_s93225" name="Visio" r:id="rId6" imgW="3000258" imgH="5191270" progId="Visio.Drawing.15">
+                <p:oleObj spid="_x0000_s93229" name="Visio" r:id="rId5" imgW="3000258" imgH="5191270" progId="Visio.Drawing.15">
                   <p:embed/>
                 </p:oleObj>
               </mc:Choice>
               <mc:Fallback>
-                <p:oleObj name="Visio" r:id="rId6" imgW="3000258" imgH="5191270" progId="Visio.Drawing.15">
+                <p:oleObj name="Visio" r:id="rId5" imgW="3000258" imgH="5191270" progId="Visio.Drawing.15">
                   <p:embed/>
                   <p:pic>
                     <p:nvPicPr>
@@ -20863,7 +21172,7 @@
                       <p:nvPr/>
                     </p:nvPicPr>
                     <p:blipFill>
-                      <a:blip r:embed="rId7">
+                      <a:blip r:embed="rId6">
                         <a:extLst>
                           <a:ext uri="{28A0092B-C50C-407E-A947-70E740481C1C}">
                             <a14:useLocalDpi xmlns:a14="http://schemas.microsoft.com/office/drawing/2010/main" val="0"/>
@@ -23763,7 +24072,7 @@
           <a:graphicData uri="http://schemas.openxmlformats.org/presentationml/2006/ole">
             <mc:AlternateContent xmlns:mc="http://schemas.openxmlformats.org/markup-compatibility/2006">
               <mc:Choice xmlns:v="urn:schemas-microsoft-com:vml" Requires="v">
-                <p:oleObj spid="_x0000_s1052" r:id="rId4" imgW="2628900" imgH="482600" progId="Equation.DSMT4">
+                <p:oleObj spid="_x0000_s1059" r:id="rId4" imgW="2628900" imgH="482600" progId="Equation.DSMT4">
                   <p:embed/>
                 </p:oleObj>
               </mc:Choice>
@@ -23960,7 +24269,7 @@
           <a:graphicData uri="http://schemas.openxmlformats.org/presentationml/2006/ole">
             <mc:AlternateContent xmlns:mc="http://schemas.openxmlformats.org/markup-compatibility/2006">
               <mc:Choice xmlns:v="urn:schemas-microsoft-com:vml" Requires="v">
-                <p:oleObj spid="_x0000_s1053" r:id="rId6" imgW="2627759" imgH="482391" progId="Equation.KSEE3">
+                <p:oleObj spid="_x0000_s1060" r:id="rId6" imgW="2627759" imgH="482391" progId="Equation.KSEE3">
                   <p:embed/>
                 </p:oleObj>
               </mc:Choice>
@@ -24069,6 +24378,7 @@
             <a:prstTxWarp prst="textNoShape">
               <a:avLst/>
             </a:prstTxWarp>
+            <a:normAutofit fontScale="90000"/>
           </a:bodyPr>
           <a:lstStyle/>
           <a:p>
@@ -26576,736 +26886,6 @@
 </file>
 
 <file path=ppt/slides/slide19.xml><?xml version="1.0" encoding="utf-8"?>
-<p:sld xmlns:a="http://schemas.openxmlformats.org/drawingml/2006/main" xmlns:r="http://schemas.openxmlformats.org/officeDocument/2006/relationships" xmlns:p="http://schemas.openxmlformats.org/presentationml/2006/main" show="0">
-  <p:cSld>
-    <p:spTree>
-      <p:nvGrpSpPr>
-        <p:cNvPr id="1" name=""/>
-        <p:cNvGrpSpPr/>
-        <p:nvPr/>
-      </p:nvGrpSpPr>
-      <p:grpSpPr>
-        <a:xfrm>
-          <a:off x="0" y="0"/>
-          <a:ext cx="0" cy="0"/>
-          <a:chOff x="0" y="0"/>
-          <a:chExt cx="0" cy="0"/>
-        </a:xfrm>
-      </p:grpSpPr>
-      <p:sp>
-        <p:nvSpPr>
-          <p:cNvPr id="93186" name="标题 1"/>
-          <p:cNvSpPr>
-            <a:spLocks noGrp="1"/>
-          </p:cNvSpPr>
-          <p:nvPr>
-            <p:ph type="title"/>
-          </p:nvPr>
-        </p:nvSpPr>
-        <p:spPr bwMode="auto">
-          <a:xfrm>
-            <a:off x="2070847" y="193014"/>
-            <a:ext cx="7073154" cy="757237"/>
-          </a:xfrm>
-          <a:prstGeom prst="rect">
-            <a:avLst/>
-          </a:prstGeom>
-          <a:noFill/>
-          <a:ln>
-            <a:miter lim="800000"/>
-            <a:headEnd/>
-            <a:tailEnd/>
-          </a:ln>
-        </p:spPr>
-        <p:txBody>
-          <a:bodyPr/>
-          <a:lstStyle/>
-          <a:p>
-            <a:pPr algn="l" eaLnBrk="1" hangingPunct="1"/>
-            <a:r>
-              <a:rPr lang="en-US" altLang="zh-CN" b="1" dirty="0" err="1" smtClean="0"/>
-              <a:t>STGS</a:t>
-            </a:r>
-            <a:r>
-              <a:rPr lang="en-US" altLang="zh-CN" b="1" dirty="0" err="1"/>
-              <a:t>技术</a:t>
-            </a:r>
-            <a:r>
-              <a:rPr lang="zh-CN" altLang="en-US" b="1" dirty="0" smtClean="0"/>
-              <a:t>验证</a:t>
-            </a:r>
-            <a:r>
-              <a:rPr lang="en-US" altLang="zh-CN" b="1" dirty="0" smtClean="0"/>
-              <a:t>-400L</a:t>
-            </a:r>
-            <a:r>
-              <a:rPr lang="zh-CN" altLang="en-US" b="1" dirty="0" smtClean="0"/>
-              <a:t>特点</a:t>
-            </a:r>
-            <a:endParaRPr kumimoji="1" lang="zh-CN" altLang="en-US" b="1" dirty="0" smtClean="0"/>
-          </a:p>
-        </p:txBody>
-      </p:sp>
-      <p:sp>
-        <p:nvSpPr>
-          <p:cNvPr id="93187" name="内容占位符 2"/>
-          <p:cNvSpPr>
-            <a:spLocks noGrp="1"/>
-          </p:cNvSpPr>
-          <p:nvPr>
-            <p:ph idx="1"/>
-          </p:nvPr>
-        </p:nvSpPr>
-        <p:spPr>
-          <a:xfrm>
-            <a:off x="554885" y="1216013"/>
-            <a:ext cx="7875588" cy="669921"/>
-          </a:xfrm>
-        </p:spPr>
-        <p:txBody>
-          <a:bodyPr/>
-          <a:lstStyle/>
-          <a:p>
-            <a:pPr eaLnBrk="1" hangingPunct="1">
-              <a:lnSpc>
-                <a:spcPct val="90000"/>
-              </a:lnSpc>
-              <a:buFont typeface="Arial" panose="020B0604020202020204" pitchFamily="34" charset="0"/>
-              <a:buChar char="•"/>
-            </a:pPr>
-            <a:r>
-              <a:rPr lang="zh-CN" altLang="zh-CN" sz="2400" dirty="0" smtClean="0"/>
-              <a:t>此后，中低放废物将采用</a:t>
-            </a:r>
-            <a:r>
-              <a:rPr lang="en-US" altLang="zh-CN" sz="2400" dirty="0" smtClean="0"/>
-              <a:t>400L</a:t>
-            </a:r>
-            <a:r>
-              <a:rPr lang="zh-CN" altLang="zh-CN" sz="2400" dirty="0" smtClean="0"/>
-              <a:t>废物桶处置</a:t>
-            </a:r>
-          </a:p>
-        </p:txBody>
-      </p:sp>
-      <p:sp>
-        <p:nvSpPr>
-          <p:cNvPr id="11" name="内容占位符 2"/>
-          <p:cNvSpPr>
-            <a:spLocks noGrp="1"/>
-          </p:cNvSpPr>
-          <p:nvPr>
-            <p:ph idx="4294967295"/>
-          </p:nvPr>
-        </p:nvSpPr>
-        <p:spPr>
-          <a:xfrm>
-            <a:off x="554885" y="4746486"/>
-            <a:ext cx="7875587" cy="1824914"/>
-          </a:xfrm>
-        </p:spPr>
-        <p:txBody>
-          <a:bodyPr/>
-          <a:lstStyle/>
-          <a:p>
-            <a:pPr eaLnBrk="1" hangingPunct="1">
-              <a:lnSpc>
-                <a:spcPct val="90000"/>
-              </a:lnSpc>
-              <a:buFont typeface="Arial" panose="020B0604020202020204" pitchFamily="34" charset="0"/>
-              <a:buChar char="•"/>
-            </a:pPr>
-            <a:r>
-              <a:rPr kumimoji="1" lang="zh-CN" altLang="en-US" sz="2400" dirty="0" smtClean="0"/>
-              <a:t>与</a:t>
-            </a:r>
-            <a:r>
-              <a:rPr kumimoji="1" lang="en-US" altLang="zh-CN" sz="2400" dirty="0" smtClean="0"/>
-              <a:t>200L</a:t>
-            </a:r>
-            <a:r>
-              <a:rPr kumimoji="1" lang="zh-CN" altLang="en-US" sz="2400" dirty="0" smtClean="0"/>
-              <a:t>废物桶相比</a:t>
-            </a:r>
-            <a:r>
-              <a:rPr kumimoji="1" lang="en-US" altLang="zh-CN" sz="2400" dirty="0" smtClean="0"/>
-              <a:t>400L</a:t>
-            </a:r>
-            <a:r>
-              <a:rPr kumimoji="1" lang="zh-CN" altLang="en-US" sz="2400" dirty="0" smtClean="0"/>
-              <a:t>具有的特点：</a:t>
-            </a:r>
-            <a:endParaRPr kumimoji="1" lang="en-US" altLang="zh-CN" sz="2400" dirty="0" smtClean="0"/>
-          </a:p>
-          <a:p>
-            <a:pPr lvl="1">
-              <a:lnSpc>
-                <a:spcPct val="90000"/>
-              </a:lnSpc>
-            </a:pPr>
-            <a:r>
-              <a:rPr lang="zh-CN" altLang="zh-CN" sz="2000" dirty="0" smtClean="0"/>
-              <a:t>几何尺寸的增大</a:t>
-            </a:r>
-            <a:endParaRPr lang="en-US" altLang="zh-CN" sz="2000" dirty="0" smtClean="0"/>
-          </a:p>
-          <a:p>
-            <a:pPr lvl="1">
-              <a:lnSpc>
-                <a:spcPct val="90000"/>
-              </a:lnSpc>
-            </a:pPr>
-            <a:r>
-              <a:rPr lang="zh-CN" altLang="en-US" sz="2000" dirty="0" smtClean="0"/>
-              <a:t>采用</a:t>
-            </a:r>
-            <a:r>
-              <a:rPr lang="zh-CN" altLang="zh-CN" sz="2000" dirty="0" smtClean="0"/>
-              <a:t>超压缩等大减容比方法</a:t>
-            </a:r>
-            <a:endParaRPr lang="en-US" altLang="zh-CN" sz="2000" dirty="0" smtClean="0"/>
-          </a:p>
-          <a:p>
-            <a:pPr eaLnBrk="1" hangingPunct="1">
-              <a:lnSpc>
-                <a:spcPct val="90000"/>
-              </a:lnSpc>
-              <a:buFont typeface="Arial" panose="020B0604020202020204" pitchFamily="34" charset="0"/>
-              <a:buChar char="•"/>
-            </a:pPr>
-            <a:r>
-              <a:rPr kumimoji="1" lang="zh-CN" altLang="en-US" sz="2400" dirty="0" smtClean="0"/>
-              <a:t>以上特点都增强了自吸收效应，不均匀性可能</a:t>
-            </a:r>
-            <a:endParaRPr kumimoji="1" lang="en-US" altLang="zh-CN" sz="2400" dirty="0" smtClean="0"/>
-          </a:p>
-        </p:txBody>
-      </p:sp>
-      <p:grpSp>
-        <p:nvGrpSpPr>
-          <p:cNvPr id="93188" name="组合 1"/>
-          <p:cNvGrpSpPr>
-            <a:grpSpLocks/>
-          </p:cNvGrpSpPr>
-          <p:nvPr/>
-        </p:nvGrpSpPr>
-        <p:grpSpPr bwMode="auto">
-          <a:xfrm>
-            <a:off x="928522" y="1869577"/>
-            <a:ext cx="2651110" cy="2717244"/>
-            <a:chOff x="1191426" y="3557588"/>
-            <a:chExt cx="2651110" cy="2717244"/>
-          </a:xfrm>
-        </p:grpSpPr>
-        <p:pic>
-          <p:nvPicPr>
-            <p:cNvPr id="93189" name="图片 1"/>
-            <p:cNvPicPr>
-              <a:picLocks noChangeAspect="1"/>
-            </p:cNvPicPr>
-            <p:nvPr/>
-          </p:nvPicPr>
-          <p:blipFill>
-            <a:blip r:embed="rId3"/>
-            <a:srcRect/>
-            <a:stretch>
-              <a:fillRect/>
-            </a:stretch>
-          </p:blipFill>
-          <p:spPr bwMode="auto">
-            <a:xfrm>
-              <a:off x="1363663" y="3557588"/>
-              <a:ext cx="2306637" cy="2238375"/>
-            </a:xfrm>
-            <a:prstGeom prst="rect">
-              <a:avLst/>
-            </a:prstGeom>
-            <a:noFill/>
-            <a:ln w="9525">
-              <a:noFill/>
-              <a:miter lim="800000"/>
-              <a:headEnd/>
-              <a:tailEnd/>
-            </a:ln>
-          </p:spPr>
-        </p:pic>
-        <p:sp>
-          <p:nvSpPr>
-            <p:cNvPr id="93190" name="文本框 5"/>
-            <p:cNvSpPr txBox="1">
-              <a:spLocks noChangeArrowheads="1"/>
-            </p:cNvSpPr>
-            <p:nvPr/>
-          </p:nvSpPr>
-          <p:spPr bwMode="auto">
-            <a:xfrm>
-              <a:off x="1191426" y="5905500"/>
-              <a:ext cx="2651110" cy="369332"/>
-            </a:xfrm>
-            <a:prstGeom prst="rect">
-              <a:avLst/>
-            </a:prstGeom>
-            <a:noFill/>
-            <a:ln w="9525">
-              <a:noFill/>
-              <a:miter lim="800000"/>
-              <a:headEnd/>
-              <a:tailEnd/>
-            </a:ln>
-          </p:spPr>
-          <p:txBody>
-            <a:bodyPr wrap="none">
-              <a:spAutoFit/>
-            </a:bodyPr>
-            <a:lstStyle/>
-            <a:p>
-              <a:r>
-                <a:rPr kumimoji="1" lang="en-US" altLang="zh-CN" dirty="0" smtClean="0"/>
-                <a:t>200L </a:t>
-              </a:r>
-              <a:r>
-                <a:rPr kumimoji="1" lang="en-US" altLang="zh-CN" dirty="0"/>
-                <a:t>400L</a:t>
-              </a:r>
-              <a:r>
-                <a:rPr kumimoji="1" lang="zh-CN" altLang="en-US" dirty="0"/>
-                <a:t>废物桶图</a:t>
-              </a:r>
-              <a:r>
-                <a:rPr kumimoji="1" lang="zh-CN" altLang="en-US" dirty="0" smtClean="0"/>
-                <a:t>对比</a:t>
-              </a:r>
-              <a:endParaRPr lang="zh-CN" altLang="en-US" dirty="0"/>
-            </a:p>
-          </p:txBody>
-        </p:sp>
-      </p:grpSp>
-      <p:grpSp>
-        <p:nvGrpSpPr>
-          <p:cNvPr id="93191" name="组合 8"/>
-          <p:cNvGrpSpPr>
-            <a:grpSpLocks/>
-          </p:cNvGrpSpPr>
-          <p:nvPr/>
-        </p:nvGrpSpPr>
-        <p:grpSpPr bwMode="auto">
-          <a:xfrm>
-            <a:off x="4050955" y="1906088"/>
-            <a:ext cx="3760787" cy="2665295"/>
-            <a:chOff x="1274577" y="3456971"/>
-            <a:chExt cx="3760336" cy="2666413"/>
-          </a:xfrm>
-        </p:grpSpPr>
-        <p:pic>
-          <p:nvPicPr>
-            <p:cNvPr id="93192" name="图片 4"/>
-            <p:cNvPicPr>
-              <a:picLocks noChangeAspect="1"/>
-            </p:cNvPicPr>
-            <p:nvPr/>
-          </p:nvPicPr>
-          <p:blipFill>
-            <a:blip r:embed="rId4"/>
-            <a:srcRect/>
-            <a:stretch>
-              <a:fillRect/>
-            </a:stretch>
-          </p:blipFill>
-          <p:spPr bwMode="auto">
-            <a:xfrm>
-              <a:off x="1274577" y="3456971"/>
-              <a:ext cx="3760336" cy="2292206"/>
-            </a:xfrm>
-            <a:prstGeom prst="rect">
-              <a:avLst/>
-            </a:prstGeom>
-            <a:noFill/>
-            <a:ln w="9525">
-              <a:noFill/>
-              <a:miter lim="800000"/>
-              <a:headEnd/>
-              <a:tailEnd/>
-            </a:ln>
-          </p:spPr>
-        </p:pic>
-        <p:sp>
-          <p:nvSpPr>
-            <p:cNvPr id="93193" name="文本框 7"/>
-            <p:cNvSpPr txBox="1">
-              <a:spLocks noChangeArrowheads="1"/>
-            </p:cNvSpPr>
-            <p:nvPr/>
-          </p:nvSpPr>
-          <p:spPr bwMode="auto">
-            <a:xfrm>
-              <a:off x="2010979" y="5753897"/>
-              <a:ext cx="2287532" cy="369487"/>
-            </a:xfrm>
-            <a:prstGeom prst="rect">
-              <a:avLst/>
-            </a:prstGeom>
-            <a:noFill/>
-            <a:ln w="9525">
-              <a:noFill/>
-              <a:miter lim="800000"/>
-              <a:headEnd/>
-              <a:tailEnd/>
-            </a:ln>
-          </p:spPr>
-          <p:txBody>
-            <a:bodyPr wrap="none">
-              <a:spAutoFit/>
-            </a:bodyPr>
-            <a:lstStyle/>
-            <a:p>
-              <a:r>
-                <a:rPr kumimoji="1" lang="en-US" altLang="zh-CN" dirty="0" smtClean="0"/>
-                <a:t>SGS</a:t>
-              </a:r>
-              <a:r>
-                <a:rPr kumimoji="1" lang="zh-CN" altLang="en-US" dirty="0"/>
-                <a:t>误差随密度</a:t>
-              </a:r>
-              <a:r>
-                <a:rPr kumimoji="1" lang="zh-CN" altLang="en-US" dirty="0" smtClean="0"/>
-                <a:t>变化</a:t>
-              </a:r>
-              <a:endParaRPr lang="zh-CN" altLang="en-US" dirty="0"/>
-            </a:p>
-          </p:txBody>
-        </p:sp>
-      </p:grpSp>
-    </p:spTree>
-  </p:cSld>
-  <p:clrMapOvr>
-    <a:masterClrMapping/>
-  </p:clrMapOvr>
-  <mc:AlternateContent xmlns:mc="http://schemas.openxmlformats.org/markup-compatibility/2006" xmlns:p14="http://schemas.microsoft.com/office/powerpoint/2010/main">
-    <mc:Choice Requires="p14">
-      <p:transition spd="slow" p14:dur="2000"/>
-    </mc:Choice>
-    <mc:Fallback xmlns="">
-      <p:transition spd="slow"/>
-    </mc:Fallback>
-  </mc:AlternateContent>
-  <p:timing>
-    <p:tnLst>
-      <p:par>
-        <p:cTn id="1" dur="indefinite" restart="never" nodeType="tmRoot"/>
-      </p:par>
-    </p:tnLst>
-  </p:timing>
-</p:sld>
-</file>
-
-<file path=ppt/slides/slide2.xml><?xml version="1.0" encoding="utf-8"?>
-<p:sld xmlns:a="http://schemas.openxmlformats.org/drawingml/2006/main" xmlns:r="http://schemas.openxmlformats.org/officeDocument/2006/relationships" xmlns:p="http://schemas.openxmlformats.org/presentationml/2006/main">
-  <p:cSld>
-    <p:spTree>
-      <p:nvGrpSpPr>
-        <p:cNvPr id="1" name=""/>
-        <p:cNvGrpSpPr/>
-        <p:nvPr/>
-      </p:nvGrpSpPr>
-      <p:grpSpPr>
-        <a:xfrm>
-          <a:off x="0" y="0"/>
-          <a:ext cx="0" cy="0"/>
-          <a:chOff x="0" y="0"/>
-          <a:chExt cx="0" cy="0"/>
-        </a:xfrm>
-      </p:grpSpPr>
-      <p:sp>
-        <p:nvSpPr>
-          <p:cNvPr id="15361" name="标题 1"/>
-          <p:cNvSpPr>
-            <a:spLocks noGrp="1"/>
-          </p:cNvSpPr>
-          <p:nvPr>
-            <p:ph type="title"/>
-          </p:nvPr>
-        </p:nvSpPr>
-        <p:spPr bwMode="auto">
-          <a:noFill/>
-          <a:ln>
-            <a:miter lim="800000"/>
-            <a:headEnd/>
-            <a:tailEnd/>
-          </a:ln>
-        </p:spPr>
-        <p:txBody>
-          <a:bodyPr vert="horz" wrap="square" lIns="91440" tIns="45720" rIns="91440" bIns="45720" numCol="1" anchor="t" anchorCtr="0" compatLnSpc="1">
-            <a:prstTxWarp prst="textNoShape">
-              <a:avLst/>
-            </a:prstTxWarp>
-          </a:bodyPr>
-          <a:lstStyle/>
-          <a:p>
-            <a:pPr eaLnBrk="1" hangingPunct="1"/>
-            <a:r>
-              <a:rPr kumimoji="1" lang="zh-CN" altLang="en-US" b="1" dirty="0" smtClean="0"/>
-              <a:t>报告内容</a:t>
-            </a:r>
-          </a:p>
-        </p:txBody>
-      </p:sp>
-      <p:sp>
-        <p:nvSpPr>
-          <p:cNvPr id="15362" name="内容占位符 2"/>
-          <p:cNvSpPr>
-            <a:spLocks noGrp="1"/>
-          </p:cNvSpPr>
-          <p:nvPr>
-            <p:ph idx="1"/>
-          </p:nvPr>
-        </p:nvSpPr>
-        <p:spPr/>
-        <p:txBody>
-          <a:bodyPr/>
-          <a:lstStyle/>
-          <a:p>
-            <a:pPr marL="457200" indent="-457200" eaLnBrk="1" hangingPunct="1">
-              <a:buFont typeface="Wingdings" panose="05000000000000000000" pitchFamily="2" charset="2"/>
-              <a:buChar char="l"/>
-            </a:pPr>
-            <a:r>
-              <a:rPr kumimoji="1" lang="zh-CN" altLang="en-US" dirty="0" smtClean="0">
-                <a:solidFill>
-                  <a:schemeClr val="tx1"/>
-                </a:solidFill>
-                <a:latin typeface="SimHei" charset="0"/>
-                <a:ea typeface="SimHei" charset="0"/>
-                <a:cs typeface="SimHei" charset="0"/>
-              </a:rPr>
-              <a:t>研究背景</a:t>
-            </a:r>
-            <a:r>
-              <a:rPr kumimoji="1" lang="zh-CN" altLang="en-US" dirty="0">
-                <a:solidFill>
-                  <a:schemeClr val="tx1"/>
-                </a:solidFill>
-                <a:latin typeface="SimHei" charset="0"/>
-                <a:ea typeface="SimHei" charset="0"/>
-                <a:cs typeface="SimHei" charset="0"/>
-              </a:rPr>
-              <a:t>与</a:t>
-            </a:r>
-            <a:r>
-              <a:rPr kumimoji="1" lang="zh-CN" altLang="en-US" dirty="0" smtClean="0">
-                <a:solidFill>
-                  <a:schemeClr val="tx1"/>
-                </a:solidFill>
-                <a:latin typeface="SimHei" charset="0"/>
-                <a:ea typeface="SimHei" charset="0"/>
-                <a:cs typeface="SimHei" charset="0"/>
-              </a:rPr>
-              <a:t>国内外研究的历史与现状</a:t>
-            </a:r>
-            <a:endParaRPr kumimoji="1" lang="en-US" altLang="zh-CN" dirty="0" smtClean="0">
-              <a:solidFill>
-                <a:schemeClr val="tx1"/>
-              </a:solidFill>
-              <a:latin typeface="SimHei" charset="0"/>
-              <a:ea typeface="SimHei" charset="0"/>
-              <a:cs typeface="SimHei" charset="0"/>
-            </a:endParaRPr>
-          </a:p>
-          <a:p>
-            <a:pPr marL="457200" indent="-457200" eaLnBrk="1" hangingPunct="1">
-              <a:buFont typeface="Wingdings" panose="05000000000000000000" pitchFamily="2" charset="2"/>
-              <a:buChar char="l"/>
-            </a:pPr>
-            <a:r>
-              <a:rPr kumimoji="1" lang="zh-CN" altLang="en-US" dirty="0" smtClean="0">
-                <a:solidFill>
-                  <a:schemeClr val="tx1"/>
-                </a:solidFill>
-                <a:latin typeface="SimHei" charset="0"/>
-                <a:ea typeface="SimHei" charset="0"/>
-                <a:cs typeface="SimHei" charset="0"/>
-              </a:rPr>
-              <a:t>研究目标、内容</a:t>
-            </a:r>
-            <a:endParaRPr kumimoji="1" lang="en-US" altLang="zh-CN" dirty="0" smtClean="0">
-              <a:solidFill>
-                <a:schemeClr val="tx1"/>
-              </a:solidFill>
-              <a:latin typeface="SimHei" charset="0"/>
-              <a:ea typeface="SimHei" charset="0"/>
-              <a:cs typeface="SimHei" charset="0"/>
-            </a:endParaRPr>
-          </a:p>
-          <a:p>
-            <a:pPr lvl="1">
-              <a:buFont typeface="Wingdings" panose="05000000000000000000" pitchFamily="2" charset="2"/>
-              <a:buChar char="p"/>
-            </a:pPr>
-            <a:r>
-              <a:rPr kumimoji="1" lang="zh-CN" altLang="en-US" sz="2800" dirty="0">
-                <a:solidFill>
-                  <a:schemeClr val="tx1"/>
-                </a:solidFill>
-                <a:latin typeface="SimHei" charset="0"/>
-                <a:ea typeface="SimHei" charset="0"/>
-                <a:cs typeface="SimHei" charset="0"/>
-              </a:rPr>
-              <a:t>系统设计与</a:t>
-            </a:r>
-            <a:r>
-              <a:rPr kumimoji="1" lang="zh-CN" altLang="en-US" sz="2800" dirty="0" smtClean="0">
-                <a:solidFill>
-                  <a:schemeClr val="tx1"/>
-                </a:solidFill>
-                <a:latin typeface="SimHei" charset="0"/>
-                <a:ea typeface="SimHei" charset="0"/>
-                <a:cs typeface="SimHei" charset="0"/>
-              </a:rPr>
-              <a:t>优化</a:t>
-            </a:r>
-            <a:endParaRPr kumimoji="1" lang="en-US" altLang="zh-CN" sz="2800" dirty="0" smtClean="0">
-              <a:solidFill>
-                <a:schemeClr val="tx1"/>
-              </a:solidFill>
-              <a:latin typeface="SimHei" charset="0"/>
-              <a:ea typeface="SimHei" charset="0"/>
-              <a:cs typeface="SimHei" charset="0"/>
-            </a:endParaRPr>
-          </a:p>
-          <a:p>
-            <a:pPr lvl="1" eaLnBrk="1" hangingPunct="1">
-              <a:buFont typeface="Wingdings" panose="05000000000000000000" pitchFamily="2" charset="2"/>
-              <a:buChar char="p"/>
-            </a:pPr>
-            <a:r>
-              <a:rPr kumimoji="1" lang="en-US" altLang="zh-CN" sz="2800" dirty="0" smtClean="0">
-                <a:solidFill>
-                  <a:schemeClr val="tx1"/>
-                </a:solidFill>
-                <a:latin typeface="SimHei" charset="0"/>
-                <a:ea typeface="SimHei" charset="0"/>
-                <a:cs typeface="SimHei" charset="0"/>
-              </a:rPr>
-              <a:t>STGS</a:t>
-            </a:r>
-            <a:r>
-              <a:rPr kumimoji="1" lang="zh-CN" altLang="en-US" sz="2800" dirty="0" smtClean="0">
-                <a:solidFill>
-                  <a:schemeClr val="tx1"/>
-                </a:solidFill>
-                <a:latin typeface="SimHei" charset="0"/>
-                <a:ea typeface="SimHei" charset="0"/>
-                <a:cs typeface="SimHei" charset="0"/>
-              </a:rPr>
-              <a:t>技术研究与验证</a:t>
-            </a:r>
-            <a:endParaRPr kumimoji="1" lang="en-US" altLang="zh-CN" sz="2800" dirty="0" smtClean="0">
-              <a:solidFill>
-                <a:schemeClr val="tx1"/>
-              </a:solidFill>
-              <a:latin typeface="SimHei" charset="0"/>
-              <a:ea typeface="SimHei" charset="0"/>
-              <a:cs typeface="SimHei" charset="0"/>
-            </a:endParaRPr>
-          </a:p>
-          <a:p>
-            <a:pPr lvl="1" eaLnBrk="1" hangingPunct="1">
-              <a:buFont typeface="Wingdings" panose="05000000000000000000" pitchFamily="2" charset="2"/>
-              <a:buChar char="p"/>
-            </a:pPr>
-            <a:r>
-              <a:rPr kumimoji="1" lang="zh-CN" altLang="en-US" sz="2800" dirty="0" smtClean="0">
-                <a:solidFill>
-                  <a:schemeClr val="tx1"/>
-                </a:solidFill>
-                <a:latin typeface="SimHei" charset="0"/>
-                <a:ea typeface="SimHei" charset="0"/>
-                <a:cs typeface="SimHei" charset="0"/>
-              </a:rPr>
-              <a:t>改进型双探测器</a:t>
-            </a:r>
-            <a:r>
-              <a:rPr kumimoji="1" lang="en-US" altLang="zh-CN" sz="2800" dirty="0" smtClean="0">
-                <a:solidFill>
-                  <a:schemeClr val="tx1"/>
-                </a:solidFill>
-                <a:latin typeface="SimHei" charset="0"/>
-                <a:ea typeface="SimHei" charset="0"/>
-                <a:cs typeface="SimHei" charset="0"/>
-              </a:rPr>
-              <a:t>SGS</a:t>
-            </a:r>
-            <a:r>
-              <a:rPr kumimoji="1" lang="zh-CN" altLang="en-US" sz="2800" dirty="0" smtClean="0">
-                <a:solidFill>
-                  <a:schemeClr val="tx1"/>
-                </a:solidFill>
-                <a:latin typeface="SimHei" charset="0"/>
-                <a:ea typeface="SimHei" charset="0"/>
-                <a:cs typeface="SimHei" charset="0"/>
-              </a:rPr>
-              <a:t>方法研究与验证</a:t>
-            </a:r>
-            <a:endParaRPr kumimoji="1" lang="en-US" altLang="zh-CN" sz="2800" dirty="0" smtClean="0">
-              <a:solidFill>
-                <a:schemeClr val="tx1"/>
-              </a:solidFill>
-              <a:latin typeface="SimHei" charset="0"/>
-              <a:ea typeface="SimHei" charset="0"/>
-              <a:cs typeface="SimHei" charset="0"/>
-            </a:endParaRPr>
-          </a:p>
-          <a:p>
-            <a:pPr marL="457200" indent="-457200" eaLnBrk="1" hangingPunct="1">
-              <a:lnSpc>
-                <a:spcPct val="150000"/>
-              </a:lnSpc>
-              <a:spcBef>
-                <a:spcPct val="0"/>
-              </a:spcBef>
-              <a:buFont typeface="Wingdings" panose="05000000000000000000" pitchFamily="2" charset="2"/>
-              <a:buChar char="l"/>
-            </a:pPr>
-            <a:r>
-              <a:rPr lang="zh-CN" altLang="en-US" dirty="0" smtClean="0">
-                <a:solidFill>
-                  <a:schemeClr val="tx1"/>
-                </a:solidFill>
-                <a:latin typeface="SimHei" charset="0"/>
-                <a:ea typeface="SimHei" charset="0"/>
-                <a:cs typeface="SimHei" charset="0"/>
-              </a:rPr>
-              <a:t>研究</a:t>
-            </a:r>
-            <a:r>
-              <a:rPr lang="zh-CN" altLang="en-US" dirty="0">
-                <a:solidFill>
-                  <a:schemeClr val="tx1"/>
-                </a:solidFill>
-                <a:latin typeface="SimHei" charset="0"/>
-                <a:ea typeface="SimHei" charset="0"/>
-                <a:cs typeface="SimHei" charset="0"/>
-              </a:rPr>
-              <a:t>总结及创新点</a:t>
-            </a:r>
-          </a:p>
-        </p:txBody>
-      </p:sp>
-    </p:spTree>
-  </p:cSld>
-  <p:clrMapOvr>
-    <a:masterClrMapping/>
-  </p:clrMapOvr>
-  <p:timing>
-    <p:tnLst>
-      <p:par>
-        <p:cTn id="1" dur="indefinite" restart="never" nodeType="tmRoot"/>
-      </p:par>
-    </p:tnLst>
-  </p:timing>
-</p:sld>
-</file>
-
-<file path=ppt/slides/slide20.xml><?xml version="1.0" encoding="utf-8"?>
 <p:sld xmlns:a="http://schemas.openxmlformats.org/drawingml/2006/main" xmlns:r="http://schemas.openxmlformats.org/officeDocument/2006/relationships" xmlns:p="http://schemas.openxmlformats.org/presentationml/2006/main">
   <p:cSld>
     <p:spTree>
@@ -28139,7 +27719,314 @@
 </p:sld>
 </file>
 
-<file path=ppt/slides/slide21.xml><?xml version="1.0" encoding="utf-8"?>
+<file path=ppt/slides/slide2.xml><?xml version="1.0" encoding="utf-8"?>
+<p:sld xmlns:a="http://schemas.openxmlformats.org/drawingml/2006/main" xmlns:r="http://schemas.openxmlformats.org/officeDocument/2006/relationships" xmlns:p="http://schemas.openxmlformats.org/presentationml/2006/main">
+  <p:cSld>
+    <p:spTree>
+      <p:nvGrpSpPr>
+        <p:cNvPr id="1" name=""/>
+        <p:cNvGrpSpPr/>
+        <p:nvPr/>
+      </p:nvGrpSpPr>
+      <p:grpSpPr>
+        <a:xfrm>
+          <a:off x="0" y="0"/>
+          <a:ext cx="0" cy="0"/>
+          <a:chOff x="0" y="0"/>
+          <a:chExt cx="0" cy="0"/>
+        </a:xfrm>
+      </p:grpSpPr>
+      <p:sp>
+        <p:nvSpPr>
+          <p:cNvPr id="15361" name="标题 1"/>
+          <p:cNvSpPr>
+            <a:spLocks noGrp="1"/>
+          </p:cNvSpPr>
+          <p:nvPr>
+            <p:ph type="title"/>
+          </p:nvPr>
+        </p:nvSpPr>
+        <p:spPr bwMode="auto">
+          <a:noFill/>
+          <a:ln>
+            <a:miter lim="800000"/>
+            <a:headEnd/>
+            <a:tailEnd/>
+          </a:ln>
+        </p:spPr>
+        <p:txBody>
+          <a:bodyPr vert="horz" wrap="square" lIns="91440" tIns="45720" rIns="91440" bIns="45720" numCol="1" anchor="t" anchorCtr="0" compatLnSpc="1">
+            <a:prstTxWarp prst="textNoShape">
+              <a:avLst/>
+            </a:prstTxWarp>
+          </a:bodyPr>
+          <a:lstStyle/>
+          <a:p>
+            <a:pPr eaLnBrk="1" hangingPunct="1"/>
+            <a:r>
+              <a:rPr kumimoji="1" lang="zh-CN" altLang="en-US" b="1" dirty="0" smtClean="0"/>
+              <a:t>报告内容</a:t>
+            </a:r>
+          </a:p>
+        </p:txBody>
+      </p:sp>
+      <p:sp>
+        <p:nvSpPr>
+          <p:cNvPr id="15362" name="内容占位符 2"/>
+          <p:cNvSpPr>
+            <a:spLocks noGrp="1"/>
+          </p:cNvSpPr>
+          <p:nvPr>
+            <p:ph idx="1"/>
+          </p:nvPr>
+        </p:nvSpPr>
+        <p:spPr/>
+        <p:txBody>
+          <a:bodyPr/>
+          <a:lstStyle/>
+          <a:p>
+            <a:pPr marL="457200" indent="-457200" eaLnBrk="1" hangingPunct="1">
+              <a:buFont typeface="Wingdings" panose="05000000000000000000" pitchFamily="2" charset="2"/>
+              <a:buChar char="l"/>
+            </a:pPr>
+            <a:r>
+              <a:rPr kumimoji="1" lang="zh-CN" altLang="en-US" dirty="0" smtClean="0">
+                <a:solidFill>
+                  <a:schemeClr val="tx1"/>
+                </a:solidFill>
+                <a:latin typeface="SimHei" charset="0"/>
+                <a:ea typeface="SimHei" charset="0"/>
+                <a:cs typeface="SimHei" charset="0"/>
+              </a:rPr>
+              <a:t>研究背景</a:t>
+            </a:r>
+            <a:r>
+              <a:rPr kumimoji="1" lang="zh-CN" altLang="en-US" dirty="0">
+                <a:solidFill>
+                  <a:schemeClr val="tx1"/>
+                </a:solidFill>
+                <a:latin typeface="SimHei" charset="0"/>
+                <a:ea typeface="SimHei" charset="0"/>
+                <a:cs typeface="SimHei" charset="0"/>
+              </a:rPr>
+              <a:t>与</a:t>
+            </a:r>
+            <a:r>
+              <a:rPr kumimoji="1" lang="zh-CN" altLang="en-US" dirty="0" smtClean="0">
+                <a:solidFill>
+                  <a:schemeClr val="tx1"/>
+                </a:solidFill>
+                <a:latin typeface="SimHei" charset="0"/>
+                <a:ea typeface="SimHei" charset="0"/>
+                <a:cs typeface="SimHei" charset="0"/>
+              </a:rPr>
+              <a:t>国内外研究的历史与现状</a:t>
+            </a:r>
+            <a:endParaRPr kumimoji="1" lang="en-US" altLang="zh-CN" dirty="0" smtClean="0">
+              <a:solidFill>
+                <a:schemeClr val="tx1"/>
+              </a:solidFill>
+              <a:latin typeface="SimHei" charset="0"/>
+              <a:ea typeface="SimHei" charset="0"/>
+              <a:cs typeface="SimHei" charset="0"/>
+            </a:endParaRPr>
+          </a:p>
+          <a:p>
+            <a:pPr marL="457200" indent="-457200" eaLnBrk="1" hangingPunct="1">
+              <a:buFont typeface="Wingdings" panose="05000000000000000000" pitchFamily="2" charset="2"/>
+              <a:buChar char="l"/>
+            </a:pPr>
+            <a:r>
+              <a:rPr kumimoji="1" lang="zh-CN" altLang="en-US" dirty="0" smtClean="0">
+                <a:solidFill>
+                  <a:schemeClr val="tx1"/>
+                </a:solidFill>
+                <a:latin typeface="SimHei" charset="0"/>
+                <a:ea typeface="SimHei" charset="0"/>
+                <a:cs typeface="SimHei" charset="0"/>
+              </a:rPr>
+              <a:t>研究目标、内容</a:t>
+            </a:r>
+            <a:endParaRPr kumimoji="1" lang="en-US" altLang="zh-CN" dirty="0" smtClean="0">
+              <a:solidFill>
+                <a:schemeClr val="tx1"/>
+              </a:solidFill>
+              <a:latin typeface="SimHei" charset="0"/>
+              <a:ea typeface="SimHei" charset="0"/>
+              <a:cs typeface="SimHei" charset="0"/>
+            </a:endParaRPr>
+          </a:p>
+          <a:p>
+            <a:pPr lvl="1">
+              <a:buFont typeface="Wingdings" panose="05000000000000000000" pitchFamily="2" charset="2"/>
+              <a:buChar char="p"/>
+            </a:pPr>
+            <a:r>
+              <a:rPr kumimoji="1" lang="zh-CN" altLang="en-US" sz="2800" dirty="0">
+                <a:solidFill>
+                  <a:schemeClr val="tx1"/>
+                </a:solidFill>
+                <a:latin typeface="SimHei" charset="0"/>
+                <a:ea typeface="SimHei" charset="0"/>
+                <a:cs typeface="SimHei" charset="0"/>
+              </a:rPr>
+              <a:t>系统设计与</a:t>
+            </a:r>
+            <a:r>
+              <a:rPr kumimoji="1" lang="zh-CN" altLang="en-US" sz="2800" dirty="0" smtClean="0">
+                <a:solidFill>
+                  <a:schemeClr val="tx1"/>
+                </a:solidFill>
+                <a:latin typeface="SimHei" charset="0"/>
+                <a:ea typeface="SimHei" charset="0"/>
+                <a:cs typeface="SimHei" charset="0"/>
+              </a:rPr>
+              <a:t>优化</a:t>
+            </a:r>
+            <a:endParaRPr kumimoji="1" lang="en-US" altLang="zh-CN" sz="2800" dirty="0" smtClean="0">
+              <a:solidFill>
+                <a:schemeClr val="tx1"/>
+              </a:solidFill>
+              <a:latin typeface="SimHei" charset="0"/>
+              <a:ea typeface="SimHei" charset="0"/>
+              <a:cs typeface="SimHei" charset="0"/>
+            </a:endParaRPr>
+          </a:p>
+          <a:p>
+            <a:pPr lvl="1" eaLnBrk="1" hangingPunct="1">
+              <a:buFont typeface="Wingdings" panose="05000000000000000000" pitchFamily="2" charset="2"/>
+              <a:buChar char="p"/>
+            </a:pPr>
+            <a:r>
+              <a:rPr kumimoji="1" lang="en-US" altLang="zh-CN" sz="2800" dirty="0" smtClean="0">
+                <a:solidFill>
+                  <a:schemeClr val="tx1"/>
+                </a:solidFill>
+                <a:latin typeface="SimHei" charset="0"/>
+                <a:ea typeface="SimHei" charset="0"/>
+                <a:cs typeface="SimHei" charset="0"/>
+              </a:rPr>
+              <a:t>STGS</a:t>
+            </a:r>
+            <a:r>
+              <a:rPr kumimoji="1" lang="zh-CN" altLang="en-US" sz="2800" dirty="0" smtClean="0">
+                <a:solidFill>
+                  <a:schemeClr val="tx1"/>
+                </a:solidFill>
+                <a:latin typeface="SimHei" charset="0"/>
+                <a:ea typeface="SimHei" charset="0"/>
+                <a:cs typeface="SimHei" charset="0"/>
+              </a:rPr>
+              <a:t>技术研究与验证</a:t>
+            </a:r>
+            <a:endParaRPr kumimoji="1" lang="en-US" altLang="zh-CN" sz="2800" dirty="0" smtClean="0">
+              <a:solidFill>
+                <a:schemeClr val="tx1"/>
+              </a:solidFill>
+              <a:latin typeface="SimHei" charset="0"/>
+              <a:ea typeface="SimHei" charset="0"/>
+              <a:cs typeface="SimHei" charset="0"/>
+            </a:endParaRPr>
+          </a:p>
+          <a:p>
+            <a:pPr lvl="1" eaLnBrk="1" hangingPunct="1">
+              <a:buFont typeface="Wingdings" panose="05000000000000000000" pitchFamily="2" charset="2"/>
+              <a:buChar char="p"/>
+            </a:pPr>
+            <a:r>
+              <a:rPr kumimoji="1" lang="zh-CN" altLang="en-US" sz="2800" dirty="0" smtClean="0">
+                <a:solidFill>
+                  <a:schemeClr val="tx1"/>
+                </a:solidFill>
+                <a:latin typeface="SimHei" charset="0"/>
+                <a:ea typeface="SimHei" charset="0"/>
+                <a:cs typeface="SimHei" charset="0"/>
+              </a:rPr>
+              <a:t>改进型双探测器</a:t>
+            </a:r>
+            <a:r>
+              <a:rPr kumimoji="1" lang="en-US" altLang="zh-CN" sz="2800" dirty="0" smtClean="0">
+                <a:solidFill>
+                  <a:schemeClr val="tx1"/>
+                </a:solidFill>
+                <a:latin typeface="SimHei" charset="0"/>
+                <a:ea typeface="SimHei" charset="0"/>
+                <a:cs typeface="SimHei" charset="0"/>
+              </a:rPr>
+              <a:t>SGS</a:t>
+            </a:r>
+            <a:r>
+              <a:rPr kumimoji="1" lang="zh-CN" altLang="en-US" sz="2800" dirty="0" smtClean="0">
+                <a:solidFill>
+                  <a:schemeClr val="tx1"/>
+                </a:solidFill>
+                <a:latin typeface="SimHei" charset="0"/>
+                <a:ea typeface="SimHei" charset="0"/>
+                <a:cs typeface="SimHei" charset="0"/>
+              </a:rPr>
+              <a:t>方法研究与验证</a:t>
+            </a:r>
+            <a:endParaRPr kumimoji="1" lang="en-US" altLang="zh-CN" sz="2800" dirty="0" smtClean="0">
+              <a:solidFill>
+                <a:schemeClr val="tx1"/>
+              </a:solidFill>
+              <a:latin typeface="SimHei" charset="0"/>
+              <a:ea typeface="SimHei" charset="0"/>
+              <a:cs typeface="SimHei" charset="0"/>
+            </a:endParaRPr>
+          </a:p>
+          <a:p>
+            <a:pPr marL="457200" indent="-457200" eaLnBrk="1" hangingPunct="1">
+              <a:lnSpc>
+                <a:spcPct val="150000"/>
+              </a:lnSpc>
+              <a:spcBef>
+                <a:spcPct val="0"/>
+              </a:spcBef>
+              <a:buFont typeface="Wingdings" panose="05000000000000000000" pitchFamily="2" charset="2"/>
+              <a:buChar char="l"/>
+            </a:pPr>
+            <a:r>
+              <a:rPr lang="zh-CN" altLang="en-US" dirty="0" smtClean="0">
+                <a:solidFill>
+                  <a:schemeClr val="tx1"/>
+                </a:solidFill>
+                <a:latin typeface="SimHei" charset="0"/>
+                <a:ea typeface="SimHei" charset="0"/>
+                <a:cs typeface="SimHei" charset="0"/>
+              </a:rPr>
+              <a:t>研究</a:t>
+            </a:r>
+            <a:r>
+              <a:rPr lang="zh-CN" altLang="en-US" dirty="0">
+                <a:solidFill>
+                  <a:schemeClr val="tx1"/>
+                </a:solidFill>
+                <a:latin typeface="SimHei" charset="0"/>
+                <a:ea typeface="SimHei" charset="0"/>
+                <a:cs typeface="SimHei" charset="0"/>
+              </a:rPr>
+              <a:t>总结及创新点</a:t>
+            </a:r>
+          </a:p>
+        </p:txBody>
+      </p:sp>
+    </p:spTree>
+  </p:cSld>
+  <p:clrMapOvr>
+    <a:masterClrMapping/>
+  </p:clrMapOvr>
+  <p:timing>
+    <p:tnLst>
+      <p:par>
+        <p:cTn id="1" dur="indefinite" restart="never" nodeType="tmRoot"/>
+      </p:par>
+    </p:tnLst>
+  </p:timing>
+</p:sld>
+</file>
+
+<file path=ppt/slides/slide20.xml><?xml version="1.0" encoding="utf-8"?>
 <p:sld xmlns:a="http://schemas.openxmlformats.org/drawingml/2006/main" xmlns:r="http://schemas.openxmlformats.org/officeDocument/2006/relationships" xmlns:p="http://schemas.openxmlformats.org/presentationml/2006/main">
   <p:cSld>
     <p:spTree>
@@ -28902,7 +28789,7 @@
 </p:sld>
 </file>
 
-<file path=ppt/slides/slide22.xml><?xml version="1.0" encoding="utf-8"?>
+<file path=ppt/slides/slide21.xml><?xml version="1.0" encoding="utf-8"?>
 <p:sld xmlns:a="http://schemas.openxmlformats.org/drawingml/2006/main" xmlns:r="http://schemas.openxmlformats.org/officeDocument/2006/relationships" xmlns:p="http://schemas.openxmlformats.org/presentationml/2006/main">
   <p:cSld>
     <p:spTree>
@@ -29201,7 +29088,7 @@
             <a:graphicData uri="http://schemas.openxmlformats.org/presentationml/2006/ole">
               <mc:AlternateContent xmlns:mc="http://schemas.openxmlformats.org/markup-compatibility/2006">
                 <mc:Choice xmlns:v="urn:schemas-microsoft-com:vml" Requires="v">
-                  <p:oleObj spid="_x0000_s92476" r:id="rId5" imgW="1079500" imgH="228600" progId="Equation.DSMT4">
+                  <p:oleObj spid="_x0000_s92489" r:id="rId5" imgW="1079500" imgH="228600" progId="Equation.DSMT4">
                     <p:embed/>
                   </p:oleObj>
                 </mc:Choice>
@@ -29290,7 +29177,7 @@
             <a:graphicData uri="http://schemas.openxmlformats.org/presentationml/2006/ole">
               <mc:AlternateContent xmlns:mc="http://schemas.openxmlformats.org/markup-compatibility/2006">
                 <mc:Choice xmlns:v="urn:schemas-microsoft-com:vml" Requires="v">
-                  <p:oleObj spid="_x0000_s92477" r:id="rId7" imgW="748975" imgH="444307" progId="Equation.DSMT4">
+                  <p:oleObj spid="_x0000_s92490" r:id="rId7" imgW="748975" imgH="444307" progId="Equation.DSMT4">
                     <p:embed/>
                   </p:oleObj>
                 </mc:Choice>
@@ -29421,7 +29308,7 @@
             <a:graphicData uri="http://schemas.openxmlformats.org/presentationml/2006/ole">
               <mc:AlternateContent xmlns:mc="http://schemas.openxmlformats.org/markup-compatibility/2006">
                 <mc:Choice xmlns:v="urn:schemas-microsoft-com:vml" Requires="v">
-                  <p:oleObj spid="_x0000_s92478" r:id="rId9" imgW="837836" imgH="444307" progId="Equation.DSMT4">
+                  <p:oleObj spid="_x0000_s92491" r:id="rId9" imgW="837836" imgH="444307" progId="Equation.DSMT4">
                     <p:embed/>
                   </p:oleObj>
                 </mc:Choice>
@@ -29510,7 +29397,7 @@
             <a:graphicData uri="http://schemas.openxmlformats.org/presentationml/2006/ole">
               <mc:AlternateContent xmlns:mc="http://schemas.openxmlformats.org/markup-compatibility/2006">
                 <mc:Choice xmlns:v="urn:schemas-microsoft-com:vml" Requires="v">
-                  <p:oleObj spid="_x0000_s92479" r:id="rId11" imgW="1079500" imgH="228600" progId="Equation.DSMT4">
+                  <p:oleObj spid="_x0000_s92492" r:id="rId11" imgW="1079500" imgH="228600" progId="Equation.DSMT4">
                     <p:embed/>
                   </p:oleObj>
                 </mc:Choice>
@@ -29701,7 +29588,7 @@
 </p:sld>
 </file>
 
-<file path=ppt/slides/slide23.xml><?xml version="1.0" encoding="utf-8"?>
+<file path=ppt/slides/slide22.xml><?xml version="1.0" encoding="utf-8"?>
 <p:sld xmlns:a="http://schemas.openxmlformats.org/drawingml/2006/main" xmlns:r="http://schemas.openxmlformats.org/officeDocument/2006/relationships" xmlns:p="http://schemas.openxmlformats.org/presentationml/2006/main">
   <p:cSld>
     <p:spTree>
@@ -30377,7 +30264,7 @@
 </p:sld>
 </file>
 
-<file path=ppt/slides/slide24.xml><?xml version="1.0" encoding="utf-8"?>
+<file path=ppt/slides/slide23.xml><?xml version="1.0" encoding="utf-8"?>
 <p:sld xmlns:a="http://schemas.openxmlformats.org/drawingml/2006/main" xmlns:r="http://schemas.openxmlformats.org/officeDocument/2006/relationships" xmlns:p="http://schemas.openxmlformats.org/presentationml/2006/main">
   <p:cSld>
     <p:spTree>
@@ -30631,7 +30518,7 @@
 </p:sld>
 </file>
 
-<file path=ppt/slides/slide25.xml><?xml version="1.0" encoding="utf-8"?>
+<file path=ppt/slides/slide24.xml><?xml version="1.0" encoding="utf-8"?>
 <p:sld xmlns:a="http://schemas.openxmlformats.org/drawingml/2006/main" xmlns:r="http://schemas.openxmlformats.org/officeDocument/2006/relationships" xmlns:p="http://schemas.openxmlformats.org/presentationml/2006/main">
   <p:cSld>
     <p:spTree>
@@ -31032,7 +30919,7 @@
 </p:sld>
 </file>
 
-<file path=ppt/slides/slide26.xml><?xml version="1.0" encoding="utf-8"?>
+<file path=ppt/slides/slide25.xml><?xml version="1.0" encoding="utf-8"?>
 <p:sld xmlns:a="http://schemas.openxmlformats.org/drawingml/2006/main" xmlns:r="http://schemas.openxmlformats.org/officeDocument/2006/relationships" xmlns:p="http://schemas.openxmlformats.org/presentationml/2006/main">
   <p:cSld>
     <p:spTree>
@@ -32430,7 +32317,7 @@
 </p:sld>
 </file>
 
-<file path=ppt/slides/slide27.xml><?xml version="1.0" encoding="utf-8"?>
+<file path=ppt/slides/slide26.xml><?xml version="1.0" encoding="utf-8"?>
 <p:sld xmlns:a="http://schemas.openxmlformats.org/drawingml/2006/main" xmlns:r="http://schemas.openxmlformats.org/officeDocument/2006/relationships" xmlns:p="http://schemas.openxmlformats.org/presentationml/2006/main">
   <p:cSld>
     <p:spTree>
@@ -32882,7 +32769,7 @@
 </p:sld>
 </file>
 
-<file path=ppt/slides/slide28.xml><?xml version="1.0" encoding="utf-8"?>
+<file path=ppt/slides/slide27.xml><?xml version="1.0" encoding="utf-8"?>
 <p:sld xmlns:a="http://schemas.openxmlformats.org/drawingml/2006/main" xmlns:r="http://schemas.openxmlformats.org/officeDocument/2006/relationships" xmlns:p="http://schemas.openxmlformats.org/presentationml/2006/main" show="0">
   <p:cSld>
     <p:spTree>
@@ -33040,11 +32927,434 @@
   <p:clrMapOvr>
     <a:masterClrMapping/>
   </p:clrMapOvr>
-  <mc:AlternateContent xmlns:mc="http://schemas.openxmlformats.org/markup-compatibility/2006" xmlns:p14="http://schemas.microsoft.com/office/powerpoint/2010/main">
-    <mc:Choice Requires="p14">
+  <mc:AlternateContent xmlns:mc="http://schemas.openxmlformats.org/markup-compatibility/2006">
+    <mc:Choice xmlns:p14="http://schemas.microsoft.com/office/powerpoint/2010/main" Requires="p14">
       <p:transition spd="slow" p14:dur="2000"/>
     </mc:Choice>
-    <mc:Fallback xmlns="">
+    <mc:Fallback>
+      <p:transition spd="slow"/>
+    </mc:Fallback>
+  </mc:AlternateContent>
+  <p:timing>
+    <p:tnLst>
+      <p:par>
+        <p:cTn id="1" dur="indefinite" restart="never" nodeType="tmRoot"/>
+      </p:par>
+    </p:tnLst>
+  </p:timing>
+</p:sld>
+</file>
+
+<file path=ppt/slides/slide28.xml><?xml version="1.0" encoding="utf-8"?>
+<p:sld xmlns:a="http://schemas.openxmlformats.org/drawingml/2006/main" xmlns:r="http://schemas.openxmlformats.org/officeDocument/2006/relationships" xmlns:p="http://schemas.openxmlformats.org/presentationml/2006/main" show="0">
+  <p:cSld>
+    <p:spTree>
+      <p:nvGrpSpPr>
+        <p:cNvPr id="1" name=""/>
+        <p:cNvGrpSpPr/>
+        <p:nvPr/>
+      </p:nvGrpSpPr>
+      <p:grpSpPr>
+        <a:xfrm>
+          <a:off x="0" y="0"/>
+          <a:ext cx="0" cy="0"/>
+          <a:chOff x="0" y="0"/>
+          <a:chExt cx="0" cy="0"/>
+        </a:xfrm>
+      </p:grpSpPr>
+      <p:sp>
+        <p:nvSpPr>
+          <p:cNvPr id="93186" name="标题 1"/>
+          <p:cNvSpPr>
+            <a:spLocks noGrp="1"/>
+          </p:cNvSpPr>
+          <p:nvPr>
+            <p:ph type="title"/>
+          </p:nvPr>
+        </p:nvSpPr>
+        <p:spPr bwMode="auto">
+          <a:xfrm>
+            <a:off x="2070847" y="193014"/>
+            <a:ext cx="7073154" cy="757237"/>
+          </a:xfrm>
+          <a:prstGeom prst="rect">
+            <a:avLst/>
+          </a:prstGeom>
+          <a:noFill/>
+          <a:ln>
+            <a:miter lim="800000"/>
+            <a:headEnd/>
+            <a:tailEnd/>
+          </a:ln>
+        </p:spPr>
+        <p:txBody>
+          <a:bodyPr/>
+          <a:lstStyle/>
+          <a:p>
+            <a:pPr algn="l" eaLnBrk="1" hangingPunct="1"/>
+            <a:r>
+              <a:rPr lang="en-US" altLang="zh-CN" b="1" dirty="0" err="1" smtClean="0"/>
+              <a:t>STGS</a:t>
+            </a:r>
+            <a:r>
+              <a:rPr lang="en-US" altLang="zh-CN" b="1" dirty="0" err="1"/>
+              <a:t>技术</a:t>
+            </a:r>
+            <a:r>
+              <a:rPr lang="zh-CN" altLang="en-US" b="1" dirty="0" smtClean="0"/>
+              <a:t>验证</a:t>
+            </a:r>
+            <a:r>
+              <a:rPr lang="en-US" altLang="zh-CN" b="1" dirty="0" smtClean="0"/>
+              <a:t>-400L</a:t>
+            </a:r>
+            <a:r>
+              <a:rPr lang="zh-CN" altLang="en-US" b="1" dirty="0" smtClean="0"/>
+              <a:t>特点</a:t>
+            </a:r>
+            <a:endParaRPr kumimoji="1" lang="zh-CN" altLang="en-US" b="1" dirty="0" smtClean="0"/>
+          </a:p>
+        </p:txBody>
+      </p:sp>
+      <p:sp>
+        <p:nvSpPr>
+          <p:cNvPr id="93187" name="内容占位符 2"/>
+          <p:cNvSpPr>
+            <a:spLocks noGrp="1"/>
+          </p:cNvSpPr>
+          <p:nvPr>
+            <p:ph idx="1"/>
+          </p:nvPr>
+        </p:nvSpPr>
+        <p:spPr>
+          <a:xfrm>
+            <a:off x="554885" y="1216013"/>
+            <a:ext cx="7875588" cy="669921"/>
+          </a:xfrm>
+        </p:spPr>
+        <p:txBody>
+          <a:bodyPr/>
+          <a:lstStyle/>
+          <a:p>
+            <a:pPr eaLnBrk="1" hangingPunct="1">
+              <a:lnSpc>
+                <a:spcPct val="90000"/>
+              </a:lnSpc>
+              <a:buFont typeface="Arial" panose="020B0604020202020204" pitchFamily="34" charset="0"/>
+              <a:buChar char="•"/>
+            </a:pPr>
+            <a:r>
+              <a:rPr lang="zh-CN" altLang="zh-CN" sz="2400" dirty="0" smtClean="0"/>
+              <a:t>此后，中低放废物将采用</a:t>
+            </a:r>
+            <a:r>
+              <a:rPr lang="en-US" altLang="zh-CN" sz="2400" dirty="0" smtClean="0"/>
+              <a:t>400L</a:t>
+            </a:r>
+            <a:r>
+              <a:rPr lang="zh-CN" altLang="zh-CN" sz="2400" dirty="0" smtClean="0"/>
+              <a:t>废物桶处置</a:t>
+            </a:r>
+          </a:p>
+        </p:txBody>
+      </p:sp>
+      <p:sp>
+        <p:nvSpPr>
+          <p:cNvPr id="11" name="内容占位符 2"/>
+          <p:cNvSpPr>
+            <a:spLocks noGrp="1"/>
+          </p:cNvSpPr>
+          <p:nvPr>
+            <p:ph idx="4294967295"/>
+          </p:nvPr>
+        </p:nvSpPr>
+        <p:spPr>
+          <a:xfrm>
+            <a:off x="554885" y="4704850"/>
+            <a:ext cx="7875588" cy="1824038"/>
+          </a:xfrm>
+        </p:spPr>
+        <p:txBody>
+          <a:bodyPr/>
+          <a:lstStyle/>
+          <a:p>
+            <a:pPr eaLnBrk="1" hangingPunct="1">
+              <a:lnSpc>
+                <a:spcPct val="90000"/>
+              </a:lnSpc>
+              <a:buFont typeface="Arial" panose="020B0604020202020204" pitchFamily="34" charset="0"/>
+              <a:buChar char="•"/>
+            </a:pPr>
+            <a:r>
+              <a:rPr kumimoji="1" lang="zh-CN" altLang="en-US" sz="2400" dirty="0" smtClean="0"/>
+              <a:t>与</a:t>
+            </a:r>
+            <a:r>
+              <a:rPr kumimoji="1" lang="en-US" altLang="zh-CN" sz="2400" dirty="0" smtClean="0"/>
+              <a:t>200L</a:t>
+            </a:r>
+            <a:r>
+              <a:rPr kumimoji="1" lang="zh-CN" altLang="en-US" sz="2400" dirty="0" smtClean="0"/>
+              <a:t>废物桶相比</a:t>
+            </a:r>
+            <a:r>
+              <a:rPr kumimoji="1" lang="en-US" altLang="zh-CN" sz="2400" dirty="0" smtClean="0"/>
+              <a:t>400L</a:t>
+            </a:r>
+            <a:r>
+              <a:rPr kumimoji="1" lang="zh-CN" altLang="en-US" sz="2400" dirty="0" smtClean="0"/>
+              <a:t>具有的特点：</a:t>
+            </a:r>
+            <a:endParaRPr kumimoji="1" lang="en-US" altLang="zh-CN" sz="2400" dirty="0" smtClean="0"/>
+          </a:p>
+          <a:p>
+            <a:pPr lvl="1">
+              <a:lnSpc>
+                <a:spcPct val="90000"/>
+              </a:lnSpc>
+            </a:pPr>
+            <a:r>
+              <a:rPr lang="zh-CN" altLang="zh-CN" sz="2000" dirty="0" smtClean="0"/>
+              <a:t>几何尺寸的增大</a:t>
+            </a:r>
+            <a:endParaRPr lang="en-US" altLang="zh-CN" sz="2000" dirty="0" smtClean="0"/>
+          </a:p>
+          <a:p>
+            <a:pPr lvl="1">
+              <a:lnSpc>
+                <a:spcPct val="90000"/>
+              </a:lnSpc>
+            </a:pPr>
+            <a:r>
+              <a:rPr lang="zh-CN" altLang="en-US" sz="2000" dirty="0" smtClean="0"/>
+              <a:t>采用</a:t>
+            </a:r>
+            <a:r>
+              <a:rPr lang="zh-CN" altLang="zh-CN" sz="2000" dirty="0" smtClean="0"/>
+              <a:t>超压缩等大减容比方法</a:t>
+            </a:r>
+            <a:endParaRPr lang="en-US" altLang="zh-CN" sz="2000" dirty="0" smtClean="0"/>
+          </a:p>
+          <a:p>
+            <a:pPr eaLnBrk="1" hangingPunct="1">
+              <a:lnSpc>
+                <a:spcPct val="90000"/>
+              </a:lnSpc>
+              <a:buFont typeface="Arial" panose="020B0604020202020204" pitchFamily="34" charset="0"/>
+              <a:buChar char="•"/>
+            </a:pPr>
+            <a:r>
+              <a:rPr kumimoji="1" lang="zh-CN" altLang="en-US" sz="2400" dirty="0" smtClean="0"/>
+              <a:t>以上特点都增强了自吸收效应，不均匀性可能</a:t>
+            </a:r>
+            <a:endParaRPr kumimoji="1" lang="en-US" altLang="zh-CN" sz="2400" dirty="0" smtClean="0"/>
+          </a:p>
+        </p:txBody>
+      </p:sp>
+      <p:grpSp>
+        <p:nvGrpSpPr>
+          <p:cNvPr id="93188" name="组合 1"/>
+          <p:cNvGrpSpPr>
+            <a:grpSpLocks/>
+          </p:cNvGrpSpPr>
+          <p:nvPr/>
+        </p:nvGrpSpPr>
+        <p:grpSpPr bwMode="auto">
+          <a:xfrm>
+            <a:off x="928522" y="1869577"/>
+            <a:ext cx="2651110" cy="2717244"/>
+            <a:chOff x="1191426" y="3557588"/>
+            <a:chExt cx="2651110" cy="2717244"/>
+          </a:xfrm>
+        </p:grpSpPr>
+        <p:pic>
+          <p:nvPicPr>
+            <p:cNvPr id="93189" name="图片 1"/>
+            <p:cNvPicPr>
+              <a:picLocks noChangeAspect="1"/>
+            </p:cNvPicPr>
+            <p:nvPr/>
+          </p:nvPicPr>
+          <p:blipFill>
+            <a:blip r:embed="rId3"/>
+            <a:srcRect/>
+            <a:stretch>
+              <a:fillRect/>
+            </a:stretch>
+          </p:blipFill>
+          <p:spPr bwMode="auto">
+            <a:xfrm>
+              <a:off x="1363663" y="3557588"/>
+              <a:ext cx="2306637" cy="2238375"/>
+            </a:xfrm>
+            <a:prstGeom prst="rect">
+              <a:avLst/>
+            </a:prstGeom>
+            <a:noFill/>
+            <a:ln w="9525">
+              <a:noFill/>
+              <a:miter lim="800000"/>
+              <a:headEnd/>
+              <a:tailEnd/>
+            </a:ln>
+          </p:spPr>
+        </p:pic>
+        <p:sp>
+          <p:nvSpPr>
+            <p:cNvPr id="93190" name="文本框 5"/>
+            <p:cNvSpPr txBox="1">
+              <a:spLocks noChangeArrowheads="1"/>
+            </p:cNvSpPr>
+            <p:nvPr/>
+          </p:nvSpPr>
+          <p:spPr bwMode="auto">
+            <a:xfrm>
+              <a:off x="1191426" y="5905500"/>
+              <a:ext cx="2651110" cy="369332"/>
+            </a:xfrm>
+            <a:prstGeom prst="rect">
+              <a:avLst/>
+            </a:prstGeom>
+            <a:noFill/>
+            <a:ln w="9525">
+              <a:noFill/>
+              <a:miter lim="800000"/>
+              <a:headEnd/>
+              <a:tailEnd/>
+            </a:ln>
+          </p:spPr>
+          <p:txBody>
+            <a:bodyPr wrap="none">
+              <a:spAutoFit/>
+            </a:bodyPr>
+            <a:lstStyle/>
+            <a:p>
+              <a:r>
+                <a:rPr kumimoji="1" lang="en-US" altLang="zh-CN" dirty="0" smtClean="0"/>
+                <a:t>200L </a:t>
+              </a:r>
+              <a:r>
+                <a:rPr kumimoji="1" lang="en-US" altLang="zh-CN" dirty="0"/>
+                <a:t>400L</a:t>
+              </a:r>
+              <a:r>
+                <a:rPr kumimoji="1" lang="zh-CN" altLang="en-US" dirty="0"/>
+                <a:t>废物桶图</a:t>
+              </a:r>
+              <a:r>
+                <a:rPr kumimoji="1" lang="zh-CN" altLang="en-US" dirty="0" smtClean="0"/>
+                <a:t>对比</a:t>
+              </a:r>
+              <a:endParaRPr lang="zh-CN" altLang="en-US" dirty="0"/>
+            </a:p>
+          </p:txBody>
+        </p:sp>
+      </p:grpSp>
+      <p:grpSp>
+        <p:nvGrpSpPr>
+          <p:cNvPr id="93191" name="组合 8"/>
+          <p:cNvGrpSpPr>
+            <a:grpSpLocks/>
+          </p:cNvGrpSpPr>
+          <p:nvPr/>
+        </p:nvGrpSpPr>
+        <p:grpSpPr bwMode="auto">
+          <a:xfrm>
+            <a:off x="4050955" y="1906088"/>
+            <a:ext cx="3760787" cy="2665295"/>
+            <a:chOff x="1274577" y="3456971"/>
+            <a:chExt cx="3760336" cy="2666413"/>
+          </a:xfrm>
+        </p:grpSpPr>
+        <p:pic>
+          <p:nvPicPr>
+            <p:cNvPr id="93192" name="图片 4"/>
+            <p:cNvPicPr>
+              <a:picLocks noChangeAspect="1"/>
+            </p:cNvPicPr>
+            <p:nvPr/>
+          </p:nvPicPr>
+          <p:blipFill>
+            <a:blip r:embed="rId4"/>
+            <a:srcRect/>
+            <a:stretch>
+              <a:fillRect/>
+            </a:stretch>
+          </p:blipFill>
+          <p:spPr bwMode="auto">
+            <a:xfrm>
+              <a:off x="1274577" y="3456971"/>
+              <a:ext cx="3760336" cy="2292206"/>
+            </a:xfrm>
+            <a:prstGeom prst="rect">
+              <a:avLst/>
+            </a:prstGeom>
+            <a:noFill/>
+            <a:ln w="9525">
+              <a:noFill/>
+              <a:miter lim="800000"/>
+              <a:headEnd/>
+              <a:tailEnd/>
+            </a:ln>
+          </p:spPr>
+        </p:pic>
+        <p:sp>
+          <p:nvSpPr>
+            <p:cNvPr id="93193" name="文本框 7"/>
+            <p:cNvSpPr txBox="1">
+              <a:spLocks noChangeArrowheads="1"/>
+            </p:cNvSpPr>
+            <p:nvPr/>
+          </p:nvSpPr>
+          <p:spPr bwMode="auto">
+            <a:xfrm>
+              <a:off x="2010979" y="5753897"/>
+              <a:ext cx="2287532" cy="369487"/>
+            </a:xfrm>
+            <a:prstGeom prst="rect">
+              <a:avLst/>
+            </a:prstGeom>
+            <a:noFill/>
+            <a:ln w="9525">
+              <a:noFill/>
+              <a:miter lim="800000"/>
+              <a:headEnd/>
+              <a:tailEnd/>
+            </a:ln>
+          </p:spPr>
+          <p:txBody>
+            <a:bodyPr wrap="none">
+              <a:spAutoFit/>
+            </a:bodyPr>
+            <a:lstStyle/>
+            <a:p>
+              <a:r>
+                <a:rPr kumimoji="1" lang="en-US" altLang="zh-CN" dirty="0" smtClean="0"/>
+                <a:t>SGS</a:t>
+              </a:r>
+              <a:r>
+                <a:rPr kumimoji="1" lang="zh-CN" altLang="en-US" dirty="0"/>
+                <a:t>误差随密度</a:t>
+              </a:r>
+              <a:r>
+                <a:rPr kumimoji="1" lang="zh-CN" altLang="en-US" dirty="0" smtClean="0"/>
+                <a:t>变化</a:t>
+              </a:r>
+              <a:endParaRPr lang="zh-CN" altLang="en-US" dirty="0"/>
+            </a:p>
+          </p:txBody>
+        </p:sp>
+      </p:grpSp>
+    </p:spTree>
+  </p:cSld>
+  <p:clrMapOvr>
+    <a:masterClrMapping/>
+  </p:clrMapOvr>
+  <mc:AlternateContent xmlns:mc="http://schemas.openxmlformats.org/markup-compatibility/2006">
+    <mc:Choice xmlns:p14="http://schemas.microsoft.com/office/powerpoint/2010/main" Requires="p14">
+      <p:transition spd="slow" p14:dur="2000"/>
+    </mc:Choice>
+    <mc:Fallback>
       <p:transition spd="slow"/>
     </mc:Fallback>
   </mc:AlternateContent>
@@ -35264,7 +35574,7 @@
             <a:spLocks noGrp="1" noChangeArrowheads="1"/>
           </p:cNvSpPr>
           <p:nvPr>
-            <p:ph type="body" idx="1"/>
+            <p:ph idx="1"/>
           </p:nvPr>
         </p:nvSpPr>
         <p:spPr bwMode="auto">
